--- a/slides.pptx
+++ b/slides.pptx
@@ -5,11 +5,12 @@
     <p:sldMasterId id="2147483648" r:id="rId1"/>
   </p:sldMasterIdLst>
   <p:notesMasterIdLst>
-    <p:notesMasterId r:id="rId4"/>
+    <p:notesMasterId r:id="rId5"/>
   </p:notesMasterIdLst>
   <p:sldIdLst>
     <p:sldId id="256" r:id="rId2"/>
-    <p:sldId id="257" r:id="rId3"/>
+    <p:sldId id="258" r:id="rId3"/>
+    <p:sldId id="257" r:id="rId4"/>
   </p:sldIdLst>
   <p:sldSz cx="12192000" cy="6858000"/>
   <p:notesSz cx="6858000" cy="9144000"/>
@@ -202,7 +203,7 @@
           <a:p>
             <a:fld id="{9768728B-C74D-450C-A579-E5E997D18F7C}" type="datetimeFigureOut">
               <a:rPr lang="de-DE" smtClean="0"/>
-              <a:t>29.10.2017</a:t>
+              <a:t>04.11.2017</a:t>
             </a:fld>
             <a:endParaRPr lang="de-DE"/>
           </a:p>
@@ -536,7 +537,7 @@
               <a:rPr lang="de-DE" smtClean="0"/>
               <a:t>1</a:t>
             </a:fld>
-            <a:endParaRPr lang="de-DE"/>
+            <a:endParaRPr lang="de-DE" dirty="0"/>
           </a:p>
         </p:txBody>
       </p:sp>
@@ -599,8 +600,192 @@
           <a:p>
             <a:r>
               <a:rPr lang="de-DE" dirty="0" err="1"/>
-              <a:t>todo</a:t>
-            </a:r>
+              <a:t>complete</a:t>
+            </a:r>
+            <a:r>
+              <a:rPr lang="de-DE" dirty="0"/>
+              <a:t> </a:t>
+            </a:r>
+            <a:r>
+              <a:rPr lang="de-DE" dirty="0" err="1"/>
+              <a:t>means</a:t>
+            </a:r>
+            <a:r>
+              <a:rPr lang="de-DE" dirty="0"/>
+              <a:t> </a:t>
+            </a:r>
+            <a:r>
+              <a:rPr lang="de-DE" dirty="0" err="1"/>
+              <a:t>that</a:t>
+            </a:r>
+            <a:r>
+              <a:rPr lang="de-DE" dirty="0"/>
+              <a:t> </a:t>
+            </a:r>
+            <a:r>
+              <a:rPr lang="de-DE" dirty="0" err="1"/>
+              <a:t>there</a:t>
+            </a:r>
+            <a:r>
+              <a:rPr lang="de-DE" dirty="0"/>
+              <a:t> </a:t>
+            </a:r>
+            <a:r>
+              <a:rPr lang="de-DE" dirty="0" err="1"/>
+              <a:t>are</a:t>
+            </a:r>
+            <a:r>
+              <a:rPr lang="de-DE" dirty="0"/>
+              <a:t> </a:t>
+            </a:r>
+            <a:r>
+              <a:rPr lang="de-DE" dirty="0" err="1"/>
+              <a:t>no</a:t>
+            </a:r>
+            <a:r>
+              <a:rPr lang="de-DE" dirty="0"/>
+              <a:t> </a:t>
+            </a:r>
+            <a:r>
+              <a:rPr lang="de-DE" dirty="0" err="1"/>
+              <a:t>two</a:t>
+            </a:r>
+            <a:r>
+              <a:rPr lang="de-DE" dirty="0"/>
+              <a:t> </a:t>
+            </a:r>
+            <a:r>
+              <a:rPr lang="de-DE" dirty="0" err="1"/>
+              <a:t>regular</a:t>
+            </a:r>
+            <a:r>
+              <a:rPr lang="de-DE" dirty="0"/>
+              <a:t> </a:t>
+            </a:r>
+            <a:r>
+              <a:rPr lang="de-DE" dirty="0" err="1"/>
+              <a:t>expressions</a:t>
+            </a:r>
+            <a:r>
+              <a:rPr lang="de-DE" dirty="0"/>
+              <a:t> </a:t>
+            </a:r>
+            <a:r>
+              <a:rPr lang="de-DE" dirty="0" err="1"/>
+              <a:t>for</a:t>
+            </a:r>
+            <a:r>
+              <a:rPr lang="de-DE" dirty="0"/>
+              <a:t> </a:t>
+            </a:r>
+            <a:r>
+              <a:rPr lang="de-DE" dirty="0" err="1"/>
+              <a:t>which</a:t>
+            </a:r>
+            <a:r>
+              <a:rPr lang="de-DE" dirty="0"/>
+              <a:t> </a:t>
+            </a:r>
+            <a:r>
+              <a:rPr lang="de-DE" dirty="0" err="1"/>
+              <a:t>the</a:t>
+            </a:r>
+            <a:r>
+              <a:rPr lang="de-DE" dirty="0"/>
+              <a:t> </a:t>
+            </a:r>
+            <a:r>
+              <a:rPr lang="en-GB" noProof="0" dirty="0"/>
+              <a:t>algorithm</a:t>
+            </a:r>
+            <a:r>
+              <a:rPr lang="de-DE" dirty="0"/>
+              <a:t> </a:t>
+            </a:r>
+            <a:r>
+              <a:rPr lang="de-DE" dirty="0" err="1"/>
+              <a:t>does</a:t>
+            </a:r>
+            <a:r>
+              <a:rPr lang="de-DE" dirty="0"/>
+              <a:t> not </a:t>
+            </a:r>
+            <a:r>
+              <a:rPr lang="de-DE" dirty="0" err="1"/>
+              <a:t>terminate</a:t>
+            </a:r>
+            <a:r>
+              <a:rPr lang="de-DE" dirty="0"/>
+              <a:t> </a:t>
+            </a:r>
+            <a:r>
+              <a:rPr lang="de-DE" dirty="0" err="1"/>
+              <a:t>or</a:t>
+            </a:r>
+            <a:r>
+              <a:rPr lang="de-DE" dirty="0"/>
+              <a:t> </a:t>
+            </a:r>
+            <a:r>
+              <a:rPr lang="de-DE" dirty="0" err="1"/>
+              <a:t>return</a:t>
+            </a:r>
+            <a:r>
+              <a:rPr lang="de-DE" dirty="0"/>
+              <a:t> a </a:t>
+            </a:r>
+            <a:r>
+              <a:rPr lang="de-DE" dirty="0" err="1"/>
+              <a:t>result</a:t>
+            </a:r>
+            <a:endParaRPr lang="de-DE" dirty="0"/>
+          </a:p>
+          <a:p>
+            <a:endParaRPr lang="de-DE" dirty="0"/>
+          </a:p>
+          <a:p>
+            <a:r>
+              <a:rPr lang="de-DE" dirty="0"/>
+              <a:t>Personal </a:t>
+            </a:r>
+            <a:r>
+              <a:rPr lang="de-DE" dirty="0" err="1"/>
+              <a:t>use</a:t>
+            </a:r>
+            <a:r>
+              <a:rPr lang="de-DE" dirty="0"/>
+              <a:t> </a:t>
+            </a:r>
+            <a:r>
+              <a:rPr lang="de-DE" dirty="0" err="1"/>
+              <a:t>case</a:t>
+            </a:r>
+            <a:r>
+              <a:rPr lang="de-DE" dirty="0"/>
+              <a:t>: </a:t>
+            </a:r>
+            <a:r>
+              <a:rPr lang="de-DE" dirty="0" err="1"/>
+              <a:t>something</a:t>
+            </a:r>
+            <a:r>
+              <a:rPr lang="de-DE" dirty="0"/>
+              <a:t> like </a:t>
+            </a:r>
+            <a:r>
+              <a:rPr lang="de-DE" err="1"/>
+              <a:t>automatatutor</a:t>
+            </a:r>
+            <a:r>
+              <a:rPr lang="de-DE"/>
+              <a:t>.com</a:t>
+            </a:r>
+            <a:endParaRPr lang="de-DE" dirty="0"/>
+          </a:p>
+          <a:p>
+            <a:endParaRPr lang="de-DE" dirty="0"/>
+          </a:p>
+          <a:p>
             <a:endParaRPr lang="de-DE" dirty="0"/>
           </a:p>
         </p:txBody>
@@ -623,6 +808,94 @@
             <a:fld id="{FAA32559-8951-4C46-A356-FBB9455D7E38}" type="slidenum">
               <a:rPr lang="de-DE" smtClean="0"/>
               <a:t>2</a:t>
+            </a:fld>
+            <a:endParaRPr lang="de-DE"/>
+          </a:p>
+        </p:txBody>
+      </p:sp>
+    </p:spTree>
+    <p:extLst>
+      <p:ext uri="{BB962C8B-B14F-4D97-AF65-F5344CB8AC3E}">
+        <p14:creationId xmlns:p14="http://schemas.microsoft.com/office/powerpoint/2010/main" val="3470285170"/>
+      </p:ext>
+    </p:extLst>
+  </p:cSld>
+  <p:clrMapOvr>
+    <a:masterClrMapping/>
+  </p:clrMapOvr>
+</p:notes>
+</file>
+
+<file path=ppt/notesSlides/notesSlide3.xml><?xml version="1.0" encoding="utf-8"?>
+<p:notes xmlns:a="http://schemas.openxmlformats.org/drawingml/2006/main" xmlns:r="http://schemas.openxmlformats.org/officeDocument/2006/relationships" xmlns:p="http://schemas.openxmlformats.org/presentationml/2006/main">
+  <p:cSld>
+    <p:spTree>
+      <p:nvGrpSpPr>
+        <p:cNvPr id="1" name=""/>
+        <p:cNvGrpSpPr/>
+        <p:nvPr/>
+      </p:nvGrpSpPr>
+      <p:grpSpPr>
+        <a:xfrm>
+          <a:off x="0" y="0"/>
+          <a:ext cx="0" cy="0"/>
+          <a:chOff x="0" y="0"/>
+          <a:chExt cx="0" cy="0"/>
+        </a:xfrm>
+      </p:grpSpPr>
+      <p:sp>
+        <p:nvSpPr>
+          <p:cNvPr id="2" name="Folienbildplatzhalter 1"/>
+          <p:cNvSpPr>
+            <a:spLocks noGrp="1" noRot="1" noChangeAspect="1"/>
+          </p:cNvSpPr>
+          <p:nvPr>
+            <p:ph type="sldImg"/>
+          </p:nvPr>
+        </p:nvSpPr>
+        <p:spPr/>
+      </p:sp>
+      <p:sp>
+        <p:nvSpPr>
+          <p:cNvPr id="3" name="Notizenplatzhalter 2"/>
+          <p:cNvSpPr>
+            <a:spLocks noGrp="1"/>
+          </p:cNvSpPr>
+          <p:nvPr>
+            <p:ph type="body" idx="1"/>
+          </p:nvPr>
+        </p:nvSpPr>
+        <p:spPr/>
+        <p:txBody>
+          <a:bodyPr/>
+          <a:lstStyle/>
+          <a:p>
+            <a:r>
+              <a:rPr lang="de-DE" dirty="0" err="1"/>
+              <a:t>todo</a:t>
+            </a:r>
+            <a:endParaRPr lang="de-DE" dirty="0"/>
+          </a:p>
+        </p:txBody>
+      </p:sp>
+      <p:sp>
+        <p:nvSpPr>
+          <p:cNvPr id="4" name="Foliennummernplatzhalter 3"/>
+          <p:cNvSpPr>
+            <a:spLocks noGrp="1"/>
+          </p:cNvSpPr>
+          <p:nvPr>
+            <p:ph type="sldNum" sz="quarter" idx="10"/>
+          </p:nvPr>
+        </p:nvSpPr>
+        <p:spPr/>
+        <p:txBody>
+          <a:bodyPr/>
+          <a:lstStyle/>
+          <a:p>
+            <a:fld id="{FAA32559-8951-4C46-A356-FBB9455D7E38}" type="slidenum">
+              <a:rPr lang="de-DE" smtClean="0"/>
+              <a:t>3</a:t>
             </a:fld>
             <a:endParaRPr lang="de-DE"/>
           </a:p>
@@ -689,7 +962,7 @@
           </a:lstStyle>
           <a:p>
             <a:r>
-              <a:rPr lang="de-DE"/>
+              <a:rPr lang="en-US" noProof="0"/>
               <a:t>Titelmasterformat durch Klicken bearbeiten</a:t>
             </a:r>
           </a:p>
@@ -759,7 +1032,7 @@
           </a:lstStyle>
           <a:p>
             <a:r>
-              <a:rPr lang="de-DE"/>
+              <a:rPr lang="en-US" noProof="0"/>
               <a:t>Formatvorlage des Untertitelmasters durch Klicken bearbeiten</a:t>
             </a:r>
           </a:p>
@@ -787,10 +1060,10 @@
           <a:lstStyle/>
           <a:p>
             <a:fld id="{B8511AE9-C2D5-45E7-980E-A4DD1A9265AF}" type="datetimeFigureOut">
-              <a:rPr lang="de-DE" smtClean="0"/>
-              <a:t>29.10.2017</a:t>
+              <a:rPr lang="en-US" noProof="0" smtClean="0"/>
+              <a:t>04.11.2017</a:t>
             </a:fld>
-            <a:endParaRPr lang="de-DE"/>
+            <a:endParaRPr lang="en-US" noProof="0"/>
           </a:p>
         </p:txBody>
       </p:sp>
@@ -815,7 +1088,7 @@
           <a:bodyPr/>
           <a:lstStyle/>
           <a:p>
-            <a:endParaRPr lang="de-DE"/>
+            <a:endParaRPr lang="en-US" noProof="0"/>
           </a:p>
         </p:txBody>
       </p:sp>
@@ -841,10 +1114,10 @@
           <a:lstStyle/>
           <a:p>
             <a:fld id="{A6FC3592-670B-414A-8A31-30780E1FE872}" type="slidenum">
-              <a:rPr lang="de-DE" smtClean="0"/>
+              <a:rPr lang="en-US" noProof="0" smtClean="0"/>
               <a:t>‹Nr.›</a:t>
             </a:fld>
-            <a:endParaRPr lang="de-DE"/>
+            <a:endParaRPr lang="en-US" noProof="0"/>
           </a:p>
         </p:txBody>
       </p:sp>
@@ -986,7 +1259,7 @@
           <a:p>
             <a:fld id="{B8511AE9-C2D5-45E7-980E-A4DD1A9265AF}" type="datetimeFigureOut">
               <a:rPr lang="de-DE" smtClean="0"/>
-              <a:t>29.10.2017</a:t>
+              <a:t>04.11.2017</a:t>
             </a:fld>
             <a:endParaRPr lang="de-DE"/>
           </a:p>
@@ -1013,7 +1286,7 @@
           <a:bodyPr/>
           <a:lstStyle/>
           <a:p>
-            <a:endParaRPr lang="de-DE"/>
+            <a:endParaRPr lang="en-US" noProof="0"/>
           </a:p>
         </p:txBody>
       </p:sp>
@@ -1039,10 +1312,258 @@
           <a:lstStyle/>
           <a:p>
             <a:fld id="{A6FC3592-670B-414A-8A31-30780E1FE872}" type="slidenum">
-              <a:rPr lang="de-DE" smtClean="0"/>
+              <a:rPr lang="en-US" noProof="0" smtClean="0"/>
               <a:t>‹Nr.›</a:t>
             </a:fld>
-            <a:endParaRPr lang="de-DE"/>
+            <a:endParaRPr lang="en-US" noProof="0"/>
+          </a:p>
+        </p:txBody>
+      </p:sp>
+      <p:sp>
+        <p:nvSpPr>
+          <p:cNvPr id="7" name="Titel 1">
+            <a:extLst>
+              <a:ext uri="{FF2B5EF4-FFF2-40B4-BE49-F238E27FC236}">
+                <a16:creationId xmlns:a16="http://schemas.microsoft.com/office/drawing/2014/main" id="{66404AD9-AB34-47B5-971F-5EEADA0FD9C9}"/>
+              </a:ext>
+            </a:extLst>
+          </p:cNvPr>
+          <p:cNvSpPr txBox="1">
+            <a:spLocks/>
+          </p:cNvSpPr>
+          <p:nvPr userDrawn="1"/>
+        </p:nvSpPr>
+        <p:spPr>
+          <a:xfrm>
+            <a:off x="887128" y="365125"/>
+            <a:ext cx="10515600" cy="1325563"/>
+          </a:xfrm>
+          <a:prstGeom prst="rect">
+            <a:avLst/>
+          </a:prstGeom>
+        </p:spPr>
+        <p:txBody>
+          <a:bodyPr vert="horz" lIns="91440" tIns="45720" rIns="91440" bIns="45720" rtlCol="0" anchor="ctr">
+            <a:normAutofit/>
+          </a:bodyPr>
+          <a:lstStyle>
+            <a:lvl1pPr algn="l" defTabSz="914400" rtl="0" eaLnBrk="1" latinLnBrk="0" hangingPunct="1">
+              <a:lnSpc>
+                <a:spcPct val="90000"/>
+              </a:lnSpc>
+              <a:spcBef>
+                <a:spcPct val="0"/>
+              </a:spcBef>
+              <a:buNone/>
+              <a:defRPr sz="4400" kern="1200">
+                <a:solidFill>
+                  <a:schemeClr val="tx1"/>
+                </a:solidFill>
+                <a:latin typeface="+mj-lt"/>
+                <a:ea typeface="+mj-ea"/>
+                <a:cs typeface="+mj-cs"/>
+              </a:defRPr>
+            </a:lvl1pPr>
+          </a:lstStyle>
+          <a:p>
+            <a:r>
+              <a:rPr lang="en-US" noProof="0"/>
+              <a:t>Titelmasterformat durch Klicken bearbeiten</a:t>
+            </a:r>
+          </a:p>
+        </p:txBody>
+      </p:sp>
+      <p:sp>
+        <p:nvSpPr>
+          <p:cNvPr id="8" name="Vertikaler Textplatzhalter 2">
+            <a:extLst>
+              <a:ext uri="{FF2B5EF4-FFF2-40B4-BE49-F238E27FC236}">
+                <a16:creationId xmlns:a16="http://schemas.microsoft.com/office/drawing/2014/main" id="{2F92B24A-68DE-4029-98BA-CE7998A469CF}"/>
+              </a:ext>
+            </a:extLst>
+          </p:cNvPr>
+          <p:cNvSpPr>
+            <a:spLocks noGrp="1"/>
+          </p:cNvSpPr>
+          <p:nvPr>
+            <p:ph type="body" orient="vert" idx="13"/>
+          </p:nvPr>
+        </p:nvSpPr>
+        <p:spPr>
+          <a:xfrm>
+            <a:off x="887128" y="1825625"/>
+            <a:ext cx="10515600" cy="4351338"/>
+          </a:xfrm>
+        </p:spPr>
+        <p:txBody>
+          <a:bodyPr vert="eaVert"/>
+          <a:lstStyle/>
+          <a:p>
+            <a:pPr lvl="0"/>
+            <a:r>
+              <a:rPr lang="en-US" noProof="0"/>
+              <a:t>Formatvorlagen des Textmasters bearbeiten</a:t>
+            </a:r>
+          </a:p>
+          <a:p>
+            <a:pPr lvl="1"/>
+            <a:r>
+              <a:rPr lang="en-US" noProof="0"/>
+              <a:t>Zweite Ebene</a:t>
+            </a:r>
+          </a:p>
+          <a:p>
+            <a:pPr lvl="2"/>
+            <a:r>
+              <a:rPr lang="en-US" noProof="0"/>
+              <a:t>Dritte Ebene</a:t>
+            </a:r>
+          </a:p>
+          <a:p>
+            <a:pPr lvl="3"/>
+            <a:r>
+              <a:rPr lang="en-US" noProof="0"/>
+              <a:t>Vierte Ebene</a:t>
+            </a:r>
+          </a:p>
+          <a:p>
+            <a:pPr lvl="4"/>
+            <a:r>
+              <a:rPr lang="en-US" noProof="0"/>
+              <a:t>Fünfte Ebene</a:t>
+            </a:r>
+          </a:p>
+        </p:txBody>
+      </p:sp>
+      <p:sp>
+        <p:nvSpPr>
+          <p:cNvPr id="9" name="Datumsplatzhalter 3">
+            <a:extLst>
+              <a:ext uri="{FF2B5EF4-FFF2-40B4-BE49-F238E27FC236}">
+                <a16:creationId xmlns:a16="http://schemas.microsoft.com/office/drawing/2014/main" id="{62629077-229D-416C-949A-E6C352EFD1FC}"/>
+              </a:ext>
+            </a:extLst>
+          </p:cNvPr>
+          <p:cNvSpPr txBox="1">
+            <a:spLocks/>
+          </p:cNvSpPr>
+          <p:nvPr userDrawn="1"/>
+        </p:nvSpPr>
+        <p:spPr>
+          <a:xfrm>
+            <a:off x="887128" y="6356350"/>
+            <a:ext cx="2743200" cy="365125"/>
+          </a:xfrm>
+          <a:prstGeom prst="rect">
+            <a:avLst/>
+          </a:prstGeom>
+        </p:spPr>
+        <p:txBody>
+          <a:bodyPr vert="horz" lIns="91440" tIns="45720" rIns="91440" bIns="45720" rtlCol="0" anchor="ctr"/>
+          <a:lstStyle>
+            <a:defPPr>
+              <a:defRPr lang="de-DE"/>
+            </a:defPPr>
+            <a:lvl1pPr marL="0" algn="l" defTabSz="914400" rtl="0" eaLnBrk="1" latinLnBrk="0" hangingPunct="1">
+              <a:defRPr sz="1200" kern="1200">
+                <a:solidFill>
+                  <a:schemeClr val="tx1">
+                    <a:tint val="75000"/>
+                  </a:schemeClr>
+                </a:solidFill>
+                <a:latin typeface="+mn-lt"/>
+                <a:ea typeface="+mn-ea"/>
+                <a:cs typeface="+mn-cs"/>
+              </a:defRPr>
+            </a:lvl1pPr>
+            <a:lvl2pPr marL="457200" algn="l" defTabSz="914400" rtl="0" eaLnBrk="1" latinLnBrk="0" hangingPunct="1">
+              <a:defRPr sz="1800" kern="1200">
+                <a:solidFill>
+                  <a:schemeClr val="tx1"/>
+                </a:solidFill>
+                <a:latin typeface="+mn-lt"/>
+                <a:ea typeface="+mn-ea"/>
+                <a:cs typeface="+mn-cs"/>
+              </a:defRPr>
+            </a:lvl2pPr>
+            <a:lvl3pPr marL="914400" algn="l" defTabSz="914400" rtl="0" eaLnBrk="1" latinLnBrk="0" hangingPunct="1">
+              <a:defRPr sz="1800" kern="1200">
+                <a:solidFill>
+                  <a:schemeClr val="tx1"/>
+                </a:solidFill>
+                <a:latin typeface="+mn-lt"/>
+                <a:ea typeface="+mn-ea"/>
+                <a:cs typeface="+mn-cs"/>
+              </a:defRPr>
+            </a:lvl3pPr>
+            <a:lvl4pPr marL="1371600" algn="l" defTabSz="914400" rtl="0" eaLnBrk="1" latinLnBrk="0" hangingPunct="1">
+              <a:defRPr sz="1800" kern="1200">
+                <a:solidFill>
+                  <a:schemeClr val="tx1"/>
+                </a:solidFill>
+                <a:latin typeface="+mn-lt"/>
+                <a:ea typeface="+mn-ea"/>
+                <a:cs typeface="+mn-cs"/>
+              </a:defRPr>
+            </a:lvl4pPr>
+            <a:lvl5pPr marL="1828800" algn="l" defTabSz="914400" rtl="0" eaLnBrk="1" latinLnBrk="0" hangingPunct="1">
+              <a:defRPr sz="1800" kern="1200">
+                <a:solidFill>
+                  <a:schemeClr val="tx1"/>
+                </a:solidFill>
+                <a:latin typeface="+mn-lt"/>
+                <a:ea typeface="+mn-ea"/>
+                <a:cs typeface="+mn-cs"/>
+              </a:defRPr>
+            </a:lvl5pPr>
+            <a:lvl6pPr marL="2286000" algn="l" defTabSz="914400" rtl="0" eaLnBrk="1" latinLnBrk="0" hangingPunct="1">
+              <a:defRPr sz="1800" kern="1200">
+                <a:solidFill>
+                  <a:schemeClr val="tx1"/>
+                </a:solidFill>
+                <a:latin typeface="+mn-lt"/>
+                <a:ea typeface="+mn-ea"/>
+                <a:cs typeface="+mn-cs"/>
+              </a:defRPr>
+            </a:lvl6pPr>
+            <a:lvl7pPr marL="2743200" algn="l" defTabSz="914400" rtl="0" eaLnBrk="1" latinLnBrk="0" hangingPunct="1">
+              <a:defRPr sz="1800" kern="1200">
+                <a:solidFill>
+                  <a:schemeClr val="tx1"/>
+                </a:solidFill>
+                <a:latin typeface="+mn-lt"/>
+                <a:ea typeface="+mn-ea"/>
+                <a:cs typeface="+mn-cs"/>
+              </a:defRPr>
+            </a:lvl7pPr>
+            <a:lvl8pPr marL="3200400" algn="l" defTabSz="914400" rtl="0" eaLnBrk="1" latinLnBrk="0" hangingPunct="1">
+              <a:defRPr sz="1800" kern="1200">
+                <a:solidFill>
+                  <a:schemeClr val="tx1"/>
+                </a:solidFill>
+                <a:latin typeface="+mn-lt"/>
+                <a:ea typeface="+mn-ea"/>
+                <a:cs typeface="+mn-cs"/>
+              </a:defRPr>
+            </a:lvl8pPr>
+            <a:lvl9pPr marL="3657600" algn="l" defTabSz="914400" rtl="0" eaLnBrk="1" latinLnBrk="0" hangingPunct="1">
+              <a:defRPr sz="1800" kern="1200">
+                <a:solidFill>
+                  <a:schemeClr val="tx1"/>
+                </a:solidFill>
+                <a:latin typeface="+mn-lt"/>
+                <a:ea typeface="+mn-ea"/>
+                <a:cs typeface="+mn-cs"/>
+              </a:defRPr>
+            </a:lvl9pPr>
+          </a:lstStyle>
+          <a:p>
+            <a:fld id="{B8511AE9-C2D5-45E7-980E-A4DD1A9265AF}" type="datetimeFigureOut">
+              <a:rPr lang="en-US" noProof="0" smtClean="0"/>
+              <a:pPr/>
+              <a:t>04.11.2017</a:t>
+            </a:fld>
+            <a:endParaRPr lang="en-US" noProof="0"/>
           </a:p>
         </p:txBody>
       </p:sp>
@@ -1103,7 +1624,7 @@
           <a:lstStyle/>
           <a:p>
             <a:r>
-              <a:rPr lang="de-DE"/>
+              <a:rPr lang="en-US" noProof="0"/>
               <a:t>Titelmasterformat durch Klicken bearbeiten</a:t>
             </a:r>
           </a:p>
@@ -1137,35 +1658,35 @@
           <a:p>
             <a:pPr lvl="0"/>
             <a:r>
-              <a:rPr lang="de-DE"/>
+              <a:rPr lang="en-US" noProof="0"/>
               <a:t>Formatvorlagen des Textmasters bearbeiten</a:t>
             </a:r>
           </a:p>
           <a:p>
             <a:pPr lvl="1"/>
             <a:r>
-              <a:rPr lang="de-DE"/>
+              <a:rPr lang="en-US" noProof="0"/>
               <a:t>Zweite Ebene</a:t>
             </a:r>
           </a:p>
           <a:p>
             <a:pPr lvl="2"/>
             <a:r>
-              <a:rPr lang="de-DE"/>
+              <a:rPr lang="en-US" noProof="0"/>
               <a:t>Dritte Ebene</a:t>
             </a:r>
           </a:p>
           <a:p>
             <a:pPr lvl="3"/>
             <a:r>
-              <a:rPr lang="de-DE"/>
+              <a:rPr lang="en-US" noProof="0"/>
               <a:t>Vierte Ebene</a:t>
             </a:r>
           </a:p>
           <a:p>
             <a:pPr lvl="4"/>
             <a:r>
-              <a:rPr lang="de-DE"/>
+              <a:rPr lang="en-US" noProof="0"/>
               <a:t>Fünfte Ebene</a:t>
             </a:r>
           </a:p>
@@ -1193,10 +1714,10 @@
           <a:lstStyle/>
           <a:p>
             <a:fld id="{B8511AE9-C2D5-45E7-980E-A4DD1A9265AF}" type="datetimeFigureOut">
-              <a:rPr lang="de-DE" smtClean="0"/>
-              <a:t>29.10.2017</a:t>
+              <a:rPr lang="en-US" noProof="0" smtClean="0"/>
+              <a:t>04.11.2017</a:t>
             </a:fld>
-            <a:endParaRPr lang="de-DE"/>
+            <a:endParaRPr lang="en-US" noProof="0"/>
           </a:p>
         </p:txBody>
       </p:sp>
@@ -1221,7 +1742,7 @@
           <a:bodyPr/>
           <a:lstStyle/>
           <a:p>
-            <a:endParaRPr lang="de-DE"/>
+            <a:endParaRPr lang="en-US" noProof="0"/>
           </a:p>
         </p:txBody>
       </p:sp>
@@ -1247,10 +1768,10 @@
           <a:lstStyle/>
           <a:p>
             <a:fld id="{A6FC3592-670B-414A-8A31-30780E1FE872}" type="slidenum">
-              <a:rPr lang="de-DE" smtClean="0"/>
+              <a:rPr lang="en-US" noProof="0" smtClean="0"/>
               <a:t>‹Nr.›</a:t>
             </a:fld>
-            <a:endParaRPr lang="de-DE"/>
+            <a:endParaRPr lang="en-US" noProof="0"/>
           </a:p>
         </p:txBody>
       </p:sp>
@@ -1306,7 +1827,7 @@
           <a:lstStyle/>
           <a:p>
             <a:r>
-              <a:rPr lang="de-DE"/>
+              <a:rPr lang="en-US" noProof="0"/>
               <a:t>Titelmasterformat durch Klicken bearbeiten</a:t>
             </a:r>
           </a:p>
@@ -1335,35 +1856,35 @@
           <a:p>
             <a:pPr lvl="0"/>
             <a:r>
-              <a:rPr lang="de-DE"/>
+              <a:rPr lang="en-US" noProof="0"/>
               <a:t>Formatvorlagen des Textmasters bearbeiten</a:t>
             </a:r>
           </a:p>
           <a:p>
             <a:pPr lvl="1"/>
             <a:r>
-              <a:rPr lang="de-DE"/>
+              <a:rPr lang="en-US" noProof="0"/>
               <a:t>Zweite Ebene</a:t>
             </a:r>
           </a:p>
           <a:p>
             <a:pPr lvl="2"/>
             <a:r>
-              <a:rPr lang="de-DE"/>
+              <a:rPr lang="en-US" noProof="0"/>
               <a:t>Dritte Ebene</a:t>
             </a:r>
           </a:p>
           <a:p>
             <a:pPr lvl="3"/>
             <a:r>
-              <a:rPr lang="de-DE"/>
+              <a:rPr lang="en-US" noProof="0"/>
               <a:t>Vierte Ebene</a:t>
             </a:r>
           </a:p>
           <a:p>
             <a:pPr lvl="4"/>
             <a:r>
-              <a:rPr lang="de-DE"/>
+              <a:rPr lang="en-US" noProof="0"/>
               <a:t>Fünfte Ebene</a:t>
             </a:r>
           </a:p>
@@ -1391,10 +1912,10 @@
           <a:lstStyle/>
           <a:p>
             <a:fld id="{B8511AE9-C2D5-45E7-980E-A4DD1A9265AF}" type="datetimeFigureOut">
-              <a:rPr lang="de-DE" smtClean="0"/>
-              <a:t>29.10.2017</a:t>
+              <a:rPr lang="en-US" noProof="0" smtClean="0"/>
+              <a:t>04.11.2017</a:t>
             </a:fld>
-            <a:endParaRPr lang="de-DE"/>
+            <a:endParaRPr lang="en-US" noProof="0"/>
           </a:p>
         </p:txBody>
       </p:sp>
@@ -1419,7 +1940,7 @@
           <a:bodyPr/>
           <a:lstStyle/>
           <a:p>
-            <a:endParaRPr lang="de-DE"/>
+            <a:endParaRPr lang="en-US" noProof="0"/>
           </a:p>
         </p:txBody>
       </p:sp>
@@ -1445,10 +1966,10 @@
           <a:lstStyle/>
           <a:p>
             <a:fld id="{A6FC3592-670B-414A-8A31-30780E1FE872}" type="slidenum">
-              <a:rPr lang="de-DE" smtClean="0"/>
+              <a:rPr lang="en-US" noProof="0" smtClean="0"/>
               <a:t>‹Nr.›</a:t>
             </a:fld>
-            <a:endParaRPr lang="de-DE"/>
+            <a:endParaRPr lang="en-US" noProof="0"/>
           </a:p>
         </p:txBody>
       </p:sp>
@@ -1513,7 +2034,7 @@
           </a:lstStyle>
           <a:p>
             <a:r>
-              <a:rPr lang="de-DE"/>
+              <a:rPr lang="en-US" noProof="0"/>
               <a:t>Titelmasterformat durch Klicken bearbeiten</a:t>
             </a:r>
           </a:p>
@@ -1638,7 +2159,7 @@
           <a:p>
             <a:pPr lvl="0"/>
             <a:r>
-              <a:rPr lang="de-DE"/>
+              <a:rPr lang="en-US" noProof="0"/>
               <a:t>Formatvorlagen des Textmasters bearbeiten</a:t>
             </a:r>
           </a:p>
@@ -1666,10 +2187,10 @@
           <a:lstStyle/>
           <a:p>
             <a:fld id="{B8511AE9-C2D5-45E7-980E-A4DD1A9265AF}" type="datetimeFigureOut">
-              <a:rPr lang="de-DE" smtClean="0"/>
-              <a:t>29.10.2017</a:t>
+              <a:rPr lang="en-US" noProof="0" smtClean="0"/>
+              <a:t>04.11.2017</a:t>
             </a:fld>
-            <a:endParaRPr lang="de-DE"/>
+            <a:endParaRPr lang="en-US" noProof="0"/>
           </a:p>
         </p:txBody>
       </p:sp>
@@ -1694,7 +2215,7 @@
           <a:bodyPr/>
           <a:lstStyle/>
           <a:p>
-            <a:endParaRPr lang="de-DE"/>
+            <a:endParaRPr lang="en-US" noProof="0"/>
           </a:p>
         </p:txBody>
       </p:sp>
@@ -1720,10 +2241,10 @@
           <a:lstStyle/>
           <a:p>
             <a:fld id="{A6FC3592-670B-414A-8A31-30780E1FE872}" type="slidenum">
-              <a:rPr lang="de-DE" smtClean="0"/>
+              <a:rPr lang="en-US" noProof="0" smtClean="0"/>
               <a:t>‹Nr.›</a:t>
             </a:fld>
-            <a:endParaRPr lang="de-DE"/>
+            <a:endParaRPr lang="en-US" noProof="0"/>
           </a:p>
         </p:txBody>
       </p:sp>
@@ -1779,7 +2300,7 @@
           <a:lstStyle/>
           <a:p>
             <a:r>
-              <a:rPr lang="de-DE"/>
+              <a:rPr lang="en-US" noProof="0"/>
               <a:t>Titelmasterformat durch Klicken bearbeiten</a:t>
             </a:r>
           </a:p>
@@ -1809,41 +2330,98 @@
         </p:spPr>
         <p:txBody>
           <a:bodyPr/>
-          <a:lstStyle/>
+          <a:lstStyle>
+            <a:lvl1pPr>
+              <a:defRPr/>
+            </a:lvl1pPr>
+          </a:lstStyle>
           <a:p>
             <a:pPr lvl="0"/>
             <a:r>
-              <a:rPr lang="de-DE"/>
-              <a:t>Formatvorlagen des Textmasters bearbeiten</a:t>
-            </a:r>
+              <a:rPr lang="en-US" noProof="0" dirty="0" err="1"/>
+              <a:t>Formatvorlagen</a:t>
+            </a:r>
+            <a:r>
+              <a:rPr lang="en-US" noProof="0" dirty="0"/>
+              <a:t> des </a:t>
+            </a:r>
+            <a:r>
+              <a:rPr lang="en-US" noProof="0" dirty="0" err="1"/>
+              <a:t>Textmasters</a:t>
+            </a:r>
+            <a:r>
+              <a:rPr lang="en-US" noProof="0" dirty="0"/>
+              <a:t> </a:t>
+            </a:r>
+            <a:r>
+              <a:rPr lang="en-US" noProof="0" dirty="0" err="1"/>
+              <a:t>bearbeiten</a:t>
+            </a:r>
+            <a:endParaRPr lang="en-US" noProof="0" dirty="0"/>
           </a:p>
           <a:p>
             <a:pPr lvl="1"/>
             <a:r>
-              <a:rPr lang="de-DE"/>
-              <a:t>Zweite Ebene</a:t>
-            </a:r>
+              <a:rPr lang="en-US" noProof="0" dirty="0" err="1"/>
+              <a:t>Zweite</a:t>
+            </a:r>
+            <a:r>
+              <a:rPr lang="en-US" noProof="0" dirty="0"/>
+              <a:t> </a:t>
+            </a:r>
+            <a:r>
+              <a:rPr lang="en-US" noProof="0" dirty="0" err="1"/>
+              <a:t>Ebene</a:t>
+            </a:r>
+            <a:endParaRPr lang="en-US" noProof="0" dirty="0"/>
           </a:p>
           <a:p>
             <a:pPr lvl="2"/>
             <a:r>
-              <a:rPr lang="de-DE"/>
-              <a:t>Dritte Ebene</a:t>
-            </a:r>
+              <a:rPr lang="en-US" noProof="0" dirty="0" err="1"/>
+              <a:t>Dritte</a:t>
+            </a:r>
+            <a:r>
+              <a:rPr lang="en-US" noProof="0" dirty="0"/>
+              <a:t> </a:t>
+            </a:r>
+            <a:r>
+              <a:rPr lang="en-US" noProof="0" dirty="0" err="1"/>
+              <a:t>Ebene</a:t>
+            </a:r>
+            <a:endParaRPr lang="en-US" noProof="0" dirty="0"/>
           </a:p>
           <a:p>
             <a:pPr lvl="3"/>
             <a:r>
-              <a:rPr lang="de-DE"/>
-              <a:t>Vierte Ebene</a:t>
-            </a:r>
+              <a:rPr lang="en-US" noProof="0" dirty="0" err="1"/>
+              <a:t>Vierte</a:t>
+            </a:r>
+            <a:r>
+              <a:rPr lang="en-US" noProof="0" dirty="0"/>
+              <a:t> </a:t>
+            </a:r>
+            <a:r>
+              <a:rPr lang="en-US" noProof="0" dirty="0" err="1"/>
+              <a:t>Ebene</a:t>
+            </a:r>
+            <a:endParaRPr lang="en-US" noProof="0" dirty="0"/>
           </a:p>
           <a:p>
             <a:pPr lvl="4"/>
             <a:r>
-              <a:rPr lang="de-DE"/>
-              <a:t>Fünfte Ebene</a:t>
-            </a:r>
+              <a:rPr lang="en-US" noProof="0" dirty="0" err="1"/>
+              <a:t>Fünfte</a:t>
+            </a:r>
+            <a:r>
+              <a:rPr lang="en-US" noProof="0" dirty="0"/>
+              <a:t> </a:t>
+            </a:r>
+            <a:r>
+              <a:rPr lang="en-US" noProof="0" dirty="0" err="1"/>
+              <a:t>Ebene</a:t>
+            </a:r>
+            <a:endParaRPr lang="en-US" noProof="0" dirty="0"/>
           </a:p>
         </p:txBody>
       </p:sp>
@@ -1875,35 +2453,35 @@
           <a:p>
             <a:pPr lvl="0"/>
             <a:r>
-              <a:rPr lang="de-DE"/>
+              <a:rPr lang="en-US" noProof="0"/>
               <a:t>Formatvorlagen des Textmasters bearbeiten</a:t>
             </a:r>
           </a:p>
           <a:p>
             <a:pPr lvl="1"/>
             <a:r>
-              <a:rPr lang="de-DE"/>
+              <a:rPr lang="en-US" noProof="0"/>
               <a:t>Zweite Ebene</a:t>
             </a:r>
           </a:p>
           <a:p>
             <a:pPr lvl="2"/>
             <a:r>
-              <a:rPr lang="de-DE"/>
+              <a:rPr lang="en-US" noProof="0"/>
               <a:t>Dritte Ebene</a:t>
             </a:r>
           </a:p>
           <a:p>
             <a:pPr lvl="3"/>
             <a:r>
-              <a:rPr lang="de-DE"/>
+              <a:rPr lang="en-US" noProof="0"/>
               <a:t>Vierte Ebene</a:t>
             </a:r>
           </a:p>
           <a:p>
             <a:pPr lvl="4"/>
             <a:r>
-              <a:rPr lang="de-DE"/>
+              <a:rPr lang="en-US" noProof="0"/>
               <a:t>Fünfte Ebene</a:t>
             </a:r>
           </a:p>
@@ -1931,10 +2509,10 @@
           <a:lstStyle/>
           <a:p>
             <a:fld id="{B8511AE9-C2D5-45E7-980E-A4DD1A9265AF}" type="datetimeFigureOut">
-              <a:rPr lang="de-DE" smtClean="0"/>
-              <a:t>29.10.2017</a:t>
+              <a:rPr lang="en-US" noProof="0" smtClean="0"/>
+              <a:t>04.11.2017</a:t>
             </a:fld>
-            <a:endParaRPr lang="de-DE"/>
+            <a:endParaRPr lang="en-US" noProof="0"/>
           </a:p>
         </p:txBody>
       </p:sp>
@@ -1959,7 +2537,7 @@
           <a:bodyPr/>
           <a:lstStyle/>
           <a:p>
-            <a:endParaRPr lang="de-DE"/>
+            <a:endParaRPr lang="en-US" noProof="0"/>
           </a:p>
         </p:txBody>
       </p:sp>
@@ -1985,10 +2563,10 @@
           <a:lstStyle/>
           <a:p>
             <a:fld id="{A6FC3592-670B-414A-8A31-30780E1FE872}" type="slidenum">
-              <a:rPr lang="de-DE" smtClean="0"/>
+              <a:rPr lang="en-US" noProof="0" smtClean="0"/>
               <a:t>‹Nr.›</a:t>
             </a:fld>
-            <a:endParaRPr lang="de-DE"/>
+            <a:endParaRPr lang="en-US" noProof="0"/>
           </a:p>
         </p:txBody>
       </p:sp>
@@ -2049,7 +2627,7 @@
           <a:lstStyle/>
           <a:p>
             <a:r>
-              <a:rPr lang="de-DE"/>
+              <a:rPr lang="en-US" noProof="0"/>
               <a:t>Titelmasterformat durch Klicken bearbeiten</a:t>
             </a:r>
           </a:p>
@@ -2120,7 +2698,7 @@
           <a:p>
             <a:pPr lvl="0"/>
             <a:r>
-              <a:rPr lang="de-DE"/>
+              <a:rPr lang="en-US" noProof="0"/>
               <a:t>Formatvorlagen des Textmasters bearbeiten</a:t>
             </a:r>
           </a:p>
@@ -2154,35 +2732,35 @@
           <a:p>
             <a:pPr lvl="0"/>
             <a:r>
-              <a:rPr lang="de-DE"/>
+              <a:rPr lang="en-US" noProof="0"/>
               <a:t>Formatvorlagen des Textmasters bearbeiten</a:t>
             </a:r>
           </a:p>
           <a:p>
             <a:pPr lvl="1"/>
             <a:r>
-              <a:rPr lang="de-DE"/>
+              <a:rPr lang="en-US" noProof="0"/>
               <a:t>Zweite Ebene</a:t>
             </a:r>
           </a:p>
           <a:p>
             <a:pPr lvl="2"/>
             <a:r>
-              <a:rPr lang="de-DE"/>
+              <a:rPr lang="en-US" noProof="0"/>
               <a:t>Dritte Ebene</a:t>
             </a:r>
           </a:p>
           <a:p>
             <a:pPr lvl="3"/>
             <a:r>
-              <a:rPr lang="de-DE"/>
+              <a:rPr lang="en-US" noProof="0"/>
               <a:t>Vierte Ebene</a:t>
             </a:r>
           </a:p>
           <a:p>
             <a:pPr lvl="4"/>
             <a:r>
-              <a:rPr lang="de-DE"/>
+              <a:rPr lang="en-US" noProof="0"/>
               <a:t>Fünfte Ebene</a:t>
             </a:r>
           </a:p>
@@ -2253,7 +2831,7 @@
           <a:p>
             <a:pPr lvl="0"/>
             <a:r>
-              <a:rPr lang="de-DE"/>
+              <a:rPr lang="en-US" noProof="0"/>
               <a:t>Formatvorlagen des Textmasters bearbeiten</a:t>
             </a:r>
           </a:p>
@@ -2287,35 +2865,35 @@
           <a:p>
             <a:pPr lvl="0"/>
             <a:r>
-              <a:rPr lang="de-DE"/>
+              <a:rPr lang="en-US" noProof="0"/>
               <a:t>Formatvorlagen des Textmasters bearbeiten</a:t>
             </a:r>
           </a:p>
           <a:p>
             <a:pPr lvl="1"/>
             <a:r>
-              <a:rPr lang="de-DE"/>
+              <a:rPr lang="en-US" noProof="0"/>
               <a:t>Zweite Ebene</a:t>
             </a:r>
           </a:p>
           <a:p>
             <a:pPr lvl="2"/>
             <a:r>
-              <a:rPr lang="de-DE"/>
+              <a:rPr lang="en-US" noProof="0"/>
               <a:t>Dritte Ebene</a:t>
             </a:r>
           </a:p>
           <a:p>
             <a:pPr lvl="3"/>
             <a:r>
-              <a:rPr lang="de-DE"/>
+              <a:rPr lang="en-US" noProof="0"/>
               <a:t>Vierte Ebene</a:t>
             </a:r>
           </a:p>
           <a:p>
             <a:pPr lvl="4"/>
             <a:r>
-              <a:rPr lang="de-DE"/>
+              <a:rPr lang="en-US" noProof="0"/>
               <a:t>Fünfte Ebene</a:t>
             </a:r>
           </a:p>
@@ -2343,10 +2921,10 @@
           <a:lstStyle/>
           <a:p>
             <a:fld id="{B8511AE9-C2D5-45E7-980E-A4DD1A9265AF}" type="datetimeFigureOut">
-              <a:rPr lang="de-DE" smtClean="0"/>
-              <a:t>29.10.2017</a:t>
+              <a:rPr lang="en-US" noProof="0" smtClean="0"/>
+              <a:t>04.11.2017</a:t>
             </a:fld>
-            <a:endParaRPr lang="de-DE"/>
+            <a:endParaRPr lang="en-US" noProof="0"/>
           </a:p>
         </p:txBody>
       </p:sp>
@@ -2371,7 +2949,7 @@
           <a:bodyPr/>
           <a:lstStyle/>
           <a:p>
-            <a:endParaRPr lang="de-DE"/>
+            <a:endParaRPr lang="en-US" noProof="0"/>
           </a:p>
         </p:txBody>
       </p:sp>
@@ -2397,10 +2975,10 @@
           <a:lstStyle/>
           <a:p>
             <a:fld id="{A6FC3592-670B-414A-8A31-30780E1FE872}" type="slidenum">
-              <a:rPr lang="de-DE" smtClean="0"/>
+              <a:rPr lang="en-US" noProof="0" smtClean="0"/>
               <a:t>‹Nr.›</a:t>
             </a:fld>
-            <a:endParaRPr lang="de-DE"/>
+            <a:endParaRPr lang="en-US" noProof="0"/>
           </a:p>
         </p:txBody>
       </p:sp>
@@ -2456,7 +3034,7 @@
           <a:lstStyle/>
           <a:p>
             <a:r>
-              <a:rPr lang="de-DE"/>
+              <a:rPr lang="en-US" noProof="0"/>
               <a:t>Titelmasterformat durch Klicken bearbeiten</a:t>
             </a:r>
           </a:p>
@@ -2484,10 +3062,10 @@
           <a:lstStyle/>
           <a:p>
             <a:fld id="{B8511AE9-C2D5-45E7-980E-A4DD1A9265AF}" type="datetimeFigureOut">
-              <a:rPr lang="de-DE" smtClean="0"/>
-              <a:t>29.10.2017</a:t>
+              <a:rPr lang="en-US" noProof="0" smtClean="0"/>
+              <a:t>04.11.2017</a:t>
             </a:fld>
-            <a:endParaRPr lang="de-DE"/>
+            <a:endParaRPr lang="en-US" noProof="0"/>
           </a:p>
         </p:txBody>
       </p:sp>
@@ -2512,7 +3090,7 @@
           <a:bodyPr/>
           <a:lstStyle/>
           <a:p>
-            <a:endParaRPr lang="de-DE"/>
+            <a:endParaRPr lang="en-US" noProof="0"/>
           </a:p>
         </p:txBody>
       </p:sp>
@@ -2538,10 +3116,10 @@
           <a:lstStyle/>
           <a:p>
             <a:fld id="{A6FC3592-670B-414A-8A31-30780E1FE872}" type="slidenum">
-              <a:rPr lang="de-DE" smtClean="0"/>
+              <a:rPr lang="en-US" noProof="0" smtClean="0"/>
               <a:t>‹Nr.›</a:t>
             </a:fld>
-            <a:endParaRPr lang="de-DE"/>
+            <a:endParaRPr lang="en-US" noProof="0"/>
           </a:p>
         </p:txBody>
       </p:sp>
@@ -2591,33 +3169,63 @@
             <p:ph type="dt" sz="half" idx="10"/>
           </p:nvPr>
         </p:nvSpPr>
+        <p:spPr>
+          <a:xfrm>
+            <a:off x="867075" y="6356350"/>
+            <a:ext cx="2743200" cy="365125"/>
+          </a:xfrm>
+        </p:spPr>
+        <p:txBody>
+          <a:bodyPr/>
+          <a:lstStyle/>
+          <a:p>
+            <a:fld id="{B8511AE9-C2D5-45E7-980E-A4DD1A9265AF}" type="datetimeFigureOut">
+              <a:rPr lang="en-US" noProof="0" smtClean="0"/>
+              <a:t>04.11.2017</a:t>
+            </a:fld>
+            <a:endParaRPr lang="en-US" noProof="0"/>
+          </a:p>
+        </p:txBody>
+      </p:sp>
+      <p:sp>
+        <p:nvSpPr>
+          <p:cNvPr id="3" name="Fußzeilenplatzhalter 2">
+            <a:extLst>
+              <a:ext uri="{FF2B5EF4-FFF2-40B4-BE49-F238E27FC236}">
+                <a16:creationId xmlns:a16="http://schemas.microsoft.com/office/drawing/2014/main" id="{FAE34D90-E5D5-45CA-9B32-A48EB78F59B3}"/>
+              </a:ext>
+            </a:extLst>
+          </p:cNvPr>
+          <p:cNvSpPr>
+            <a:spLocks noGrp="1"/>
+          </p:cNvSpPr>
+          <p:nvPr>
+            <p:ph type="ftr" sz="quarter" idx="11"/>
+          </p:nvPr>
+        </p:nvSpPr>
         <p:spPr/>
         <p:txBody>
           <a:bodyPr/>
           <a:lstStyle/>
           <a:p>
-            <a:fld id="{B8511AE9-C2D5-45E7-980E-A4DD1A9265AF}" type="datetimeFigureOut">
-              <a:rPr lang="de-DE" smtClean="0"/>
-              <a:t>29.10.2017</a:t>
-            </a:fld>
-            <a:endParaRPr lang="de-DE"/>
-          </a:p>
-        </p:txBody>
-      </p:sp>
-      <p:sp>
-        <p:nvSpPr>
-          <p:cNvPr id="3" name="Fußzeilenplatzhalter 2">
-            <a:extLst>
-              <a:ext uri="{FF2B5EF4-FFF2-40B4-BE49-F238E27FC236}">
-                <a16:creationId xmlns:a16="http://schemas.microsoft.com/office/drawing/2014/main" id="{FAE34D90-E5D5-45CA-9B32-A48EB78F59B3}"/>
-              </a:ext>
-            </a:extLst>
-          </p:cNvPr>
-          <p:cNvSpPr>
-            <a:spLocks noGrp="1"/>
-          </p:cNvSpPr>
-          <p:nvPr>
-            <p:ph type="ftr" sz="quarter" idx="11"/>
+            <a:endParaRPr lang="en-US" noProof="0"/>
+          </a:p>
+        </p:txBody>
+      </p:sp>
+      <p:sp>
+        <p:nvSpPr>
+          <p:cNvPr id="4" name="Foliennummernplatzhalter 3">
+            <a:extLst>
+              <a:ext uri="{FF2B5EF4-FFF2-40B4-BE49-F238E27FC236}">
+                <a16:creationId xmlns:a16="http://schemas.microsoft.com/office/drawing/2014/main" id="{D8261251-A095-495B-8FF8-7CDC85D04704}"/>
+              </a:ext>
+            </a:extLst>
+          </p:cNvPr>
+          <p:cNvSpPr>
+            <a:spLocks noGrp="1"/>
+          </p:cNvSpPr>
+          <p:nvPr>
+            <p:ph type="sldNum" sz="quarter" idx="12"/>
           </p:nvPr>
         </p:nvSpPr>
         <p:spPr/>
@@ -2625,36 +3233,11 @@
           <a:bodyPr/>
           <a:lstStyle/>
           <a:p>
-            <a:endParaRPr lang="de-DE"/>
-          </a:p>
-        </p:txBody>
-      </p:sp>
-      <p:sp>
-        <p:nvSpPr>
-          <p:cNvPr id="4" name="Foliennummernplatzhalter 3">
-            <a:extLst>
-              <a:ext uri="{FF2B5EF4-FFF2-40B4-BE49-F238E27FC236}">
-                <a16:creationId xmlns:a16="http://schemas.microsoft.com/office/drawing/2014/main" id="{D8261251-A095-495B-8FF8-7CDC85D04704}"/>
-              </a:ext>
-            </a:extLst>
-          </p:cNvPr>
-          <p:cNvSpPr>
-            <a:spLocks noGrp="1"/>
-          </p:cNvSpPr>
-          <p:nvPr>
-            <p:ph type="sldNum" sz="quarter" idx="12"/>
-          </p:nvPr>
-        </p:nvSpPr>
-        <p:spPr/>
-        <p:txBody>
-          <a:bodyPr/>
-          <a:lstStyle/>
-          <a:p>
             <a:fld id="{A6FC3592-670B-414A-8A31-30780E1FE872}" type="slidenum">
-              <a:rPr lang="de-DE" smtClean="0"/>
+              <a:rPr lang="en-US" noProof="0" smtClean="0"/>
               <a:t>‹Nr.›</a:t>
             </a:fld>
-            <a:endParaRPr lang="de-DE"/>
+            <a:endParaRPr lang="en-US" noProof="0"/>
           </a:p>
         </p:txBody>
       </p:sp>
@@ -2706,7 +3289,7 @@
         </p:nvSpPr>
         <p:spPr>
           <a:xfrm>
-            <a:off x="839788" y="457200"/>
+            <a:off x="1186298" y="457200"/>
             <a:ext cx="3932237" cy="1600200"/>
           </a:xfrm>
         </p:spPr>
@@ -2719,7 +3302,7 @@
           </a:lstStyle>
           <a:p>
             <a:r>
-              <a:rPr lang="de-DE"/>
+              <a:rPr lang="en-US" noProof="0"/>
               <a:t>Titelmasterformat durch Klicken bearbeiten</a:t>
             </a:r>
           </a:p>
@@ -2743,7 +3326,7 @@
         </p:nvSpPr>
         <p:spPr>
           <a:xfrm>
-            <a:off x="5183188" y="987425"/>
+            <a:off x="5529698" y="987425"/>
             <a:ext cx="6172200" cy="4873625"/>
           </a:xfrm>
         </p:spPr>
@@ -2781,35 +3364,35 @@
           <a:p>
             <a:pPr lvl="0"/>
             <a:r>
-              <a:rPr lang="de-DE"/>
+              <a:rPr lang="en-US" noProof="0"/>
               <a:t>Formatvorlagen des Textmasters bearbeiten</a:t>
             </a:r>
           </a:p>
           <a:p>
             <a:pPr lvl="1"/>
             <a:r>
-              <a:rPr lang="de-DE"/>
+              <a:rPr lang="en-US" noProof="0"/>
               <a:t>Zweite Ebene</a:t>
             </a:r>
           </a:p>
           <a:p>
             <a:pPr lvl="2"/>
             <a:r>
-              <a:rPr lang="de-DE"/>
+              <a:rPr lang="en-US" noProof="0"/>
               <a:t>Dritte Ebene</a:t>
             </a:r>
           </a:p>
           <a:p>
             <a:pPr lvl="3"/>
             <a:r>
-              <a:rPr lang="de-DE"/>
+              <a:rPr lang="en-US" noProof="0"/>
               <a:t>Vierte Ebene</a:t>
             </a:r>
           </a:p>
           <a:p>
             <a:pPr lvl="4"/>
             <a:r>
-              <a:rPr lang="de-DE"/>
+              <a:rPr lang="en-US" noProof="0"/>
               <a:t>Fünfte Ebene</a:t>
             </a:r>
           </a:p>
@@ -2833,7 +3416,7 @@
         </p:nvSpPr>
         <p:spPr>
           <a:xfrm>
-            <a:off x="839788" y="2057400"/>
+            <a:off x="1186298" y="2057400"/>
             <a:ext cx="3932237" cy="3811588"/>
           </a:xfrm>
         </p:spPr>
@@ -2880,7 +3463,7 @@
           <a:p>
             <a:pPr lvl="0"/>
             <a:r>
-              <a:rPr lang="de-DE"/>
+              <a:rPr lang="en-US" noProof="0"/>
               <a:t>Formatvorlagen des Textmasters bearbeiten</a:t>
             </a:r>
           </a:p>
@@ -2908,10 +3491,10 @@
           <a:lstStyle/>
           <a:p>
             <a:fld id="{B8511AE9-C2D5-45E7-980E-A4DD1A9265AF}" type="datetimeFigureOut">
-              <a:rPr lang="de-DE" smtClean="0"/>
-              <a:t>29.10.2017</a:t>
+              <a:rPr lang="en-US" noProof="0" smtClean="0"/>
+              <a:t>04.11.2017</a:t>
             </a:fld>
-            <a:endParaRPr lang="de-DE"/>
+            <a:endParaRPr lang="en-US" noProof="0"/>
           </a:p>
         </p:txBody>
       </p:sp>
@@ -2931,41 +3514,46 @@
             <p:ph type="ftr" sz="quarter" idx="11"/>
           </p:nvPr>
         </p:nvSpPr>
+        <p:spPr>
+          <a:xfrm>
+            <a:off x="4385110" y="6356350"/>
+            <a:ext cx="4114800" cy="365125"/>
+          </a:xfrm>
+        </p:spPr>
+        <p:txBody>
+          <a:bodyPr/>
+          <a:lstStyle/>
+          <a:p>
+            <a:endParaRPr lang="en-US" noProof="0"/>
+          </a:p>
+        </p:txBody>
+      </p:sp>
+      <p:sp>
+        <p:nvSpPr>
+          <p:cNvPr id="7" name="Foliennummernplatzhalter 6">
+            <a:extLst>
+              <a:ext uri="{FF2B5EF4-FFF2-40B4-BE49-F238E27FC236}">
+                <a16:creationId xmlns:a16="http://schemas.microsoft.com/office/drawing/2014/main" id="{A14E3B4F-954F-4E06-A216-2EB84AD3EF59}"/>
+              </a:ext>
+            </a:extLst>
+          </p:cNvPr>
+          <p:cNvSpPr>
+            <a:spLocks noGrp="1"/>
+          </p:cNvSpPr>
+          <p:nvPr>
+            <p:ph type="sldNum" sz="quarter" idx="12"/>
+          </p:nvPr>
+        </p:nvSpPr>
         <p:spPr/>
         <p:txBody>
           <a:bodyPr/>
           <a:lstStyle/>
           <a:p>
-            <a:endParaRPr lang="de-DE"/>
-          </a:p>
-        </p:txBody>
-      </p:sp>
-      <p:sp>
-        <p:nvSpPr>
-          <p:cNvPr id="7" name="Foliennummernplatzhalter 6">
-            <a:extLst>
-              <a:ext uri="{FF2B5EF4-FFF2-40B4-BE49-F238E27FC236}">
-                <a16:creationId xmlns:a16="http://schemas.microsoft.com/office/drawing/2014/main" id="{A14E3B4F-954F-4E06-A216-2EB84AD3EF59}"/>
-              </a:ext>
-            </a:extLst>
-          </p:cNvPr>
-          <p:cNvSpPr>
-            <a:spLocks noGrp="1"/>
-          </p:cNvSpPr>
-          <p:nvPr>
-            <p:ph type="sldNum" sz="quarter" idx="12"/>
-          </p:nvPr>
-        </p:nvSpPr>
-        <p:spPr/>
-        <p:txBody>
-          <a:bodyPr/>
-          <a:lstStyle/>
-          <a:p>
             <a:fld id="{A6FC3592-670B-414A-8A31-30780E1FE872}" type="slidenum">
-              <a:rPr lang="de-DE" smtClean="0"/>
+              <a:rPr lang="en-US" noProof="0" smtClean="0"/>
               <a:t>‹Nr.›</a:t>
             </a:fld>
-            <a:endParaRPr lang="de-DE"/>
+            <a:endParaRPr lang="en-US" noProof="0"/>
           </a:p>
         </p:txBody>
       </p:sp>
@@ -3030,7 +3618,7 @@
           </a:lstStyle>
           <a:p>
             <a:r>
-              <a:rPr lang="de-DE"/>
+              <a:rPr lang="en-US" noProof="0"/>
               <a:t>Titelmasterformat durch Klicken bearbeiten</a:t>
             </a:r>
           </a:p>
@@ -3099,7 +3687,7 @@
             </a:lvl9pPr>
           </a:lstStyle>
           <a:p>
-            <a:endParaRPr lang="de-DE"/>
+            <a:endParaRPr lang="en-US" noProof="0"/>
           </a:p>
         </p:txBody>
       </p:sp>
@@ -3168,7 +3756,7 @@
           <a:p>
             <a:pPr lvl="0"/>
             <a:r>
-              <a:rPr lang="de-DE"/>
+              <a:rPr lang="en-US" noProof="0"/>
               <a:t>Formatvorlagen des Textmasters bearbeiten</a:t>
             </a:r>
           </a:p>
@@ -3196,10 +3784,10 @@
           <a:lstStyle/>
           <a:p>
             <a:fld id="{B8511AE9-C2D5-45E7-980E-A4DD1A9265AF}" type="datetimeFigureOut">
-              <a:rPr lang="de-DE" smtClean="0"/>
-              <a:t>29.10.2017</a:t>
+              <a:rPr lang="en-US" noProof="0" smtClean="0"/>
+              <a:t>04.11.2017</a:t>
             </a:fld>
-            <a:endParaRPr lang="de-DE"/>
+            <a:endParaRPr lang="en-US" noProof="0"/>
           </a:p>
         </p:txBody>
       </p:sp>
@@ -3224,7 +3812,7 @@
           <a:bodyPr/>
           <a:lstStyle/>
           <a:p>
-            <a:endParaRPr lang="de-DE"/>
+            <a:endParaRPr lang="en-US" noProof="0"/>
           </a:p>
         </p:txBody>
       </p:sp>
@@ -3250,10 +3838,10 @@
           <a:lstStyle/>
           <a:p>
             <a:fld id="{A6FC3592-670B-414A-8A31-30780E1FE872}" type="slidenum">
-              <a:rPr lang="de-DE" smtClean="0"/>
+              <a:rPr lang="en-US" noProof="0" smtClean="0"/>
               <a:t>‹Nr.›</a:t>
             </a:fld>
-            <a:endParaRPr lang="de-DE"/>
+            <a:endParaRPr lang="en-US" noProof="0"/>
           </a:p>
         </p:txBody>
       </p:sp>
@@ -3324,7 +3912,7 @@
           <a:lstStyle/>
           <a:p>
             <a:r>
-              <a:rPr lang="de-DE"/>
+              <a:rPr lang="en-US" noProof="0"/>
               <a:t>Titelmasterformat durch Klicken bearbeiten</a:t>
             </a:r>
           </a:p>
@@ -3363,35 +3951,35 @@
           <a:p>
             <a:pPr lvl="0"/>
             <a:r>
-              <a:rPr lang="de-DE"/>
+              <a:rPr lang="en-US" noProof="0"/>
               <a:t>Formatvorlagen des Textmasters bearbeiten</a:t>
             </a:r>
           </a:p>
           <a:p>
             <a:pPr lvl="1"/>
             <a:r>
-              <a:rPr lang="de-DE"/>
+              <a:rPr lang="en-US" noProof="0"/>
               <a:t>Zweite Ebene</a:t>
             </a:r>
           </a:p>
           <a:p>
             <a:pPr lvl="2"/>
             <a:r>
-              <a:rPr lang="de-DE"/>
+              <a:rPr lang="en-US" noProof="0"/>
               <a:t>Dritte Ebene</a:t>
             </a:r>
           </a:p>
           <a:p>
             <a:pPr lvl="3"/>
             <a:r>
-              <a:rPr lang="de-DE"/>
+              <a:rPr lang="en-US" noProof="0"/>
               <a:t>Vierte Ebene</a:t>
             </a:r>
           </a:p>
           <a:p>
             <a:pPr lvl="4"/>
             <a:r>
-              <a:rPr lang="de-DE"/>
+              <a:rPr lang="en-US" noProof="0"/>
               <a:t>Fünfte Ebene</a:t>
             </a:r>
           </a:p>
@@ -3437,10 +4025,10 @@
           </a:lstStyle>
           <a:p>
             <a:fld id="{B8511AE9-C2D5-45E7-980E-A4DD1A9265AF}" type="datetimeFigureOut">
-              <a:rPr lang="de-DE" smtClean="0"/>
-              <a:t>29.10.2017</a:t>
+              <a:rPr lang="en-US" noProof="0" smtClean="0"/>
+              <a:t>04.11.2017</a:t>
             </a:fld>
-            <a:endParaRPr lang="de-DE"/>
+            <a:endParaRPr lang="en-US" noProof="0"/>
           </a:p>
         </p:txBody>
       </p:sp>
@@ -3483,7 +4071,7 @@
             </a:lvl1pPr>
           </a:lstStyle>
           <a:p>
-            <a:endParaRPr lang="de-DE"/>
+            <a:endParaRPr lang="en-US" noProof="0"/>
           </a:p>
         </p:txBody>
       </p:sp>
@@ -3527,10 +4115,10 @@
           </a:lstStyle>
           <a:p>
             <a:fld id="{A6FC3592-670B-414A-8A31-30780E1FE872}" type="slidenum">
-              <a:rPr lang="de-DE" smtClean="0"/>
+              <a:rPr lang="en-US" noProof="0" smtClean="0"/>
               <a:t>‹Nr.›</a:t>
             </a:fld>
-            <a:endParaRPr lang="de-DE"/>
+            <a:endParaRPr lang="en-US" noProof="0"/>
           </a:p>
         </p:txBody>
       </p:sp>
@@ -3877,7 +4465,7 @@
           <a:lstStyle/>
           <a:p>
             <a:r>
-              <a:rPr lang="de-DE" b="1" dirty="0"/>
+              <a:rPr lang="en-US" b="1" noProof="0" dirty="0"/>
               <a:t>Regular Expression Equivalence via Derivatives</a:t>
             </a:r>
           </a:p>
@@ -3905,10 +4493,9 @@
           <a:lstStyle/>
           <a:p>
             <a:r>
-              <a:rPr lang="de-DE"/>
+              <a:rPr lang="en-US" noProof="0" dirty="0"/>
               <a:t>Fabian Hellauer</a:t>
             </a:r>
-            <a:endParaRPr lang="de-DE" dirty="0"/>
           </a:p>
         </p:txBody>
       </p:sp>
@@ -3947,6 +4534,117 @@
           <p:cNvPr id="2" name="Titel 1">
             <a:extLst>
               <a:ext uri="{FF2B5EF4-FFF2-40B4-BE49-F238E27FC236}">
+                <a16:creationId xmlns:a16="http://schemas.microsoft.com/office/drawing/2014/main" id="{D687039E-D857-4819-A0AF-66C289321C24}"/>
+              </a:ext>
+            </a:extLst>
+          </p:cNvPr>
+          <p:cNvSpPr>
+            <a:spLocks noGrp="1"/>
+          </p:cNvSpPr>
+          <p:nvPr>
+            <p:ph type="title"/>
+          </p:nvPr>
+        </p:nvSpPr>
+        <p:spPr/>
+        <p:txBody>
+          <a:bodyPr/>
+          <a:lstStyle/>
+          <a:p>
+            <a:r>
+              <a:rPr lang="en-US" noProof="0" dirty="0"/>
+              <a:t>Goal</a:t>
+            </a:r>
+          </a:p>
+        </p:txBody>
+      </p:sp>
+      <p:sp>
+        <p:nvSpPr>
+          <p:cNvPr id="3" name="Inhaltsplatzhalter 2">
+            <a:extLst>
+              <a:ext uri="{FF2B5EF4-FFF2-40B4-BE49-F238E27FC236}">
+                <a16:creationId xmlns:a16="http://schemas.microsoft.com/office/drawing/2014/main" id="{C95D1B8B-E55A-4F95-9AE9-92A2E2BEC866}"/>
+              </a:ext>
+            </a:extLst>
+          </p:cNvPr>
+          <p:cNvSpPr>
+            <a:spLocks noGrp="1"/>
+          </p:cNvSpPr>
+          <p:nvPr>
+            <p:ph idx="1"/>
+          </p:nvPr>
+        </p:nvSpPr>
+        <p:spPr>
+          <a:xfrm>
+            <a:off x="838200" y="1864702"/>
+            <a:ext cx="10515600" cy="4351338"/>
+          </a:xfrm>
+        </p:spPr>
+        <p:txBody>
+          <a:bodyPr/>
+          <a:lstStyle/>
+          <a:p>
+            <a:pPr marL="0" indent="0">
+              <a:buNone/>
+            </a:pPr>
+            <a:r>
+              <a:rPr lang="en-US" dirty="0"/>
+              <a:t>e</a:t>
+            </a:r>
+            <a:r>
+              <a:rPr lang="en-US" noProof="0" dirty="0" err="1"/>
+              <a:t>quivalence</a:t>
+            </a:r>
+            <a:r>
+              <a:rPr lang="en-US" noProof="0" dirty="0"/>
+              <a:t> checker for regular expressions which is</a:t>
+            </a:r>
+          </a:p>
+          <a:p>
+            <a:endParaRPr lang="en-US" noProof="0" dirty="0"/>
+          </a:p>
+          <a:p>
+            <a:r>
+              <a:rPr lang="en-US" noProof="0" dirty="0"/>
+              <a:t>complete</a:t>
+            </a:r>
+          </a:p>
+        </p:txBody>
+      </p:sp>
+    </p:spTree>
+    <p:extLst>
+      <p:ext uri="{BB962C8B-B14F-4D97-AF65-F5344CB8AC3E}">
+        <p14:creationId xmlns:p14="http://schemas.microsoft.com/office/powerpoint/2010/main" val="2346521388"/>
+      </p:ext>
+    </p:extLst>
+  </p:cSld>
+  <p:clrMapOvr>
+    <a:masterClrMapping/>
+  </p:clrMapOvr>
+</p:sld>
+</file>
+
+<file path=ppt/slides/slide3.xml><?xml version="1.0" encoding="utf-8"?>
+<p:sld xmlns:a="http://schemas.openxmlformats.org/drawingml/2006/main" xmlns:r="http://schemas.openxmlformats.org/officeDocument/2006/relationships" xmlns:p="http://schemas.openxmlformats.org/presentationml/2006/main">
+  <p:cSld>
+    <p:spTree>
+      <p:nvGrpSpPr>
+        <p:cNvPr id="1" name=""/>
+        <p:cNvGrpSpPr/>
+        <p:nvPr/>
+      </p:nvGrpSpPr>
+      <p:grpSpPr>
+        <a:xfrm>
+          <a:off x="0" y="0"/>
+          <a:ext cx="0" cy="0"/>
+          <a:chOff x="0" y="0"/>
+          <a:chExt cx="0" cy="0"/>
+        </a:xfrm>
+      </p:grpSpPr>
+      <p:sp>
+        <p:nvSpPr>
+          <p:cNvPr id="2" name="Titel 1">
+            <a:extLst>
+              <a:ext uri="{FF2B5EF4-FFF2-40B4-BE49-F238E27FC236}">
                 <a16:creationId xmlns:a16="http://schemas.microsoft.com/office/drawing/2014/main" id="{C2BD6476-74CB-4A4F-8A71-ABCEDDC496FB}"/>
               </a:ext>
             </a:extLst>
@@ -3964,34 +4662,9 @@
           <a:lstStyle/>
           <a:p>
             <a:r>
-              <a:rPr lang="de-DE" dirty="0" err="1"/>
-              <a:t>Usage</a:t>
-            </a:r>
-            <a:r>
-              <a:rPr lang="de-DE" dirty="0"/>
-              <a:t> </a:t>
-            </a:r>
-            <a:r>
-              <a:rPr lang="de-DE" dirty="0" err="1"/>
-              <a:t>of</a:t>
-            </a:r>
-            <a:r>
-              <a:rPr lang="de-DE" dirty="0"/>
-              <a:t> </a:t>
-            </a:r>
-            <a:r>
-              <a:rPr lang="de-DE" dirty="0" err="1"/>
-              <a:t>functional</a:t>
-            </a:r>
-            <a:r>
-              <a:rPr lang="de-DE" dirty="0"/>
-              <a:t> Data </a:t>
-            </a:r>
-            <a:r>
-              <a:rPr lang="de-DE" dirty="0" err="1"/>
-              <a:t>Structures</a:t>
-            </a:r>
-            <a:endParaRPr lang="de-DE" dirty="0"/>
+              <a:rPr lang="en-US" noProof="0" dirty="0"/>
+              <a:t>Usage of functional Data Structures</a:t>
+            </a:r>
           </a:p>
         </p:txBody>
       </p:sp>
@@ -4017,10 +4690,9 @@
           <a:lstStyle/>
           <a:p>
             <a:r>
-              <a:rPr lang="de-DE"/>
-              <a:t>todo</a:t>
-            </a:r>
-            <a:endParaRPr lang="de-DE" dirty="0"/>
+              <a:rPr lang="en-US" noProof="0" dirty="0"/>
+              <a:t>to-do</a:t>
+            </a:r>
           </a:p>
         </p:txBody>
       </p:sp>

--- a/slides.pptx
+++ b/slides.pptx
@@ -203,7 +203,7 @@
           <a:p>
             <a:fld id="{9768728B-C74D-450C-A579-E5E997D18F7C}" type="datetimeFigureOut">
               <a:rPr lang="de-DE" smtClean="0"/>
-              <a:t>04.11.2017</a:t>
+              <a:t>05.11.2017</a:t>
             </a:fld>
             <a:endParaRPr lang="de-DE"/>
           </a:p>
@@ -624,7 +624,7 @@
             </a:r>
             <a:r>
               <a:rPr lang="de-DE" dirty="0" err="1"/>
-              <a:t>there</a:t>
+              <a:t>for</a:t>
             </a:r>
             <a:r>
               <a:rPr lang="de-DE" dirty="0"/>
@@ -632,7 +632,7 @@
             </a:r>
             <a:r>
               <a:rPr lang="de-DE" dirty="0" err="1"/>
-              <a:t>are</a:t>
+              <a:t>any</a:t>
             </a:r>
             <a:r>
               <a:rPr lang="de-DE" dirty="0"/>
@@ -640,7 +640,7 @@
             </a:r>
             <a:r>
               <a:rPr lang="de-DE" dirty="0" err="1"/>
-              <a:t>no</a:t>
+              <a:t>two</a:t>
             </a:r>
             <a:r>
               <a:rPr lang="de-DE" dirty="0"/>
@@ -648,7 +648,7 @@
             </a:r>
             <a:r>
               <a:rPr lang="de-DE" dirty="0" err="1"/>
-              <a:t>two</a:t>
+              <a:t>regular</a:t>
             </a:r>
             <a:r>
               <a:rPr lang="de-DE" dirty="0"/>
@@ -656,7 +656,7 @@
             </a:r>
             <a:r>
               <a:rPr lang="de-DE" dirty="0" err="1"/>
-              <a:t>regular</a:t>
+              <a:t>expressions</a:t>
             </a:r>
             <a:r>
               <a:rPr lang="de-DE" dirty="0"/>
@@ -664,15 +664,15 @@
             </a:r>
             <a:r>
               <a:rPr lang="de-DE" dirty="0" err="1"/>
-              <a:t>expressions</a:t>
+              <a:t>the</a:t>
             </a:r>
             <a:r>
               <a:rPr lang="de-DE" dirty="0"/>
               <a:t> </a:t>
             </a:r>
             <a:r>
-              <a:rPr lang="de-DE" dirty="0" err="1"/>
-              <a:t>for</a:t>
+              <a:rPr lang="en-GB" noProof="0" dirty="0"/>
+              <a:t>algorithm</a:t>
             </a:r>
             <a:r>
               <a:rPr lang="de-DE" dirty="0"/>
@@ -680,7 +680,56 @@
             </a:r>
             <a:r>
               <a:rPr lang="de-DE" dirty="0" err="1"/>
-              <a:t>which</a:t>
+              <a:t>terminates</a:t>
+            </a:r>
+            <a:r>
+              <a:rPr lang="de-DE" dirty="0"/>
+              <a:t> and </a:t>
+            </a:r>
+            <a:r>
+              <a:rPr lang="de-DE" dirty="0" err="1"/>
+              <a:t>return</a:t>
+            </a:r>
+            <a:r>
+              <a:rPr lang="de-DE" dirty="0"/>
+              <a:t> a </a:t>
+            </a:r>
+            <a:r>
+              <a:rPr lang="de-DE" dirty="0" err="1"/>
+              <a:t>result</a:t>
+            </a:r>
+            <a:r>
+              <a:rPr lang="de-DE" dirty="0"/>
+              <a:t> (</a:t>
+            </a:r>
+            <a:r>
+              <a:rPr lang="de-DE" dirty="0" err="1"/>
+              <a:t>equivalent</a:t>
+            </a:r>
+            <a:r>
+              <a:rPr lang="de-DE" dirty="0"/>
+              <a:t>/not </a:t>
+            </a:r>
+            <a:r>
+              <a:rPr lang="de-DE" dirty="0" err="1"/>
+              <a:t>equivalent</a:t>
+            </a:r>
+            <a:r>
+              <a:rPr lang="de-DE" dirty="0"/>
+              <a:t>)</a:t>
+            </a:r>
+          </a:p>
+          <a:p>
+            <a:endParaRPr lang="de-DE" dirty="0"/>
+          </a:p>
+          <a:p>
+            <a:r>
+              <a:rPr lang="de-DE" dirty="0"/>
+              <a:t>The last </a:t>
+            </a:r>
+            <a:r>
+              <a:rPr lang="de-DE" dirty="0" err="1"/>
+              <a:t>requirement</a:t>
             </a:r>
             <a:r>
               <a:rPr lang="de-DE" dirty="0"/>
@@ -688,6 +737,22 @@
             </a:r>
             <a:r>
               <a:rPr lang="de-DE" dirty="0" err="1"/>
+              <a:t>comes</a:t>
+            </a:r>
+            <a:r>
+              <a:rPr lang="de-DE" dirty="0"/>
+              <a:t> at a </a:t>
+            </a:r>
+            <a:r>
+              <a:rPr lang="de-DE" dirty="0" err="1"/>
+              <a:t>price</a:t>
+            </a:r>
+            <a:r>
+              <a:rPr lang="de-DE" dirty="0"/>
+              <a:t>: </a:t>
+            </a:r>
+            <a:r>
+              <a:rPr lang="de-DE" dirty="0" err="1"/>
               <a:t>the</a:t>
             </a:r>
             <a:r>
@@ -695,7 +760,7 @@
               <a:t> </a:t>
             </a:r>
             <a:r>
-              <a:rPr lang="en-GB" noProof="0" dirty="0"/>
+              <a:rPr lang="de-DE" dirty="0" err="1"/>
               <a:t>algorithm</a:t>
             </a:r>
             <a:r>
@@ -704,15 +769,7 @@
             </a:r>
             <a:r>
               <a:rPr lang="de-DE" dirty="0" err="1"/>
-              <a:t>does</a:t>
-            </a:r>
-            <a:r>
-              <a:rPr lang="de-DE" dirty="0"/>
-              <a:t> not </a:t>
-            </a:r>
-            <a:r>
-              <a:rPr lang="de-DE" dirty="0" err="1"/>
-              <a:t>terminate</a:t>
+              <a:t>won‘t</a:t>
             </a:r>
             <a:r>
               <a:rPr lang="de-DE" dirty="0"/>
@@ -720,7 +777,29 @@
             </a:r>
             <a:r>
               <a:rPr lang="de-DE" dirty="0" err="1"/>
-              <a:t>or</a:t>
+              <a:t>have</a:t>
+            </a:r>
+            <a:r>
+              <a:rPr lang="de-DE" dirty="0"/>
+              <a:t> an optimal </a:t>
+            </a:r>
+            <a:r>
+              <a:rPr lang="de-DE" dirty="0" err="1"/>
+              <a:t>performance</a:t>
+            </a:r>
+            <a:endParaRPr lang="de-DE" dirty="0"/>
+          </a:p>
+          <a:p>
+            <a:endParaRPr lang="de-DE" dirty="0"/>
+          </a:p>
+          <a:p>
+            <a:r>
+              <a:rPr lang="de-DE" dirty="0"/>
+              <a:t>Personal </a:t>
+            </a:r>
+            <a:r>
+              <a:rPr lang="de-DE" dirty="0" err="1"/>
+              <a:t>use</a:t>
             </a:r>
             <a:r>
               <a:rPr lang="de-DE" dirty="0"/>
@@ -728,36 +807,6 @@
             </a:r>
             <a:r>
               <a:rPr lang="de-DE" dirty="0" err="1"/>
-              <a:t>return</a:t>
-            </a:r>
-            <a:r>
-              <a:rPr lang="de-DE" dirty="0"/>
-              <a:t> a </a:t>
-            </a:r>
-            <a:r>
-              <a:rPr lang="de-DE" dirty="0" err="1"/>
-              <a:t>result</a:t>
-            </a:r>
-            <a:endParaRPr lang="de-DE" dirty="0"/>
-          </a:p>
-          <a:p>
-            <a:endParaRPr lang="de-DE" dirty="0"/>
-          </a:p>
-          <a:p>
-            <a:r>
-              <a:rPr lang="de-DE" dirty="0"/>
-              <a:t>Personal </a:t>
-            </a:r>
-            <a:r>
-              <a:rPr lang="de-DE" dirty="0" err="1"/>
-              <a:t>use</a:t>
-            </a:r>
-            <a:r>
-              <a:rPr lang="de-DE" dirty="0"/>
-              <a:t> </a:t>
-            </a:r>
-            <a:r>
-              <a:rPr lang="de-DE" dirty="0" err="1"/>
               <a:t>case</a:t>
             </a:r>
             <a:r>
@@ -770,17 +819,8 @@
             </a:r>
             <a:r>
               <a:rPr lang="de-DE" dirty="0"/>
-              <a:t> like </a:t>
-            </a:r>
-            <a:r>
-              <a:rPr lang="de-DE" err="1"/>
-              <a:t>automatatutor</a:t>
-            </a:r>
-            <a:r>
-              <a:rPr lang="de-DE"/>
-              <a:t>.com</a:t>
-            </a:r>
-            <a:endParaRPr lang="de-DE" dirty="0"/>
+              <a:t> like automatatutor.com</a:t>
+            </a:r>
           </a:p>
           <a:p>
             <a:endParaRPr lang="de-DE" dirty="0"/>
@@ -1061,7 +1101,7 @@
           <a:p>
             <a:fld id="{B8511AE9-C2D5-45E7-980E-A4DD1A9265AF}" type="datetimeFigureOut">
               <a:rPr lang="en-US" noProof="0" smtClean="0"/>
-              <a:t>04.11.2017</a:t>
+              <a:t>11/5/2017</a:t>
             </a:fld>
             <a:endParaRPr lang="en-US" noProof="0"/>
           </a:p>
@@ -1259,7 +1299,7 @@
           <a:p>
             <a:fld id="{B8511AE9-C2D5-45E7-980E-A4DD1A9265AF}" type="datetimeFigureOut">
               <a:rPr lang="de-DE" smtClean="0"/>
-              <a:t>04.11.2017</a:t>
+              <a:t>05.11.2017</a:t>
             </a:fld>
             <a:endParaRPr lang="de-DE"/>
           </a:p>
@@ -1561,7 +1601,7 @@
             <a:fld id="{B8511AE9-C2D5-45E7-980E-A4DD1A9265AF}" type="datetimeFigureOut">
               <a:rPr lang="en-US" noProof="0" smtClean="0"/>
               <a:pPr/>
-              <a:t>04.11.2017</a:t>
+              <a:t>11/5/2017</a:t>
             </a:fld>
             <a:endParaRPr lang="en-US" noProof="0"/>
           </a:p>
@@ -1715,7 +1755,7 @@
           <a:p>
             <a:fld id="{B8511AE9-C2D5-45E7-980E-A4DD1A9265AF}" type="datetimeFigureOut">
               <a:rPr lang="en-US" noProof="0" smtClean="0"/>
-              <a:t>04.11.2017</a:t>
+              <a:t>11/5/2017</a:t>
             </a:fld>
             <a:endParaRPr lang="en-US" noProof="0"/>
           </a:p>
@@ -1913,7 +1953,7 @@
           <a:p>
             <a:fld id="{B8511AE9-C2D5-45E7-980E-A4DD1A9265AF}" type="datetimeFigureOut">
               <a:rPr lang="en-US" noProof="0" smtClean="0"/>
-              <a:t>04.11.2017</a:t>
+              <a:t>11/5/2017</a:t>
             </a:fld>
             <a:endParaRPr lang="en-US" noProof="0"/>
           </a:p>
@@ -2188,7 +2228,7 @@
           <a:p>
             <a:fld id="{B8511AE9-C2D5-45E7-980E-A4DD1A9265AF}" type="datetimeFigureOut">
               <a:rPr lang="en-US" noProof="0" smtClean="0"/>
-              <a:t>04.11.2017</a:t>
+              <a:t>11/5/2017</a:t>
             </a:fld>
             <a:endParaRPr lang="en-US" noProof="0"/>
           </a:p>
@@ -2510,7 +2550,7 @@
           <a:p>
             <a:fld id="{B8511AE9-C2D5-45E7-980E-A4DD1A9265AF}" type="datetimeFigureOut">
               <a:rPr lang="en-US" noProof="0" smtClean="0"/>
-              <a:t>04.11.2017</a:t>
+              <a:t>11/5/2017</a:t>
             </a:fld>
             <a:endParaRPr lang="en-US" noProof="0"/>
           </a:p>
@@ -2922,7 +2962,7 @@
           <a:p>
             <a:fld id="{B8511AE9-C2D5-45E7-980E-A4DD1A9265AF}" type="datetimeFigureOut">
               <a:rPr lang="en-US" noProof="0" smtClean="0"/>
-              <a:t>04.11.2017</a:t>
+              <a:t>11/5/2017</a:t>
             </a:fld>
             <a:endParaRPr lang="en-US" noProof="0"/>
           </a:p>
@@ -3063,7 +3103,7 @@
           <a:p>
             <a:fld id="{B8511AE9-C2D5-45E7-980E-A4DD1A9265AF}" type="datetimeFigureOut">
               <a:rPr lang="en-US" noProof="0" smtClean="0"/>
-              <a:t>04.11.2017</a:t>
+              <a:t>11/5/2017</a:t>
             </a:fld>
             <a:endParaRPr lang="en-US" noProof="0"/>
           </a:p>
@@ -3181,7 +3221,7 @@
           <a:p>
             <a:fld id="{B8511AE9-C2D5-45E7-980E-A4DD1A9265AF}" type="datetimeFigureOut">
               <a:rPr lang="en-US" noProof="0" smtClean="0"/>
-              <a:t>04.11.2017</a:t>
+              <a:t>11/5/2017</a:t>
             </a:fld>
             <a:endParaRPr lang="en-US" noProof="0"/>
           </a:p>
@@ -3492,7 +3532,7 @@
           <a:p>
             <a:fld id="{B8511AE9-C2D5-45E7-980E-A4DD1A9265AF}" type="datetimeFigureOut">
               <a:rPr lang="en-US" noProof="0" smtClean="0"/>
-              <a:t>04.11.2017</a:t>
+              <a:t>11/5/2017</a:t>
             </a:fld>
             <a:endParaRPr lang="en-US" noProof="0"/>
           </a:p>
@@ -3785,7 +3825,7 @@
           <a:p>
             <a:fld id="{B8511AE9-C2D5-45E7-980E-A4DD1A9265AF}" type="datetimeFigureOut">
               <a:rPr lang="en-US" noProof="0" smtClean="0"/>
-              <a:t>04.11.2017</a:t>
+              <a:t>11/5/2017</a:t>
             </a:fld>
             <a:endParaRPr lang="en-US" noProof="0"/>
           </a:p>
@@ -4026,7 +4066,7 @@
           <a:p>
             <a:fld id="{B8511AE9-C2D5-45E7-980E-A4DD1A9265AF}" type="datetimeFigureOut">
               <a:rPr lang="en-US" noProof="0" smtClean="0"/>
-              <a:t>04.11.2017</a:t>
+              <a:t>11/5/2017</a:t>
             </a:fld>
             <a:endParaRPr lang="en-US" noProof="0"/>
           </a:p>
@@ -4600,13 +4640,23 @@
             </a:r>
           </a:p>
           <a:p>
-            <a:endParaRPr lang="en-US" noProof="0" dirty="0"/>
+            <a:r>
+              <a:rPr lang="en-US" noProof="0" dirty="0"/>
+              <a:t>automatic</a:t>
+            </a:r>
           </a:p>
           <a:p>
             <a:r>
               <a:rPr lang="en-US" noProof="0" dirty="0"/>
               <a:t>complete</a:t>
             </a:r>
+          </a:p>
+          <a:p>
+            <a:r>
+              <a:rPr lang="en-US" dirty="0"/>
+              <a:t>elegant, i.e. easy to prove correct</a:t>
+            </a:r>
+            <a:endParaRPr lang="en-US" noProof="0" dirty="0"/>
           </a:p>
         </p:txBody>
       </p:sp>

--- a/slides.pptx
+++ b/slides.pptx
@@ -5,12 +5,17 @@
     <p:sldMasterId id="2147483648" r:id="rId1"/>
   </p:sldMasterIdLst>
   <p:notesMasterIdLst>
-    <p:notesMasterId r:id="rId5"/>
+    <p:notesMasterId r:id="rId10"/>
   </p:notesMasterIdLst>
   <p:sldIdLst>
     <p:sldId id="256" r:id="rId2"/>
     <p:sldId id="258" r:id="rId3"/>
-    <p:sldId id="257" r:id="rId4"/>
+    <p:sldId id="261" r:id="rId4"/>
+    <p:sldId id="262" r:id="rId5"/>
+    <p:sldId id="263" r:id="rId6"/>
+    <p:sldId id="264" r:id="rId7"/>
+    <p:sldId id="257" r:id="rId8"/>
+    <p:sldId id="260" r:id="rId9"/>
   </p:sldIdLst>
   <p:sldSz cx="12192000" cy="6858000"/>
   <p:notesSz cx="6858000" cy="9144000"/>
@@ -203,7 +208,7 @@
           <a:p>
             <a:fld id="{9768728B-C74D-450C-A579-E5E997D18F7C}" type="datetimeFigureOut">
               <a:rPr lang="de-DE" smtClean="0"/>
-              <a:t>05.11.2017</a:t>
+              <a:t>06.11.2017</a:t>
             </a:fld>
             <a:endParaRPr lang="de-DE"/>
           </a:p>
@@ -911,10 +916,109 @@
           <a:lstStyle/>
           <a:p>
             <a:r>
-              <a:rPr lang="de-DE" dirty="0" err="1"/>
-              <a:t>todo</a:t>
-            </a:r>
-            <a:endParaRPr lang="de-DE" dirty="0"/>
+              <a:rPr lang="en-US" dirty="0" err="1"/>
+              <a:t>Todo</a:t>
+            </a:r>
+            <a:r>
+              <a:rPr lang="en-US" dirty="0"/>
+              <a:t>: </a:t>
+            </a:r>
+            <a:r>
+              <a:rPr lang="en-US" dirty="0" err="1"/>
+              <a:t>wirklich</a:t>
+            </a:r>
+            <a:r>
+              <a:rPr lang="en-US" dirty="0"/>
+              <a:t> relevant und </a:t>
+            </a:r>
+            <a:r>
+              <a:rPr lang="en-US" dirty="0" err="1"/>
+              <a:t>leicht</a:t>
+            </a:r>
+            <a:r>
+              <a:rPr lang="en-US" dirty="0"/>
+              <a:t> </a:t>
+            </a:r>
+            <a:r>
+              <a:rPr lang="en-US" dirty="0" err="1"/>
+              <a:t>genug</a:t>
+            </a:r>
+            <a:r>
+              <a:rPr lang="en-US" dirty="0"/>
+              <a:t> </a:t>
+            </a:r>
+            <a:r>
+              <a:rPr lang="en-US" dirty="0" err="1"/>
+              <a:t>verständlich</a:t>
+            </a:r>
+            <a:r>
+              <a:rPr lang="en-US" dirty="0"/>
+              <a:t>? </a:t>
+            </a:r>
+            <a:r>
+              <a:rPr lang="en-US" dirty="0" err="1"/>
+              <a:t>Evtl</a:t>
+            </a:r>
+            <a:r>
+              <a:rPr lang="en-US" dirty="0"/>
+              <a:t>. </a:t>
+            </a:r>
+            <a:r>
+              <a:rPr lang="en-US" dirty="0" err="1"/>
+              <a:t>besser</a:t>
+            </a:r>
+            <a:r>
+              <a:rPr lang="en-US" dirty="0"/>
+              <a:t> so </a:t>
+            </a:r>
+            <a:r>
+              <a:rPr lang="en-US" dirty="0" err="1"/>
+              <a:t>erklären</a:t>
+            </a:r>
+            <a:r>
+              <a:rPr lang="en-US" dirty="0"/>
+              <a:t> </a:t>
+            </a:r>
+            <a:r>
+              <a:rPr lang="en-US" dirty="0" err="1"/>
+              <a:t>wie</a:t>
+            </a:r>
+            <a:r>
+              <a:rPr lang="en-US" dirty="0"/>
+              <a:t> der </a:t>
+            </a:r>
+            <a:r>
+              <a:rPr lang="en-US" dirty="0" err="1"/>
+              <a:t>letzte</a:t>
+            </a:r>
+            <a:r>
+              <a:rPr lang="en-US" dirty="0"/>
+              <a:t> </a:t>
+            </a:r>
+            <a:r>
+              <a:rPr lang="en-US" dirty="0" err="1"/>
+              <a:t>Absatz</a:t>
+            </a:r>
+            <a:r>
+              <a:rPr lang="en-US" dirty="0"/>
+              <a:t> </a:t>
+            </a:r>
+            <a:r>
+              <a:rPr lang="en-US" dirty="0" err="1"/>
+              <a:t>vor</a:t>
+            </a:r>
+            <a:r>
+              <a:rPr lang="en-US" dirty="0"/>
+              <a:t> </a:t>
+            </a:r>
+            <a:r>
+              <a:rPr lang="en-US" dirty="0" err="1"/>
+              <a:t>Abschnitt</a:t>
+            </a:r>
+            <a:r>
+              <a:rPr lang="en-US" dirty="0"/>
+              <a:t> 1.1?</a:t>
+            </a:r>
           </a:p>
         </p:txBody>
       </p:sp>
@@ -944,7 +1048,452 @@
     </p:spTree>
     <p:extLst>
       <p:ext uri="{BB962C8B-B14F-4D97-AF65-F5344CB8AC3E}">
+        <p14:creationId xmlns:p14="http://schemas.microsoft.com/office/powerpoint/2010/main" val="3558965081"/>
+      </p:ext>
+    </p:extLst>
+  </p:cSld>
+  <p:clrMapOvr>
+    <a:masterClrMapping/>
+  </p:clrMapOvr>
+</p:notes>
+</file>
+
+<file path=ppt/notesSlides/notesSlide4.xml><?xml version="1.0" encoding="utf-8"?>
+<p:notes xmlns:a="http://schemas.openxmlformats.org/drawingml/2006/main" xmlns:r="http://schemas.openxmlformats.org/officeDocument/2006/relationships" xmlns:p="http://schemas.openxmlformats.org/presentationml/2006/main">
+  <p:cSld>
+    <p:spTree>
+      <p:nvGrpSpPr>
+        <p:cNvPr id="1" name=""/>
+        <p:cNvGrpSpPr/>
+        <p:nvPr/>
+      </p:nvGrpSpPr>
+      <p:grpSpPr>
+        <a:xfrm>
+          <a:off x="0" y="0"/>
+          <a:ext cx="0" cy="0"/>
+          <a:chOff x="0" y="0"/>
+          <a:chExt cx="0" cy="0"/>
+        </a:xfrm>
+      </p:grpSpPr>
+      <p:sp>
+        <p:nvSpPr>
+          <p:cNvPr id="2" name="Folienbildplatzhalter 1"/>
+          <p:cNvSpPr>
+            <a:spLocks noGrp="1" noRot="1" noChangeAspect="1"/>
+          </p:cNvSpPr>
+          <p:nvPr>
+            <p:ph type="sldImg"/>
+          </p:nvPr>
+        </p:nvSpPr>
+        <p:spPr/>
+      </p:sp>
+      <p:sp>
+        <p:nvSpPr>
+          <p:cNvPr id="3" name="Notizenplatzhalter 2"/>
+          <p:cNvSpPr>
+            <a:spLocks noGrp="1"/>
+          </p:cNvSpPr>
+          <p:nvPr>
+            <p:ph type="body" idx="1"/>
+          </p:nvPr>
+        </p:nvSpPr>
+        <p:spPr/>
+        <p:txBody>
+          <a:bodyPr/>
+          <a:lstStyle/>
+          <a:p>
+            <a:r>
+              <a:rPr lang="en-US" dirty="0"/>
+              <a:t>needed?</a:t>
+            </a:r>
+          </a:p>
+        </p:txBody>
+      </p:sp>
+      <p:sp>
+        <p:nvSpPr>
+          <p:cNvPr id="4" name="Foliennummernplatzhalter 3"/>
+          <p:cNvSpPr>
+            <a:spLocks noGrp="1"/>
+          </p:cNvSpPr>
+          <p:nvPr>
+            <p:ph type="sldNum" sz="quarter" idx="10"/>
+          </p:nvPr>
+        </p:nvSpPr>
+        <p:spPr/>
+        <p:txBody>
+          <a:bodyPr/>
+          <a:lstStyle/>
+          <a:p>
+            <a:fld id="{FAA32559-8951-4C46-A356-FBB9455D7E38}" type="slidenum">
+              <a:rPr lang="de-DE" smtClean="0"/>
+              <a:t>4</a:t>
+            </a:fld>
+            <a:endParaRPr lang="de-DE"/>
+          </a:p>
+        </p:txBody>
+      </p:sp>
+    </p:spTree>
+    <p:extLst>
+      <p:ext uri="{BB962C8B-B14F-4D97-AF65-F5344CB8AC3E}">
+        <p14:creationId xmlns:p14="http://schemas.microsoft.com/office/powerpoint/2010/main" val="4070183969"/>
+      </p:ext>
+    </p:extLst>
+  </p:cSld>
+  <p:clrMapOvr>
+    <a:masterClrMapping/>
+  </p:clrMapOvr>
+</p:notes>
+</file>
+
+<file path=ppt/notesSlides/notesSlide5.xml><?xml version="1.0" encoding="utf-8"?>
+<p:notes xmlns:a="http://schemas.openxmlformats.org/drawingml/2006/main" xmlns:r="http://schemas.openxmlformats.org/officeDocument/2006/relationships" xmlns:p="http://schemas.openxmlformats.org/presentationml/2006/main">
+  <p:cSld>
+    <p:spTree>
+      <p:nvGrpSpPr>
+        <p:cNvPr id="1" name=""/>
+        <p:cNvGrpSpPr/>
+        <p:nvPr/>
+      </p:nvGrpSpPr>
+      <p:grpSpPr>
+        <a:xfrm>
+          <a:off x="0" y="0"/>
+          <a:ext cx="0" cy="0"/>
+          <a:chOff x="0" y="0"/>
+          <a:chExt cx="0" cy="0"/>
+        </a:xfrm>
+      </p:grpSpPr>
+      <p:sp>
+        <p:nvSpPr>
+          <p:cNvPr id="2" name="Folienbildplatzhalter 1"/>
+          <p:cNvSpPr>
+            <a:spLocks noGrp="1" noRot="1" noChangeAspect="1"/>
+          </p:cNvSpPr>
+          <p:nvPr>
+            <p:ph type="sldImg"/>
+          </p:nvPr>
+        </p:nvSpPr>
+        <p:spPr/>
+      </p:sp>
+      <p:sp>
+        <p:nvSpPr>
+          <p:cNvPr id="3" name="Notizenplatzhalter 2"/>
+          <p:cNvSpPr>
+            <a:spLocks noGrp="1"/>
+          </p:cNvSpPr>
+          <p:nvPr>
+            <p:ph type="body" idx="1"/>
+          </p:nvPr>
+        </p:nvSpPr>
+        <p:spPr/>
+        <p:txBody>
+          <a:bodyPr/>
+          <a:lstStyle/>
+          <a:p>
+            <a:r>
+              <a:rPr lang="en-US" dirty="0"/>
+              <a:t>and they will, in the case where the languages are infinite.</a:t>
+            </a:r>
+          </a:p>
+          <a:p>
+            <a:endParaRPr lang="en-US" dirty="0"/>
+          </a:p>
+          <a:p>
+            <a:r>
+              <a:rPr lang="en-US" dirty="0"/>
+              <a:t>… and if a representation is finite, we can at least hope to be able to construct it.</a:t>
+            </a:r>
+          </a:p>
+        </p:txBody>
+      </p:sp>
+      <p:sp>
+        <p:nvSpPr>
+          <p:cNvPr id="4" name="Foliennummernplatzhalter 3"/>
+          <p:cNvSpPr>
+            <a:spLocks noGrp="1"/>
+          </p:cNvSpPr>
+          <p:nvPr>
+            <p:ph type="sldNum" sz="quarter" idx="10"/>
+          </p:nvPr>
+        </p:nvSpPr>
+        <p:spPr/>
+        <p:txBody>
+          <a:bodyPr/>
+          <a:lstStyle/>
+          <a:p>
+            <a:fld id="{FAA32559-8951-4C46-A356-FBB9455D7E38}" type="slidenum">
+              <a:rPr lang="de-DE" smtClean="0"/>
+              <a:t>5</a:t>
+            </a:fld>
+            <a:endParaRPr lang="de-DE"/>
+          </a:p>
+        </p:txBody>
+      </p:sp>
+    </p:spTree>
+    <p:extLst>
+      <p:ext uri="{BB962C8B-B14F-4D97-AF65-F5344CB8AC3E}">
+        <p14:creationId xmlns:p14="http://schemas.microsoft.com/office/powerpoint/2010/main" val="2346868481"/>
+      </p:ext>
+    </p:extLst>
+  </p:cSld>
+  <p:clrMapOvr>
+    <a:masterClrMapping/>
+  </p:clrMapOvr>
+</p:notes>
+</file>
+
+<file path=ppt/notesSlides/notesSlide6.xml><?xml version="1.0" encoding="utf-8"?>
+<p:notes xmlns:a="http://schemas.openxmlformats.org/drawingml/2006/main" xmlns:r="http://schemas.openxmlformats.org/officeDocument/2006/relationships" xmlns:p="http://schemas.openxmlformats.org/presentationml/2006/main">
+  <p:cSld>
+    <p:spTree>
+      <p:nvGrpSpPr>
+        <p:cNvPr id="1" name=""/>
+        <p:cNvGrpSpPr/>
+        <p:nvPr/>
+      </p:nvGrpSpPr>
+      <p:grpSpPr>
+        <a:xfrm>
+          <a:off x="0" y="0"/>
+          <a:ext cx="0" cy="0"/>
+          <a:chOff x="0" y="0"/>
+          <a:chExt cx="0" cy="0"/>
+        </a:xfrm>
+      </p:grpSpPr>
+      <p:sp>
+        <p:nvSpPr>
+          <p:cNvPr id="2" name="Folienbildplatzhalter 1"/>
+          <p:cNvSpPr>
+            <a:spLocks noGrp="1" noRot="1" noChangeAspect="1"/>
+          </p:cNvSpPr>
+          <p:nvPr>
+            <p:ph type="sldImg"/>
+          </p:nvPr>
+        </p:nvSpPr>
+        <p:spPr/>
+      </p:sp>
+      <p:sp>
+        <p:nvSpPr>
+          <p:cNvPr id="3" name="Notizenplatzhalter 2"/>
+          <p:cNvSpPr>
+            <a:spLocks noGrp="1"/>
+          </p:cNvSpPr>
+          <p:nvPr>
+            <p:ph type="body" idx="1"/>
+          </p:nvPr>
+        </p:nvSpPr>
+        <p:spPr/>
+        <p:txBody>
+          <a:bodyPr/>
+          <a:lstStyle/>
+          <a:p>
+            <a:r>
+              <a:rPr lang="en-US" dirty="0"/>
+              <a:t>…and _must_, for this algorithm</a:t>
+            </a:r>
+          </a:p>
+        </p:txBody>
+      </p:sp>
+      <p:sp>
+        <p:nvSpPr>
+          <p:cNvPr id="4" name="Foliennummernplatzhalter 3"/>
+          <p:cNvSpPr>
+            <a:spLocks noGrp="1"/>
+          </p:cNvSpPr>
+          <p:nvPr>
+            <p:ph type="sldNum" sz="quarter" idx="10"/>
+          </p:nvPr>
+        </p:nvSpPr>
+        <p:spPr/>
+        <p:txBody>
+          <a:bodyPr/>
+          <a:lstStyle/>
+          <a:p>
+            <a:fld id="{FAA32559-8951-4C46-A356-FBB9455D7E38}" type="slidenum">
+              <a:rPr lang="de-DE" smtClean="0"/>
+              <a:t>6</a:t>
+            </a:fld>
+            <a:endParaRPr lang="de-DE"/>
+          </a:p>
+        </p:txBody>
+      </p:sp>
+    </p:spTree>
+    <p:extLst>
+      <p:ext uri="{BB962C8B-B14F-4D97-AF65-F5344CB8AC3E}">
+        <p14:creationId xmlns:p14="http://schemas.microsoft.com/office/powerpoint/2010/main" val="2615019396"/>
+      </p:ext>
+    </p:extLst>
+  </p:cSld>
+  <p:clrMapOvr>
+    <a:masterClrMapping/>
+  </p:clrMapOvr>
+</p:notes>
+</file>
+
+<file path=ppt/notesSlides/notesSlide7.xml><?xml version="1.0" encoding="utf-8"?>
+<p:notes xmlns:a="http://schemas.openxmlformats.org/drawingml/2006/main" xmlns:r="http://schemas.openxmlformats.org/officeDocument/2006/relationships" xmlns:p="http://schemas.openxmlformats.org/presentationml/2006/main">
+  <p:cSld>
+    <p:spTree>
+      <p:nvGrpSpPr>
+        <p:cNvPr id="1" name=""/>
+        <p:cNvGrpSpPr/>
+        <p:nvPr/>
+      </p:nvGrpSpPr>
+      <p:grpSpPr>
+        <a:xfrm>
+          <a:off x="0" y="0"/>
+          <a:ext cx="0" cy="0"/>
+          <a:chOff x="0" y="0"/>
+          <a:chExt cx="0" cy="0"/>
+        </a:xfrm>
+      </p:grpSpPr>
+      <p:sp>
+        <p:nvSpPr>
+          <p:cNvPr id="2" name="Folienbildplatzhalter 1"/>
+          <p:cNvSpPr>
+            <a:spLocks noGrp="1" noRot="1" noChangeAspect="1"/>
+          </p:cNvSpPr>
+          <p:nvPr>
+            <p:ph type="sldImg"/>
+          </p:nvPr>
+        </p:nvSpPr>
+        <p:spPr/>
+      </p:sp>
+      <p:sp>
+        <p:nvSpPr>
+          <p:cNvPr id="3" name="Notizenplatzhalter 2"/>
+          <p:cNvSpPr>
+            <a:spLocks noGrp="1"/>
+          </p:cNvSpPr>
+          <p:nvPr>
+            <p:ph type="body" idx="1"/>
+          </p:nvPr>
+        </p:nvSpPr>
+        <p:spPr/>
+        <p:txBody>
+          <a:bodyPr/>
+          <a:lstStyle/>
+          <a:p>
+            <a:r>
+              <a:rPr lang="de-DE" dirty="0" err="1"/>
+              <a:t>todo</a:t>
+            </a:r>
+            <a:endParaRPr lang="de-DE" dirty="0"/>
+          </a:p>
+        </p:txBody>
+      </p:sp>
+      <p:sp>
+        <p:nvSpPr>
+          <p:cNvPr id="4" name="Foliennummernplatzhalter 3"/>
+          <p:cNvSpPr>
+            <a:spLocks noGrp="1"/>
+          </p:cNvSpPr>
+          <p:nvPr>
+            <p:ph type="sldNum" sz="quarter" idx="10"/>
+          </p:nvPr>
+        </p:nvSpPr>
+        <p:spPr/>
+        <p:txBody>
+          <a:bodyPr/>
+          <a:lstStyle/>
+          <a:p>
+            <a:fld id="{FAA32559-8951-4C46-A356-FBB9455D7E38}" type="slidenum">
+              <a:rPr lang="de-DE" smtClean="0"/>
+              <a:t>7</a:t>
+            </a:fld>
+            <a:endParaRPr lang="de-DE"/>
+          </a:p>
+        </p:txBody>
+      </p:sp>
+    </p:spTree>
+    <p:extLst>
+      <p:ext uri="{BB962C8B-B14F-4D97-AF65-F5344CB8AC3E}">
         <p14:creationId xmlns:p14="http://schemas.microsoft.com/office/powerpoint/2010/main" val="277471394"/>
+      </p:ext>
+    </p:extLst>
+  </p:cSld>
+  <p:clrMapOvr>
+    <a:masterClrMapping/>
+  </p:clrMapOvr>
+</p:notes>
+</file>
+
+<file path=ppt/notesSlides/notesSlide8.xml><?xml version="1.0" encoding="utf-8"?>
+<p:notes xmlns:a="http://schemas.openxmlformats.org/drawingml/2006/main" xmlns:r="http://schemas.openxmlformats.org/officeDocument/2006/relationships" xmlns:p="http://schemas.openxmlformats.org/presentationml/2006/main">
+  <p:cSld>
+    <p:spTree>
+      <p:nvGrpSpPr>
+        <p:cNvPr id="1" name=""/>
+        <p:cNvGrpSpPr/>
+        <p:nvPr/>
+      </p:nvGrpSpPr>
+      <p:grpSpPr>
+        <a:xfrm>
+          <a:off x="0" y="0"/>
+          <a:ext cx="0" cy="0"/>
+          <a:chOff x="0" y="0"/>
+          <a:chExt cx="0" cy="0"/>
+        </a:xfrm>
+      </p:grpSpPr>
+      <p:sp>
+        <p:nvSpPr>
+          <p:cNvPr id="2" name="Folienbildplatzhalter 1"/>
+          <p:cNvSpPr>
+            <a:spLocks noGrp="1" noRot="1" noChangeAspect="1"/>
+          </p:cNvSpPr>
+          <p:nvPr>
+            <p:ph type="sldImg"/>
+          </p:nvPr>
+        </p:nvSpPr>
+        <p:spPr/>
+      </p:sp>
+      <p:sp>
+        <p:nvSpPr>
+          <p:cNvPr id="3" name="Notizenplatzhalter 2"/>
+          <p:cNvSpPr>
+            <a:spLocks noGrp="1"/>
+          </p:cNvSpPr>
+          <p:nvPr>
+            <p:ph type="body" idx="1"/>
+          </p:nvPr>
+        </p:nvSpPr>
+        <p:spPr/>
+        <p:txBody>
+          <a:bodyPr/>
+          <a:lstStyle/>
+          <a:p>
+            <a:r>
+              <a:rPr lang="en-US" dirty="0"/>
+              <a:t>Question to the audience: How to obtain a decision procedure for “⊆”?</a:t>
+            </a:r>
+          </a:p>
+        </p:txBody>
+      </p:sp>
+      <p:sp>
+        <p:nvSpPr>
+          <p:cNvPr id="4" name="Foliennummernplatzhalter 3"/>
+          <p:cNvSpPr>
+            <a:spLocks noGrp="1"/>
+          </p:cNvSpPr>
+          <p:nvPr>
+            <p:ph type="sldNum" sz="quarter" idx="10"/>
+          </p:nvPr>
+        </p:nvSpPr>
+        <p:spPr/>
+        <p:txBody>
+          <a:bodyPr/>
+          <a:lstStyle/>
+          <a:p>
+            <a:fld id="{FAA32559-8951-4C46-A356-FBB9455D7E38}" type="slidenum">
+              <a:rPr lang="de-DE" smtClean="0"/>
+              <a:t>8</a:t>
+            </a:fld>
+            <a:endParaRPr lang="de-DE"/>
+          </a:p>
+        </p:txBody>
+      </p:sp>
+    </p:spTree>
+    <p:extLst>
+      <p:ext uri="{BB962C8B-B14F-4D97-AF65-F5344CB8AC3E}">
+        <p14:creationId xmlns:p14="http://schemas.microsoft.com/office/powerpoint/2010/main" val="4044844971"/>
       </p:ext>
     </p:extLst>
   </p:cSld>
@@ -1101,7 +1650,7 @@
           <a:p>
             <a:fld id="{B8511AE9-C2D5-45E7-980E-A4DD1A9265AF}" type="datetimeFigureOut">
               <a:rPr lang="en-US" noProof="0" smtClean="0"/>
-              <a:t>11/5/2017</a:t>
+              <a:t>11/6/2017</a:t>
             </a:fld>
             <a:endParaRPr lang="en-US" noProof="0"/>
           </a:p>
@@ -1299,7 +1848,7 @@
           <a:p>
             <a:fld id="{B8511AE9-C2D5-45E7-980E-A4DD1A9265AF}" type="datetimeFigureOut">
               <a:rPr lang="de-DE" smtClean="0"/>
-              <a:t>05.11.2017</a:t>
+              <a:t>06.11.2017</a:t>
             </a:fld>
             <a:endParaRPr lang="de-DE"/>
           </a:p>
@@ -1601,7 +2150,7 @@
             <a:fld id="{B8511AE9-C2D5-45E7-980E-A4DD1A9265AF}" type="datetimeFigureOut">
               <a:rPr lang="en-US" noProof="0" smtClean="0"/>
               <a:pPr/>
-              <a:t>11/5/2017</a:t>
+              <a:t>11/6/2017</a:t>
             </a:fld>
             <a:endParaRPr lang="en-US" noProof="0"/>
           </a:p>
@@ -1755,7 +2304,7 @@
           <a:p>
             <a:fld id="{B8511AE9-C2D5-45E7-980E-A4DD1A9265AF}" type="datetimeFigureOut">
               <a:rPr lang="en-US" noProof="0" smtClean="0"/>
-              <a:t>11/5/2017</a:t>
+              <a:t>11/6/2017</a:t>
             </a:fld>
             <a:endParaRPr lang="en-US" noProof="0"/>
           </a:p>
@@ -1953,7 +2502,7 @@
           <a:p>
             <a:fld id="{B8511AE9-C2D5-45E7-980E-A4DD1A9265AF}" type="datetimeFigureOut">
               <a:rPr lang="en-US" noProof="0" smtClean="0"/>
-              <a:t>11/5/2017</a:t>
+              <a:t>11/6/2017</a:t>
             </a:fld>
             <a:endParaRPr lang="en-US" noProof="0"/>
           </a:p>
@@ -2228,7 +2777,7 @@
           <a:p>
             <a:fld id="{B8511AE9-C2D5-45E7-980E-A4DD1A9265AF}" type="datetimeFigureOut">
               <a:rPr lang="en-US" noProof="0" smtClean="0"/>
-              <a:t>11/5/2017</a:t>
+              <a:t>11/6/2017</a:t>
             </a:fld>
             <a:endParaRPr lang="en-US" noProof="0"/>
           </a:p>
@@ -2550,7 +3099,7 @@
           <a:p>
             <a:fld id="{B8511AE9-C2D5-45E7-980E-A4DD1A9265AF}" type="datetimeFigureOut">
               <a:rPr lang="en-US" noProof="0" smtClean="0"/>
-              <a:t>11/5/2017</a:t>
+              <a:t>11/6/2017</a:t>
             </a:fld>
             <a:endParaRPr lang="en-US" noProof="0"/>
           </a:p>
@@ -2962,7 +3511,7 @@
           <a:p>
             <a:fld id="{B8511AE9-C2D5-45E7-980E-A4DD1A9265AF}" type="datetimeFigureOut">
               <a:rPr lang="en-US" noProof="0" smtClean="0"/>
-              <a:t>11/5/2017</a:t>
+              <a:t>11/6/2017</a:t>
             </a:fld>
             <a:endParaRPr lang="en-US" noProof="0"/>
           </a:p>
@@ -3103,7 +3652,7 @@
           <a:p>
             <a:fld id="{B8511AE9-C2D5-45E7-980E-A4DD1A9265AF}" type="datetimeFigureOut">
               <a:rPr lang="en-US" noProof="0" smtClean="0"/>
-              <a:t>11/5/2017</a:t>
+              <a:t>11/6/2017</a:t>
             </a:fld>
             <a:endParaRPr lang="en-US" noProof="0"/>
           </a:p>
@@ -3221,7 +3770,7 @@
           <a:p>
             <a:fld id="{B8511AE9-C2D5-45E7-980E-A4DD1A9265AF}" type="datetimeFigureOut">
               <a:rPr lang="en-US" noProof="0" smtClean="0"/>
-              <a:t>11/5/2017</a:t>
+              <a:t>11/6/2017</a:t>
             </a:fld>
             <a:endParaRPr lang="en-US" noProof="0"/>
           </a:p>
@@ -3532,7 +4081,7 @@
           <a:p>
             <a:fld id="{B8511AE9-C2D5-45E7-980E-A4DD1A9265AF}" type="datetimeFigureOut">
               <a:rPr lang="en-US" noProof="0" smtClean="0"/>
-              <a:t>11/5/2017</a:t>
+              <a:t>11/6/2017</a:t>
             </a:fld>
             <a:endParaRPr lang="en-US" noProof="0"/>
           </a:p>
@@ -3825,7 +4374,7 @@
           <a:p>
             <a:fld id="{B8511AE9-C2D5-45E7-980E-A4DD1A9265AF}" type="datetimeFigureOut">
               <a:rPr lang="en-US" noProof="0" smtClean="0"/>
-              <a:t>11/5/2017</a:t>
+              <a:t>11/6/2017</a:t>
             </a:fld>
             <a:endParaRPr lang="en-US" noProof="0"/>
           </a:p>
@@ -4066,7 +4615,7 @@
           <a:p>
             <a:fld id="{B8511AE9-C2D5-45E7-980E-A4DD1A9265AF}" type="datetimeFigureOut">
               <a:rPr lang="en-US" noProof="0" smtClean="0"/>
-              <a:t>11/5/2017</a:t>
+              <a:t>11/6/2017</a:t>
             </a:fld>
             <a:endParaRPr lang="en-US" noProof="0"/>
           </a:p>
@@ -4628,11 +5177,7 @@
             </a:pPr>
             <a:r>
               <a:rPr lang="en-US" dirty="0"/>
-              <a:t>e</a:t>
-            </a:r>
-            <a:r>
-              <a:rPr lang="en-US" noProof="0" dirty="0" err="1"/>
-              <a:t>quivalence</a:t>
+              <a:t>equivalence</a:t>
             </a:r>
             <a:r>
               <a:rPr lang="en-US" noProof="0" dirty="0"/>
@@ -4655,6 +5200,25 @@
             <a:r>
               <a:rPr lang="en-US" dirty="0"/>
               <a:t>elegant, i.e. easy to prove correct</a:t>
+            </a:r>
+          </a:p>
+          <a:p>
+            <a:endParaRPr lang="en-US" noProof="0" dirty="0"/>
+          </a:p>
+          <a:p>
+            <a:endParaRPr lang="en-US" dirty="0"/>
+          </a:p>
+          <a:p>
+            <a:pPr marL="0" indent="0">
+              <a:buNone/>
+            </a:pPr>
+            <a:r>
+              <a:rPr lang="en-US" noProof="0" dirty="0"/>
+              <a:t>… we will only</a:t>
+            </a:r>
+            <a:r>
+              <a:rPr lang="en-US" dirty="0"/>
+              <a:t> prove partial correctness</a:t>
             </a:r>
             <a:endParaRPr lang="en-US" noProof="0" dirty="0"/>
           </a:p>
@@ -4695,6 +5259,461 @@
           <p:cNvPr id="2" name="Titel 1">
             <a:extLst>
               <a:ext uri="{FF2B5EF4-FFF2-40B4-BE49-F238E27FC236}">
+                <a16:creationId xmlns:a16="http://schemas.microsoft.com/office/drawing/2014/main" id="{A929FFEB-97F9-4AAE-81C1-11B5DC6850B7}"/>
+              </a:ext>
+            </a:extLst>
+          </p:cNvPr>
+          <p:cNvSpPr>
+            <a:spLocks noGrp="1"/>
+          </p:cNvSpPr>
+          <p:nvPr>
+            <p:ph type="title"/>
+          </p:nvPr>
+        </p:nvSpPr>
+        <p:spPr/>
+        <p:txBody>
+          <a:bodyPr/>
+          <a:lstStyle/>
+          <a:p>
+            <a:r>
+              <a:rPr lang="en-US" dirty="0"/>
+              <a:t>Shortcuts</a:t>
+            </a:r>
+          </a:p>
+        </p:txBody>
+      </p:sp>
+      <p:sp>
+        <p:nvSpPr>
+          <p:cNvPr id="3" name="Inhaltsplatzhalter 2">
+            <a:extLst>
+              <a:ext uri="{FF2B5EF4-FFF2-40B4-BE49-F238E27FC236}">
+                <a16:creationId xmlns:a16="http://schemas.microsoft.com/office/drawing/2014/main" id="{CB6452AB-3B3D-4DAE-9DC0-92C5D524D106}"/>
+              </a:ext>
+            </a:extLst>
+          </p:cNvPr>
+          <p:cNvSpPr>
+            <a:spLocks noGrp="1"/>
+          </p:cNvSpPr>
+          <p:nvPr>
+            <p:ph idx="1"/>
+          </p:nvPr>
+        </p:nvSpPr>
+        <p:spPr/>
+        <p:txBody>
+          <a:bodyPr/>
+          <a:lstStyle/>
+          <a:p>
+            <a:pPr marL="0" indent="0">
+              <a:buNone/>
+            </a:pPr>
+            <a:r>
+              <a:rPr lang="en-US" dirty="0"/>
+              <a:t>Avoid having to formalize and prove correct the automata</a:t>
+            </a:r>
+          </a:p>
+          <a:p>
+            <a:r>
+              <a:rPr lang="en-US" dirty="0"/>
+              <a:t>construction</a:t>
+            </a:r>
+          </a:p>
+          <a:p>
+            <a:r>
+              <a:rPr lang="en-US" dirty="0"/>
+              <a:t>determinization</a:t>
+            </a:r>
+          </a:p>
+          <a:p>
+            <a:r>
+              <a:rPr lang="en-US" dirty="0"/>
+              <a:t>minimization</a:t>
+            </a:r>
+          </a:p>
+          <a:p>
+            <a:endParaRPr lang="en-US" dirty="0"/>
+          </a:p>
+          <a:p>
+            <a:pPr marL="0" indent="0">
+              <a:buNone/>
+            </a:pPr>
+            <a:r>
+              <a:rPr lang="en-US" dirty="0"/>
+              <a:t>Extension to relations (or other Kleene Algebras) without </a:t>
+            </a:r>
+            <a:r>
+              <a:rPr lang="en-US" dirty="0" err="1"/>
+              <a:t>Kozen’s</a:t>
+            </a:r>
+            <a:r>
+              <a:rPr lang="en-US" dirty="0"/>
+              <a:t> theorem</a:t>
+            </a:r>
+          </a:p>
+        </p:txBody>
+      </p:sp>
+    </p:spTree>
+    <p:extLst>
+      <p:ext uri="{BB962C8B-B14F-4D97-AF65-F5344CB8AC3E}">
+        <p14:creationId xmlns:p14="http://schemas.microsoft.com/office/powerpoint/2010/main" val="4220785108"/>
+      </p:ext>
+    </p:extLst>
+  </p:cSld>
+  <p:clrMapOvr>
+    <a:masterClrMapping/>
+  </p:clrMapOvr>
+</p:sld>
+</file>
+
+<file path=ppt/slides/slide4.xml><?xml version="1.0" encoding="utf-8"?>
+<p:sld xmlns:a="http://schemas.openxmlformats.org/drawingml/2006/main" xmlns:r="http://schemas.openxmlformats.org/officeDocument/2006/relationships" xmlns:p="http://schemas.openxmlformats.org/presentationml/2006/main">
+  <p:cSld>
+    <p:spTree>
+      <p:nvGrpSpPr>
+        <p:cNvPr id="1" name=""/>
+        <p:cNvGrpSpPr/>
+        <p:nvPr/>
+      </p:nvGrpSpPr>
+      <p:grpSpPr>
+        <a:xfrm>
+          <a:off x="0" y="0"/>
+          <a:ext cx="0" cy="0"/>
+          <a:chOff x="0" y="0"/>
+          <a:chExt cx="0" cy="0"/>
+        </a:xfrm>
+      </p:grpSpPr>
+      <p:sp>
+        <p:nvSpPr>
+          <p:cNvPr id="2" name="Titel 1">
+            <a:extLst>
+              <a:ext uri="{FF2B5EF4-FFF2-40B4-BE49-F238E27FC236}">
+                <a16:creationId xmlns:a16="http://schemas.microsoft.com/office/drawing/2014/main" id="{687B1AB8-90E5-4186-AA81-A93103CBA37B}"/>
+              </a:ext>
+            </a:extLst>
+          </p:cNvPr>
+          <p:cNvSpPr>
+            <a:spLocks noGrp="1"/>
+          </p:cNvSpPr>
+          <p:nvPr>
+            <p:ph type="title"/>
+          </p:nvPr>
+        </p:nvSpPr>
+        <p:spPr/>
+        <p:txBody>
+          <a:bodyPr/>
+          <a:lstStyle/>
+          <a:p>
+            <a:r>
+              <a:rPr lang="en-US" dirty="0"/>
+              <a:t>Languages</a:t>
+            </a:r>
+          </a:p>
+        </p:txBody>
+      </p:sp>
+      <p:sp>
+        <p:nvSpPr>
+          <p:cNvPr id="3" name="Inhaltsplatzhalter 2">
+            <a:extLst>
+              <a:ext uri="{FF2B5EF4-FFF2-40B4-BE49-F238E27FC236}">
+                <a16:creationId xmlns:a16="http://schemas.microsoft.com/office/drawing/2014/main" id="{2BF4359E-6341-4A1E-9A32-75F8D0FC3314}"/>
+              </a:ext>
+            </a:extLst>
+          </p:cNvPr>
+          <p:cNvSpPr>
+            <a:spLocks noGrp="1"/>
+          </p:cNvSpPr>
+          <p:nvPr>
+            <p:ph idx="1"/>
+          </p:nvPr>
+        </p:nvSpPr>
+        <p:spPr/>
+        <p:txBody>
+          <a:bodyPr/>
+          <a:lstStyle/>
+          <a:p>
+            <a:endParaRPr lang="en-US"/>
+          </a:p>
+        </p:txBody>
+      </p:sp>
+    </p:spTree>
+    <p:extLst>
+      <p:ext uri="{BB962C8B-B14F-4D97-AF65-F5344CB8AC3E}">
+        <p14:creationId xmlns:p14="http://schemas.microsoft.com/office/powerpoint/2010/main" val="4159968217"/>
+      </p:ext>
+    </p:extLst>
+  </p:cSld>
+  <p:clrMapOvr>
+    <a:masterClrMapping/>
+  </p:clrMapOvr>
+</p:sld>
+</file>
+
+<file path=ppt/slides/slide5.xml><?xml version="1.0" encoding="utf-8"?>
+<p:sld xmlns:a="http://schemas.openxmlformats.org/drawingml/2006/main" xmlns:r="http://schemas.openxmlformats.org/officeDocument/2006/relationships" xmlns:p="http://schemas.openxmlformats.org/presentationml/2006/main">
+  <p:cSld>
+    <p:spTree>
+      <p:nvGrpSpPr>
+        <p:cNvPr id="1" name=""/>
+        <p:cNvGrpSpPr/>
+        <p:nvPr/>
+      </p:nvGrpSpPr>
+      <p:grpSpPr>
+        <a:xfrm>
+          <a:off x="0" y="0"/>
+          <a:ext cx="0" cy="0"/>
+          <a:chOff x="0" y="0"/>
+          <a:chExt cx="0" cy="0"/>
+        </a:xfrm>
+      </p:grpSpPr>
+      <p:sp>
+        <p:nvSpPr>
+          <p:cNvPr id="2" name="Titel 1">
+            <a:extLst>
+              <a:ext uri="{FF2B5EF4-FFF2-40B4-BE49-F238E27FC236}">
+                <a16:creationId xmlns:a16="http://schemas.microsoft.com/office/drawing/2014/main" id="{C690F183-8E7A-454F-8838-12391BD3CD63}"/>
+              </a:ext>
+            </a:extLst>
+          </p:cNvPr>
+          <p:cNvSpPr>
+            <a:spLocks noGrp="1"/>
+          </p:cNvSpPr>
+          <p:nvPr>
+            <p:ph type="title"/>
+          </p:nvPr>
+        </p:nvSpPr>
+        <p:spPr/>
+        <p:txBody>
+          <a:bodyPr/>
+          <a:lstStyle/>
+          <a:p>
+            <a:r>
+              <a:rPr lang="en-US" dirty="0" err="1"/>
+              <a:t>Bisimulations</a:t>
+            </a:r>
+            <a:endParaRPr lang="en-US" dirty="0"/>
+          </a:p>
+        </p:txBody>
+      </p:sp>
+      <p:sp>
+        <p:nvSpPr>
+          <p:cNvPr id="3" name="Inhaltsplatzhalter 2">
+            <a:extLst>
+              <a:ext uri="{FF2B5EF4-FFF2-40B4-BE49-F238E27FC236}">
+                <a16:creationId xmlns:a16="http://schemas.microsoft.com/office/drawing/2014/main" id="{A92A6810-3DFA-48E9-840A-C8CE0480638F}"/>
+              </a:ext>
+            </a:extLst>
+          </p:cNvPr>
+          <p:cNvSpPr>
+            <a:spLocks noGrp="1"/>
+          </p:cNvSpPr>
+          <p:nvPr>
+            <p:ph idx="1"/>
+          </p:nvPr>
+        </p:nvSpPr>
+        <p:spPr/>
+        <p:txBody>
+          <a:bodyPr/>
+          <a:lstStyle/>
+          <a:p>
+            <a:pPr marL="0" indent="0">
+              <a:buNone/>
+            </a:pPr>
+            <a:r>
+              <a:rPr lang="en-US" dirty="0"/>
+              <a:t>Definition</a:t>
+            </a:r>
+          </a:p>
+          <a:p>
+            <a:r>
+              <a:rPr lang="en-US" dirty="0"/>
+              <a:t>Prop1 to-do</a:t>
+            </a:r>
+          </a:p>
+          <a:p>
+            <a:r>
+              <a:rPr lang="en-US" dirty="0"/>
+              <a:t>Prop2 to-do</a:t>
+            </a:r>
+          </a:p>
+          <a:p>
+            <a:endParaRPr lang="en-US" dirty="0"/>
+          </a:p>
+          <a:p>
+            <a:pPr marL="0" indent="0">
+              <a:buNone/>
+            </a:pPr>
+            <a:r>
+              <a:rPr lang="en-US" dirty="0" err="1"/>
+              <a:t>Bisimulations</a:t>
+            </a:r>
+            <a:r>
+              <a:rPr lang="en-US" dirty="0"/>
+              <a:t> can contain infinitely many elements</a:t>
+            </a:r>
+          </a:p>
+          <a:p>
+            <a:pPr marL="0" indent="0">
+              <a:buNone/>
+            </a:pPr>
+            <a:r>
+              <a:rPr lang="en-US" dirty="0"/>
+              <a:t>	</a:t>
+            </a:r>
+            <a:r>
+              <a:rPr lang="en-US" dirty="0">
+                <a:sym typeface="Wingdings" panose="05000000000000000000" pitchFamily="2" charset="2"/>
+              </a:rPr>
+              <a:t> </a:t>
+            </a:r>
+            <a:r>
+              <a:rPr lang="en-US" dirty="0"/>
+              <a:t>use a representation </a:t>
+            </a:r>
+            <a:r>
+              <a:rPr lang="en-GB" dirty="0"/>
+              <a:t>as finite list of pairs of regular expressions</a:t>
+            </a:r>
+            <a:endParaRPr lang="en-US" dirty="0"/>
+          </a:p>
+        </p:txBody>
+      </p:sp>
+    </p:spTree>
+    <p:extLst>
+      <p:ext uri="{BB962C8B-B14F-4D97-AF65-F5344CB8AC3E}">
+        <p14:creationId xmlns:p14="http://schemas.microsoft.com/office/powerpoint/2010/main" val="4293805152"/>
+      </p:ext>
+    </p:extLst>
+  </p:cSld>
+  <p:clrMapOvr>
+    <a:masterClrMapping/>
+  </p:clrMapOvr>
+</p:sld>
+</file>
+
+<file path=ppt/slides/slide6.xml><?xml version="1.0" encoding="utf-8"?>
+<p:sld xmlns:a="http://schemas.openxmlformats.org/drawingml/2006/main" xmlns:r="http://schemas.openxmlformats.org/officeDocument/2006/relationships" xmlns:p="http://schemas.openxmlformats.org/presentationml/2006/main">
+  <p:cSld>
+    <p:spTree>
+      <p:nvGrpSpPr>
+        <p:cNvPr id="1" name=""/>
+        <p:cNvGrpSpPr/>
+        <p:nvPr/>
+      </p:nvGrpSpPr>
+      <p:grpSpPr>
+        <a:xfrm>
+          <a:off x="0" y="0"/>
+          <a:ext cx="0" cy="0"/>
+          <a:chOff x="0" y="0"/>
+          <a:chExt cx="0" cy="0"/>
+        </a:xfrm>
+      </p:grpSpPr>
+      <p:sp>
+        <p:nvSpPr>
+          <p:cNvPr id="2" name="Titel 1">
+            <a:extLst>
+              <a:ext uri="{FF2B5EF4-FFF2-40B4-BE49-F238E27FC236}">
+                <a16:creationId xmlns:a16="http://schemas.microsoft.com/office/drawing/2014/main" id="{D55CD077-9E2B-43F3-83A0-334C38F85C7C}"/>
+              </a:ext>
+            </a:extLst>
+          </p:cNvPr>
+          <p:cNvSpPr>
+            <a:spLocks noGrp="1"/>
+          </p:cNvSpPr>
+          <p:nvPr>
+            <p:ph type="title"/>
+          </p:nvPr>
+        </p:nvSpPr>
+        <p:spPr/>
+        <p:txBody>
+          <a:bodyPr/>
+          <a:lstStyle/>
+          <a:p>
+            <a:r>
+              <a:rPr lang="en-US" dirty="0"/>
+              <a:t>ACI</a:t>
+            </a:r>
+          </a:p>
+        </p:txBody>
+      </p:sp>
+      <p:sp>
+        <p:nvSpPr>
+          <p:cNvPr id="3" name="Inhaltsplatzhalter 2">
+            <a:extLst>
+              <a:ext uri="{FF2B5EF4-FFF2-40B4-BE49-F238E27FC236}">
+                <a16:creationId xmlns:a16="http://schemas.microsoft.com/office/drawing/2014/main" id="{EABB337D-AA1F-4919-A75D-7EF7AE0BF98B}"/>
+              </a:ext>
+            </a:extLst>
+          </p:cNvPr>
+          <p:cNvSpPr>
+            <a:spLocks noGrp="1"/>
+          </p:cNvSpPr>
+          <p:nvPr>
+            <p:ph idx="1"/>
+          </p:nvPr>
+        </p:nvSpPr>
+        <p:spPr/>
+        <p:txBody>
+          <a:bodyPr/>
+          <a:lstStyle/>
+          <a:p>
+            <a:pPr marL="0" indent="0">
+              <a:buNone/>
+            </a:pPr>
+            <a:r>
+              <a:rPr lang="en-US" dirty="0"/>
+              <a:t>associativity, commutativity and idempotence of </a:t>
+            </a:r>
+            <a:r>
+              <a:rPr lang="en-US" i="1" dirty="0"/>
+              <a:t>+</a:t>
+            </a:r>
+          </a:p>
+          <a:p>
+            <a:r>
+              <a:rPr lang="en-US" dirty="0"/>
+              <a:t>can be checked by an auxiliary function </a:t>
+            </a:r>
+            <a:r>
+              <a:rPr lang="en-US" i="1" dirty="0"/>
+              <a:t>norm</a:t>
+            </a:r>
+          </a:p>
+        </p:txBody>
+      </p:sp>
+    </p:spTree>
+    <p:extLst>
+      <p:ext uri="{BB962C8B-B14F-4D97-AF65-F5344CB8AC3E}">
+        <p14:creationId xmlns:p14="http://schemas.microsoft.com/office/powerpoint/2010/main" val="3250996410"/>
+      </p:ext>
+    </p:extLst>
+  </p:cSld>
+  <p:clrMapOvr>
+    <a:masterClrMapping/>
+  </p:clrMapOvr>
+</p:sld>
+</file>
+
+<file path=ppt/slides/slide7.xml><?xml version="1.0" encoding="utf-8"?>
+<p:sld xmlns:a="http://schemas.openxmlformats.org/drawingml/2006/main" xmlns:r="http://schemas.openxmlformats.org/officeDocument/2006/relationships" xmlns:p="http://schemas.openxmlformats.org/presentationml/2006/main">
+  <p:cSld>
+    <p:spTree>
+      <p:nvGrpSpPr>
+        <p:cNvPr id="1" name=""/>
+        <p:cNvGrpSpPr/>
+        <p:nvPr/>
+      </p:nvGrpSpPr>
+      <p:grpSpPr>
+        <a:xfrm>
+          <a:off x="0" y="0"/>
+          <a:ext cx="0" cy="0"/>
+          <a:chOff x="0" y="0"/>
+          <a:chExt cx="0" cy="0"/>
+        </a:xfrm>
+      </p:grpSpPr>
+      <p:sp>
+        <p:nvSpPr>
+          <p:cNvPr id="2" name="Titel 1">
+            <a:extLst>
+              <a:ext uri="{FF2B5EF4-FFF2-40B4-BE49-F238E27FC236}">
                 <a16:creationId xmlns:a16="http://schemas.microsoft.com/office/drawing/2014/main" id="{C2BD6476-74CB-4A4F-8A71-ABCEDDC496FB}"/>
               </a:ext>
             </a:extLst>
@@ -4750,6 +5769,64 @@
     <p:extLst>
       <p:ext uri="{BB962C8B-B14F-4D97-AF65-F5344CB8AC3E}">
         <p14:creationId xmlns:p14="http://schemas.microsoft.com/office/powerpoint/2010/main" val="1306226194"/>
+      </p:ext>
+    </p:extLst>
+  </p:cSld>
+  <p:clrMapOvr>
+    <a:masterClrMapping/>
+  </p:clrMapOvr>
+</p:sld>
+</file>
+
+<file path=ppt/slides/slide8.xml><?xml version="1.0" encoding="utf-8"?>
+<p:sld xmlns:a="http://schemas.openxmlformats.org/drawingml/2006/main" xmlns:r="http://schemas.openxmlformats.org/officeDocument/2006/relationships" xmlns:p="http://schemas.openxmlformats.org/presentationml/2006/main">
+  <p:cSld>
+    <p:spTree>
+      <p:nvGrpSpPr>
+        <p:cNvPr id="1" name=""/>
+        <p:cNvGrpSpPr/>
+        <p:nvPr/>
+      </p:nvGrpSpPr>
+      <p:grpSpPr>
+        <a:xfrm>
+          <a:off x="0" y="0"/>
+          <a:ext cx="0" cy="0"/>
+          <a:chOff x="0" y="0"/>
+          <a:chExt cx="0" cy="0"/>
+        </a:xfrm>
+      </p:grpSpPr>
+      <p:sp>
+        <p:nvSpPr>
+          <p:cNvPr id="2" name="Titel 1">
+            <a:extLst>
+              <a:ext uri="{FF2B5EF4-FFF2-40B4-BE49-F238E27FC236}">
+                <a16:creationId xmlns:a16="http://schemas.microsoft.com/office/drawing/2014/main" id="{59569334-A0FE-40EA-BDDD-A2A29AE45091}"/>
+              </a:ext>
+            </a:extLst>
+          </p:cNvPr>
+          <p:cNvSpPr>
+            <a:spLocks noGrp="1"/>
+          </p:cNvSpPr>
+          <p:nvPr>
+            <p:ph type="title"/>
+          </p:nvPr>
+        </p:nvSpPr>
+        <p:spPr/>
+        <p:txBody>
+          <a:bodyPr/>
+          <a:lstStyle/>
+          <a:p>
+            <a:r>
+              <a:rPr lang="en-US" dirty="0"/>
+              <a:t>Beyond equalities</a:t>
+            </a:r>
+          </a:p>
+        </p:txBody>
+      </p:sp>
+    </p:spTree>
+    <p:extLst>
+      <p:ext uri="{BB962C8B-B14F-4D97-AF65-F5344CB8AC3E}">
+        <p14:creationId xmlns:p14="http://schemas.microsoft.com/office/powerpoint/2010/main" val="1337841628"/>
       </p:ext>
     </p:extLst>
   </p:cSld>

--- a/slides.pptx
+++ b/slides.pptx
@@ -208,7 +208,7 @@
           <a:p>
             <a:fld id="{9768728B-C74D-450C-A579-E5E997D18F7C}" type="datetimeFigureOut">
               <a:rPr lang="de-DE" smtClean="0"/>
-              <a:t>06.11.2017</a:t>
+              <a:t>07.11.2017</a:t>
             </a:fld>
             <a:endParaRPr lang="de-DE"/>
           </a:p>
@@ -800,7 +800,7 @@
           <a:p>
             <a:r>
               <a:rPr lang="de-DE" dirty="0"/>
-              <a:t>Personal </a:t>
+              <a:t>(Personal </a:t>
             </a:r>
             <a:r>
               <a:rPr lang="de-DE" dirty="0" err="1"/>
@@ -824,7 +824,196 @@
             </a:r>
             <a:r>
               <a:rPr lang="de-DE" dirty="0"/>
-              <a:t> like automatatutor.com</a:t>
+              <a:t> like automatatutor.com)</a:t>
+            </a:r>
+          </a:p>
+          <a:p>
+            <a:endParaRPr lang="de-DE" dirty="0"/>
+          </a:p>
+          <a:p>
+            <a:r>
+              <a:rPr lang="de-DE" dirty="0" err="1"/>
+              <a:t>Implications</a:t>
+            </a:r>
+            <a:r>
+              <a:rPr lang="de-DE" dirty="0"/>
+              <a:t> </a:t>
+            </a:r>
+            <a:r>
+              <a:rPr lang="de-DE" dirty="0" err="1"/>
+              <a:t>for</a:t>
+            </a:r>
+            <a:r>
+              <a:rPr lang="de-DE" dirty="0"/>
+              <a:t> </a:t>
+            </a:r>
+            <a:r>
+              <a:rPr lang="de-DE" dirty="0" err="1"/>
+              <a:t>the</a:t>
+            </a:r>
+            <a:r>
+              <a:rPr lang="de-DE" dirty="0"/>
+              <a:t> design: </a:t>
+            </a:r>
+            <a:r>
+              <a:rPr lang="de-DE" dirty="0" err="1"/>
+              <a:t>We</a:t>
+            </a:r>
+            <a:r>
+              <a:rPr lang="de-DE" dirty="0"/>
+              <a:t> </a:t>
+            </a:r>
+            <a:r>
+              <a:rPr lang="de-DE" dirty="0" err="1"/>
+              <a:t>are</a:t>
+            </a:r>
+            <a:r>
+              <a:rPr lang="de-DE" dirty="0"/>
+              <a:t> </a:t>
+            </a:r>
+            <a:r>
+              <a:rPr lang="de-DE" dirty="0" err="1"/>
+              <a:t>only</a:t>
+            </a:r>
+            <a:r>
+              <a:rPr lang="de-DE" dirty="0"/>
+              <a:t> </a:t>
+            </a:r>
+            <a:r>
+              <a:rPr lang="de-DE" dirty="0" err="1"/>
+              <a:t>interested</a:t>
+            </a:r>
+            <a:r>
+              <a:rPr lang="de-DE" dirty="0"/>
+              <a:t> in partial </a:t>
+            </a:r>
+            <a:r>
+              <a:rPr lang="de-DE" dirty="0" err="1"/>
+              <a:t>correctness</a:t>
+            </a:r>
+            <a:r>
+              <a:rPr lang="de-DE" dirty="0"/>
+              <a:t> (</a:t>
+            </a:r>
+            <a:r>
+              <a:rPr lang="de-DE" dirty="0" err="1"/>
+              <a:t>there</a:t>
+            </a:r>
+            <a:r>
+              <a:rPr lang="de-DE" dirty="0"/>
+              <a:t> </a:t>
+            </a:r>
+            <a:r>
+              <a:rPr lang="de-DE" dirty="0" err="1"/>
+              <a:t>is</a:t>
+            </a:r>
+            <a:r>
+              <a:rPr lang="de-DE" dirty="0"/>
+              <a:t> a </a:t>
+            </a:r>
+            <a:r>
+              <a:rPr lang="de-DE" dirty="0" err="1"/>
+              <a:t>termination</a:t>
+            </a:r>
+            <a:r>
+              <a:rPr lang="de-DE" dirty="0"/>
+              <a:t> </a:t>
+            </a:r>
+            <a:r>
+              <a:rPr lang="de-DE" dirty="0" err="1"/>
+              <a:t>proof</a:t>
+            </a:r>
+            <a:r>
+              <a:rPr lang="de-DE" dirty="0"/>
+              <a:t> due </a:t>
+            </a:r>
+            <a:r>
+              <a:rPr lang="de-DE" dirty="0" err="1"/>
+              <a:t>to</a:t>
+            </a:r>
+            <a:r>
+              <a:rPr lang="de-DE" dirty="0"/>
+              <a:t> </a:t>
+            </a:r>
+            <a:r>
+              <a:rPr lang="de-DE" dirty="0" err="1"/>
+              <a:t>Brzozowski</a:t>
+            </a:r>
+            <a:r>
+              <a:rPr lang="de-DE" dirty="0"/>
+              <a:t>, but </a:t>
+            </a:r>
+            <a:r>
+              <a:rPr lang="de-DE" dirty="0" err="1"/>
+              <a:t>there</a:t>
+            </a:r>
+            <a:r>
+              <a:rPr lang="de-DE" dirty="0"/>
+              <a:t> </a:t>
+            </a:r>
+            <a:r>
+              <a:rPr lang="de-DE" dirty="0" err="1"/>
+              <a:t>is</a:t>
+            </a:r>
+            <a:r>
+              <a:rPr lang="de-DE" dirty="0"/>
+              <a:t> </a:t>
+            </a:r>
+            <a:r>
+              <a:rPr lang="de-DE" dirty="0" err="1"/>
+              <a:t>no</a:t>
+            </a:r>
+            <a:r>
+              <a:rPr lang="de-DE" dirty="0"/>
+              <a:t> </a:t>
+            </a:r>
+            <a:r>
+              <a:rPr lang="de-DE" dirty="0" err="1"/>
+              <a:t>need</a:t>
+            </a:r>
+            <a:r>
+              <a:rPr lang="de-DE" dirty="0"/>
+              <a:t> (and </a:t>
+            </a:r>
+            <a:r>
+              <a:rPr lang="de-DE" dirty="0" err="1"/>
+              <a:t>it</a:t>
+            </a:r>
+            <a:r>
+              <a:rPr lang="de-DE" dirty="0"/>
+              <a:t> </a:t>
+            </a:r>
+            <a:r>
+              <a:rPr lang="de-DE" dirty="0" err="1"/>
+              <a:t>requires</a:t>
+            </a:r>
+            <a:r>
+              <a:rPr lang="de-DE" dirty="0"/>
+              <a:t> </a:t>
+            </a:r>
+            <a:r>
+              <a:rPr lang="de-DE" dirty="0" err="1"/>
+              <a:t>linorder</a:t>
+            </a:r>
+            <a:r>
+              <a:rPr lang="de-DE" dirty="0"/>
+              <a:t> on </a:t>
+            </a:r>
+            <a:r>
+              <a:rPr lang="de-DE" dirty="0" err="1"/>
+              <a:t>the</a:t>
+            </a:r>
+            <a:r>
+              <a:rPr lang="de-DE" dirty="0"/>
+              <a:t> </a:t>
+            </a:r>
+            <a:r>
+              <a:rPr lang="de-DE" dirty="0" err="1"/>
+              <a:t>atoms</a:t>
+            </a:r>
+            <a:r>
+              <a:rPr lang="de-DE" dirty="0"/>
+              <a:t>?))</a:t>
             </a:r>
           </a:p>
           <a:p>
@@ -1650,7 +1839,7 @@
           <a:p>
             <a:fld id="{B8511AE9-C2D5-45E7-980E-A4DD1A9265AF}" type="datetimeFigureOut">
               <a:rPr lang="en-US" noProof="0" smtClean="0"/>
-              <a:t>11/6/2017</a:t>
+              <a:t>11/7/2017</a:t>
             </a:fld>
             <a:endParaRPr lang="en-US" noProof="0"/>
           </a:p>
@@ -1848,7 +2037,7 @@
           <a:p>
             <a:fld id="{B8511AE9-C2D5-45E7-980E-A4DD1A9265AF}" type="datetimeFigureOut">
               <a:rPr lang="de-DE" smtClean="0"/>
-              <a:t>06.11.2017</a:t>
+              <a:t>07.11.2017</a:t>
             </a:fld>
             <a:endParaRPr lang="de-DE"/>
           </a:p>
@@ -2150,7 +2339,7 @@
             <a:fld id="{B8511AE9-C2D5-45E7-980E-A4DD1A9265AF}" type="datetimeFigureOut">
               <a:rPr lang="en-US" noProof="0" smtClean="0"/>
               <a:pPr/>
-              <a:t>11/6/2017</a:t>
+              <a:t>11/7/2017</a:t>
             </a:fld>
             <a:endParaRPr lang="en-US" noProof="0"/>
           </a:p>
@@ -2304,7 +2493,7 @@
           <a:p>
             <a:fld id="{B8511AE9-C2D5-45E7-980E-A4DD1A9265AF}" type="datetimeFigureOut">
               <a:rPr lang="en-US" noProof="0" smtClean="0"/>
-              <a:t>11/6/2017</a:t>
+              <a:t>11/7/2017</a:t>
             </a:fld>
             <a:endParaRPr lang="en-US" noProof="0"/>
           </a:p>
@@ -2502,7 +2691,7 @@
           <a:p>
             <a:fld id="{B8511AE9-C2D5-45E7-980E-A4DD1A9265AF}" type="datetimeFigureOut">
               <a:rPr lang="en-US" noProof="0" smtClean="0"/>
-              <a:t>11/6/2017</a:t>
+              <a:t>11/7/2017</a:t>
             </a:fld>
             <a:endParaRPr lang="en-US" noProof="0"/>
           </a:p>
@@ -2777,7 +2966,7 @@
           <a:p>
             <a:fld id="{B8511AE9-C2D5-45E7-980E-A4DD1A9265AF}" type="datetimeFigureOut">
               <a:rPr lang="en-US" noProof="0" smtClean="0"/>
-              <a:t>11/6/2017</a:t>
+              <a:t>11/7/2017</a:t>
             </a:fld>
             <a:endParaRPr lang="en-US" noProof="0"/>
           </a:p>
@@ -3099,7 +3288,7 @@
           <a:p>
             <a:fld id="{B8511AE9-C2D5-45E7-980E-A4DD1A9265AF}" type="datetimeFigureOut">
               <a:rPr lang="en-US" noProof="0" smtClean="0"/>
-              <a:t>11/6/2017</a:t>
+              <a:t>11/7/2017</a:t>
             </a:fld>
             <a:endParaRPr lang="en-US" noProof="0"/>
           </a:p>
@@ -3511,7 +3700,7 @@
           <a:p>
             <a:fld id="{B8511AE9-C2D5-45E7-980E-A4DD1A9265AF}" type="datetimeFigureOut">
               <a:rPr lang="en-US" noProof="0" smtClean="0"/>
-              <a:t>11/6/2017</a:t>
+              <a:t>11/7/2017</a:t>
             </a:fld>
             <a:endParaRPr lang="en-US" noProof="0"/>
           </a:p>
@@ -3652,7 +3841,7 @@
           <a:p>
             <a:fld id="{B8511AE9-C2D5-45E7-980E-A4DD1A9265AF}" type="datetimeFigureOut">
               <a:rPr lang="en-US" noProof="0" smtClean="0"/>
-              <a:t>11/6/2017</a:t>
+              <a:t>11/7/2017</a:t>
             </a:fld>
             <a:endParaRPr lang="en-US" noProof="0"/>
           </a:p>
@@ -3770,7 +3959,7 @@
           <a:p>
             <a:fld id="{B8511AE9-C2D5-45E7-980E-A4DD1A9265AF}" type="datetimeFigureOut">
               <a:rPr lang="en-US" noProof="0" smtClean="0"/>
-              <a:t>11/6/2017</a:t>
+              <a:t>11/7/2017</a:t>
             </a:fld>
             <a:endParaRPr lang="en-US" noProof="0"/>
           </a:p>
@@ -4081,7 +4270,7 @@
           <a:p>
             <a:fld id="{B8511AE9-C2D5-45E7-980E-A4DD1A9265AF}" type="datetimeFigureOut">
               <a:rPr lang="en-US" noProof="0" smtClean="0"/>
-              <a:t>11/6/2017</a:t>
+              <a:t>11/7/2017</a:t>
             </a:fld>
             <a:endParaRPr lang="en-US" noProof="0"/>
           </a:p>
@@ -4374,7 +4563,7 @@
           <a:p>
             <a:fld id="{B8511AE9-C2D5-45E7-980E-A4DD1A9265AF}" type="datetimeFigureOut">
               <a:rPr lang="en-US" noProof="0" smtClean="0"/>
-              <a:t>11/6/2017</a:t>
+              <a:t>11/7/2017</a:t>
             </a:fld>
             <a:endParaRPr lang="en-US" noProof="0"/>
           </a:p>
@@ -4615,7 +4804,7 @@
           <a:p>
             <a:fld id="{B8511AE9-C2D5-45E7-980E-A4DD1A9265AF}" type="datetimeFigureOut">
               <a:rPr lang="en-US" noProof="0" smtClean="0"/>
-              <a:t>11/6/2017</a:t>
+              <a:t>11/7/2017</a:t>
             </a:fld>
             <a:endParaRPr lang="en-US" noProof="0"/>
           </a:p>
@@ -5214,13 +5403,16 @@
             </a:pPr>
             <a:r>
               <a:rPr lang="en-US" noProof="0" dirty="0"/>
-              <a:t>… we will only</a:t>
-            </a:r>
-            <a:r>
-              <a:rPr lang="en-US" dirty="0"/>
-              <a:t> prove partial correctness</a:t>
-            </a:r>
-            <a:endParaRPr lang="en-US" noProof="0" dirty="0"/>
+              <a:t>… for an </a:t>
+            </a:r>
+            <a:r>
+              <a:rPr lang="en-US" noProof="0" dirty="0">
+                <a:solidFill>
+                  <a:srgbClr val="FF0000"/>
+                </a:solidFill>
+              </a:rPr>
+              <a:t>Isabelle proof method</a:t>
+            </a:r>
           </a:p>
         </p:txBody>
       </p:sp>

--- a/slides.pptx
+++ b/slides.pptx
@@ -208,7 +208,7 @@
           <a:p>
             <a:fld id="{9768728B-C74D-450C-A579-E5E997D18F7C}" type="datetimeFigureOut">
               <a:rPr lang="de-DE" smtClean="0"/>
-              <a:t>07.11.2017</a:t>
+              <a:t>11.11.2017</a:t>
             </a:fld>
             <a:endParaRPr lang="de-DE"/>
           </a:p>
@@ -1476,7 +1476,37 @@
           <a:p>
             <a:r>
               <a:rPr lang="en-US" dirty="0"/>
-              <a:t>…and _must_, for this algorithm</a:t>
+              <a:t>so, for a position of the </a:t>
+            </a:r>
+            <a:r>
+              <a:rPr lang="en-US" dirty="0" err="1"/>
+              <a:t>subterms</a:t>
+            </a:r>
+            <a:r>
+              <a:rPr lang="en-US" dirty="0"/>
+              <a:t> in the sequence … + … + … + … (</a:t>
+            </a:r>
+            <a:r>
+              <a:rPr lang="en-US" dirty="0" err="1"/>
+              <a:t>Wich</a:t>
+            </a:r>
+            <a:r>
+              <a:rPr lang="en-US" dirty="0"/>
+              <a:t> is a tree, but due to associativity we can transform into a list) to be uniquely determined, we can just define an arbitrary order on the topmost constructors. Then every </a:t>
+            </a:r>
+            <a:r>
+              <a:rPr lang="en-US" dirty="0" err="1"/>
+              <a:t>subterm</a:t>
+            </a:r>
+            <a:r>
+              <a:rPr lang="en-US" dirty="0"/>
+              <a:t> is already in the “correct section the a list” and then, its subparts get normed again.</a:t>
+            </a:r>
+          </a:p>
+          <a:p>
+            <a:r>
+              <a:rPr lang="en-US" dirty="0"/>
+              <a:t>Actually, the correct way is to work bottom up, but you get the idea.</a:t>
             </a:r>
           </a:p>
         </p:txBody>
@@ -1839,7 +1869,7 @@
           <a:p>
             <a:fld id="{B8511AE9-C2D5-45E7-980E-A4DD1A9265AF}" type="datetimeFigureOut">
               <a:rPr lang="en-US" noProof="0" smtClean="0"/>
-              <a:t>11/7/2017</a:t>
+              <a:t>11/11/2017</a:t>
             </a:fld>
             <a:endParaRPr lang="en-US" noProof="0"/>
           </a:p>
@@ -2037,7 +2067,7 @@
           <a:p>
             <a:fld id="{B8511AE9-C2D5-45E7-980E-A4DD1A9265AF}" type="datetimeFigureOut">
               <a:rPr lang="de-DE" smtClean="0"/>
-              <a:t>07.11.2017</a:t>
+              <a:t>11.11.2017</a:t>
             </a:fld>
             <a:endParaRPr lang="de-DE"/>
           </a:p>
@@ -2339,7 +2369,7 @@
             <a:fld id="{B8511AE9-C2D5-45E7-980E-A4DD1A9265AF}" type="datetimeFigureOut">
               <a:rPr lang="en-US" noProof="0" smtClean="0"/>
               <a:pPr/>
-              <a:t>11/7/2017</a:t>
+              <a:t>11/11/2017</a:t>
             </a:fld>
             <a:endParaRPr lang="en-US" noProof="0"/>
           </a:p>
@@ -2493,7 +2523,7 @@
           <a:p>
             <a:fld id="{B8511AE9-C2D5-45E7-980E-A4DD1A9265AF}" type="datetimeFigureOut">
               <a:rPr lang="en-US" noProof="0" smtClean="0"/>
-              <a:t>11/7/2017</a:t>
+              <a:t>11/11/2017</a:t>
             </a:fld>
             <a:endParaRPr lang="en-US" noProof="0"/>
           </a:p>
@@ -2691,7 +2721,7 @@
           <a:p>
             <a:fld id="{B8511AE9-C2D5-45E7-980E-A4DD1A9265AF}" type="datetimeFigureOut">
               <a:rPr lang="en-US" noProof="0" smtClean="0"/>
-              <a:t>11/7/2017</a:t>
+              <a:t>11/11/2017</a:t>
             </a:fld>
             <a:endParaRPr lang="en-US" noProof="0"/>
           </a:p>
@@ -2966,7 +2996,7 @@
           <a:p>
             <a:fld id="{B8511AE9-C2D5-45E7-980E-A4DD1A9265AF}" type="datetimeFigureOut">
               <a:rPr lang="en-US" noProof="0" smtClean="0"/>
-              <a:t>11/7/2017</a:t>
+              <a:t>11/11/2017</a:t>
             </a:fld>
             <a:endParaRPr lang="en-US" noProof="0"/>
           </a:p>
@@ -3288,7 +3318,7 @@
           <a:p>
             <a:fld id="{B8511AE9-C2D5-45E7-980E-A4DD1A9265AF}" type="datetimeFigureOut">
               <a:rPr lang="en-US" noProof="0" smtClean="0"/>
-              <a:t>11/7/2017</a:t>
+              <a:t>11/11/2017</a:t>
             </a:fld>
             <a:endParaRPr lang="en-US" noProof="0"/>
           </a:p>
@@ -3700,7 +3730,7 @@
           <a:p>
             <a:fld id="{B8511AE9-C2D5-45E7-980E-A4DD1A9265AF}" type="datetimeFigureOut">
               <a:rPr lang="en-US" noProof="0" smtClean="0"/>
-              <a:t>11/7/2017</a:t>
+              <a:t>11/11/2017</a:t>
             </a:fld>
             <a:endParaRPr lang="en-US" noProof="0"/>
           </a:p>
@@ -3841,7 +3871,7 @@
           <a:p>
             <a:fld id="{B8511AE9-C2D5-45E7-980E-A4DD1A9265AF}" type="datetimeFigureOut">
               <a:rPr lang="en-US" noProof="0" smtClean="0"/>
-              <a:t>11/7/2017</a:t>
+              <a:t>11/11/2017</a:t>
             </a:fld>
             <a:endParaRPr lang="en-US" noProof="0"/>
           </a:p>
@@ -3959,7 +3989,7 @@
           <a:p>
             <a:fld id="{B8511AE9-C2D5-45E7-980E-A4DD1A9265AF}" type="datetimeFigureOut">
               <a:rPr lang="en-US" noProof="0" smtClean="0"/>
-              <a:t>11/7/2017</a:t>
+              <a:t>11/11/2017</a:t>
             </a:fld>
             <a:endParaRPr lang="en-US" noProof="0"/>
           </a:p>
@@ -4270,7 +4300,7 @@
           <a:p>
             <a:fld id="{B8511AE9-C2D5-45E7-980E-A4DD1A9265AF}" type="datetimeFigureOut">
               <a:rPr lang="en-US" noProof="0" smtClean="0"/>
-              <a:t>11/7/2017</a:t>
+              <a:t>11/11/2017</a:t>
             </a:fld>
             <a:endParaRPr lang="en-US" noProof="0"/>
           </a:p>
@@ -4563,7 +4593,7 @@
           <a:p>
             <a:fld id="{B8511AE9-C2D5-45E7-980E-A4DD1A9265AF}" type="datetimeFigureOut">
               <a:rPr lang="en-US" noProof="0" smtClean="0"/>
-              <a:t>11/7/2017</a:t>
+              <a:t>11/11/2017</a:t>
             </a:fld>
             <a:endParaRPr lang="en-US" noProof="0"/>
           </a:p>
@@ -4804,7 +4834,7 @@
           <a:p>
             <a:fld id="{B8511AE9-C2D5-45E7-980E-A4DD1A9265AF}" type="datetimeFigureOut">
               <a:rPr lang="en-US" noProof="0" smtClean="0"/>
-              <a:t>11/7/2017</a:t>
+              <a:t>11/11/2017</a:t>
             </a:fld>
             <a:endParaRPr lang="en-US" noProof="0"/>
           </a:p>
@@ -5862,11 +5892,40 @@
           <a:p>
             <a:r>
               <a:rPr lang="en-US" dirty="0"/>
-              <a:t>can be checked by an auxiliary function </a:t>
+              <a:t>the auxiliary function </a:t>
             </a:r>
             <a:r>
               <a:rPr lang="en-US" i="1" dirty="0"/>
               <a:t>norm</a:t>
+            </a:r>
+            <a:r>
+              <a:rPr lang="en-US" dirty="0"/>
+              <a:t> establishes a normal form</a:t>
+            </a:r>
+          </a:p>
+          <a:p>
+            <a:pPr marL="0" indent="0">
+              <a:buNone/>
+            </a:pPr>
+            <a:r>
+              <a:rPr lang="en-US" dirty="0"/>
+              <a:t>	</a:t>
+            </a:r>
+            <a:r>
+              <a:rPr lang="en-US" dirty="0">
+                <a:sym typeface="Wingdings" panose="05000000000000000000" pitchFamily="2" charset="2"/>
+              </a:rPr>
+              <a:t> </a:t>
+            </a:r>
+            <a:r>
+              <a:rPr lang="en-US" dirty="0"/>
+              <a:t>ACI-equal terms are identified at that step already</a:t>
+            </a:r>
+          </a:p>
+          <a:p>
+            <a:r>
+              <a:rPr lang="en-US" dirty="0"/>
+              <a:t>to verify this, one would have to state ACI-equivalence formally.</a:t>
             </a:r>
           </a:p>
         </p:txBody>

--- a/slides.pptx
+++ b/slides.pptx
@@ -208,7 +208,7 @@
           <a:p>
             <a:fld id="{9768728B-C74D-450C-A579-E5E997D18F7C}" type="datetimeFigureOut">
               <a:rPr lang="de-DE" smtClean="0"/>
-              <a:t>11.11.2017</a:t>
+              <a:t>23.11.2017</a:t>
             </a:fld>
             <a:endParaRPr lang="de-DE"/>
           </a:p>
@@ -1869,7 +1869,7 @@
           <a:p>
             <a:fld id="{B8511AE9-C2D5-45E7-980E-A4DD1A9265AF}" type="datetimeFigureOut">
               <a:rPr lang="en-US" noProof="0" smtClean="0"/>
-              <a:t>11/11/2017</a:t>
+              <a:t>11/23/2017</a:t>
             </a:fld>
             <a:endParaRPr lang="en-US" noProof="0"/>
           </a:p>
@@ -2067,7 +2067,7 @@
           <a:p>
             <a:fld id="{B8511AE9-C2D5-45E7-980E-A4DD1A9265AF}" type="datetimeFigureOut">
               <a:rPr lang="de-DE" smtClean="0"/>
-              <a:t>11.11.2017</a:t>
+              <a:t>23.11.2017</a:t>
             </a:fld>
             <a:endParaRPr lang="de-DE"/>
           </a:p>
@@ -2369,7 +2369,7 @@
             <a:fld id="{B8511AE9-C2D5-45E7-980E-A4DD1A9265AF}" type="datetimeFigureOut">
               <a:rPr lang="en-US" noProof="0" smtClean="0"/>
               <a:pPr/>
-              <a:t>11/11/2017</a:t>
+              <a:t>11/23/2017</a:t>
             </a:fld>
             <a:endParaRPr lang="en-US" noProof="0"/>
           </a:p>
@@ -2523,7 +2523,7 @@
           <a:p>
             <a:fld id="{B8511AE9-C2D5-45E7-980E-A4DD1A9265AF}" type="datetimeFigureOut">
               <a:rPr lang="en-US" noProof="0" smtClean="0"/>
-              <a:t>11/11/2017</a:t>
+              <a:t>11/23/2017</a:t>
             </a:fld>
             <a:endParaRPr lang="en-US" noProof="0"/>
           </a:p>
@@ -2721,7 +2721,7 @@
           <a:p>
             <a:fld id="{B8511AE9-C2D5-45E7-980E-A4DD1A9265AF}" type="datetimeFigureOut">
               <a:rPr lang="en-US" noProof="0" smtClean="0"/>
-              <a:t>11/11/2017</a:t>
+              <a:t>11/23/2017</a:t>
             </a:fld>
             <a:endParaRPr lang="en-US" noProof="0"/>
           </a:p>
@@ -2996,7 +2996,7 @@
           <a:p>
             <a:fld id="{B8511AE9-C2D5-45E7-980E-A4DD1A9265AF}" type="datetimeFigureOut">
               <a:rPr lang="en-US" noProof="0" smtClean="0"/>
-              <a:t>11/11/2017</a:t>
+              <a:t>11/23/2017</a:t>
             </a:fld>
             <a:endParaRPr lang="en-US" noProof="0"/>
           </a:p>
@@ -3318,7 +3318,7 @@
           <a:p>
             <a:fld id="{B8511AE9-C2D5-45E7-980E-A4DD1A9265AF}" type="datetimeFigureOut">
               <a:rPr lang="en-US" noProof="0" smtClean="0"/>
-              <a:t>11/11/2017</a:t>
+              <a:t>11/23/2017</a:t>
             </a:fld>
             <a:endParaRPr lang="en-US" noProof="0"/>
           </a:p>
@@ -3730,7 +3730,7 @@
           <a:p>
             <a:fld id="{B8511AE9-C2D5-45E7-980E-A4DD1A9265AF}" type="datetimeFigureOut">
               <a:rPr lang="en-US" noProof="0" smtClean="0"/>
-              <a:t>11/11/2017</a:t>
+              <a:t>11/23/2017</a:t>
             </a:fld>
             <a:endParaRPr lang="en-US" noProof="0"/>
           </a:p>
@@ -3871,7 +3871,7 @@
           <a:p>
             <a:fld id="{B8511AE9-C2D5-45E7-980E-A4DD1A9265AF}" type="datetimeFigureOut">
               <a:rPr lang="en-US" noProof="0" smtClean="0"/>
-              <a:t>11/11/2017</a:t>
+              <a:t>11/23/2017</a:t>
             </a:fld>
             <a:endParaRPr lang="en-US" noProof="0"/>
           </a:p>
@@ -3989,7 +3989,7 @@
           <a:p>
             <a:fld id="{B8511AE9-C2D5-45E7-980E-A4DD1A9265AF}" type="datetimeFigureOut">
               <a:rPr lang="en-US" noProof="0" smtClean="0"/>
-              <a:t>11/11/2017</a:t>
+              <a:t>11/23/2017</a:t>
             </a:fld>
             <a:endParaRPr lang="en-US" noProof="0"/>
           </a:p>
@@ -4300,7 +4300,7 @@
           <a:p>
             <a:fld id="{B8511AE9-C2D5-45E7-980E-A4DD1A9265AF}" type="datetimeFigureOut">
               <a:rPr lang="en-US" noProof="0" smtClean="0"/>
-              <a:t>11/11/2017</a:t>
+              <a:t>11/23/2017</a:t>
             </a:fld>
             <a:endParaRPr lang="en-US" noProof="0"/>
           </a:p>
@@ -4593,7 +4593,7 @@
           <a:p>
             <a:fld id="{B8511AE9-C2D5-45E7-980E-A4DD1A9265AF}" type="datetimeFigureOut">
               <a:rPr lang="en-US" noProof="0" smtClean="0"/>
-              <a:t>11/11/2017</a:t>
+              <a:t>11/23/2017</a:t>
             </a:fld>
             <a:endParaRPr lang="en-US" noProof="0"/>
           </a:p>
@@ -4834,7 +4834,7 @@
           <a:p>
             <a:fld id="{B8511AE9-C2D5-45E7-980E-A4DD1A9265AF}" type="datetimeFigureOut">
               <a:rPr lang="en-US" noProof="0" smtClean="0"/>
-              <a:t>11/11/2017</a:t>
+              <a:t>11/23/2017</a:t>
             </a:fld>
             <a:endParaRPr lang="en-US" noProof="0"/>
           </a:p>
@@ -5405,8 +5405,16 @@
           </a:p>
           <a:p>
             <a:r>
+              <a:rPr lang="en-US" dirty="0"/>
+              <a:t>a</a:t>
+            </a:r>
+            <a:r>
+              <a:rPr lang="en-US" noProof="0" dirty="0" err="1"/>
+              <a:t>utomatic</a:t>
+            </a:r>
+            <a:r>
               <a:rPr lang="en-US" noProof="0" dirty="0"/>
-              <a:t>automatic</a:t>
+              <a:t>: without user interaction</a:t>
             </a:r>
           </a:p>
           <a:p>
@@ -5536,7 +5544,7 @@
           <a:p>
             <a:r>
               <a:rPr lang="en-US" dirty="0"/>
-              <a:t>construction</a:t>
+              <a:t>construction (notation!)</a:t>
             </a:r>
           </a:p>
           <a:p>

--- a/slides.pptx
+++ b/slides.pptx
@@ -5,7 +5,7 @@
     <p:sldMasterId id="2147483648" r:id="rId1"/>
   </p:sldMasterIdLst>
   <p:notesMasterIdLst>
-    <p:notesMasterId r:id="rId10"/>
+    <p:notesMasterId r:id="rId12"/>
   </p:notesMasterIdLst>
   <p:sldIdLst>
     <p:sldId id="256" r:id="rId2"/>
@@ -14,8 +14,10 @@
     <p:sldId id="262" r:id="rId5"/>
     <p:sldId id="263" r:id="rId6"/>
     <p:sldId id="264" r:id="rId7"/>
-    <p:sldId id="257" r:id="rId8"/>
-    <p:sldId id="260" r:id="rId9"/>
+    <p:sldId id="265" r:id="rId8"/>
+    <p:sldId id="257" r:id="rId9"/>
+    <p:sldId id="260" r:id="rId10"/>
+    <p:sldId id="268" r:id="rId11"/>
   </p:sldIdLst>
   <p:sldSz cx="12192000" cy="6858000"/>
   <p:notesSz cx="6858000" cy="9144000"/>
@@ -208,7 +210,7 @@
           <a:p>
             <a:fld id="{9768728B-C74D-450C-A579-E5E997D18F7C}" type="datetimeFigureOut">
               <a:rPr lang="de-DE" smtClean="0"/>
-              <a:t>23.11.2017</a:t>
+              <a:t>27.11.2017</a:t>
             </a:fld>
             <a:endParaRPr lang="de-DE"/>
           </a:p>
@@ -1616,7 +1618,7 @@
           <a:p>
             <a:fld id="{FAA32559-8951-4C46-A356-FBB9455D7E38}" type="slidenum">
               <a:rPr lang="de-DE" smtClean="0"/>
-              <a:t>7</a:t>
+              <a:t>8</a:t>
             </a:fld>
             <a:endParaRPr lang="de-DE"/>
           </a:p>
@@ -1703,7 +1705,7 @@
           <a:p>
             <a:fld id="{FAA32559-8951-4C46-A356-FBB9455D7E38}" type="slidenum">
               <a:rPr lang="de-DE" smtClean="0"/>
-              <a:t>8</a:t>
+              <a:t>9</a:t>
             </a:fld>
             <a:endParaRPr lang="de-DE"/>
           </a:p>
@@ -1713,6 +1715,97 @@
     <p:extLst>
       <p:ext uri="{BB962C8B-B14F-4D97-AF65-F5344CB8AC3E}">
         <p14:creationId xmlns:p14="http://schemas.microsoft.com/office/powerpoint/2010/main" val="4044844971"/>
+      </p:ext>
+    </p:extLst>
+  </p:cSld>
+  <p:clrMapOvr>
+    <a:masterClrMapping/>
+  </p:clrMapOvr>
+</p:notes>
+</file>
+
+<file path=ppt/notesSlides/notesSlide9.xml><?xml version="1.0" encoding="utf-8"?>
+<p:notes xmlns:a="http://schemas.openxmlformats.org/drawingml/2006/main" xmlns:r="http://schemas.openxmlformats.org/officeDocument/2006/relationships" xmlns:p="http://schemas.openxmlformats.org/presentationml/2006/main">
+  <p:cSld>
+    <p:spTree>
+      <p:nvGrpSpPr>
+        <p:cNvPr id="1" name=""/>
+        <p:cNvGrpSpPr/>
+        <p:nvPr/>
+      </p:nvGrpSpPr>
+      <p:grpSpPr>
+        <a:xfrm>
+          <a:off x="0" y="0"/>
+          <a:ext cx="0" cy="0"/>
+          <a:chOff x="0" y="0"/>
+          <a:chExt cx="0" cy="0"/>
+        </a:xfrm>
+      </p:grpSpPr>
+      <p:sp>
+        <p:nvSpPr>
+          <p:cNvPr id="2" name="Folienbildplatzhalter 1"/>
+          <p:cNvSpPr>
+            <a:spLocks noGrp="1" noRot="1" noChangeAspect="1"/>
+          </p:cNvSpPr>
+          <p:nvPr>
+            <p:ph type="sldImg"/>
+          </p:nvPr>
+        </p:nvSpPr>
+        <p:spPr/>
+      </p:sp>
+      <p:sp>
+        <p:nvSpPr>
+          <p:cNvPr id="3" name="Notizenplatzhalter 2"/>
+          <p:cNvSpPr>
+            <a:spLocks noGrp="1"/>
+          </p:cNvSpPr>
+          <p:nvPr>
+            <p:ph type="body" idx="1"/>
+          </p:nvPr>
+        </p:nvSpPr>
+        <p:spPr/>
+        <p:txBody>
+          <a:bodyPr/>
+          <a:lstStyle/>
+          <a:p>
+            <a:r>
+              <a:rPr lang="en-US" dirty="0"/>
+              <a:t>… and of course, the source is </a:t>
+            </a:r>
+            <a:r>
+              <a:rPr lang="en-US"/>
+              <a:t>online in the AFP</a:t>
+            </a:r>
+          </a:p>
+        </p:txBody>
+      </p:sp>
+      <p:sp>
+        <p:nvSpPr>
+          <p:cNvPr id="4" name="Foliennummernplatzhalter 3"/>
+          <p:cNvSpPr>
+            <a:spLocks noGrp="1"/>
+          </p:cNvSpPr>
+          <p:nvPr>
+            <p:ph type="sldNum" sz="quarter" idx="10"/>
+          </p:nvPr>
+        </p:nvSpPr>
+        <p:spPr/>
+        <p:txBody>
+          <a:bodyPr/>
+          <a:lstStyle/>
+          <a:p>
+            <a:fld id="{FAA32559-8951-4C46-A356-FBB9455D7E38}" type="slidenum">
+              <a:rPr lang="de-DE" smtClean="0"/>
+              <a:t>10</a:t>
+            </a:fld>
+            <a:endParaRPr lang="de-DE"/>
+          </a:p>
+        </p:txBody>
+      </p:sp>
+    </p:spTree>
+    <p:extLst>
+      <p:ext uri="{BB962C8B-B14F-4D97-AF65-F5344CB8AC3E}">
+        <p14:creationId xmlns:p14="http://schemas.microsoft.com/office/powerpoint/2010/main" val="3173480216"/>
       </p:ext>
     </p:extLst>
   </p:cSld>
@@ -1869,7 +1962,7 @@
           <a:p>
             <a:fld id="{B8511AE9-C2D5-45E7-980E-A4DD1A9265AF}" type="datetimeFigureOut">
               <a:rPr lang="en-US" noProof="0" smtClean="0"/>
-              <a:t>11/23/2017</a:t>
+              <a:t>11/27/2017</a:t>
             </a:fld>
             <a:endParaRPr lang="en-US" noProof="0"/>
           </a:p>
@@ -2067,7 +2160,7 @@
           <a:p>
             <a:fld id="{B8511AE9-C2D5-45E7-980E-A4DD1A9265AF}" type="datetimeFigureOut">
               <a:rPr lang="de-DE" smtClean="0"/>
-              <a:t>23.11.2017</a:t>
+              <a:t>27.11.2017</a:t>
             </a:fld>
             <a:endParaRPr lang="de-DE"/>
           </a:p>
@@ -2369,7 +2462,7 @@
             <a:fld id="{B8511AE9-C2D5-45E7-980E-A4DD1A9265AF}" type="datetimeFigureOut">
               <a:rPr lang="en-US" noProof="0" smtClean="0"/>
               <a:pPr/>
-              <a:t>11/23/2017</a:t>
+              <a:t>11/27/2017</a:t>
             </a:fld>
             <a:endParaRPr lang="en-US" noProof="0"/>
           </a:p>
@@ -2523,7 +2616,7 @@
           <a:p>
             <a:fld id="{B8511AE9-C2D5-45E7-980E-A4DD1A9265AF}" type="datetimeFigureOut">
               <a:rPr lang="en-US" noProof="0" smtClean="0"/>
-              <a:t>11/23/2017</a:t>
+              <a:t>11/27/2017</a:t>
             </a:fld>
             <a:endParaRPr lang="en-US" noProof="0"/>
           </a:p>
@@ -2721,7 +2814,7 @@
           <a:p>
             <a:fld id="{B8511AE9-C2D5-45E7-980E-A4DD1A9265AF}" type="datetimeFigureOut">
               <a:rPr lang="en-US" noProof="0" smtClean="0"/>
-              <a:t>11/23/2017</a:t>
+              <a:t>11/27/2017</a:t>
             </a:fld>
             <a:endParaRPr lang="en-US" noProof="0"/>
           </a:p>
@@ -2996,7 +3089,7 @@
           <a:p>
             <a:fld id="{B8511AE9-C2D5-45E7-980E-A4DD1A9265AF}" type="datetimeFigureOut">
               <a:rPr lang="en-US" noProof="0" smtClean="0"/>
-              <a:t>11/23/2017</a:t>
+              <a:t>11/27/2017</a:t>
             </a:fld>
             <a:endParaRPr lang="en-US" noProof="0"/>
           </a:p>
@@ -3318,7 +3411,7 @@
           <a:p>
             <a:fld id="{B8511AE9-C2D5-45E7-980E-A4DD1A9265AF}" type="datetimeFigureOut">
               <a:rPr lang="en-US" noProof="0" smtClean="0"/>
-              <a:t>11/23/2017</a:t>
+              <a:t>11/27/2017</a:t>
             </a:fld>
             <a:endParaRPr lang="en-US" noProof="0"/>
           </a:p>
@@ -3730,7 +3823,7 @@
           <a:p>
             <a:fld id="{B8511AE9-C2D5-45E7-980E-A4DD1A9265AF}" type="datetimeFigureOut">
               <a:rPr lang="en-US" noProof="0" smtClean="0"/>
-              <a:t>11/23/2017</a:t>
+              <a:t>11/27/2017</a:t>
             </a:fld>
             <a:endParaRPr lang="en-US" noProof="0"/>
           </a:p>
@@ -3871,7 +3964,7 @@
           <a:p>
             <a:fld id="{B8511AE9-C2D5-45E7-980E-A4DD1A9265AF}" type="datetimeFigureOut">
               <a:rPr lang="en-US" noProof="0" smtClean="0"/>
-              <a:t>11/23/2017</a:t>
+              <a:t>11/27/2017</a:t>
             </a:fld>
             <a:endParaRPr lang="en-US" noProof="0"/>
           </a:p>
@@ -3989,7 +4082,7 @@
           <a:p>
             <a:fld id="{B8511AE9-C2D5-45E7-980E-A4DD1A9265AF}" type="datetimeFigureOut">
               <a:rPr lang="en-US" noProof="0" smtClean="0"/>
-              <a:t>11/23/2017</a:t>
+              <a:t>11/27/2017</a:t>
             </a:fld>
             <a:endParaRPr lang="en-US" noProof="0"/>
           </a:p>
@@ -4300,7 +4393,7 @@
           <a:p>
             <a:fld id="{B8511AE9-C2D5-45E7-980E-A4DD1A9265AF}" type="datetimeFigureOut">
               <a:rPr lang="en-US" noProof="0" smtClean="0"/>
-              <a:t>11/23/2017</a:t>
+              <a:t>11/27/2017</a:t>
             </a:fld>
             <a:endParaRPr lang="en-US" noProof="0"/>
           </a:p>
@@ -4593,7 +4686,7 @@
           <a:p>
             <a:fld id="{B8511AE9-C2D5-45E7-980E-A4DD1A9265AF}" type="datetimeFigureOut">
               <a:rPr lang="en-US" noProof="0" smtClean="0"/>
-              <a:t>11/23/2017</a:t>
+              <a:t>11/27/2017</a:t>
             </a:fld>
             <a:endParaRPr lang="en-US" noProof="0"/>
           </a:p>
@@ -4834,7 +4927,7 @@
           <a:p>
             <a:fld id="{B8511AE9-C2D5-45E7-980E-A4DD1A9265AF}" type="datetimeFigureOut">
               <a:rPr lang="en-US" noProof="0" smtClean="0"/>
-              <a:t>11/23/2017</a:t>
+              <a:t>11/27/2017</a:t>
             </a:fld>
             <a:endParaRPr lang="en-US" noProof="0"/>
           </a:p>
@@ -5320,6 +5413,133 @@
 </p:sld>
 </file>
 
+<file path=ppt/slides/slide10.xml><?xml version="1.0" encoding="utf-8"?>
+<p:sld xmlns:a="http://schemas.openxmlformats.org/drawingml/2006/main" xmlns:r="http://schemas.openxmlformats.org/officeDocument/2006/relationships" xmlns:p="http://schemas.openxmlformats.org/presentationml/2006/main">
+  <p:cSld>
+    <p:spTree>
+      <p:nvGrpSpPr>
+        <p:cNvPr id="1" name=""/>
+        <p:cNvGrpSpPr/>
+        <p:nvPr/>
+      </p:nvGrpSpPr>
+      <p:grpSpPr>
+        <a:xfrm>
+          <a:off x="0" y="0"/>
+          <a:ext cx="0" cy="0"/>
+          <a:chOff x="0" y="0"/>
+          <a:chExt cx="0" cy="0"/>
+        </a:xfrm>
+      </p:grpSpPr>
+      <p:sp>
+        <p:nvSpPr>
+          <p:cNvPr id="2" name="Titel 1">
+            <a:extLst>
+              <a:ext uri="{FF2B5EF4-FFF2-40B4-BE49-F238E27FC236}">
+                <a16:creationId xmlns:a16="http://schemas.microsoft.com/office/drawing/2014/main" id="{966C4CD0-AA0A-4AAE-96D7-87C7699D5D00}"/>
+              </a:ext>
+            </a:extLst>
+          </p:cNvPr>
+          <p:cNvSpPr>
+            <a:spLocks noGrp="1"/>
+          </p:cNvSpPr>
+          <p:nvPr>
+            <p:ph type="title"/>
+          </p:nvPr>
+        </p:nvSpPr>
+        <p:spPr/>
+        <p:txBody>
+          <a:bodyPr/>
+          <a:lstStyle/>
+          <a:p>
+            <a:r>
+              <a:rPr lang="en-US" dirty="0"/>
+              <a:t>References</a:t>
+            </a:r>
+          </a:p>
+        </p:txBody>
+      </p:sp>
+      <p:sp>
+        <p:nvSpPr>
+          <p:cNvPr id="3" name="Inhaltsplatzhalter 2">
+            <a:extLst>
+              <a:ext uri="{FF2B5EF4-FFF2-40B4-BE49-F238E27FC236}">
+                <a16:creationId xmlns:a16="http://schemas.microsoft.com/office/drawing/2014/main" id="{DDB33A90-3B67-4ADF-9126-A5C3C8B41815}"/>
+              </a:ext>
+            </a:extLst>
+          </p:cNvPr>
+          <p:cNvSpPr>
+            <a:spLocks noGrp="1"/>
+          </p:cNvSpPr>
+          <p:nvPr>
+            <p:ph idx="1"/>
+          </p:nvPr>
+        </p:nvSpPr>
+        <p:spPr/>
+        <p:txBody>
+          <a:bodyPr/>
+          <a:lstStyle/>
+          <a:p>
+            <a:r>
+              <a:rPr lang="en-GB" dirty="0"/>
+              <a:t>J. A. </a:t>
+            </a:r>
+            <a:r>
+              <a:rPr lang="en-GB" dirty="0" err="1"/>
+              <a:t>Brzozowski</a:t>
+            </a:r>
+            <a:r>
+              <a:rPr lang="en-GB" dirty="0"/>
+              <a:t>. Derivatives of regular expressions. </a:t>
+            </a:r>
+            <a:r>
+              <a:rPr lang="en-GB" i="1" dirty="0"/>
+              <a:t>J. ACM</a:t>
+            </a:r>
+            <a:r>
+              <a:rPr lang="en-GB" dirty="0"/>
+              <a:t>, 11(4):481–494, Oct. 1964.</a:t>
+            </a:r>
+          </a:p>
+          <a:p>
+            <a:r>
+              <a:rPr lang="en-GB" dirty="0"/>
+              <a:t>A. Krauss and T. </a:t>
+            </a:r>
+            <a:r>
+              <a:rPr lang="en-GB" dirty="0" err="1"/>
+              <a:t>Nipkow</a:t>
+            </a:r>
+            <a:r>
+              <a:rPr lang="en-GB" dirty="0"/>
+              <a:t>. Proof pearl: Regular expression equivalence and relation algebra. J. Automated Reasoning, 49:95–106, 2012. published online March 2011.  </a:t>
+            </a:r>
+            <a:r>
+              <a:rPr lang="en-GB" dirty="0">
+                <a:hlinkClick r:id="rId3"/>
+              </a:rPr>
+              <a:t>http://www21.in.tum.de/~nipkow/pubs/jar12.html</a:t>
+            </a:r>
+            <a:r>
+              <a:rPr lang="en-GB" dirty="0"/>
+              <a:t>.</a:t>
+            </a:r>
+            <a:endParaRPr lang="en-US" dirty="0"/>
+          </a:p>
+        </p:txBody>
+      </p:sp>
+    </p:spTree>
+    <p:extLst>
+      <p:ext uri="{BB962C8B-B14F-4D97-AF65-F5344CB8AC3E}">
+        <p14:creationId xmlns:p14="http://schemas.microsoft.com/office/powerpoint/2010/main" val="3839886554"/>
+      </p:ext>
+    </p:extLst>
+  </p:cSld>
+  <p:clrMapOvr>
+    <a:masterClrMapping/>
+  </p:clrMapOvr>
+</p:sld>
+</file>
+
 <file path=ppt/slides/slide2.xml><?xml version="1.0" encoding="utf-8"?>
 <p:sld xmlns:a="http://schemas.openxmlformats.org/drawingml/2006/main" xmlns:r="http://schemas.openxmlformats.org/officeDocument/2006/relationships" xmlns:p="http://schemas.openxmlformats.org/presentationml/2006/main">
   <p:cSld>
@@ -5973,6 +6193,123 @@
           <p:cNvPr id="2" name="Titel 1">
             <a:extLst>
               <a:ext uri="{FF2B5EF4-FFF2-40B4-BE49-F238E27FC236}">
+                <a16:creationId xmlns:a16="http://schemas.microsoft.com/office/drawing/2014/main" id="{7E545568-004C-4426-9618-E5B4001137F9}"/>
+              </a:ext>
+            </a:extLst>
+          </p:cNvPr>
+          <p:cNvSpPr>
+            <a:spLocks noGrp="1"/>
+          </p:cNvSpPr>
+          <p:nvPr>
+            <p:ph type="title"/>
+          </p:nvPr>
+        </p:nvSpPr>
+        <p:spPr/>
+        <p:txBody>
+          <a:bodyPr/>
+          <a:lstStyle/>
+          <a:p>
+            <a:r>
+              <a:rPr lang="en-US" dirty="0"/>
+              <a:t>Closure computation</a:t>
+            </a:r>
+          </a:p>
+        </p:txBody>
+      </p:sp>
+      <p:sp>
+        <p:nvSpPr>
+          <p:cNvPr id="3" name="Inhaltsplatzhalter 2">
+            <a:extLst>
+              <a:ext uri="{FF2B5EF4-FFF2-40B4-BE49-F238E27FC236}">
+                <a16:creationId xmlns:a16="http://schemas.microsoft.com/office/drawing/2014/main" id="{586033B4-AF90-4560-A2E5-9FB163B244C7}"/>
+              </a:ext>
+            </a:extLst>
+          </p:cNvPr>
+          <p:cNvSpPr>
+            <a:spLocks noGrp="1"/>
+          </p:cNvSpPr>
+          <p:nvPr>
+            <p:ph idx="1"/>
+          </p:nvPr>
+        </p:nvSpPr>
+        <p:spPr/>
+        <p:txBody>
+          <a:bodyPr/>
+          <a:lstStyle/>
+          <a:p>
+            <a:endParaRPr lang="en-US" dirty="0"/>
+          </a:p>
+          <a:p>
+            <a:endParaRPr lang="en-US" dirty="0"/>
+          </a:p>
+          <a:p>
+            <a:endParaRPr lang="en-US" dirty="0"/>
+          </a:p>
+          <a:p>
+            <a:r>
+              <a:rPr lang="en-US" dirty="0"/>
+              <a:t>terminates if either</a:t>
+            </a:r>
+          </a:p>
+          <a:p>
+            <a:pPr lvl="1"/>
+            <a:r>
+              <a:rPr lang="en-US" dirty="0"/>
+              <a:t>the work set is empty (</a:t>
+            </a:r>
+            <a:r>
+              <a:rPr lang="en-US" dirty="0" err="1"/>
+              <a:t>bisimulation</a:t>
+            </a:r>
+            <a:r>
+              <a:rPr lang="en-US" dirty="0"/>
+              <a:t> constructed)</a:t>
+            </a:r>
+          </a:p>
+          <a:p>
+            <a:pPr lvl="1"/>
+            <a:r>
+              <a:rPr lang="en-US" dirty="0"/>
+              <a:t>a nonequivalent pair of REs is to be processed (counterexample found)</a:t>
+            </a:r>
+          </a:p>
+        </p:txBody>
+      </p:sp>
+    </p:spTree>
+    <p:extLst>
+      <p:ext uri="{BB962C8B-B14F-4D97-AF65-F5344CB8AC3E}">
+        <p14:creationId xmlns:p14="http://schemas.microsoft.com/office/powerpoint/2010/main" val="1786495179"/>
+      </p:ext>
+    </p:extLst>
+  </p:cSld>
+  <p:clrMapOvr>
+    <a:masterClrMapping/>
+  </p:clrMapOvr>
+</p:sld>
+</file>
+
+<file path=ppt/slides/slide8.xml><?xml version="1.0" encoding="utf-8"?>
+<p:sld xmlns:a="http://schemas.openxmlformats.org/drawingml/2006/main" xmlns:r="http://schemas.openxmlformats.org/officeDocument/2006/relationships" xmlns:p="http://schemas.openxmlformats.org/presentationml/2006/main">
+  <p:cSld>
+    <p:spTree>
+      <p:nvGrpSpPr>
+        <p:cNvPr id="1" name=""/>
+        <p:cNvGrpSpPr/>
+        <p:nvPr/>
+      </p:nvGrpSpPr>
+      <p:grpSpPr>
+        <a:xfrm>
+          <a:off x="0" y="0"/>
+          <a:ext cx="0" cy="0"/>
+          <a:chOff x="0" y="0"/>
+          <a:chExt cx="0" cy="0"/>
+        </a:xfrm>
+      </p:grpSpPr>
+      <p:sp>
+        <p:nvSpPr>
+          <p:cNvPr id="2" name="Titel 1">
+            <a:extLst>
+              <a:ext uri="{FF2B5EF4-FFF2-40B4-BE49-F238E27FC236}">
                 <a16:creationId xmlns:a16="http://schemas.microsoft.com/office/drawing/2014/main" id="{C2BD6476-74CB-4A4F-8A71-ABCEDDC496FB}"/>
               </a:ext>
             </a:extLst>
@@ -6037,7 +6374,7 @@
 </p:sld>
 </file>
 
-<file path=ppt/slides/slide8.xml><?xml version="1.0" encoding="utf-8"?>
+<file path=ppt/slides/slide9.xml><?xml version="1.0" encoding="utf-8"?>
 <p:sld xmlns:a="http://schemas.openxmlformats.org/drawingml/2006/main" xmlns:r="http://schemas.openxmlformats.org/officeDocument/2006/relationships" xmlns:p="http://schemas.openxmlformats.org/presentationml/2006/main">
   <p:cSld>
     <p:spTree>

--- a/slides.pptx
+++ b/slides.pptx
@@ -5,7 +5,7 @@
     <p:sldMasterId id="2147483648" r:id="rId1"/>
   </p:sldMasterIdLst>
   <p:notesMasterIdLst>
-    <p:notesMasterId r:id="rId12"/>
+    <p:notesMasterId r:id="rId13"/>
   </p:notesMasterIdLst>
   <p:sldIdLst>
     <p:sldId id="256" r:id="rId2"/>
@@ -17,7 +17,8 @@
     <p:sldId id="265" r:id="rId8"/>
     <p:sldId id="257" r:id="rId9"/>
     <p:sldId id="260" r:id="rId10"/>
-    <p:sldId id="268" r:id="rId11"/>
+    <p:sldId id="269" r:id="rId11"/>
+    <p:sldId id="268" r:id="rId12"/>
   </p:sldIdLst>
   <p:sldSz cx="12192000" cy="6858000"/>
   <p:notesSz cx="6858000" cy="9144000"/>
@@ -561,6 +562,93 @@
 </p:notes>
 </file>
 
+<file path=ppt/notesSlides/notesSlide10.xml><?xml version="1.0" encoding="utf-8"?>
+<p:notes xmlns:a="http://schemas.openxmlformats.org/drawingml/2006/main" xmlns:r="http://schemas.openxmlformats.org/officeDocument/2006/relationships" xmlns:p="http://schemas.openxmlformats.org/presentationml/2006/main">
+  <p:cSld>
+    <p:spTree>
+      <p:nvGrpSpPr>
+        <p:cNvPr id="1" name=""/>
+        <p:cNvGrpSpPr/>
+        <p:nvPr/>
+      </p:nvGrpSpPr>
+      <p:grpSpPr>
+        <a:xfrm>
+          <a:off x="0" y="0"/>
+          <a:ext cx="0" cy="0"/>
+          <a:chOff x="0" y="0"/>
+          <a:chExt cx="0" cy="0"/>
+        </a:xfrm>
+      </p:grpSpPr>
+      <p:sp>
+        <p:nvSpPr>
+          <p:cNvPr id="2" name="Folienbildplatzhalter 1"/>
+          <p:cNvSpPr>
+            <a:spLocks noGrp="1" noRot="1" noChangeAspect="1"/>
+          </p:cNvSpPr>
+          <p:nvPr>
+            <p:ph type="sldImg"/>
+          </p:nvPr>
+        </p:nvSpPr>
+        <p:spPr/>
+      </p:sp>
+      <p:sp>
+        <p:nvSpPr>
+          <p:cNvPr id="3" name="Notizenplatzhalter 2"/>
+          <p:cNvSpPr>
+            <a:spLocks noGrp="1"/>
+          </p:cNvSpPr>
+          <p:nvPr>
+            <p:ph type="body" idx="1"/>
+          </p:nvPr>
+        </p:nvSpPr>
+        <p:spPr/>
+        <p:txBody>
+          <a:bodyPr/>
+          <a:lstStyle/>
+          <a:p>
+            <a:r>
+              <a:rPr lang="en-US" dirty="0"/>
+              <a:t>… and of course, the source is online in the AFP</a:t>
+            </a:r>
+          </a:p>
+        </p:txBody>
+      </p:sp>
+      <p:sp>
+        <p:nvSpPr>
+          <p:cNvPr id="4" name="Foliennummernplatzhalter 3"/>
+          <p:cNvSpPr>
+            <a:spLocks noGrp="1"/>
+          </p:cNvSpPr>
+          <p:nvPr>
+            <p:ph type="sldNum" sz="quarter" idx="10"/>
+          </p:nvPr>
+        </p:nvSpPr>
+        <p:spPr/>
+        <p:txBody>
+          <a:bodyPr/>
+          <a:lstStyle/>
+          <a:p>
+            <a:fld id="{FAA32559-8951-4C46-A356-FBB9455D7E38}" type="slidenum">
+              <a:rPr lang="de-DE" smtClean="0"/>
+              <a:t>11</a:t>
+            </a:fld>
+            <a:endParaRPr lang="de-DE"/>
+          </a:p>
+        </p:txBody>
+      </p:sp>
+    </p:spTree>
+    <p:extLst>
+      <p:ext uri="{BB962C8B-B14F-4D97-AF65-F5344CB8AC3E}">
+        <p14:creationId xmlns:p14="http://schemas.microsoft.com/office/powerpoint/2010/main" val="3173480216"/>
+      </p:ext>
+    </p:extLst>
+  </p:cSld>
+  <p:clrMapOvr>
+    <a:masterClrMapping/>
+  </p:clrMapOvr>
+</p:notes>
+</file>
+
 <file path=ppt/notesSlides/notesSlide2.xml><?xml version="1.0" encoding="utf-8"?>
 <p:notes xmlns:a="http://schemas.openxmlformats.org/drawingml/2006/main" xmlns:r="http://schemas.openxmlformats.org/officeDocument/2006/relationships" xmlns:p="http://schemas.openxmlformats.org/presentationml/2006/main">
   <p:cSld>
@@ -1107,12 +1195,8 @@
           <a:lstStyle/>
           <a:p>
             <a:r>
-              <a:rPr lang="en-US" dirty="0" err="1"/>
-              <a:t>Todo</a:t>
-            </a:r>
-            <a:r>
               <a:rPr lang="en-US" dirty="0"/>
-              <a:t>: </a:t>
+              <a:t>To-do: </a:t>
             </a:r>
             <a:r>
               <a:rPr lang="en-US" dirty="0" err="1"/>
@@ -1210,6 +1294,36 @@
               <a:rPr lang="en-US" dirty="0"/>
               <a:t> 1.1?</a:t>
             </a:r>
+          </a:p>
+          <a:p>
+            <a:endParaRPr lang="en-US" dirty="0"/>
+          </a:p>
+          <a:p>
+            <a:r>
+              <a:rPr lang="en-US" dirty="0"/>
+              <a:t>To-do: </a:t>
+            </a:r>
+            <a:r>
+              <a:rPr lang="en-US" dirty="0" err="1"/>
+              <a:t>Kozen’s</a:t>
+            </a:r>
+            <a:r>
+              <a:rPr lang="en-US" dirty="0"/>
+              <a:t> Theorem </a:t>
+            </a:r>
+            <a:r>
+              <a:rPr lang="en-US" dirty="0" err="1"/>
+              <a:t>nochmal</a:t>
+            </a:r>
+            <a:r>
+              <a:rPr lang="en-US" dirty="0"/>
+              <a:t> </a:t>
+            </a:r>
+            <a:r>
+              <a:rPr lang="en-US" dirty="0" err="1"/>
+              <a:t>anschauen</a:t>
+            </a:r>
+            <a:endParaRPr lang="en-US" dirty="0"/>
           </a:p>
         </p:txBody>
       </p:sp>
@@ -1769,13 +1883,10 @@
           <a:lstStyle/>
           <a:p>
             <a:r>
-              <a:rPr lang="en-US" dirty="0"/>
-              <a:t>… and of course, the source is </a:t>
-            </a:r>
-            <a:r>
               <a:rPr lang="en-US"/>
-              <a:t>online in the AFP</a:t>
-            </a:r>
+              <a:t>brackets &lt;…&gt; are constructors</a:t>
+            </a:r>
+            <a:endParaRPr lang="en-US" dirty="0"/>
           </a:p>
         </p:txBody>
       </p:sp>
@@ -1805,7 +1916,7 @@
     </p:spTree>
     <p:extLst>
       <p:ext uri="{BB962C8B-B14F-4D97-AF65-F5344CB8AC3E}">
-        <p14:creationId xmlns:p14="http://schemas.microsoft.com/office/powerpoint/2010/main" val="3173480216"/>
+        <p14:creationId xmlns:p14="http://schemas.microsoft.com/office/powerpoint/2010/main" val="656959239"/>
       </p:ext>
     </p:extLst>
   </p:cSld>
@@ -5435,6 +5546,116 @@
           <p:cNvPr id="2" name="Titel 1">
             <a:extLst>
               <a:ext uri="{FF2B5EF4-FFF2-40B4-BE49-F238E27FC236}">
+                <a16:creationId xmlns:a16="http://schemas.microsoft.com/office/drawing/2014/main" id="{96EB362D-D17C-4E3D-9CD7-7823E8C03145}"/>
+              </a:ext>
+            </a:extLst>
+          </p:cNvPr>
+          <p:cNvSpPr>
+            <a:spLocks noGrp="1"/>
+          </p:cNvSpPr>
+          <p:nvPr>
+            <p:ph type="title"/>
+          </p:nvPr>
+        </p:nvSpPr>
+        <p:spPr/>
+        <p:txBody>
+          <a:bodyPr/>
+          <a:lstStyle/>
+          <a:p>
+            <a:r>
+              <a:rPr lang="en-US" dirty="0"/>
+              <a:t>Reflection due to Boyer and Moore</a:t>
+            </a:r>
+          </a:p>
+        </p:txBody>
+      </p:sp>
+      <p:sp>
+        <p:nvSpPr>
+          <p:cNvPr id="3" name="Inhaltsplatzhalter 2">
+            <a:extLst>
+              <a:ext uri="{FF2B5EF4-FFF2-40B4-BE49-F238E27FC236}">
+                <a16:creationId xmlns:a16="http://schemas.microsoft.com/office/drawing/2014/main" id="{83293F5C-A135-4664-8889-3FB54EAB0968}"/>
+              </a:ext>
+            </a:extLst>
+          </p:cNvPr>
+          <p:cNvSpPr>
+            <a:spLocks noGrp="1"/>
+          </p:cNvSpPr>
+          <p:nvPr>
+            <p:ph idx="1"/>
+          </p:nvPr>
+        </p:nvSpPr>
+        <p:spPr/>
+        <p:txBody>
+          <a:bodyPr/>
+          <a:lstStyle/>
+          <a:p>
+            <a:r>
+              <a:rPr lang="en-US" dirty="0"/>
+              <a:t>one atom for every relation: &lt;0&gt;, &lt;1&gt;, …</a:t>
+            </a:r>
+          </a:p>
+          <a:p>
+            <a:endParaRPr lang="en-US" dirty="0"/>
+          </a:p>
+          <a:p>
+            <a:r>
+              <a:rPr lang="en-US" dirty="0"/>
+              <a:t>goal (R* ◦ S* ◦ T)* = (R ∪ S ∪ T)*</a:t>
+            </a:r>
+          </a:p>
+          <a:p>
+            <a:pPr marL="457200" lvl="1" indent="0">
+              <a:buNone/>
+            </a:pPr>
+            <a:endParaRPr lang="en-US" dirty="0"/>
+          </a:p>
+          <a:p>
+            <a:pPr marL="457200" lvl="1" indent="0">
+              <a:buNone/>
+            </a:pPr>
+            <a:r>
+              <a:rPr lang="en-US" dirty="0"/>
+              <a:t>↝ goal (&lt;0&gt;*·&lt;1&gt;*·&lt;2&gt;)* = (&lt;0&gt; + &lt;1&gt; + &lt;2&gt;)*</a:t>
+            </a:r>
+          </a:p>
+        </p:txBody>
+      </p:sp>
+    </p:spTree>
+    <p:extLst>
+      <p:ext uri="{BB962C8B-B14F-4D97-AF65-F5344CB8AC3E}">
+        <p14:creationId xmlns:p14="http://schemas.microsoft.com/office/powerpoint/2010/main" val="3595477036"/>
+      </p:ext>
+    </p:extLst>
+  </p:cSld>
+  <p:clrMapOvr>
+    <a:masterClrMapping/>
+  </p:clrMapOvr>
+</p:sld>
+</file>
+
+<file path=ppt/slides/slide11.xml><?xml version="1.0" encoding="utf-8"?>
+<p:sld xmlns:a="http://schemas.openxmlformats.org/drawingml/2006/main" xmlns:r="http://schemas.openxmlformats.org/officeDocument/2006/relationships" xmlns:p="http://schemas.openxmlformats.org/presentationml/2006/main">
+  <p:cSld>
+    <p:spTree>
+      <p:nvGrpSpPr>
+        <p:cNvPr id="1" name=""/>
+        <p:cNvGrpSpPr/>
+        <p:nvPr/>
+      </p:nvGrpSpPr>
+      <p:grpSpPr>
+        <a:xfrm>
+          <a:off x="0" y="0"/>
+          <a:ext cx="0" cy="0"/>
+          <a:chOff x="0" y="0"/>
+          <a:chExt cx="0" cy="0"/>
+        </a:xfrm>
+      </p:grpSpPr>
+      <p:sp>
+        <p:nvSpPr>
+          <p:cNvPr id="2" name="Titel 1">
+            <a:extLst>
+              <a:ext uri="{FF2B5EF4-FFF2-40B4-BE49-F238E27FC236}">
                 <a16:creationId xmlns:a16="http://schemas.microsoft.com/office/drawing/2014/main" id="{966C4CD0-AA0A-4AAE-96D7-87C7699D5D00}"/>
               </a:ext>
             </a:extLst>
@@ -5476,7 +5697,9 @@
         </p:nvSpPr>
         <p:spPr/>
         <p:txBody>
-          <a:bodyPr/>
+          <a:bodyPr>
+            <a:normAutofit/>
+          </a:bodyPr>
           <a:lstStyle/>
           <a:p>
             <a:r>
@@ -5522,6 +5745,28 @@
             <a:r>
               <a:rPr lang="en-GB" dirty="0"/>
               <a:t>.</a:t>
+            </a:r>
+          </a:p>
+          <a:p>
+            <a:r>
+              <a:rPr lang="en-GB" dirty="0"/>
+              <a:t>Robert S. Boyer and J Strother Moore. </a:t>
+            </a:r>
+            <a:r>
+              <a:rPr lang="en-GB" dirty="0" err="1"/>
+              <a:t>Metafunctions</a:t>
+            </a:r>
+            <a:r>
+              <a:rPr lang="en-GB" dirty="0"/>
+              <a:t>: proving them correct and using them efficiently as new proof procedures. In R. Boyer and J Moore, editors, </a:t>
+            </a:r>
+            <a:r>
+              <a:rPr lang="en-GB" i="1" dirty="0"/>
+              <a:t>The Correctness Problem in Computer Science</a:t>
+            </a:r>
+            <a:r>
+              <a:rPr lang="en-GB" dirty="0"/>
+              <a:t>, pages 103–184. Academic Press, 1981</a:t>
             </a:r>
             <a:endParaRPr lang="en-US" dirty="0"/>
           </a:p>
@@ -5880,7 +6125,33 @@
           <a:bodyPr/>
           <a:lstStyle/>
           <a:p>
-            <a:endParaRPr lang="en-US"/>
+            <a:r>
+              <a:rPr lang="en-US" dirty="0"/>
+              <a:t>Words are lists.</a:t>
+            </a:r>
+          </a:p>
+          <a:p>
+            <a:r>
+              <a:rPr lang="en-US" dirty="0"/>
+              <a:t>Languages are sets of words.</a:t>
+            </a:r>
+          </a:p>
+          <a:p>
+            <a:r>
+              <a:rPr lang="en-US" i="1" dirty="0"/>
+              <a:t>Interesting</a:t>
+            </a:r>
+            <a:r>
+              <a:rPr lang="en-US" dirty="0"/>
+              <a:t> languages are the infinite ones.</a:t>
+            </a:r>
+          </a:p>
+          <a:p>
+            <a:r>
+              <a:rPr lang="pt-BR" dirty="0"/>
+              <a:t>Deriv x A := {xs. x # xs ∈ A}</a:t>
+            </a:r>
+            <a:endParaRPr lang="en-US" dirty="0"/>
           </a:p>
         </p:txBody>
       </p:sp>
@@ -5961,7 +6232,9 @@
         </p:nvSpPr>
         <p:spPr/>
         <p:txBody>
-          <a:bodyPr/>
+          <a:bodyPr>
+            <a:normAutofit/>
+          </a:bodyPr>
           <a:lstStyle/>
           <a:p>
             <a:pPr marL="0" indent="0">
@@ -5974,54 +6247,79 @@
           </a:p>
           <a:p>
             <a:r>
+              <a:rPr lang="en-GB" dirty="0"/>
+              <a:t>for all A and B, A ∼ B ==&gt; [] ∈ A &lt;--&gt; [] ∈ B</a:t>
+            </a:r>
+          </a:p>
+          <a:p>
+            <a:r>
+              <a:rPr lang="en-GB" dirty="0"/>
+              <a:t>for all A and B and x, A ∼ B ==&gt; </a:t>
+            </a:r>
+            <a:r>
+              <a:rPr lang="en-GB" dirty="0" err="1"/>
+              <a:t>Deriv</a:t>
+            </a:r>
+            <a:r>
+              <a:rPr lang="en-GB" dirty="0"/>
+              <a:t> x A ∼ </a:t>
+            </a:r>
+            <a:r>
+              <a:rPr lang="en-GB" dirty="0" err="1"/>
+              <a:t>Deriv</a:t>
+            </a:r>
+            <a:r>
+              <a:rPr lang="en-GB" dirty="0"/>
+              <a:t> x B.</a:t>
+            </a:r>
+            <a:endParaRPr lang="en-US" dirty="0"/>
+          </a:p>
+          <a:p>
+            <a:pPr marL="0" indent="0">
+              <a:buNone/>
+            </a:pPr>
+            <a:endParaRPr lang="en-US" dirty="0"/>
+          </a:p>
+          <a:p>
+            <a:pPr marL="0" indent="0">
+              <a:buNone/>
+            </a:pPr>
+            <a:r>
               <a:rPr lang="en-US" dirty="0"/>
-              <a:t>Prop1 to-do</a:t>
-            </a:r>
-          </a:p>
-          <a:p>
-            <a:r>
-              <a:rPr lang="en-US" dirty="0"/>
-              <a:t>Prop2 to-do</a:t>
-            </a:r>
-          </a:p>
-          <a:p>
-            <a:endParaRPr lang="en-US" dirty="0"/>
+              <a:t>If </a:t>
+            </a:r>
+            <a:r>
+              <a:rPr lang="en-GB" dirty="0"/>
+              <a:t>∼ is a </a:t>
+            </a:r>
+            <a:r>
+              <a:rPr lang="en-GB" dirty="0" err="1"/>
+              <a:t>bisimulation</a:t>
+            </a:r>
+            <a:r>
+              <a:rPr lang="en-GB" dirty="0"/>
+              <a:t>, then A ∼ B implies A = B</a:t>
+            </a:r>
           </a:p>
           <a:p>
             <a:pPr marL="0" indent="0">
               <a:buNone/>
             </a:pPr>
             <a:r>
-              <a:rPr lang="en-US" dirty="0" err="1"/>
-              <a:t>Bisimulations</a:t>
-            </a:r>
-            <a:r>
-              <a:rPr lang="en-US" dirty="0"/>
-              <a:t> can contain infinitely many elements</a:t>
+              <a:rPr lang="en-GB" dirty="0"/>
+              <a:t>	proof by list induction.</a:t>
             </a:r>
           </a:p>
           <a:p>
             <a:pPr marL="0" indent="0">
               <a:buNone/>
             </a:pPr>
-            <a:r>
-              <a:rPr lang="en-US" dirty="0"/>
-              <a:t>	</a:t>
-            </a:r>
-            <a:r>
-              <a:rPr lang="en-US" dirty="0">
-                <a:sym typeface="Wingdings" panose="05000000000000000000" pitchFamily="2" charset="2"/>
-              </a:rPr>
-              <a:t> </a:t>
-            </a:r>
-            <a:r>
-              <a:rPr lang="en-US" dirty="0"/>
-              <a:t>use a representation </a:t>
-            </a:r>
-            <a:r>
-              <a:rPr lang="en-GB" dirty="0"/>
-              <a:t>as finite list of pairs of regular expressions</a:t>
-            </a:r>
+            <a:endParaRPr lang="en-GB" dirty="0"/>
+          </a:p>
+          <a:p>
+            <a:pPr marL="0" indent="0">
+              <a:buNone/>
+            </a:pPr>
             <a:endParaRPr lang="en-US" dirty="0"/>
           </a:p>
         </p:txBody>

--- a/slides.pptx
+++ b/slides.pptx
@@ -5,7 +5,7 @@
     <p:sldMasterId id="2147483648" r:id="rId1"/>
   </p:sldMasterIdLst>
   <p:notesMasterIdLst>
-    <p:notesMasterId r:id="rId13"/>
+    <p:notesMasterId r:id="rId23"/>
   </p:notesMasterIdLst>
   <p:sldIdLst>
     <p:sldId id="256" r:id="rId2"/>
@@ -13,12 +13,22 @@
     <p:sldId id="261" r:id="rId4"/>
     <p:sldId id="262" r:id="rId5"/>
     <p:sldId id="263" r:id="rId6"/>
-    <p:sldId id="264" r:id="rId7"/>
-    <p:sldId id="265" r:id="rId8"/>
-    <p:sldId id="257" r:id="rId9"/>
-    <p:sldId id="260" r:id="rId10"/>
-    <p:sldId id="269" r:id="rId11"/>
-    <p:sldId id="268" r:id="rId12"/>
+    <p:sldId id="270" r:id="rId7"/>
+    <p:sldId id="271" r:id="rId8"/>
+    <p:sldId id="272" r:id="rId9"/>
+    <p:sldId id="264" r:id="rId10"/>
+    <p:sldId id="277" r:id="rId11"/>
+    <p:sldId id="273" r:id="rId12"/>
+    <p:sldId id="274" r:id="rId13"/>
+    <p:sldId id="278" r:id="rId14"/>
+    <p:sldId id="275" r:id="rId15"/>
+    <p:sldId id="276" r:id="rId16"/>
+    <p:sldId id="265" r:id="rId17"/>
+    <p:sldId id="257" r:id="rId18"/>
+    <p:sldId id="260" r:id="rId19"/>
+    <p:sldId id="269" r:id="rId20"/>
+    <p:sldId id="279" r:id="rId21"/>
+    <p:sldId id="268" r:id="rId22"/>
   </p:sldIdLst>
   <p:sldSz cx="12192000" cy="6858000"/>
   <p:notesSz cx="6858000" cy="9144000"/>
@@ -608,7 +618,16 @@
           <a:p>
             <a:r>
               <a:rPr lang="en-US" dirty="0"/>
-              <a:t>… and of course, the source is online in the AFP</a:t>
+              <a:t>Question to the audience: How to obtain a decision procedure for “⊆”?</a:t>
+            </a:r>
+          </a:p>
+          <a:p>
+            <a:endParaRPr lang="en-US" dirty="0"/>
+          </a:p>
+          <a:p>
+            <a:r>
+              <a:rPr lang="en-US" dirty="0"/>
+              <a:t>2: This w is some sort of counterexample, thus it probably really adds understanding to proof texts.</a:t>
             </a:r>
           </a:p>
         </p:txBody>
@@ -630,7 +649,281 @@
           <a:p>
             <a:fld id="{FAA32559-8951-4C46-A356-FBB9455D7E38}" type="slidenum">
               <a:rPr lang="de-DE" smtClean="0"/>
-              <a:t>11</a:t>
+              <a:t>18</a:t>
+            </a:fld>
+            <a:endParaRPr lang="de-DE"/>
+          </a:p>
+        </p:txBody>
+      </p:sp>
+    </p:spTree>
+    <p:extLst>
+      <p:ext uri="{BB962C8B-B14F-4D97-AF65-F5344CB8AC3E}">
+        <p14:creationId xmlns:p14="http://schemas.microsoft.com/office/powerpoint/2010/main" val="4044844971"/>
+      </p:ext>
+    </p:extLst>
+  </p:cSld>
+  <p:clrMapOvr>
+    <a:masterClrMapping/>
+  </p:clrMapOvr>
+</p:notes>
+</file>
+
+<file path=ppt/notesSlides/notesSlide11.xml><?xml version="1.0" encoding="utf-8"?>
+<p:notes xmlns:a="http://schemas.openxmlformats.org/drawingml/2006/main" xmlns:r="http://schemas.openxmlformats.org/officeDocument/2006/relationships" xmlns:p="http://schemas.openxmlformats.org/presentationml/2006/main">
+  <p:cSld>
+    <p:spTree>
+      <p:nvGrpSpPr>
+        <p:cNvPr id="1" name=""/>
+        <p:cNvGrpSpPr/>
+        <p:nvPr/>
+      </p:nvGrpSpPr>
+      <p:grpSpPr>
+        <a:xfrm>
+          <a:off x="0" y="0"/>
+          <a:ext cx="0" cy="0"/>
+          <a:chOff x="0" y="0"/>
+          <a:chExt cx="0" cy="0"/>
+        </a:xfrm>
+      </p:grpSpPr>
+      <p:sp>
+        <p:nvSpPr>
+          <p:cNvPr id="2" name="Folienbildplatzhalter 1"/>
+          <p:cNvSpPr>
+            <a:spLocks noGrp="1" noRot="1" noChangeAspect="1"/>
+          </p:cNvSpPr>
+          <p:nvPr>
+            <p:ph type="sldImg"/>
+          </p:nvPr>
+        </p:nvSpPr>
+        <p:spPr/>
+      </p:sp>
+      <p:sp>
+        <p:nvSpPr>
+          <p:cNvPr id="3" name="Notizenplatzhalter 2"/>
+          <p:cNvSpPr>
+            <a:spLocks noGrp="1"/>
+          </p:cNvSpPr>
+          <p:nvPr>
+            <p:ph type="body" idx="1"/>
+          </p:nvPr>
+        </p:nvSpPr>
+        <p:spPr/>
+        <p:txBody>
+          <a:bodyPr/>
+          <a:lstStyle/>
+          <a:p>
+            <a:r>
+              <a:rPr lang="en-US"/>
+              <a:t>brackets &lt;…&gt; are constructors</a:t>
+            </a:r>
+            <a:endParaRPr lang="en-US" dirty="0"/>
+          </a:p>
+        </p:txBody>
+      </p:sp>
+      <p:sp>
+        <p:nvSpPr>
+          <p:cNvPr id="4" name="Foliennummernplatzhalter 3"/>
+          <p:cNvSpPr>
+            <a:spLocks noGrp="1"/>
+          </p:cNvSpPr>
+          <p:nvPr>
+            <p:ph type="sldNum" sz="quarter" idx="10"/>
+          </p:nvPr>
+        </p:nvSpPr>
+        <p:spPr/>
+        <p:txBody>
+          <a:bodyPr/>
+          <a:lstStyle/>
+          <a:p>
+            <a:fld id="{FAA32559-8951-4C46-A356-FBB9455D7E38}" type="slidenum">
+              <a:rPr lang="de-DE" smtClean="0"/>
+              <a:t>19</a:t>
+            </a:fld>
+            <a:endParaRPr lang="de-DE"/>
+          </a:p>
+        </p:txBody>
+      </p:sp>
+    </p:spTree>
+    <p:extLst>
+      <p:ext uri="{BB962C8B-B14F-4D97-AF65-F5344CB8AC3E}">
+        <p14:creationId xmlns:p14="http://schemas.microsoft.com/office/powerpoint/2010/main" val="656959239"/>
+      </p:ext>
+    </p:extLst>
+  </p:cSld>
+  <p:clrMapOvr>
+    <a:masterClrMapping/>
+  </p:clrMapOvr>
+</p:notes>
+</file>
+
+<file path=ppt/notesSlides/notesSlide12.xml><?xml version="1.0" encoding="utf-8"?>
+<p:notes xmlns:a="http://schemas.openxmlformats.org/drawingml/2006/main" xmlns:r="http://schemas.openxmlformats.org/officeDocument/2006/relationships" xmlns:p="http://schemas.openxmlformats.org/presentationml/2006/main">
+  <p:cSld>
+    <p:spTree>
+      <p:nvGrpSpPr>
+        <p:cNvPr id="1" name=""/>
+        <p:cNvGrpSpPr/>
+        <p:nvPr/>
+      </p:nvGrpSpPr>
+      <p:grpSpPr>
+        <a:xfrm>
+          <a:off x="0" y="0"/>
+          <a:ext cx="0" cy="0"/>
+          <a:chOff x="0" y="0"/>
+          <a:chExt cx="0" cy="0"/>
+        </a:xfrm>
+      </p:grpSpPr>
+      <p:sp>
+        <p:nvSpPr>
+          <p:cNvPr id="2" name="Folienbildplatzhalter 1"/>
+          <p:cNvSpPr>
+            <a:spLocks noGrp="1" noRot="1" noChangeAspect="1"/>
+          </p:cNvSpPr>
+          <p:nvPr>
+            <p:ph type="sldImg"/>
+          </p:nvPr>
+        </p:nvSpPr>
+        <p:spPr/>
+      </p:sp>
+      <p:sp>
+        <p:nvSpPr>
+          <p:cNvPr id="3" name="Notizenplatzhalter 2"/>
+          <p:cNvSpPr>
+            <a:spLocks noGrp="1"/>
+          </p:cNvSpPr>
+          <p:nvPr>
+            <p:ph type="body" idx="1"/>
+          </p:nvPr>
+        </p:nvSpPr>
+        <p:spPr/>
+        <p:txBody>
+          <a:bodyPr/>
+          <a:lstStyle/>
+          <a:p>
+            <a:endParaRPr lang="en-US" dirty="0"/>
+          </a:p>
+          <a:p>
+            <a:r>
+              <a:rPr lang="en-US" dirty="0"/>
+              <a:t>The definition needs explanations</a:t>
+            </a:r>
+          </a:p>
+          <a:p>
+            <a:r>
+              <a:rPr lang="en-US" dirty="0"/>
+              <a:t>to-do: better markup</a:t>
+            </a:r>
+          </a:p>
+          <a:p>
+            <a:endParaRPr lang="en-US" dirty="0"/>
+          </a:p>
+        </p:txBody>
+      </p:sp>
+      <p:sp>
+        <p:nvSpPr>
+          <p:cNvPr id="4" name="Foliennummernplatzhalter 3"/>
+          <p:cNvSpPr>
+            <a:spLocks noGrp="1"/>
+          </p:cNvSpPr>
+          <p:nvPr>
+            <p:ph type="sldNum" sz="quarter" idx="10"/>
+          </p:nvPr>
+        </p:nvSpPr>
+        <p:spPr/>
+        <p:txBody>
+          <a:bodyPr/>
+          <a:lstStyle/>
+          <a:p>
+            <a:fld id="{FAA32559-8951-4C46-A356-FBB9455D7E38}" type="slidenum">
+              <a:rPr lang="de-DE" smtClean="0"/>
+              <a:t>20</a:t>
+            </a:fld>
+            <a:endParaRPr lang="de-DE"/>
+          </a:p>
+        </p:txBody>
+      </p:sp>
+    </p:spTree>
+    <p:extLst>
+      <p:ext uri="{BB962C8B-B14F-4D97-AF65-F5344CB8AC3E}">
+        <p14:creationId xmlns:p14="http://schemas.microsoft.com/office/powerpoint/2010/main" val="500513494"/>
+      </p:ext>
+    </p:extLst>
+  </p:cSld>
+  <p:clrMapOvr>
+    <a:masterClrMapping/>
+  </p:clrMapOvr>
+</p:notes>
+</file>
+
+<file path=ppt/notesSlides/notesSlide13.xml><?xml version="1.0" encoding="utf-8"?>
+<p:notes xmlns:a="http://schemas.openxmlformats.org/drawingml/2006/main" xmlns:r="http://schemas.openxmlformats.org/officeDocument/2006/relationships" xmlns:p="http://schemas.openxmlformats.org/presentationml/2006/main">
+  <p:cSld>
+    <p:spTree>
+      <p:nvGrpSpPr>
+        <p:cNvPr id="1" name=""/>
+        <p:cNvGrpSpPr/>
+        <p:nvPr/>
+      </p:nvGrpSpPr>
+      <p:grpSpPr>
+        <a:xfrm>
+          <a:off x="0" y="0"/>
+          <a:ext cx="0" cy="0"/>
+          <a:chOff x="0" y="0"/>
+          <a:chExt cx="0" cy="0"/>
+        </a:xfrm>
+      </p:grpSpPr>
+      <p:sp>
+        <p:nvSpPr>
+          <p:cNvPr id="2" name="Folienbildplatzhalter 1"/>
+          <p:cNvSpPr>
+            <a:spLocks noGrp="1" noRot="1" noChangeAspect="1"/>
+          </p:cNvSpPr>
+          <p:nvPr>
+            <p:ph type="sldImg"/>
+          </p:nvPr>
+        </p:nvSpPr>
+        <p:spPr/>
+      </p:sp>
+      <p:sp>
+        <p:nvSpPr>
+          <p:cNvPr id="3" name="Notizenplatzhalter 2"/>
+          <p:cNvSpPr>
+            <a:spLocks noGrp="1"/>
+          </p:cNvSpPr>
+          <p:nvPr>
+            <p:ph type="body" idx="1"/>
+          </p:nvPr>
+        </p:nvSpPr>
+        <p:spPr/>
+        <p:txBody>
+          <a:bodyPr/>
+          <a:lstStyle/>
+          <a:p>
+            <a:r>
+              <a:rPr lang="en-US" dirty="0"/>
+              <a:t>… and of course, the source is online in the AFP</a:t>
+            </a:r>
+          </a:p>
+        </p:txBody>
+      </p:sp>
+      <p:sp>
+        <p:nvSpPr>
+          <p:cNvPr id="4" name="Foliennummernplatzhalter 3"/>
+          <p:cNvSpPr>
+            <a:spLocks noGrp="1"/>
+          </p:cNvSpPr>
+          <p:nvPr>
+            <p:ph type="sldNum" sz="quarter" idx="10"/>
+          </p:nvPr>
+        </p:nvSpPr>
+        <p:spPr/>
+        <p:txBody>
+          <a:bodyPr/>
+          <a:lstStyle/>
+          <a:p>
+            <a:fld id="{FAA32559-8951-4C46-A356-FBB9455D7E38}" type="slidenum">
+              <a:rPr lang="de-DE" smtClean="0"/>
+              <a:t>21</a:t>
             </a:fld>
             <a:endParaRPr lang="de-DE"/>
           </a:p>
@@ -1496,16 +1789,7 @@
           <a:p>
             <a:r>
               <a:rPr lang="en-US" dirty="0"/>
-              <a:t>and they will, in the case where the languages are infinite.</a:t>
-            </a:r>
-          </a:p>
-          <a:p>
-            <a:endParaRPr lang="en-US" dirty="0"/>
-          </a:p>
-          <a:p>
-            <a:r>
-              <a:rPr lang="en-US" dirty="0"/>
-              <a:t>… and if a representation is finite, we can at least hope to be able to construct it.</a:t>
+              <a:t>if a representation is finite, we can at least hope to be able to construct it.</a:t>
             </a:r>
           </a:p>
         </p:txBody>
@@ -1592,37 +1876,55 @@
           <a:p>
             <a:r>
               <a:rPr lang="en-US" dirty="0"/>
-              <a:t>so, for a position of the </a:t>
+              <a:t>nullable </a:t>
             </a:r>
             <a:r>
               <a:rPr lang="en-US" dirty="0" err="1"/>
-              <a:t>subterms</a:t>
-            </a:r>
-            <a:r>
-              <a:rPr lang="en-US" dirty="0"/>
-              <a:t> in the sequence … + … + … + … (</a:t>
+              <a:t>erklären</a:t>
+            </a:r>
+            <a:r>
+              <a:rPr lang="en-US" dirty="0"/>
+              <a:t> (</a:t>
             </a:r>
             <a:r>
               <a:rPr lang="en-US" dirty="0" err="1"/>
-              <a:t>Wich</a:t>
-            </a:r>
-            <a:r>
-              <a:rPr lang="en-US" dirty="0"/>
-              <a:t> is a tree, but due to associativity we can transform into a list) to be uniquely determined, we can just define an arbitrary order on the topmost constructors. Then every </a:t>
+              <a:t>oder</a:t>
+            </a:r>
+            <a:r>
+              <a:rPr lang="en-US" dirty="0"/>
+              <a:t> </a:t>
             </a:r>
             <a:r>
               <a:rPr lang="en-US" dirty="0" err="1"/>
-              <a:t>subterm</a:t>
-            </a:r>
-            <a:r>
-              <a:rPr lang="en-US" dirty="0"/>
-              <a:t> is already in the “correct section the a list” and then, its subparts get normed again.</a:t>
-            </a:r>
-          </a:p>
-          <a:p>
-            <a:r>
-              <a:rPr lang="en-US" dirty="0"/>
-              <a:t>Actually, the correct way is to work bottom up, but you get the idea.</a:t>
+              <a:t>evtl</a:t>
+            </a:r>
+            <a:r>
+              <a:rPr lang="en-US" dirty="0"/>
+              <a:t>. </a:t>
+            </a:r>
+            <a:r>
+              <a:rPr lang="en-US" dirty="0" err="1"/>
+              <a:t>vorher</a:t>
+            </a:r>
+            <a:r>
+              <a:rPr lang="en-US" dirty="0"/>
+              <a:t> </a:t>
+            </a:r>
+            <a:r>
+              <a:rPr lang="en-US" dirty="0" err="1"/>
+              <a:t>ersetzen</a:t>
+            </a:r>
+            <a:r>
+              <a:rPr lang="en-US" dirty="0"/>
+              <a:t> </a:t>
+            </a:r>
+            <a:r>
+              <a:rPr lang="en-US" dirty="0" err="1"/>
+              <a:t>durch</a:t>
+            </a:r>
+            <a:r>
+              <a:rPr lang="en-US" dirty="0"/>
+              <a:t> “[] \in L(r)” ?)</a:t>
             </a:r>
           </a:p>
         </p:txBody>
@@ -1644,7 +1946,7 @@
           <a:p>
             <a:fld id="{FAA32559-8951-4C46-A356-FBB9455D7E38}" type="slidenum">
               <a:rPr lang="de-DE" smtClean="0"/>
-              <a:t>6</a:t>
+              <a:t>8</a:t>
             </a:fld>
             <a:endParaRPr lang="de-DE"/>
           </a:p>
@@ -1653,7 +1955,7 @@
     </p:spTree>
     <p:extLst>
       <p:ext uri="{BB962C8B-B14F-4D97-AF65-F5344CB8AC3E}">
-        <p14:creationId xmlns:p14="http://schemas.microsoft.com/office/powerpoint/2010/main" val="2615019396"/>
+        <p14:creationId xmlns:p14="http://schemas.microsoft.com/office/powerpoint/2010/main" val="1365994791"/>
       </p:ext>
     </p:extLst>
   </p:cSld>
@@ -1708,10 +2010,39 @@
           <a:lstStyle/>
           <a:p>
             <a:r>
-              <a:rPr lang="de-DE" dirty="0" err="1"/>
-              <a:t>todo</a:t>
-            </a:r>
-            <a:endParaRPr lang="de-DE" dirty="0"/>
+              <a:rPr lang="en-US" dirty="0"/>
+              <a:t>so, for a position of the </a:t>
+            </a:r>
+            <a:r>
+              <a:rPr lang="en-US" dirty="0" err="1"/>
+              <a:t>subterms</a:t>
+            </a:r>
+            <a:r>
+              <a:rPr lang="en-US" dirty="0"/>
+              <a:t> in the sequence … + … + … + … (</a:t>
+            </a:r>
+            <a:r>
+              <a:rPr lang="en-US" dirty="0" err="1"/>
+              <a:t>Wich</a:t>
+            </a:r>
+            <a:r>
+              <a:rPr lang="en-US" dirty="0"/>
+              <a:t> is a tree, but due to associativity we can transform into a list) to be uniquely determined, we can just define an arbitrary order on the topmost constructors. Then every </a:t>
+            </a:r>
+            <a:r>
+              <a:rPr lang="en-US" dirty="0" err="1"/>
+              <a:t>subterm</a:t>
+            </a:r>
+            <a:r>
+              <a:rPr lang="en-US" dirty="0"/>
+              <a:t> is already in the “correct section the a list” and then, its subparts get normed again.</a:t>
+            </a:r>
+          </a:p>
+          <a:p>
+            <a:r>
+              <a:rPr lang="en-US" dirty="0"/>
+              <a:t>Actually, the correct way is to work bottom up, but you get the idea.</a:t>
+            </a:r>
           </a:p>
         </p:txBody>
       </p:sp>
@@ -1732,7 +2063,7 @@
           <a:p>
             <a:fld id="{FAA32559-8951-4C46-A356-FBB9455D7E38}" type="slidenum">
               <a:rPr lang="de-DE" smtClean="0"/>
-              <a:t>8</a:t>
+              <a:t>9</a:t>
             </a:fld>
             <a:endParaRPr lang="de-DE"/>
           </a:p>
@@ -1741,7 +2072,7 @@
     </p:spTree>
     <p:extLst>
       <p:ext uri="{BB962C8B-B14F-4D97-AF65-F5344CB8AC3E}">
-        <p14:creationId xmlns:p14="http://schemas.microsoft.com/office/powerpoint/2010/main" val="277471394"/>
+        <p14:creationId xmlns:p14="http://schemas.microsoft.com/office/powerpoint/2010/main" val="2615019396"/>
       </p:ext>
     </p:extLst>
   </p:cSld>
@@ -1797,8 +2128,11 @@
           <a:p>
             <a:r>
               <a:rPr lang="en-US" dirty="0"/>
-              <a:t>Question to the audience: How to obtain a decision procedure for “⊆”?</a:t>
-            </a:r>
+              <a:t>1: standard work set algorithm</a:t>
+            </a:r>
+          </a:p>
+          <a:p>
+            <a:endParaRPr lang="en-US" dirty="0"/>
           </a:p>
         </p:txBody>
       </p:sp>
@@ -1819,7 +2153,7 @@
           <a:p>
             <a:fld id="{FAA32559-8951-4C46-A356-FBB9455D7E38}" type="slidenum">
               <a:rPr lang="de-DE" smtClean="0"/>
-              <a:t>9</a:t>
+              <a:t>13</a:t>
             </a:fld>
             <a:endParaRPr lang="de-DE"/>
           </a:p>
@@ -1828,7 +2162,7 @@
     </p:spTree>
     <p:extLst>
       <p:ext uri="{BB962C8B-B14F-4D97-AF65-F5344CB8AC3E}">
-        <p14:creationId xmlns:p14="http://schemas.microsoft.com/office/powerpoint/2010/main" val="4044844971"/>
+        <p14:creationId xmlns:p14="http://schemas.microsoft.com/office/powerpoint/2010/main" val="922902247"/>
       </p:ext>
     </p:extLst>
   </p:cSld>
@@ -1883,10 +2217,10 @@
           <a:lstStyle/>
           <a:p>
             <a:r>
-              <a:rPr lang="en-US"/>
-              <a:t>brackets &lt;…&gt; are constructors</a:t>
-            </a:r>
-            <a:endParaRPr lang="en-US" dirty="0"/>
+              <a:rPr lang="de-DE" dirty="0" err="1"/>
+              <a:t>todo</a:t>
+            </a:r>
+            <a:endParaRPr lang="de-DE" dirty="0"/>
           </a:p>
         </p:txBody>
       </p:sp>
@@ -1907,7 +2241,7 @@
           <a:p>
             <a:fld id="{FAA32559-8951-4C46-A356-FBB9455D7E38}" type="slidenum">
               <a:rPr lang="de-DE" smtClean="0"/>
-              <a:t>10</a:t>
+              <a:t>17</a:t>
             </a:fld>
             <a:endParaRPr lang="de-DE"/>
           </a:p>
@@ -1916,7 +2250,7 @@
     </p:spTree>
     <p:extLst>
       <p:ext uri="{BB962C8B-B14F-4D97-AF65-F5344CB8AC3E}">
-        <p14:creationId xmlns:p14="http://schemas.microsoft.com/office/powerpoint/2010/main" val="656959239"/>
+        <p14:creationId xmlns:p14="http://schemas.microsoft.com/office/powerpoint/2010/main" val="277471394"/>
       </p:ext>
     </p:extLst>
   </p:cSld>
@@ -5546,7 +5880,7 @@
           <p:cNvPr id="2" name="Titel 1">
             <a:extLst>
               <a:ext uri="{FF2B5EF4-FFF2-40B4-BE49-F238E27FC236}">
-                <a16:creationId xmlns:a16="http://schemas.microsoft.com/office/drawing/2014/main" id="{96EB362D-D17C-4E3D-9CD7-7823E8C03145}"/>
+                <a16:creationId xmlns:a16="http://schemas.microsoft.com/office/drawing/2014/main" id="{73704D80-7585-4A6B-B25E-32552CEA93AA}"/>
               </a:ext>
             </a:extLst>
           </p:cNvPr>
@@ -5563,9 +5897,10 @@
           <a:lstStyle/>
           <a:p>
             <a:r>
-              <a:rPr lang="en-US" dirty="0"/>
-              <a:t>Reflection due to Boyer and Moore</a:t>
-            </a:r>
+              <a:rPr lang="en-US" dirty="0" err="1"/>
+              <a:t>nderiv</a:t>
+            </a:r>
+            <a:endParaRPr lang="en-US" dirty="0"/>
           </a:p>
         </p:txBody>
       </p:sp>
@@ -5574,7 +5909,7 @@
           <p:cNvPr id="3" name="Inhaltsplatzhalter 2">
             <a:extLst>
               <a:ext uri="{FF2B5EF4-FFF2-40B4-BE49-F238E27FC236}">
-                <a16:creationId xmlns:a16="http://schemas.microsoft.com/office/drawing/2014/main" id="{83293F5C-A135-4664-8889-3FB54EAB0968}"/>
+                <a16:creationId xmlns:a16="http://schemas.microsoft.com/office/drawing/2014/main" id="{4D17F7F0-A1DB-4420-9F51-48EBBFA186BF}"/>
               </a:ext>
             </a:extLst>
           </p:cNvPr>
@@ -5587,28 +5922,134 @@
         </p:nvSpPr>
         <p:spPr/>
         <p:txBody>
-          <a:bodyPr/>
-          <a:lstStyle/>
-          <a:p>
-            <a:r>
-              <a:rPr lang="en-US" dirty="0"/>
-              <a:t>one atom for every relation: &lt;0&gt;, &lt;1&gt;, …</a:t>
-            </a:r>
-          </a:p>
-          <a:p>
-            <a:endParaRPr lang="en-US" dirty="0"/>
-          </a:p>
-          <a:p>
-            <a:r>
-              <a:rPr lang="en-US" dirty="0"/>
-              <a:t>goal (R* ◦ S* ◦ T)* = (R ∪ S ∪ T)*</a:t>
+          <a:bodyPr>
+            <a:normAutofit/>
+          </a:bodyPr>
+          <a:lstStyle/>
+          <a:p>
+            <a:r>
+              <a:rPr lang="en-US" dirty="0"/>
+              <a:t>keeps normed REs normed</a:t>
+            </a:r>
+          </a:p>
+          <a:p>
+            <a:r>
+              <a:rPr lang="en-US" dirty="0"/>
+              <a:t>  "</a:t>
+            </a:r>
+            <a:r>
+              <a:rPr lang="en-US" dirty="0" err="1"/>
+              <a:t>nderiv</a:t>
+            </a:r>
+            <a:r>
+              <a:rPr lang="en-US" dirty="0"/>
+              <a:t> _ Zero = Zero"</a:t>
+            </a:r>
+          </a:p>
+          <a:p>
+            <a:r>
+              <a:rPr lang="en-US" dirty="0"/>
+              <a:t>| "</a:t>
+            </a:r>
+            <a:r>
+              <a:rPr lang="en-US" dirty="0" err="1"/>
+              <a:t>nderiv</a:t>
+            </a:r>
+            <a:r>
+              <a:rPr lang="en-US" dirty="0"/>
+              <a:t> _ One = Zero"</a:t>
+            </a:r>
+          </a:p>
+          <a:p>
+            <a:r>
+              <a:rPr lang="en-US" dirty="0"/>
+              <a:t>| "</a:t>
+            </a:r>
+            <a:r>
+              <a:rPr lang="en-US" dirty="0" err="1"/>
+              <a:t>nderiv</a:t>
+            </a:r>
+            <a:r>
+              <a:rPr lang="en-US" dirty="0"/>
+              <a:t> a (Atom b) = (if a = b then One else Zero)"</a:t>
+            </a:r>
+          </a:p>
+          <a:p>
+            <a:r>
+              <a:rPr lang="en-US" dirty="0"/>
+              <a:t>| "</a:t>
+            </a:r>
+            <a:r>
+              <a:rPr lang="en-US" dirty="0" err="1"/>
+              <a:t>nderiv</a:t>
+            </a:r>
+            <a:r>
+              <a:rPr lang="en-US" dirty="0"/>
+              <a:t> a (Plus r s) = </a:t>
+            </a:r>
+            <a:r>
+              <a:rPr lang="en-US" dirty="0" err="1"/>
+              <a:t>nPlus</a:t>
+            </a:r>
+            <a:r>
+              <a:rPr lang="en-US" dirty="0"/>
+              <a:t> (</a:t>
+            </a:r>
+            <a:r>
+              <a:rPr lang="en-US" dirty="0" err="1"/>
+              <a:t>nderiv</a:t>
+            </a:r>
+            <a:r>
+              <a:rPr lang="en-US" dirty="0"/>
+              <a:t> a r) (</a:t>
+            </a:r>
+            <a:r>
+              <a:rPr lang="en-US" dirty="0" err="1"/>
+              <a:t>nderiv</a:t>
+            </a:r>
+            <a:r>
+              <a:rPr lang="en-US" dirty="0"/>
+              <a:t> a s)"</a:t>
+            </a:r>
+          </a:p>
+          <a:p>
+            <a:r>
+              <a:rPr lang="en-US" dirty="0"/>
+              <a:t>| "</a:t>
+            </a:r>
+            <a:r>
+              <a:rPr lang="en-US" dirty="0" err="1"/>
+              <a:t>nderiv</a:t>
+            </a:r>
+            <a:r>
+              <a:rPr lang="en-US" dirty="0"/>
+              <a:t> a (Times r s) =</a:t>
             </a:r>
           </a:p>
           <a:p>
             <a:pPr marL="457200" lvl="1" indent="0">
               <a:buNone/>
             </a:pPr>
-            <a:endParaRPr lang="en-US" dirty="0"/>
+            <a:r>
+              <a:rPr lang="en-US" dirty="0"/>
+              <a:t>(let r's = </a:t>
+            </a:r>
+            <a:r>
+              <a:rPr lang="en-US" dirty="0" err="1"/>
+              <a:t>nTimes</a:t>
+            </a:r>
+            <a:r>
+              <a:rPr lang="en-US" dirty="0"/>
+              <a:t> (</a:t>
+            </a:r>
+            <a:r>
+              <a:rPr lang="en-US" dirty="0" err="1"/>
+              <a:t>nderiv</a:t>
+            </a:r>
+            <a:r>
+              <a:rPr lang="en-US" dirty="0"/>
+              <a:t> a r) s</a:t>
+            </a:r>
           </a:p>
           <a:p>
             <a:pPr marL="457200" lvl="1" indent="0">
@@ -5616,7 +6057,53 @@
             </a:pPr>
             <a:r>
               <a:rPr lang="en-US" dirty="0"/>
-              <a:t>↝ goal (&lt;0&gt;*·&lt;1&gt;*·&lt;2&gt;)* = (&lt;0&gt; + &lt;1&gt; + &lt;2&gt;)*</a:t>
+              <a:t>	in if nullable r then </a:t>
+            </a:r>
+            <a:r>
+              <a:rPr lang="en-US" dirty="0" err="1"/>
+              <a:t>nPlus</a:t>
+            </a:r>
+            <a:r>
+              <a:rPr lang="en-US" dirty="0"/>
+              <a:t> r's (</a:t>
+            </a:r>
+            <a:r>
+              <a:rPr lang="en-US" dirty="0" err="1"/>
+              <a:t>nderiv</a:t>
+            </a:r>
+            <a:r>
+              <a:rPr lang="en-US" dirty="0"/>
+              <a:t> a s) else r's)"</a:t>
+            </a:r>
+          </a:p>
+          <a:p>
+            <a:r>
+              <a:rPr lang="en-US" dirty="0"/>
+              <a:t>| "</a:t>
+            </a:r>
+            <a:r>
+              <a:rPr lang="en-US" dirty="0" err="1"/>
+              <a:t>nderiv</a:t>
+            </a:r>
+            <a:r>
+              <a:rPr lang="en-US" dirty="0"/>
+              <a:t> a (Star r) = </a:t>
+            </a:r>
+            <a:r>
+              <a:rPr lang="en-US" dirty="0" err="1"/>
+              <a:t>nTimes</a:t>
+            </a:r>
+            <a:r>
+              <a:rPr lang="en-US" dirty="0"/>
+              <a:t> (</a:t>
+            </a:r>
+            <a:r>
+              <a:rPr lang="en-US" dirty="0" err="1"/>
+              <a:t>nderiv</a:t>
+            </a:r>
+            <a:r>
+              <a:rPr lang="en-US" dirty="0"/>
+              <a:t> a r) (Star r)"</a:t>
             </a:r>
           </a:p>
         </p:txBody>
@@ -5624,7 +6111,7 @@
     </p:spTree>
     <p:extLst>
       <p:ext uri="{BB962C8B-B14F-4D97-AF65-F5344CB8AC3E}">
-        <p14:creationId xmlns:p14="http://schemas.microsoft.com/office/powerpoint/2010/main" val="3595477036"/>
+        <p14:creationId xmlns:p14="http://schemas.microsoft.com/office/powerpoint/2010/main" val="1478215631"/>
       </p:ext>
     </p:extLst>
   </p:cSld>
@@ -5656,7 +6143,7 @@
           <p:cNvPr id="2" name="Titel 1">
             <a:extLst>
               <a:ext uri="{FF2B5EF4-FFF2-40B4-BE49-F238E27FC236}">
-                <a16:creationId xmlns:a16="http://schemas.microsoft.com/office/drawing/2014/main" id="{966C4CD0-AA0A-4AAE-96D7-87C7699D5D00}"/>
+                <a16:creationId xmlns:a16="http://schemas.microsoft.com/office/drawing/2014/main" id="{A361A3B1-D8C0-4C7D-A9AD-A176331D158C}"/>
               </a:ext>
             </a:extLst>
           </p:cNvPr>
@@ -5674,7 +6161,7 @@
           <a:p>
             <a:r>
               <a:rPr lang="en-US" dirty="0"/>
-              <a:t>References</a:t>
+              <a:t>Next steps of the algorithm</a:t>
             </a:r>
           </a:p>
         </p:txBody>
@@ -5684,7 +6171,7 @@
           <p:cNvPr id="3" name="Inhaltsplatzhalter 2">
             <a:extLst>
               <a:ext uri="{FF2B5EF4-FFF2-40B4-BE49-F238E27FC236}">
-                <a16:creationId xmlns:a16="http://schemas.microsoft.com/office/drawing/2014/main" id="{DDB33A90-3B67-4ADF-9126-A5C3C8B41815}"/>
+                <a16:creationId xmlns:a16="http://schemas.microsoft.com/office/drawing/2014/main" id="{8E0EF17B-F9BE-4178-A899-972EAE8126AE}"/>
               </a:ext>
             </a:extLst>
           </p:cNvPr>
@@ -5697,85 +6184,1217 @@
         </p:nvSpPr>
         <p:spPr/>
         <p:txBody>
-          <a:bodyPr>
-            <a:normAutofit/>
-          </a:bodyPr>
-          <a:lstStyle/>
-          <a:p>
-            <a:r>
-              <a:rPr lang="en-GB" dirty="0"/>
-              <a:t>J. A. </a:t>
-            </a:r>
-            <a:r>
-              <a:rPr lang="en-GB" dirty="0" err="1"/>
-              <a:t>Brzozowski</a:t>
-            </a:r>
-            <a:r>
-              <a:rPr lang="en-GB" dirty="0"/>
-              <a:t>. Derivatives of regular expressions. </a:t>
-            </a:r>
-            <a:r>
-              <a:rPr lang="en-GB" i="1" dirty="0"/>
-              <a:t>J. ACM</a:t>
-            </a:r>
-            <a:r>
-              <a:rPr lang="en-GB" dirty="0"/>
-              <a:t>, 11(4):481–494, Oct. 1964.</a:t>
-            </a:r>
-          </a:p>
-          <a:p>
-            <a:r>
-              <a:rPr lang="en-GB" dirty="0"/>
-              <a:t>A. Krauss and T. </a:t>
-            </a:r>
-            <a:r>
-              <a:rPr lang="en-GB" dirty="0" err="1"/>
-              <a:t>Nipkow</a:t>
-            </a:r>
-            <a:r>
-              <a:rPr lang="en-GB" dirty="0"/>
-              <a:t>. Proof pearl: Regular expression equivalence and relation algebra. J. Automated Reasoning, 49:95–106, 2012. published online March 2011.  </a:t>
-            </a:r>
-            <a:r>
-              <a:rPr lang="en-GB" dirty="0">
-                <a:hlinkClick r:id="rId3"/>
-              </a:rPr>
-              <a:t>http://www21.in.tum.de/~nipkow/pubs/jar12.html</a:t>
-            </a:r>
-            <a:r>
-              <a:rPr lang="en-GB" dirty="0"/>
-              <a:t>.</a:t>
-            </a:r>
-          </a:p>
-          <a:p>
-            <a:r>
-              <a:rPr lang="en-GB" dirty="0"/>
-              <a:t>Robert S. Boyer and J Strother Moore. </a:t>
-            </a:r>
-            <a:r>
-              <a:rPr lang="en-GB" dirty="0" err="1"/>
-              <a:t>Metafunctions</a:t>
-            </a:r>
-            <a:r>
-              <a:rPr lang="en-GB" dirty="0"/>
-              <a:t>: proving them correct and using them efficiently as new proof procedures. In R. Boyer and J Moore, editors, </a:t>
-            </a:r>
-            <a:r>
-              <a:rPr lang="en-GB" i="1" dirty="0"/>
-              <a:t>The Correctness Problem in Computer Science</a:t>
-            </a:r>
-            <a:r>
-              <a:rPr lang="en-GB" dirty="0"/>
-              <a:t>, pages 103–184. Academic Press, 1981</a:t>
-            </a:r>
+          <a:bodyPr/>
+          <a:lstStyle/>
+          <a:p>
+            <a:r>
+              <a:rPr lang="en-US" dirty="0"/>
+              <a:t>to-do. Explain via condition, step and invariant or relate to general closure computation?</a:t>
+            </a:r>
+          </a:p>
+          <a:p>
             <a:endParaRPr lang="en-US" dirty="0"/>
+          </a:p>
+          <a:p>
+            <a:r>
+              <a:rPr lang="en-US" dirty="0"/>
+              <a:t>&lt;remember to stress why we want </a:t>
+            </a:r>
+            <a:r>
+              <a:rPr lang="en-US" b="1" dirty="0"/>
+              <a:t>simplicity</a:t>
+            </a:r>
+            <a:r>
+              <a:rPr lang="en-US" dirty="0"/>
+              <a:t>&gt;</a:t>
+            </a:r>
           </a:p>
         </p:txBody>
       </p:sp>
     </p:spTree>
     <p:extLst>
       <p:ext uri="{BB962C8B-B14F-4D97-AF65-F5344CB8AC3E}">
-        <p14:creationId xmlns:p14="http://schemas.microsoft.com/office/powerpoint/2010/main" val="3839886554"/>
+        <p14:creationId xmlns:p14="http://schemas.microsoft.com/office/powerpoint/2010/main" val="1836650516"/>
+      </p:ext>
+    </p:extLst>
+  </p:cSld>
+  <p:clrMapOvr>
+    <a:masterClrMapping/>
+  </p:clrMapOvr>
+</p:sld>
+</file>
+
+<file path=ppt/slides/slide12.xml><?xml version="1.0" encoding="utf-8"?>
+<p:sld xmlns:a="http://schemas.openxmlformats.org/drawingml/2006/main" xmlns:r="http://schemas.openxmlformats.org/officeDocument/2006/relationships" xmlns:p="http://schemas.openxmlformats.org/presentationml/2006/main">
+  <p:cSld>
+    <p:spTree>
+      <p:nvGrpSpPr>
+        <p:cNvPr id="1" name=""/>
+        <p:cNvGrpSpPr/>
+        <p:nvPr/>
+      </p:nvGrpSpPr>
+      <p:grpSpPr>
+        <a:xfrm>
+          <a:off x="0" y="0"/>
+          <a:ext cx="0" cy="0"/>
+          <a:chOff x="0" y="0"/>
+          <a:chExt cx="0" cy="0"/>
+        </a:xfrm>
+      </p:grpSpPr>
+      <p:sp>
+        <p:nvSpPr>
+          <p:cNvPr id="2" name="Titel 1">
+            <a:extLst>
+              <a:ext uri="{FF2B5EF4-FFF2-40B4-BE49-F238E27FC236}">
+                <a16:creationId xmlns:a16="http://schemas.microsoft.com/office/drawing/2014/main" id="{D5D50EB3-B325-43FD-A071-2E053FCA58D5}"/>
+              </a:ext>
+            </a:extLst>
+          </p:cNvPr>
+          <p:cNvSpPr>
+            <a:spLocks noGrp="1"/>
+          </p:cNvSpPr>
+          <p:nvPr>
+            <p:ph type="title"/>
+          </p:nvPr>
+        </p:nvSpPr>
+        <p:spPr/>
+        <p:txBody>
+          <a:bodyPr/>
+          <a:lstStyle/>
+          <a:p>
+            <a:r>
+              <a:rPr lang="en-US" dirty="0"/>
+              <a:t>More Algorithm explanations</a:t>
+            </a:r>
+          </a:p>
+        </p:txBody>
+      </p:sp>
+      <p:sp>
+        <p:nvSpPr>
+          <p:cNvPr id="3" name="Inhaltsplatzhalter 2">
+            <a:extLst>
+              <a:ext uri="{FF2B5EF4-FFF2-40B4-BE49-F238E27FC236}">
+                <a16:creationId xmlns:a16="http://schemas.microsoft.com/office/drawing/2014/main" id="{13A3184E-D790-4B2E-BAE6-6BA74D9824B9}"/>
+              </a:ext>
+            </a:extLst>
+          </p:cNvPr>
+          <p:cNvSpPr>
+            <a:spLocks noGrp="1"/>
+          </p:cNvSpPr>
+          <p:nvPr>
+            <p:ph idx="1"/>
+          </p:nvPr>
+        </p:nvSpPr>
+        <p:spPr/>
+        <p:txBody>
+          <a:bodyPr/>
+          <a:lstStyle/>
+          <a:p>
+            <a:endParaRPr lang="en-US"/>
+          </a:p>
+        </p:txBody>
+      </p:sp>
+    </p:spTree>
+    <p:extLst>
+      <p:ext uri="{BB962C8B-B14F-4D97-AF65-F5344CB8AC3E}">
+        <p14:creationId xmlns:p14="http://schemas.microsoft.com/office/powerpoint/2010/main" val="790305600"/>
+      </p:ext>
+    </p:extLst>
+  </p:cSld>
+  <p:clrMapOvr>
+    <a:masterClrMapping/>
+  </p:clrMapOvr>
+</p:sld>
+</file>
+
+<file path=ppt/slides/slide13.xml><?xml version="1.0" encoding="utf-8"?>
+<p:sld xmlns:a="http://schemas.openxmlformats.org/drawingml/2006/main" xmlns:r="http://schemas.openxmlformats.org/officeDocument/2006/relationships" xmlns:p="http://schemas.openxmlformats.org/presentationml/2006/main">
+  <p:cSld>
+    <p:spTree>
+      <p:nvGrpSpPr>
+        <p:cNvPr id="1" name=""/>
+        <p:cNvGrpSpPr/>
+        <p:nvPr/>
+      </p:nvGrpSpPr>
+      <p:grpSpPr>
+        <a:xfrm>
+          <a:off x="0" y="0"/>
+          <a:ext cx="0" cy="0"/>
+          <a:chOff x="0" y="0"/>
+          <a:chExt cx="0" cy="0"/>
+        </a:xfrm>
+      </p:grpSpPr>
+      <p:sp>
+        <p:nvSpPr>
+          <p:cNvPr id="2" name="Titel 1">
+            <a:extLst>
+              <a:ext uri="{FF2B5EF4-FFF2-40B4-BE49-F238E27FC236}">
+                <a16:creationId xmlns:a16="http://schemas.microsoft.com/office/drawing/2014/main" id="{6308764C-5A53-4A40-86AB-AFF027DC3399}"/>
+              </a:ext>
+            </a:extLst>
+          </p:cNvPr>
+          <p:cNvSpPr>
+            <a:spLocks noGrp="1"/>
+          </p:cNvSpPr>
+          <p:nvPr>
+            <p:ph type="title"/>
+          </p:nvPr>
+        </p:nvSpPr>
+        <p:spPr/>
+        <p:txBody>
+          <a:bodyPr/>
+          <a:lstStyle/>
+          <a:p>
+            <a:r>
+              <a:rPr lang="en-US" dirty="0"/>
+              <a:t>In each step</a:t>
+            </a:r>
+          </a:p>
+        </p:txBody>
+      </p:sp>
+      <p:sp>
+        <p:nvSpPr>
+          <p:cNvPr id="3" name="Inhaltsplatzhalter 2">
+            <a:extLst>
+              <a:ext uri="{FF2B5EF4-FFF2-40B4-BE49-F238E27FC236}">
+                <a16:creationId xmlns:a16="http://schemas.microsoft.com/office/drawing/2014/main" id="{95585F86-E91B-4947-B7FD-2870701F8929}"/>
+              </a:ext>
+            </a:extLst>
+          </p:cNvPr>
+          <p:cNvSpPr>
+            <a:spLocks noGrp="1"/>
+          </p:cNvSpPr>
+          <p:nvPr>
+            <p:ph idx="1"/>
+          </p:nvPr>
+        </p:nvSpPr>
+        <p:spPr/>
+        <p:txBody>
+          <a:bodyPr/>
+          <a:lstStyle/>
+          <a:p>
+            <a:r>
+              <a:rPr lang="en-US" dirty="0"/>
+              <a:t>A pair from the work set is processed</a:t>
+            </a:r>
+          </a:p>
+          <a:p>
+            <a:r>
+              <a:rPr lang="en-US" dirty="0"/>
+              <a:t>All pairs are missing for the property</a:t>
+            </a:r>
+          </a:p>
+          <a:p>
+            <a:pPr marL="0" indent="0">
+              <a:buNone/>
+            </a:pPr>
+            <a:r>
+              <a:rPr lang="pt-BR" dirty="0"/>
+              <a:t>		∀a∈set as. (nderiv a r, nderiv a s) ∈ R)</a:t>
+            </a:r>
+          </a:p>
+          <a:p>
+            <a:pPr marL="0" indent="0">
+              <a:buNone/>
+            </a:pPr>
+            <a:r>
+              <a:rPr lang="pt-BR" dirty="0"/>
+              <a:t>	are added to the work set</a:t>
+            </a:r>
+          </a:p>
+          <a:p>
+            <a:pPr marL="0" indent="0">
+              <a:buNone/>
+            </a:pPr>
+            <a:endParaRPr lang="pt-BR" dirty="0"/>
+          </a:p>
+          <a:p>
+            <a:pPr marL="0" indent="0">
+              <a:buNone/>
+            </a:pPr>
+            <a:r>
+              <a:rPr lang="pt-BR" dirty="0"/>
+              <a:t>“as” will be the set of atoms in the expressions (this does not change during execution)</a:t>
+            </a:r>
+            <a:endParaRPr lang="en-US" dirty="0"/>
+          </a:p>
+        </p:txBody>
+      </p:sp>
+    </p:spTree>
+    <p:extLst>
+      <p:ext uri="{BB962C8B-B14F-4D97-AF65-F5344CB8AC3E}">
+        <p14:creationId xmlns:p14="http://schemas.microsoft.com/office/powerpoint/2010/main" val="398589950"/>
+      </p:ext>
+    </p:extLst>
+  </p:cSld>
+  <p:clrMapOvr>
+    <a:masterClrMapping/>
+  </p:clrMapOvr>
+</p:sld>
+</file>
+
+<file path=ppt/slides/slide14.xml><?xml version="1.0" encoding="utf-8"?>
+<p:sld xmlns:a="http://schemas.openxmlformats.org/drawingml/2006/main" xmlns:r="http://schemas.openxmlformats.org/officeDocument/2006/relationships" xmlns:p="http://schemas.openxmlformats.org/presentationml/2006/main">
+  <p:cSld>
+    <p:spTree>
+      <p:nvGrpSpPr>
+        <p:cNvPr id="1" name=""/>
+        <p:cNvGrpSpPr/>
+        <p:nvPr/>
+      </p:nvGrpSpPr>
+      <p:grpSpPr>
+        <a:xfrm>
+          <a:off x="0" y="0"/>
+          <a:ext cx="0" cy="0"/>
+          <a:chOff x="0" y="0"/>
+          <a:chExt cx="0" cy="0"/>
+        </a:xfrm>
+      </p:grpSpPr>
+      <p:sp>
+        <p:nvSpPr>
+          <p:cNvPr id="2" name="Titel 1">
+            <a:extLst>
+              <a:ext uri="{FF2B5EF4-FFF2-40B4-BE49-F238E27FC236}">
+                <a16:creationId xmlns:a16="http://schemas.microsoft.com/office/drawing/2014/main" id="{D5D50EB3-B325-43FD-A071-2E053FCA58D5}"/>
+              </a:ext>
+            </a:extLst>
+          </p:cNvPr>
+          <p:cNvSpPr>
+            <a:spLocks noGrp="1"/>
+          </p:cNvSpPr>
+          <p:nvPr>
+            <p:ph type="title"/>
+          </p:nvPr>
+        </p:nvSpPr>
+        <p:spPr/>
+        <p:txBody>
+          <a:bodyPr/>
+          <a:lstStyle/>
+          <a:p>
+            <a:r>
+              <a:rPr lang="en-US" dirty="0"/>
+              <a:t>More Algorithm explanations</a:t>
+            </a:r>
+          </a:p>
+        </p:txBody>
+      </p:sp>
+      <p:sp>
+        <p:nvSpPr>
+          <p:cNvPr id="3" name="Inhaltsplatzhalter 2">
+            <a:extLst>
+              <a:ext uri="{FF2B5EF4-FFF2-40B4-BE49-F238E27FC236}">
+                <a16:creationId xmlns:a16="http://schemas.microsoft.com/office/drawing/2014/main" id="{13A3184E-D790-4B2E-BAE6-6BA74D9824B9}"/>
+              </a:ext>
+            </a:extLst>
+          </p:cNvPr>
+          <p:cNvSpPr>
+            <a:spLocks noGrp="1"/>
+          </p:cNvSpPr>
+          <p:nvPr>
+            <p:ph idx="1"/>
+          </p:nvPr>
+        </p:nvSpPr>
+        <p:spPr/>
+        <p:txBody>
+          <a:bodyPr/>
+          <a:lstStyle/>
+          <a:p>
+            <a:endParaRPr lang="en-US"/>
+          </a:p>
+        </p:txBody>
+      </p:sp>
+    </p:spTree>
+    <p:extLst>
+      <p:ext uri="{BB962C8B-B14F-4D97-AF65-F5344CB8AC3E}">
+        <p14:creationId xmlns:p14="http://schemas.microsoft.com/office/powerpoint/2010/main" val="866920259"/>
+      </p:ext>
+    </p:extLst>
+  </p:cSld>
+  <p:clrMapOvr>
+    <a:masterClrMapping/>
+  </p:clrMapOvr>
+</p:sld>
+</file>
+
+<file path=ppt/slides/slide15.xml><?xml version="1.0" encoding="utf-8"?>
+<p:sld xmlns:a="http://schemas.openxmlformats.org/drawingml/2006/main" xmlns:r="http://schemas.openxmlformats.org/officeDocument/2006/relationships" xmlns:p="http://schemas.openxmlformats.org/presentationml/2006/main">
+  <p:cSld>
+    <p:spTree>
+      <p:nvGrpSpPr>
+        <p:cNvPr id="1" name=""/>
+        <p:cNvGrpSpPr/>
+        <p:nvPr/>
+      </p:nvGrpSpPr>
+      <p:grpSpPr>
+        <a:xfrm>
+          <a:off x="0" y="0"/>
+          <a:ext cx="0" cy="0"/>
+          <a:chOff x="0" y="0"/>
+          <a:chExt cx="0" cy="0"/>
+        </a:xfrm>
+      </p:grpSpPr>
+      <p:sp>
+        <p:nvSpPr>
+          <p:cNvPr id="2" name="Titel 1">
+            <a:extLst>
+              <a:ext uri="{FF2B5EF4-FFF2-40B4-BE49-F238E27FC236}">
+                <a16:creationId xmlns:a16="http://schemas.microsoft.com/office/drawing/2014/main" id="{D5D50EB3-B325-43FD-A071-2E053FCA58D5}"/>
+              </a:ext>
+            </a:extLst>
+          </p:cNvPr>
+          <p:cNvSpPr>
+            <a:spLocks noGrp="1"/>
+          </p:cNvSpPr>
+          <p:nvPr>
+            <p:ph type="title"/>
+          </p:nvPr>
+        </p:nvSpPr>
+        <p:spPr/>
+        <p:txBody>
+          <a:bodyPr/>
+          <a:lstStyle/>
+          <a:p>
+            <a:r>
+              <a:rPr lang="en-US" dirty="0"/>
+              <a:t>More Algorithm explanations</a:t>
+            </a:r>
+          </a:p>
+        </p:txBody>
+      </p:sp>
+      <p:sp>
+        <p:nvSpPr>
+          <p:cNvPr id="3" name="Inhaltsplatzhalter 2">
+            <a:extLst>
+              <a:ext uri="{FF2B5EF4-FFF2-40B4-BE49-F238E27FC236}">
+                <a16:creationId xmlns:a16="http://schemas.microsoft.com/office/drawing/2014/main" id="{13A3184E-D790-4B2E-BAE6-6BA74D9824B9}"/>
+              </a:ext>
+            </a:extLst>
+          </p:cNvPr>
+          <p:cNvSpPr>
+            <a:spLocks noGrp="1"/>
+          </p:cNvSpPr>
+          <p:nvPr>
+            <p:ph idx="1"/>
+          </p:nvPr>
+        </p:nvSpPr>
+        <p:spPr/>
+        <p:txBody>
+          <a:bodyPr/>
+          <a:lstStyle/>
+          <a:p>
+            <a:endParaRPr lang="en-US"/>
+          </a:p>
+        </p:txBody>
+      </p:sp>
+    </p:spTree>
+    <p:extLst>
+      <p:ext uri="{BB962C8B-B14F-4D97-AF65-F5344CB8AC3E}">
+        <p14:creationId xmlns:p14="http://schemas.microsoft.com/office/powerpoint/2010/main" val="1103329531"/>
+      </p:ext>
+    </p:extLst>
+  </p:cSld>
+  <p:clrMapOvr>
+    <a:masterClrMapping/>
+  </p:clrMapOvr>
+</p:sld>
+</file>
+
+<file path=ppt/slides/slide16.xml><?xml version="1.0" encoding="utf-8"?>
+<p:sld xmlns:a="http://schemas.openxmlformats.org/drawingml/2006/main" xmlns:r="http://schemas.openxmlformats.org/officeDocument/2006/relationships" xmlns:p="http://schemas.openxmlformats.org/presentationml/2006/main">
+  <p:cSld>
+    <p:spTree>
+      <p:nvGrpSpPr>
+        <p:cNvPr id="1" name=""/>
+        <p:cNvGrpSpPr/>
+        <p:nvPr/>
+      </p:nvGrpSpPr>
+      <p:grpSpPr>
+        <a:xfrm>
+          <a:off x="0" y="0"/>
+          <a:ext cx="0" cy="0"/>
+          <a:chOff x="0" y="0"/>
+          <a:chExt cx="0" cy="0"/>
+        </a:xfrm>
+      </p:grpSpPr>
+      <p:sp>
+        <p:nvSpPr>
+          <p:cNvPr id="2" name="Titel 1">
+            <a:extLst>
+              <a:ext uri="{FF2B5EF4-FFF2-40B4-BE49-F238E27FC236}">
+                <a16:creationId xmlns:a16="http://schemas.microsoft.com/office/drawing/2014/main" id="{7E545568-004C-4426-9618-E5B4001137F9}"/>
+              </a:ext>
+            </a:extLst>
+          </p:cNvPr>
+          <p:cNvSpPr>
+            <a:spLocks noGrp="1"/>
+          </p:cNvSpPr>
+          <p:nvPr>
+            <p:ph type="title"/>
+          </p:nvPr>
+        </p:nvSpPr>
+        <p:spPr/>
+        <p:txBody>
+          <a:bodyPr/>
+          <a:lstStyle/>
+          <a:p>
+            <a:r>
+              <a:rPr lang="en-US" dirty="0"/>
+              <a:t>Closure computation</a:t>
+            </a:r>
+          </a:p>
+        </p:txBody>
+      </p:sp>
+      <p:sp>
+        <p:nvSpPr>
+          <p:cNvPr id="3" name="Inhaltsplatzhalter 2">
+            <a:extLst>
+              <a:ext uri="{FF2B5EF4-FFF2-40B4-BE49-F238E27FC236}">
+                <a16:creationId xmlns:a16="http://schemas.microsoft.com/office/drawing/2014/main" id="{586033B4-AF90-4560-A2E5-9FB163B244C7}"/>
+              </a:ext>
+            </a:extLst>
+          </p:cNvPr>
+          <p:cNvSpPr>
+            <a:spLocks noGrp="1"/>
+          </p:cNvSpPr>
+          <p:nvPr>
+            <p:ph idx="1"/>
+          </p:nvPr>
+        </p:nvSpPr>
+        <p:spPr/>
+        <p:txBody>
+          <a:bodyPr/>
+          <a:lstStyle/>
+          <a:p>
+            <a:endParaRPr lang="en-US" dirty="0"/>
+          </a:p>
+          <a:p>
+            <a:endParaRPr lang="en-US" dirty="0"/>
+          </a:p>
+          <a:p>
+            <a:endParaRPr lang="en-US" dirty="0"/>
+          </a:p>
+          <a:p>
+            <a:r>
+              <a:rPr lang="en-US" dirty="0"/>
+              <a:t>terminates if either</a:t>
+            </a:r>
+          </a:p>
+          <a:p>
+            <a:pPr lvl="1"/>
+            <a:r>
+              <a:rPr lang="en-US" dirty="0"/>
+              <a:t>the work set is empty (</a:t>
+            </a:r>
+            <a:r>
+              <a:rPr lang="en-US" dirty="0" err="1"/>
+              <a:t>bisimulation</a:t>
+            </a:r>
+            <a:r>
+              <a:rPr lang="en-US" dirty="0"/>
+              <a:t> constructed)</a:t>
+            </a:r>
+          </a:p>
+          <a:p>
+            <a:pPr lvl="1"/>
+            <a:r>
+              <a:rPr lang="en-US" dirty="0"/>
+              <a:t>a nonequivalent pair of REs is to be processed (counterexample found)</a:t>
+            </a:r>
+          </a:p>
+        </p:txBody>
+      </p:sp>
+    </p:spTree>
+    <p:extLst>
+      <p:ext uri="{BB962C8B-B14F-4D97-AF65-F5344CB8AC3E}">
+        <p14:creationId xmlns:p14="http://schemas.microsoft.com/office/powerpoint/2010/main" val="1786495179"/>
+      </p:ext>
+    </p:extLst>
+  </p:cSld>
+  <p:clrMapOvr>
+    <a:masterClrMapping/>
+  </p:clrMapOvr>
+</p:sld>
+</file>
+
+<file path=ppt/slides/slide17.xml><?xml version="1.0" encoding="utf-8"?>
+<p:sld xmlns:a="http://schemas.openxmlformats.org/drawingml/2006/main" xmlns:r="http://schemas.openxmlformats.org/officeDocument/2006/relationships" xmlns:p="http://schemas.openxmlformats.org/presentationml/2006/main">
+  <p:cSld>
+    <p:spTree>
+      <p:nvGrpSpPr>
+        <p:cNvPr id="1" name=""/>
+        <p:cNvGrpSpPr/>
+        <p:nvPr/>
+      </p:nvGrpSpPr>
+      <p:grpSpPr>
+        <a:xfrm>
+          <a:off x="0" y="0"/>
+          <a:ext cx="0" cy="0"/>
+          <a:chOff x="0" y="0"/>
+          <a:chExt cx="0" cy="0"/>
+        </a:xfrm>
+      </p:grpSpPr>
+      <p:sp>
+        <p:nvSpPr>
+          <p:cNvPr id="2" name="Titel 1">
+            <a:extLst>
+              <a:ext uri="{FF2B5EF4-FFF2-40B4-BE49-F238E27FC236}">
+                <a16:creationId xmlns:a16="http://schemas.microsoft.com/office/drawing/2014/main" id="{C2BD6476-74CB-4A4F-8A71-ABCEDDC496FB}"/>
+              </a:ext>
+            </a:extLst>
+          </p:cNvPr>
+          <p:cNvSpPr>
+            <a:spLocks noGrp="1"/>
+          </p:cNvSpPr>
+          <p:nvPr>
+            <p:ph type="title"/>
+          </p:nvPr>
+        </p:nvSpPr>
+        <p:spPr/>
+        <p:txBody>
+          <a:bodyPr/>
+          <a:lstStyle/>
+          <a:p>
+            <a:r>
+              <a:rPr lang="en-US" noProof="0" dirty="0"/>
+              <a:t>Usage of functional Data Structures</a:t>
+            </a:r>
+          </a:p>
+        </p:txBody>
+      </p:sp>
+      <p:sp>
+        <p:nvSpPr>
+          <p:cNvPr id="3" name="Inhaltsplatzhalter 2">
+            <a:extLst>
+              <a:ext uri="{FF2B5EF4-FFF2-40B4-BE49-F238E27FC236}">
+                <a16:creationId xmlns:a16="http://schemas.microsoft.com/office/drawing/2014/main" id="{D326FAB2-8951-4369-9572-88B30C7D126A}"/>
+              </a:ext>
+            </a:extLst>
+          </p:cNvPr>
+          <p:cNvSpPr>
+            <a:spLocks noGrp="1"/>
+          </p:cNvSpPr>
+          <p:nvPr>
+            <p:ph idx="1"/>
+          </p:nvPr>
+        </p:nvSpPr>
+        <p:spPr/>
+        <p:txBody>
+          <a:bodyPr/>
+          <a:lstStyle/>
+          <a:p>
+            <a:r>
+              <a:rPr lang="en-US" noProof="0" dirty="0"/>
+              <a:t>to-do?</a:t>
+            </a:r>
+          </a:p>
+        </p:txBody>
+      </p:sp>
+    </p:spTree>
+    <p:extLst>
+      <p:ext uri="{BB962C8B-B14F-4D97-AF65-F5344CB8AC3E}">
+        <p14:creationId xmlns:p14="http://schemas.microsoft.com/office/powerpoint/2010/main" val="1306226194"/>
+      </p:ext>
+    </p:extLst>
+  </p:cSld>
+  <p:clrMapOvr>
+    <a:masterClrMapping/>
+  </p:clrMapOvr>
+</p:sld>
+</file>
+
+<file path=ppt/slides/slide18.xml><?xml version="1.0" encoding="utf-8"?>
+<p:sld xmlns:a="http://schemas.openxmlformats.org/drawingml/2006/main" xmlns:r="http://schemas.openxmlformats.org/officeDocument/2006/relationships" xmlns:p="http://schemas.openxmlformats.org/presentationml/2006/main">
+  <p:cSld>
+    <p:spTree>
+      <p:nvGrpSpPr>
+        <p:cNvPr id="1" name=""/>
+        <p:cNvGrpSpPr/>
+        <p:nvPr/>
+      </p:nvGrpSpPr>
+      <p:grpSpPr>
+        <a:xfrm>
+          <a:off x="0" y="0"/>
+          <a:ext cx="0" cy="0"/>
+          <a:chOff x="0" y="0"/>
+          <a:chExt cx="0" cy="0"/>
+        </a:xfrm>
+      </p:grpSpPr>
+      <p:sp>
+        <p:nvSpPr>
+          <p:cNvPr id="2" name="Titel 1">
+            <a:extLst>
+              <a:ext uri="{FF2B5EF4-FFF2-40B4-BE49-F238E27FC236}">
+                <a16:creationId xmlns:a16="http://schemas.microsoft.com/office/drawing/2014/main" id="{59569334-A0FE-40EA-BDDD-A2A29AE45091}"/>
+              </a:ext>
+            </a:extLst>
+          </p:cNvPr>
+          <p:cNvSpPr>
+            <a:spLocks noGrp="1"/>
+          </p:cNvSpPr>
+          <p:nvPr>
+            <p:ph type="title"/>
+          </p:nvPr>
+        </p:nvSpPr>
+        <p:spPr>
+          <a:xfrm>
+            <a:off x="838200" y="500062"/>
+            <a:ext cx="10515600" cy="1325563"/>
+          </a:xfrm>
+        </p:spPr>
+        <p:txBody>
+          <a:bodyPr/>
+          <a:lstStyle/>
+          <a:p>
+            <a:r>
+              <a:rPr lang="en-US" dirty="0"/>
+              <a:t>Beyond equalities</a:t>
+            </a:r>
+          </a:p>
+        </p:txBody>
+      </p:sp>
+      <p:sp>
+        <p:nvSpPr>
+          <p:cNvPr id="3" name="Inhaltsplatzhalter 2">
+            <a:extLst>
+              <a:ext uri="{FF2B5EF4-FFF2-40B4-BE49-F238E27FC236}">
+                <a16:creationId xmlns:a16="http://schemas.microsoft.com/office/drawing/2014/main" id="{0B2D375E-2899-4374-BCEE-D51338A18CDB}"/>
+              </a:ext>
+            </a:extLst>
+          </p:cNvPr>
+          <p:cNvSpPr txBox="1">
+            <a:spLocks/>
+          </p:cNvSpPr>
+          <p:nvPr/>
+        </p:nvSpPr>
+        <p:spPr>
+          <a:xfrm>
+            <a:off x="838200" y="1825625"/>
+            <a:ext cx="10515600" cy="4351338"/>
+          </a:xfrm>
+          <a:prstGeom prst="rect">
+            <a:avLst/>
+          </a:prstGeom>
+        </p:spPr>
+        <p:txBody>
+          <a:bodyPr/>
+          <a:lstStyle>
+            <a:lvl1pPr marL="228600" indent="-228600" algn="l" defTabSz="914400" rtl="0" eaLnBrk="1" latinLnBrk="0" hangingPunct="1">
+              <a:lnSpc>
+                <a:spcPct val="90000"/>
+              </a:lnSpc>
+              <a:spcBef>
+                <a:spcPts val="1000"/>
+              </a:spcBef>
+              <a:buFont typeface="Arial" panose="020B0604020202020204" pitchFamily="34" charset="0"/>
+              <a:buChar char="•"/>
+              <a:defRPr sz="2800" kern="1200">
+                <a:solidFill>
+                  <a:schemeClr val="tx1"/>
+                </a:solidFill>
+                <a:latin typeface="+mn-lt"/>
+                <a:ea typeface="+mn-ea"/>
+                <a:cs typeface="+mn-cs"/>
+              </a:defRPr>
+            </a:lvl1pPr>
+            <a:lvl2pPr marL="685800" indent="-228600" algn="l" defTabSz="914400" rtl="0" eaLnBrk="1" latinLnBrk="0" hangingPunct="1">
+              <a:lnSpc>
+                <a:spcPct val="90000"/>
+              </a:lnSpc>
+              <a:spcBef>
+                <a:spcPts val="500"/>
+              </a:spcBef>
+              <a:buFont typeface="Arial" panose="020B0604020202020204" pitchFamily="34" charset="0"/>
+              <a:buChar char="•"/>
+              <a:defRPr sz="2400" kern="1200">
+                <a:solidFill>
+                  <a:schemeClr val="tx1"/>
+                </a:solidFill>
+                <a:latin typeface="+mn-lt"/>
+                <a:ea typeface="+mn-ea"/>
+                <a:cs typeface="+mn-cs"/>
+              </a:defRPr>
+            </a:lvl2pPr>
+            <a:lvl3pPr marL="1143000" indent="-228600" algn="l" defTabSz="914400" rtl="0" eaLnBrk="1" latinLnBrk="0" hangingPunct="1">
+              <a:lnSpc>
+                <a:spcPct val="90000"/>
+              </a:lnSpc>
+              <a:spcBef>
+                <a:spcPts val="500"/>
+              </a:spcBef>
+              <a:buFont typeface="Arial" panose="020B0604020202020204" pitchFamily="34" charset="0"/>
+              <a:buChar char="•"/>
+              <a:defRPr sz="2000" kern="1200">
+                <a:solidFill>
+                  <a:schemeClr val="tx1"/>
+                </a:solidFill>
+                <a:latin typeface="+mn-lt"/>
+                <a:ea typeface="+mn-ea"/>
+                <a:cs typeface="+mn-cs"/>
+              </a:defRPr>
+            </a:lvl3pPr>
+            <a:lvl4pPr marL="1600200" indent="-228600" algn="l" defTabSz="914400" rtl="0" eaLnBrk="1" latinLnBrk="0" hangingPunct="1">
+              <a:lnSpc>
+                <a:spcPct val="90000"/>
+              </a:lnSpc>
+              <a:spcBef>
+                <a:spcPts val="500"/>
+              </a:spcBef>
+              <a:buFont typeface="Arial" panose="020B0604020202020204" pitchFamily="34" charset="0"/>
+              <a:buChar char="•"/>
+              <a:defRPr sz="1800" kern="1200">
+                <a:solidFill>
+                  <a:schemeClr val="tx1"/>
+                </a:solidFill>
+                <a:latin typeface="+mn-lt"/>
+                <a:ea typeface="+mn-ea"/>
+                <a:cs typeface="+mn-cs"/>
+              </a:defRPr>
+            </a:lvl4pPr>
+            <a:lvl5pPr marL="2057400" indent="-228600" algn="l" defTabSz="914400" rtl="0" eaLnBrk="1" latinLnBrk="0" hangingPunct="1">
+              <a:lnSpc>
+                <a:spcPct val="90000"/>
+              </a:lnSpc>
+              <a:spcBef>
+                <a:spcPts val="500"/>
+              </a:spcBef>
+              <a:buFont typeface="Arial" panose="020B0604020202020204" pitchFamily="34" charset="0"/>
+              <a:buChar char="•"/>
+              <a:defRPr sz="1800" kern="1200">
+                <a:solidFill>
+                  <a:schemeClr val="tx1"/>
+                </a:solidFill>
+                <a:latin typeface="+mn-lt"/>
+                <a:ea typeface="+mn-ea"/>
+                <a:cs typeface="+mn-cs"/>
+              </a:defRPr>
+            </a:lvl5pPr>
+            <a:lvl6pPr marL="2514600" indent="-228600" algn="l" defTabSz="914400" rtl="0" eaLnBrk="1" latinLnBrk="0" hangingPunct="1">
+              <a:lnSpc>
+                <a:spcPct val="90000"/>
+              </a:lnSpc>
+              <a:spcBef>
+                <a:spcPts val="500"/>
+              </a:spcBef>
+              <a:buFont typeface="Arial" panose="020B0604020202020204" pitchFamily="34" charset="0"/>
+              <a:buChar char="•"/>
+              <a:defRPr sz="1800" kern="1200">
+                <a:solidFill>
+                  <a:schemeClr val="tx1"/>
+                </a:solidFill>
+                <a:latin typeface="+mn-lt"/>
+                <a:ea typeface="+mn-ea"/>
+                <a:cs typeface="+mn-cs"/>
+              </a:defRPr>
+            </a:lvl6pPr>
+            <a:lvl7pPr marL="2971800" indent="-228600" algn="l" defTabSz="914400" rtl="0" eaLnBrk="1" latinLnBrk="0" hangingPunct="1">
+              <a:lnSpc>
+                <a:spcPct val="90000"/>
+              </a:lnSpc>
+              <a:spcBef>
+                <a:spcPts val="500"/>
+              </a:spcBef>
+              <a:buFont typeface="Arial" panose="020B0604020202020204" pitchFamily="34" charset="0"/>
+              <a:buChar char="•"/>
+              <a:defRPr sz="1800" kern="1200">
+                <a:solidFill>
+                  <a:schemeClr val="tx1"/>
+                </a:solidFill>
+                <a:latin typeface="+mn-lt"/>
+                <a:ea typeface="+mn-ea"/>
+                <a:cs typeface="+mn-cs"/>
+              </a:defRPr>
+            </a:lvl7pPr>
+            <a:lvl8pPr marL="3429000" indent="-228600" algn="l" defTabSz="914400" rtl="0" eaLnBrk="1" latinLnBrk="0" hangingPunct="1">
+              <a:lnSpc>
+                <a:spcPct val="90000"/>
+              </a:lnSpc>
+              <a:spcBef>
+                <a:spcPts val="500"/>
+              </a:spcBef>
+              <a:buFont typeface="Arial" panose="020B0604020202020204" pitchFamily="34" charset="0"/>
+              <a:buChar char="•"/>
+              <a:defRPr sz="1800" kern="1200">
+                <a:solidFill>
+                  <a:schemeClr val="tx1"/>
+                </a:solidFill>
+                <a:latin typeface="+mn-lt"/>
+                <a:ea typeface="+mn-ea"/>
+                <a:cs typeface="+mn-cs"/>
+              </a:defRPr>
+            </a:lvl8pPr>
+            <a:lvl9pPr marL="3886200" indent="-228600" algn="l" defTabSz="914400" rtl="0" eaLnBrk="1" latinLnBrk="0" hangingPunct="1">
+              <a:lnSpc>
+                <a:spcPct val="90000"/>
+              </a:lnSpc>
+              <a:spcBef>
+                <a:spcPts val="500"/>
+              </a:spcBef>
+              <a:buFont typeface="Arial" panose="020B0604020202020204" pitchFamily="34" charset="0"/>
+              <a:buChar char="•"/>
+              <a:defRPr sz="1800" kern="1200">
+                <a:solidFill>
+                  <a:schemeClr val="tx1"/>
+                </a:solidFill>
+                <a:latin typeface="+mn-lt"/>
+                <a:ea typeface="+mn-ea"/>
+                <a:cs typeface="+mn-cs"/>
+              </a:defRPr>
+            </a:lvl9pPr>
+          </a:lstStyle>
+          <a:p>
+            <a:endParaRPr lang="en-US" dirty="0"/>
+          </a:p>
+        </p:txBody>
+      </p:sp>
+      <p:sp>
+        <p:nvSpPr>
+          <p:cNvPr id="4" name="Inhaltsplatzhalter 2">
+            <a:extLst>
+              <a:ext uri="{FF2B5EF4-FFF2-40B4-BE49-F238E27FC236}">
+                <a16:creationId xmlns:a16="http://schemas.microsoft.com/office/drawing/2014/main" id="{A8D12E2C-7FF9-4233-8169-CE9B2952B379}"/>
+              </a:ext>
+            </a:extLst>
+          </p:cNvPr>
+          <p:cNvSpPr txBox="1">
+            <a:spLocks/>
+          </p:cNvSpPr>
+          <p:nvPr/>
+        </p:nvSpPr>
+        <p:spPr>
+          <a:xfrm>
+            <a:off x="838200" y="1963035"/>
+            <a:ext cx="10515600" cy="4351338"/>
+          </a:xfrm>
+          <a:prstGeom prst="rect">
+            <a:avLst/>
+          </a:prstGeom>
+        </p:spPr>
+        <p:txBody>
+          <a:bodyPr/>
+          <a:lstStyle>
+            <a:lvl1pPr marL="228600" indent="-228600" algn="l" defTabSz="914400" rtl="0" eaLnBrk="1" latinLnBrk="0" hangingPunct="1">
+              <a:lnSpc>
+                <a:spcPct val="90000"/>
+              </a:lnSpc>
+              <a:spcBef>
+                <a:spcPts val="1000"/>
+              </a:spcBef>
+              <a:buFont typeface="Arial" panose="020B0604020202020204" pitchFamily="34" charset="0"/>
+              <a:buChar char="•"/>
+              <a:defRPr sz="2800" kern="1200">
+                <a:solidFill>
+                  <a:schemeClr val="tx1"/>
+                </a:solidFill>
+                <a:latin typeface="+mn-lt"/>
+                <a:ea typeface="+mn-ea"/>
+                <a:cs typeface="+mn-cs"/>
+              </a:defRPr>
+            </a:lvl1pPr>
+            <a:lvl2pPr marL="685800" indent="-228600" algn="l" defTabSz="914400" rtl="0" eaLnBrk="1" latinLnBrk="0" hangingPunct="1">
+              <a:lnSpc>
+                <a:spcPct val="90000"/>
+              </a:lnSpc>
+              <a:spcBef>
+                <a:spcPts val="500"/>
+              </a:spcBef>
+              <a:buFont typeface="Arial" panose="020B0604020202020204" pitchFamily="34" charset="0"/>
+              <a:buChar char="•"/>
+              <a:defRPr sz="2400" kern="1200">
+                <a:solidFill>
+                  <a:schemeClr val="tx1"/>
+                </a:solidFill>
+                <a:latin typeface="+mn-lt"/>
+                <a:ea typeface="+mn-ea"/>
+                <a:cs typeface="+mn-cs"/>
+              </a:defRPr>
+            </a:lvl2pPr>
+            <a:lvl3pPr marL="1143000" indent="-228600" algn="l" defTabSz="914400" rtl="0" eaLnBrk="1" latinLnBrk="0" hangingPunct="1">
+              <a:lnSpc>
+                <a:spcPct val="90000"/>
+              </a:lnSpc>
+              <a:spcBef>
+                <a:spcPts val="500"/>
+              </a:spcBef>
+              <a:buFont typeface="Arial" panose="020B0604020202020204" pitchFamily="34" charset="0"/>
+              <a:buChar char="•"/>
+              <a:defRPr sz="2000" kern="1200">
+                <a:solidFill>
+                  <a:schemeClr val="tx1"/>
+                </a:solidFill>
+                <a:latin typeface="+mn-lt"/>
+                <a:ea typeface="+mn-ea"/>
+                <a:cs typeface="+mn-cs"/>
+              </a:defRPr>
+            </a:lvl3pPr>
+            <a:lvl4pPr marL="1600200" indent="-228600" algn="l" defTabSz="914400" rtl="0" eaLnBrk="1" latinLnBrk="0" hangingPunct="1">
+              <a:lnSpc>
+                <a:spcPct val="90000"/>
+              </a:lnSpc>
+              <a:spcBef>
+                <a:spcPts val="500"/>
+              </a:spcBef>
+              <a:buFont typeface="Arial" panose="020B0604020202020204" pitchFamily="34" charset="0"/>
+              <a:buChar char="•"/>
+              <a:defRPr sz="1800" kern="1200">
+                <a:solidFill>
+                  <a:schemeClr val="tx1"/>
+                </a:solidFill>
+                <a:latin typeface="+mn-lt"/>
+                <a:ea typeface="+mn-ea"/>
+                <a:cs typeface="+mn-cs"/>
+              </a:defRPr>
+            </a:lvl4pPr>
+            <a:lvl5pPr marL="2057400" indent="-228600" algn="l" defTabSz="914400" rtl="0" eaLnBrk="1" latinLnBrk="0" hangingPunct="1">
+              <a:lnSpc>
+                <a:spcPct val="90000"/>
+              </a:lnSpc>
+              <a:spcBef>
+                <a:spcPts val="500"/>
+              </a:spcBef>
+              <a:buFont typeface="Arial" panose="020B0604020202020204" pitchFamily="34" charset="0"/>
+              <a:buChar char="•"/>
+              <a:defRPr sz="1800" kern="1200">
+                <a:solidFill>
+                  <a:schemeClr val="tx1"/>
+                </a:solidFill>
+                <a:latin typeface="+mn-lt"/>
+                <a:ea typeface="+mn-ea"/>
+                <a:cs typeface="+mn-cs"/>
+              </a:defRPr>
+            </a:lvl5pPr>
+            <a:lvl6pPr marL="2514600" indent="-228600" algn="l" defTabSz="914400" rtl="0" eaLnBrk="1" latinLnBrk="0" hangingPunct="1">
+              <a:lnSpc>
+                <a:spcPct val="90000"/>
+              </a:lnSpc>
+              <a:spcBef>
+                <a:spcPts val="500"/>
+              </a:spcBef>
+              <a:buFont typeface="Arial" panose="020B0604020202020204" pitchFamily="34" charset="0"/>
+              <a:buChar char="•"/>
+              <a:defRPr sz="1800" kern="1200">
+                <a:solidFill>
+                  <a:schemeClr val="tx1"/>
+                </a:solidFill>
+                <a:latin typeface="+mn-lt"/>
+                <a:ea typeface="+mn-ea"/>
+                <a:cs typeface="+mn-cs"/>
+              </a:defRPr>
+            </a:lvl6pPr>
+            <a:lvl7pPr marL="2971800" indent="-228600" algn="l" defTabSz="914400" rtl="0" eaLnBrk="1" latinLnBrk="0" hangingPunct="1">
+              <a:lnSpc>
+                <a:spcPct val="90000"/>
+              </a:lnSpc>
+              <a:spcBef>
+                <a:spcPts val="500"/>
+              </a:spcBef>
+              <a:buFont typeface="Arial" panose="020B0604020202020204" pitchFamily="34" charset="0"/>
+              <a:buChar char="•"/>
+              <a:defRPr sz="1800" kern="1200">
+                <a:solidFill>
+                  <a:schemeClr val="tx1"/>
+                </a:solidFill>
+                <a:latin typeface="+mn-lt"/>
+                <a:ea typeface="+mn-ea"/>
+                <a:cs typeface="+mn-cs"/>
+              </a:defRPr>
+            </a:lvl7pPr>
+            <a:lvl8pPr marL="3429000" indent="-228600" algn="l" defTabSz="914400" rtl="0" eaLnBrk="1" latinLnBrk="0" hangingPunct="1">
+              <a:lnSpc>
+                <a:spcPct val="90000"/>
+              </a:lnSpc>
+              <a:spcBef>
+                <a:spcPts val="500"/>
+              </a:spcBef>
+              <a:buFont typeface="Arial" panose="020B0604020202020204" pitchFamily="34" charset="0"/>
+              <a:buChar char="•"/>
+              <a:defRPr sz="1800" kern="1200">
+                <a:solidFill>
+                  <a:schemeClr val="tx1"/>
+                </a:solidFill>
+                <a:latin typeface="+mn-lt"/>
+                <a:ea typeface="+mn-ea"/>
+                <a:cs typeface="+mn-cs"/>
+              </a:defRPr>
+            </a:lvl8pPr>
+            <a:lvl9pPr marL="3886200" indent="-228600" algn="l" defTabSz="914400" rtl="0" eaLnBrk="1" latinLnBrk="0" hangingPunct="1">
+              <a:lnSpc>
+                <a:spcPct val="90000"/>
+              </a:lnSpc>
+              <a:spcBef>
+                <a:spcPts val="500"/>
+              </a:spcBef>
+              <a:buFont typeface="Arial" panose="020B0604020202020204" pitchFamily="34" charset="0"/>
+              <a:buChar char="•"/>
+              <a:defRPr sz="1800" kern="1200">
+                <a:solidFill>
+                  <a:schemeClr val="tx1"/>
+                </a:solidFill>
+                <a:latin typeface="+mn-lt"/>
+                <a:ea typeface="+mn-ea"/>
+                <a:cs typeface="+mn-cs"/>
+              </a:defRPr>
+            </a:lvl9pPr>
+          </a:lstStyle>
+          <a:p>
+            <a:r>
+              <a:rPr lang="en-US" dirty="0"/>
+              <a:t>“⊆” can be solved easily</a:t>
+            </a:r>
+          </a:p>
+          <a:p>
+            <a:endParaRPr lang="en-US" dirty="0"/>
+          </a:p>
+          <a:p>
+            <a:r>
+              <a:rPr lang="en-US" dirty="0"/>
+              <a:t>  ¬”≡” should really be stated differently, even though decidable</a:t>
+            </a:r>
+          </a:p>
+          <a:p>
+            <a:pPr marL="0" indent="0">
+              <a:buNone/>
+            </a:pPr>
+            <a:r>
+              <a:rPr lang="en-US" dirty="0"/>
+              <a:t>	e.g. w </a:t>
+            </a:r>
+            <a:r>
+              <a:rPr lang="pt-BR" dirty="0"/>
+              <a:t>∈</a:t>
+            </a:r>
+            <a:r>
+              <a:rPr lang="en-US" dirty="0"/>
+              <a:t> A \ B</a:t>
+            </a:r>
+          </a:p>
+          <a:p>
+            <a:endParaRPr lang="en-US" dirty="0"/>
+          </a:p>
+          <a:p>
+            <a:r>
+              <a:rPr lang="en-US" dirty="0"/>
+              <a:t>Relation algebras</a:t>
+            </a:r>
+          </a:p>
+          <a:p>
+            <a:endParaRPr lang="en-US" dirty="0"/>
+          </a:p>
+        </p:txBody>
+      </p:sp>
+    </p:spTree>
+    <p:extLst>
+      <p:ext uri="{BB962C8B-B14F-4D97-AF65-F5344CB8AC3E}">
+        <p14:creationId xmlns:p14="http://schemas.microsoft.com/office/powerpoint/2010/main" val="1337841628"/>
+      </p:ext>
+    </p:extLst>
+  </p:cSld>
+  <p:clrMapOvr>
+    <a:masterClrMapping/>
+  </p:clrMapOvr>
+</p:sld>
+</file>
+
+<file path=ppt/slides/slide19.xml><?xml version="1.0" encoding="utf-8"?>
+<p:sld xmlns:a="http://schemas.openxmlformats.org/drawingml/2006/main" xmlns:r="http://schemas.openxmlformats.org/officeDocument/2006/relationships" xmlns:p="http://schemas.openxmlformats.org/presentationml/2006/main">
+  <p:cSld>
+    <p:spTree>
+      <p:nvGrpSpPr>
+        <p:cNvPr id="1" name=""/>
+        <p:cNvGrpSpPr/>
+        <p:nvPr/>
+      </p:nvGrpSpPr>
+      <p:grpSpPr>
+        <a:xfrm>
+          <a:off x="0" y="0"/>
+          <a:ext cx="0" cy="0"/>
+          <a:chOff x="0" y="0"/>
+          <a:chExt cx="0" cy="0"/>
+        </a:xfrm>
+      </p:grpSpPr>
+      <p:sp>
+        <p:nvSpPr>
+          <p:cNvPr id="2" name="Titel 1">
+            <a:extLst>
+              <a:ext uri="{FF2B5EF4-FFF2-40B4-BE49-F238E27FC236}">
+                <a16:creationId xmlns:a16="http://schemas.microsoft.com/office/drawing/2014/main" id="{96EB362D-D17C-4E3D-9CD7-7823E8C03145}"/>
+              </a:ext>
+            </a:extLst>
+          </p:cNvPr>
+          <p:cNvSpPr>
+            <a:spLocks noGrp="1"/>
+          </p:cNvSpPr>
+          <p:nvPr>
+            <p:ph type="title"/>
+          </p:nvPr>
+        </p:nvSpPr>
+        <p:spPr/>
+        <p:txBody>
+          <a:bodyPr/>
+          <a:lstStyle/>
+          <a:p>
+            <a:r>
+              <a:rPr lang="en-US" dirty="0"/>
+              <a:t>Reflection due to Boyer and Moore</a:t>
+            </a:r>
+          </a:p>
+        </p:txBody>
+      </p:sp>
+      <p:sp>
+        <p:nvSpPr>
+          <p:cNvPr id="3" name="Inhaltsplatzhalter 2">
+            <a:extLst>
+              <a:ext uri="{FF2B5EF4-FFF2-40B4-BE49-F238E27FC236}">
+                <a16:creationId xmlns:a16="http://schemas.microsoft.com/office/drawing/2014/main" id="{83293F5C-A135-4664-8889-3FB54EAB0968}"/>
+              </a:ext>
+            </a:extLst>
+          </p:cNvPr>
+          <p:cNvSpPr>
+            <a:spLocks noGrp="1"/>
+          </p:cNvSpPr>
+          <p:nvPr>
+            <p:ph idx="1"/>
+          </p:nvPr>
+        </p:nvSpPr>
+        <p:spPr/>
+        <p:txBody>
+          <a:bodyPr/>
+          <a:lstStyle/>
+          <a:p>
+            <a:r>
+              <a:rPr lang="en-US" dirty="0"/>
+              <a:t>one atom for every relation: &lt;0&gt;, &lt;1&gt;, …</a:t>
+            </a:r>
+          </a:p>
+          <a:p>
+            <a:endParaRPr lang="en-US" dirty="0"/>
+          </a:p>
+          <a:p>
+            <a:r>
+              <a:rPr lang="en-US" dirty="0"/>
+              <a:t>goal (R* ◦ S* ◦ T)* = (R ∪ S ∪ T)*</a:t>
+            </a:r>
+          </a:p>
+          <a:p>
+            <a:pPr marL="457200" lvl="1" indent="0">
+              <a:buNone/>
+            </a:pPr>
+            <a:endParaRPr lang="en-US" dirty="0"/>
+          </a:p>
+          <a:p>
+            <a:pPr marL="457200" lvl="1" indent="0">
+              <a:buNone/>
+            </a:pPr>
+            <a:r>
+              <a:rPr lang="en-US" dirty="0"/>
+              <a:t>↝ goal (&lt;0&gt;*·&lt;1&gt;*·&lt;2&gt;)* = (&lt;0&gt; + &lt;1&gt; + &lt;2&gt;)*</a:t>
+            </a:r>
+          </a:p>
+        </p:txBody>
+      </p:sp>
+    </p:spTree>
+    <p:extLst>
+      <p:ext uri="{BB962C8B-B14F-4D97-AF65-F5344CB8AC3E}">
+        <p14:creationId xmlns:p14="http://schemas.microsoft.com/office/powerpoint/2010/main" val="3595477036"/>
       </p:ext>
     </p:extLst>
   </p:cSld>
@@ -5923,6 +7542,371 @@
     <p:extLst>
       <p:ext uri="{BB962C8B-B14F-4D97-AF65-F5344CB8AC3E}">
         <p14:creationId xmlns:p14="http://schemas.microsoft.com/office/powerpoint/2010/main" val="2346521388"/>
+      </p:ext>
+    </p:extLst>
+  </p:cSld>
+  <p:clrMapOvr>
+    <a:masterClrMapping/>
+  </p:clrMapOvr>
+</p:sld>
+</file>
+
+<file path=ppt/slides/slide20.xml><?xml version="1.0" encoding="utf-8"?>
+<p:sld xmlns:a="http://schemas.openxmlformats.org/drawingml/2006/main" xmlns:r="http://schemas.openxmlformats.org/officeDocument/2006/relationships" xmlns:p="http://schemas.openxmlformats.org/presentationml/2006/main">
+  <p:cSld>
+    <p:spTree>
+      <p:nvGrpSpPr>
+        <p:cNvPr id="1" name=""/>
+        <p:cNvGrpSpPr/>
+        <p:nvPr/>
+      </p:nvGrpSpPr>
+      <p:grpSpPr>
+        <a:xfrm>
+          <a:off x="0" y="0"/>
+          <a:ext cx="0" cy="0"/>
+          <a:chOff x="0" y="0"/>
+          <a:chExt cx="0" cy="0"/>
+        </a:xfrm>
+      </p:grpSpPr>
+      <p:sp>
+        <p:nvSpPr>
+          <p:cNvPr id="2" name="Titel 1">
+            <a:extLst>
+              <a:ext uri="{FF2B5EF4-FFF2-40B4-BE49-F238E27FC236}">
+                <a16:creationId xmlns:a16="http://schemas.microsoft.com/office/drawing/2014/main" id="{195F9775-442F-4C38-8E22-7A203E88160A}"/>
+              </a:ext>
+            </a:extLst>
+          </p:cNvPr>
+          <p:cNvSpPr>
+            <a:spLocks noGrp="1"/>
+          </p:cNvSpPr>
+          <p:nvPr>
+            <p:ph type="title"/>
+          </p:nvPr>
+        </p:nvSpPr>
+        <p:spPr/>
+        <p:txBody>
+          <a:bodyPr/>
+          <a:lstStyle/>
+          <a:p>
+            <a:r>
+              <a:rPr lang="en-US" dirty="0"/>
+              <a:t>Defining a usable proof method</a:t>
+            </a:r>
+          </a:p>
+        </p:txBody>
+      </p:sp>
+      <p:sp>
+        <p:nvSpPr>
+          <p:cNvPr id="3" name="Inhaltsplatzhalter 2">
+            <a:extLst>
+              <a:ext uri="{FF2B5EF4-FFF2-40B4-BE49-F238E27FC236}">
+                <a16:creationId xmlns:a16="http://schemas.microsoft.com/office/drawing/2014/main" id="{50AD830C-45EE-4E98-AE6B-FA75DDD327EC}"/>
+              </a:ext>
+            </a:extLst>
+          </p:cNvPr>
+          <p:cNvSpPr>
+            <a:spLocks noGrp="1"/>
+          </p:cNvSpPr>
+          <p:nvPr>
+            <p:ph idx="1"/>
+          </p:nvPr>
+        </p:nvSpPr>
+        <p:spPr/>
+        <p:txBody>
+          <a:bodyPr>
+            <a:normAutofit fontScale="92500" lnSpcReduction="20000"/>
+          </a:bodyPr>
+          <a:lstStyle/>
+          <a:p>
+            <a:r>
+              <a:rPr lang="en-US" dirty="0"/>
+              <a:t>With </a:t>
+            </a:r>
+            <a:r>
+              <a:rPr lang="en-US" i="1" dirty="0" err="1"/>
+              <a:t>Eisbach</a:t>
+            </a:r>
+            <a:r>
+              <a:rPr lang="en-US" dirty="0"/>
+              <a:t>, one can use the usual method modifiers in a “proof method definition”:</a:t>
+            </a:r>
+          </a:p>
+          <a:p>
+            <a:pPr marL="0" indent="0">
+              <a:buNone/>
+            </a:pPr>
+            <a:endParaRPr lang="en-GB" dirty="0"/>
+          </a:p>
+          <a:p>
+            <a:pPr marL="0" indent="0">
+              <a:buNone/>
+            </a:pPr>
+            <a:r>
+              <a:rPr lang="en-GB" dirty="0"/>
+              <a:t>	method </a:t>
+            </a:r>
+            <a:r>
+              <a:rPr lang="en-GB" dirty="0" err="1"/>
+              <a:t>rexp</a:t>
+            </a:r>
+            <a:r>
+              <a:rPr lang="en-GB" dirty="0"/>
+              <a:t> = (unfold </a:t>
+            </a:r>
+            <a:r>
+              <a:rPr lang="en-GB" dirty="0" err="1"/>
+              <a:t>subset_eq_to_eq</a:t>
+            </a:r>
+            <a:r>
+              <a:rPr lang="en-GB" dirty="0"/>
+              <a:t>)?, (rule soundness, </a:t>
+            </a:r>
+            <a:r>
+              <a:rPr lang="en-GB" dirty="0" err="1"/>
+              <a:t>eval</a:t>
+            </a:r>
+            <a:r>
+              <a:rPr lang="en-GB" dirty="0"/>
+              <a:t>)+</a:t>
+            </a:r>
+          </a:p>
+          <a:p>
+            <a:pPr marL="0" indent="0">
+              <a:buNone/>
+            </a:pPr>
+            <a:endParaRPr lang="en-GB" dirty="0"/>
+          </a:p>
+          <a:p>
+            <a:endParaRPr lang="en-US" dirty="0"/>
+          </a:p>
+          <a:p>
+            <a:endParaRPr lang="en-US" dirty="0"/>
+          </a:p>
+          <a:p>
+            <a:r>
+              <a:rPr lang="en-US" dirty="0"/>
+              <a:t>Example:</a:t>
+            </a:r>
+          </a:p>
+          <a:p>
+            <a:pPr marL="0" indent="0">
+              <a:buNone/>
+            </a:pPr>
+            <a:r>
+              <a:rPr lang="en-US" dirty="0"/>
+              <a:t>lemma "</a:t>
+            </a:r>
+            <a:r>
+              <a:rPr lang="en-US" dirty="0" err="1"/>
+              <a:t>lang</a:t>
+            </a:r>
+            <a:r>
+              <a:rPr lang="en-US" dirty="0"/>
+              <a:t> (Times (Star (Plus One AB)) </a:t>
+            </a:r>
+            <a:r>
+              <a:rPr lang="en-US" dirty="0" err="1"/>
+              <a:t>A_or_B</a:t>
+            </a:r>
+            <a:r>
+              <a:rPr lang="en-US" dirty="0"/>
+              <a:t>) ⊆ </a:t>
+            </a:r>
+            <a:r>
+              <a:rPr lang="en-US" dirty="0" err="1"/>
+              <a:t>lang</a:t>
+            </a:r>
+            <a:r>
+              <a:rPr lang="en-US" dirty="0"/>
+              <a:t> (Times (Star (Plus AB One)) </a:t>
+            </a:r>
+            <a:r>
+              <a:rPr lang="en-US" dirty="0" err="1"/>
+              <a:t>A_or_B</a:t>
+            </a:r>
+            <a:r>
+              <a:rPr lang="en-US" dirty="0"/>
+              <a:t>)“</a:t>
+            </a:r>
+          </a:p>
+          <a:p>
+            <a:pPr marL="0" indent="0">
+              <a:buNone/>
+            </a:pPr>
+            <a:r>
+              <a:rPr lang="en-US" dirty="0"/>
+              <a:t>	by </a:t>
+            </a:r>
+            <a:r>
+              <a:rPr lang="en-US" dirty="0" err="1"/>
+              <a:t>rexp</a:t>
+            </a:r>
+            <a:endParaRPr lang="en-US" dirty="0"/>
+          </a:p>
+          <a:p>
+            <a:pPr marL="0" indent="0">
+              <a:buNone/>
+            </a:pPr>
+            <a:endParaRPr lang="en-US" dirty="0"/>
+          </a:p>
+        </p:txBody>
+      </p:sp>
+    </p:spTree>
+    <p:extLst>
+      <p:ext uri="{BB962C8B-B14F-4D97-AF65-F5344CB8AC3E}">
+        <p14:creationId xmlns:p14="http://schemas.microsoft.com/office/powerpoint/2010/main" val="1175017656"/>
+      </p:ext>
+    </p:extLst>
+  </p:cSld>
+  <p:clrMapOvr>
+    <a:masterClrMapping/>
+  </p:clrMapOvr>
+</p:sld>
+</file>
+
+<file path=ppt/slides/slide21.xml><?xml version="1.0" encoding="utf-8"?>
+<p:sld xmlns:a="http://schemas.openxmlformats.org/drawingml/2006/main" xmlns:r="http://schemas.openxmlformats.org/officeDocument/2006/relationships" xmlns:p="http://schemas.openxmlformats.org/presentationml/2006/main">
+  <p:cSld>
+    <p:spTree>
+      <p:nvGrpSpPr>
+        <p:cNvPr id="1" name=""/>
+        <p:cNvGrpSpPr/>
+        <p:nvPr/>
+      </p:nvGrpSpPr>
+      <p:grpSpPr>
+        <a:xfrm>
+          <a:off x="0" y="0"/>
+          <a:ext cx="0" cy="0"/>
+          <a:chOff x="0" y="0"/>
+          <a:chExt cx="0" cy="0"/>
+        </a:xfrm>
+      </p:grpSpPr>
+      <p:sp>
+        <p:nvSpPr>
+          <p:cNvPr id="2" name="Titel 1">
+            <a:extLst>
+              <a:ext uri="{FF2B5EF4-FFF2-40B4-BE49-F238E27FC236}">
+                <a16:creationId xmlns:a16="http://schemas.microsoft.com/office/drawing/2014/main" id="{966C4CD0-AA0A-4AAE-96D7-87C7699D5D00}"/>
+              </a:ext>
+            </a:extLst>
+          </p:cNvPr>
+          <p:cNvSpPr>
+            <a:spLocks noGrp="1"/>
+          </p:cNvSpPr>
+          <p:nvPr>
+            <p:ph type="title"/>
+          </p:nvPr>
+        </p:nvSpPr>
+        <p:spPr/>
+        <p:txBody>
+          <a:bodyPr/>
+          <a:lstStyle/>
+          <a:p>
+            <a:r>
+              <a:rPr lang="en-US" dirty="0"/>
+              <a:t>References</a:t>
+            </a:r>
+          </a:p>
+        </p:txBody>
+      </p:sp>
+      <p:sp>
+        <p:nvSpPr>
+          <p:cNvPr id="3" name="Inhaltsplatzhalter 2">
+            <a:extLst>
+              <a:ext uri="{FF2B5EF4-FFF2-40B4-BE49-F238E27FC236}">
+                <a16:creationId xmlns:a16="http://schemas.microsoft.com/office/drawing/2014/main" id="{DDB33A90-3B67-4ADF-9126-A5C3C8B41815}"/>
+              </a:ext>
+            </a:extLst>
+          </p:cNvPr>
+          <p:cNvSpPr>
+            <a:spLocks noGrp="1"/>
+          </p:cNvSpPr>
+          <p:nvPr>
+            <p:ph idx="1"/>
+          </p:nvPr>
+        </p:nvSpPr>
+        <p:spPr/>
+        <p:txBody>
+          <a:bodyPr>
+            <a:normAutofit/>
+          </a:bodyPr>
+          <a:lstStyle/>
+          <a:p>
+            <a:r>
+              <a:rPr lang="en-GB" dirty="0"/>
+              <a:t>J. A. </a:t>
+            </a:r>
+            <a:r>
+              <a:rPr lang="en-GB" dirty="0" err="1"/>
+              <a:t>Brzozowski</a:t>
+            </a:r>
+            <a:r>
+              <a:rPr lang="en-GB" dirty="0"/>
+              <a:t>. Derivatives of regular expressions. </a:t>
+            </a:r>
+            <a:r>
+              <a:rPr lang="en-GB" i="1" dirty="0"/>
+              <a:t>J. ACM</a:t>
+            </a:r>
+            <a:r>
+              <a:rPr lang="en-GB" dirty="0"/>
+              <a:t>, 11(4):481–494, Oct. 1964.</a:t>
+            </a:r>
+          </a:p>
+          <a:p>
+            <a:r>
+              <a:rPr lang="en-GB" dirty="0"/>
+              <a:t>A. Krauss and T. </a:t>
+            </a:r>
+            <a:r>
+              <a:rPr lang="en-GB" dirty="0" err="1"/>
+              <a:t>Nipkow</a:t>
+            </a:r>
+            <a:r>
+              <a:rPr lang="en-GB" dirty="0"/>
+              <a:t>. Proof pearl: Regular expression equivalence and relation algebra. J. Automated Reasoning, 49:95–106, 2012. published online March 2011.  </a:t>
+            </a:r>
+            <a:r>
+              <a:rPr lang="en-GB" dirty="0">
+                <a:hlinkClick r:id="rId3"/>
+              </a:rPr>
+              <a:t>http://www21.in.tum.de/~nipkow/pubs/jar12.html</a:t>
+            </a:r>
+            <a:r>
+              <a:rPr lang="en-GB" dirty="0"/>
+              <a:t>.</a:t>
+            </a:r>
+          </a:p>
+          <a:p>
+            <a:r>
+              <a:rPr lang="en-GB" dirty="0"/>
+              <a:t>Robert S. Boyer and J Strother Moore. </a:t>
+            </a:r>
+            <a:r>
+              <a:rPr lang="en-GB" dirty="0" err="1"/>
+              <a:t>Metafunctions</a:t>
+            </a:r>
+            <a:r>
+              <a:rPr lang="en-GB" dirty="0"/>
+              <a:t>: proving them correct and using them efficiently as new proof procedures. In R. Boyer and J Moore, editors, </a:t>
+            </a:r>
+            <a:r>
+              <a:rPr lang="en-GB" i="1" dirty="0"/>
+              <a:t>The Correctness Problem in Computer Science</a:t>
+            </a:r>
+            <a:r>
+              <a:rPr lang="en-GB" dirty="0"/>
+              <a:t>, pages 103–184. Academic Press, 1981</a:t>
+            </a:r>
+            <a:endParaRPr lang="en-US" dirty="0"/>
+          </a:p>
+        </p:txBody>
+      </p:sp>
+    </p:spTree>
+    <p:extLst>
+      <p:ext uri="{BB962C8B-B14F-4D97-AF65-F5344CB8AC3E}">
+        <p14:creationId xmlns:p14="http://schemas.microsoft.com/office/powerpoint/2010/main" val="3839886554"/>
       </p:ext>
     </p:extLst>
   </p:cSld>
@@ -6233,7 +8217,7 @@
         <p:spPr/>
         <p:txBody>
           <a:bodyPr>
-            <a:normAutofit/>
+            <a:normAutofit lnSpcReduction="10000"/>
           </a:bodyPr>
           <a:lstStyle/>
           <a:p>
@@ -6286,11 +8270,11 @@
             </a:pPr>
             <a:r>
               <a:rPr lang="en-US" dirty="0"/>
-              <a:t>If </a:t>
+              <a:t>If “</a:t>
             </a:r>
             <a:r>
               <a:rPr lang="en-GB" dirty="0"/>
-              <a:t>∼ is a </a:t>
+              <a:t>∼” is a </a:t>
             </a:r>
             <a:r>
               <a:rPr lang="en-GB" dirty="0" err="1"/>
@@ -6320,6 +8304,25 @@
             <a:pPr marL="0" indent="0">
               <a:buNone/>
             </a:pPr>
+            <a:r>
+              <a:rPr lang="en-US" dirty="0"/>
+              <a:t>Languages may be infinite</a:t>
+            </a:r>
+          </a:p>
+          <a:p>
+            <a:pPr marL="0" indent="0">
+              <a:buNone/>
+            </a:pPr>
+            <a:r>
+              <a:rPr lang="en-US" dirty="0"/>
+              <a:t>	</a:t>
+            </a:r>
+            <a:r>
+              <a:rPr lang="en-US" dirty="0">
+                <a:sym typeface="Wingdings" panose="05000000000000000000" pitchFamily="2" charset="2"/>
+              </a:rPr>
+              <a:t>represent them by regular expression (RE)</a:t>
+            </a:r>
             <a:endParaRPr lang="en-US" dirty="0"/>
           </a:p>
         </p:txBody>
@@ -6359,7 +8362,7 @@
           <p:cNvPr id="2" name="Titel 1">
             <a:extLst>
               <a:ext uri="{FF2B5EF4-FFF2-40B4-BE49-F238E27FC236}">
-                <a16:creationId xmlns:a16="http://schemas.microsoft.com/office/drawing/2014/main" id="{D55CD077-9E2B-43F3-83A0-334C38F85C7C}"/>
+                <a16:creationId xmlns:a16="http://schemas.microsoft.com/office/drawing/2014/main" id="{67E4C615-DCC8-406C-8116-2FE0121ECEC8}"/>
               </a:ext>
             </a:extLst>
           </p:cNvPr>
@@ -6377,7 +8380,7 @@
           <a:p>
             <a:r>
               <a:rPr lang="en-US" dirty="0"/>
-              <a:t>ACI</a:t>
+              <a:t>Regular Expressions</a:t>
             </a:r>
           </a:p>
         </p:txBody>
@@ -6387,7 +8390,7 @@
           <p:cNvPr id="3" name="Inhaltsplatzhalter 2">
             <a:extLst>
               <a:ext uri="{FF2B5EF4-FFF2-40B4-BE49-F238E27FC236}">
-                <a16:creationId xmlns:a16="http://schemas.microsoft.com/office/drawing/2014/main" id="{EABB337D-AA1F-4919-A75D-7EF7AE0BF98B}"/>
+                <a16:creationId xmlns:a16="http://schemas.microsoft.com/office/drawing/2014/main" id="{51919B38-44CA-465B-BAD0-5F60F70A25FB}"/>
               </a:ext>
             </a:extLst>
           </p:cNvPr>
@@ -6403,63 +8406,48 @@
           <a:bodyPr/>
           <a:lstStyle/>
           <a:p>
-            <a:pPr marL="0" indent="0">
-              <a:buNone/>
-            </a:pPr>
-            <a:r>
-              <a:rPr lang="en-US" dirty="0"/>
-              <a:t>associativity, commutativity and idempotence of </a:t>
-            </a:r>
-            <a:r>
-              <a:rPr lang="en-US" i="1" dirty="0"/>
-              <a:t>+</a:t>
-            </a:r>
-          </a:p>
-          <a:p>
-            <a:r>
-              <a:rPr lang="en-US" dirty="0"/>
-              <a:t>the auxiliary function </a:t>
-            </a:r>
-            <a:r>
-              <a:rPr lang="en-US" i="1" dirty="0"/>
-              <a:t>norm</a:t>
-            </a:r>
-            <a:r>
-              <a:rPr lang="en-US" dirty="0"/>
-              <a:t> establishes a normal form</a:t>
-            </a:r>
-          </a:p>
-          <a:p>
-            <a:pPr marL="0" indent="0">
-              <a:buNone/>
-            </a:pPr>
-            <a:r>
-              <a:rPr lang="en-US" dirty="0"/>
-              <a:t>	</a:t>
-            </a:r>
-            <a:r>
-              <a:rPr lang="en-US" dirty="0">
-                <a:sym typeface="Wingdings" panose="05000000000000000000" pitchFamily="2" charset="2"/>
-              </a:rPr>
-              <a:t> </a:t>
-            </a:r>
-            <a:r>
-              <a:rPr lang="en-US" dirty="0"/>
-              <a:t>ACI-equal terms are identified at that step already</a:t>
-            </a:r>
-          </a:p>
-          <a:p>
-            <a:r>
-              <a:rPr lang="en-US" dirty="0"/>
-              <a:t>to verify this, one would have to state ACI-equivalence formally.</a:t>
-            </a:r>
+            <a:r>
+              <a:rPr lang="pt-BR" dirty="0"/>
+              <a:t>L(0) = ∅</a:t>
+            </a:r>
+          </a:p>
+          <a:p>
+            <a:r>
+              <a:rPr lang="pt-BR" dirty="0"/>
+              <a:t>L(1) = {[]}</a:t>
+            </a:r>
+          </a:p>
+          <a:p>
+            <a:r>
+              <a:rPr lang="pt-BR" dirty="0"/>
+              <a:t>L( &lt;a&gt; ) = {[a]}</a:t>
+            </a:r>
+          </a:p>
+          <a:p>
+            <a:r>
+              <a:rPr lang="pt-BR" dirty="0"/>
+              <a:t>L(r + s) = L(r) ∪ L(s)</a:t>
+            </a:r>
+          </a:p>
+          <a:p>
+            <a:r>
+              <a:rPr lang="pt-BR" dirty="0"/>
+              <a:t>L(r · s) = L(r)L(s)</a:t>
+            </a:r>
+          </a:p>
+          <a:p>
+            <a:r>
+              <a:rPr lang="pt-BR" dirty="0"/>
+              <a:t>L(r*) = (L(r))*</a:t>
+            </a:r>
+            <a:endParaRPr lang="en-US" dirty="0"/>
           </a:p>
         </p:txBody>
       </p:sp>
     </p:spTree>
     <p:extLst>
       <p:ext uri="{BB962C8B-B14F-4D97-AF65-F5344CB8AC3E}">
-        <p14:creationId xmlns:p14="http://schemas.microsoft.com/office/powerpoint/2010/main" val="3250996410"/>
+        <p14:creationId xmlns:p14="http://schemas.microsoft.com/office/powerpoint/2010/main" val="3994935269"/>
       </p:ext>
     </p:extLst>
   </p:cSld>
@@ -6491,7 +8479,7 @@
           <p:cNvPr id="2" name="Titel 1">
             <a:extLst>
               <a:ext uri="{FF2B5EF4-FFF2-40B4-BE49-F238E27FC236}">
-                <a16:creationId xmlns:a16="http://schemas.microsoft.com/office/drawing/2014/main" id="{7E545568-004C-4426-9618-E5B4001137F9}"/>
+                <a16:creationId xmlns:a16="http://schemas.microsoft.com/office/drawing/2014/main" id="{81C16FAE-4AF6-4523-9A5B-2DA28A67C4C4}"/>
               </a:ext>
             </a:extLst>
           </p:cNvPr>
@@ -6508,9 +8496,10 @@
           <a:lstStyle/>
           <a:p>
             <a:r>
-              <a:rPr lang="en-US" dirty="0"/>
-              <a:t>Closure computation</a:t>
-            </a:r>
+              <a:rPr lang="en-US" dirty="0" err="1"/>
+              <a:t>deriv</a:t>
+            </a:r>
+            <a:endParaRPr lang="en-US" dirty="0"/>
           </a:p>
         </p:txBody>
       </p:sp>
@@ -6519,7 +8508,7 @@
           <p:cNvPr id="3" name="Inhaltsplatzhalter 2">
             <a:extLst>
               <a:ext uri="{FF2B5EF4-FFF2-40B4-BE49-F238E27FC236}">
-                <a16:creationId xmlns:a16="http://schemas.microsoft.com/office/drawing/2014/main" id="{586033B4-AF90-4560-A2E5-9FB163B244C7}"/>
+                <a16:creationId xmlns:a16="http://schemas.microsoft.com/office/drawing/2014/main" id="{688714A8-CC31-4441-812D-726CEF45C4D4}"/>
               </a:ext>
             </a:extLst>
           </p:cNvPr>
@@ -6535,40 +8524,128 @@
           <a:bodyPr/>
           <a:lstStyle/>
           <a:p>
-            <a:endParaRPr lang="en-US" dirty="0"/>
-          </a:p>
-          <a:p>
-            <a:endParaRPr lang="en-US" dirty="0"/>
-          </a:p>
-          <a:p>
-            <a:endParaRPr lang="en-US" dirty="0"/>
-          </a:p>
-          <a:p>
-            <a:r>
-              <a:rPr lang="en-US" dirty="0"/>
-              <a:t>terminates if either</a:t>
-            </a:r>
-          </a:p>
-          <a:p>
-            <a:pPr lvl="1"/>
-            <a:r>
-              <a:rPr lang="en-US" dirty="0"/>
-              <a:t>the work set is empty (</a:t>
-            </a:r>
             <a:r>
               <a:rPr lang="en-US" dirty="0" err="1"/>
-              <a:t>bisimulation</a:t>
-            </a:r>
-            <a:r>
-              <a:rPr lang="en-US" dirty="0"/>
-              <a:t> constructed)</a:t>
-            </a:r>
-          </a:p>
-          <a:p>
-            <a:pPr lvl="1"/>
-            <a:r>
-              <a:rPr lang="en-US" dirty="0"/>
-              <a:t>a nonequivalent pair of REs is to be processed (counterexample found)</a:t>
+              <a:t>Deriv</a:t>
+            </a:r>
+            <a:r>
+              <a:rPr lang="en-US" dirty="0"/>
+              <a:t> computes on infinitely many lists</a:t>
+            </a:r>
+          </a:p>
+          <a:p>
+            <a:r>
+              <a:rPr lang="en-US" dirty="0"/>
+              <a:t>use operation on REs instead</a:t>
+            </a:r>
+          </a:p>
+          <a:p>
+            <a:pPr marL="0" indent="0">
+              <a:buNone/>
+            </a:pPr>
+            <a:r>
+              <a:rPr lang="en-US" dirty="0"/>
+              <a:t>	goal: </a:t>
+            </a:r>
+            <a:r>
+              <a:rPr lang="pt-BR" dirty="0"/>
+              <a:t>L(deriv a r) = Deriv a (L(r))</a:t>
+            </a:r>
+          </a:p>
+          <a:p>
+            <a:r>
+              <a:rPr lang="pt-BR" dirty="0"/>
+              <a:t>deriv :: ‘a =&gt; ‘a rexp =&gt; ‘a rexp computable</a:t>
+            </a:r>
+          </a:p>
+          <a:p>
+            <a:r>
+              <a:rPr lang="pt-BR" dirty="0"/>
+              <a:t>Brzozowki formulatet the rules:</a:t>
+            </a:r>
+          </a:p>
+          <a:p>
+            <a:pPr marL="457200" lvl="1" indent="0">
+              <a:buNone/>
+            </a:pPr>
+            <a:r>
+              <a:rPr lang="en-US" dirty="0"/>
+              <a:t> "</a:t>
+            </a:r>
+            <a:r>
+              <a:rPr lang="en-US" dirty="0" err="1"/>
+              <a:t>deriv</a:t>
+            </a:r>
+            <a:r>
+              <a:rPr lang="en-US" dirty="0"/>
+              <a:t> _ Zero = Zero"</a:t>
+            </a:r>
+          </a:p>
+          <a:p>
+            <a:pPr marL="457200" lvl="1" indent="0">
+              <a:buNone/>
+            </a:pPr>
+            <a:r>
+              <a:rPr lang="en-US" dirty="0"/>
+              <a:t>| "</a:t>
+            </a:r>
+            <a:r>
+              <a:rPr lang="en-US" dirty="0" err="1"/>
+              <a:t>deriv</a:t>
+            </a:r>
+            <a:r>
+              <a:rPr lang="en-US" dirty="0"/>
+              <a:t> _ One = Zero"</a:t>
+            </a:r>
+          </a:p>
+          <a:p>
+            <a:pPr marL="457200" lvl="1" indent="0">
+              <a:buNone/>
+            </a:pPr>
+            <a:r>
+              <a:rPr lang="en-US" dirty="0"/>
+              <a:t>| "</a:t>
+            </a:r>
+            <a:r>
+              <a:rPr lang="en-US" dirty="0" err="1"/>
+              <a:t>deriv</a:t>
+            </a:r>
+            <a:r>
+              <a:rPr lang="en-US" dirty="0"/>
+              <a:t> a (Atom b) = (if a = b then One else Zero)"</a:t>
+            </a:r>
+          </a:p>
+          <a:p>
+            <a:pPr marL="457200" lvl="1" indent="0">
+              <a:buNone/>
+            </a:pPr>
+            <a:r>
+              <a:rPr lang="en-US" dirty="0"/>
+              <a:t>| "</a:t>
+            </a:r>
+            <a:r>
+              <a:rPr lang="en-US" dirty="0" err="1"/>
+              <a:t>deriv</a:t>
+            </a:r>
+            <a:r>
+              <a:rPr lang="en-US" dirty="0"/>
+              <a:t> a (Plus r s) = Plus (</a:t>
+            </a:r>
+            <a:r>
+              <a:rPr lang="en-US" dirty="0" err="1"/>
+              <a:t>deriv</a:t>
+            </a:r>
+            <a:r>
+              <a:rPr lang="en-US" dirty="0"/>
+              <a:t> a r) (</a:t>
+            </a:r>
+            <a:r>
+              <a:rPr lang="en-US" dirty="0" err="1"/>
+              <a:t>deriv</a:t>
+            </a:r>
+            <a:r>
+              <a:rPr lang="en-US" dirty="0"/>
+              <a:t> a s)"</a:t>
             </a:r>
           </a:p>
         </p:txBody>
@@ -6576,7 +8653,7 @@
     </p:spTree>
     <p:extLst>
       <p:ext uri="{BB962C8B-B14F-4D97-AF65-F5344CB8AC3E}">
-        <p14:creationId xmlns:p14="http://schemas.microsoft.com/office/powerpoint/2010/main" val="1786495179"/>
+        <p14:creationId xmlns:p14="http://schemas.microsoft.com/office/powerpoint/2010/main" val="3120641397"/>
       </p:ext>
     </p:extLst>
   </p:cSld>
@@ -6608,7 +8685,7 @@
           <p:cNvPr id="2" name="Titel 1">
             <a:extLst>
               <a:ext uri="{FF2B5EF4-FFF2-40B4-BE49-F238E27FC236}">
-                <a16:creationId xmlns:a16="http://schemas.microsoft.com/office/drawing/2014/main" id="{C2BD6476-74CB-4A4F-8A71-ABCEDDC496FB}"/>
+                <a16:creationId xmlns:a16="http://schemas.microsoft.com/office/drawing/2014/main" id="{D7E0891D-9E1E-47AC-9740-549F7C87434B}"/>
               </a:ext>
             </a:extLst>
           </p:cNvPr>
@@ -6625,8 +8702,8 @@
           <a:lstStyle/>
           <a:p>
             <a:r>
-              <a:rPr lang="en-US" noProof="0" dirty="0"/>
-              <a:t>Usage of functional Data Structures</a:t>
+              <a:rPr lang="en-US" dirty="0"/>
+              <a:t>Times and Star</a:t>
             </a:r>
           </a:p>
         </p:txBody>
@@ -6636,7 +8713,7 @@
           <p:cNvPr id="3" name="Inhaltsplatzhalter 2">
             <a:extLst>
               <a:ext uri="{FF2B5EF4-FFF2-40B4-BE49-F238E27FC236}">
-                <a16:creationId xmlns:a16="http://schemas.microsoft.com/office/drawing/2014/main" id="{D326FAB2-8951-4369-9572-88B30C7D126A}"/>
+                <a16:creationId xmlns:a16="http://schemas.microsoft.com/office/drawing/2014/main" id="{CDE9D588-5CC2-42AF-BED0-FA41CE724D14}"/>
               </a:ext>
             </a:extLst>
           </p:cNvPr>
@@ -6653,16 +8730,67 @@
           <a:lstStyle/>
           <a:p>
             <a:r>
-              <a:rPr lang="en-US" noProof="0" dirty="0"/>
-              <a:t>to-do</a:t>
-            </a:r>
+              <a:rPr lang="en-GB" dirty="0" err="1"/>
+              <a:t>deriv</a:t>
+            </a:r>
+            <a:r>
+              <a:rPr lang="en-GB" dirty="0"/>
+              <a:t> a (Times r s) =</a:t>
+            </a:r>
+          </a:p>
+          <a:p>
+            <a:pPr marL="0" indent="0">
+              <a:buNone/>
+            </a:pPr>
+            <a:r>
+              <a:rPr lang="en-GB" dirty="0"/>
+              <a:t>	(let r's = Times (</a:t>
+            </a:r>
+            <a:r>
+              <a:rPr lang="en-GB" dirty="0" err="1"/>
+              <a:t>deriv</a:t>
+            </a:r>
+            <a:r>
+              <a:rPr lang="en-GB" dirty="0"/>
+              <a:t> a r) s</a:t>
+            </a:r>
+          </a:p>
+          <a:p>
+            <a:pPr marL="0" indent="0">
+              <a:buNone/>
+            </a:pPr>
+            <a:r>
+              <a:rPr lang="en-GB" dirty="0"/>
+              <a:t>	in if nullable r then Plus r's (</a:t>
+            </a:r>
+            <a:r>
+              <a:rPr lang="en-GB" dirty="0" err="1"/>
+              <a:t>deriv</a:t>
+            </a:r>
+            <a:r>
+              <a:rPr lang="en-GB" dirty="0"/>
+              <a:t> a s) else r’s)</a:t>
+            </a:r>
+          </a:p>
+          <a:p>
+            <a:pPr marL="0" indent="0">
+              <a:buNone/>
+            </a:pPr>
+            <a:endParaRPr lang="en-GB" dirty="0"/>
+          </a:p>
+          <a:p>
+            <a:r>
+              <a:rPr lang="pt-BR" dirty="0"/>
+              <a:t>deriv a (Star r) = Times (deriv a r) (Star r)</a:t>
+            </a:r>
+            <a:endParaRPr lang="en-GB" dirty="0"/>
           </a:p>
         </p:txBody>
       </p:sp>
     </p:spTree>
     <p:extLst>
       <p:ext uri="{BB962C8B-B14F-4D97-AF65-F5344CB8AC3E}">
-        <p14:creationId xmlns:p14="http://schemas.microsoft.com/office/powerpoint/2010/main" val="1306226194"/>
+        <p14:creationId xmlns:p14="http://schemas.microsoft.com/office/powerpoint/2010/main" val="2901290462"/>
       </p:ext>
     </p:extLst>
   </p:cSld>
@@ -6694,7 +8822,7 @@
           <p:cNvPr id="2" name="Titel 1">
             <a:extLst>
               <a:ext uri="{FF2B5EF4-FFF2-40B4-BE49-F238E27FC236}">
-                <a16:creationId xmlns:a16="http://schemas.microsoft.com/office/drawing/2014/main" id="{59569334-A0FE-40EA-BDDD-A2A29AE45091}"/>
+                <a16:creationId xmlns:a16="http://schemas.microsoft.com/office/drawing/2014/main" id="{D55CD077-9E2B-43F3-83A0-334C38F85C7C}"/>
               </a:ext>
             </a:extLst>
           </p:cNvPr>
@@ -6712,7 +8840,98 @@
           <a:p>
             <a:r>
               <a:rPr lang="en-US" dirty="0"/>
-              <a:t>Beyond equalities</a:t>
+              <a:t>ACI</a:t>
+            </a:r>
+          </a:p>
+        </p:txBody>
+      </p:sp>
+      <p:sp>
+        <p:nvSpPr>
+          <p:cNvPr id="3" name="Inhaltsplatzhalter 2">
+            <a:extLst>
+              <a:ext uri="{FF2B5EF4-FFF2-40B4-BE49-F238E27FC236}">
+                <a16:creationId xmlns:a16="http://schemas.microsoft.com/office/drawing/2014/main" id="{EABB337D-AA1F-4919-A75D-7EF7AE0BF98B}"/>
+              </a:ext>
+            </a:extLst>
+          </p:cNvPr>
+          <p:cNvSpPr>
+            <a:spLocks noGrp="1"/>
+          </p:cNvSpPr>
+          <p:nvPr>
+            <p:ph idx="1"/>
+          </p:nvPr>
+        </p:nvSpPr>
+        <p:spPr/>
+        <p:txBody>
+          <a:bodyPr/>
+          <a:lstStyle/>
+          <a:p>
+            <a:pPr marL="0" indent="0">
+              <a:buNone/>
+            </a:pPr>
+            <a:r>
+              <a:rPr lang="en-US" dirty="0"/>
+              <a:t>associativity, commutativity and idempotence of </a:t>
+            </a:r>
+            <a:r>
+              <a:rPr lang="en-US" i="1" dirty="0"/>
+              <a:t>+</a:t>
+            </a:r>
+          </a:p>
+          <a:p>
+            <a:r>
+              <a:rPr lang="en-US" dirty="0"/>
+              <a:t>the auxiliary function </a:t>
+            </a:r>
+            <a:r>
+              <a:rPr lang="en-US" i="1" dirty="0"/>
+              <a:t>norm</a:t>
+            </a:r>
+            <a:r>
+              <a:rPr lang="en-US" dirty="0"/>
+              <a:t> establishes a normal form</a:t>
+            </a:r>
+          </a:p>
+          <a:p>
+            <a:pPr marL="0" indent="0">
+              <a:buNone/>
+            </a:pPr>
+            <a:r>
+              <a:rPr lang="en-US" dirty="0"/>
+              <a:t>	</a:t>
+            </a:r>
+            <a:r>
+              <a:rPr lang="en-US" dirty="0">
+                <a:sym typeface="Wingdings" panose="05000000000000000000" pitchFamily="2" charset="2"/>
+              </a:rPr>
+              <a:t> </a:t>
+            </a:r>
+            <a:r>
+              <a:rPr lang="en-US" dirty="0"/>
+              <a:t>ACI-equal terms are identified at that step already</a:t>
+            </a:r>
+          </a:p>
+          <a:p>
+            <a:r>
+              <a:rPr lang="en-US" dirty="0"/>
+              <a:t>to verify this, one would have to state ACI-equivalence formally.</a:t>
+            </a:r>
+          </a:p>
+          <a:p>
+            <a:endParaRPr lang="en-US" dirty="0"/>
+          </a:p>
+          <a:p>
+            <a:r>
+              <a:rPr lang="en-US" dirty="0"/>
+              <a:t>the REs in the (emergent) </a:t>
+            </a:r>
+            <a:r>
+              <a:rPr lang="en-US" dirty="0" err="1"/>
+              <a:t>bisimulation</a:t>
+            </a:r>
+            <a:r>
+              <a:rPr lang="en-US" dirty="0"/>
+              <a:t> are kept in this normal form, as an invariant</a:t>
             </a:r>
           </a:p>
         </p:txBody>
@@ -6720,7 +8939,7 @@
     </p:spTree>
     <p:extLst>
       <p:ext uri="{BB962C8B-B14F-4D97-AF65-F5344CB8AC3E}">
-        <p14:creationId xmlns:p14="http://schemas.microsoft.com/office/powerpoint/2010/main" val="1337841628"/>
+        <p14:creationId xmlns:p14="http://schemas.microsoft.com/office/powerpoint/2010/main" val="3250996410"/>
       </p:ext>
     </p:extLst>
   </p:cSld>

--- a/slides.pptx
+++ b/slides.pptx
@@ -221,7 +221,7 @@
           <a:p>
             <a:fld id="{9768728B-C74D-450C-A579-E5E997D18F7C}" type="datetimeFigureOut">
               <a:rPr lang="de-DE" smtClean="0"/>
-              <a:t>27.11.2017</a:t>
+              <a:t>29.11.2017</a:t>
             </a:fld>
             <a:endParaRPr lang="de-DE"/>
           </a:p>
@@ -2217,8 +2217,76 @@
           <a:lstStyle/>
           <a:p>
             <a:r>
+              <a:rPr lang="de-DE" dirty="0"/>
+              <a:t>…</a:t>
+            </a:r>
+            <a:r>
               <a:rPr lang="de-DE" dirty="0" err="1"/>
-              <a:t>todo</a:t>
+              <a:t>extended</a:t>
+            </a:r>
+            <a:r>
+              <a:rPr lang="de-DE" dirty="0"/>
+              <a:t> REs </a:t>
+            </a:r>
+            <a:r>
+              <a:rPr lang="de-DE" dirty="0" err="1"/>
+              <a:t>are</a:t>
+            </a:r>
+            <a:r>
+              <a:rPr lang="de-DE" dirty="0"/>
+              <a:t> not </a:t>
+            </a:r>
+            <a:r>
+              <a:rPr lang="de-DE" dirty="0" err="1"/>
+              <a:t>more</a:t>
+            </a:r>
+            <a:r>
+              <a:rPr lang="de-DE" dirty="0"/>
+              <a:t> expressive, but </a:t>
+            </a:r>
+            <a:r>
+              <a:rPr lang="de-DE" dirty="0" err="1"/>
+              <a:t>they</a:t>
+            </a:r>
+            <a:r>
+              <a:rPr lang="de-DE" dirty="0"/>
+              <a:t> </a:t>
+            </a:r>
+            <a:r>
+              <a:rPr lang="de-DE" dirty="0" err="1"/>
+              <a:t>can</a:t>
+            </a:r>
+            <a:r>
+              <a:rPr lang="de-DE" dirty="0"/>
+              <a:t> </a:t>
+            </a:r>
+            <a:r>
+              <a:rPr lang="de-DE" dirty="0" err="1"/>
+              <a:t>be</a:t>
+            </a:r>
+            <a:r>
+              <a:rPr lang="de-DE" dirty="0"/>
+              <a:t> </a:t>
+            </a:r>
+            <a:r>
+              <a:rPr lang="de-DE" dirty="0" err="1"/>
+              <a:t>much</a:t>
+            </a:r>
+            <a:r>
+              <a:rPr lang="de-DE" dirty="0"/>
+              <a:t> </a:t>
+            </a:r>
+            <a:r>
+              <a:rPr lang="de-DE" dirty="0" err="1"/>
+              <a:t>more</a:t>
+            </a:r>
+            <a:r>
+              <a:rPr lang="de-DE" dirty="0"/>
+              <a:t> </a:t>
+            </a:r>
+            <a:r>
+              <a:rPr lang="de-DE"/>
+              <a:t>succinct</a:t>
             </a:r>
             <a:endParaRPr lang="de-DE" dirty="0"/>
           </a:p>
@@ -2407,7 +2475,7 @@
           <a:p>
             <a:fld id="{B8511AE9-C2D5-45E7-980E-A4DD1A9265AF}" type="datetimeFigureOut">
               <a:rPr lang="en-US" noProof="0" smtClean="0"/>
-              <a:t>11/27/2017</a:t>
+              <a:t>11/29/2017</a:t>
             </a:fld>
             <a:endParaRPr lang="en-US" noProof="0"/>
           </a:p>
@@ -2605,7 +2673,7 @@
           <a:p>
             <a:fld id="{B8511AE9-C2D5-45E7-980E-A4DD1A9265AF}" type="datetimeFigureOut">
               <a:rPr lang="de-DE" smtClean="0"/>
-              <a:t>27.11.2017</a:t>
+              <a:t>29.11.2017</a:t>
             </a:fld>
             <a:endParaRPr lang="de-DE"/>
           </a:p>
@@ -2907,7 +2975,7 @@
             <a:fld id="{B8511AE9-C2D5-45E7-980E-A4DD1A9265AF}" type="datetimeFigureOut">
               <a:rPr lang="en-US" noProof="0" smtClean="0"/>
               <a:pPr/>
-              <a:t>11/27/2017</a:t>
+              <a:t>11/29/2017</a:t>
             </a:fld>
             <a:endParaRPr lang="en-US" noProof="0"/>
           </a:p>
@@ -3061,7 +3129,7 @@
           <a:p>
             <a:fld id="{B8511AE9-C2D5-45E7-980E-A4DD1A9265AF}" type="datetimeFigureOut">
               <a:rPr lang="en-US" noProof="0" smtClean="0"/>
-              <a:t>11/27/2017</a:t>
+              <a:t>11/29/2017</a:t>
             </a:fld>
             <a:endParaRPr lang="en-US" noProof="0"/>
           </a:p>
@@ -3259,7 +3327,7 @@
           <a:p>
             <a:fld id="{B8511AE9-C2D5-45E7-980E-A4DD1A9265AF}" type="datetimeFigureOut">
               <a:rPr lang="en-US" noProof="0" smtClean="0"/>
-              <a:t>11/27/2017</a:t>
+              <a:t>11/29/2017</a:t>
             </a:fld>
             <a:endParaRPr lang="en-US" noProof="0"/>
           </a:p>
@@ -3534,7 +3602,7 @@
           <a:p>
             <a:fld id="{B8511AE9-C2D5-45E7-980E-A4DD1A9265AF}" type="datetimeFigureOut">
               <a:rPr lang="en-US" noProof="0" smtClean="0"/>
-              <a:t>11/27/2017</a:t>
+              <a:t>11/29/2017</a:t>
             </a:fld>
             <a:endParaRPr lang="en-US" noProof="0"/>
           </a:p>
@@ -3856,7 +3924,7 @@
           <a:p>
             <a:fld id="{B8511AE9-C2D5-45E7-980E-A4DD1A9265AF}" type="datetimeFigureOut">
               <a:rPr lang="en-US" noProof="0" smtClean="0"/>
-              <a:t>11/27/2017</a:t>
+              <a:t>11/29/2017</a:t>
             </a:fld>
             <a:endParaRPr lang="en-US" noProof="0"/>
           </a:p>
@@ -4268,7 +4336,7 @@
           <a:p>
             <a:fld id="{B8511AE9-C2D5-45E7-980E-A4DD1A9265AF}" type="datetimeFigureOut">
               <a:rPr lang="en-US" noProof="0" smtClean="0"/>
-              <a:t>11/27/2017</a:t>
+              <a:t>11/29/2017</a:t>
             </a:fld>
             <a:endParaRPr lang="en-US" noProof="0"/>
           </a:p>
@@ -4409,7 +4477,7 @@
           <a:p>
             <a:fld id="{B8511AE9-C2D5-45E7-980E-A4DD1A9265AF}" type="datetimeFigureOut">
               <a:rPr lang="en-US" noProof="0" smtClean="0"/>
-              <a:t>11/27/2017</a:t>
+              <a:t>11/29/2017</a:t>
             </a:fld>
             <a:endParaRPr lang="en-US" noProof="0"/>
           </a:p>
@@ -4527,7 +4595,7 @@
           <a:p>
             <a:fld id="{B8511AE9-C2D5-45E7-980E-A4DD1A9265AF}" type="datetimeFigureOut">
               <a:rPr lang="en-US" noProof="0" smtClean="0"/>
-              <a:t>11/27/2017</a:t>
+              <a:t>11/29/2017</a:t>
             </a:fld>
             <a:endParaRPr lang="en-US" noProof="0"/>
           </a:p>
@@ -4838,7 +4906,7 @@
           <a:p>
             <a:fld id="{B8511AE9-C2D5-45E7-980E-A4DD1A9265AF}" type="datetimeFigureOut">
               <a:rPr lang="en-US" noProof="0" smtClean="0"/>
-              <a:t>11/27/2017</a:t>
+              <a:t>11/29/2017</a:t>
             </a:fld>
             <a:endParaRPr lang="en-US" noProof="0"/>
           </a:p>
@@ -5131,7 +5199,7 @@
           <a:p>
             <a:fld id="{B8511AE9-C2D5-45E7-980E-A4DD1A9265AF}" type="datetimeFigureOut">
               <a:rPr lang="en-US" noProof="0" smtClean="0"/>
-              <a:t>11/27/2017</a:t>
+              <a:t>11/29/2017</a:t>
             </a:fld>
             <a:endParaRPr lang="en-US" noProof="0"/>
           </a:p>
@@ -5372,7 +5440,7 @@
           <a:p>
             <a:fld id="{B8511AE9-C2D5-45E7-980E-A4DD1A9265AF}" type="datetimeFigureOut">
               <a:rPr lang="en-US" noProof="0" smtClean="0"/>
-              <a:t>11/27/2017</a:t>
+              <a:t>11/29/2017</a:t>
             </a:fld>
             <a:endParaRPr lang="en-US" noProof="0"/>
           </a:p>
@@ -6756,7 +6824,7 @@
           <a:p>
             <a:r>
               <a:rPr lang="en-US" noProof="0" dirty="0"/>
-              <a:t>Usage of functional Data Structures</a:t>
+              <a:t>Extensions</a:t>
             </a:r>
           </a:p>
         </p:txBody>
@@ -6783,9 +6851,66 @@
           <a:lstStyle/>
           <a:p>
             <a:r>
+              <a:rPr lang="en-US" dirty="0"/>
+              <a:t>“⊆” can be solved easily</a:t>
+            </a:r>
+          </a:p>
+          <a:p>
+            <a:endParaRPr lang="en-US" noProof="0" dirty="0"/>
+          </a:p>
+          <a:p>
+            <a:endParaRPr lang="en-US" dirty="0"/>
+          </a:p>
+          <a:p>
+            <a:r>
               <a:rPr lang="en-US" noProof="0" dirty="0"/>
-              <a:t>to-do?</a:t>
-            </a:r>
+              <a:t>extended regular expressions: to-do</a:t>
+            </a:r>
+          </a:p>
+          <a:p>
+            <a:endParaRPr lang="en-US" dirty="0"/>
+          </a:p>
+          <a:p>
+            <a:pPr lvl="1">
+              <a:buFont typeface="Wingdings" panose="05000000000000000000" pitchFamily="2" charset="2"/>
+              <a:buChar char="à"/>
+            </a:pPr>
+            <a:r>
+              <a:rPr lang="en-US" noProof="0" dirty="0">
+                <a:sym typeface="Wingdings" panose="05000000000000000000" pitchFamily="2" charset="2"/>
+              </a:rPr>
+              <a:t>Need a computable </a:t>
+            </a:r>
+            <a:r>
+              <a:rPr lang="en-US" noProof="0" dirty="0" err="1">
+                <a:sym typeface="Wingdings" panose="05000000000000000000" pitchFamily="2" charset="2"/>
+              </a:rPr>
+              <a:t>deriv</a:t>
+            </a:r>
+            <a:r>
+              <a:rPr lang="en-US" noProof="0" dirty="0">
+                <a:sym typeface="Wingdings" panose="05000000000000000000" pitchFamily="2" charset="2"/>
+              </a:rPr>
+              <a:t> for those</a:t>
+            </a:r>
+          </a:p>
+          <a:p>
+            <a:pPr marL="457200" lvl="1" indent="0">
+              <a:buNone/>
+            </a:pPr>
+            <a:r>
+              <a:rPr lang="en-US" dirty="0">
+                <a:sym typeface="Wingdings" panose="05000000000000000000" pitchFamily="2" charset="2"/>
+              </a:rPr>
+              <a:t>		&lt;Rules&gt;</a:t>
+            </a:r>
+            <a:endParaRPr lang="en-US" noProof="0" dirty="0"/>
+          </a:p>
+          <a:p>
+            <a:endParaRPr lang="en-US" dirty="0"/>
+          </a:p>
+          <a:p>
+            <a:endParaRPr lang="en-US" noProof="0" dirty="0"/>
           </a:p>
         </p:txBody>
       </p:sp>
@@ -7238,7 +7363,7 @@
           <a:p>
             <a:r>
               <a:rPr lang="en-US" dirty="0"/>
-              <a:t>“⊆” can be solved easily</a:t>
+              <a:t>“⊆” can be solved easily, using </a:t>
             </a:r>
           </a:p>
           <a:p>

--- a/slides.pptx
+++ b/slides.pptx
@@ -5,30 +5,29 @@
     <p:sldMasterId id="2147483648" r:id="rId1"/>
   </p:sldMasterIdLst>
   <p:notesMasterIdLst>
-    <p:notesMasterId r:id="rId23"/>
+    <p:notesMasterId r:id="rId22"/>
   </p:notesMasterIdLst>
   <p:sldIdLst>
     <p:sldId id="256" r:id="rId2"/>
     <p:sldId id="258" r:id="rId3"/>
-    <p:sldId id="261" r:id="rId4"/>
-    <p:sldId id="262" r:id="rId5"/>
-    <p:sldId id="263" r:id="rId6"/>
-    <p:sldId id="270" r:id="rId7"/>
-    <p:sldId id="271" r:id="rId8"/>
-    <p:sldId id="272" r:id="rId9"/>
-    <p:sldId id="264" r:id="rId10"/>
-    <p:sldId id="277" r:id="rId11"/>
-    <p:sldId id="273" r:id="rId12"/>
+    <p:sldId id="280" r:id="rId4"/>
+    <p:sldId id="261" r:id="rId5"/>
+    <p:sldId id="262" r:id="rId6"/>
+    <p:sldId id="263" r:id="rId7"/>
+    <p:sldId id="270" r:id="rId8"/>
+    <p:sldId id="271" r:id="rId9"/>
+    <p:sldId id="272" r:id="rId10"/>
+    <p:sldId id="273" r:id="rId11"/>
+    <p:sldId id="281" r:id="rId12"/>
     <p:sldId id="274" r:id="rId13"/>
     <p:sldId id="278" r:id="rId14"/>
-    <p:sldId id="275" r:id="rId15"/>
-    <p:sldId id="276" r:id="rId16"/>
-    <p:sldId id="265" r:id="rId17"/>
-    <p:sldId id="257" r:id="rId18"/>
-    <p:sldId id="260" r:id="rId19"/>
-    <p:sldId id="269" r:id="rId20"/>
-    <p:sldId id="279" r:id="rId21"/>
-    <p:sldId id="268" r:id="rId22"/>
+    <p:sldId id="264" r:id="rId15"/>
+    <p:sldId id="265" r:id="rId16"/>
+    <p:sldId id="257" r:id="rId17"/>
+    <p:sldId id="260" r:id="rId18"/>
+    <p:sldId id="269" r:id="rId19"/>
+    <p:sldId id="279" r:id="rId20"/>
+    <p:sldId id="268" r:id="rId21"/>
   </p:sldIdLst>
   <p:sldSz cx="12192000" cy="6858000"/>
   <p:notesSz cx="6858000" cy="9144000"/>
@@ -221,7 +220,7 @@
           <a:p>
             <a:fld id="{9768728B-C74D-450C-A579-E5E997D18F7C}" type="datetimeFigureOut">
               <a:rPr lang="de-DE" smtClean="0"/>
-              <a:t>29.11.2017</a:t>
+              <a:t>04.12.2017</a:t>
             </a:fld>
             <a:endParaRPr lang="de-DE"/>
           </a:p>
@@ -616,19 +615,7 @@
           <a:bodyPr/>
           <a:lstStyle/>
           <a:p>
-            <a:r>
-              <a:rPr lang="en-US" dirty="0"/>
-              <a:t>Question to the audience: How to obtain a decision procedure for “⊆”?</a:t>
-            </a:r>
-          </a:p>
-          <a:p>
             <a:endParaRPr lang="en-US" dirty="0"/>
-          </a:p>
-          <a:p>
-            <a:r>
-              <a:rPr lang="en-US" dirty="0"/>
-              <a:t>2: This w is some sort of counterexample, thus it probably really adds understanding to proof texts.</a:t>
-            </a:r>
           </a:p>
         </p:txBody>
       </p:sp>
@@ -649,7 +636,7 @@
           <a:p>
             <a:fld id="{FAA32559-8951-4C46-A356-FBB9455D7E38}" type="slidenum">
               <a:rPr lang="de-DE" smtClean="0"/>
-              <a:t>18</a:t>
+              <a:t>11</a:t>
             </a:fld>
             <a:endParaRPr lang="de-DE"/>
           </a:p>
@@ -658,7 +645,7 @@
     </p:spTree>
     <p:extLst>
       <p:ext uri="{BB962C8B-B14F-4D97-AF65-F5344CB8AC3E}">
-        <p14:creationId xmlns:p14="http://schemas.microsoft.com/office/powerpoint/2010/main" val="4044844971"/>
+        <p14:creationId xmlns:p14="http://schemas.microsoft.com/office/powerpoint/2010/main" val="1142687865"/>
       </p:ext>
     </p:extLst>
   </p:cSld>
@@ -713,9 +700,11 @@
           <a:lstStyle/>
           <a:p>
             <a:r>
-              <a:rPr lang="en-US"/>
-              <a:t>brackets &lt;…&gt; are constructors</a:t>
-            </a:r>
+              <a:rPr lang="en-US" dirty="0"/>
+              <a:t>1: standard work set algorithm</a:t>
+            </a:r>
+          </a:p>
+          <a:p>
             <a:endParaRPr lang="en-US" dirty="0"/>
           </a:p>
         </p:txBody>
@@ -737,7 +726,7 @@
           <a:p>
             <a:fld id="{FAA32559-8951-4C46-A356-FBB9455D7E38}" type="slidenum">
               <a:rPr lang="de-DE" smtClean="0"/>
-              <a:t>19</a:t>
+              <a:t>13</a:t>
             </a:fld>
             <a:endParaRPr lang="de-DE"/>
           </a:p>
@@ -746,7 +735,7 @@
     </p:spTree>
     <p:extLst>
       <p:ext uri="{BB962C8B-B14F-4D97-AF65-F5344CB8AC3E}">
-        <p14:creationId xmlns:p14="http://schemas.microsoft.com/office/powerpoint/2010/main" val="656959239"/>
+        <p14:creationId xmlns:p14="http://schemas.microsoft.com/office/powerpoint/2010/main" val="922902247"/>
       </p:ext>
     </p:extLst>
   </p:cSld>
@@ -800,22 +789,40 @@
           <a:bodyPr/>
           <a:lstStyle/>
           <a:p>
-            <a:endParaRPr lang="en-US" dirty="0"/>
-          </a:p>
-          <a:p>
             <a:r>
               <a:rPr lang="en-US" dirty="0"/>
-              <a:t>The definition needs explanations</a:t>
-            </a:r>
-          </a:p>
-          <a:p>
+              <a:t>so, for a position of the </a:t>
+            </a:r>
+            <a:r>
+              <a:rPr lang="en-US" dirty="0" err="1"/>
+              <a:t>subterms</a:t>
+            </a:r>
             <a:r>
               <a:rPr lang="en-US" dirty="0"/>
-              <a:t>to-do: better markup</a:t>
-            </a:r>
-          </a:p>
-          <a:p>
-            <a:endParaRPr lang="en-US" dirty="0"/>
+              <a:t> in the sequence … + … + … + … (</a:t>
+            </a:r>
+            <a:r>
+              <a:rPr lang="en-US" dirty="0" err="1"/>
+              <a:t>Wich</a:t>
+            </a:r>
+            <a:r>
+              <a:rPr lang="en-US" dirty="0"/>
+              <a:t> is a tree, but due to associativity we can transform into a list) to be uniquely determined, we can just define an arbitrary order on the topmost constructors. Then every </a:t>
+            </a:r>
+            <a:r>
+              <a:rPr lang="en-US" dirty="0" err="1"/>
+              <a:t>subterm</a:t>
+            </a:r>
+            <a:r>
+              <a:rPr lang="en-US" dirty="0"/>
+              <a:t> is already in the “correct section the a list” and then, its subparts get normed again.</a:t>
+            </a:r>
+          </a:p>
+          <a:p>
+            <a:r>
+              <a:rPr lang="en-US" dirty="0"/>
+              <a:t>Actually, the correct way is to work bottom up, but you get the idea.</a:t>
+            </a:r>
           </a:p>
         </p:txBody>
       </p:sp>
@@ -836,7 +843,7 @@
           <a:p>
             <a:fld id="{FAA32559-8951-4C46-A356-FBB9455D7E38}" type="slidenum">
               <a:rPr lang="de-DE" smtClean="0"/>
-              <a:t>20</a:t>
+              <a:t>14</a:t>
             </a:fld>
             <a:endParaRPr lang="de-DE"/>
           </a:p>
@@ -845,7 +852,7 @@
     </p:spTree>
     <p:extLst>
       <p:ext uri="{BB962C8B-B14F-4D97-AF65-F5344CB8AC3E}">
-        <p14:creationId xmlns:p14="http://schemas.microsoft.com/office/powerpoint/2010/main" val="500513494"/>
+        <p14:creationId xmlns:p14="http://schemas.microsoft.com/office/powerpoint/2010/main" val="2615019396"/>
       </p:ext>
     </p:extLst>
   </p:cSld>
@@ -900,6 +907,453 @@
           <a:lstStyle/>
           <a:p>
             <a:r>
+              <a:rPr lang="de-DE" dirty="0"/>
+              <a:t>…</a:t>
+            </a:r>
+            <a:r>
+              <a:rPr lang="de-DE" dirty="0" err="1"/>
+              <a:t>extended</a:t>
+            </a:r>
+            <a:r>
+              <a:rPr lang="de-DE" dirty="0"/>
+              <a:t> REs </a:t>
+            </a:r>
+            <a:r>
+              <a:rPr lang="de-DE" dirty="0" err="1"/>
+              <a:t>are</a:t>
+            </a:r>
+            <a:r>
+              <a:rPr lang="de-DE" dirty="0"/>
+              <a:t> not </a:t>
+            </a:r>
+            <a:r>
+              <a:rPr lang="de-DE" dirty="0" err="1"/>
+              <a:t>more</a:t>
+            </a:r>
+            <a:r>
+              <a:rPr lang="de-DE" dirty="0"/>
+              <a:t> expressive, but </a:t>
+            </a:r>
+            <a:r>
+              <a:rPr lang="de-DE" dirty="0" err="1"/>
+              <a:t>they</a:t>
+            </a:r>
+            <a:r>
+              <a:rPr lang="de-DE" dirty="0"/>
+              <a:t> </a:t>
+            </a:r>
+            <a:r>
+              <a:rPr lang="de-DE" dirty="0" err="1"/>
+              <a:t>can</a:t>
+            </a:r>
+            <a:r>
+              <a:rPr lang="de-DE" dirty="0"/>
+              <a:t> </a:t>
+            </a:r>
+            <a:r>
+              <a:rPr lang="de-DE" dirty="0" err="1"/>
+              <a:t>be</a:t>
+            </a:r>
+            <a:r>
+              <a:rPr lang="de-DE" dirty="0"/>
+              <a:t> </a:t>
+            </a:r>
+            <a:r>
+              <a:rPr lang="de-DE" dirty="0" err="1"/>
+              <a:t>much</a:t>
+            </a:r>
+            <a:r>
+              <a:rPr lang="de-DE" dirty="0"/>
+              <a:t> </a:t>
+            </a:r>
+            <a:r>
+              <a:rPr lang="de-DE" dirty="0" err="1"/>
+              <a:t>more</a:t>
+            </a:r>
+            <a:r>
+              <a:rPr lang="de-DE" dirty="0"/>
+              <a:t> </a:t>
+            </a:r>
+            <a:r>
+              <a:rPr lang="de-DE"/>
+              <a:t>succinct</a:t>
+            </a:r>
+            <a:endParaRPr lang="de-DE" dirty="0"/>
+          </a:p>
+        </p:txBody>
+      </p:sp>
+      <p:sp>
+        <p:nvSpPr>
+          <p:cNvPr id="4" name="Foliennummernplatzhalter 3"/>
+          <p:cNvSpPr>
+            <a:spLocks noGrp="1"/>
+          </p:cNvSpPr>
+          <p:nvPr>
+            <p:ph type="sldNum" sz="quarter" idx="10"/>
+          </p:nvPr>
+        </p:nvSpPr>
+        <p:spPr/>
+        <p:txBody>
+          <a:bodyPr/>
+          <a:lstStyle/>
+          <a:p>
+            <a:fld id="{FAA32559-8951-4C46-A356-FBB9455D7E38}" type="slidenum">
+              <a:rPr lang="de-DE" smtClean="0"/>
+              <a:t>16</a:t>
+            </a:fld>
+            <a:endParaRPr lang="de-DE"/>
+          </a:p>
+        </p:txBody>
+      </p:sp>
+    </p:spTree>
+    <p:extLst>
+      <p:ext uri="{BB962C8B-B14F-4D97-AF65-F5344CB8AC3E}">
+        <p14:creationId xmlns:p14="http://schemas.microsoft.com/office/powerpoint/2010/main" val="277471394"/>
+      </p:ext>
+    </p:extLst>
+  </p:cSld>
+  <p:clrMapOvr>
+    <a:masterClrMapping/>
+  </p:clrMapOvr>
+</p:notes>
+</file>
+
+<file path=ppt/notesSlides/notesSlide14.xml><?xml version="1.0" encoding="utf-8"?>
+<p:notes xmlns:a="http://schemas.openxmlformats.org/drawingml/2006/main" xmlns:r="http://schemas.openxmlformats.org/officeDocument/2006/relationships" xmlns:p="http://schemas.openxmlformats.org/presentationml/2006/main">
+  <p:cSld>
+    <p:spTree>
+      <p:nvGrpSpPr>
+        <p:cNvPr id="1" name=""/>
+        <p:cNvGrpSpPr/>
+        <p:nvPr/>
+      </p:nvGrpSpPr>
+      <p:grpSpPr>
+        <a:xfrm>
+          <a:off x="0" y="0"/>
+          <a:ext cx="0" cy="0"/>
+          <a:chOff x="0" y="0"/>
+          <a:chExt cx="0" cy="0"/>
+        </a:xfrm>
+      </p:grpSpPr>
+      <p:sp>
+        <p:nvSpPr>
+          <p:cNvPr id="2" name="Folienbildplatzhalter 1"/>
+          <p:cNvSpPr>
+            <a:spLocks noGrp="1" noRot="1" noChangeAspect="1"/>
+          </p:cNvSpPr>
+          <p:nvPr>
+            <p:ph type="sldImg"/>
+          </p:nvPr>
+        </p:nvSpPr>
+        <p:spPr/>
+      </p:sp>
+      <p:sp>
+        <p:nvSpPr>
+          <p:cNvPr id="3" name="Notizenplatzhalter 2"/>
+          <p:cNvSpPr>
+            <a:spLocks noGrp="1"/>
+          </p:cNvSpPr>
+          <p:nvPr>
+            <p:ph type="body" idx="1"/>
+          </p:nvPr>
+        </p:nvSpPr>
+        <p:spPr/>
+        <p:txBody>
+          <a:bodyPr/>
+          <a:lstStyle/>
+          <a:p>
+            <a:r>
+              <a:rPr lang="en-US" dirty="0"/>
+              <a:t>Question to the audience: How to obtain a decision procedure for “⊆”?</a:t>
+            </a:r>
+          </a:p>
+          <a:p>
+            <a:endParaRPr lang="en-US" dirty="0"/>
+          </a:p>
+          <a:p>
+            <a:r>
+              <a:rPr lang="en-US" dirty="0"/>
+              <a:t>2: This w is some sort of counterexample, thus it probably really adds understanding to proof texts.</a:t>
+            </a:r>
+          </a:p>
+        </p:txBody>
+      </p:sp>
+      <p:sp>
+        <p:nvSpPr>
+          <p:cNvPr id="4" name="Foliennummernplatzhalter 3"/>
+          <p:cNvSpPr>
+            <a:spLocks noGrp="1"/>
+          </p:cNvSpPr>
+          <p:nvPr>
+            <p:ph type="sldNum" sz="quarter" idx="10"/>
+          </p:nvPr>
+        </p:nvSpPr>
+        <p:spPr/>
+        <p:txBody>
+          <a:bodyPr/>
+          <a:lstStyle/>
+          <a:p>
+            <a:fld id="{FAA32559-8951-4C46-A356-FBB9455D7E38}" type="slidenum">
+              <a:rPr lang="de-DE" smtClean="0"/>
+              <a:t>17</a:t>
+            </a:fld>
+            <a:endParaRPr lang="de-DE"/>
+          </a:p>
+        </p:txBody>
+      </p:sp>
+    </p:spTree>
+    <p:extLst>
+      <p:ext uri="{BB962C8B-B14F-4D97-AF65-F5344CB8AC3E}">
+        <p14:creationId xmlns:p14="http://schemas.microsoft.com/office/powerpoint/2010/main" val="4044844971"/>
+      </p:ext>
+    </p:extLst>
+  </p:cSld>
+  <p:clrMapOvr>
+    <a:masterClrMapping/>
+  </p:clrMapOvr>
+</p:notes>
+</file>
+
+<file path=ppt/notesSlides/notesSlide15.xml><?xml version="1.0" encoding="utf-8"?>
+<p:notes xmlns:a="http://schemas.openxmlformats.org/drawingml/2006/main" xmlns:r="http://schemas.openxmlformats.org/officeDocument/2006/relationships" xmlns:p="http://schemas.openxmlformats.org/presentationml/2006/main">
+  <p:cSld>
+    <p:spTree>
+      <p:nvGrpSpPr>
+        <p:cNvPr id="1" name=""/>
+        <p:cNvGrpSpPr/>
+        <p:nvPr/>
+      </p:nvGrpSpPr>
+      <p:grpSpPr>
+        <a:xfrm>
+          <a:off x="0" y="0"/>
+          <a:ext cx="0" cy="0"/>
+          <a:chOff x="0" y="0"/>
+          <a:chExt cx="0" cy="0"/>
+        </a:xfrm>
+      </p:grpSpPr>
+      <p:sp>
+        <p:nvSpPr>
+          <p:cNvPr id="2" name="Folienbildplatzhalter 1"/>
+          <p:cNvSpPr>
+            <a:spLocks noGrp="1" noRot="1" noChangeAspect="1"/>
+          </p:cNvSpPr>
+          <p:nvPr>
+            <p:ph type="sldImg"/>
+          </p:nvPr>
+        </p:nvSpPr>
+        <p:spPr/>
+      </p:sp>
+      <p:sp>
+        <p:nvSpPr>
+          <p:cNvPr id="3" name="Notizenplatzhalter 2"/>
+          <p:cNvSpPr>
+            <a:spLocks noGrp="1"/>
+          </p:cNvSpPr>
+          <p:nvPr>
+            <p:ph type="body" idx="1"/>
+          </p:nvPr>
+        </p:nvSpPr>
+        <p:spPr/>
+        <p:txBody>
+          <a:bodyPr/>
+          <a:lstStyle/>
+          <a:p>
+            <a:r>
+              <a:rPr lang="en-US"/>
+              <a:t>brackets &lt;…&gt; are constructors</a:t>
+            </a:r>
+            <a:endParaRPr lang="en-US" dirty="0"/>
+          </a:p>
+        </p:txBody>
+      </p:sp>
+      <p:sp>
+        <p:nvSpPr>
+          <p:cNvPr id="4" name="Foliennummernplatzhalter 3"/>
+          <p:cNvSpPr>
+            <a:spLocks noGrp="1"/>
+          </p:cNvSpPr>
+          <p:nvPr>
+            <p:ph type="sldNum" sz="quarter" idx="10"/>
+          </p:nvPr>
+        </p:nvSpPr>
+        <p:spPr/>
+        <p:txBody>
+          <a:bodyPr/>
+          <a:lstStyle/>
+          <a:p>
+            <a:fld id="{FAA32559-8951-4C46-A356-FBB9455D7E38}" type="slidenum">
+              <a:rPr lang="de-DE" smtClean="0"/>
+              <a:t>18</a:t>
+            </a:fld>
+            <a:endParaRPr lang="de-DE"/>
+          </a:p>
+        </p:txBody>
+      </p:sp>
+    </p:spTree>
+    <p:extLst>
+      <p:ext uri="{BB962C8B-B14F-4D97-AF65-F5344CB8AC3E}">
+        <p14:creationId xmlns:p14="http://schemas.microsoft.com/office/powerpoint/2010/main" val="656959239"/>
+      </p:ext>
+    </p:extLst>
+  </p:cSld>
+  <p:clrMapOvr>
+    <a:masterClrMapping/>
+  </p:clrMapOvr>
+</p:notes>
+</file>
+
+<file path=ppt/notesSlides/notesSlide16.xml><?xml version="1.0" encoding="utf-8"?>
+<p:notes xmlns:a="http://schemas.openxmlformats.org/drawingml/2006/main" xmlns:r="http://schemas.openxmlformats.org/officeDocument/2006/relationships" xmlns:p="http://schemas.openxmlformats.org/presentationml/2006/main">
+  <p:cSld>
+    <p:spTree>
+      <p:nvGrpSpPr>
+        <p:cNvPr id="1" name=""/>
+        <p:cNvGrpSpPr/>
+        <p:nvPr/>
+      </p:nvGrpSpPr>
+      <p:grpSpPr>
+        <a:xfrm>
+          <a:off x="0" y="0"/>
+          <a:ext cx="0" cy="0"/>
+          <a:chOff x="0" y="0"/>
+          <a:chExt cx="0" cy="0"/>
+        </a:xfrm>
+      </p:grpSpPr>
+      <p:sp>
+        <p:nvSpPr>
+          <p:cNvPr id="2" name="Folienbildplatzhalter 1"/>
+          <p:cNvSpPr>
+            <a:spLocks noGrp="1" noRot="1" noChangeAspect="1"/>
+          </p:cNvSpPr>
+          <p:nvPr>
+            <p:ph type="sldImg"/>
+          </p:nvPr>
+        </p:nvSpPr>
+        <p:spPr/>
+      </p:sp>
+      <p:sp>
+        <p:nvSpPr>
+          <p:cNvPr id="3" name="Notizenplatzhalter 2"/>
+          <p:cNvSpPr>
+            <a:spLocks noGrp="1"/>
+          </p:cNvSpPr>
+          <p:nvPr>
+            <p:ph type="body" idx="1"/>
+          </p:nvPr>
+        </p:nvSpPr>
+        <p:spPr/>
+        <p:txBody>
+          <a:bodyPr/>
+          <a:lstStyle/>
+          <a:p>
+            <a:endParaRPr lang="en-US" dirty="0"/>
+          </a:p>
+          <a:p>
+            <a:r>
+              <a:rPr lang="en-US" dirty="0"/>
+              <a:t>The definition needs explanations</a:t>
+            </a:r>
+          </a:p>
+          <a:p>
+            <a:r>
+              <a:rPr lang="en-US" dirty="0"/>
+              <a:t>to-do: better markup </a:t>
+            </a:r>
+            <a:r>
+              <a:rPr lang="en-US" dirty="0" err="1"/>
+              <a:t>Nipkow</a:t>
+            </a:r>
+            <a:r>
+              <a:rPr lang="en-US" dirty="0"/>
+              <a:t> says: remove.</a:t>
+            </a:r>
+          </a:p>
+          <a:p>
+            <a:endParaRPr lang="en-US" dirty="0"/>
+          </a:p>
+        </p:txBody>
+      </p:sp>
+      <p:sp>
+        <p:nvSpPr>
+          <p:cNvPr id="4" name="Foliennummernplatzhalter 3"/>
+          <p:cNvSpPr>
+            <a:spLocks noGrp="1"/>
+          </p:cNvSpPr>
+          <p:nvPr>
+            <p:ph type="sldNum" sz="quarter" idx="10"/>
+          </p:nvPr>
+        </p:nvSpPr>
+        <p:spPr/>
+        <p:txBody>
+          <a:bodyPr/>
+          <a:lstStyle/>
+          <a:p>
+            <a:fld id="{FAA32559-8951-4C46-A356-FBB9455D7E38}" type="slidenum">
+              <a:rPr lang="de-DE" smtClean="0"/>
+              <a:t>19</a:t>
+            </a:fld>
+            <a:endParaRPr lang="de-DE"/>
+          </a:p>
+        </p:txBody>
+      </p:sp>
+    </p:spTree>
+    <p:extLst>
+      <p:ext uri="{BB962C8B-B14F-4D97-AF65-F5344CB8AC3E}">
+        <p14:creationId xmlns:p14="http://schemas.microsoft.com/office/powerpoint/2010/main" val="500513494"/>
+      </p:ext>
+    </p:extLst>
+  </p:cSld>
+  <p:clrMapOvr>
+    <a:masterClrMapping/>
+  </p:clrMapOvr>
+</p:notes>
+</file>
+
+<file path=ppt/notesSlides/notesSlide17.xml><?xml version="1.0" encoding="utf-8"?>
+<p:notes xmlns:a="http://schemas.openxmlformats.org/drawingml/2006/main" xmlns:r="http://schemas.openxmlformats.org/officeDocument/2006/relationships" xmlns:p="http://schemas.openxmlformats.org/presentationml/2006/main">
+  <p:cSld>
+    <p:spTree>
+      <p:nvGrpSpPr>
+        <p:cNvPr id="1" name=""/>
+        <p:cNvGrpSpPr/>
+        <p:nvPr/>
+      </p:nvGrpSpPr>
+      <p:grpSpPr>
+        <a:xfrm>
+          <a:off x="0" y="0"/>
+          <a:ext cx="0" cy="0"/>
+          <a:chOff x="0" y="0"/>
+          <a:chExt cx="0" cy="0"/>
+        </a:xfrm>
+      </p:grpSpPr>
+      <p:sp>
+        <p:nvSpPr>
+          <p:cNvPr id="2" name="Folienbildplatzhalter 1"/>
+          <p:cNvSpPr>
+            <a:spLocks noGrp="1" noRot="1" noChangeAspect="1"/>
+          </p:cNvSpPr>
+          <p:nvPr>
+            <p:ph type="sldImg"/>
+          </p:nvPr>
+        </p:nvSpPr>
+        <p:spPr/>
+      </p:sp>
+      <p:sp>
+        <p:nvSpPr>
+          <p:cNvPr id="3" name="Notizenplatzhalter 2"/>
+          <p:cNvSpPr>
+            <a:spLocks noGrp="1"/>
+          </p:cNvSpPr>
+          <p:nvPr>
+            <p:ph type="body" idx="1"/>
+          </p:nvPr>
+        </p:nvSpPr>
+        <p:spPr/>
+        <p:txBody>
+          <a:bodyPr/>
+          <a:lstStyle/>
+          <a:p>
+            <a:r>
               <a:rPr lang="en-US" dirty="0"/>
               <a:t>… and of course, the source is online in the AFP</a:t>
             </a:r>
@@ -923,7 +1377,7 @@
           <a:p>
             <a:fld id="{FAA32559-8951-4C46-A356-FBB9455D7E38}" type="slidenum">
               <a:rPr lang="de-DE" smtClean="0"/>
-              <a:t>21</a:t>
+              <a:t>20</a:t>
             </a:fld>
             <a:endParaRPr lang="de-DE"/>
           </a:p>
@@ -1489,134 +1943,16 @@
           <a:p>
             <a:r>
               <a:rPr lang="en-US" dirty="0"/>
-              <a:t>To-do: </a:t>
+              <a:t>Now the goal is to construct such a </a:t>
             </a:r>
             <a:r>
               <a:rPr lang="en-US" dirty="0" err="1"/>
-              <a:t>wirklich</a:t>
-            </a:r>
-            <a:r>
-              <a:rPr lang="en-US" dirty="0"/>
-              <a:t> relevant und </a:t>
-            </a:r>
-            <a:r>
-              <a:rPr lang="en-US" dirty="0" err="1"/>
-              <a:t>leicht</a:t>
+              <a:t>ps</a:t>
             </a:r>
             <a:r>
               <a:rPr lang="en-US" dirty="0"/>
               <a:t> </a:t>
             </a:r>
-            <a:r>
-              <a:rPr lang="en-US" dirty="0" err="1"/>
-              <a:t>genug</a:t>
-            </a:r>
-            <a:r>
-              <a:rPr lang="en-US" dirty="0"/>
-              <a:t> </a:t>
-            </a:r>
-            <a:r>
-              <a:rPr lang="en-US" dirty="0" err="1"/>
-              <a:t>verständlich</a:t>
-            </a:r>
-            <a:r>
-              <a:rPr lang="en-US" dirty="0"/>
-              <a:t>? </a:t>
-            </a:r>
-            <a:r>
-              <a:rPr lang="en-US" dirty="0" err="1"/>
-              <a:t>Evtl</a:t>
-            </a:r>
-            <a:r>
-              <a:rPr lang="en-US" dirty="0"/>
-              <a:t>. </a:t>
-            </a:r>
-            <a:r>
-              <a:rPr lang="en-US" dirty="0" err="1"/>
-              <a:t>besser</a:t>
-            </a:r>
-            <a:r>
-              <a:rPr lang="en-US" dirty="0"/>
-              <a:t> so </a:t>
-            </a:r>
-            <a:r>
-              <a:rPr lang="en-US" dirty="0" err="1"/>
-              <a:t>erklären</a:t>
-            </a:r>
-            <a:r>
-              <a:rPr lang="en-US" dirty="0"/>
-              <a:t> </a:t>
-            </a:r>
-            <a:r>
-              <a:rPr lang="en-US" dirty="0" err="1"/>
-              <a:t>wie</a:t>
-            </a:r>
-            <a:r>
-              <a:rPr lang="en-US" dirty="0"/>
-              <a:t> der </a:t>
-            </a:r>
-            <a:r>
-              <a:rPr lang="en-US" dirty="0" err="1"/>
-              <a:t>letzte</a:t>
-            </a:r>
-            <a:r>
-              <a:rPr lang="en-US" dirty="0"/>
-              <a:t> </a:t>
-            </a:r>
-            <a:r>
-              <a:rPr lang="en-US" dirty="0" err="1"/>
-              <a:t>Absatz</a:t>
-            </a:r>
-            <a:r>
-              <a:rPr lang="en-US" dirty="0"/>
-              <a:t> </a:t>
-            </a:r>
-            <a:r>
-              <a:rPr lang="en-US" dirty="0" err="1"/>
-              <a:t>vor</a:t>
-            </a:r>
-            <a:r>
-              <a:rPr lang="en-US" dirty="0"/>
-              <a:t> </a:t>
-            </a:r>
-            <a:r>
-              <a:rPr lang="en-US" dirty="0" err="1"/>
-              <a:t>Abschnitt</a:t>
-            </a:r>
-            <a:r>
-              <a:rPr lang="en-US" dirty="0"/>
-              <a:t> 1.1?</a:t>
-            </a:r>
-          </a:p>
-          <a:p>
-            <a:endParaRPr lang="en-US" dirty="0"/>
-          </a:p>
-          <a:p>
-            <a:r>
-              <a:rPr lang="en-US" dirty="0"/>
-              <a:t>To-do: </a:t>
-            </a:r>
-            <a:r>
-              <a:rPr lang="en-US" dirty="0" err="1"/>
-              <a:t>Kozen’s</a:t>
-            </a:r>
-            <a:r>
-              <a:rPr lang="en-US" dirty="0"/>
-              <a:t> Theorem </a:t>
-            </a:r>
-            <a:r>
-              <a:rPr lang="en-US" dirty="0" err="1"/>
-              <a:t>nochmal</a:t>
-            </a:r>
-            <a:r>
-              <a:rPr lang="en-US" dirty="0"/>
-              <a:t> </a:t>
-            </a:r>
-            <a:r>
-              <a:rPr lang="en-US" dirty="0" err="1"/>
-              <a:t>anschauen</a:t>
-            </a:r>
-            <a:endParaRPr lang="en-US" dirty="0"/>
           </a:p>
         </p:txBody>
       </p:sp>
@@ -1646,7 +1982,7 @@
     </p:spTree>
     <p:extLst>
       <p:ext uri="{BB962C8B-B14F-4D97-AF65-F5344CB8AC3E}">
-        <p14:creationId xmlns:p14="http://schemas.microsoft.com/office/powerpoint/2010/main" val="3558965081"/>
+        <p14:creationId xmlns:p14="http://schemas.microsoft.com/office/powerpoint/2010/main" val="1314377766"/>
       </p:ext>
     </p:extLst>
   </p:cSld>
@@ -1702,7 +2038,103 @@
           <a:p>
             <a:r>
               <a:rPr lang="en-US" dirty="0"/>
-              <a:t>needed?</a:t>
+              <a:t>To-do: </a:t>
+            </a:r>
+            <a:r>
+              <a:rPr lang="en-US" dirty="0" err="1"/>
+              <a:t>wirklich</a:t>
+            </a:r>
+            <a:r>
+              <a:rPr lang="en-US" dirty="0"/>
+              <a:t> relevant und </a:t>
+            </a:r>
+            <a:r>
+              <a:rPr lang="en-US" dirty="0" err="1"/>
+              <a:t>leicht</a:t>
+            </a:r>
+            <a:r>
+              <a:rPr lang="en-US" dirty="0"/>
+              <a:t> </a:t>
+            </a:r>
+            <a:r>
+              <a:rPr lang="en-US" dirty="0" err="1"/>
+              <a:t>genug</a:t>
+            </a:r>
+            <a:r>
+              <a:rPr lang="en-US" dirty="0"/>
+              <a:t> </a:t>
+            </a:r>
+            <a:r>
+              <a:rPr lang="en-US" dirty="0" err="1"/>
+              <a:t>verständlich</a:t>
+            </a:r>
+            <a:r>
+              <a:rPr lang="en-US" dirty="0"/>
+              <a:t>? </a:t>
+            </a:r>
+            <a:r>
+              <a:rPr lang="en-US" dirty="0" err="1"/>
+              <a:t>Evtl</a:t>
+            </a:r>
+            <a:r>
+              <a:rPr lang="en-US" dirty="0"/>
+              <a:t>. </a:t>
+            </a:r>
+            <a:r>
+              <a:rPr lang="en-US" dirty="0" err="1"/>
+              <a:t>besser</a:t>
+            </a:r>
+            <a:r>
+              <a:rPr lang="en-US" dirty="0"/>
+              <a:t> so </a:t>
+            </a:r>
+            <a:r>
+              <a:rPr lang="en-US" dirty="0" err="1"/>
+              <a:t>erklären</a:t>
+            </a:r>
+            <a:r>
+              <a:rPr lang="en-US" dirty="0"/>
+              <a:t> </a:t>
+            </a:r>
+            <a:r>
+              <a:rPr lang="en-US" dirty="0" err="1"/>
+              <a:t>wie</a:t>
+            </a:r>
+            <a:r>
+              <a:rPr lang="en-US" dirty="0"/>
+              <a:t> der </a:t>
+            </a:r>
+            <a:r>
+              <a:rPr lang="en-US" dirty="0" err="1"/>
+              <a:t>letzte</a:t>
+            </a:r>
+            <a:r>
+              <a:rPr lang="en-US" dirty="0"/>
+              <a:t> </a:t>
+            </a:r>
+            <a:r>
+              <a:rPr lang="en-US" dirty="0" err="1"/>
+              <a:t>Absatz</a:t>
+            </a:r>
+            <a:r>
+              <a:rPr lang="en-US" dirty="0"/>
+              <a:t> </a:t>
+            </a:r>
+            <a:r>
+              <a:rPr lang="en-US" dirty="0" err="1"/>
+              <a:t>vor</a:t>
+            </a:r>
+            <a:r>
+              <a:rPr lang="en-US" dirty="0"/>
+              <a:t> </a:t>
+            </a:r>
+            <a:r>
+              <a:rPr lang="en-US" dirty="0" err="1"/>
+              <a:t>Abschnitt</a:t>
+            </a:r>
+            <a:r>
+              <a:rPr lang="en-US" dirty="0"/>
+              <a:t> 1.1?</a:t>
             </a:r>
           </a:p>
         </p:txBody>
@@ -1733,7 +2165,7 @@
     </p:spTree>
     <p:extLst>
       <p:ext uri="{BB962C8B-B14F-4D97-AF65-F5344CB8AC3E}">
-        <p14:creationId xmlns:p14="http://schemas.microsoft.com/office/powerpoint/2010/main" val="4070183969"/>
+        <p14:creationId xmlns:p14="http://schemas.microsoft.com/office/powerpoint/2010/main" val="3558965081"/>
       </p:ext>
     </p:extLst>
   </p:cSld>
@@ -1789,6 +2221,15 @@
           <a:p>
             <a:r>
               <a:rPr lang="en-US" dirty="0"/>
+              <a:t>_Derivatives_</a:t>
+            </a:r>
+          </a:p>
+          <a:p>
+            <a:endParaRPr lang="en-US" dirty="0"/>
+          </a:p>
+          <a:p>
+            <a:r>
+              <a:rPr lang="en-US" dirty="0"/>
               <a:t>if a representation is finite, we can at least hope to be able to construct it.</a:t>
             </a:r>
           </a:p>
@@ -1820,7 +2261,7 @@
     </p:spTree>
     <p:extLst>
       <p:ext uri="{BB962C8B-B14F-4D97-AF65-F5344CB8AC3E}">
-        <p14:creationId xmlns:p14="http://schemas.microsoft.com/office/powerpoint/2010/main" val="2346868481"/>
+        <p14:creationId xmlns:p14="http://schemas.microsoft.com/office/powerpoint/2010/main" val="4070183969"/>
       </p:ext>
     </p:extLst>
   </p:cSld>
@@ -1876,55 +2317,24 @@
           <a:p>
             <a:r>
               <a:rPr lang="en-US" dirty="0"/>
-              <a:t>nullable </a:t>
+              <a:t>A </a:t>
             </a:r>
             <a:r>
               <a:rPr lang="en-US" dirty="0" err="1"/>
-              <a:t>erklären</a:t>
+              <a:t>Bisiumlation</a:t>
             </a:r>
             <a:r>
               <a:rPr lang="en-US" dirty="0"/>
-              <a:t> (</a:t>
-            </a:r>
-            <a:r>
-              <a:rPr lang="en-US" dirty="0" err="1"/>
-              <a:t>oder</a:t>
-            </a:r>
+              <a:t> is a _relation_ with the following properties</a:t>
+            </a:r>
+          </a:p>
+          <a:p>
+            <a:endParaRPr lang="en-US" dirty="0"/>
+          </a:p>
+          <a:p>
             <a:r>
               <a:rPr lang="en-US" dirty="0"/>
-              <a:t> </a:t>
-            </a:r>
-            <a:r>
-              <a:rPr lang="en-US" dirty="0" err="1"/>
-              <a:t>evtl</a:t>
-            </a:r>
-            <a:r>
-              <a:rPr lang="en-US" dirty="0"/>
-              <a:t>. </a:t>
-            </a:r>
-            <a:r>
-              <a:rPr lang="en-US" dirty="0" err="1"/>
-              <a:t>vorher</a:t>
-            </a:r>
-            <a:r>
-              <a:rPr lang="en-US" dirty="0"/>
-              <a:t> </a:t>
-            </a:r>
-            <a:r>
-              <a:rPr lang="en-US" dirty="0" err="1"/>
-              <a:t>ersetzen</a:t>
-            </a:r>
-            <a:r>
-              <a:rPr lang="en-US" dirty="0"/>
-              <a:t> </a:t>
-            </a:r>
-            <a:r>
-              <a:rPr lang="en-US" dirty="0" err="1"/>
-              <a:t>durch</a:t>
-            </a:r>
-            <a:r>
-              <a:rPr lang="en-US" dirty="0"/>
-              <a:t> “[] \in L(r)” ?)</a:t>
+              <a:t>We use “~”</a:t>
             </a:r>
           </a:p>
         </p:txBody>
@@ -1946,7 +2356,7 @@
           <a:p>
             <a:fld id="{FAA32559-8951-4C46-A356-FBB9455D7E38}" type="slidenum">
               <a:rPr lang="de-DE" smtClean="0"/>
-              <a:t>8</a:t>
+              <a:t>6</a:t>
             </a:fld>
             <a:endParaRPr lang="de-DE"/>
           </a:p>
@@ -1955,7 +2365,7 @@
     </p:spTree>
     <p:extLst>
       <p:ext uri="{BB962C8B-B14F-4D97-AF65-F5344CB8AC3E}">
-        <p14:creationId xmlns:p14="http://schemas.microsoft.com/office/powerpoint/2010/main" val="1365994791"/>
+        <p14:creationId xmlns:p14="http://schemas.microsoft.com/office/powerpoint/2010/main" val="2346868481"/>
       </p:ext>
     </p:extLst>
   </p:cSld>
@@ -2011,37 +2421,15 @@
           <a:p>
             <a:r>
               <a:rPr lang="en-US" dirty="0"/>
-              <a:t>so, for a position of the </a:t>
+              <a:t>“</a:t>
             </a:r>
             <a:r>
               <a:rPr lang="en-US" dirty="0" err="1"/>
-              <a:t>subterms</a:t>
+              <a:t>rexp</a:t>
             </a:r>
             <a:r>
               <a:rPr lang="en-US" dirty="0"/>
-              <a:t> in the sequence … + … + … + … (</a:t>
-            </a:r>
-            <a:r>
-              <a:rPr lang="en-US" dirty="0" err="1"/>
-              <a:t>Wich</a:t>
-            </a:r>
-            <a:r>
-              <a:rPr lang="en-US" dirty="0"/>
-              <a:t> is a tree, but due to associativity we can transform into a list) to be uniquely determined, we can just define an arbitrary order on the topmost constructors. Then every </a:t>
-            </a:r>
-            <a:r>
-              <a:rPr lang="en-US" dirty="0" err="1"/>
-              <a:t>subterm</a:t>
-            </a:r>
-            <a:r>
-              <a:rPr lang="en-US" dirty="0"/>
-              <a:t> is already in the “correct section the a list” and then, its subparts get normed again.</a:t>
-            </a:r>
-          </a:p>
-          <a:p>
-            <a:r>
-              <a:rPr lang="en-US" dirty="0"/>
-              <a:t>Actually, the correct way is to work bottom up, but you get the idea.</a:t>
+              <a:t>” is the type constructor of regular expressions</a:t>
             </a:r>
           </a:p>
         </p:txBody>
@@ -2063,7 +2451,7 @@
           <a:p>
             <a:fld id="{FAA32559-8951-4C46-A356-FBB9455D7E38}" type="slidenum">
               <a:rPr lang="de-DE" smtClean="0"/>
-              <a:t>9</a:t>
+              <a:t>8</a:t>
             </a:fld>
             <a:endParaRPr lang="de-DE"/>
           </a:p>
@@ -2072,7 +2460,7 @@
     </p:spTree>
     <p:extLst>
       <p:ext uri="{BB962C8B-B14F-4D97-AF65-F5344CB8AC3E}">
-        <p14:creationId xmlns:p14="http://schemas.microsoft.com/office/powerpoint/2010/main" val="2615019396"/>
+        <p14:creationId xmlns:p14="http://schemas.microsoft.com/office/powerpoint/2010/main" val="3897313182"/>
       </p:ext>
     </p:extLst>
   </p:cSld>
@@ -2128,11 +2516,130 @@
           <a:p>
             <a:r>
               <a:rPr lang="en-US" dirty="0"/>
-              <a:t>1: standard work set algorithm</a:t>
-            </a:r>
-          </a:p>
-          <a:p>
+              <a:t>nullable </a:t>
+            </a:r>
+            <a:r>
+              <a:rPr lang="en-US" dirty="0" err="1"/>
+              <a:t>erklären</a:t>
+            </a:r>
+            <a:r>
+              <a:rPr lang="en-US" dirty="0"/>
+              <a:t> (</a:t>
+            </a:r>
+            <a:r>
+              <a:rPr lang="en-US" dirty="0" err="1"/>
+              <a:t>oder</a:t>
+            </a:r>
+            <a:r>
+              <a:rPr lang="en-US" dirty="0"/>
+              <a:t> </a:t>
+            </a:r>
+            <a:r>
+              <a:rPr lang="en-US" dirty="0" err="1"/>
+              <a:t>evtl</a:t>
+            </a:r>
+            <a:r>
+              <a:rPr lang="en-US" dirty="0"/>
+              <a:t>. </a:t>
+            </a:r>
+            <a:r>
+              <a:rPr lang="en-US" dirty="0" err="1"/>
+              <a:t>vorher</a:t>
+            </a:r>
+            <a:r>
+              <a:rPr lang="en-US" dirty="0"/>
+              <a:t> </a:t>
+            </a:r>
+            <a:r>
+              <a:rPr lang="en-US" dirty="0" err="1"/>
+              <a:t>ersetzen</a:t>
+            </a:r>
+            <a:r>
+              <a:rPr lang="en-US" dirty="0"/>
+              <a:t> </a:t>
+            </a:r>
+            <a:r>
+              <a:rPr lang="en-US" dirty="0" err="1"/>
+              <a:t>durch</a:t>
+            </a:r>
+            <a:r>
+              <a:rPr lang="en-US" dirty="0"/>
+              <a:t> “[] \in L(r)” ?) </a:t>
+            </a:r>
+            <a:r>
+              <a:rPr lang="en-US" dirty="0" err="1"/>
+              <a:t>todo</a:t>
+            </a:r>
             <a:endParaRPr lang="en-US" dirty="0"/>
+          </a:p>
+          <a:p>
+            <a:endParaRPr lang="en-US" dirty="0"/>
+          </a:p>
+          <a:p>
+            <a:r>
+              <a:rPr lang="en-US" dirty="0"/>
+              <a:t>This means that we can replace the languages in the </a:t>
+            </a:r>
+            <a:r>
+              <a:rPr lang="en-US" dirty="0" err="1"/>
+              <a:t>bisimulation</a:t>
+            </a:r>
+            <a:r>
+              <a:rPr lang="en-US" dirty="0"/>
+              <a:t> def by REs </a:t>
+            </a:r>
+            <a:r>
+              <a:rPr lang="en-US" dirty="0">
+                <a:sym typeface="Wingdings" panose="05000000000000000000" pitchFamily="2" charset="2"/>
+              </a:rPr>
+              <a:t> &lt;---- to-do: </a:t>
+            </a:r>
+            <a:r>
+              <a:rPr lang="en-US" dirty="0" err="1">
+                <a:sym typeface="Wingdings" panose="05000000000000000000" pitchFamily="2" charset="2"/>
+              </a:rPr>
+              <a:t>Eigene</a:t>
+            </a:r>
+            <a:r>
+              <a:rPr lang="en-US" dirty="0">
+                <a:sym typeface="Wingdings" panose="05000000000000000000" pitchFamily="2" charset="2"/>
+              </a:rPr>
+              <a:t> </a:t>
+            </a:r>
+            <a:r>
+              <a:rPr lang="en-US" dirty="0" err="1">
+                <a:sym typeface="Wingdings" panose="05000000000000000000" pitchFamily="2" charset="2"/>
+              </a:rPr>
+              <a:t>Folie</a:t>
+            </a:r>
+            <a:r>
+              <a:rPr lang="en-US" dirty="0">
+                <a:sym typeface="Wingdings" panose="05000000000000000000" pitchFamily="2" charset="2"/>
+              </a:rPr>
+              <a:t> </a:t>
+            </a:r>
+            <a:r>
+              <a:rPr lang="en-US" dirty="0" err="1">
+                <a:sym typeface="Wingdings" panose="05000000000000000000" pitchFamily="2" charset="2"/>
+              </a:rPr>
+              <a:t>dafür</a:t>
+            </a:r>
+            <a:r>
+              <a:rPr lang="en-US" dirty="0">
+                <a:sym typeface="Wingdings" panose="05000000000000000000" pitchFamily="2" charset="2"/>
+              </a:rPr>
+              <a:t>?</a:t>
+            </a:r>
+            <a:endParaRPr lang="en-US" dirty="0"/>
+          </a:p>
+          <a:p>
+            <a:endParaRPr lang="en-US" dirty="0"/>
+          </a:p>
+          <a:p>
+            <a:r>
+              <a:rPr lang="en-US" dirty="0"/>
+              <a:t>… and now, we can hope to construct it. The simple approach “add all missing REs” works </a:t>
+            </a:r>
           </a:p>
         </p:txBody>
       </p:sp>
@@ -2153,7 +2660,7 @@
           <a:p>
             <a:fld id="{FAA32559-8951-4C46-A356-FBB9455D7E38}" type="slidenum">
               <a:rPr lang="de-DE" smtClean="0"/>
-              <a:t>13</a:t>
+              <a:t>9</a:t>
             </a:fld>
             <a:endParaRPr lang="de-DE"/>
           </a:p>
@@ -2162,7 +2669,7 @@
     </p:spTree>
     <p:extLst>
       <p:ext uri="{BB962C8B-B14F-4D97-AF65-F5344CB8AC3E}">
-        <p14:creationId xmlns:p14="http://schemas.microsoft.com/office/powerpoint/2010/main" val="922902247"/>
+        <p14:creationId xmlns:p14="http://schemas.microsoft.com/office/powerpoint/2010/main" val="1365994791"/>
       </p:ext>
     </p:extLst>
   </p:cSld>
@@ -2217,78 +2724,9 @@
           <a:lstStyle/>
           <a:p>
             <a:r>
-              <a:rPr lang="de-DE" dirty="0"/>
-              <a:t>…</a:t>
-            </a:r>
-            <a:r>
-              <a:rPr lang="de-DE" dirty="0" err="1"/>
-              <a:t>extended</a:t>
-            </a:r>
-            <a:r>
-              <a:rPr lang="de-DE" dirty="0"/>
-              <a:t> REs </a:t>
-            </a:r>
-            <a:r>
-              <a:rPr lang="de-DE" dirty="0" err="1"/>
-              <a:t>are</a:t>
-            </a:r>
-            <a:r>
-              <a:rPr lang="de-DE" dirty="0"/>
-              <a:t> not </a:t>
-            </a:r>
-            <a:r>
-              <a:rPr lang="de-DE" dirty="0" err="1"/>
-              <a:t>more</a:t>
-            </a:r>
-            <a:r>
-              <a:rPr lang="de-DE" dirty="0"/>
-              <a:t> expressive, but </a:t>
-            </a:r>
-            <a:r>
-              <a:rPr lang="de-DE" dirty="0" err="1"/>
-              <a:t>they</a:t>
-            </a:r>
-            <a:r>
-              <a:rPr lang="de-DE" dirty="0"/>
-              <a:t> </a:t>
-            </a:r>
-            <a:r>
-              <a:rPr lang="de-DE" dirty="0" err="1"/>
-              <a:t>can</a:t>
-            </a:r>
-            <a:r>
-              <a:rPr lang="de-DE" dirty="0"/>
-              <a:t> </a:t>
-            </a:r>
-            <a:r>
-              <a:rPr lang="de-DE" dirty="0" err="1"/>
-              <a:t>be</a:t>
-            </a:r>
-            <a:r>
-              <a:rPr lang="de-DE" dirty="0"/>
-              <a:t> </a:t>
-            </a:r>
-            <a:r>
-              <a:rPr lang="de-DE" dirty="0" err="1"/>
-              <a:t>much</a:t>
-            </a:r>
-            <a:r>
-              <a:rPr lang="de-DE" dirty="0"/>
-              <a:t> </a:t>
-            </a:r>
-            <a:r>
-              <a:rPr lang="de-DE" dirty="0" err="1"/>
-              <a:t>more</a:t>
-            </a:r>
-            <a:r>
-              <a:rPr lang="de-DE" dirty="0"/>
-              <a:t> </a:t>
-            </a:r>
-            <a:r>
-              <a:rPr lang="de-DE"/>
-              <a:t>succinct</a:t>
-            </a:r>
-            <a:endParaRPr lang="de-DE" dirty="0"/>
+              <a:rPr lang="en-US" dirty="0"/>
+              <a:t>left: work set right: relation</a:t>
+            </a:r>
           </a:p>
         </p:txBody>
       </p:sp>
@@ -2309,7 +2747,7 @@
           <a:p>
             <a:fld id="{FAA32559-8951-4C46-A356-FBB9455D7E38}" type="slidenum">
               <a:rPr lang="de-DE" smtClean="0"/>
-              <a:t>17</a:t>
+              <a:t>10</a:t>
             </a:fld>
             <a:endParaRPr lang="de-DE"/>
           </a:p>
@@ -2318,7 +2756,7 @@
     </p:spTree>
     <p:extLst>
       <p:ext uri="{BB962C8B-B14F-4D97-AF65-F5344CB8AC3E}">
-        <p14:creationId xmlns:p14="http://schemas.microsoft.com/office/powerpoint/2010/main" val="277471394"/>
+        <p14:creationId xmlns:p14="http://schemas.microsoft.com/office/powerpoint/2010/main" val="4219968473"/>
       </p:ext>
     </p:extLst>
   </p:cSld>
@@ -2475,7 +2913,7 @@
           <a:p>
             <a:fld id="{B8511AE9-C2D5-45E7-980E-A4DD1A9265AF}" type="datetimeFigureOut">
               <a:rPr lang="en-US" noProof="0" smtClean="0"/>
-              <a:t>11/29/2017</a:t>
+              <a:t>12/4/2017</a:t>
             </a:fld>
             <a:endParaRPr lang="en-US" noProof="0"/>
           </a:p>
@@ -2673,7 +3111,7 @@
           <a:p>
             <a:fld id="{B8511AE9-C2D5-45E7-980E-A4DD1A9265AF}" type="datetimeFigureOut">
               <a:rPr lang="de-DE" smtClean="0"/>
-              <a:t>29.11.2017</a:t>
+              <a:t>04.12.2017</a:t>
             </a:fld>
             <a:endParaRPr lang="de-DE"/>
           </a:p>
@@ -2975,7 +3413,7 @@
             <a:fld id="{B8511AE9-C2D5-45E7-980E-A4DD1A9265AF}" type="datetimeFigureOut">
               <a:rPr lang="en-US" noProof="0" smtClean="0"/>
               <a:pPr/>
-              <a:t>11/29/2017</a:t>
+              <a:t>12/4/2017</a:t>
             </a:fld>
             <a:endParaRPr lang="en-US" noProof="0"/>
           </a:p>
@@ -3129,7 +3567,7 @@
           <a:p>
             <a:fld id="{B8511AE9-C2D5-45E7-980E-A4DD1A9265AF}" type="datetimeFigureOut">
               <a:rPr lang="en-US" noProof="0" smtClean="0"/>
-              <a:t>11/29/2017</a:t>
+              <a:t>12/4/2017</a:t>
             </a:fld>
             <a:endParaRPr lang="en-US" noProof="0"/>
           </a:p>
@@ -3327,7 +3765,7 @@
           <a:p>
             <a:fld id="{B8511AE9-C2D5-45E7-980E-A4DD1A9265AF}" type="datetimeFigureOut">
               <a:rPr lang="en-US" noProof="0" smtClean="0"/>
-              <a:t>11/29/2017</a:t>
+              <a:t>12/4/2017</a:t>
             </a:fld>
             <a:endParaRPr lang="en-US" noProof="0"/>
           </a:p>
@@ -3602,7 +4040,7 @@
           <a:p>
             <a:fld id="{B8511AE9-C2D5-45E7-980E-A4DD1A9265AF}" type="datetimeFigureOut">
               <a:rPr lang="en-US" noProof="0" smtClean="0"/>
-              <a:t>11/29/2017</a:t>
+              <a:t>12/4/2017</a:t>
             </a:fld>
             <a:endParaRPr lang="en-US" noProof="0"/>
           </a:p>
@@ -3924,7 +4362,7 @@
           <a:p>
             <a:fld id="{B8511AE9-C2D5-45E7-980E-A4DD1A9265AF}" type="datetimeFigureOut">
               <a:rPr lang="en-US" noProof="0" smtClean="0"/>
-              <a:t>11/29/2017</a:t>
+              <a:t>12/4/2017</a:t>
             </a:fld>
             <a:endParaRPr lang="en-US" noProof="0"/>
           </a:p>
@@ -4336,7 +4774,7 @@
           <a:p>
             <a:fld id="{B8511AE9-C2D5-45E7-980E-A4DD1A9265AF}" type="datetimeFigureOut">
               <a:rPr lang="en-US" noProof="0" smtClean="0"/>
-              <a:t>11/29/2017</a:t>
+              <a:t>12/4/2017</a:t>
             </a:fld>
             <a:endParaRPr lang="en-US" noProof="0"/>
           </a:p>
@@ -4477,7 +4915,7 @@
           <a:p>
             <a:fld id="{B8511AE9-C2D5-45E7-980E-A4DD1A9265AF}" type="datetimeFigureOut">
               <a:rPr lang="en-US" noProof="0" smtClean="0"/>
-              <a:t>11/29/2017</a:t>
+              <a:t>12/4/2017</a:t>
             </a:fld>
             <a:endParaRPr lang="en-US" noProof="0"/>
           </a:p>
@@ -4595,7 +5033,7 @@
           <a:p>
             <a:fld id="{B8511AE9-C2D5-45E7-980E-A4DD1A9265AF}" type="datetimeFigureOut">
               <a:rPr lang="en-US" noProof="0" smtClean="0"/>
-              <a:t>11/29/2017</a:t>
+              <a:t>12/4/2017</a:t>
             </a:fld>
             <a:endParaRPr lang="en-US" noProof="0"/>
           </a:p>
@@ -4906,7 +5344,7 @@
           <a:p>
             <a:fld id="{B8511AE9-C2D5-45E7-980E-A4DD1A9265AF}" type="datetimeFigureOut">
               <a:rPr lang="en-US" noProof="0" smtClean="0"/>
-              <a:t>11/29/2017</a:t>
+              <a:t>12/4/2017</a:t>
             </a:fld>
             <a:endParaRPr lang="en-US" noProof="0"/>
           </a:p>
@@ -5199,7 +5637,7 @@
           <a:p>
             <a:fld id="{B8511AE9-C2D5-45E7-980E-A4DD1A9265AF}" type="datetimeFigureOut">
               <a:rPr lang="en-US" noProof="0" smtClean="0"/>
-              <a:t>11/29/2017</a:t>
+              <a:t>12/4/2017</a:t>
             </a:fld>
             <a:endParaRPr lang="en-US" noProof="0"/>
           </a:p>
@@ -5440,7 +5878,7 @@
           <a:p>
             <a:fld id="{B8511AE9-C2D5-45E7-980E-A4DD1A9265AF}" type="datetimeFigureOut">
               <a:rPr lang="en-US" noProof="0" smtClean="0"/>
-              <a:t>11/29/2017</a:t>
+              <a:t>12/4/2017</a:t>
             </a:fld>
             <a:endParaRPr lang="en-US" noProof="0"/>
           </a:p>
@@ -5948,7 +6386,7 @@
           <p:cNvPr id="2" name="Titel 1">
             <a:extLst>
               <a:ext uri="{FF2B5EF4-FFF2-40B4-BE49-F238E27FC236}">
-                <a16:creationId xmlns:a16="http://schemas.microsoft.com/office/drawing/2014/main" id="{73704D80-7585-4A6B-B25E-32552CEA93AA}"/>
+                <a16:creationId xmlns:a16="http://schemas.microsoft.com/office/drawing/2014/main" id="{A361A3B1-D8C0-4C7D-A9AD-A176331D158C}"/>
               </a:ext>
             </a:extLst>
           </p:cNvPr>
@@ -5965,10 +6403,9 @@
           <a:lstStyle/>
           <a:p>
             <a:r>
-              <a:rPr lang="en-US" dirty="0" err="1"/>
-              <a:t>nderiv</a:t>
-            </a:r>
-            <a:endParaRPr lang="en-US" dirty="0"/>
+              <a:rPr lang="en-US" dirty="0"/>
+              <a:t>Algorithm</a:t>
+            </a:r>
           </a:p>
         </p:txBody>
       </p:sp>
@@ -5977,7 +6414,7 @@
           <p:cNvPr id="3" name="Inhaltsplatzhalter 2">
             <a:extLst>
               <a:ext uri="{FF2B5EF4-FFF2-40B4-BE49-F238E27FC236}">
-                <a16:creationId xmlns:a16="http://schemas.microsoft.com/office/drawing/2014/main" id="{4D17F7F0-A1DB-4420-9F51-48EBBFA186BF}"/>
+                <a16:creationId xmlns:a16="http://schemas.microsoft.com/office/drawing/2014/main" id="{8E0EF17B-F9BE-4178-A899-972EAE8126AE}"/>
               </a:ext>
             </a:extLst>
           </p:cNvPr>
@@ -5990,108 +6427,64 @@
         </p:nvSpPr>
         <p:spPr/>
         <p:txBody>
-          <a:bodyPr>
-            <a:normAutofit/>
-          </a:bodyPr>
+          <a:bodyPr/>
           <a:lstStyle/>
           <a:p>
+            <a:pPr marL="0" indent="0">
+              <a:buNone/>
+            </a:pPr>
             <a:r>
               <a:rPr lang="en-US" dirty="0"/>
-              <a:t>keeps normed REs normed</a:t>
-            </a:r>
-          </a:p>
-          <a:p>
-            <a:r>
-              <a:rPr lang="en-US" dirty="0"/>
-              <a:t>  "</a:t>
-            </a:r>
-            <a:r>
-              <a:rPr lang="en-US" dirty="0" err="1"/>
-              <a:t>nderiv</a:t>
-            </a:r>
-            <a:r>
-              <a:rPr lang="en-US" dirty="0"/>
-              <a:t> _ Zero = Zero"</a:t>
-            </a:r>
-          </a:p>
-          <a:p>
-            <a:r>
-              <a:rPr lang="en-US" dirty="0"/>
-              <a:t>| "</a:t>
-            </a:r>
-            <a:r>
-              <a:rPr lang="en-US" dirty="0" err="1"/>
-              <a:t>nderiv</a:t>
-            </a:r>
-            <a:r>
-              <a:rPr lang="en-US" dirty="0"/>
-              <a:t> _ One = Zero"</a:t>
-            </a:r>
-          </a:p>
-          <a:p>
-            <a:r>
-              <a:rPr lang="en-US" dirty="0"/>
-              <a:t>| "</a:t>
-            </a:r>
-            <a:r>
-              <a:rPr lang="en-US" dirty="0" err="1"/>
-              <a:t>nderiv</a:t>
-            </a:r>
-            <a:r>
-              <a:rPr lang="en-US" dirty="0"/>
-              <a:t> a (Atom b) = (if a = b then One else Zero)"</a:t>
-            </a:r>
-          </a:p>
-          <a:p>
-            <a:r>
-              <a:rPr lang="en-US" dirty="0"/>
-              <a:t>| "</a:t>
-            </a:r>
-            <a:r>
-              <a:rPr lang="en-US" dirty="0" err="1"/>
-              <a:t>nderiv</a:t>
-            </a:r>
-            <a:r>
-              <a:rPr lang="en-US" dirty="0"/>
-              <a:t> a (Plus r s) = </a:t>
-            </a:r>
-            <a:r>
-              <a:rPr lang="en-US" dirty="0" err="1"/>
-              <a:t>nPlus</a:t>
-            </a:r>
-            <a:r>
-              <a:rPr lang="en-US" dirty="0"/>
-              <a:t> (</a:t>
-            </a:r>
-            <a:r>
-              <a:rPr lang="en-US" dirty="0" err="1"/>
-              <a:t>nderiv</a:t>
-            </a:r>
-            <a:r>
-              <a:rPr lang="en-US" dirty="0"/>
-              <a:t> a r) (</a:t>
-            </a:r>
-            <a:r>
-              <a:rPr lang="en-US" dirty="0" err="1"/>
-              <a:t>nderiv</a:t>
-            </a:r>
-            <a:r>
-              <a:rPr lang="en-US" dirty="0"/>
-              <a:t> a s)"</a:t>
-            </a:r>
-          </a:p>
-          <a:p>
-            <a:r>
-              <a:rPr lang="en-US" dirty="0"/>
-              <a:t>| "</a:t>
-            </a:r>
-            <a:r>
-              <a:rPr lang="en-US" dirty="0" err="1"/>
-              <a:t>nderiv</a:t>
-            </a:r>
-            <a:r>
-              <a:rPr lang="en-US" dirty="0"/>
-              <a:t> a (Times r s) =</a:t>
+              <a:t>Assume a definition</a:t>
+            </a:r>
+          </a:p>
+          <a:p>
+            <a:pPr marL="0" indent="0">
+              <a:buNone/>
+            </a:pPr>
+            <a:r>
+              <a:rPr lang="en-GB" dirty="0"/>
+              <a:t>fun </a:t>
+            </a:r>
+            <a:r>
+              <a:rPr lang="en-GB" dirty="0">
+                <a:latin typeface="Lucida Bright" panose="02040602050505020304" pitchFamily="18" charset="0"/>
+              </a:rPr>
+              <a:t>while</a:t>
+            </a:r>
+            <a:r>
+              <a:rPr lang="en-GB" dirty="0"/>
+              <a:t> where </a:t>
+            </a:r>
+            <a:r>
+              <a:rPr lang="en-GB" dirty="0">
+                <a:latin typeface="Lucida Bright" panose="02040602050505020304" pitchFamily="18" charset="0"/>
+              </a:rPr>
+              <a:t>while </a:t>
+            </a:r>
+            <a:r>
+              <a:rPr lang="en-GB" dirty="0" err="1">
+                <a:latin typeface="Lucida Bright" panose="02040602050505020304" pitchFamily="18" charset="0"/>
+              </a:rPr>
+              <a:t>tst</a:t>
+            </a:r>
+            <a:r>
+              <a:rPr lang="en-GB" dirty="0">
+                <a:latin typeface="Lucida Bright" panose="02040602050505020304" pitchFamily="18" charset="0"/>
+              </a:rPr>
+              <a:t> </a:t>
+            </a:r>
+            <a:r>
+              <a:rPr lang="en-GB" dirty="0" err="1">
+                <a:latin typeface="Lucida Bright" panose="02040602050505020304" pitchFamily="18" charset="0"/>
+              </a:rPr>
+              <a:t>stp</a:t>
+            </a:r>
+            <a:r>
+              <a:rPr lang="en-GB" dirty="0">
+                <a:latin typeface="Lucida Bright" panose="02040602050505020304" pitchFamily="18" charset="0"/>
+              </a:rPr>
+              <a:t> state =</a:t>
             </a:r>
           </a:p>
           <a:p>
@@ -6099,79 +6492,154 @@
               <a:buNone/>
             </a:pPr>
             <a:r>
-              <a:rPr lang="en-US" dirty="0"/>
-              <a:t>(let r's = </a:t>
-            </a:r>
-            <a:r>
-              <a:rPr lang="en-US" dirty="0" err="1"/>
-              <a:t>nTimes</a:t>
-            </a:r>
-            <a:r>
-              <a:rPr lang="en-US" dirty="0"/>
+              <a:rPr lang="en-GB" dirty="0">
+                <a:latin typeface="Lucida Bright" panose="02040602050505020304" pitchFamily="18" charset="0"/>
+              </a:rPr>
+              <a:t>	(if </a:t>
+            </a:r>
+            <a:r>
+              <a:rPr lang="en-GB" dirty="0" err="1">
+                <a:latin typeface="Lucida Bright" panose="02040602050505020304" pitchFamily="18" charset="0"/>
+              </a:rPr>
+              <a:t>tst</a:t>
+            </a:r>
+            <a:r>
+              <a:rPr lang="en-GB" dirty="0">
+                <a:latin typeface="Lucida Bright" panose="02040602050505020304" pitchFamily="18" charset="0"/>
+              </a:rPr>
+              <a:t> state then while </a:t>
+            </a:r>
+            <a:r>
+              <a:rPr lang="en-GB" dirty="0" err="1">
+                <a:latin typeface="Lucida Bright" panose="02040602050505020304" pitchFamily="18" charset="0"/>
+              </a:rPr>
+              <a:t>tst</a:t>
+            </a:r>
+            <a:r>
+              <a:rPr lang="en-GB" dirty="0">
+                <a:latin typeface="Lucida Bright" panose="02040602050505020304" pitchFamily="18" charset="0"/>
+              </a:rPr>
+              <a:t> </a:t>
+            </a:r>
+            <a:r>
+              <a:rPr lang="en-GB" dirty="0" err="1">
+                <a:latin typeface="Lucida Bright" panose="02040602050505020304" pitchFamily="18" charset="0"/>
+              </a:rPr>
+              <a:t>stp</a:t>
+            </a:r>
+            <a:r>
+              <a:rPr lang="en-GB" dirty="0">
+                <a:latin typeface="Lucida Bright" panose="02040602050505020304" pitchFamily="18" charset="0"/>
+              </a:rPr>
               <a:t> (</a:t>
             </a:r>
             <a:r>
-              <a:rPr lang="en-US" dirty="0" err="1"/>
-              <a:t>nderiv</a:t>
-            </a:r>
-            <a:r>
-              <a:rPr lang="en-US" dirty="0"/>
-              <a:t> a r) s</a:t>
+              <a:rPr lang="en-GB" dirty="0" err="1">
+                <a:latin typeface="Lucida Bright" panose="02040602050505020304" pitchFamily="18" charset="0"/>
+              </a:rPr>
+              <a:t>stp</a:t>
+            </a:r>
+            <a:r>
+              <a:rPr lang="en-GB" dirty="0">
+                <a:latin typeface="Lucida Bright" panose="02040602050505020304" pitchFamily="18" charset="0"/>
+              </a:rPr>
+              <a:t> state) else state)</a:t>
             </a:r>
           </a:p>
           <a:p>
             <a:pPr marL="457200" lvl="1" indent="0">
               <a:buNone/>
             </a:pPr>
+            <a:endParaRPr lang="en-GB" dirty="0">
+              <a:latin typeface="Lucida Bright" panose="02040602050505020304" pitchFamily="18" charset="0"/>
+            </a:endParaRPr>
+          </a:p>
+          <a:p>
+            <a:pPr marL="0" indent="0">
+              <a:buNone/>
+            </a:pPr>
+            <a:endParaRPr lang="en-US" dirty="0"/>
+          </a:p>
+          <a:p>
+            <a:pPr marL="0" indent="0">
+              <a:buNone/>
+            </a:pPr>
             <a:r>
               <a:rPr lang="en-US" dirty="0"/>
-              <a:t>	in if nullable r then </a:t>
-            </a:r>
-            <a:r>
-              <a:rPr lang="en-US" dirty="0" err="1"/>
-              <a:t>nPlus</a:t>
+              <a:t>In our case, </a:t>
+            </a:r>
+            <a:r>
+              <a:rPr lang="en-US" dirty="0">
+                <a:latin typeface="Lucida Bright" panose="02040602050505020304" pitchFamily="18" charset="0"/>
+              </a:rPr>
+              <a:t>state</a:t>
             </a:r>
             <a:r>
               <a:rPr lang="en-US" dirty="0"/>
-              <a:t> r's (</a:t>
-            </a:r>
-            <a:r>
-              <a:rPr lang="en-US" dirty="0" err="1"/>
-              <a:t>nderiv</a:t>
-            </a:r>
+              <a:t> has the type</a:t>
+            </a:r>
+          </a:p>
+          <a:p>
+            <a:pPr marL="0" indent="0">
+              <a:buNone/>
+            </a:pPr>
             <a:r>
               <a:rPr lang="en-US" dirty="0"/>
-              <a:t> a s) else r's)"</a:t>
-            </a:r>
-          </a:p>
-          <a:p>
-            <a:r>
-              <a:rPr lang="en-US" dirty="0"/>
-              <a:t>| "</a:t>
-            </a:r>
-            <a:r>
-              <a:rPr lang="en-US" dirty="0" err="1"/>
-              <a:t>nderiv</a:t>
-            </a:r>
-            <a:r>
-              <a:rPr lang="en-US" dirty="0"/>
-              <a:t> a (Star r) = </a:t>
-            </a:r>
-            <a:r>
-              <a:rPr lang="en-US" dirty="0" err="1"/>
-              <a:t>nTimes</a:t>
-            </a:r>
-            <a:r>
-              <a:rPr lang="en-US" dirty="0"/>
-              <a:t> (</a:t>
-            </a:r>
-            <a:r>
-              <a:rPr lang="en-US" dirty="0" err="1"/>
-              <a:t>nderiv</a:t>
-            </a:r>
-            <a:r>
-              <a:rPr lang="en-US" dirty="0"/>
-              <a:t> a r) (Star r)"</a:t>
+              <a:t>	</a:t>
+            </a:r>
+            <a:r>
+              <a:rPr lang="en-US" dirty="0">
+                <a:latin typeface="Lucida Bright" panose="02040602050505020304" pitchFamily="18" charset="0"/>
+              </a:rPr>
+              <a:t>('a </a:t>
+            </a:r>
+            <a:r>
+              <a:rPr lang="en-US" dirty="0" err="1">
+                <a:latin typeface="Lucida Bright" panose="02040602050505020304" pitchFamily="18" charset="0"/>
+              </a:rPr>
+              <a:t>rexp</a:t>
+            </a:r>
+            <a:r>
+              <a:rPr lang="en-US" dirty="0">
+                <a:latin typeface="Lucida Bright" panose="02040602050505020304" pitchFamily="18" charset="0"/>
+              </a:rPr>
+              <a:t> × 'a </a:t>
+            </a:r>
+            <a:r>
+              <a:rPr lang="en-US" dirty="0" err="1">
+                <a:latin typeface="Lucida Bright" panose="02040602050505020304" pitchFamily="18" charset="0"/>
+              </a:rPr>
+              <a:t>rexp</a:t>
+            </a:r>
+            <a:r>
+              <a:rPr lang="en-US" dirty="0">
+                <a:latin typeface="Lucida Bright" panose="02040602050505020304" pitchFamily="18" charset="0"/>
+              </a:rPr>
+              <a:t>) list × ('a </a:t>
+            </a:r>
+            <a:r>
+              <a:rPr lang="en-US" dirty="0" err="1">
+                <a:latin typeface="Lucida Bright" panose="02040602050505020304" pitchFamily="18" charset="0"/>
+              </a:rPr>
+              <a:t>rexp</a:t>
+            </a:r>
+            <a:r>
+              <a:rPr lang="en-US" dirty="0">
+                <a:latin typeface="Lucida Bright" panose="02040602050505020304" pitchFamily="18" charset="0"/>
+              </a:rPr>
+              <a:t> × 'a </a:t>
+            </a:r>
+            <a:r>
+              <a:rPr lang="en-US" dirty="0" err="1">
+                <a:latin typeface="Lucida Bright" panose="02040602050505020304" pitchFamily="18" charset="0"/>
+              </a:rPr>
+              <a:t>rexp</a:t>
+            </a:r>
+            <a:r>
+              <a:rPr lang="en-US" dirty="0">
+                <a:latin typeface="Lucida Bright" panose="02040602050505020304" pitchFamily="18" charset="0"/>
+              </a:rPr>
+              <a:t>) list</a:t>
             </a:r>
           </a:p>
         </p:txBody>
@@ -6179,7 +6647,7 @@
     </p:spTree>
     <p:extLst>
       <p:ext uri="{BB962C8B-B14F-4D97-AF65-F5344CB8AC3E}">
-        <p14:creationId xmlns:p14="http://schemas.microsoft.com/office/powerpoint/2010/main" val="1478215631"/>
+        <p14:creationId xmlns:p14="http://schemas.microsoft.com/office/powerpoint/2010/main" val="1836650516"/>
       </p:ext>
     </p:extLst>
   </p:cSld>
@@ -6211,7 +6679,7 @@
           <p:cNvPr id="2" name="Titel 1">
             <a:extLst>
               <a:ext uri="{FF2B5EF4-FFF2-40B4-BE49-F238E27FC236}">
-                <a16:creationId xmlns:a16="http://schemas.microsoft.com/office/drawing/2014/main" id="{A361A3B1-D8C0-4C7D-A9AD-A176331D158C}"/>
+                <a16:creationId xmlns:a16="http://schemas.microsoft.com/office/drawing/2014/main" id="{ACA67C1E-2545-499C-967A-F415723CDE4C}"/>
               </a:ext>
             </a:extLst>
           </p:cNvPr>
@@ -6229,7 +6697,7 @@
           <a:p>
             <a:r>
               <a:rPr lang="en-US" dirty="0"/>
-              <a:t>Next steps of the algorithm</a:t>
+              <a:t>Step and Test</a:t>
             </a:r>
           </a:p>
         </p:txBody>
@@ -6239,7 +6707,7 @@
           <p:cNvPr id="3" name="Inhaltsplatzhalter 2">
             <a:extLst>
               <a:ext uri="{FF2B5EF4-FFF2-40B4-BE49-F238E27FC236}">
-                <a16:creationId xmlns:a16="http://schemas.microsoft.com/office/drawing/2014/main" id="{8E0EF17B-F9BE-4178-A899-972EAE8126AE}"/>
+                <a16:creationId xmlns:a16="http://schemas.microsoft.com/office/drawing/2014/main" id="{5347057A-69F6-409A-ACFA-8AB16AFEBA07}"/>
               </a:ext>
             </a:extLst>
           </p:cNvPr>
@@ -6252,37 +6720,336 @@
         </p:nvSpPr>
         <p:spPr/>
         <p:txBody>
-          <a:bodyPr/>
+          <a:bodyPr>
+            <a:normAutofit fontScale="92500"/>
+          </a:bodyPr>
           <a:lstStyle/>
           <a:p>
+            <a:pPr marL="0" indent="0">
+              <a:buNone/>
+            </a:pPr>
+            <a:r>
+              <a:rPr lang="en-GB" dirty="0"/>
+              <a:t>fun </a:t>
+            </a:r>
+            <a:r>
+              <a:rPr lang="en-GB" dirty="0" err="1">
+                <a:latin typeface="Lucida Bright" panose="02040602050505020304" pitchFamily="18" charset="0"/>
+              </a:rPr>
+              <a:t>stp</a:t>
+            </a:r>
+            <a:r>
+              <a:rPr lang="en-GB" dirty="0"/>
+              <a:t> where </a:t>
+            </a:r>
+            <a:r>
+              <a:rPr lang="en-GB" dirty="0" err="1">
+                <a:latin typeface="Lucida Bright" panose="02040602050505020304" pitchFamily="18" charset="0"/>
+              </a:rPr>
+              <a:t>stp</a:t>
+            </a:r>
+            <a:r>
+              <a:rPr lang="en-GB" dirty="0">
+                <a:latin typeface="Lucida Bright" panose="02040602050505020304" pitchFamily="18" charset="0"/>
+              </a:rPr>
+              <a:t> as (</a:t>
+            </a:r>
+            <a:r>
+              <a:rPr lang="en-GB" dirty="0" err="1">
+                <a:latin typeface="Lucida Bright" panose="02040602050505020304" pitchFamily="18" charset="0"/>
+              </a:rPr>
+              <a:t>ws</a:t>
+            </a:r>
+            <a:r>
+              <a:rPr lang="en-GB" dirty="0">
+                <a:latin typeface="Lucida Bright" panose="02040602050505020304" pitchFamily="18" charset="0"/>
+              </a:rPr>
+              <a:t>, </a:t>
+            </a:r>
+            <a:r>
+              <a:rPr lang="en-GB" dirty="0" err="1">
+                <a:latin typeface="Lucida Bright" panose="02040602050505020304" pitchFamily="18" charset="0"/>
+              </a:rPr>
+              <a:t>ps</a:t>
+            </a:r>
+            <a:r>
+              <a:rPr lang="en-GB" dirty="0">
+                <a:latin typeface="Lucida Bright" panose="02040602050505020304" pitchFamily="18" charset="0"/>
+              </a:rPr>
+              <a:t>) =</a:t>
+            </a:r>
+          </a:p>
+          <a:p>
+            <a:pPr marL="0" indent="0">
+              <a:buNone/>
+            </a:pPr>
+            <a:r>
+              <a:rPr lang="en-GB" dirty="0">
+                <a:latin typeface="Lucida Bright" panose="02040602050505020304" pitchFamily="18" charset="0"/>
+              </a:rPr>
+              <a:t>  (let </a:t>
+            </a:r>
+            <a:r>
+              <a:rPr lang="en-GB" dirty="0" err="1">
+                <a:latin typeface="Lucida Bright" panose="02040602050505020304" pitchFamily="18" charset="0"/>
+              </a:rPr>
+              <a:t>ps'</a:t>
+            </a:r>
+            <a:r>
+              <a:rPr lang="en-GB" dirty="0">
+                <a:latin typeface="Lucida Bright" panose="02040602050505020304" pitchFamily="18" charset="0"/>
+              </a:rPr>
+              <a:t> = </a:t>
+            </a:r>
+            <a:r>
+              <a:rPr lang="en-GB" dirty="0" err="1">
+                <a:latin typeface="Lucida Bright" panose="02040602050505020304" pitchFamily="18" charset="0"/>
+              </a:rPr>
+              <a:t>hd</a:t>
+            </a:r>
+            <a:r>
+              <a:rPr lang="en-GB" dirty="0">
+                <a:latin typeface="Lucida Bright" panose="02040602050505020304" pitchFamily="18" charset="0"/>
+              </a:rPr>
+              <a:t> </a:t>
+            </a:r>
+            <a:r>
+              <a:rPr lang="en-GB" dirty="0" err="1">
+                <a:latin typeface="Lucida Bright" panose="02040602050505020304" pitchFamily="18" charset="0"/>
+              </a:rPr>
+              <a:t>ws</a:t>
+            </a:r>
+            <a:r>
+              <a:rPr lang="en-GB" dirty="0">
+                <a:latin typeface="Lucida Bright" panose="02040602050505020304" pitchFamily="18" charset="0"/>
+              </a:rPr>
+              <a:t> # </a:t>
+            </a:r>
+            <a:r>
+              <a:rPr lang="en-GB" dirty="0" err="1">
+                <a:latin typeface="Lucida Bright" panose="02040602050505020304" pitchFamily="18" charset="0"/>
+              </a:rPr>
+              <a:t>ps</a:t>
+            </a:r>
+            <a:r>
+              <a:rPr lang="en-GB" dirty="0">
+                <a:latin typeface="Lucida Bright" panose="02040602050505020304" pitchFamily="18" charset="0"/>
+              </a:rPr>
+              <a:t>;</a:t>
+            </a:r>
+          </a:p>
+          <a:p>
+            <a:pPr marL="0" indent="0">
+              <a:buNone/>
+            </a:pPr>
+            <a:r>
+              <a:rPr lang="en-GB" dirty="0">
+                <a:latin typeface="Lucida Bright" panose="02040602050505020304" pitchFamily="18" charset="0"/>
+              </a:rPr>
+              <a:t>    new = [</a:t>
+            </a:r>
+            <a:r>
+              <a:rPr lang="en-GB" dirty="0" err="1">
+                <a:latin typeface="Lucida Bright" panose="02040602050505020304" pitchFamily="18" charset="0"/>
+              </a:rPr>
+              <a:t>p←succs</a:t>
+            </a:r>
+            <a:r>
+              <a:rPr lang="en-GB" dirty="0">
+                <a:latin typeface="Lucida Bright" panose="02040602050505020304" pitchFamily="18" charset="0"/>
+              </a:rPr>
+              <a:t> as (</a:t>
+            </a:r>
+            <a:r>
+              <a:rPr lang="en-GB" dirty="0" err="1">
+                <a:latin typeface="Lucida Bright" panose="02040602050505020304" pitchFamily="18" charset="0"/>
+              </a:rPr>
+              <a:t>hd</a:t>
+            </a:r>
+            <a:r>
+              <a:rPr lang="en-GB" dirty="0">
+                <a:latin typeface="Lucida Bright" panose="02040602050505020304" pitchFamily="18" charset="0"/>
+              </a:rPr>
+              <a:t> </a:t>
+            </a:r>
+            <a:r>
+              <a:rPr lang="en-GB" dirty="0" err="1">
+                <a:latin typeface="Lucida Bright" panose="02040602050505020304" pitchFamily="18" charset="0"/>
+              </a:rPr>
+              <a:t>ws</a:t>
+            </a:r>
+            <a:r>
+              <a:rPr lang="en-GB" dirty="0">
+                <a:latin typeface="Lucida Bright" panose="02040602050505020304" pitchFamily="18" charset="0"/>
+              </a:rPr>
+              <a:t>) . p ∉ set </a:t>
+            </a:r>
+            <a:r>
+              <a:rPr lang="en-GB" dirty="0" err="1">
+                <a:latin typeface="Lucida Bright" panose="02040602050505020304" pitchFamily="18" charset="0"/>
+              </a:rPr>
+              <a:t>ps'</a:t>
+            </a:r>
+            <a:r>
+              <a:rPr lang="en-GB" dirty="0">
+                <a:latin typeface="Lucida Bright" panose="02040602050505020304" pitchFamily="18" charset="0"/>
+              </a:rPr>
+              <a:t> ∪ set </a:t>
+            </a:r>
+            <a:r>
+              <a:rPr lang="en-GB" dirty="0" err="1">
+                <a:latin typeface="Lucida Bright" panose="02040602050505020304" pitchFamily="18" charset="0"/>
+              </a:rPr>
+              <a:t>ws</a:t>
+            </a:r>
+            <a:r>
+              <a:rPr lang="en-GB" dirty="0">
+                <a:latin typeface="Lucida Bright" panose="02040602050505020304" pitchFamily="18" charset="0"/>
+              </a:rPr>
+              <a:t>]</a:t>
+            </a:r>
+          </a:p>
+          <a:p>
+            <a:pPr marL="0" indent="0">
+              <a:buNone/>
+            </a:pPr>
+            <a:r>
+              <a:rPr lang="en-GB" dirty="0">
+                <a:latin typeface="Lucida Bright" panose="02040602050505020304" pitchFamily="18" charset="0"/>
+              </a:rPr>
+              <a:t>  in (new @ </a:t>
+            </a:r>
+            <a:r>
+              <a:rPr lang="en-GB" dirty="0" err="1">
+                <a:latin typeface="Lucida Bright" panose="02040602050505020304" pitchFamily="18" charset="0"/>
+              </a:rPr>
+              <a:t>tl</a:t>
+            </a:r>
+            <a:r>
+              <a:rPr lang="en-GB" dirty="0">
+                <a:latin typeface="Lucida Bright" panose="02040602050505020304" pitchFamily="18" charset="0"/>
+              </a:rPr>
+              <a:t> </a:t>
+            </a:r>
+            <a:r>
+              <a:rPr lang="en-GB" dirty="0" err="1">
+                <a:latin typeface="Lucida Bright" panose="02040602050505020304" pitchFamily="18" charset="0"/>
+              </a:rPr>
+              <a:t>ws</a:t>
+            </a:r>
+            <a:r>
+              <a:rPr lang="en-GB" dirty="0">
+                <a:latin typeface="Lucida Bright" panose="02040602050505020304" pitchFamily="18" charset="0"/>
+              </a:rPr>
+              <a:t>, </a:t>
+            </a:r>
+            <a:r>
+              <a:rPr lang="en-GB" dirty="0" err="1">
+                <a:latin typeface="Lucida Bright" panose="02040602050505020304" pitchFamily="18" charset="0"/>
+              </a:rPr>
+              <a:t>ps'</a:t>
+            </a:r>
+            <a:r>
+              <a:rPr lang="en-GB" dirty="0">
+                <a:latin typeface="Lucida Bright" panose="02040602050505020304" pitchFamily="18" charset="0"/>
+              </a:rPr>
+              <a:t>))</a:t>
+            </a:r>
+            <a:endParaRPr lang="en-GB" dirty="0"/>
+          </a:p>
+          <a:p>
+            <a:pPr marL="0" indent="0">
+              <a:buNone/>
+            </a:pPr>
+            <a:endParaRPr lang="en-US" dirty="0"/>
+          </a:p>
+          <a:p>
+            <a:pPr marL="0" indent="0">
+              <a:buNone/>
+            </a:pPr>
             <a:r>
               <a:rPr lang="en-US" dirty="0"/>
-              <a:t>to-do. Explain via condition, step and invariant or relate to general closure computation?</a:t>
-            </a:r>
-          </a:p>
-          <a:p>
+              <a:t>…where </a:t>
+            </a:r>
+            <a:r>
+              <a:rPr lang="pt-BR" dirty="0">
+                <a:latin typeface="Lucida Bright" panose="02040602050505020304" pitchFamily="18" charset="0"/>
+              </a:rPr>
+              <a:t>succs as (r, s) = map (λa. (nderiv a r, nderiv a s)) as</a:t>
+            </a:r>
+          </a:p>
+          <a:p>
+            <a:pPr marL="0" indent="0">
+              <a:buNone/>
+            </a:pPr>
+            <a:endParaRPr lang="pt-BR" dirty="0">
+              <a:latin typeface="+mj-lt"/>
+            </a:endParaRPr>
+          </a:p>
+          <a:p>
+            <a:pPr marL="0" indent="0">
+              <a:buNone/>
+            </a:pPr>
+            <a:r>
+              <a:rPr lang="en-US" dirty="0">
+                <a:latin typeface="Lucida Bright" panose="02040602050505020304" pitchFamily="18" charset="0"/>
+              </a:rPr>
+              <a:t>test (</a:t>
+            </a:r>
+            <a:r>
+              <a:rPr lang="en-US" dirty="0" err="1">
+                <a:latin typeface="Lucida Bright" panose="02040602050505020304" pitchFamily="18" charset="0"/>
+              </a:rPr>
+              <a:t>ws</a:t>
+            </a:r>
+            <a:r>
+              <a:rPr lang="en-US" dirty="0">
+                <a:latin typeface="Lucida Bright" panose="02040602050505020304" pitchFamily="18" charset="0"/>
+              </a:rPr>
+              <a:t>,_) ⟷</a:t>
+            </a:r>
+          </a:p>
+          <a:p>
+            <a:pPr marL="0" indent="0">
+              <a:buNone/>
+            </a:pPr>
+            <a:r>
+              <a:rPr lang="en-US" dirty="0">
+                <a:latin typeface="Lucida Bright" panose="02040602050505020304" pitchFamily="18" charset="0"/>
+              </a:rPr>
+              <a:t>	(case </a:t>
+            </a:r>
+            <a:r>
+              <a:rPr lang="en-US" dirty="0" err="1">
+                <a:latin typeface="Lucida Bright" panose="02040602050505020304" pitchFamily="18" charset="0"/>
+              </a:rPr>
+              <a:t>ws</a:t>
+            </a:r>
+            <a:r>
+              <a:rPr lang="en-US" dirty="0">
+                <a:latin typeface="Lucida Bright" panose="02040602050505020304" pitchFamily="18" charset="0"/>
+              </a:rPr>
+              <a:t> of [] ⇒ False | (p, q)#vs ⇒ nullable p ⟷ nullable q)</a:t>
+            </a:r>
+          </a:p>
+          <a:p>
+            <a:pPr marL="0" indent="0">
+              <a:buNone/>
+            </a:pPr>
             <a:endParaRPr lang="en-US" dirty="0"/>
           </a:p>
           <a:p>
-            <a:r>
-              <a:rPr lang="en-US" dirty="0"/>
-              <a:t>&lt;remember to stress why we want </a:t>
-            </a:r>
-            <a:r>
-              <a:rPr lang="en-US" b="1" dirty="0"/>
-              <a:t>simplicity</a:t>
-            </a:r>
-            <a:r>
-              <a:rPr lang="en-US" dirty="0"/>
-              <a:t>&gt;</a:t>
-            </a:r>
+            <a:pPr marL="0" indent="0">
+              <a:buNone/>
+            </a:pPr>
+            <a:endParaRPr lang="en-US" dirty="0"/>
           </a:p>
         </p:txBody>
       </p:sp>
     </p:spTree>
     <p:extLst>
       <p:ext uri="{BB962C8B-B14F-4D97-AF65-F5344CB8AC3E}">
-        <p14:creationId xmlns:p14="http://schemas.microsoft.com/office/powerpoint/2010/main" val="1836650516"/>
+        <p14:creationId xmlns:p14="http://schemas.microsoft.com/office/powerpoint/2010/main" val="1518317521"/>
       </p:ext>
     </p:extLst>
   </p:cSld>
@@ -6332,7 +7099,7 @@
           <a:p>
             <a:r>
               <a:rPr lang="en-US" dirty="0"/>
-              <a:t>More Algorithm explanations</a:t>
+              <a:t>Example</a:t>
             </a:r>
           </a:p>
         </p:txBody>
@@ -6358,7 +7125,52 @@
           <a:bodyPr/>
           <a:lstStyle/>
           <a:p>
-            <a:endParaRPr lang="en-US"/>
+            <a:pPr marL="0" indent="0">
+              <a:buNone/>
+            </a:pPr>
+            <a:r>
+              <a:rPr lang="en-US" dirty="0"/>
+              <a:t>&lt;on the board&gt;</a:t>
+            </a:r>
+          </a:p>
+          <a:p>
+            <a:pPr marL="0" indent="0">
+              <a:buNone/>
+            </a:pPr>
+            <a:endParaRPr lang="en-US" dirty="0"/>
+          </a:p>
+          <a:p>
+            <a:pPr marL="0" indent="0">
+              <a:buNone/>
+            </a:pPr>
+            <a:r>
+              <a:rPr lang="en-US" dirty="0"/>
+              <a:t>result</a:t>
+            </a:r>
+          </a:p>
+          <a:p>
+            <a:pPr marL="0" indent="0">
+              <a:buNone/>
+            </a:pPr>
+            <a:endParaRPr lang="en-US" dirty="0"/>
+          </a:p>
+          <a:p>
+            <a:pPr marL="0" indent="0">
+              <a:buNone/>
+            </a:pPr>
+            <a:r>
+              <a:rPr lang="en-US" dirty="0"/>
+              <a:t>	</a:t>
+            </a:r>
+            <a:r>
+              <a:rPr lang="pt-BR" dirty="0">
+                <a:latin typeface="Lucida Bright" panose="02040602050505020304" pitchFamily="18" charset="0"/>
+              </a:rPr>
+              <a:t>L ((ε + a ⋅ b)* ⋅ (a + b)) = L ((a ⋅ b + ε)* ⋅ (a + b))</a:t>
+            </a:r>
+            <a:endParaRPr lang="en-US" dirty="0">
+              <a:latin typeface="Lucida Bright" panose="02040602050505020304" pitchFamily="18" charset="0"/>
+            </a:endParaRPr>
           </a:p>
         </p:txBody>
       </p:sp>
@@ -6449,7 +7261,7 @@
           <a:p>
             <a:r>
               <a:rPr lang="en-US" dirty="0"/>
-              <a:t>All pairs are missing for the property</a:t>
+              <a:t>All pairs missing for the property</a:t>
             </a:r>
           </a:p>
           <a:p>
@@ -6458,7 +7270,7 @@
             </a:pPr>
             <a:r>
               <a:rPr lang="pt-BR" dirty="0"/>
-              <a:t>		∀a∈set as. (nderiv a r, nderiv a s) ∈ R)</a:t>
+              <a:t>		∀a∈set as. (―r, nderiv a s) ∈ R)</a:t>
             </a:r>
           </a:p>
           <a:p>
@@ -6523,7 +7335,7 @@
           <p:cNvPr id="2" name="Titel 1">
             <a:extLst>
               <a:ext uri="{FF2B5EF4-FFF2-40B4-BE49-F238E27FC236}">
-                <a16:creationId xmlns:a16="http://schemas.microsoft.com/office/drawing/2014/main" id="{D5D50EB3-B325-43FD-A071-2E053FCA58D5}"/>
+                <a16:creationId xmlns:a16="http://schemas.microsoft.com/office/drawing/2014/main" id="{D55CD077-9E2B-43F3-83A0-334C38F85C7C}"/>
               </a:ext>
             </a:extLst>
           </p:cNvPr>
@@ -6541,7 +7353,7 @@
           <a:p>
             <a:r>
               <a:rPr lang="en-US" dirty="0"/>
-              <a:t>More Algorithm explanations</a:t>
+              <a:t>ACI</a:t>
             </a:r>
           </a:p>
         </p:txBody>
@@ -6551,7 +7363,7 @@
           <p:cNvPr id="3" name="Inhaltsplatzhalter 2">
             <a:extLst>
               <a:ext uri="{FF2B5EF4-FFF2-40B4-BE49-F238E27FC236}">
-                <a16:creationId xmlns:a16="http://schemas.microsoft.com/office/drawing/2014/main" id="{13A3184E-D790-4B2E-BAE6-6BA74D9824B9}"/>
+                <a16:creationId xmlns:a16="http://schemas.microsoft.com/office/drawing/2014/main" id="{EABB337D-AA1F-4919-A75D-7EF7AE0BF98B}"/>
               </a:ext>
             </a:extLst>
           </p:cNvPr>
@@ -6567,14 +7379,80 @@
           <a:bodyPr/>
           <a:lstStyle/>
           <a:p>
-            <a:endParaRPr lang="en-US"/>
+            <a:pPr marL="0" indent="0">
+              <a:buNone/>
+            </a:pPr>
+            <a:r>
+              <a:rPr lang="en-US" dirty="0"/>
+              <a:t>associativity, commutativity and idempotence of </a:t>
+            </a:r>
+            <a:r>
+              <a:rPr lang="en-US" i="1" dirty="0"/>
+              <a:t>+</a:t>
+            </a:r>
+          </a:p>
+          <a:p>
+            <a:r>
+              <a:rPr lang="en-US" dirty="0"/>
+              <a:t>the auxiliary function </a:t>
+            </a:r>
+            <a:r>
+              <a:rPr lang="en-US" i="1" dirty="0"/>
+              <a:t>norm</a:t>
+            </a:r>
+            <a:r>
+              <a:rPr lang="en-US" dirty="0"/>
+              <a:t> establishes a normal form</a:t>
+            </a:r>
+          </a:p>
+          <a:p>
+            <a:pPr marL="0" indent="0">
+              <a:buNone/>
+            </a:pPr>
+            <a:r>
+              <a:rPr lang="en-US" dirty="0"/>
+              <a:t>	</a:t>
+            </a:r>
+            <a:r>
+              <a:rPr lang="en-US" dirty="0">
+                <a:sym typeface="Wingdings" panose="05000000000000000000" pitchFamily="2" charset="2"/>
+              </a:rPr>
+              <a:t> </a:t>
+            </a:r>
+            <a:r>
+              <a:rPr lang="en-US" dirty="0"/>
+              <a:t>ACI-equal terms are identified at that step already</a:t>
+            </a:r>
+          </a:p>
+          <a:p>
+            <a:r>
+              <a:rPr lang="en-US" dirty="0"/>
+              <a:t>to verify this, one would have to state ACI-equivalence formally.</a:t>
+            </a:r>
+          </a:p>
+          <a:p>
+            <a:endParaRPr lang="en-US" dirty="0"/>
+          </a:p>
+          <a:p>
+            <a:r>
+              <a:rPr lang="en-US" dirty="0"/>
+              <a:t>the REs in the (emergent) </a:t>
+            </a:r>
+            <a:r>
+              <a:rPr lang="en-US" dirty="0" err="1"/>
+              <a:t>bisimulation</a:t>
+            </a:r>
+            <a:r>
+              <a:rPr lang="en-US" dirty="0"/>
+              <a:t> are kept in this normal form, as an invariant</a:t>
+            </a:r>
           </a:p>
         </p:txBody>
       </p:sp>
     </p:spTree>
     <p:extLst>
       <p:ext uri="{BB962C8B-B14F-4D97-AF65-F5344CB8AC3E}">
-        <p14:creationId xmlns:p14="http://schemas.microsoft.com/office/powerpoint/2010/main" val="866920259"/>
+        <p14:creationId xmlns:p14="http://schemas.microsoft.com/office/powerpoint/2010/main" val="3250996410"/>
       </p:ext>
     </p:extLst>
   </p:cSld>
@@ -6606,7 +7484,7 @@
           <p:cNvPr id="2" name="Titel 1">
             <a:extLst>
               <a:ext uri="{FF2B5EF4-FFF2-40B4-BE49-F238E27FC236}">
-                <a16:creationId xmlns:a16="http://schemas.microsoft.com/office/drawing/2014/main" id="{D5D50EB3-B325-43FD-A071-2E053FCA58D5}"/>
+                <a16:creationId xmlns:a16="http://schemas.microsoft.com/office/drawing/2014/main" id="{7E545568-004C-4426-9618-E5B4001137F9}"/>
               </a:ext>
             </a:extLst>
           </p:cNvPr>
@@ -6624,7 +7502,7 @@
           <a:p>
             <a:r>
               <a:rPr lang="en-US" dirty="0"/>
-              <a:t>More Algorithm explanations</a:t>
+              <a:t>Closure computation</a:t>
             </a:r>
           </a:p>
         </p:txBody>
@@ -6634,7 +7512,7 @@
           <p:cNvPr id="3" name="Inhaltsplatzhalter 2">
             <a:extLst>
               <a:ext uri="{FF2B5EF4-FFF2-40B4-BE49-F238E27FC236}">
-                <a16:creationId xmlns:a16="http://schemas.microsoft.com/office/drawing/2014/main" id="{13A3184E-D790-4B2E-BAE6-6BA74D9824B9}"/>
+                <a16:creationId xmlns:a16="http://schemas.microsoft.com/office/drawing/2014/main" id="{586033B4-AF90-4560-A2E5-9FB163B244C7}"/>
               </a:ext>
             </a:extLst>
           </p:cNvPr>
@@ -6650,14 +7528,48 @@
           <a:bodyPr/>
           <a:lstStyle/>
           <a:p>
-            <a:endParaRPr lang="en-US"/>
+            <a:endParaRPr lang="en-US" dirty="0"/>
+          </a:p>
+          <a:p>
+            <a:endParaRPr lang="en-US" dirty="0"/>
+          </a:p>
+          <a:p>
+            <a:endParaRPr lang="en-US" dirty="0"/>
+          </a:p>
+          <a:p>
+            <a:r>
+              <a:rPr lang="en-US" dirty="0"/>
+              <a:t>terminates if either</a:t>
+            </a:r>
+          </a:p>
+          <a:p>
+            <a:pPr lvl="1"/>
+            <a:r>
+              <a:rPr lang="en-US" dirty="0"/>
+              <a:t>the work set is empty (</a:t>
+            </a:r>
+            <a:r>
+              <a:rPr lang="en-US" dirty="0" err="1"/>
+              <a:t>bisimulation</a:t>
+            </a:r>
+            <a:r>
+              <a:rPr lang="en-US" dirty="0"/>
+              <a:t> constructed)</a:t>
+            </a:r>
+          </a:p>
+          <a:p>
+            <a:pPr lvl="1"/>
+            <a:r>
+              <a:rPr lang="en-US" dirty="0"/>
+              <a:t>a nonequivalent pair of REs is to be processed (counterexample found)</a:t>
+            </a:r>
           </a:p>
         </p:txBody>
       </p:sp>
     </p:spTree>
     <p:extLst>
       <p:ext uri="{BB962C8B-B14F-4D97-AF65-F5344CB8AC3E}">
-        <p14:creationId xmlns:p14="http://schemas.microsoft.com/office/powerpoint/2010/main" val="1103329531"/>
+        <p14:creationId xmlns:p14="http://schemas.microsoft.com/office/powerpoint/2010/main" val="1786495179"/>
       </p:ext>
     </p:extLst>
   </p:cSld>
@@ -6689,123 +7601,6 @@
           <p:cNvPr id="2" name="Titel 1">
             <a:extLst>
               <a:ext uri="{FF2B5EF4-FFF2-40B4-BE49-F238E27FC236}">
-                <a16:creationId xmlns:a16="http://schemas.microsoft.com/office/drawing/2014/main" id="{7E545568-004C-4426-9618-E5B4001137F9}"/>
-              </a:ext>
-            </a:extLst>
-          </p:cNvPr>
-          <p:cNvSpPr>
-            <a:spLocks noGrp="1"/>
-          </p:cNvSpPr>
-          <p:nvPr>
-            <p:ph type="title"/>
-          </p:nvPr>
-        </p:nvSpPr>
-        <p:spPr/>
-        <p:txBody>
-          <a:bodyPr/>
-          <a:lstStyle/>
-          <a:p>
-            <a:r>
-              <a:rPr lang="en-US" dirty="0"/>
-              <a:t>Closure computation</a:t>
-            </a:r>
-          </a:p>
-        </p:txBody>
-      </p:sp>
-      <p:sp>
-        <p:nvSpPr>
-          <p:cNvPr id="3" name="Inhaltsplatzhalter 2">
-            <a:extLst>
-              <a:ext uri="{FF2B5EF4-FFF2-40B4-BE49-F238E27FC236}">
-                <a16:creationId xmlns:a16="http://schemas.microsoft.com/office/drawing/2014/main" id="{586033B4-AF90-4560-A2E5-9FB163B244C7}"/>
-              </a:ext>
-            </a:extLst>
-          </p:cNvPr>
-          <p:cNvSpPr>
-            <a:spLocks noGrp="1"/>
-          </p:cNvSpPr>
-          <p:nvPr>
-            <p:ph idx="1"/>
-          </p:nvPr>
-        </p:nvSpPr>
-        <p:spPr/>
-        <p:txBody>
-          <a:bodyPr/>
-          <a:lstStyle/>
-          <a:p>
-            <a:endParaRPr lang="en-US" dirty="0"/>
-          </a:p>
-          <a:p>
-            <a:endParaRPr lang="en-US" dirty="0"/>
-          </a:p>
-          <a:p>
-            <a:endParaRPr lang="en-US" dirty="0"/>
-          </a:p>
-          <a:p>
-            <a:r>
-              <a:rPr lang="en-US" dirty="0"/>
-              <a:t>terminates if either</a:t>
-            </a:r>
-          </a:p>
-          <a:p>
-            <a:pPr lvl="1"/>
-            <a:r>
-              <a:rPr lang="en-US" dirty="0"/>
-              <a:t>the work set is empty (</a:t>
-            </a:r>
-            <a:r>
-              <a:rPr lang="en-US" dirty="0" err="1"/>
-              <a:t>bisimulation</a:t>
-            </a:r>
-            <a:r>
-              <a:rPr lang="en-US" dirty="0"/>
-              <a:t> constructed)</a:t>
-            </a:r>
-          </a:p>
-          <a:p>
-            <a:pPr lvl="1"/>
-            <a:r>
-              <a:rPr lang="en-US" dirty="0"/>
-              <a:t>a nonequivalent pair of REs is to be processed (counterexample found)</a:t>
-            </a:r>
-          </a:p>
-        </p:txBody>
-      </p:sp>
-    </p:spTree>
-    <p:extLst>
-      <p:ext uri="{BB962C8B-B14F-4D97-AF65-F5344CB8AC3E}">
-        <p14:creationId xmlns:p14="http://schemas.microsoft.com/office/powerpoint/2010/main" val="1786495179"/>
-      </p:ext>
-    </p:extLst>
-  </p:cSld>
-  <p:clrMapOvr>
-    <a:masterClrMapping/>
-  </p:clrMapOvr>
-</p:sld>
-</file>
-
-<file path=ppt/slides/slide17.xml><?xml version="1.0" encoding="utf-8"?>
-<p:sld xmlns:a="http://schemas.openxmlformats.org/drawingml/2006/main" xmlns:r="http://schemas.openxmlformats.org/officeDocument/2006/relationships" xmlns:p="http://schemas.openxmlformats.org/presentationml/2006/main">
-  <p:cSld>
-    <p:spTree>
-      <p:nvGrpSpPr>
-        <p:cNvPr id="1" name=""/>
-        <p:cNvGrpSpPr/>
-        <p:nvPr/>
-      </p:nvGrpSpPr>
-      <p:grpSpPr>
-        <a:xfrm>
-          <a:off x="0" y="0"/>
-          <a:ext cx="0" cy="0"/>
-          <a:chOff x="0" y="0"/>
-          <a:chExt cx="0" cy="0"/>
-        </a:xfrm>
-      </p:grpSpPr>
-      <p:sp>
-        <p:nvSpPr>
-          <p:cNvPr id="2" name="Titel 1">
-            <a:extLst>
-              <a:ext uri="{FF2B5EF4-FFF2-40B4-BE49-F238E27FC236}">
                 <a16:creationId xmlns:a16="http://schemas.microsoft.com/office/drawing/2014/main" id="{C2BD6476-74CB-4A4F-8A71-ABCEDDC496FB}"/>
               </a:ext>
             </a:extLst>
@@ -6927,7 +7722,7 @@
 </p:sld>
 </file>
 
-<file path=ppt/slides/slide18.xml><?xml version="1.0" encoding="utf-8"?>
+<file path=ppt/slides/slide17.xml><?xml version="1.0" encoding="utf-8"?>
 <p:sld xmlns:a="http://schemas.openxmlformats.org/drawingml/2006/main" xmlns:r="http://schemas.openxmlformats.org/officeDocument/2006/relationships" xmlns:p="http://schemas.openxmlformats.org/presentationml/2006/main">
   <p:cSld>
     <p:spTree>
@@ -7419,6 +8214,116 @@
 </p:sld>
 </file>
 
+<file path=ppt/slides/slide18.xml><?xml version="1.0" encoding="utf-8"?>
+<p:sld xmlns:a="http://schemas.openxmlformats.org/drawingml/2006/main" xmlns:r="http://schemas.openxmlformats.org/officeDocument/2006/relationships" xmlns:p="http://schemas.openxmlformats.org/presentationml/2006/main">
+  <p:cSld>
+    <p:spTree>
+      <p:nvGrpSpPr>
+        <p:cNvPr id="1" name=""/>
+        <p:cNvGrpSpPr/>
+        <p:nvPr/>
+      </p:nvGrpSpPr>
+      <p:grpSpPr>
+        <a:xfrm>
+          <a:off x="0" y="0"/>
+          <a:ext cx="0" cy="0"/>
+          <a:chOff x="0" y="0"/>
+          <a:chExt cx="0" cy="0"/>
+        </a:xfrm>
+      </p:grpSpPr>
+      <p:sp>
+        <p:nvSpPr>
+          <p:cNvPr id="2" name="Titel 1">
+            <a:extLst>
+              <a:ext uri="{FF2B5EF4-FFF2-40B4-BE49-F238E27FC236}">
+                <a16:creationId xmlns:a16="http://schemas.microsoft.com/office/drawing/2014/main" id="{96EB362D-D17C-4E3D-9CD7-7823E8C03145}"/>
+              </a:ext>
+            </a:extLst>
+          </p:cNvPr>
+          <p:cNvSpPr>
+            <a:spLocks noGrp="1"/>
+          </p:cNvSpPr>
+          <p:nvPr>
+            <p:ph type="title"/>
+          </p:nvPr>
+        </p:nvSpPr>
+        <p:spPr/>
+        <p:txBody>
+          <a:bodyPr/>
+          <a:lstStyle/>
+          <a:p>
+            <a:r>
+              <a:rPr lang="en-US" dirty="0"/>
+              <a:t>Reflection due to Boyer and Moore</a:t>
+            </a:r>
+          </a:p>
+        </p:txBody>
+      </p:sp>
+      <p:sp>
+        <p:nvSpPr>
+          <p:cNvPr id="3" name="Inhaltsplatzhalter 2">
+            <a:extLst>
+              <a:ext uri="{FF2B5EF4-FFF2-40B4-BE49-F238E27FC236}">
+                <a16:creationId xmlns:a16="http://schemas.microsoft.com/office/drawing/2014/main" id="{83293F5C-A135-4664-8889-3FB54EAB0968}"/>
+              </a:ext>
+            </a:extLst>
+          </p:cNvPr>
+          <p:cNvSpPr>
+            <a:spLocks noGrp="1"/>
+          </p:cNvSpPr>
+          <p:nvPr>
+            <p:ph idx="1"/>
+          </p:nvPr>
+        </p:nvSpPr>
+        <p:spPr/>
+        <p:txBody>
+          <a:bodyPr/>
+          <a:lstStyle/>
+          <a:p>
+            <a:r>
+              <a:rPr lang="en-US" dirty="0"/>
+              <a:t>one atom for every relation: &lt;0&gt;, &lt;1&gt;, …</a:t>
+            </a:r>
+          </a:p>
+          <a:p>
+            <a:endParaRPr lang="en-US" dirty="0"/>
+          </a:p>
+          <a:p>
+            <a:r>
+              <a:rPr lang="en-US" dirty="0"/>
+              <a:t>goal (R* ◦ S* ◦ T)* = (R ∪ S ∪ T)*</a:t>
+            </a:r>
+          </a:p>
+          <a:p>
+            <a:pPr marL="457200" lvl="1" indent="0">
+              <a:buNone/>
+            </a:pPr>
+            <a:endParaRPr lang="en-US" dirty="0"/>
+          </a:p>
+          <a:p>
+            <a:pPr marL="457200" lvl="1" indent="0">
+              <a:buNone/>
+            </a:pPr>
+            <a:r>
+              <a:rPr lang="en-US" dirty="0"/>
+              <a:t>↝ goal (&lt;0&gt;*·&lt;1&gt;*·&lt;2&gt;)* = (&lt;0&gt; + &lt;1&gt; + &lt;2&gt;)*</a:t>
+            </a:r>
+          </a:p>
+        </p:txBody>
+      </p:sp>
+    </p:spTree>
+    <p:extLst>
+      <p:ext uri="{BB962C8B-B14F-4D97-AF65-F5344CB8AC3E}">
+        <p14:creationId xmlns:p14="http://schemas.microsoft.com/office/powerpoint/2010/main" val="3595477036"/>
+      </p:ext>
+    </p:extLst>
+  </p:cSld>
+  <p:clrMapOvr>
+    <a:masterClrMapping/>
+  </p:clrMapOvr>
+</p:sld>
+</file>
+
 <file path=ppt/slides/slide19.xml><?xml version="1.0" encoding="utf-8"?>
 <p:sld xmlns:a="http://schemas.openxmlformats.org/drawingml/2006/main" xmlns:r="http://schemas.openxmlformats.org/officeDocument/2006/relationships" xmlns:p="http://schemas.openxmlformats.org/presentationml/2006/main">
   <p:cSld>
@@ -7441,7 +8346,7 @@
           <p:cNvPr id="2" name="Titel 1">
             <a:extLst>
               <a:ext uri="{FF2B5EF4-FFF2-40B4-BE49-F238E27FC236}">
-                <a16:creationId xmlns:a16="http://schemas.microsoft.com/office/drawing/2014/main" id="{96EB362D-D17C-4E3D-9CD7-7823E8C03145}"/>
+                <a16:creationId xmlns:a16="http://schemas.microsoft.com/office/drawing/2014/main" id="{195F9775-442F-4C38-8E22-7A203E88160A}"/>
               </a:ext>
             </a:extLst>
           </p:cNvPr>
@@ -7459,7 +8364,7 @@
           <a:p>
             <a:r>
               <a:rPr lang="en-US" dirty="0"/>
-              <a:t>Reflection due to Boyer and Moore</a:t>
+              <a:t>Defining a usable proof method</a:t>
             </a:r>
           </a:p>
         </p:txBody>
@@ -7469,7 +8374,7 @@
           <p:cNvPr id="3" name="Inhaltsplatzhalter 2">
             <a:extLst>
               <a:ext uri="{FF2B5EF4-FFF2-40B4-BE49-F238E27FC236}">
-                <a16:creationId xmlns:a16="http://schemas.microsoft.com/office/drawing/2014/main" id="{83293F5C-A135-4664-8889-3FB54EAB0968}"/>
+                <a16:creationId xmlns:a16="http://schemas.microsoft.com/office/drawing/2014/main" id="{50AD830C-45EE-4E98-AE6B-FA75DDD327EC}"/>
               </a:ext>
             </a:extLst>
           </p:cNvPr>
@@ -7482,44 +8387,148 @@
         </p:nvSpPr>
         <p:spPr/>
         <p:txBody>
-          <a:bodyPr/>
+          <a:bodyPr>
+            <a:normAutofit fontScale="92500" lnSpcReduction="20000"/>
+          </a:bodyPr>
           <a:lstStyle/>
           <a:p>
             <a:r>
               <a:rPr lang="en-US" dirty="0"/>
-              <a:t>one atom for every relation: &lt;0&gt;, &lt;1&gt;, …</a:t>
-            </a:r>
+              <a:t>With </a:t>
+            </a:r>
+            <a:r>
+              <a:rPr lang="en-US" i="1" dirty="0" err="1"/>
+              <a:t>Eisbach</a:t>
+            </a:r>
+            <a:r>
+              <a:rPr lang="en-US" dirty="0"/>
+              <a:t>, one can use the usual method modifiers in a “proof method definition”:</a:t>
+            </a:r>
+          </a:p>
+          <a:p>
+            <a:pPr marL="0" indent="0">
+              <a:buNone/>
+            </a:pPr>
+            <a:endParaRPr lang="en-GB" dirty="0"/>
+          </a:p>
+          <a:p>
+            <a:pPr marL="0" indent="0">
+              <a:buNone/>
+            </a:pPr>
+            <a:r>
+              <a:rPr lang="en-GB" dirty="0"/>
+              <a:t>	method </a:t>
+            </a:r>
+            <a:r>
+              <a:rPr lang="en-GB" dirty="0" err="1"/>
+              <a:t>rexp</a:t>
+            </a:r>
+            <a:r>
+              <a:rPr lang="en-GB" dirty="0"/>
+              <a:t> = (unfold </a:t>
+            </a:r>
+            <a:r>
+              <a:rPr lang="en-GB" dirty="0" err="1"/>
+              <a:t>subset_eq_to_eq</a:t>
+            </a:r>
+            <a:r>
+              <a:rPr lang="en-GB" dirty="0"/>
+              <a:t>)?, (rule soundness, </a:t>
+            </a:r>
+            <a:r>
+              <a:rPr lang="en-GB" dirty="0" err="1"/>
+              <a:t>eval</a:t>
+            </a:r>
+            <a:r>
+              <a:rPr lang="en-GB" dirty="0"/>
+              <a:t>)+</a:t>
+            </a:r>
+          </a:p>
+          <a:p>
+            <a:pPr marL="0" indent="0">
+              <a:buNone/>
+            </a:pPr>
+            <a:endParaRPr lang="en-GB" dirty="0"/>
           </a:p>
           <a:p>
             <a:endParaRPr lang="en-US" dirty="0"/>
           </a:p>
           <a:p>
+            <a:endParaRPr lang="en-US" dirty="0"/>
+          </a:p>
+          <a:p>
             <a:r>
               <a:rPr lang="en-US" dirty="0"/>
-              <a:t>goal (R* ◦ S* ◦ T)* = (R ∪ S ∪ T)*</a:t>
-            </a:r>
-          </a:p>
-          <a:p>
-            <a:pPr marL="457200" lvl="1" indent="0">
+              <a:t>Example:</a:t>
+            </a:r>
+          </a:p>
+          <a:p>
+            <a:pPr marL="0" indent="0">
+              <a:buNone/>
+            </a:pPr>
+            <a:r>
+              <a:rPr lang="en-US" dirty="0"/>
+              <a:t>lemma "</a:t>
+            </a:r>
+            <a:r>
+              <a:rPr lang="en-US" dirty="0" err="1"/>
+              <a:t>lang</a:t>
+            </a:r>
+            <a:r>
+              <a:rPr lang="en-US" dirty="0"/>
+              <a:t> (Times (Star (Plus One AB)) </a:t>
+            </a:r>
+            <a:r>
+              <a:rPr lang="en-US" dirty="0" err="1"/>
+              <a:t>A_or_B</a:t>
+            </a:r>
+            <a:r>
+              <a:rPr lang="en-US" dirty="0"/>
+              <a:t>) ⊆ </a:t>
+            </a:r>
+            <a:r>
+              <a:rPr lang="en-US" dirty="0" err="1"/>
+              <a:t>lang</a:t>
+            </a:r>
+            <a:r>
+              <a:rPr lang="en-US" dirty="0"/>
+              <a:t> (Times (Star (Plus AB One)) </a:t>
+            </a:r>
+            <a:r>
+              <a:rPr lang="en-US" dirty="0" err="1"/>
+              <a:t>A_or_B</a:t>
+            </a:r>
+            <a:r>
+              <a:rPr lang="en-US" dirty="0"/>
+              <a:t>)“</a:t>
+            </a:r>
+          </a:p>
+          <a:p>
+            <a:pPr marL="0" indent="0">
+              <a:buNone/>
+            </a:pPr>
+            <a:r>
+              <a:rPr lang="en-US" dirty="0"/>
+              <a:t>	by </a:t>
+            </a:r>
+            <a:r>
+              <a:rPr lang="en-US" dirty="0" err="1"/>
+              <a:t>rexp</a:t>
+            </a:r>
+            <a:endParaRPr lang="en-US" dirty="0"/>
+          </a:p>
+          <a:p>
+            <a:pPr marL="0" indent="0">
               <a:buNone/>
             </a:pPr>
             <a:endParaRPr lang="en-US" dirty="0"/>
           </a:p>
-          <a:p>
-            <a:pPr marL="457200" lvl="1" indent="0">
-              <a:buNone/>
-            </a:pPr>
-            <a:r>
-              <a:rPr lang="en-US" dirty="0"/>
-              <a:t>↝ goal (&lt;0&gt;*·&lt;1&gt;*·&lt;2&gt;)* = (&lt;0&gt; + &lt;1&gt; + &lt;2&gt;)*</a:t>
-            </a:r>
-          </a:p>
         </p:txBody>
       </p:sp>
     </p:spTree>
     <p:extLst>
       <p:ext uri="{BB962C8B-B14F-4D97-AF65-F5344CB8AC3E}">
-        <p14:creationId xmlns:p14="http://schemas.microsoft.com/office/powerpoint/2010/main" val="3595477036"/>
+        <p14:creationId xmlns:p14="http://schemas.microsoft.com/office/powerpoint/2010/main" val="1175017656"/>
       </p:ext>
     </p:extLst>
   </p:cSld>
@@ -7698,220 +8707,6 @@
           <p:cNvPr id="2" name="Titel 1">
             <a:extLst>
               <a:ext uri="{FF2B5EF4-FFF2-40B4-BE49-F238E27FC236}">
-                <a16:creationId xmlns:a16="http://schemas.microsoft.com/office/drawing/2014/main" id="{195F9775-442F-4C38-8E22-7A203E88160A}"/>
-              </a:ext>
-            </a:extLst>
-          </p:cNvPr>
-          <p:cNvSpPr>
-            <a:spLocks noGrp="1"/>
-          </p:cNvSpPr>
-          <p:nvPr>
-            <p:ph type="title"/>
-          </p:nvPr>
-        </p:nvSpPr>
-        <p:spPr/>
-        <p:txBody>
-          <a:bodyPr/>
-          <a:lstStyle/>
-          <a:p>
-            <a:r>
-              <a:rPr lang="en-US" dirty="0"/>
-              <a:t>Defining a usable proof method</a:t>
-            </a:r>
-          </a:p>
-        </p:txBody>
-      </p:sp>
-      <p:sp>
-        <p:nvSpPr>
-          <p:cNvPr id="3" name="Inhaltsplatzhalter 2">
-            <a:extLst>
-              <a:ext uri="{FF2B5EF4-FFF2-40B4-BE49-F238E27FC236}">
-                <a16:creationId xmlns:a16="http://schemas.microsoft.com/office/drawing/2014/main" id="{50AD830C-45EE-4E98-AE6B-FA75DDD327EC}"/>
-              </a:ext>
-            </a:extLst>
-          </p:cNvPr>
-          <p:cNvSpPr>
-            <a:spLocks noGrp="1"/>
-          </p:cNvSpPr>
-          <p:nvPr>
-            <p:ph idx="1"/>
-          </p:nvPr>
-        </p:nvSpPr>
-        <p:spPr/>
-        <p:txBody>
-          <a:bodyPr>
-            <a:normAutofit fontScale="92500" lnSpcReduction="20000"/>
-          </a:bodyPr>
-          <a:lstStyle/>
-          <a:p>
-            <a:r>
-              <a:rPr lang="en-US" dirty="0"/>
-              <a:t>With </a:t>
-            </a:r>
-            <a:r>
-              <a:rPr lang="en-US" i="1" dirty="0" err="1"/>
-              <a:t>Eisbach</a:t>
-            </a:r>
-            <a:r>
-              <a:rPr lang="en-US" dirty="0"/>
-              <a:t>, one can use the usual method modifiers in a “proof method definition”:</a:t>
-            </a:r>
-          </a:p>
-          <a:p>
-            <a:pPr marL="0" indent="0">
-              <a:buNone/>
-            </a:pPr>
-            <a:endParaRPr lang="en-GB" dirty="0"/>
-          </a:p>
-          <a:p>
-            <a:pPr marL="0" indent="0">
-              <a:buNone/>
-            </a:pPr>
-            <a:r>
-              <a:rPr lang="en-GB" dirty="0"/>
-              <a:t>	method </a:t>
-            </a:r>
-            <a:r>
-              <a:rPr lang="en-GB" dirty="0" err="1"/>
-              <a:t>rexp</a:t>
-            </a:r>
-            <a:r>
-              <a:rPr lang="en-GB" dirty="0"/>
-              <a:t> = (unfold </a:t>
-            </a:r>
-            <a:r>
-              <a:rPr lang="en-GB" dirty="0" err="1"/>
-              <a:t>subset_eq_to_eq</a:t>
-            </a:r>
-            <a:r>
-              <a:rPr lang="en-GB" dirty="0"/>
-              <a:t>)?, (rule soundness, </a:t>
-            </a:r>
-            <a:r>
-              <a:rPr lang="en-GB" dirty="0" err="1"/>
-              <a:t>eval</a:t>
-            </a:r>
-            <a:r>
-              <a:rPr lang="en-GB" dirty="0"/>
-              <a:t>)+</a:t>
-            </a:r>
-          </a:p>
-          <a:p>
-            <a:pPr marL="0" indent="0">
-              <a:buNone/>
-            </a:pPr>
-            <a:endParaRPr lang="en-GB" dirty="0"/>
-          </a:p>
-          <a:p>
-            <a:endParaRPr lang="en-US" dirty="0"/>
-          </a:p>
-          <a:p>
-            <a:endParaRPr lang="en-US" dirty="0"/>
-          </a:p>
-          <a:p>
-            <a:r>
-              <a:rPr lang="en-US" dirty="0"/>
-              <a:t>Example:</a:t>
-            </a:r>
-          </a:p>
-          <a:p>
-            <a:pPr marL="0" indent="0">
-              <a:buNone/>
-            </a:pPr>
-            <a:r>
-              <a:rPr lang="en-US" dirty="0"/>
-              <a:t>lemma "</a:t>
-            </a:r>
-            <a:r>
-              <a:rPr lang="en-US" dirty="0" err="1"/>
-              <a:t>lang</a:t>
-            </a:r>
-            <a:r>
-              <a:rPr lang="en-US" dirty="0"/>
-              <a:t> (Times (Star (Plus One AB)) </a:t>
-            </a:r>
-            <a:r>
-              <a:rPr lang="en-US" dirty="0" err="1"/>
-              <a:t>A_or_B</a:t>
-            </a:r>
-            <a:r>
-              <a:rPr lang="en-US" dirty="0"/>
-              <a:t>) ⊆ </a:t>
-            </a:r>
-            <a:r>
-              <a:rPr lang="en-US" dirty="0" err="1"/>
-              <a:t>lang</a:t>
-            </a:r>
-            <a:r>
-              <a:rPr lang="en-US" dirty="0"/>
-              <a:t> (Times (Star (Plus AB One)) </a:t>
-            </a:r>
-            <a:r>
-              <a:rPr lang="en-US" dirty="0" err="1"/>
-              <a:t>A_or_B</a:t>
-            </a:r>
-            <a:r>
-              <a:rPr lang="en-US" dirty="0"/>
-              <a:t>)“</a:t>
-            </a:r>
-          </a:p>
-          <a:p>
-            <a:pPr marL="0" indent="0">
-              <a:buNone/>
-            </a:pPr>
-            <a:r>
-              <a:rPr lang="en-US" dirty="0"/>
-              <a:t>	by </a:t>
-            </a:r>
-            <a:r>
-              <a:rPr lang="en-US" dirty="0" err="1"/>
-              <a:t>rexp</a:t>
-            </a:r>
-            <a:endParaRPr lang="en-US" dirty="0"/>
-          </a:p>
-          <a:p>
-            <a:pPr marL="0" indent="0">
-              <a:buNone/>
-            </a:pPr>
-            <a:endParaRPr lang="en-US" dirty="0"/>
-          </a:p>
-        </p:txBody>
-      </p:sp>
-    </p:spTree>
-    <p:extLst>
-      <p:ext uri="{BB962C8B-B14F-4D97-AF65-F5344CB8AC3E}">
-        <p14:creationId xmlns:p14="http://schemas.microsoft.com/office/powerpoint/2010/main" val="1175017656"/>
-      </p:ext>
-    </p:extLst>
-  </p:cSld>
-  <p:clrMapOvr>
-    <a:masterClrMapping/>
-  </p:clrMapOvr>
-</p:sld>
-</file>
-
-<file path=ppt/slides/slide21.xml><?xml version="1.0" encoding="utf-8"?>
-<p:sld xmlns:a="http://schemas.openxmlformats.org/drawingml/2006/main" xmlns:r="http://schemas.openxmlformats.org/officeDocument/2006/relationships" xmlns:p="http://schemas.openxmlformats.org/presentationml/2006/main">
-  <p:cSld>
-    <p:spTree>
-      <p:nvGrpSpPr>
-        <p:cNvPr id="1" name=""/>
-        <p:cNvGrpSpPr/>
-        <p:nvPr/>
-      </p:nvGrpSpPr>
-      <p:grpSpPr>
-        <a:xfrm>
-          <a:off x="0" y="0"/>
-          <a:ext cx="0" cy="0"/>
-          <a:chOff x="0" y="0"/>
-          <a:chExt cx="0" cy="0"/>
-        </a:xfrm>
-      </p:grpSpPr>
-      <p:sp>
-        <p:nvSpPr>
-          <p:cNvPr id="2" name="Titel 1">
-            <a:extLst>
-              <a:ext uri="{FF2B5EF4-FFF2-40B4-BE49-F238E27FC236}">
                 <a16:creationId xmlns:a16="http://schemas.microsoft.com/office/drawing/2014/main" id="{966C4CD0-AA0A-4AAE-96D7-87C7699D5D00}"/>
               </a:ext>
             </a:extLst>
@@ -8063,7 +8858,7 @@
           <p:cNvPr id="2" name="Titel 1">
             <a:extLst>
               <a:ext uri="{FF2B5EF4-FFF2-40B4-BE49-F238E27FC236}">
-                <a16:creationId xmlns:a16="http://schemas.microsoft.com/office/drawing/2014/main" id="{A929FFEB-97F9-4AAE-81C1-11B5DC6850B7}"/>
+                <a16:creationId xmlns:a16="http://schemas.microsoft.com/office/drawing/2014/main" id="{FF9ADB34-2AF9-4877-B402-3DDCAD702750}"/>
               </a:ext>
             </a:extLst>
           </p:cNvPr>
@@ -8081,7 +8876,7 @@
           <a:p>
             <a:r>
               <a:rPr lang="en-US" dirty="0"/>
-              <a:t>Shortcuts</a:t>
+              <a:t>Correctness Statement</a:t>
             </a:r>
           </a:p>
         </p:txBody>
@@ -8091,7 +8886,7 @@
           <p:cNvPr id="3" name="Inhaltsplatzhalter 2">
             <a:extLst>
               <a:ext uri="{FF2B5EF4-FFF2-40B4-BE49-F238E27FC236}">
-                <a16:creationId xmlns:a16="http://schemas.microsoft.com/office/drawing/2014/main" id="{CB6452AB-3B3D-4DAE-9DC0-92C5D524D106}"/>
+                <a16:creationId xmlns:a16="http://schemas.microsoft.com/office/drawing/2014/main" id="{76B9DF96-D467-4401-BFBB-446ABE98C79F}"/>
               </a:ext>
             </a:extLst>
           </p:cNvPr>
@@ -8110,30 +8905,6 @@
             <a:pPr marL="0" indent="0">
               <a:buNone/>
             </a:pPr>
-            <a:r>
-              <a:rPr lang="en-US" dirty="0"/>
-              <a:t>Avoid having to formalize and prove correct the automata</a:t>
-            </a:r>
-          </a:p>
-          <a:p>
-            <a:r>
-              <a:rPr lang="en-US" dirty="0"/>
-              <a:t>construction (notation!)</a:t>
-            </a:r>
-          </a:p>
-          <a:p>
-            <a:r>
-              <a:rPr lang="en-US" dirty="0"/>
-              <a:t>determinization</a:t>
-            </a:r>
-          </a:p>
-          <a:p>
-            <a:r>
-              <a:rPr lang="en-US" dirty="0"/>
-              <a:t>minimization</a:t>
-            </a:r>
-          </a:p>
-          <a:p>
             <a:endParaRPr lang="en-US" dirty="0"/>
           </a:p>
           <a:p>
@@ -8141,16 +8912,28 @@
               <a:buNone/>
             </a:pPr>
             <a:r>
+              <a:rPr lang="en-US" dirty="0" err="1"/>
+              <a:t>is_bisimulation</a:t>
+            </a:r>
+            <a:r>
               <a:rPr lang="en-US" dirty="0"/>
-              <a:t>Extension to relations (or other Kleene Algebras) without </a:t>
+              <a:t> as </a:t>
             </a:r>
             <a:r>
               <a:rPr lang="en-US" dirty="0" err="1"/>
-              <a:t>Kozen’s</a:t>
+              <a:t>ps</a:t>
             </a:r>
             <a:r>
               <a:rPr lang="en-US" dirty="0"/>
-              <a:t> theorem</a:t>
+              <a:t> ⟹ (r, s) ∈ </a:t>
+            </a:r>
+            <a:r>
+              <a:rPr lang="en-US" dirty="0" err="1"/>
+              <a:t>ps</a:t>
+            </a:r>
+            <a:r>
+              <a:rPr lang="en-US" dirty="0"/>
+              <a:t> ⟹ L r = L s</a:t>
             </a:r>
           </a:p>
         </p:txBody>
@@ -8158,7 +8941,7 @@
     </p:spTree>
     <p:extLst>
       <p:ext uri="{BB962C8B-B14F-4D97-AF65-F5344CB8AC3E}">
-        <p14:creationId xmlns:p14="http://schemas.microsoft.com/office/powerpoint/2010/main" val="4220785108"/>
+        <p14:creationId xmlns:p14="http://schemas.microsoft.com/office/powerpoint/2010/main" val="3235657987"/>
       </p:ext>
     </p:extLst>
   </p:cSld>
@@ -8190,7 +8973,7 @@
           <p:cNvPr id="2" name="Titel 1">
             <a:extLst>
               <a:ext uri="{FF2B5EF4-FFF2-40B4-BE49-F238E27FC236}">
-                <a16:creationId xmlns:a16="http://schemas.microsoft.com/office/drawing/2014/main" id="{687B1AB8-90E5-4186-AA81-A93103CBA37B}"/>
+                <a16:creationId xmlns:a16="http://schemas.microsoft.com/office/drawing/2014/main" id="{A929FFEB-97F9-4AAE-81C1-11B5DC6850B7}"/>
               </a:ext>
             </a:extLst>
           </p:cNvPr>
@@ -8208,7 +8991,7 @@
           <a:p>
             <a:r>
               <a:rPr lang="en-US" dirty="0"/>
-              <a:t>Languages</a:t>
+              <a:t>Shortcuts</a:t>
             </a:r>
           </a:p>
         </p:txBody>
@@ -8218,7 +9001,7 @@
           <p:cNvPr id="3" name="Inhaltsplatzhalter 2">
             <a:extLst>
               <a:ext uri="{FF2B5EF4-FFF2-40B4-BE49-F238E27FC236}">
-                <a16:creationId xmlns:a16="http://schemas.microsoft.com/office/drawing/2014/main" id="{2BF4359E-6341-4A1E-9A32-75F8D0FC3314}"/>
+                <a16:creationId xmlns:a16="http://schemas.microsoft.com/office/drawing/2014/main" id="{CB6452AB-3B3D-4DAE-9DC0-92C5D524D106}"/>
               </a:ext>
             </a:extLst>
           </p:cNvPr>
@@ -8234,32 +9017,36 @@
           <a:bodyPr/>
           <a:lstStyle/>
           <a:p>
+            <a:pPr marL="0" indent="0">
+              <a:buNone/>
+            </a:pPr>
             <a:r>
               <a:rPr lang="en-US" dirty="0"/>
-              <a:t>Words are lists.</a:t>
+              <a:t>Avoid having to formalize and prove correct the automata</a:t>
             </a:r>
           </a:p>
           <a:p>
             <a:r>
               <a:rPr lang="en-US" dirty="0"/>
-              <a:t>Languages are sets of words.</a:t>
-            </a:r>
-          </a:p>
-          <a:p>
-            <a:r>
-              <a:rPr lang="en-US" i="1" dirty="0"/>
-              <a:t>Interesting</a:t>
-            </a:r>
+              <a:t>construction (notation!)</a:t>
+            </a:r>
+          </a:p>
+          <a:p>
             <a:r>
               <a:rPr lang="en-US" dirty="0"/>
-              <a:t> languages are the infinite ones.</a:t>
-            </a:r>
-          </a:p>
-          <a:p>
-            <a:r>
-              <a:rPr lang="pt-BR" dirty="0"/>
-              <a:t>Deriv x A := {xs. x # xs ∈ A}</a:t>
-            </a:r>
+              <a:t>determinization</a:t>
+            </a:r>
+          </a:p>
+          <a:p>
+            <a:r>
+              <a:rPr lang="en-US" dirty="0"/>
+              <a:t>minimization</a:t>
+            </a:r>
+          </a:p>
+          <a:p>
+            <a:pPr marL="0" indent="0">
+              <a:buNone/>
+            </a:pPr>
             <a:endParaRPr lang="en-US" dirty="0"/>
           </a:p>
         </p:txBody>
@@ -8267,7 +9054,7 @@
     </p:spTree>
     <p:extLst>
       <p:ext uri="{BB962C8B-B14F-4D97-AF65-F5344CB8AC3E}">
-        <p14:creationId xmlns:p14="http://schemas.microsoft.com/office/powerpoint/2010/main" val="4159968217"/>
+        <p14:creationId xmlns:p14="http://schemas.microsoft.com/office/powerpoint/2010/main" val="4220785108"/>
       </p:ext>
     </p:extLst>
   </p:cSld>
@@ -8299,7 +9086,7 @@
           <p:cNvPr id="2" name="Titel 1">
             <a:extLst>
               <a:ext uri="{FF2B5EF4-FFF2-40B4-BE49-F238E27FC236}">
-                <a16:creationId xmlns:a16="http://schemas.microsoft.com/office/drawing/2014/main" id="{C690F183-8E7A-454F-8838-12391BD3CD63}"/>
+                <a16:creationId xmlns:a16="http://schemas.microsoft.com/office/drawing/2014/main" id="{687B1AB8-90E5-4186-AA81-A93103CBA37B}"/>
               </a:ext>
             </a:extLst>
           </p:cNvPr>
@@ -8316,146 +9103,199 @@
           <a:lstStyle/>
           <a:p>
             <a:r>
-              <a:rPr lang="en-US" dirty="0" err="1"/>
-              <a:t>Bisimulations</a:t>
-            </a:r>
-            <a:endParaRPr lang="en-US" dirty="0"/>
-          </a:p>
-        </p:txBody>
-      </p:sp>
-      <p:sp>
-        <p:nvSpPr>
-          <p:cNvPr id="3" name="Inhaltsplatzhalter 2">
-            <a:extLst>
-              <a:ext uri="{FF2B5EF4-FFF2-40B4-BE49-F238E27FC236}">
-                <a16:creationId xmlns:a16="http://schemas.microsoft.com/office/drawing/2014/main" id="{A92A6810-3DFA-48E9-840A-C8CE0480638F}"/>
-              </a:ext>
-            </a:extLst>
-          </p:cNvPr>
-          <p:cNvSpPr>
-            <a:spLocks noGrp="1"/>
-          </p:cNvSpPr>
-          <p:nvPr>
-            <p:ph idx="1"/>
-          </p:nvPr>
-        </p:nvSpPr>
-        <p:spPr/>
-        <p:txBody>
-          <a:bodyPr>
-            <a:normAutofit lnSpcReduction="10000"/>
-          </a:bodyPr>
-          <a:lstStyle/>
-          <a:p>
-            <a:pPr marL="0" indent="0">
-              <a:buNone/>
-            </a:pPr>
-            <a:r>
               <a:rPr lang="en-US" dirty="0"/>
-              <a:t>Definition</a:t>
-            </a:r>
-          </a:p>
-          <a:p>
-            <a:r>
-              <a:rPr lang="en-GB" dirty="0"/>
-              <a:t>for all A and B, A ∼ B ==&gt; [] ∈ A &lt;--&gt; [] ∈ B</a:t>
-            </a:r>
-          </a:p>
-          <a:p>
-            <a:r>
-              <a:rPr lang="en-GB" dirty="0"/>
-              <a:t>for all A and B and x, A ∼ B ==&gt; </a:t>
-            </a:r>
-            <a:r>
-              <a:rPr lang="en-GB" dirty="0" err="1"/>
-              <a:t>Deriv</a:t>
-            </a:r>
-            <a:r>
-              <a:rPr lang="en-GB" dirty="0"/>
-              <a:t> x A ∼ </a:t>
-            </a:r>
-            <a:r>
-              <a:rPr lang="en-GB" dirty="0" err="1"/>
-              <a:t>Deriv</a:t>
-            </a:r>
-            <a:r>
-              <a:rPr lang="en-GB" dirty="0"/>
-              <a:t> x B.</a:t>
-            </a:r>
-            <a:endParaRPr lang="en-US" dirty="0"/>
-          </a:p>
-          <a:p>
-            <a:pPr marL="0" indent="0">
-              <a:buNone/>
-            </a:pPr>
-            <a:endParaRPr lang="en-US" dirty="0"/>
-          </a:p>
-          <a:p>
-            <a:pPr marL="0" indent="0">
-              <a:buNone/>
-            </a:pPr>
-            <a:r>
-              <a:rPr lang="en-US" dirty="0"/>
-              <a:t>If “</a:t>
-            </a:r>
-            <a:r>
-              <a:rPr lang="en-GB" dirty="0"/>
-              <a:t>∼” is a </a:t>
-            </a:r>
-            <a:r>
-              <a:rPr lang="en-GB" dirty="0" err="1"/>
-              <a:t>bisimulation</a:t>
-            </a:r>
-            <a:r>
-              <a:rPr lang="en-GB" dirty="0"/>
-              <a:t>, then A ∼ B implies A = B</a:t>
-            </a:r>
-          </a:p>
-          <a:p>
-            <a:pPr marL="0" indent="0">
-              <a:buNone/>
-            </a:pPr>
-            <a:r>
-              <a:rPr lang="en-GB" dirty="0"/>
-              <a:t>	proof by list induction.</a:t>
-            </a:r>
-          </a:p>
-          <a:p>
-            <a:pPr marL="0" indent="0">
-              <a:buNone/>
-            </a:pPr>
-            <a:endParaRPr lang="en-GB" dirty="0"/>
-          </a:p>
-          <a:p>
-            <a:pPr marL="0" indent="0">
-              <a:buNone/>
-            </a:pPr>
-            <a:r>
-              <a:rPr lang="en-US" dirty="0"/>
-              <a:t>Languages may be infinite</a:t>
-            </a:r>
-          </a:p>
-          <a:p>
-            <a:pPr marL="0" indent="0">
-              <a:buNone/>
-            </a:pPr>
-            <a:r>
-              <a:rPr lang="en-US" dirty="0"/>
-              <a:t>	</a:t>
-            </a:r>
-            <a:r>
-              <a:rPr lang="en-US" dirty="0">
-                <a:sym typeface="Wingdings" panose="05000000000000000000" pitchFamily="2" charset="2"/>
-              </a:rPr>
-              <a:t>represent them by regular expression (RE)</a:t>
-            </a:r>
-            <a:endParaRPr lang="en-US" dirty="0"/>
-          </a:p>
-        </p:txBody>
-      </p:sp>
+              <a:t>Languages</a:t>
+            </a:r>
+          </a:p>
+        </p:txBody>
+      </p:sp>
+      <mc:AlternateContent xmlns:mc="http://schemas.openxmlformats.org/markup-compatibility/2006" xmlns:a14="http://schemas.microsoft.com/office/drawing/2010/main">
+        <mc:Choice Requires="a14">
+          <p:sp>
+            <p:nvSpPr>
+              <p:cNvPr id="3" name="Inhaltsplatzhalter 2">
+                <a:extLst>
+                  <a:ext uri="{FF2B5EF4-FFF2-40B4-BE49-F238E27FC236}">
+                    <a16:creationId xmlns:a16="http://schemas.microsoft.com/office/drawing/2014/main" id="{2BF4359E-6341-4A1E-9A32-75F8D0FC3314}"/>
+                  </a:ext>
+                </a:extLst>
+              </p:cNvPr>
+              <p:cNvSpPr>
+                <a:spLocks noGrp="1"/>
+              </p:cNvSpPr>
+              <p:nvPr>
+                <p:ph idx="1"/>
+              </p:nvPr>
+            </p:nvSpPr>
+            <p:spPr/>
+            <p:txBody>
+              <a:bodyPr/>
+              <a:lstStyle/>
+              <a:p>
+                <a:r>
+                  <a:rPr lang="en-US" dirty="0"/>
+                  <a:t>Words are lists.</a:t>
+                </a:r>
+              </a:p>
+              <a:p>
+                <a:r>
+                  <a:rPr lang="en-US" dirty="0"/>
+                  <a:t>Languages are sets of words.</a:t>
+                </a:r>
+              </a:p>
+              <a:p>
+                <a:r>
+                  <a:rPr lang="en-US" dirty="0"/>
+                  <a:t>Derivative-Language:</a:t>
+                </a:r>
+              </a:p>
+              <a:p>
+                <a:pPr marL="0" indent="0">
+                  <a:buNone/>
+                </a:pPr>
+                <a:endParaRPr lang="pt-BR" i="1" dirty="0">
+                  <a:latin typeface="Cambria Math" panose="02040503050406030204" pitchFamily="18" charset="0"/>
+                  <a:ea typeface="Cambria Math" panose="02040503050406030204" pitchFamily="18" charset="0"/>
+                </a:endParaRPr>
+              </a:p>
+              <a:p>
+                <a:pPr marL="0" indent="0">
+                  <a:buNone/>
+                </a:pPr>
+                <a:r>
+                  <a:rPr lang="pt-BR" i="1" dirty="0">
+                    <a:latin typeface="Cambria Math" panose="02040503050406030204" pitchFamily="18" charset="0"/>
+                    <a:ea typeface="Cambria Math" panose="02040503050406030204" pitchFamily="18" charset="0"/>
+                  </a:rPr>
+                  <a:t>	</a:t>
+                </a:r>
+                <a14:m>
+                  <m:oMath xmlns:m="http://schemas.openxmlformats.org/officeDocument/2006/math">
+                    <m:sSub>
+                      <m:sSubPr>
+                        <m:ctrlPr>
+                          <a:rPr lang="pt-BR" i="1" smtClean="0">
+                            <a:latin typeface="Cambria Math" panose="02040503050406030204" pitchFamily="18" charset="0"/>
+                            <a:ea typeface="Cambria Math" panose="02040503050406030204" pitchFamily="18" charset="0"/>
+                          </a:rPr>
+                        </m:ctrlPr>
+                      </m:sSubPr>
+                      <m:e>
+                        <m:r>
+                          <a:rPr lang="de-DE" b="0" i="1" smtClean="0">
+                            <a:latin typeface="Cambria Math" panose="02040503050406030204" pitchFamily="18" charset="0"/>
+                            <a:ea typeface="Cambria Math" panose="02040503050406030204" pitchFamily="18" charset="0"/>
+                          </a:rPr>
+                          <m:t>𝐷</m:t>
+                        </m:r>
+                      </m:e>
+                      <m:sub>
+                        <m:r>
+                          <a:rPr lang="de-DE" b="0" i="1" smtClean="0">
+                            <a:latin typeface="Cambria Math" panose="02040503050406030204" pitchFamily="18" charset="0"/>
+                            <a:ea typeface="Cambria Math" panose="02040503050406030204" pitchFamily="18" charset="0"/>
+                          </a:rPr>
+                          <m:t>𝑥</m:t>
+                        </m:r>
+                      </m:sub>
+                    </m:sSub>
+                  </m:oMath>
+                </a14:m>
+                <a:r>
+                  <a:rPr lang="pt-BR" i="1" dirty="0">
+                    <a:latin typeface="Lucida Bright" panose="02040602050505020304" pitchFamily="18" charset="0"/>
+                    <a:ea typeface="Cambria Math" panose="02040503050406030204" pitchFamily="18" charset="0"/>
+                    <a:cs typeface="Times New Roman" panose="02020603050405020304" pitchFamily="18" charset="0"/>
+                  </a:rPr>
+                  <a:t> (A) := {xs. x#xs ∈ A}</a:t>
+                </a:r>
+                <a:endParaRPr lang="en-US" dirty="0"/>
+              </a:p>
+              <a:p>
+                <a:endParaRPr lang="en-US" i="1" dirty="0"/>
+              </a:p>
+              <a:p>
+                <a:r>
+                  <a:rPr lang="en-US" i="1" dirty="0"/>
+                  <a:t>Interesting</a:t>
+                </a:r>
+                <a:r>
+                  <a:rPr lang="en-US" dirty="0"/>
+                  <a:t> languages are the infinite ones.</a:t>
+                </a:r>
+                <a:endParaRPr lang="en-US" i="1" dirty="0">
+                  <a:latin typeface="Lucida Bright" panose="02040602050505020304" pitchFamily="18" charset="0"/>
+                  <a:ea typeface="Cambria Math" panose="02040503050406030204" pitchFamily="18" charset="0"/>
+                  <a:cs typeface="Times New Roman" panose="02020603050405020304" pitchFamily="18" charset="0"/>
+                </a:endParaRPr>
+              </a:p>
+              <a:p>
+                <a:pPr marL="0" indent="0">
+                  <a:buNone/>
+                </a:pPr>
+                <a:r>
+                  <a:rPr lang="en-US" i="1" dirty="0">
+                    <a:latin typeface="Lucida Bright" panose="02040602050505020304" pitchFamily="18" charset="0"/>
+                    <a:ea typeface="Cambria Math" panose="02040503050406030204" pitchFamily="18" charset="0"/>
+                    <a:cs typeface="Times New Roman" panose="02020603050405020304" pitchFamily="18" charset="0"/>
+                  </a:rPr>
+                  <a:t>	</a:t>
+                </a:r>
+                <a:r>
+                  <a:rPr lang="en-US" dirty="0">
+                    <a:sym typeface="Wingdings" panose="05000000000000000000" pitchFamily="2" charset="2"/>
+                  </a:rPr>
+                  <a:t> represent them by regular expressions (REs)</a:t>
+                </a:r>
+                <a:endParaRPr lang="en-US" dirty="0"/>
+              </a:p>
+            </p:txBody>
+          </p:sp>
+        </mc:Choice>
+        <mc:Fallback xmlns="">
+          <p:sp>
+            <p:nvSpPr>
+              <p:cNvPr id="3" name="Inhaltsplatzhalter 2">
+                <a:extLst>
+                  <a:ext uri="{FF2B5EF4-FFF2-40B4-BE49-F238E27FC236}">
+                    <a16:creationId xmlns:a16="http://schemas.microsoft.com/office/drawing/2014/main" id="{2BF4359E-6341-4A1E-9A32-75F8D0FC3314}"/>
+                  </a:ext>
+                </a:extLst>
+              </p:cNvPr>
+              <p:cNvSpPr>
+                <a:spLocks noGrp="1" noRot="1" noChangeAspect="1" noMove="1" noResize="1" noEditPoints="1" noAdjustHandles="1" noChangeArrowheads="1" noChangeShapeType="1" noTextEdit="1"/>
+              </p:cNvSpPr>
+              <p:nvPr>
+                <p:ph idx="1"/>
+              </p:nvPr>
+            </p:nvSpPr>
+            <p:spPr>
+              <a:blipFill>
+                <a:blip r:embed="rId3"/>
+                <a:stretch>
+                  <a:fillRect l="-1043" t="-2241"/>
+                </a:stretch>
+              </a:blipFill>
+            </p:spPr>
+            <p:txBody>
+              <a:bodyPr/>
+              <a:lstStyle/>
+              <a:p>
+                <a:r>
+                  <a:rPr lang="en-US">
+                    <a:noFill/>
+                  </a:rPr>
+                  <a:t> </a:t>
+                </a:r>
+              </a:p>
+            </p:txBody>
+          </p:sp>
+        </mc:Fallback>
+      </mc:AlternateContent>
     </p:spTree>
     <p:extLst>
       <p:ext uri="{BB962C8B-B14F-4D97-AF65-F5344CB8AC3E}">
-        <p14:creationId xmlns:p14="http://schemas.microsoft.com/office/powerpoint/2010/main" val="4293805152"/>
+        <p14:creationId xmlns:p14="http://schemas.microsoft.com/office/powerpoint/2010/main" val="4159968217"/>
       </p:ext>
     </p:extLst>
   </p:cSld>
@@ -8487,7 +9327,7 @@
           <p:cNvPr id="2" name="Titel 1">
             <a:extLst>
               <a:ext uri="{FF2B5EF4-FFF2-40B4-BE49-F238E27FC236}">
-                <a16:creationId xmlns:a16="http://schemas.microsoft.com/office/drawing/2014/main" id="{67E4C615-DCC8-406C-8116-2FE0121ECEC8}"/>
+                <a16:creationId xmlns:a16="http://schemas.microsoft.com/office/drawing/2014/main" id="{C690F183-8E7A-454F-8838-12391BD3CD63}"/>
               </a:ext>
             </a:extLst>
           </p:cNvPr>
@@ -8504,75 +9344,333 @@
           <a:lstStyle/>
           <a:p>
             <a:r>
-              <a:rPr lang="en-US" dirty="0"/>
-              <a:t>Regular Expressions</a:t>
-            </a:r>
-          </a:p>
-        </p:txBody>
-      </p:sp>
-      <p:sp>
-        <p:nvSpPr>
-          <p:cNvPr id="3" name="Inhaltsplatzhalter 2">
-            <a:extLst>
-              <a:ext uri="{FF2B5EF4-FFF2-40B4-BE49-F238E27FC236}">
-                <a16:creationId xmlns:a16="http://schemas.microsoft.com/office/drawing/2014/main" id="{51919B38-44CA-465B-BAD0-5F60F70A25FB}"/>
-              </a:ext>
-            </a:extLst>
-          </p:cNvPr>
-          <p:cNvSpPr>
-            <a:spLocks noGrp="1"/>
-          </p:cNvSpPr>
-          <p:nvPr>
-            <p:ph idx="1"/>
-          </p:nvPr>
-        </p:nvSpPr>
-        <p:spPr/>
-        <p:txBody>
-          <a:bodyPr/>
-          <a:lstStyle/>
-          <a:p>
-            <a:r>
-              <a:rPr lang="pt-BR" dirty="0"/>
-              <a:t>L(0) = ∅</a:t>
-            </a:r>
-          </a:p>
-          <a:p>
-            <a:r>
-              <a:rPr lang="pt-BR" dirty="0"/>
-              <a:t>L(1) = {[]}</a:t>
-            </a:r>
-          </a:p>
-          <a:p>
-            <a:r>
-              <a:rPr lang="pt-BR" dirty="0"/>
-              <a:t>L( &lt;a&gt; ) = {[a]}</a:t>
-            </a:r>
-          </a:p>
-          <a:p>
-            <a:r>
-              <a:rPr lang="pt-BR" dirty="0"/>
-              <a:t>L(r + s) = L(r) ∪ L(s)</a:t>
-            </a:r>
-          </a:p>
-          <a:p>
-            <a:r>
-              <a:rPr lang="pt-BR" dirty="0"/>
-              <a:t>L(r · s) = L(r)L(s)</a:t>
-            </a:r>
-          </a:p>
-          <a:p>
-            <a:r>
-              <a:rPr lang="pt-BR" dirty="0"/>
-              <a:t>L(r*) = (L(r))*</a:t>
+              <a:rPr lang="en-US" dirty="0" err="1"/>
+              <a:t>Bisimulations</a:t>
             </a:r>
             <a:endParaRPr lang="en-US" dirty="0"/>
           </a:p>
         </p:txBody>
       </p:sp>
+      <mc:AlternateContent xmlns:mc="http://schemas.openxmlformats.org/markup-compatibility/2006" xmlns:a14="http://schemas.microsoft.com/office/drawing/2010/main">
+        <mc:Choice Requires="a14">
+          <p:sp>
+            <p:nvSpPr>
+              <p:cNvPr id="3" name="Inhaltsplatzhalter 2">
+                <a:extLst>
+                  <a:ext uri="{FF2B5EF4-FFF2-40B4-BE49-F238E27FC236}">
+                    <a16:creationId xmlns:a16="http://schemas.microsoft.com/office/drawing/2014/main" id="{A92A6810-3DFA-48E9-840A-C8CE0480638F}"/>
+                  </a:ext>
+                </a:extLst>
+              </p:cNvPr>
+              <p:cNvSpPr>
+                <a:spLocks noGrp="1"/>
+              </p:cNvSpPr>
+              <p:nvPr>
+                <p:ph idx="1"/>
+              </p:nvPr>
+            </p:nvSpPr>
+            <p:spPr/>
+            <p:txBody>
+              <a:bodyPr>
+                <a:normAutofit/>
+              </a:bodyPr>
+              <a:lstStyle/>
+              <a:p>
+                <a:pPr marL="0" indent="0">
+                  <a:buNone/>
+                </a:pPr>
+                <a:r>
+                  <a:rPr lang="en-US" dirty="0"/>
+                  <a:t>Definition</a:t>
+                </a:r>
+              </a:p>
+              <a:p>
+                <a:r>
+                  <a:rPr lang="en-GB" dirty="0"/>
+                  <a:t>for all </a:t>
+                </a:r>
+                <a:r>
+                  <a:rPr lang="en-GB" i="1" dirty="0">
+                    <a:latin typeface="Lucida Bright" panose="02040602050505020304" pitchFamily="18" charset="0"/>
+                  </a:rPr>
+                  <a:t>A</a:t>
+                </a:r>
+                <a:r>
+                  <a:rPr lang="en-GB" dirty="0"/>
+                  <a:t> and </a:t>
+                </a:r>
+                <a:r>
+                  <a:rPr lang="en-GB" i="1" dirty="0">
+                    <a:latin typeface="Lucida Bright" panose="02040602050505020304" pitchFamily="18" charset="0"/>
+                  </a:rPr>
+                  <a:t>B</a:t>
+                </a:r>
+                <a:endParaRPr lang="en-GB" dirty="0"/>
+              </a:p>
+              <a:p>
+                <a:pPr marL="457200" lvl="1" indent="0">
+                  <a:buNone/>
+                </a:pPr>
+                <a:r>
+                  <a:rPr lang="en-GB" i="1" dirty="0">
+                    <a:latin typeface="Lucida Bright" panose="02040602050505020304" pitchFamily="18" charset="0"/>
+                  </a:rPr>
+                  <a:t>A ∼ B ⟹ [] ∈ A ⟷ [] ∈ B</a:t>
+                </a:r>
+              </a:p>
+              <a:p>
+                <a:r>
+                  <a:rPr lang="en-GB" dirty="0"/>
+                  <a:t>for all </a:t>
+                </a:r>
+                <a:r>
+                  <a:rPr lang="en-GB" i="1" dirty="0">
+                    <a:latin typeface="Lucida Bright" panose="02040602050505020304" pitchFamily="18" charset="0"/>
+                    <a:ea typeface="Cambria Math" panose="02040503050406030204" pitchFamily="18" charset="0"/>
+                  </a:rPr>
+                  <a:t>A</a:t>
+                </a:r>
+                <a:r>
+                  <a:rPr lang="en-GB" dirty="0"/>
+                  <a:t> and </a:t>
+                </a:r>
+                <a:r>
+                  <a:rPr lang="en-GB" i="1" dirty="0">
+                    <a:latin typeface="Lucida Bright" panose="02040602050505020304" pitchFamily="18" charset="0"/>
+                  </a:rPr>
+                  <a:t>B</a:t>
+                </a:r>
+                <a:r>
+                  <a:rPr lang="en-GB" i="1" dirty="0">
+                    <a:latin typeface="Cambria Math" panose="02040503050406030204" pitchFamily="18" charset="0"/>
+                    <a:ea typeface="Cambria Math" panose="02040503050406030204" pitchFamily="18" charset="0"/>
+                  </a:rPr>
+                  <a:t> </a:t>
+                </a:r>
+                <a:r>
+                  <a:rPr lang="en-GB" dirty="0"/>
+                  <a:t>and </a:t>
+                </a:r>
+                <a:r>
+                  <a:rPr lang="en-GB" i="1" dirty="0">
+                    <a:latin typeface="Lucida Bright" panose="02040602050505020304" pitchFamily="18" charset="0"/>
+                  </a:rPr>
+                  <a:t>x</a:t>
+                </a:r>
+                <a:endParaRPr lang="en-GB" dirty="0"/>
+              </a:p>
+              <a:p>
+                <a:pPr marL="457200" lvl="1" indent="0">
+                  <a:buNone/>
+                </a:pPr>
+                <a:r>
+                  <a:rPr lang="en-GB" i="1" dirty="0">
+                    <a:latin typeface="Lucida Bright" panose="02040602050505020304" pitchFamily="18" charset="0"/>
+                  </a:rPr>
+                  <a:t>A ∼ B ⟹ </a:t>
+                </a:r>
+                <a14:m>
+                  <m:oMath xmlns:m="http://schemas.openxmlformats.org/officeDocument/2006/math">
+                    <m:sSub>
+                      <m:sSubPr>
+                        <m:ctrlPr>
+                          <a:rPr lang="pt-BR" i="1">
+                            <a:latin typeface="Cambria Math" panose="02040503050406030204" pitchFamily="18" charset="0"/>
+                            <a:ea typeface="Cambria Math" panose="02040503050406030204" pitchFamily="18" charset="0"/>
+                          </a:rPr>
+                        </m:ctrlPr>
+                      </m:sSubPr>
+                      <m:e>
+                        <m:r>
+                          <a:rPr lang="de-DE" i="1">
+                            <a:latin typeface="Cambria Math" panose="02040503050406030204" pitchFamily="18" charset="0"/>
+                            <a:ea typeface="Cambria Math" panose="02040503050406030204" pitchFamily="18" charset="0"/>
+                          </a:rPr>
+                          <m:t>𝐷</m:t>
+                        </m:r>
+                      </m:e>
+                      <m:sub>
+                        <m:r>
+                          <a:rPr lang="de-DE" i="1">
+                            <a:latin typeface="Cambria Math" panose="02040503050406030204" pitchFamily="18" charset="0"/>
+                            <a:ea typeface="Cambria Math" panose="02040503050406030204" pitchFamily="18" charset="0"/>
+                          </a:rPr>
+                          <m:t>𝑥</m:t>
+                        </m:r>
+                      </m:sub>
+                    </m:sSub>
+                  </m:oMath>
+                </a14:m>
+                <a:r>
+                  <a:rPr lang="pt-BR" i="1" dirty="0">
+                    <a:latin typeface="Lucida Bright" panose="02040602050505020304" pitchFamily="18" charset="0"/>
+                    <a:ea typeface="Cambria Math" panose="02040503050406030204" pitchFamily="18" charset="0"/>
+                    <a:cs typeface="Times New Roman" panose="02020603050405020304" pitchFamily="18" charset="0"/>
+                  </a:rPr>
+                  <a:t> (A)</a:t>
+                </a:r>
+                <a:r>
+                  <a:rPr lang="en-GB" i="1" dirty="0">
+                    <a:latin typeface="Lucida Bright" panose="02040602050505020304" pitchFamily="18" charset="0"/>
+                  </a:rPr>
+                  <a:t> ∼ </a:t>
+                </a:r>
+                <a14:m>
+                  <m:oMath xmlns:m="http://schemas.openxmlformats.org/officeDocument/2006/math">
+                    <m:sSub>
+                      <m:sSubPr>
+                        <m:ctrlPr>
+                          <a:rPr lang="pt-BR" i="1">
+                            <a:latin typeface="Cambria Math" panose="02040503050406030204" pitchFamily="18" charset="0"/>
+                            <a:ea typeface="Cambria Math" panose="02040503050406030204" pitchFamily="18" charset="0"/>
+                          </a:rPr>
+                        </m:ctrlPr>
+                      </m:sSubPr>
+                      <m:e>
+                        <m:r>
+                          <a:rPr lang="de-DE" i="1">
+                            <a:latin typeface="Cambria Math" panose="02040503050406030204" pitchFamily="18" charset="0"/>
+                            <a:ea typeface="Cambria Math" panose="02040503050406030204" pitchFamily="18" charset="0"/>
+                          </a:rPr>
+                          <m:t>𝐷</m:t>
+                        </m:r>
+                      </m:e>
+                      <m:sub>
+                        <m:r>
+                          <a:rPr lang="de-DE" i="1">
+                            <a:latin typeface="Cambria Math" panose="02040503050406030204" pitchFamily="18" charset="0"/>
+                            <a:ea typeface="Cambria Math" panose="02040503050406030204" pitchFamily="18" charset="0"/>
+                          </a:rPr>
+                          <m:t>𝑥</m:t>
+                        </m:r>
+                      </m:sub>
+                    </m:sSub>
+                  </m:oMath>
+                </a14:m>
+                <a:r>
+                  <a:rPr lang="pt-BR" i="1" dirty="0">
+                    <a:latin typeface="Lucida Bright" panose="02040602050505020304" pitchFamily="18" charset="0"/>
+                    <a:ea typeface="Cambria Math" panose="02040503050406030204" pitchFamily="18" charset="0"/>
+                    <a:cs typeface="Times New Roman" panose="02020603050405020304" pitchFamily="18" charset="0"/>
+                  </a:rPr>
+                  <a:t> (B)</a:t>
+                </a:r>
+                <a:r>
+                  <a:rPr lang="en-GB" dirty="0"/>
+                  <a:t>.</a:t>
+                </a:r>
+                <a:endParaRPr lang="en-US" dirty="0"/>
+              </a:p>
+              <a:p>
+                <a:pPr marL="0" indent="0">
+                  <a:buNone/>
+                </a:pPr>
+                <a:endParaRPr lang="en-US" dirty="0"/>
+              </a:p>
+              <a:p>
+                <a:pPr marL="0" indent="0">
+                  <a:buNone/>
+                </a:pPr>
+                <a:r>
+                  <a:rPr lang="en-US" dirty="0"/>
+                  <a:t>If “</a:t>
+                </a:r>
+                <a:r>
+                  <a:rPr lang="en-GB" i="1" dirty="0">
+                    <a:latin typeface="Lucida Bright" panose="02040602050505020304" pitchFamily="18" charset="0"/>
+                  </a:rPr>
+                  <a:t>∼</a:t>
+                </a:r>
+                <a:r>
+                  <a:rPr lang="en-GB" dirty="0"/>
+                  <a:t>” is a </a:t>
+                </a:r>
+                <a:r>
+                  <a:rPr lang="en-GB" dirty="0" err="1"/>
+                  <a:t>bisimulation</a:t>
+                </a:r>
+                <a:r>
+                  <a:rPr lang="en-GB" dirty="0"/>
+                  <a:t>, then </a:t>
+                </a:r>
+                <a:r>
+                  <a:rPr lang="en-GB" i="1" dirty="0">
+                    <a:latin typeface="Lucida Bright" panose="02040602050505020304" pitchFamily="18" charset="0"/>
+                  </a:rPr>
+                  <a:t>A ∼ B</a:t>
+                </a:r>
+                <a:r>
+                  <a:rPr lang="en-GB" dirty="0"/>
+                  <a:t> implies </a:t>
+                </a:r>
+                <a:r>
+                  <a:rPr lang="en-GB" i="1" dirty="0">
+                    <a:latin typeface="Lucida Bright" panose="02040602050505020304" pitchFamily="18" charset="0"/>
+                  </a:rPr>
+                  <a:t>A = B</a:t>
+                </a:r>
+                <a:r>
+                  <a:rPr lang="en-GB" i="1" dirty="0"/>
+                  <a:t>.</a:t>
+                </a:r>
+              </a:p>
+              <a:p>
+                <a:pPr marL="0" indent="0">
+                  <a:buNone/>
+                </a:pPr>
+                <a:r>
+                  <a:rPr lang="en-GB" dirty="0"/>
+                  <a:t>	proof by list induction.</a:t>
+                </a:r>
+                <a:endParaRPr lang="en-US" dirty="0"/>
+              </a:p>
+            </p:txBody>
+          </p:sp>
+        </mc:Choice>
+        <mc:Fallback xmlns="">
+          <p:sp>
+            <p:nvSpPr>
+              <p:cNvPr id="3" name="Inhaltsplatzhalter 2">
+                <a:extLst>
+                  <a:ext uri="{FF2B5EF4-FFF2-40B4-BE49-F238E27FC236}">
+                    <a16:creationId xmlns:a16="http://schemas.microsoft.com/office/drawing/2014/main" id="{A92A6810-3DFA-48E9-840A-C8CE0480638F}"/>
+                  </a:ext>
+                </a:extLst>
+              </p:cNvPr>
+              <p:cNvSpPr>
+                <a:spLocks noGrp="1" noRot="1" noChangeAspect="1" noMove="1" noResize="1" noEditPoints="1" noAdjustHandles="1" noChangeArrowheads="1" noChangeShapeType="1" noTextEdit="1"/>
+              </p:cNvSpPr>
+              <p:nvPr>
+                <p:ph idx="1"/>
+              </p:nvPr>
+            </p:nvSpPr>
+            <p:spPr>
+              <a:blipFill>
+                <a:blip r:embed="rId3"/>
+                <a:stretch>
+                  <a:fillRect l="-1217" t="-2241"/>
+                </a:stretch>
+              </a:blipFill>
+            </p:spPr>
+            <p:txBody>
+              <a:bodyPr/>
+              <a:lstStyle/>
+              <a:p>
+                <a:r>
+                  <a:rPr lang="en-US">
+                    <a:noFill/>
+                  </a:rPr>
+                  <a:t> </a:t>
+                </a:r>
+              </a:p>
+            </p:txBody>
+          </p:sp>
+        </mc:Fallback>
+      </mc:AlternateContent>
     </p:spTree>
     <p:extLst>
       <p:ext uri="{BB962C8B-B14F-4D97-AF65-F5344CB8AC3E}">
-        <p14:creationId xmlns:p14="http://schemas.microsoft.com/office/powerpoint/2010/main" val="3994935269"/>
+        <p14:creationId xmlns:p14="http://schemas.microsoft.com/office/powerpoint/2010/main" val="4293805152"/>
       </p:ext>
     </p:extLst>
   </p:cSld>
@@ -8604,7 +9702,7 @@
           <p:cNvPr id="2" name="Titel 1">
             <a:extLst>
               <a:ext uri="{FF2B5EF4-FFF2-40B4-BE49-F238E27FC236}">
-                <a16:creationId xmlns:a16="http://schemas.microsoft.com/office/drawing/2014/main" id="{81C16FAE-4AF6-4523-9A5B-2DA28A67C4C4}"/>
+                <a16:creationId xmlns:a16="http://schemas.microsoft.com/office/drawing/2014/main" id="{67E4C615-DCC8-406C-8116-2FE0121ECEC8}"/>
               </a:ext>
             </a:extLst>
           </p:cNvPr>
@@ -8621,10 +9719,9 @@
           <a:lstStyle/>
           <a:p>
             <a:r>
-              <a:rPr lang="en-US" dirty="0" err="1"/>
-              <a:t>deriv</a:t>
-            </a:r>
-            <a:endParaRPr lang="en-US" dirty="0"/>
+              <a:rPr lang="en-US" dirty="0"/>
+              <a:t>Regular Expressions</a:t>
+            </a:r>
           </a:p>
         </p:txBody>
       </p:sp>
@@ -8633,7 +9730,7 @@
           <p:cNvPr id="3" name="Inhaltsplatzhalter 2">
             <a:extLst>
               <a:ext uri="{FF2B5EF4-FFF2-40B4-BE49-F238E27FC236}">
-                <a16:creationId xmlns:a16="http://schemas.microsoft.com/office/drawing/2014/main" id="{688714A8-CC31-4441-812D-726CEF45C4D4}"/>
+                <a16:creationId xmlns:a16="http://schemas.microsoft.com/office/drawing/2014/main" id="{51919B38-44CA-465B-BAD0-5F60F70A25FB}"/>
               </a:ext>
             </a:extLst>
           </p:cNvPr>
@@ -8649,136 +9746,121 @@
           <a:bodyPr/>
           <a:lstStyle/>
           <a:p>
-            <a:r>
-              <a:rPr lang="en-US" dirty="0" err="1"/>
-              <a:t>Deriv</a:t>
-            </a:r>
-            <a:r>
-              <a:rPr lang="en-US" dirty="0"/>
-              <a:t> computes on infinitely many lists</a:t>
-            </a:r>
-          </a:p>
-          <a:p>
-            <a:r>
-              <a:rPr lang="en-US" dirty="0"/>
-              <a:t>use operation on REs instead</a:t>
-            </a:r>
-          </a:p>
-          <a:p>
             <a:pPr marL="0" indent="0">
               <a:buNone/>
             </a:pPr>
             <a:r>
-              <a:rPr lang="en-US" dirty="0"/>
-              <a:t>	goal: </a:t>
-            </a:r>
-            <a:r>
-              <a:rPr lang="pt-BR" dirty="0"/>
-              <a:t>L(deriv a r) = Deriv a (L(r))</a:t>
-            </a:r>
-          </a:p>
-          <a:p>
-            <a:r>
-              <a:rPr lang="pt-BR" dirty="0"/>
-              <a:t>deriv :: ‘a =&gt; ‘a rexp =&gt; ‘a rexp computable</a:t>
-            </a:r>
-          </a:p>
-          <a:p>
-            <a:r>
-              <a:rPr lang="pt-BR" dirty="0"/>
-              <a:t>Brzozowki formulatet the rules:</a:t>
-            </a:r>
-          </a:p>
-          <a:p>
-            <a:pPr marL="457200" lvl="1" indent="0">
+              <a:rPr lang="pt-BR" i="1" dirty="0">
+                <a:latin typeface="Lucida Bright" panose="02040602050505020304" pitchFamily="18" charset="0"/>
+              </a:rPr>
+              <a:t>	L(</a:t>
+            </a:r>
+            <a:r>
+              <a:rPr lang="pt-BR" b="1" i="1" dirty="0">
+                <a:latin typeface="Lucida Bright" panose="02040602050505020304" pitchFamily="18" charset="0"/>
+              </a:rPr>
+              <a:t>∅</a:t>
+            </a:r>
+            <a:r>
+              <a:rPr lang="pt-BR" i="1" dirty="0">
+                <a:latin typeface="Lucida Bright" panose="02040602050505020304" pitchFamily="18" charset="0"/>
+              </a:rPr>
+              <a:t>) = ∅</a:t>
+            </a:r>
+          </a:p>
+          <a:p>
+            <a:pPr marL="0" indent="0">
               <a:buNone/>
             </a:pPr>
             <a:r>
-              <a:rPr lang="en-US" dirty="0"/>
-              <a:t> "</a:t>
-            </a:r>
-            <a:r>
-              <a:rPr lang="en-US" dirty="0" err="1"/>
-              <a:t>deriv</a:t>
-            </a:r>
-            <a:r>
-              <a:rPr lang="en-US" dirty="0"/>
-              <a:t> _ Zero = Zero"</a:t>
-            </a:r>
-          </a:p>
-          <a:p>
-            <a:pPr marL="457200" lvl="1" indent="0">
+              <a:rPr lang="pt-BR" i="1" dirty="0">
+                <a:latin typeface="Lucida Bright" panose="02040602050505020304" pitchFamily="18" charset="0"/>
+              </a:rPr>
+              <a:t>	L(</a:t>
+            </a:r>
+            <a:r>
+              <a:rPr lang="el-GR" i="1" dirty="0"/>
+              <a:t>ε</a:t>
+            </a:r>
+            <a:r>
+              <a:rPr lang="de-DE" i="1" dirty="0">
+                <a:latin typeface="Lucida Bright" panose="02040602050505020304" pitchFamily="18" charset="0"/>
+              </a:rPr>
+              <a:t>)</a:t>
+            </a:r>
+            <a:r>
+              <a:rPr lang="el-GR" i="1" dirty="0"/>
+              <a:t> = {[]}</a:t>
+            </a:r>
+            <a:endParaRPr lang="pt-BR" i="1" dirty="0">
+              <a:latin typeface="Lucida Bright" panose="02040602050505020304" pitchFamily="18" charset="0"/>
+            </a:endParaRPr>
+          </a:p>
+          <a:p>
+            <a:pPr marL="0" indent="0">
               <a:buNone/>
             </a:pPr>
             <a:r>
-              <a:rPr lang="en-US" dirty="0"/>
-              <a:t>| "</a:t>
-            </a:r>
-            <a:r>
-              <a:rPr lang="en-US" dirty="0" err="1"/>
-              <a:t>deriv</a:t>
-            </a:r>
-            <a:r>
-              <a:rPr lang="en-US" dirty="0"/>
-              <a:t> _ One = Zero"</a:t>
-            </a:r>
-          </a:p>
-          <a:p>
-            <a:pPr marL="457200" lvl="1" indent="0">
+              <a:rPr lang="pt-BR" i="1" dirty="0">
+                <a:latin typeface="Lucida Bright" panose="02040602050505020304" pitchFamily="18" charset="0"/>
+              </a:rPr>
+              <a:t>	L(a) = {[a]}</a:t>
+            </a:r>
+          </a:p>
+          <a:p>
+            <a:pPr marL="0" indent="0">
               <a:buNone/>
             </a:pPr>
             <a:r>
-              <a:rPr lang="en-US" dirty="0"/>
-              <a:t>| "</a:t>
-            </a:r>
-            <a:r>
-              <a:rPr lang="en-US" dirty="0" err="1"/>
-              <a:t>deriv</a:t>
-            </a:r>
-            <a:r>
-              <a:rPr lang="en-US" dirty="0"/>
-              <a:t> a (Atom b) = (if a = b then One else Zero)"</a:t>
-            </a:r>
-          </a:p>
-          <a:p>
-            <a:pPr marL="457200" lvl="1" indent="0">
+              <a:rPr lang="pt-BR" i="1" dirty="0">
+                <a:latin typeface="Lucida Bright" panose="02040602050505020304" pitchFamily="18" charset="0"/>
+              </a:rPr>
+              <a:t>	L(r + s) = L(r) ∪ L(s)</a:t>
+            </a:r>
+          </a:p>
+          <a:p>
+            <a:pPr marL="0" indent="0">
               <a:buNone/>
             </a:pPr>
             <a:r>
-              <a:rPr lang="en-US" dirty="0"/>
-              <a:t>| "</a:t>
-            </a:r>
-            <a:r>
-              <a:rPr lang="en-US" dirty="0" err="1"/>
-              <a:t>deriv</a:t>
-            </a:r>
-            <a:r>
-              <a:rPr lang="en-US" dirty="0"/>
-              <a:t> a (Plus r s) = Plus (</a:t>
-            </a:r>
-            <a:r>
-              <a:rPr lang="en-US" dirty="0" err="1"/>
-              <a:t>deriv</a:t>
-            </a:r>
-            <a:r>
-              <a:rPr lang="en-US" dirty="0"/>
-              <a:t> a r) (</a:t>
-            </a:r>
-            <a:r>
-              <a:rPr lang="en-US" dirty="0" err="1"/>
-              <a:t>deriv</a:t>
-            </a:r>
-            <a:r>
-              <a:rPr lang="en-US" dirty="0"/>
-              <a:t> a s)"</a:t>
-            </a:r>
+              <a:rPr lang="pt-BR" i="1" dirty="0">
+                <a:latin typeface="Lucida Bright" panose="02040602050505020304" pitchFamily="18" charset="0"/>
+              </a:rPr>
+              <a:t>	L(r · s) = L(r)L(s)</a:t>
+            </a:r>
+          </a:p>
+          <a:p>
+            <a:pPr marL="0" indent="0">
+              <a:buNone/>
+            </a:pPr>
+            <a:r>
+              <a:rPr lang="pt-BR" i="1" dirty="0">
+                <a:latin typeface="Lucida Bright" panose="02040602050505020304" pitchFamily="18" charset="0"/>
+              </a:rPr>
+              <a:t>	L(r</a:t>
+            </a:r>
+            <a:r>
+              <a:rPr lang="pt-BR" b="1" i="1" dirty="0">
+                <a:latin typeface="Lucida Bright" panose="02040602050505020304" pitchFamily="18" charset="0"/>
+              </a:rPr>
+              <a:t>*</a:t>
+            </a:r>
+            <a:r>
+              <a:rPr lang="pt-BR" i="1" dirty="0">
+                <a:latin typeface="Lucida Bright" panose="02040602050505020304" pitchFamily="18" charset="0"/>
+              </a:rPr>
+              <a:t>) = (L(r))*</a:t>
+            </a:r>
+            <a:endParaRPr lang="en-US" i="1" dirty="0">
+              <a:latin typeface="Lucida Bright" panose="02040602050505020304" pitchFamily="18" charset="0"/>
+            </a:endParaRPr>
           </a:p>
         </p:txBody>
       </p:sp>
     </p:spTree>
     <p:extLst>
       <p:ext uri="{BB962C8B-B14F-4D97-AF65-F5344CB8AC3E}">
-        <p14:creationId xmlns:p14="http://schemas.microsoft.com/office/powerpoint/2010/main" val="3120641397"/>
+        <p14:creationId xmlns:p14="http://schemas.microsoft.com/office/powerpoint/2010/main" val="3994935269"/>
       </p:ext>
     </p:extLst>
   </p:cSld>
@@ -8810,7 +9892,7 @@
           <p:cNvPr id="2" name="Titel 1">
             <a:extLst>
               <a:ext uri="{FF2B5EF4-FFF2-40B4-BE49-F238E27FC236}">
-                <a16:creationId xmlns:a16="http://schemas.microsoft.com/office/drawing/2014/main" id="{D7E0891D-9E1E-47AC-9740-549F7C87434B}"/>
+                <a16:creationId xmlns:a16="http://schemas.microsoft.com/office/drawing/2014/main" id="{81C16FAE-4AF6-4523-9A5B-2DA28A67C4C4}"/>
               </a:ext>
             </a:extLst>
           </p:cNvPr>
@@ -8828,94 +9910,661 @@
           <a:p>
             <a:r>
               <a:rPr lang="en-US" dirty="0"/>
-              <a:t>Times and Star</a:t>
-            </a:r>
-          </a:p>
-        </p:txBody>
-      </p:sp>
-      <p:sp>
-        <p:nvSpPr>
-          <p:cNvPr id="3" name="Inhaltsplatzhalter 2">
-            <a:extLst>
-              <a:ext uri="{FF2B5EF4-FFF2-40B4-BE49-F238E27FC236}">
-                <a16:creationId xmlns:a16="http://schemas.microsoft.com/office/drawing/2014/main" id="{CDE9D588-5CC2-42AF-BED0-FA41CE724D14}"/>
-              </a:ext>
-            </a:extLst>
-          </p:cNvPr>
-          <p:cNvSpPr>
-            <a:spLocks noGrp="1"/>
-          </p:cNvSpPr>
-          <p:nvPr>
-            <p:ph idx="1"/>
-          </p:nvPr>
-        </p:nvSpPr>
-        <p:spPr/>
-        <p:txBody>
-          <a:bodyPr/>
-          <a:lstStyle/>
-          <a:p>
-            <a:r>
-              <a:rPr lang="en-GB" dirty="0" err="1"/>
-              <a:t>deriv</a:t>
-            </a:r>
-            <a:r>
-              <a:rPr lang="en-GB" dirty="0"/>
-              <a:t> a (Times r s) =</a:t>
-            </a:r>
-          </a:p>
-          <a:p>
-            <a:pPr marL="0" indent="0">
-              <a:buNone/>
-            </a:pPr>
-            <a:r>
-              <a:rPr lang="en-GB" dirty="0"/>
-              <a:t>	(let r's = Times (</a:t>
-            </a:r>
-            <a:r>
-              <a:rPr lang="en-GB" dirty="0" err="1"/>
-              <a:t>deriv</a:t>
-            </a:r>
-            <a:r>
-              <a:rPr lang="en-GB" dirty="0"/>
-              <a:t> a r) s</a:t>
-            </a:r>
-          </a:p>
-          <a:p>
-            <a:pPr marL="0" indent="0">
-              <a:buNone/>
-            </a:pPr>
-            <a:r>
-              <a:rPr lang="en-GB" dirty="0"/>
-              <a:t>	in if nullable r then Plus r's (</a:t>
-            </a:r>
-            <a:r>
-              <a:rPr lang="en-GB" dirty="0" err="1"/>
-              <a:t>deriv</a:t>
-            </a:r>
-            <a:r>
-              <a:rPr lang="en-GB" dirty="0"/>
-              <a:t> a s) else r’s)</a:t>
-            </a:r>
-          </a:p>
-          <a:p>
-            <a:pPr marL="0" indent="0">
-              <a:buNone/>
-            </a:pPr>
-            <a:endParaRPr lang="en-GB" dirty="0"/>
-          </a:p>
-          <a:p>
-            <a:r>
-              <a:rPr lang="pt-BR" dirty="0"/>
-              <a:t>deriv a (Star r) = Times (deriv a r) (Star r)</a:t>
-            </a:r>
-            <a:endParaRPr lang="en-GB" dirty="0"/>
-          </a:p>
-        </p:txBody>
-      </p:sp>
+              <a:t>Derivatives of REs</a:t>
+            </a:r>
+          </a:p>
+        </p:txBody>
+      </p:sp>
+      <mc:AlternateContent xmlns:mc="http://schemas.openxmlformats.org/markup-compatibility/2006" xmlns:a14="http://schemas.microsoft.com/office/drawing/2010/main">
+        <mc:Choice Requires="a14">
+          <p:sp>
+            <p:nvSpPr>
+              <p:cNvPr id="3" name="Inhaltsplatzhalter 2">
+                <a:extLst>
+                  <a:ext uri="{FF2B5EF4-FFF2-40B4-BE49-F238E27FC236}">
+                    <a16:creationId xmlns:a16="http://schemas.microsoft.com/office/drawing/2014/main" id="{688714A8-CC31-4441-812D-726CEF45C4D4}"/>
+                  </a:ext>
+                </a:extLst>
+              </p:cNvPr>
+              <p:cNvSpPr>
+                <a:spLocks noGrp="1"/>
+              </p:cNvSpPr>
+              <p:nvPr>
+                <p:ph idx="1"/>
+              </p:nvPr>
+            </p:nvSpPr>
+            <p:spPr/>
+            <p:txBody>
+              <a:bodyPr>
+                <a:normAutofit/>
+              </a:bodyPr>
+              <a:lstStyle/>
+              <a:p>
+                <a:r>
+                  <a:rPr lang="en-US" i="1" dirty="0">
+                    <a:latin typeface="Lucida Bright" panose="02040602050505020304" pitchFamily="18" charset="0"/>
+                  </a:rPr>
+                  <a:t>D</a:t>
+                </a:r>
+                <a:r>
+                  <a:rPr lang="en-US" dirty="0"/>
+                  <a:t> is not computable</a:t>
+                </a:r>
+              </a:p>
+              <a:p>
+                <a:r>
+                  <a:rPr lang="en-US" dirty="0"/>
+                  <a:t>use operation on REs instead: </a:t>
+                </a:r>
+                <a:r>
+                  <a:rPr lang="en-US" i="1" dirty="0">
+                    <a:latin typeface="Lucida Bright" panose="02040602050505020304" pitchFamily="18" charset="0"/>
+                  </a:rPr>
+                  <a:t>d</a:t>
+                </a:r>
+              </a:p>
+              <a:p>
+                <a:pPr marL="0" indent="0">
+                  <a:buNone/>
+                </a:pPr>
+                <a:r>
+                  <a:rPr lang="en-US" dirty="0"/>
+                  <a:t>	goal: </a:t>
+                </a:r>
+                <a14:m>
+                  <m:oMath xmlns:m="http://schemas.openxmlformats.org/officeDocument/2006/math">
+                    <m:sSub>
+                      <m:sSubPr>
+                        <m:ctrlPr>
+                          <a:rPr lang="pt-BR" i="1" smtClean="0">
+                            <a:latin typeface="Cambria Math" panose="02040503050406030204" pitchFamily="18" charset="0"/>
+                            <a:ea typeface="Cambria Math" panose="02040503050406030204" pitchFamily="18" charset="0"/>
+                          </a:rPr>
+                        </m:ctrlPr>
+                      </m:sSubPr>
+                      <m:e>
+                        <m:r>
+                          <a:rPr lang="de-DE" b="0" i="1" smtClean="0">
+                            <a:latin typeface="Cambria Math" panose="02040503050406030204" pitchFamily="18" charset="0"/>
+                            <a:ea typeface="Cambria Math" panose="02040503050406030204" pitchFamily="18" charset="0"/>
+                          </a:rPr>
+                          <m:t>𝐿</m:t>
+                        </m:r>
+                        <m:r>
+                          <a:rPr lang="de-DE" b="0" i="1" smtClean="0">
+                            <a:latin typeface="Cambria Math" panose="02040503050406030204" pitchFamily="18" charset="0"/>
+                            <a:ea typeface="Cambria Math" panose="02040503050406030204" pitchFamily="18" charset="0"/>
+                          </a:rPr>
+                          <m:t>(</m:t>
+                        </m:r>
+                        <m:r>
+                          <a:rPr lang="de-DE" b="0" i="1" smtClean="0">
+                            <a:latin typeface="Cambria Math" panose="02040503050406030204" pitchFamily="18" charset="0"/>
+                            <a:ea typeface="Cambria Math" panose="02040503050406030204" pitchFamily="18" charset="0"/>
+                          </a:rPr>
+                          <m:t>𝑑</m:t>
+                        </m:r>
+                      </m:e>
+                      <m:sub>
+                        <m:r>
+                          <a:rPr lang="de-DE" b="0" i="1" smtClean="0">
+                            <a:latin typeface="Cambria Math" panose="02040503050406030204" pitchFamily="18" charset="0"/>
+                            <a:ea typeface="Cambria Math" panose="02040503050406030204" pitchFamily="18" charset="0"/>
+                          </a:rPr>
+                          <m:t>𝑎</m:t>
+                        </m:r>
+                      </m:sub>
+                    </m:sSub>
+                    <m:r>
+                      <a:rPr lang="de-DE" b="0" i="1" smtClean="0">
+                        <a:latin typeface="Cambria Math" panose="02040503050406030204" pitchFamily="18" charset="0"/>
+                        <a:ea typeface="Cambria Math" panose="02040503050406030204" pitchFamily="18" charset="0"/>
+                      </a:rPr>
+                      <m:t>(</m:t>
+                    </m:r>
+                    <m:r>
+                      <a:rPr lang="de-DE" b="0" i="1" smtClean="0">
+                        <a:latin typeface="Cambria Math" panose="02040503050406030204" pitchFamily="18" charset="0"/>
+                        <a:ea typeface="Cambria Math" panose="02040503050406030204" pitchFamily="18" charset="0"/>
+                      </a:rPr>
+                      <m:t>𝑟</m:t>
+                    </m:r>
+                    <m:r>
+                      <a:rPr lang="de-DE" b="0" i="1" smtClean="0">
+                        <a:latin typeface="Cambria Math" panose="02040503050406030204" pitchFamily="18" charset="0"/>
+                        <a:ea typeface="Cambria Math" panose="02040503050406030204" pitchFamily="18" charset="0"/>
+                      </a:rPr>
+                      <m:t>))</m:t>
+                    </m:r>
+                  </m:oMath>
+                </a14:m>
+                <a:r>
+                  <a:rPr lang="pt-BR" i="1" dirty="0">
+                    <a:latin typeface="Lucida Bright" panose="02040602050505020304" pitchFamily="18" charset="0"/>
+                    <a:ea typeface="Cambria Math" panose="02040503050406030204" pitchFamily="18" charset="0"/>
+                  </a:rPr>
+                  <a:t> = </a:t>
+                </a:r>
+                <a14:m>
+                  <m:oMath xmlns:m="http://schemas.openxmlformats.org/officeDocument/2006/math">
+                    <m:sSub>
+                      <m:sSubPr>
+                        <m:ctrlPr>
+                          <a:rPr lang="pt-BR" i="1" smtClean="0">
+                            <a:latin typeface="Cambria Math" panose="02040503050406030204" pitchFamily="18" charset="0"/>
+                            <a:ea typeface="Cambria Math" panose="02040503050406030204" pitchFamily="18" charset="0"/>
+                          </a:rPr>
+                        </m:ctrlPr>
+                      </m:sSubPr>
+                      <m:e>
+                        <m:r>
+                          <a:rPr lang="de-DE" b="0" i="1" smtClean="0">
+                            <a:latin typeface="Cambria Math" panose="02040503050406030204" pitchFamily="18" charset="0"/>
+                            <a:ea typeface="Cambria Math" panose="02040503050406030204" pitchFamily="18" charset="0"/>
+                          </a:rPr>
+                          <m:t>𝐷</m:t>
+                        </m:r>
+                      </m:e>
+                      <m:sub>
+                        <m:r>
+                          <a:rPr lang="de-DE" b="0" i="1" smtClean="0">
+                            <a:latin typeface="Cambria Math" panose="02040503050406030204" pitchFamily="18" charset="0"/>
+                            <a:ea typeface="Cambria Math" panose="02040503050406030204" pitchFamily="18" charset="0"/>
+                          </a:rPr>
+                          <m:t>𝑎</m:t>
+                        </m:r>
+                      </m:sub>
+                    </m:sSub>
+                    <m:r>
+                      <a:rPr lang="de-DE" b="0" i="1" smtClean="0">
+                        <a:latin typeface="Cambria Math" panose="02040503050406030204" pitchFamily="18" charset="0"/>
+                        <a:ea typeface="Cambria Math" panose="02040503050406030204" pitchFamily="18" charset="0"/>
+                      </a:rPr>
+                      <m:t>(</m:t>
+                    </m:r>
+                    <m:r>
+                      <a:rPr lang="de-DE" b="0" i="1" smtClean="0">
+                        <a:latin typeface="Cambria Math" panose="02040503050406030204" pitchFamily="18" charset="0"/>
+                        <a:ea typeface="Cambria Math" panose="02040503050406030204" pitchFamily="18" charset="0"/>
+                      </a:rPr>
+                      <m:t>𝐿</m:t>
+                    </m:r>
+                    <m:d>
+                      <m:dPr>
+                        <m:ctrlPr>
+                          <a:rPr lang="de-DE" b="0" i="1" smtClean="0">
+                            <a:latin typeface="Cambria Math" panose="02040503050406030204" pitchFamily="18" charset="0"/>
+                            <a:ea typeface="Cambria Math" panose="02040503050406030204" pitchFamily="18" charset="0"/>
+                          </a:rPr>
+                        </m:ctrlPr>
+                      </m:dPr>
+                      <m:e>
+                        <m:r>
+                          <a:rPr lang="de-DE" b="0" i="1" smtClean="0">
+                            <a:latin typeface="Cambria Math" panose="02040503050406030204" pitchFamily="18" charset="0"/>
+                            <a:ea typeface="Cambria Math" panose="02040503050406030204" pitchFamily="18" charset="0"/>
+                          </a:rPr>
+                          <m:t>𝑟</m:t>
+                        </m:r>
+                      </m:e>
+                    </m:d>
+                    <m:r>
+                      <a:rPr lang="de-DE" b="0" i="1" smtClean="0">
+                        <a:latin typeface="Cambria Math" panose="02040503050406030204" pitchFamily="18" charset="0"/>
+                        <a:ea typeface="Cambria Math" panose="02040503050406030204" pitchFamily="18" charset="0"/>
+                      </a:rPr>
+                      <m:t>)</m:t>
+                    </m:r>
+                  </m:oMath>
+                </a14:m>
+                <a:endParaRPr lang="pt-BR" i="1" dirty="0">
+                  <a:latin typeface="Lucida Bright" panose="02040602050505020304" pitchFamily="18" charset="0"/>
+                  <a:ea typeface="Cambria Math" panose="02040503050406030204" pitchFamily="18" charset="0"/>
+                </a:endParaRPr>
+              </a:p>
+              <a:p>
+                <a:pPr marL="0" indent="0">
+                  <a:buNone/>
+                </a:pPr>
+                <a:r>
+                  <a:rPr lang="pt-BR" dirty="0"/>
+                  <a:t>      with </a:t>
+                </a:r>
+                <a:r>
+                  <a:rPr lang="pt-BR" i="1" dirty="0">
+                    <a:latin typeface="Cambria Math" panose="02040503050406030204" pitchFamily="18" charset="0"/>
+                    <a:ea typeface="Cambria Math" panose="02040503050406030204" pitchFamily="18" charset="0"/>
+                  </a:rPr>
+                  <a:t>d :: ‘a ⇒ ‘a rexp ⇒ ‘a rexp</a:t>
+                </a:r>
+                <a:r>
+                  <a:rPr lang="pt-BR" dirty="0"/>
+                  <a:t> computable</a:t>
+                </a:r>
+              </a:p>
+              <a:p>
+                <a:r>
+                  <a:rPr lang="pt-BR" dirty="0"/>
+                  <a:t>This is possible (Brzozowski 1964):</a:t>
+                </a:r>
+              </a:p>
+              <a:p>
+                <a:pPr marL="457200" lvl="1" indent="0">
+                  <a:buNone/>
+                </a:pPr>
+                <a:r>
+                  <a:rPr lang="en-US" i="1" dirty="0">
+                    <a:latin typeface="Cambria Math" panose="02040503050406030204" pitchFamily="18" charset="0"/>
+                    <a:ea typeface="Cambria Math" panose="02040503050406030204" pitchFamily="18" charset="0"/>
+                  </a:rPr>
+                  <a:t> 	</a:t>
+                </a:r>
+                <a14:m>
+                  <m:oMath xmlns:m="http://schemas.openxmlformats.org/officeDocument/2006/math">
+                    <m:sSub>
+                      <m:sSubPr>
+                        <m:ctrlPr>
+                          <a:rPr lang="en-US" i="1" smtClean="0">
+                            <a:latin typeface="Cambria Math" panose="02040503050406030204" pitchFamily="18" charset="0"/>
+                            <a:ea typeface="Cambria Math" panose="02040503050406030204" pitchFamily="18" charset="0"/>
+                          </a:rPr>
+                        </m:ctrlPr>
+                      </m:sSubPr>
+                      <m:e>
+                        <m:r>
+                          <a:rPr lang="de-DE" b="0" i="1" smtClean="0">
+                            <a:latin typeface="Cambria Math" panose="02040503050406030204" pitchFamily="18" charset="0"/>
+                            <a:ea typeface="Cambria Math" panose="02040503050406030204" pitchFamily="18" charset="0"/>
+                          </a:rPr>
+                          <m:t>𝑑</m:t>
+                        </m:r>
+                      </m:e>
+                      <m:sub>
+                        <m:r>
+                          <a:rPr lang="de-DE" b="0" i="1" smtClean="0">
+                            <a:latin typeface="Cambria Math" panose="02040503050406030204" pitchFamily="18" charset="0"/>
+                            <a:ea typeface="Cambria Math" panose="02040503050406030204" pitchFamily="18" charset="0"/>
+                          </a:rPr>
+                          <m:t>𝑎</m:t>
+                        </m:r>
+                      </m:sub>
+                    </m:sSub>
+                  </m:oMath>
+                </a14:m>
+                <a:r>
+                  <a:rPr lang="en-US" i="1" dirty="0">
+                    <a:latin typeface="Cambria Math" panose="02040503050406030204" pitchFamily="18" charset="0"/>
+                    <a:ea typeface="Cambria Math" panose="02040503050406030204" pitchFamily="18" charset="0"/>
+                  </a:rPr>
+                  <a:t> (</a:t>
+                </a:r>
+                <a:r>
+                  <a:rPr lang="pt-BR" b="1" i="1" dirty="0">
+                    <a:latin typeface="Cambria Math" panose="02040503050406030204" pitchFamily="18" charset="0"/>
+                    <a:ea typeface="Cambria Math" panose="02040503050406030204" pitchFamily="18" charset="0"/>
+                  </a:rPr>
+                  <a:t>∅</a:t>
+                </a:r>
+                <a:r>
+                  <a:rPr lang="en-US" i="1" dirty="0">
+                    <a:latin typeface="Cambria Math" panose="02040503050406030204" pitchFamily="18" charset="0"/>
+                    <a:ea typeface="Cambria Math" panose="02040503050406030204" pitchFamily="18" charset="0"/>
+                  </a:rPr>
+                  <a:t> ) = </a:t>
+                </a:r>
+                <a:r>
+                  <a:rPr lang="pt-BR" b="1" i="1" dirty="0">
+                    <a:latin typeface="Cambria Math" panose="02040503050406030204" pitchFamily="18" charset="0"/>
+                    <a:ea typeface="Cambria Math" panose="02040503050406030204" pitchFamily="18" charset="0"/>
+                  </a:rPr>
+                  <a:t>∅</a:t>
+                </a:r>
+              </a:p>
+              <a:p>
+                <a:pPr marL="457200" lvl="1" indent="0">
+                  <a:buNone/>
+                </a:pPr>
+                <a:r>
+                  <a:rPr lang="en-US" i="1" dirty="0">
+                    <a:latin typeface="Cambria Math" panose="02040503050406030204" pitchFamily="18" charset="0"/>
+                    <a:ea typeface="Cambria Math" panose="02040503050406030204" pitchFamily="18" charset="0"/>
+                  </a:rPr>
+                  <a:t>	</a:t>
+                </a:r>
+                <a14:m>
+                  <m:oMath xmlns:m="http://schemas.openxmlformats.org/officeDocument/2006/math">
+                    <m:sSub>
+                      <m:sSubPr>
+                        <m:ctrlPr>
+                          <a:rPr lang="en-US" i="1">
+                            <a:latin typeface="Cambria Math" panose="02040503050406030204" pitchFamily="18" charset="0"/>
+                            <a:ea typeface="Cambria Math" panose="02040503050406030204" pitchFamily="18" charset="0"/>
+                          </a:rPr>
+                        </m:ctrlPr>
+                      </m:sSubPr>
+                      <m:e>
+                        <m:r>
+                          <a:rPr lang="de-DE" i="1">
+                            <a:latin typeface="Cambria Math" panose="02040503050406030204" pitchFamily="18" charset="0"/>
+                            <a:ea typeface="Cambria Math" panose="02040503050406030204" pitchFamily="18" charset="0"/>
+                          </a:rPr>
+                          <m:t>𝑑</m:t>
+                        </m:r>
+                      </m:e>
+                      <m:sub>
+                        <m:r>
+                          <a:rPr lang="de-DE" i="1">
+                            <a:latin typeface="Cambria Math" panose="02040503050406030204" pitchFamily="18" charset="0"/>
+                            <a:ea typeface="Cambria Math" panose="02040503050406030204" pitchFamily="18" charset="0"/>
+                          </a:rPr>
+                          <m:t>𝑎</m:t>
+                        </m:r>
+                      </m:sub>
+                    </m:sSub>
+                  </m:oMath>
+                </a14:m>
+                <a:r>
+                  <a:rPr lang="en-US" i="1" dirty="0">
+                    <a:latin typeface="Cambria Math" panose="02040503050406030204" pitchFamily="18" charset="0"/>
+                    <a:ea typeface="Cambria Math" panose="02040503050406030204" pitchFamily="18" charset="0"/>
+                  </a:rPr>
+                  <a:t> (</a:t>
+                </a:r>
+                <a:r>
+                  <a:rPr lang="el-GR" i="1" dirty="0">
+                    <a:latin typeface="Cambria Math" panose="02040503050406030204" pitchFamily="18" charset="0"/>
+                    <a:ea typeface="Cambria Math" panose="02040503050406030204" pitchFamily="18" charset="0"/>
+                  </a:rPr>
+                  <a:t>ε</a:t>
+                </a:r>
+                <a:r>
+                  <a:rPr lang="de-DE" i="1" dirty="0">
+                    <a:latin typeface="Cambria Math" panose="02040503050406030204" pitchFamily="18" charset="0"/>
+                    <a:ea typeface="Cambria Math" panose="02040503050406030204" pitchFamily="18" charset="0"/>
+                  </a:rPr>
+                  <a:t>)</a:t>
+                </a:r>
+                <a:r>
+                  <a:rPr lang="en-US" i="1" dirty="0">
+                    <a:latin typeface="Cambria Math" panose="02040503050406030204" pitchFamily="18" charset="0"/>
+                    <a:ea typeface="Cambria Math" panose="02040503050406030204" pitchFamily="18" charset="0"/>
+                  </a:rPr>
+                  <a:t> = </a:t>
+                </a:r>
+                <a:r>
+                  <a:rPr lang="pt-BR" b="1" i="1" dirty="0">
+                    <a:latin typeface="Cambria Math" panose="02040503050406030204" pitchFamily="18" charset="0"/>
+                    <a:ea typeface="Cambria Math" panose="02040503050406030204" pitchFamily="18" charset="0"/>
+                  </a:rPr>
+                  <a:t>∅</a:t>
+                </a:r>
+                <a:endParaRPr lang="en-US" i="1" dirty="0">
+                  <a:latin typeface="Cambria Math" panose="02040503050406030204" pitchFamily="18" charset="0"/>
+                  <a:ea typeface="Cambria Math" panose="02040503050406030204" pitchFamily="18" charset="0"/>
+                </a:endParaRPr>
+              </a:p>
+              <a:p>
+                <a:pPr marL="457200" lvl="1" indent="0">
+                  <a:buNone/>
+                </a:pPr>
+                <a:r>
+                  <a:rPr lang="en-US" i="1" dirty="0">
+                    <a:latin typeface="Cambria Math" panose="02040503050406030204" pitchFamily="18" charset="0"/>
+                    <a:ea typeface="Cambria Math" panose="02040503050406030204" pitchFamily="18" charset="0"/>
+                  </a:rPr>
+                  <a:t>	</a:t>
+                </a:r>
+                <a14:m>
+                  <m:oMath xmlns:m="http://schemas.openxmlformats.org/officeDocument/2006/math">
+                    <m:sSub>
+                      <m:sSubPr>
+                        <m:ctrlPr>
+                          <a:rPr lang="en-US" i="1">
+                            <a:latin typeface="Cambria Math" panose="02040503050406030204" pitchFamily="18" charset="0"/>
+                            <a:ea typeface="Cambria Math" panose="02040503050406030204" pitchFamily="18" charset="0"/>
+                          </a:rPr>
+                        </m:ctrlPr>
+                      </m:sSubPr>
+                      <m:e>
+                        <m:r>
+                          <a:rPr lang="de-DE" i="1">
+                            <a:latin typeface="Cambria Math" panose="02040503050406030204" pitchFamily="18" charset="0"/>
+                            <a:ea typeface="Cambria Math" panose="02040503050406030204" pitchFamily="18" charset="0"/>
+                          </a:rPr>
+                          <m:t>𝑑</m:t>
+                        </m:r>
+                      </m:e>
+                      <m:sub>
+                        <m:r>
+                          <a:rPr lang="de-DE" i="1">
+                            <a:latin typeface="Cambria Math" panose="02040503050406030204" pitchFamily="18" charset="0"/>
+                            <a:ea typeface="Cambria Math" panose="02040503050406030204" pitchFamily="18" charset="0"/>
+                          </a:rPr>
+                          <m:t>𝑎</m:t>
+                        </m:r>
+                      </m:sub>
+                    </m:sSub>
+                  </m:oMath>
+                </a14:m>
+                <a:r>
+                  <a:rPr lang="en-US" i="1" dirty="0">
+                    <a:latin typeface="Cambria Math" panose="02040503050406030204" pitchFamily="18" charset="0"/>
+                    <a:ea typeface="Cambria Math" panose="02040503050406030204" pitchFamily="18" charset="0"/>
+                  </a:rPr>
+                  <a:t> (&lt;b&gt;) = (if a = b then </a:t>
+                </a:r>
+                <a:r>
+                  <a:rPr lang="el-GR" i="1" dirty="0">
+                    <a:latin typeface="Cambria Math" panose="02040503050406030204" pitchFamily="18" charset="0"/>
+                    <a:ea typeface="Cambria Math" panose="02040503050406030204" pitchFamily="18" charset="0"/>
+                  </a:rPr>
+                  <a:t>ε</a:t>
+                </a:r>
+                <a:r>
+                  <a:rPr lang="en-US" i="1" dirty="0">
+                    <a:latin typeface="Cambria Math" panose="02040503050406030204" pitchFamily="18" charset="0"/>
+                    <a:ea typeface="Cambria Math" panose="02040503050406030204" pitchFamily="18" charset="0"/>
+                  </a:rPr>
+                  <a:t> else </a:t>
+                </a:r>
+                <a:r>
+                  <a:rPr lang="pt-BR" b="1" i="1" dirty="0">
+                    <a:latin typeface="Cambria Math" panose="02040503050406030204" pitchFamily="18" charset="0"/>
+                    <a:ea typeface="Cambria Math" panose="02040503050406030204" pitchFamily="18" charset="0"/>
+                  </a:rPr>
+                  <a:t>∅</a:t>
+                </a:r>
+                <a:r>
+                  <a:rPr lang="en-US" i="1" dirty="0">
+                    <a:latin typeface="Cambria Math" panose="02040503050406030204" pitchFamily="18" charset="0"/>
+                    <a:ea typeface="Cambria Math" panose="02040503050406030204" pitchFamily="18" charset="0"/>
+                  </a:rPr>
+                  <a:t>)</a:t>
+                </a:r>
+              </a:p>
+              <a:p>
+                <a:pPr marL="457200" lvl="1" indent="0">
+                  <a:buNone/>
+                </a:pPr>
+                <a:r>
+                  <a:rPr lang="en-US" i="1" dirty="0">
+                    <a:latin typeface="Cambria Math" panose="02040503050406030204" pitchFamily="18" charset="0"/>
+                    <a:ea typeface="Cambria Math" panose="02040503050406030204" pitchFamily="18" charset="0"/>
+                  </a:rPr>
+                  <a:t>	</a:t>
+                </a:r>
+                <a14:m>
+                  <m:oMath xmlns:m="http://schemas.openxmlformats.org/officeDocument/2006/math">
+                    <m:sSub>
+                      <m:sSubPr>
+                        <m:ctrlPr>
+                          <a:rPr lang="en-US" i="1">
+                            <a:latin typeface="Cambria Math" panose="02040503050406030204" pitchFamily="18" charset="0"/>
+                            <a:ea typeface="Cambria Math" panose="02040503050406030204" pitchFamily="18" charset="0"/>
+                          </a:rPr>
+                        </m:ctrlPr>
+                      </m:sSubPr>
+                      <m:e>
+                        <m:r>
+                          <a:rPr lang="de-DE" i="1">
+                            <a:latin typeface="Cambria Math" panose="02040503050406030204" pitchFamily="18" charset="0"/>
+                            <a:ea typeface="Cambria Math" panose="02040503050406030204" pitchFamily="18" charset="0"/>
+                          </a:rPr>
+                          <m:t>𝑑</m:t>
+                        </m:r>
+                      </m:e>
+                      <m:sub>
+                        <m:r>
+                          <a:rPr lang="de-DE" i="1">
+                            <a:latin typeface="Cambria Math" panose="02040503050406030204" pitchFamily="18" charset="0"/>
+                            <a:ea typeface="Cambria Math" panose="02040503050406030204" pitchFamily="18" charset="0"/>
+                          </a:rPr>
+                          <m:t>𝑎</m:t>
+                        </m:r>
+                      </m:sub>
+                    </m:sSub>
+                    <m:r>
+                      <a:rPr lang="de-DE" b="0" i="1" smtClean="0">
+                        <a:latin typeface="Cambria Math" panose="02040503050406030204" pitchFamily="18" charset="0"/>
+                        <a:ea typeface="Cambria Math" panose="02040503050406030204" pitchFamily="18" charset="0"/>
+                      </a:rPr>
+                      <m:t> </m:t>
+                    </m:r>
+                  </m:oMath>
+                </a14:m>
+                <a:r>
+                  <a:rPr lang="en-US" i="1" dirty="0">
+                    <a:latin typeface="Cambria Math" panose="02040503050406030204" pitchFamily="18" charset="0"/>
+                    <a:ea typeface="Cambria Math" panose="02040503050406030204" pitchFamily="18" charset="0"/>
+                  </a:rPr>
+                  <a:t>(r + s) = </a:t>
+                </a:r>
+                <a14:m>
+                  <m:oMath xmlns:m="http://schemas.openxmlformats.org/officeDocument/2006/math">
+                    <m:sSub>
+                      <m:sSubPr>
+                        <m:ctrlPr>
+                          <a:rPr lang="en-US" i="1">
+                            <a:latin typeface="Cambria Math" panose="02040503050406030204" pitchFamily="18" charset="0"/>
+                            <a:ea typeface="Cambria Math" panose="02040503050406030204" pitchFamily="18" charset="0"/>
+                          </a:rPr>
+                        </m:ctrlPr>
+                      </m:sSubPr>
+                      <m:e>
+                        <m:r>
+                          <a:rPr lang="de-DE" i="1">
+                            <a:latin typeface="Cambria Math" panose="02040503050406030204" pitchFamily="18" charset="0"/>
+                            <a:ea typeface="Cambria Math" panose="02040503050406030204" pitchFamily="18" charset="0"/>
+                          </a:rPr>
+                          <m:t>𝑑</m:t>
+                        </m:r>
+                      </m:e>
+                      <m:sub>
+                        <m:r>
+                          <a:rPr lang="de-DE" i="1">
+                            <a:latin typeface="Cambria Math" panose="02040503050406030204" pitchFamily="18" charset="0"/>
+                            <a:ea typeface="Cambria Math" panose="02040503050406030204" pitchFamily="18" charset="0"/>
+                          </a:rPr>
+                          <m:t>𝑎</m:t>
+                        </m:r>
+                      </m:sub>
+                    </m:sSub>
+                  </m:oMath>
+                </a14:m>
+                <a:r>
+                  <a:rPr lang="en-US" i="1" dirty="0">
+                    <a:latin typeface="Cambria Math" panose="02040503050406030204" pitchFamily="18" charset="0"/>
+                    <a:ea typeface="Cambria Math" panose="02040503050406030204" pitchFamily="18" charset="0"/>
+                  </a:rPr>
+                  <a:t> r + </a:t>
+                </a:r>
+                <a14:m>
+                  <m:oMath xmlns:m="http://schemas.openxmlformats.org/officeDocument/2006/math">
+                    <m:sSub>
+                      <m:sSubPr>
+                        <m:ctrlPr>
+                          <a:rPr lang="en-US" i="1">
+                            <a:latin typeface="Cambria Math" panose="02040503050406030204" pitchFamily="18" charset="0"/>
+                            <a:ea typeface="Cambria Math" panose="02040503050406030204" pitchFamily="18" charset="0"/>
+                          </a:rPr>
+                        </m:ctrlPr>
+                      </m:sSubPr>
+                      <m:e>
+                        <m:r>
+                          <a:rPr lang="de-DE" i="1">
+                            <a:latin typeface="Cambria Math" panose="02040503050406030204" pitchFamily="18" charset="0"/>
+                            <a:ea typeface="Cambria Math" panose="02040503050406030204" pitchFamily="18" charset="0"/>
+                          </a:rPr>
+                          <m:t>𝑑</m:t>
+                        </m:r>
+                      </m:e>
+                      <m:sub>
+                        <m:r>
+                          <a:rPr lang="de-DE" i="1">
+                            <a:latin typeface="Cambria Math" panose="02040503050406030204" pitchFamily="18" charset="0"/>
+                            <a:ea typeface="Cambria Math" panose="02040503050406030204" pitchFamily="18" charset="0"/>
+                          </a:rPr>
+                          <m:t>𝑎</m:t>
+                        </m:r>
+                      </m:sub>
+                    </m:sSub>
+                  </m:oMath>
+                </a14:m>
+                <a:r>
+                  <a:rPr lang="en-US" i="1" dirty="0">
+                    <a:latin typeface="Cambria Math" panose="02040503050406030204" pitchFamily="18" charset="0"/>
+                    <a:ea typeface="Cambria Math" panose="02040503050406030204" pitchFamily="18" charset="0"/>
+                  </a:rPr>
+                  <a:t> s</a:t>
+                </a:r>
+              </a:p>
+            </p:txBody>
+          </p:sp>
+        </mc:Choice>
+        <mc:Fallback xmlns="">
+          <p:sp>
+            <p:nvSpPr>
+              <p:cNvPr id="3" name="Inhaltsplatzhalter 2">
+                <a:extLst>
+                  <a:ext uri="{FF2B5EF4-FFF2-40B4-BE49-F238E27FC236}">
+                    <a16:creationId xmlns:a16="http://schemas.microsoft.com/office/drawing/2014/main" id="{688714A8-CC31-4441-812D-726CEF45C4D4}"/>
+                  </a:ext>
+                </a:extLst>
+              </p:cNvPr>
+              <p:cNvSpPr>
+                <a:spLocks noGrp="1" noRot="1" noChangeAspect="1" noMove="1" noResize="1" noEditPoints="1" noAdjustHandles="1" noChangeArrowheads="1" noChangeShapeType="1" noTextEdit="1"/>
+              </p:cNvSpPr>
+              <p:nvPr>
+                <p:ph idx="1"/>
+              </p:nvPr>
+            </p:nvSpPr>
+            <p:spPr>
+              <a:blipFill>
+                <a:blip r:embed="rId3"/>
+                <a:stretch>
+                  <a:fillRect l="-1043" t="-2661"/>
+                </a:stretch>
+              </a:blipFill>
+            </p:spPr>
+            <p:txBody>
+              <a:bodyPr/>
+              <a:lstStyle/>
+              <a:p>
+                <a:r>
+                  <a:rPr lang="en-US">
+                    <a:noFill/>
+                  </a:rPr>
+                  <a:t> </a:t>
+                </a:r>
+              </a:p>
+            </p:txBody>
+          </p:sp>
+        </mc:Fallback>
+      </mc:AlternateContent>
     </p:spTree>
     <p:extLst>
       <p:ext uri="{BB962C8B-B14F-4D97-AF65-F5344CB8AC3E}">
-        <p14:creationId xmlns:p14="http://schemas.microsoft.com/office/powerpoint/2010/main" val="2901290462"/>
+        <p14:creationId xmlns:p14="http://schemas.microsoft.com/office/powerpoint/2010/main" val="3120641397"/>
       </p:ext>
     </p:extLst>
   </p:cSld>
@@ -8947,7 +10596,7 @@
           <p:cNvPr id="2" name="Titel 1">
             <a:extLst>
               <a:ext uri="{FF2B5EF4-FFF2-40B4-BE49-F238E27FC236}">
-                <a16:creationId xmlns:a16="http://schemas.microsoft.com/office/drawing/2014/main" id="{D55CD077-9E2B-43F3-83A0-334C38F85C7C}"/>
+                <a16:creationId xmlns:a16="http://schemas.microsoft.com/office/drawing/2014/main" id="{D7E0891D-9E1E-47AC-9740-549F7C87434B}"/>
               </a:ext>
             </a:extLst>
           </p:cNvPr>
@@ -8965,106 +10614,620 @@
           <a:p>
             <a:r>
               <a:rPr lang="en-US" dirty="0"/>
-              <a:t>ACI</a:t>
-            </a:r>
-          </a:p>
-        </p:txBody>
-      </p:sp>
-      <p:sp>
-        <p:nvSpPr>
-          <p:cNvPr id="3" name="Inhaltsplatzhalter 2">
-            <a:extLst>
-              <a:ext uri="{FF2B5EF4-FFF2-40B4-BE49-F238E27FC236}">
-                <a16:creationId xmlns:a16="http://schemas.microsoft.com/office/drawing/2014/main" id="{EABB337D-AA1F-4919-A75D-7EF7AE0BF98B}"/>
-              </a:ext>
-            </a:extLst>
-          </p:cNvPr>
-          <p:cNvSpPr>
-            <a:spLocks noGrp="1"/>
-          </p:cNvSpPr>
-          <p:nvPr>
-            <p:ph idx="1"/>
-          </p:nvPr>
-        </p:nvSpPr>
-        <p:spPr/>
-        <p:txBody>
-          <a:bodyPr/>
-          <a:lstStyle/>
-          <a:p>
-            <a:pPr marL="0" indent="0">
-              <a:buNone/>
-            </a:pPr>
-            <a:r>
-              <a:rPr lang="en-US" dirty="0"/>
-              <a:t>associativity, commutativity and idempotence of </a:t>
-            </a:r>
-            <a:r>
-              <a:rPr lang="en-US" i="1" dirty="0"/>
-              <a:t>+</a:t>
-            </a:r>
-          </a:p>
-          <a:p>
-            <a:r>
-              <a:rPr lang="en-US" dirty="0"/>
-              <a:t>the auxiliary function </a:t>
-            </a:r>
-            <a:r>
-              <a:rPr lang="en-US" i="1" dirty="0"/>
-              <a:t>norm</a:t>
-            </a:r>
-            <a:r>
-              <a:rPr lang="en-US" dirty="0"/>
-              <a:t> establishes a normal form</a:t>
-            </a:r>
-          </a:p>
-          <a:p>
-            <a:pPr marL="0" indent="0">
-              <a:buNone/>
-            </a:pPr>
-            <a:r>
-              <a:rPr lang="en-US" dirty="0"/>
-              <a:t>	</a:t>
-            </a:r>
-            <a:r>
-              <a:rPr lang="en-US" dirty="0">
-                <a:sym typeface="Wingdings" panose="05000000000000000000" pitchFamily="2" charset="2"/>
-              </a:rPr>
-              <a:t> </a:t>
-            </a:r>
-            <a:r>
-              <a:rPr lang="en-US" dirty="0"/>
-              <a:t>ACI-equal terms are identified at that step already</a:t>
-            </a:r>
-          </a:p>
-          <a:p>
-            <a:r>
-              <a:rPr lang="en-US" dirty="0"/>
-              <a:t>to verify this, one would have to state ACI-equivalence formally.</a:t>
-            </a:r>
-          </a:p>
-          <a:p>
-            <a:endParaRPr lang="en-US" dirty="0"/>
-          </a:p>
-          <a:p>
-            <a:r>
-              <a:rPr lang="en-US" dirty="0"/>
-              <a:t>the REs in the (emergent) </a:t>
-            </a:r>
-            <a:r>
-              <a:rPr lang="en-US" dirty="0" err="1"/>
-              <a:t>bisimulation</a:t>
-            </a:r>
-            <a:r>
-              <a:rPr lang="en-US" dirty="0"/>
-              <a:t> are kept in this normal form, as an invariant</a:t>
-            </a:r>
-          </a:p>
-        </p:txBody>
-      </p:sp>
+              <a:t>Times and Star</a:t>
+            </a:r>
+          </a:p>
+        </p:txBody>
+      </p:sp>
+      <mc:AlternateContent xmlns:mc="http://schemas.openxmlformats.org/markup-compatibility/2006" xmlns:a14="http://schemas.microsoft.com/office/drawing/2010/main">
+        <mc:Choice Requires="a14">
+          <p:sp>
+            <p:nvSpPr>
+              <p:cNvPr id="3" name="Inhaltsplatzhalter 2">
+                <a:extLst>
+                  <a:ext uri="{FF2B5EF4-FFF2-40B4-BE49-F238E27FC236}">
+                    <a16:creationId xmlns:a16="http://schemas.microsoft.com/office/drawing/2014/main" id="{CDE9D588-5CC2-42AF-BED0-FA41CE724D14}"/>
+                  </a:ext>
+                </a:extLst>
+              </p:cNvPr>
+              <p:cNvSpPr>
+                <a:spLocks noGrp="1"/>
+              </p:cNvSpPr>
+              <p:nvPr>
+                <p:ph idx="1"/>
+              </p:nvPr>
+            </p:nvSpPr>
+            <p:spPr/>
+            <p:txBody>
+              <a:bodyPr/>
+              <a:lstStyle/>
+              <a:p>
+                <a:pPr marL="0" indent="0">
+                  <a:buNone/>
+                </a:pPr>
+                <a14:m>
+                  <m:oMath xmlns:m="http://schemas.openxmlformats.org/officeDocument/2006/math">
+                    <m:sSub>
+                      <m:sSubPr>
+                        <m:ctrlPr>
+                          <a:rPr lang="en-US" i="1" smtClean="0">
+                            <a:latin typeface="Cambria Math" panose="02040503050406030204" pitchFamily="18" charset="0"/>
+                            <a:ea typeface="Cambria Math" panose="02040503050406030204" pitchFamily="18" charset="0"/>
+                          </a:rPr>
+                        </m:ctrlPr>
+                      </m:sSubPr>
+                      <m:e>
+                        <m:r>
+                          <m:rPr>
+                            <m:sty m:val="p"/>
+                          </m:rPr>
+                          <a:rPr lang="de-DE" i="0">
+                            <a:latin typeface="Cambria Math" panose="02040503050406030204" pitchFamily="18" charset="0"/>
+                            <a:ea typeface="Cambria Math" panose="02040503050406030204" pitchFamily="18" charset="0"/>
+                          </a:rPr>
+                          <m:t>d</m:t>
+                        </m:r>
+                      </m:e>
+                      <m:sub>
+                        <m:r>
+                          <m:rPr>
+                            <m:sty m:val="p"/>
+                          </m:rPr>
+                          <a:rPr lang="de-DE" i="0">
+                            <a:latin typeface="Cambria Math" panose="02040503050406030204" pitchFamily="18" charset="0"/>
+                            <a:ea typeface="Cambria Math" panose="02040503050406030204" pitchFamily="18" charset="0"/>
+                          </a:rPr>
+                          <m:t>a</m:t>
+                        </m:r>
+                      </m:sub>
+                    </m:sSub>
+                  </m:oMath>
+                </a14:m>
+                <a:r>
+                  <a:rPr lang="en-GB" dirty="0">
+                    <a:latin typeface="Cambria Math" panose="02040503050406030204" pitchFamily="18" charset="0"/>
+                    <a:ea typeface="Cambria Math" panose="02040503050406030204" pitchFamily="18" charset="0"/>
+                  </a:rPr>
+                  <a:t>(r ⋅ s) =</a:t>
+                </a:r>
+              </a:p>
+              <a:p>
+                <a:pPr marL="0" indent="0">
+                  <a:buNone/>
+                </a:pPr>
+                <a:r>
+                  <a:rPr lang="en-GB" dirty="0">
+                    <a:latin typeface="Cambria Math" panose="02040503050406030204" pitchFamily="18" charset="0"/>
+                    <a:ea typeface="Cambria Math" panose="02040503050406030204" pitchFamily="18" charset="0"/>
+                  </a:rPr>
+                  <a:t>	(let </a:t>
+                </a:r>
+                <a:r>
+                  <a:rPr lang="en-GB" i="1" dirty="0" err="1">
+                    <a:latin typeface="Cambria Math" panose="02040503050406030204" pitchFamily="18" charset="0"/>
+                    <a:ea typeface="Cambria Math" panose="02040503050406030204" pitchFamily="18" charset="0"/>
+                  </a:rPr>
+                  <a:t>drs</a:t>
+                </a:r>
+                <a:r>
+                  <a:rPr lang="en-GB" i="1" dirty="0">
+                    <a:latin typeface="Cambria Math" panose="02040503050406030204" pitchFamily="18" charset="0"/>
+                    <a:ea typeface="Cambria Math" panose="02040503050406030204" pitchFamily="18" charset="0"/>
+                  </a:rPr>
+                  <a:t> = </a:t>
+                </a:r>
+                <a14:m>
+                  <m:oMath xmlns:m="http://schemas.openxmlformats.org/officeDocument/2006/math">
+                    <m:sSub>
+                      <m:sSubPr>
+                        <m:ctrlPr>
+                          <a:rPr lang="en-US" i="1" smtClean="0">
+                            <a:latin typeface="Cambria Math" panose="02040503050406030204" pitchFamily="18" charset="0"/>
+                            <a:ea typeface="Cambria Math" panose="02040503050406030204" pitchFamily="18" charset="0"/>
+                          </a:rPr>
+                        </m:ctrlPr>
+                      </m:sSubPr>
+                      <m:e>
+                        <m:r>
+                          <a:rPr lang="de-DE" i="1">
+                            <a:latin typeface="Cambria Math" panose="02040503050406030204" pitchFamily="18" charset="0"/>
+                            <a:ea typeface="Cambria Math" panose="02040503050406030204" pitchFamily="18" charset="0"/>
+                          </a:rPr>
+                          <m:t>𝑑</m:t>
+                        </m:r>
+                      </m:e>
+                      <m:sub>
+                        <m:r>
+                          <a:rPr lang="de-DE" i="1">
+                            <a:latin typeface="Cambria Math" panose="02040503050406030204" pitchFamily="18" charset="0"/>
+                            <a:ea typeface="Cambria Math" panose="02040503050406030204" pitchFamily="18" charset="0"/>
+                          </a:rPr>
+                          <m:t>𝑎</m:t>
+                        </m:r>
+                      </m:sub>
+                    </m:sSub>
+                  </m:oMath>
+                </a14:m>
+                <a:r>
+                  <a:rPr lang="en-GB" i="1" dirty="0">
+                    <a:latin typeface="Cambria Math" panose="02040503050406030204" pitchFamily="18" charset="0"/>
+                    <a:ea typeface="Cambria Math" panose="02040503050406030204" pitchFamily="18" charset="0"/>
+                  </a:rPr>
+                  <a:t> (r) ⋅ s</a:t>
+                </a:r>
+              </a:p>
+              <a:p>
+                <a:pPr marL="0" indent="0">
+                  <a:buNone/>
+                </a:pPr>
+                <a:r>
+                  <a:rPr lang="en-GB" dirty="0">
+                    <a:latin typeface="Cambria Math" panose="02040503050406030204" pitchFamily="18" charset="0"/>
+                    <a:ea typeface="Cambria Math" panose="02040503050406030204" pitchFamily="18" charset="0"/>
+                  </a:rPr>
+                  <a:t>		in if </a:t>
+                </a:r>
+                <a:r>
+                  <a:rPr lang="en-GB" i="1" dirty="0">
+                    <a:latin typeface="Cambria Math" panose="02040503050406030204" pitchFamily="18" charset="0"/>
+                    <a:ea typeface="Cambria Math" panose="02040503050406030204" pitchFamily="18" charset="0"/>
+                  </a:rPr>
+                  <a:t>nullable r</a:t>
+                </a:r>
+                <a:r>
+                  <a:rPr lang="en-GB" dirty="0">
+                    <a:latin typeface="Cambria Math" panose="02040503050406030204" pitchFamily="18" charset="0"/>
+                    <a:ea typeface="Cambria Math" panose="02040503050406030204" pitchFamily="18" charset="0"/>
+                  </a:rPr>
+                  <a:t>  then </a:t>
+                </a:r>
+                <a:r>
+                  <a:rPr lang="en-GB" i="1" dirty="0" err="1">
+                    <a:latin typeface="Cambria Math" panose="02040503050406030204" pitchFamily="18" charset="0"/>
+                    <a:ea typeface="Cambria Math" panose="02040503050406030204" pitchFamily="18" charset="0"/>
+                  </a:rPr>
+                  <a:t>drs</a:t>
+                </a:r>
+                <a:r>
+                  <a:rPr lang="en-GB" i="1" dirty="0">
+                    <a:latin typeface="Cambria Math" panose="02040503050406030204" pitchFamily="18" charset="0"/>
+                    <a:ea typeface="Cambria Math" panose="02040503050406030204" pitchFamily="18" charset="0"/>
+                  </a:rPr>
+                  <a:t> + </a:t>
+                </a:r>
+                <a14:m>
+                  <m:oMath xmlns:m="http://schemas.openxmlformats.org/officeDocument/2006/math">
+                    <m:sSub>
+                      <m:sSubPr>
+                        <m:ctrlPr>
+                          <a:rPr lang="en-US" i="1">
+                            <a:latin typeface="Cambria Math" panose="02040503050406030204" pitchFamily="18" charset="0"/>
+                            <a:ea typeface="Cambria Math" panose="02040503050406030204" pitchFamily="18" charset="0"/>
+                          </a:rPr>
+                        </m:ctrlPr>
+                      </m:sSubPr>
+                      <m:e>
+                        <m:r>
+                          <a:rPr lang="de-DE" i="1">
+                            <a:latin typeface="Cambria Math" panose="02040503050406030204" pitchFamily="18" charset="0"/>
+                            <a:ea typeface="Cambria Math" panose="02040503050406030204" pitchFamily="18" charset="0"/>
+                          </a:rPr>
+                          <m:t>𝑑</m:t>
+                        </m:r>
+                      </m:e>
+                      <m:sub>
+                        <m:r>
+                          <a:rPr lang="de-DE" i="1">
+                            <a:latin typeface="Cambria Math" panose="02040503050406030204" pitchFamily="18" charset="0"/>
+                            <a:ea typeface="Cambria Math" panose="02040503050406030204" pitchFamily="18" charset="0"/>
+                          </a:rPr>
+                          <m:t>𝑎</m:t>
+                        </m:r>
+                      </m:sub>
+                    </m:sSub>
+                  </m:oMath>
+                </a14:m>
+                <a:r>
+                  <a:rPr lang="en-GB" i="1" dirty="0">
+                    <a:latin typeface="Cambria Math" panose="02040503050406030204" pitchFamily="18" charset="0"/>
+                    <a:ea typeface="Cambria Math" panose="02040503050406030204" pitchFamily="18" charset="0"/>
+                  </a:rPr>
+                  <a:t> (s) </a:t>
+                </a:r>
+                <a:r>
+                  <a:rPr lang="en-GB" dirty="0">
+                    <a:latin typeface="Cambria Math" panose="02040503050406030204" pitchFamily="18" charset="0"/>
+                    <a:ea typeface="Cambria Math" panose="02040503050406030204" pitchFamily="18" charset="0"/>
+                  </a:rPr>
+                  <a:t>else </a:t>
+                </a:r>
+                <a:r>
+                  <a:rPr lang="en-GB" i="1" dirty="0" err="1">
+                    <a:latin typeface="Cambria Math" panose="02040503050406030204" pitchFamily="18" charset="0"/>
+                    <a:ea typeface="Cambria Math" panose="02040503050406030204" pitchFamily="18" charset="0"/>
+                  </a:rPr>
+                  <a:t>drs</a:t>
+                </a:r>
+                <a:r>
+                  <a:rPr lang="en-GB" dirty="0">
+                    <a:latin typeface="Cambria Math" panose="02040503050406030204" pitchFamily="18" charset="0"/>
+                    <a:ea typeface="Cambria Math" panose="02040503050406030204" pitchFamily="18" charset="0"/>
+                  </a:rPr>
+                  <a:t>)</a:t>
+                </a:r>
+              </a:p>
+              <a:p>
+                <a:pPr marL="0" indent="0">
+                  <a:buNone/>
+                </a:pPr>
+                <a:endParaRPr lang="en-GB" dirty="0"/>
+              </a:p>
+              <a:p>
+                <a:pPr marL="0" indent="0">
+                  <a:buNone/>
+                </a:pPr>
+                <a14:m>
+                  <m:oMath xmlns:m="http://schemas.openxmlformats.org/officeDocument/2006/math">
+                    <m:sSub>
+                      <m:sSubPr>
+                        <m:ctrlPr>
+                          <a:rPr lang="en-US" i="1">
+                            <a:latin typeface="Cambria Math" panose="02040503050406030204" pitchFamily="18" charset="0"/>
+                            <a:ea typeface="Cambria Math" panose="02040503050406030204" pitchFamily="18" charset="0"/>
+                          </a:rPr>
+                        </m:ctrlPr>
+                      </m:sSubPr>
+                      <m:e>
+                        <m:r>
+                          <m:rPr>
+                            <m:sty m:val="p"/>
+                          </m:rPr>
+                          <a:rPr lang="de-DE" i="0">
+                            <a:latin typeface="Cambria Math" panose="02040503050406030204" pitchFamily="18" charset="0"/>
+                            <a:ea typeface="Cambria Math" panose="02040503050406030204" pitchFamily="18" charset="0"/>
+                          </a:rPr>
+                          <m:t>d</m:t>
+                        </m:r>
+                      </m:e>
+                      <m:sub>
+                        <m:r>
+                          <m:rPr>
+                            <m:sty m:val="p"/>
+                          </m:rPr>
+                          <a:rPr lang="de-DE" i="0">
+                            <a:latin typeface="Cambria Math" panose="02040503050406030204" pitchFamily="18" charset="0"/>
+                            <a:ea typeface="Cambria Math" panose="02040503050406030204" pitchFamily="18" charset="0"/>
+                          </a:rPr>
+                          <m:t>a</m:t>
+                        </m:r>
+                      </m:sub>
+                    </m:sSub>
+                    <m:r>
+                      <a:rPr lang="de-DE" i="0">
+                        <a:latin typeface="Cambria Math" panose="02040503050406030204" pitchFamily="18" charset="0"/>
+                        <a:ea typeface="Cambria Math" panose="02040503050406030204" pitchFamily="18" charset="0"/>
+                      </a:rPr>
+                      <m:t> </m:t>
+                    </m:r>
+                  </m:oMath>
+                </a14:m>
+                <a:r>
+                  <a:rPr lang="pt-BR" dirty="0">
+                    <a:latin typeface="Cambria Math" panose="02040503050406030204" pitchFamily="18" charset="0"/>
+                    <a:ea typeface="Cambria Math" panose="02040503050406030204" pitchFamily="18" charset="0"/>
+                  </a:rPr>
+                  <a:t>(r*) = </a:t>
+                </a:r>
+                <a14:m>
+                  <m:oMath xmlns:m="http://schemas.openxmlformats.org/officeDocument/2006/math">
+                    <m:sSub>
+                      <m:sSubPr>
+                        <m:ctrlPr>
+                          <a:rPr lang="en-US" i="1">
+                            <a:latin typeface="Cambria Math" panose="02040503050406030204" pitchFamily="18" charset="0"/>
+                            <a:ea typeface="Cambria Math" panose="02040503050406030204" pitchFamily="18" charset="0"/>
+                          </a:rPr>
+                        </m:ctrlPr>
+                      </m:sSubPr>
+                      <m:e>
+                        <m:r>
+                          <m:rPr>
+                            <m:sty m:val="p"/>
+                          </m:rPr>
+                          <a:rPr lang="de-DE" i="0">
+                            <a:latin typeface="Cambria Math" panose="02040503050406030204" pitchFamily="18" charset="0"/>
+                            <a:ea typeface="Cambria Math" panose="02040503050406030204" pitchFamily="18" charset="0"/>
+                          </a:rPr>
+                          <m:t>d</m:t>
+                        </m:r>
+                      </m:e>
+                      <m:sub>
+                        <m:r>
+                          <m:rPr>
+                            <m:sty m:val="p"/>
+                          </m:rPr>
+                          <a:rPr lang="de-DE" i="0">
+                            <a:latin typeface="Cambria Math" panose="02040503050406030204" pitchFamily="18" charset="0"/>
+                            <a:ea typeface="Cambria Math" panose="02040503050406030204" pitchFamily="18" charset="0"/>
+                          </a:rPr>
+                          <m:t>a</m:t>
+                        </m:r>
+                      </m:sub>
+                    </m:sSub>
+                    <m:r>
+                      <a:rPr lang="de-DE" i="0">
+                        <a:latin typeface="Cambria Math" panose="02040503050406030204" pitchFamily="18" charset="0"/>
+                        <a:ea typeface="Cambria Math" panose="02040503050406030204" pitchFamily="18" charset="0"/>
+                      </a:rPr>
+                      <m:t> </m:t>
+                    </m:r>
+                    <m:r>
+                      <a:rPr lang="de-DE" b="0" i="0" smtClean="0">
+                        <a:latin typeface="Cambria Math" panose="02040503050406030204" pitchFamily="18" charset="0"/>
+                        <a:ea typeface="Cambria Math" panose="02040503050406030204" pitchFamily="18" charset="0"/>
+                      </a:rPr>
+                      <m:t>(</m:t>
+                    </m:r>
+                  </m:oMath>
+                </a14:m>
+                <a:r>
+                  <a:rPr lang="pt-BR" dirty="0">
+                    <a:latin typeface="Cambria Math" panose="02040503050406030204" pitchFamily="18" charset="0"/>
+                    <a:ea typeface="Cambria Math" panose="02040503050406030204" pitchFamily="18" charset="0"/>
+                  </a:rPr>
+                  <a:t>r) </a:t>
+                </a:r>
+                <a:r>
+                  <a:rPr lang="en-GB" dirty="0">
+                    <a:latin typeface="Cambria Math" panose="02040503050406030204" pitchFamily="18" charset="0"/>
+                    <a:ea typeface="Cambria Math" panose="02040503050406030204" pitchFamily="18" charset="0"/>
+                  </a:rPr>
+                  <a:t>⋅</a:t>
+                </a:r>
+                <a:r>
+                  <a:rPr lang="pt-BR" dirty="0">
+                    <a:latin typeface="Cambria Math" panose="02040503050406030204" pitchFamily="18" charset="0"/>
+                    <a:ea typeface="Cambria Math" panose="02040503050406030204" pitchFamily="18" charset="0"/>
+                  </a:rPr>
+                  <a:t> r*</a:t>
+                </a:r>
+              </a:p>
+              <a:p>
+                <a:pPr marL="0" indent="0">
+                  <a:buNone/>
+                </a:pPr>
+                <a:endParaRPr lang="pt-BR" dirty="0">
+                  <a:latin typeface="Cambria Math" panose="02040503050406030204" pitchFamily="18" charset="0"/>
+                  <a:ea typeface="Cambria Math" panose="02040503050406030204" pitchFamily="18" charset="0"/>
+                </a:endParaRPr>
+              </a:p>
+              <a:p>
+                <a:pPr marL="0" indent="0">
+                  <a:buNone/>
+                </a:pPr>
+                <a:r>
+                  <a:rPr lang="pt-BR" i="1" dirty="0">
+                    <a:latin typeface="Cambria Math" panose="02040503050406030204" pitchFamily="18" charset="0"/>
+                    <a:ea typeface="Cambria Math" panose="02040503050406030204" pitchFamily="18" charset="0"/>
+                  </a:rPr>
+                  <a:t>	―</a:t>
+                </a:r>
+              </a:p>
+              <a:p>
+                <a:pPr marL="0" indent="0">
+                  <a:buNone/>
+                </a:pPr>
+                <a14:m>
+                  <m:oMath xmlns:m="http://schemas.openxmlformats.org/officeDocument/2006/math">
+                    <m:sSub>
+                      <m:sSubPr>
+                        <m:ctrlPr>
+                          <a:rPr lang="pt-BR" i="1">
+                            <a:latin typeface="Cambria Math" panose="02040503050406030204" pitchFamily="18" charset="0"/>
+                            <a:ea typeface="Cambria Math" panose="02040503050406030204" pitchFamily="18" charset="0"/>
+                          </a:rPr>
+                        </m:ctrlPr>
+                      </m:sSubPr>
+                      <m:e>
+                        <m:r>
+                          <a:rPr lang="de-DE" i="1">
+                            <a:latin typeface="Cambria Math" panose="02040503050406030204" pitchFamily="18" charset="0"/>
+                            <a:ea typeface="Cambria Math" panose="02040503050406030204" pitchFamily="18" charset="0"/>
+                          </a:rPr>
+                          <m:t>𝐿</m:t>
+                        </m:r>
+                        <m:r>
+                          <a:rPr lang="de-DE" i="1">
+                            <a:latin typeface="Cambria Math" panose="02040503050406030204" pitchFamily="18" charset="0"/>
+                            <a:ea typeface="Cambria Math" panose="02040503050406030204" pitchFamily="18" charset="0"/>
+                          </a:rPr>
+                          <m:t>(</m:t>
+                        </m:r>
+                        <m:r>
+                          <a:rPr lang="de-DE" i="1">
+                            <a:latin typeface="Cambria Math" panose="02040503050406030204" pitchFamily="18" charset="0"/>
+                            <a:ea typeface="Cambria Math" panose="02040503050406030204" pitchFamily="18" charset="0"/>
+                          </a:rPr>
+                          <m:t>𝑑</m:t>
+                        </m:r>
+                      </m:e>
+                      <m:sub>
+                        <m:r>
+                          <a:rPr lang="de-DE" i="1">
+                            <a:latin typeface="Cambria Math" panose="02040503050406030204" pitchFamily="18" charset="0"/>
+                            <a:ea typeface="Cambria Math" panose="02040503050406030204" pitchFamily="18" charset="0"/>
+                          </a:rPr>
+                          <m:t>𝑎</m:t>
+                        </m:r>
+                      </m:sub>
+                    </m:sSub>
+                    <m:r>
+                      <a:rPr lang="de-DE" i="1">
+                        <a:latin typeface="Cambria Math" panose="02040503050406030204" pitchFamily="18" charset="0"/>
+                        <a:ea typeface="Cambria Math" panose="02040503050406030204" pitchFamily="18" charset="0"/>
+                      </a:rPr>
+                      <m:t>(</m:t>
+                    </m:r>
+                    <m:r>
+                      <a:rPr lang="de-DE" i="1">
+                        <a:latin typeface="Cambria Math" panose="02040503050406030204" pitchFamily="18" charset="0"/>
+                        <a:ea typeface="Cambria Math" panose="02040503050406030204" pitchFamily="18" charset="0"/>
+                      </a:rPr>
+                      <m:t>𝑟</m:t>
+                    </m:r>
+                    <m:r>
+                      <a:rPr lang="de-DE" i="1">
+                        <a:latin typeface="Cambria Math" panose="02040503050406030204" pitchFamily="18" charset="0"/>
+                        <a:ea typeface="Cambria Math" panose="02040503050406030204" pitchFamily="18" charset="0"/>
+                      </a:rPr>
+                      <m:t>))</m:t>
+                    </m:r>
+                  </m:oMath>
+                </a14:m>
+                <a:r>
+                  <a:rPr lang="pt-BR" i="1" dirty="0">
+                    <a:latin typeface="Lucida Bright" panose="02040602050505020304" pitchFamily="18" charset="0"/>
+                    <a:ea typeface="Cambria Math" panose="02040503050406030204" pitchFamily="18" charset="0"/>
+                  </a:rPr>
+                  <a:t> = </a:t>
+                </a:r>
+                <a14:m>
+                  <m:oMath xmlns:m="http://schemas.openxmlformats.org/officeDocument/2006/math">
+                    <m:sSub>
+                      <m:sSubPr>
+                        <m:ctrlPr>
+                          <a:rPr lang="pt-BR" i="1">
+                            <a:latin typeface="Cambria Math" panose="02040503050406030204" pitchFamily="18" charset="0"/>
+                            <a:ea typeface="Cambria Math" panose="02040503050406030204" pitchFamily="18" charset="0"/>
+                          </a:rPr>
+                        </m:ctrlPr>
+                      </m:sSubPr>
+                      <m:e>
+                        <m:r>
+                          <a:rPr lang="de-DE" i="1">
+                            <a:latin typeface="Cambria Math" panose="02040503050406030204" pitchFamily="18" charset="0"/>
+                            <a:ea typeface="Cambria Math" panose="02040503050406030204" pitchFamily="18" charset="0"/>
+                          </a:rPr>
+                          <m:t>𝐷</m:t>
+                        </m:r>
+                      </m:e>
+                      <m:sub>
+                        <m:r>
+                          <a:rPr lang="de-DE" i="1">
+                            <a:latin typeface="Cambria Math" panose="02040503050406030204" pitchFamily="18" charset="0"/>
+                            <a:ea typeface="Cambria Math" panose="02040503050406030204" pitchFamily="18" charset="0"/>
+                          </a:rPr>
+                          <m:t>𝑎</m:t>
+                        </m:r>
+                      </m:sub>
+                    </m:sSub>
+                    <m:r>
+                      <a:rPr lang="de-DE" i="1">
+                        <a:latin typeface="Cambria Math" panose="02040503050406030204" pitchFamily="18" charset="0"/>
+                        <a:ea typeface="Cambria Math" panose="02040503050406030204" pitchFamily="18" charset="0"/>
+                      </a:rPr>
+                      <m:t>(</m:t>
+                    </m:r>
+                    <m:r>
+                      <a:rPr lang="de-DE" i="1">
+                        <a:latin typeface="Cambria Math" panose="02040503050406030204" pitchFamily="18" charset="0"/>
+                        <a:ea typeface="Cambria Math" panose="02040503050406030204" pitchFamily="18" charset="0"/>
+                      </a:rPr>
+                      <m:t>𝐿</m:t>
+                    </m:r>
+                    <m:d>
+                      <m:dPr>
+                        <m:ctrlPr>
+                          <a:rPr lang="de-DE" i="1">
+                            <a:latin typeface="Cambria Math" panose="02040503050406030204" pitchFamily="18" charset="0"/>
+                            <a:ea typeface="Cambria Math" panose="02040503050406030204" pitchFamily="18" charset="0"/>
+                          </a:rPr>
+                        </m:ctrlPr>
+                      </m:dPr>
+                      <m:e>
+                        <m:r>
+                          <a:rPr lang="de-DE" i="1">
+                            <a:latin typeface="Cambria Math" panose="02040503050406030204" pitchFamily="18" charset="0"/>
+                            <a:ea typeface="Cambria Math" panose="02040503050406030204" pitchFamily="18" charset="0"/>
+                          </a:rPr>
+                          <m:t>𝑟</m:t>
+                        </m:r>
+                      </m:e>
+                    </m:d>
+                    <m:r>
+                      <a:rPr lang="de-DE" i="1">
+                        <a:latin typeface="Cambria Math" panose="02040503050406030204" pitchFamily="18" charset="0"/>
+                        <a:ea typeface="Cambria Math" panose="02040503050406030204" pitchFamily="18" charset="0"/>
+                      </a:rPr>
+                      <m:t>)</m:t>
+                    </m:r>
+                  </m:oMath>
+                </a14:m>
+                <a:r>
+                  <a:rPr lang="pt-BR" i="1" dirty="0">
+                    <a:latin typeface="Lucida Bright" panose="02040602050505020304" pitchFamily="18" charset="0"/>
+                    <a:ea typeface="Cambria Math" panose="02040503050406030204" pitchFamily="18" charset="0"/>
+                  </a:rPr>
+                  <a:t> </a:t>
+                </a:r>
+                <a:r>
+                  <a:rPr lang="pt-BR" i="1" dirty="0">
+                    <a:ea typeface="Cambria Math" panose="02040503050406030204" pitchFamily="18" charset="0"/>
+                  </a:rPr>
+                  <a:t>follows by structural induction.</a:t>
+                </a:r>
+                <a:endParaRPr lang="pt-BR" i="1" dirty="0">
+                  <a:latin typeface="Lucida Bright" panose="02040602050505020304" pitchFamily="18" charset="0"/>
+                  <a:ea typeface="Cambria Math" panose="02040503050406030204" pitchFamily="18" charset="0"/>
+                </a:endParaRPr>
+              </a:p>
+            </p:txBody>
+          </p:sp>
+        </mc:Choice>
+        <mc:Fallback xmlns="">
+          <p:sp>
+            <p:nvSpPr>
+              <p:cNvPr id="3" name="Inhaltsplatzhalter 2">
+                <a:extLst>
+                  <a:ext uri="{FF2B5EF4-FFF2-40B4-BE49-F238E27FC236}">
+                    <a16:creationId xmlns:a16="http://schemas.microsoft.com/office/drawing/2014/main" id="{CDE9D588-5CC2-42AF-BED0-FA41CE724D14}"/>
+                  </a:ext>
+                </a:extLst>
+              </p:cNvPr>
+              <p:cNvSpPr>
+                <a:spLocks noGrp="1" noRot="1" noChangeAspect="1" noMove="1" noResize="1" noEditPoints="1" noAdjustHandles="1" noChangeArrowheads="1" noChangeShapeType="1" noTextEdit="1"/>
+              </p:cNvSpPr>
+              <p:nvPr>
+                <p:ph idx="1"/>
+              </p:nvPr>
+            </p:nvSpPr>
+            <p:spPr>
+              <a:blipFill>
+                <a:blip r:embed="rId3"/>
+                <a:stretch>
+                  <a:fillRect t="-2381"/>
+                </a:stretch>
+              </a:blipFill>
+            </p:spPr>
+            <p:txBody>
+              <a:bodyPr/>
+              <a:lstStyle/>
+              <a:p>
+                <a:r>
+                  <a:rPr lang="en-US">
+                    <a:noFill/>
+                  </a:rPr>
+                  <a:t> </a:t>
+                </a:r>
+              </a:p>
+            </p:txBody>
+          </p:sp>
+        </mc:Fallback>
+      </mc:AlternateContent>
     </p:spTree>
     <p:extLst>
       <p:ext uri="{BB962C8B-B14F-4D97-AF65-F5344CB8AC3E}">
-        <p14:creationId xmlns:p14="http://schemas.microsoft.com/office/powerpoint/2010/main" val="3250996410"/>
+        <p14:creationId xmlns:p14="http://schemas.microsoft.com/office/powerpoint/2010/main" val="2901290462"/>
       </p:ext>
     </p:extLst>
   </p:cSld>

--- a/slides.pptx
+++ b/slides.pptx
@@ -5,7 +5,7 @@
     <p:sldMasterId id="2147483648" r:id="rId1"/>
   </p:sldMasterIdLst>
   <p:notesMasterIdLst>
-    <p:notesMasterId r:id="rId22"/>
+    <p:notesMasterId r:id="rId19"/>
   </p:notesMasterIdLst>
   <p:sldIdLst>
     <p:sldId id="256" r:id="rId2"/>
@@ -24,10 +24,7 @@
     <p:sldId id="264" r:id="rId15"/>
     <p:sldId id="265" r:id="rId16"/>
     <p:sldId id="257" r:id="rId17"/>
-    <p:sldId id="260" r:id="rId18"/>
-    <p:sldId id="269" r:id="rId19"/>
-    <p:sldId id="279" r:id="rId20"/>
-    <p:sldId id="268" r:id="rId21"/>
+    <p:sldId id="283" r:id="rId18"/>
   </p:sldIdLst>
   <p:sldSz cx="12192000" cy="6858000"/>
   <p:notesSz cx="6858000" cy="9144000"/>
@@ -220,7 +217,7 @@
           <a:p>
             <a:fld id="{9768728B-C74D-450C-A579-E5E997D18F7C}" type="datetimeFigureOut">
               <a:rPr lang="de-DE" smtClean="0"/>
-              <a:t>04.12.2017</a:t>
+              <a:t>09.12.2017</a:t>
             </a:fld>
             <a:endParaRPr lang="de-DE"/>
           </a:p>
@@ -531,6 +528,62 @@
           <a:bodyPr/>
           <a:lstStyle/>
           <a:p>
+            <a:r>
+              <a:rPr lang="de-DE" dirty="0"/>
+              <a:t>a </a:t>
+            </a:r>
+            <a:r>
+              <a:rPr lang="de-DE" dirty="0" err="1"/>
+              <a:t>development</a:t>
+            </a:r>
+            <a:r>
+              <a:rPr lang="de-DE" dirty="0"/>
+              <a:t> </a:t>
+            </a:r>
+            <a:r>
+              <a:rPr lang="de-DE" dirty="0" err="1"/>
+              <a:t>which</a:t>
+            </a:r>
+            <a:r>
+              <a:rPr lang="de-DE" dirty="0"/>
+              <a:t> </a:t>
+            </a:r>
+            <a:r>
+              <a:rPr lang="de-DE" dirty="0" err="1"/>
+              <a:t>is</a:t>
+            </a:r>
+            <a:r>
+              <a:rPr lang="de-DE" dirty="0"/>
+              <a:t> in </a:t>
+            </a:r>
+            <a:r>
+              <a:rPr lang="de-DE" dirty="0" err="1"/>
+              <a:t>the</a:t>
+            </a:r>
+            <a:r>
+              <a:rPr lang="de-DE" dirty="0"/>
+              <a:t> </a:t>
+            </a:r>
+            <a:r>
+              <a:rPr lang="de-DE" dirty="0" err="1"/>
+              <a:t>archive</a:t>
+            </a:r>
+            <a:r>
+              <a:rPr lang="de-DE" dirty="0"/>
+              <a:t> </a:t>
+            </a:r>
+            <a:r>
+              <a:rPr lang="de-DE" dirty="0" err="1"/>
+              <a:t>of</a:t>
+            </a:r>
+            <a:r>
+              <a:rPr lang="de-DE" dirty="0"/>
+              <a:t> formal </a:t>
+            </a:r>
+            <a:r>
+              <a:rPr lang="de-DE" dirty="0" err="1"/>
+              <a:t>proofs</a:t>
+            </a:r>
             <a:endParaRPr lang="de-DE" dirty="0"/>
           </a:p>
         </p:txBody>
@@ -615,7 +668,10 @@
           <a:bodyPr/>
           <a:lstStyle/>
           <a:p>
-            <a:endParaRPr lang="en-US" dirty="0"/>
+            <a:r>
+              <a:rPr lang="en-US" dirty="0"/>
+              <a:t>left: work set right: relation</a:t>
+            </a:r>
           </a:p>
         </p:txBody>
       </p:sp>
@@ -636,7 +692,7 @@
           <a:p>
             <a:fld id="{FAA32559-8951-4C46-A356-FBB9455D7E38}" type="slidenum">
               <a:rPr lang="de-DE" smtClean="0"/>
-              <a:t>11</a:t>
+              <a:t>10</a:t>
             </a:fld>
             <a:endParaRPr lang="de-DE"/>
           </a:p>
@@ -645,7 +701,7 @@
     </p:spTree>
     <p:extLst>
       <p:ext uri="{BB962C8B-B14F-4D97-AF65-F5344CB8AC3E}">
-        <p14:creationId xmlns:p14="http://schemas.microsoft.com/office/powerpoint/2010/main" val="1142687865"/>
+        <p14:creationId xmlns:p14="http://schemas.microsoft.com/office/powerpoint/2010/main" val="4219968473"/>
       </p:ext>
     </p:extLst>
   </p:cSld>
@@ -699,12 +755,6 @@
           <a:bodyPr/>
           <a:lstStyle/>
           <a:p>
-            <a:r>
-              <a:rPr lang="en-US" dirty="0"/>
-              <a:t>1: standard work set algorithm</a:t>
-            </a:r>
-          </a:p>
-          <a:p>
             <a:endParaRPr lang="en-US" dirty="0"/>
           </a:p>
         </p:txBody>
@@ -726,7 +776,7 @@
           <a:p>
             <a:fld id="{FAA32559-8951-4C46-A356-FBB9455D7E38}" type="slidenum">
               <a:rPr lang="de-DE" smtClean="0"/>
-              <a:t>13</a:t>
+              <a:t>11</a:t>
             </a:fld>
             <a:endParaRPr lang="de-DE"/>
           </a:p>
@@ -735,7 +785,7 @@
     </p:spTree>
     <p:extLst>
       <p:ext uri="{BB962C8B-B14F-4D97-AF65-F5344CB8AC3E}">
-        <p14:creationId xmlns:p14="http://schemas.microsoft.com/office/powerpoint/2010/main" val="922902247"/>
+        <p14:creationId xmlns:p14="http://schemas.microsoft.com/office/powerpoint/2010/main" val="1142687865"/>
       </p:ext>
     </p:extLst>
   </p:cSld>
@@ -791,38 +841,11 @@
           <a:p>
             <a:r>
               <a:rPr lang="en-US" dirty="0"/>
-              <a:t>so, for a position of the </a:t>
-            </a:r>
-            <a:r>
-              <a:rPr lang="en-US" dirty="0" err="1"/>
-              <a:t>subterms</a:t>
-            </a:r>
-            <a:r>
-              <a:rPr lang="en-US" dirty="0"/>
-              <a:t> in the sequence … + … + … + … (</a:t>
-            </a:r>
-            <a:r>
-              <a:rPr lang="en-US" dirty="0" err="1"/>
-              <a:t>Wich</a:t>
-            </a:r>
-            <a:r>
-              <a:rPr lang="en-US" dirty="0"/>
-              <a:t> is a tree, but due to associativity we can transform into a list) to be uniquely determined, we can just define an arbitrary order on the topmost constructors. Then every </a:t>
-            </a:r>
-            <a:r>
-              <a:rPr lang="en-US" dirty="0" err="1"/>
-              <a:t>subterm</a:t>
-            </a:r>
-            <a:r>
-              <a:rPr lang="en-US" dirty="0"/>
-              <a:t> is already in the “correct section the a list” and then, its subparts get normed again.</a:t>
-            </a:r>
-          </a:p>
-          <a:p>
-            <a:r>
-              <a:rPr lang="en-US" dirty="0"/>
-              <a:t>Actually, the correct way is to work bottom up, but you get the idea.</a:t>
-            </a:r>
+              <a:t>1: standard work set algorithm</a:t>
+            </a:r>
+          </a:p>
+          <a:p>
+            <a:endParaRPr lang="en-US" dirty="0"/>
           </a:p>
         </p:txBody>
       </p:sp>
@@ -843,7 +866,7 @@
           <a:p>
             <a:fld id="{FAA32559-8951-4C46-A356-FBB9455D7E38}" type="slidenum">
               <a:rPr lang="de-DE" smtClean="0"/>
-              <a:t>14</a:t>
+              <a:t>13</a:t>
             </a:fld>
             <a:endParaRPr lang="de-DE"/>
           </a:p>
@@ -852,7 +875,7 @@
     </p:spTree>
     <p:extLst>
       <p:ext uri="{BB962C8B-B14F-4D97-AF65-F5344CB8AC3E}">
-        <p14:creationId xmlns:p14="http://schemas.microsoft.com/office/powerpoint/2010/main" val="2615019396"/>
+        <p14:creationId xmlns:p14="http://schemas.microsoft.com/office/powerpoint/2010/main" val="922902247"/>
       </p:ext>
     </p:extLst>
   </p:cSld>
@@ -907,78 +930,39 @@
           <a:lstStyle/>
           <a:p>
             <a:r>
-              <a:rPr lang="de-DE" dirty="0"/>
-              <a:t>…</a:t>
-            </a:r>
-            <a:r>
-              <a:rPr lang="de-DE" dirty="0" err="1"/>
-              <a:t>extended</a:t>
-            </a:r>
-            <a:r>
-              <a:rPr lang="de-DE" dirty="0"/>
-              <a:t> REs </a:t>
-            </a:r>
-            <a:r>
-              <a:rPr lang="de-DE" dirty="0" err="1"/>
-              <a:t>are</a:t>
-            </a:r>
-            <a:r>
-              <a:rPr lang="de-DE" dirty="0"/>
-              <a:t> not </a:t>
-            </a:r>
-            <a:r>
-              <a:rPr lang="de-DE" dirty="0" err="1"/>
-              <a:t>more</a:t>
-            </a:r>
-            <a:r>
-              <a:rPr lang="de-DE" dirty="0"/>
-              <a:t> expressive, but </a:t>
-            </a:r>
-            <a:r>
-              <a:rPr lang="de-DE" dirty="0" err="1"/>
-              <a:t>they</a:t>
-            </a:r>
-            <a:r>
-              <a:rPr lang="de-DE" dirty="0"/>
-              <a:t> </a:t>
-            </a:r>
-            <a:r>
-              <a:rPr lang="de-DE" dirty="0" err="1"/>
-              <a:t>can</a:t>
-            </a:r>
-            <a:r>
-              <a:rPr lang="de-DE" dirty="0"/>
-              <a:t> </a:t>
-            </a:r>
-            <a:r>
-              <a:rPr lang="de-DE" dirty="0" err="1"/>
-              <a:t>be</a:t>
-            </a:r>
-            <a:r>
-              <a:rPr lang="de-DE" dirty="0"/>
-              <a:t> </a:t>
-            </a:r>
-            <a:r>
-              <a:rPr lang="de-DE" dirty="0" err="1"/>
-              <a:t>much</a:t>
-            </a:r>
-            <a:r>
-              <a:rPr lang="de-DE" dirty="0"/>
-              <a:t> </a:t>
-            </a:r>
-            <a:r>
-              <a:rPr lang="de-DE" dirty="0" err="1"/>
-              <a:t>more</a:t>
-            </a:r>
-            <a:r>
-              <a:rPr lang="de-DE" dirty="0"/>
-              <a:t> </a:t>
-            </a:r>
-            <a:r>
-              <a:rPr lang="de-DE"/>
-              <a:t>succinct</a:t>
-            </a:r>
-            <a:endParaRPr lang="de-DE" dirty="0"/>
+              <a:rPr lang="en-US" dirty="0"/>
+              <a:t>so, for a position of the </a:t>
+            </a:r>
+            <a:r>
+              <a:rPr lang="en-US" dirty="0" err="1"/>
+              <a:t>subterms</a:t>
+            </a:r>
+            <a:r>
+              <a:rPr lang="en-US" dirty="0"/>
+              <a:t> in the sequence … + … + … + … (</a:t>
+            </a:r>
+            <a:r>
+              <a:rPr lang="en-US" dirty="0" err="1"/>
+              <a:t>Wich</a:t>
+            </a:r>
+            <a:r>
+              <a:rPr lang="en-US" dirty="0"/>
+              <a:t> is a tree, but due to associativity we can transform into a list) to be uniquely determined, we can just define an arbitrary order on the topmost constructors. Then every </a:t>
+            </a:r>
+            <a:r>
+              <a:rPr lang="en-US" dirty="0" err="1"/>
+              <a:t>subterm</a:t>
+            </a:r>
+            <a:r>
+              <a:rPr lang="en-US" dirty="0"/>
+              <a:t> is already in the “correct section the a list” and then, its subparts get normed again.</a:t>
+            </a:r>
+          </a:p>
+          <a:p>
+            <a:r>
+              <a:rPr lang="en-US" dirty="0"/>
+              <a:t>Actually, the correct way is to work bottom up, but you get the idea.</a:t>
+            </a:r>
           </a:p>
         </p:txBody>
       </p:sp>
@@ -999,7 +983,7 @@
           <a:p>
             <a:fld id="{FAA32559-8951-4C46-A356-FBB9455D7E38}" type="slidenum">
               <a:rPr lang="de-DE" smtClean="0"/>
-              <a:t>16</a:t>
+              <a:t>14</a:t>
             </a:fld>
             <a:endParaRPr lang="de-DE"/>
           </a:p>
@@ -1008,7 +992,7 @@
     </p:spTree>
     <p:extLst>
       <p:ext uri="{BB962C8B-B14F-4D97-AF65-F5344CB8AC3E}">
-        <p14:creationId xmlns:p14="http://schemas.microsoft.com/office/powerpoint/2010/main" val="277471394"/>
+        <p14:creationId xmlns:p14="http://schemas.microsoft.com/office/powerpoint/2010/main" val="2615019396"/>
       </p:ext>
     </p:extLst>
   </p:cSld>
@@ -1063,17 +1047,175 @@
           <a:lstStyle/>
           <a:p>
             <a:r>
-              <a:rPr lang="en-US" dirty="0"/>
-              <a:t>Question to the audience: How to obtain a decision procedure for “⊆”?</a:t>
-            </a:r>
-          </a:p>
-          <a:p>
-            <a:endParaRPr lang="en-US" dirty="0"/>
-          </a:p>
-          <a:p>
-            <a:r>
-              <a:rPr lang="en-US" dirty="0"/>
-              <a:t>2: This w is some sort of counterexample, thus it probably really adds understanding to proof texts.</a:t>
+              <a:rPr lang="de-DE" dirty="0"/>
+              <a:t>…</a:t>
+            </a:r>
+            <a:r>
+              <a:rPr lang="de-DE" dirty="0" err="1"/>
+              <a:t>extended</a:t>
+            </a:r>
+            <a:r>
+              <a:rPr lang="de-DE" dirty="0"/>
+              <a:t> REs </a:t>
+            </a:r>
+            <a:r>
+              <a:rPr lang="de-DE" dirty="0" err="1"/>
+              <a:t>are</a:t>
+            </a:r>
+            <a:r>
+              <a:rPr lang="de-DE" dirty="0"/>
+              <a:t> not </a:t>
+            </a:r>
+            <a:r>
+              <a:rPr lang="de-DE" dirty="0" err="1"/>
+              <a:t>more</a:t>
+            </a:r>
+            <a:r>
+              <a:rPr lang="de-DE" dirty="0"/>
+              <a:t> expressive, but </a:t>
+            </a:r>
+            <a:r>
+              <a:rPr lang="de-DE" dirty="0" err="1"/>
+              <a:t>they</a:t>
+            </a:r>
+            <a:r>
+              <a:rPr lang="de-DE" dirty="0"/>
+              <a:t> </a:t>
+            </a:r>
+            <a:r>
+              <a:rPr lang="de-DE" dirty="0" err="1"/>
+              <a:t>can</a:t>
+            </a:r>
+            <a:r>
+              <a:rPr lang="de-DE" dirty="0"/>
+              <a:t> </a:t>
+            </a:r>
+            <a:r>
+              <a:rPr lang="de-DE" dirty="0" err="1"/>
+              <a:t>be</a:t>
+            </a:r>
+            <a:r>
+              <a:rPr lang="de-DE" dirty="0"/>
+              <a:t> </a:t>
+            </a:r>
+            <a:r>
+              <a:rPr lang="de-DE" dirty="0" err="1"/>
+              <a:t>much</a:t>
+            </a:r>
+            <a:r>
+              <a:rPr lang="de-DE" dirty="0"/>
+              <a:t> </a:t>
+            </a:r>
+            <a:r>
+              <a:rPr lang="de-DE" dirty="0" err="1"/>
+              <a:t>more</a:t>
+            </a:r>
+            <a:r>
+              <a:rPr lang="de-DE" dirty="0"/>
+              <a:t> </a:t>
+            </a:r>
+            <a:r>
+              <a:rPr lang="de-DE" dirty="0" err="1"/>
+              <a:t>succinct</a:t>
+            </a:r>
+            <a:endParaRPr lang="de-DE" dirty="0"/>
+          </a:p>
+          <a:p>
+            <a:endParaRPr lang="de-DE" dirty="0"/>
+          </a:p>
+          <a:p>
+            <a:r>
+              <a:rPr lang="de-DE" dirty="0"/>
+              <a:t>… and </a:t>
+            </a:r>
+            <a:r>
+              <a:rPr lang="de-DE" dirty="0" err="1"/>
+              <a:t>then</a:t>
+            </a:r>
+            <a:r>
+              <a:rPr lang="de-DE" dirty="0"/>
+              <a:t> </a:t>
+            </a:r>
+            <a:r>
+              <a:rPr lang="de-DE" dirty="0" err="1"/>
+              <a:t>we‘re</a:t>
+            </a:r>
+            <a:r>
+              <a:rPr lang="de-DE" dirty="0"/>
+              <a:t> </a:t>
+            </a:r>
+            <a:r>
+              <a:rPr lang="de-DE" dirty="0" err="1"/>
+              <a:t>done</a:t>
+            </a:r>
+            <a:r>
+              <a:rPr lang="de-DE" dirty="0"/>
+              <a:t> </a:t>
+            </a:r>
+            <a:r>
+              <a:rPr lang="de-DE" dirty="0" err="1"/>
+              <a:t>already</a:t>
+            </a:r>
+            <a:r>
+              <a:rPr lang="de-DE" dirty="0"/>
+              <a:t> </a:t>
+            </a:r>
+            <a:r>
+              <a:rPr lang="de-DE" dirty="0" err="1"/>
+              <a:t>for</a:t>
+            </a:r>
+            <a:r>
+              <a:rPr lang="de-DE" dirty="0"/>
+              <a:t> </a:t>
+            </a:r>
+            <a:r>
+              <a:rPr lang="de-DE" dirty="0" err="1"/>
+              <a:t>the</a:t>
+            </a:r>
+            <a:r>
+              <a:rPr lang="de-DE" dirty="0"/>
+              <a:t> </a:t>
+            </a:r>
+            <a:r>
+              <a:rPr lang="de-DE" dirty="0" err="1"/>
+              <a:t>soundness</a:t>
+            </a:r>
+            <a:r>
+              <a:rPr lang="de-DE" dirty="0"/>
+              <a:t>. </a:t>
+            </a:r>
+          </a:p>
+          <a:p>
+            <a:endParaRPr lang="de-DE" dirty="0"/>
+          </a:p>
+          <a:p>
+            <a:r>
+              <a:rPr lang="de-DE" dirty="0"/>
+              <a:t>As </a:t>
+            </a:r>
+            <a:r>
+              <a:rPr lang="de-DE" dirty="0" err="1"/>
+              <a:t>for</a:t>
+            </a:r>
+            <a:r>
+              <a:rPr lang="de-DE" dirty="0"/>
+              <a:t> </a:t>
+            </a:r>
+            <a:r>
+              <a:rPr lang="de-DE" dirty="0" err="1"/>
+              <a:t>the</a:t>
+            </a:r>
+            <a:r>
+              <a:rPr lang="de-DE" dirty="0"/>
+              <a:t> </a:t>
+            </a:r>
+            <a:r>
+              <a:rPr lang="de-DE" dirty="0" err="1"/>
+              <a:t>termination</a:t>
+            </a:r>
+            <a:r>
+              <a:rPr lang="de-DE" dirty="0"/>
+              <a:t> </a:t>
             </a:r>
           </a:p>
         </p:txBody>
@@ -1095,7 +1237,7 @@
           <a:p>
             <a:fld id="{FAA32559-8951-4C46-A356-FBB9455D7E38}" type="slidenum">
               <a:rPr lang="de-DE" smtClean="0"/>
-              <a:t>17</a:t>
+              <a:t>16</a:t>
             </a:fld>
             <a:endParaRPr lang="de-DE"/>
           </a:p>
@@ -1104,289 +1246,7 @@
     </p:spTree>
     <p:extLst>
       <p:ext uri="{BB962C8B-B14F-4D97-AF65-F5344CB8AC3E}">
-        <p14:creationId xmlns:p14="http://schemas.microsoft.com/office/powerpoint/2010/main" val="4044844971"/>
-      </p:ext>
-    </p:extLst>
-  </p:cSld>
-  <p:clrMapOvr>
-    <a:masterClrMapping/>
-  </p:clrMapOvr>
-</p:notes>
-</file>
-
-<file path=ppt/notesSlides/notesSlide15.xml><?xml version="1.0" encoding="utf-8"?>
-<p:notes xmlns:a="http://schemas.openxmlformats.org/drawingml/2006/main" xmlns:r="http://schemas.openxmlformats.org/officeDocument/2006/relationships" xmlns:p="http://schemas.openxmlformats.org/presentationml/2006/main">
-  <p:cSld>
-    <p:spTree>
-      <p:nvGrpSpPr>
-        <p:cNvPr id="1" name=""/>
-        <p:cNvGrpSpPr/>
-        <p:nvPr/>
-      </p:nvGrpSpPr>
-      <p:grpSpPr>
-        <a:xfrm>
-          <a:off x="0" y="0"/>
-          <a:ext cx="0" cy="0"/>
-          <a:chOff x="0" y="0"/>
-          <a:chExt cx="0" cy="0"/>
-        </a:xfrm>
-      </p:grpSpPr>
-      <p:sp>
-        <p:nvSpPr>
-          <p:cNvPr id="2" name="Folienbildplatzhalter 1"/>
-          <p:cNvSpPr>
-            <a:spLocks noGrp="1" noRot="1" noChangeAspect="1"/>
-          </p:cNvSpPr>
-          <p:nvPr>
-            <p:ph type="sldImg"/>
-          </p:nvPr>
-        </p:nvSpPr>
-        <p:spPr/>
-      </p:sp>
-      <p:sp>
-        <p:nvSpPr>
-          <p:cNvPr id="3" name="Notizenplatzhalter 2"/>
-          <p:cNvSpPr>
-            <a:spLocks noGrp="1"/>
-          </p:cNvSpPr>
-          <p:nvPr>
-            <p:ph type="body" idx="1"/>
-          </p:nvPr>
-        </p:nvSpPr>
-        <p:spPr/>
-        <p:txBody>
-          <a:bodyPr/>
-          <a:lstStyle/>
-          <a:p>
-            <a:r>
-              <a:rPr lang="en-US"/>
-              <a:t>brackets &lt;…&gt; are constructors</a:t>
-            </a:r>
-            <a:endParaRPr lang="en-US" dirty="0"/>
-          </a:p>
-        </p:txBody>
-      </p:sp>
-      <p:sp>
-        <p:nvSpPr>
-          <p:cNvPr id="4" name="Foliennummernplatzhalter 3"/>
-          <p:cNvSpPr>
-            <a:spLocks noGrp="1"/>
-          </p:cNvSpPr>
-          <p:nvPr>
-            <p:ph type="sldNum" sz="quarter" idx="10"/>
-          </p:nvPr>
-        </p:nvSpPr>
-        <p:spPr/>
-        <p:txBody>
-          <a:bodyPr/>
-          <a:lstStyle/>
-          <a:p>
-            <a:fld id="{FAA32559-8951-4C46-A356-FBB9455D7E38}" type="slidenum">
-              <a:rPr lang="de-DE" smtClean="0"/>
-              <a:t>18</a:t>
-            </a:fld>
-            <a:endParaRPr lang="de-DE"/>
-          </a:p>
-        </p:txBody>
-      </p:sp>
-    </p:spTree>
-    <p:extLst>
-      <p:ext uri="{BB962C8B-B14F-4D97-AF65-F5344CB8AC3E}">
-        <p14:creationId xmlns:p14="http://schemas.microsoft.com/office/powerpoint/2010/main" val="656959239"/>
-      </p:ext>
-    </p:extLst>
-  </p:cSld>
-  <p:clrMapOvr>
-    <a:masterClrMapping/>
-  </p:clrMapOvr>
-</p:notes>
-</file>
-
-<file path=ppt/notesSlides/notesSlide16.xml><?xml version="1.0" encoding="utf-8"?>
-<p:notes xmlns:a="http://schemas.openxmlformats.org/drawingml/2006/main" xmlns:r="http://schemas.openxmlformats.org/officeDocument/2006/relationships" xmlns:p="http://schemas.openxmlformats.org/presentationml/2006/main">
-  <p:cSld>
-    <p:spTree>
-      <p:nvGrpSpPr>
-        <p:cNvPr id="1" name=""/>
-        <p:cNvGrpSpPr/>
-        <p:nvPr/>
-      </p:nvGrpSpPr>
-      <p:grpSpPr>
-        <a:xfrm>
-          <a:off x="0" y="0"/>
-          <a:ext cx="0" cy="0"/>
-          <a:chOff x="0" y="0"/>
-          <a:chExt cx="0" cy="0"/>
-        </a:xfrm>
-      </p:grpSpPr>
-      <p:sp>
-        <p:nvSpPr>
-          <p:cNvPr id="2" name="Folienbildplatzhalter 1"/>
-          <p:cNvSpPr>
-            <a:spLocks noGrp="1" noRot="1" noChangeAspect="1"/>
-          </p:cNvSpPr>
-          <p:nvPr>
-            <p:ph type="sldImg"/>
-          </p:nvPr>
-        </p:nvSpPr>
-        <p:spPr/>
-      </p:sp>
-      <p:sp>
-        <p:nvSpPr>
-          <p:cNvPr id="3" name="Notizenplatzhalter 2"/>
-          <p:cNvSpPr>
-            <a:spLocks noGrp="1"/>
-          </p:cNvSpPr>
-          <p:nvPr>
-            <p:ph type="body" idx="1"/>
-          </p:nvPr>
-        </p:nvSpPr>
-        <p:spPr/>
-        <p:txBody>
-          <a:bodyPr/>
-          <a:lstStyle/>
-          <a:p>
-            <a:endParaRPr lang="en-US" dirty="0"/>
-          </a:p>
-          <a:p>
-            <a:r>
-              <a:rPr lang="en-US" dirty="0"/>
-              <a:t>The definition needs explanations</a:t>
-            </a:r>
-          </a:p>
-          <a:p>
-            <a:r>
-              <a:rPr lang="en-US" dirty="0"/>
-              <a:t>to-do: better markup </a:t>
-            </a:r>
-            <a:r>
-              <a:rPr lang="en-US" dirty="0" err="1"/>
-              <a:t>Nipkow</a:t>
-            </a:r>
-            <a:r>
-              <a:rPr lang="en-US" dirty="0"/>
-              <a:t> says: remove.</a:t>
-            </a:r>
-          </a:p>
-          <a:p>
-            <a:endParaRPr lang="en-US" dirty="0"/>
-          </a:p>
-        </p:txBody>
-      </p:sp>
-      <p:sp>
-        <p:nvSpPr>
-          <p:cNvPr id="4" name="Foliennummernplatzhalter 3"/>
-          <p:cNvSpPr>
-            <a:spLocks noGrp="1"/>
-          </p:cNvSpPr>
-          <p:nvPr>
-            <p:ph type="sldNum" sz="quarter" idx="10"/>
-          </p:nvPr>
-        </p:nvSpPr>
-        <p:spPr/>
-        <p:txBody>
-          <a:bodyPr/>
-          <a:lstStyle/>
-          <a:p>
-            <a:fld id="{FAA32559-8951-4C46-A356-FBB9455D7E38}" type="slidenum">
-              <a:rPr lang="de-DE" smtClean="0"/>
-              <a:t>19</a:t>
-            </a:fld>
-            <a:endParaRPr lang="de-DE"/>
-          </a:p>
-        </p:txBody>
-      </p:sp>
-    </p:spTree>
-    <p:extLst>
-      <p:ext uri="{BB962C8B-B14F-4D97-AF65-F5344CB8AC3E}">
-        <p14:creationId xmlns:p14="http://schemas.microsoft.com/office/powerpoint/2010/main" val="500513494"/>
-      </p:ext>
-    </p:extLst>
-  </p:cSld>
-  <p:clrMapOvr>
-    <a:masterClrMapping/>
-  </p:clrMapOvr>
-</p:notes>
-</file>
-
-<file path=ppt/notesSlides/notesSlide17.xml><?xml version="1.0" encoding="utf-8"?>
-<p:notes xmlns:a="http://schemas.openxmlformats.org/drawingml/2006/main" xmlns:r="http://schemas.openxmlformats.org/officeDocument/2006/relationships" xmlns:p="http://schemas.openxmlformats.org/presentationml/2006/main">
-  <p:cSld>
-    <p:spTree>
-      <p:nvGrpSpPr>
-        <p:cNvPr id="1" name=""/>
-        <p:cNvGrpSpPr/>
-        <p:nvPr/>
-      </p:nvGrpSpPr>
-      <p:grpSpPr>
-        <a:xfrm>
-          <a:off x="0" y="0"/>
-          <a:ext cx="0" cy="0"/>
-          <a:chOff x="0" y="0"/>
-          <a:chExt cx="0" cy="0"/>
-        </a:xfrm>
-      </p:grpSpPr>
-      <p:sp>
-        <p:nvSpPr>
-          <p:cNvPr id="2" name="Folienbildplatzhalter 1"/>
-          <p:cNvSpPr>
-            <a:spLocks noGrp="1" noRot="1" noChangeAspect="1"/>
-          </p:cNvSpPr>
-          <p:nvPr>
-            <p:ph type="sldImg"/>
-          </p:nvPr>
-        </p:nvSpPr>
-        <p:spPr/>
-      </p:sp>
-      <p:sp>
-        <p:nvSpPr>
-          <p:cNvPr id="3" name="Notizenplatzhalter 2"/>
-          <p:cNvSpPr>
-            <a:spLocks noGrp="1"/>
-          </p:cNvSpPr>
-          <p:nvPr>
-            <p:ph type="body" idx="1"/>
-          </p:nvPr>
-        </p:nvSpPr>
-        <p:spPr/>
-        <p:txBody>
-          <a:bodyPr/>
-          <a:lstStyle/>
-          <a:p>
-            <a:r>
-              <a:rPr lang="en-US" dirty="0"/>
-              <a:t>… and of course, the source is online in the AFP</a:t>
-            </a:r>
-          </a:p>
-        </p:txBody>
-      </p:sp>
-      <p:sp>
-        <p:nvSpPr>
-          <p:cNvPr id="4" name="Foliennummernplatzhalter 3"/>
-          <p:cNvSpPr>
-            <a:spLocks noGrp="1"/>
-          </p:cNvSpPr>
-          <p:nvPr>
-            <p:ph type="sldNum" sz="quarter" idx="10"/>
-          </p:nvPr>
-        </p:nvSpPr>
-        <p:spPr/>
-        <p:txBody>
-          <a:bodyPr/>
-          <a:lstStyle/>
-          <a:p>
-            <a:fld id="{FAA32559-8951-4C46-A356-FBB9455D7E38}" type="slidenum">
-              <a:rPr lang="de-DE" smtClean="0"/>
-              <a:t>20</a:t>
-            </a:fld>
-            <a:endParaRPr lang="de-DE"/>
-          </a:p>
-        </p:txBody>
-      </p:sp>
-    </p:spTree>
-    <p:extLst>
-      <p:ext uri="{BB962C8B-B14F-4D97-AF65-F5344CB8AC3E}">
-        <p14:creationId xmlns:p14="http://schemas.microsoft.com/office/powerpoint/2010/main" val="3173480216"/>
+        <p14:creationId xmlns:p14="http://schemas.microsoft.com/office/powerpoint/2010/main" val="277471394"/>
       </p:ext>
     </p:extLst>
   </p:cSld>
@@ -2421,15 +2281,7 @@
           <a:p>
             <a:r>
               <a:rPr lang="en-US" dirty="0"/>
-              <a:t>“</a:t>
-            </a:r>
-            <a:r>
-              <a:rPr lang="en-US" dirty="0" err="1"/>
-              <a:t>rexp</a:t>
-            </a:r>
-            <a:r>
-              <a:rPr lang="en-US" dirty="0"/>
-              <a:t>” is the type constructor of regular expressions</a:t>
+              <a:t>brackets &lt;…&gt; are constructors which produce a singleton RE ?</a:t>
             </a:r>
           </a:p>
         </p:txBody>
@@ -2451,7 +2303,7 @@
           <a:p>
             <a:fld id="{FAA32559-8951-4C46-A356-FBB9455D7E38}" type="slidenum">
               <a:rPr lang="de-DE" smtClean="0"/>
-              <a:t>8</a:t>
+              <a:t>7</a:t>
             </a:fld>
             <a:endParaRPr lang="de-DE"/>
           </a:p>
@@ -2460,7 +2312,7 @@
     </p:spTree>
     <p:extLst>
       <p:ext uri="{BB962C8B-B14F-4D97-AF65-F5344CB8AC3E}">
-        <p14:creationId xmlns:p14="http://schemas.microsoft.com/office/powerpoint/2010/main" val="3897313182"/>
+        <p14:creationId xmlns:p14="http://schemas.microsoft.com/office/powerpoint/2010/main" val="199532804"/>
       </p:ext>
     </p:extLst>
   </p:cSld>
@@ -2516,129 +2368,15 @@
           <a:p>
             <a:r>
               <a:rPr lang="en-US" dirty="0"/>
-              <a:t>nullable </a:t>
+              <a:t>“</a:t>
             </a:r>
             <a:r>
               <a:rPr lang="en-US" dirty="0" err="1"/>
-              <a:t>erklären</a:t>
+              <a:t>rexp</a:t>
             </a:r>
             <a:r>
               <a:rPr lang="en-US" dirty="0"/>
-              <a:t> (</a:t>
-            </a:r>
-            <a:r>
-              <a:rPr lang="en-US" dirty="0" err="1"/>
-              <a:t>oder</a:t>
-            </a:r>
-            <a:r>
-              <a:rPr lang="en-US" dirty="0"/>
-              <a:t> </a:t>
-            </a:r>
-            <a:r>
-              <a:rPr lang="en-US" dirty="0" err="1"/>
-              <a:t>evtl</a:t>
-            </a:r>
-            <a:r>
-              <a:rPr lang="en-US" dirty="0"/>
-              <a:t>. </a:t>
-            </a:r>
-            <a:r>
-              <a:rPr lang="en-US" dirty="0" err="1"/>
-              <a:t>vorher</a:t>
-            </a:r>
-            <a:r>
-              <a:rPr lang="en-US" dirty="0"/>
-              <a:t> </a:t>
-            </a:r>
-            <a:r>
-              <a:rPr lang="en-US" dirty="0" err="1"/>
-              <a:t>ersetzen</a:t>
-            </a:r>
-            <a:r>
-              <a:rPr lang="en-US" dirty="0"/>
-              <a:t> </a:t>
-            </a:r>
-            <a:r>
-              <a:rPr lang="en-US" dirty="0" err="1"/>
-              <a:t>durch</a:t>
-            </a:r>
-            <a:r>
-              <a:rPr lang="en-US" dirty="0"/>
-              <a:t> “[] \in L(r)” ?) </a:t>
-            </a:r>
-            <a:r>
-              <a:rPr lang="en-US" dirty="0" err="1"/>
-              <a:t>todo</a:t>
-            </a:r>
-            <a:endParaRPr lang="en-US" dirty="0"/>
-          </a:p>
-          <a:p>
-            <a:endParaRPr lang="en-US" dirty="0"/>
-          </a:p>
-          <a:p>
-            <a:r>
-              <a:rPr lang="en-US" dirty="0"/>
-              <a:t>This means that we can replace the languages in the </a:t>
-            </a:r>
-            <a:r>
-              <a:rPr lang="en-US" dirty="0" err="1"/>
-              <a:t>bisimulation</a:t>
-            </a:r>
-            <a:r>
-              <a:rPr lang="en-US" dirty="0"/>
-              <a:t> def by REs </a:t>
-            </a:r>
-            <a:r>
-              <a:rPr lang="en-US" dirty="0">
-                <a:sym typeface="Wingdings" panose="05000000000000000000" pitchFamily="2" charset="2"/>
-              </a:rPr>
-              <a:t> &lt;---- to-do: </a:t>
-            </a:r>
-            <a:r>
-              <a:rPr lang="en-US" dirty="0" err="1">
-                <a:sym typeface="Wingdings" panose="05000000000000000000" pitchFamily="2" charset="2"/>
-              </a:rPr>
-              <a:t>Eigene</a:t>
-            </a:r>
-            <a:r>
-              <a:rPr lang="en-US" dirty="0">
-                <a:sym typeface="Wingdings" panose="05000000000000000000" pitchFamily="2" charset="2"/>
-              </a:rPr>
-              <a:t> </a:t>
-            </a:r>
-            <a:r>
-              <a:rPr lang="en-US" dirty="0" err="1">
-                <a:sym typeface="Wingdings" panose="05000000000000000000" pitchFamily="2" charset="2"/>
-              </a:rPr>
-              <a:t>Folie</a:t>
-            </a:r>
-            <a:r>
-              <a:rPr lang="en-US" dirty="0">
-                <a:sym typeface="Wingdings" panose="05000000000000000000" pitchFamily="2" charset="2"/>
-              </a:rPr>
-              <a:t> </a:t>
-            </a:r>
-            <a:r>
-              <a:rPr lang="en-US" dirty="0" err="1">
-                <a:sym typeface="Wingdings" panose="05000000000000000000" pitchFamily="2" charset="2"/>
-              </a:rPr>
-              <a:t>dafür</a:t>
-            </a:r>
-            <a:r>
-              <a:rPr lang="en-US" dirty="0">
-                <a:sym typeface="Wingdings" panose="05000000000000000000" pitchFamily="2" charset="2"/>
-              </a:rPr>
-              <a:t>?</a:t>
-            </a:r>
-            <a:endParaRPr lang="en-US" dirty="0"/>
-          </a:p>
-          <a:p>
-            <a:endParaRPr lang="en-US" dirty="0"/>
-          </a:p>
-          <a:p>
-            <a:r>
-              <a:rPr lang="en-US" dirty="0"/>
-              <a:t>… and now, we can hope to construct it. The simple approach “add all missing REs” works </a:t>
+              <a:t>” is the type constructor of regular expressions</a:t>
             </a:r>
           </a:p>
         </p:txBody>
@@ -2660,7 +2398,7 @@
           <a:p>
             <a:fld id="{FAA32559-8951-4C46-A356-FBB9455D7E38}" type="slidenum">
               <a:rPr lang="de-DE" smtClean="0"/>
-              <a:t>9</a:t>
+              <a:t>8</a:t>
             </a:fld>
             <a:endParaRPr lang="de-DE"/>
           </a:p>
@@ -2669,7 +2407,7 @@
     </p:spTree>
     <p:extLst>
       <p:ext uri="{BB962C8B-B14F-4D97-AF65-F5344CB8AC3E}">
-        <p14:creationId xmlns:p14="http://schemas.microsoft.com/office/powerpoint/2010/main" val="1365994791"/>
+        <p14:creationId xmlns:p14="http://schemas.microsoft.com/office/powerpoint/2010/main" val="3897313182"/>
       </p:ext>
     </p:extLst>
   </p:cSld>
@@ -2725,7 +2463,129 @@
           <a:p>
             <a:r>
               <a:rPr lang="en-US" dirty="0"/>
-              <a:t>left: work set right: relation</a:t>
+              <a:t>nullable </a:t>
+            </a:r>
+            <a:r>
+              <a:rPr lang="en-US" dirty="0" err="1"/>
+              <a:t>erklären</a:t>
+            </a:r>
+            <a:r>
+              <a:rPr lang="en-US" dirty="0"/>
+              <a:t> (</a:t>
+            </a:r>
+            <a:r>
+              <a:rPr lang="en-US" dirty="0" err="1"/>
+              <a:t>oder</a:t>
+            </a:r>
+            <a:r>
+              <a:rPr lang="en-US" dirty="0"/>
+              <a:t> </a:t>
+            </a:r>
+            <a:r>
+              <a:rPr lang="en-US" dirty="0" err="1"/>
+              <a:t>evtl</a:t>
+            </a:r>
+            <a:r>
+              <a:rPr lang="en-US" dirty="0"/>
+              <a:t>. </a:t>
+            </a:r>
+            <a:r>
+              <a:rPr lang="en-US" dirty="0" err="1"/>
+              <a:t>vorher</a:t>
+            </a:r>
+            <a:r>
+              <a:rPr lang="en-US" dirty="0"/>
+              <a:t> </a:t>
+            </a:r>
+            <a:r>
+              <a:rPr lang="en-US" dirty="0" err="1"/>
+              <a:t>ersetzen</a:t>
+            </a:r>
+            <a:r>
+              <a:rPr lang="en-US" dirty="0"/>
+              <a:t> </a:t>
+            </a:r>
+            <a:r>
+              <a:rPr lang="en-US" dirty="0" err="1"/>
+              <a:t>durch</a:t>
+            </a:r>
+            <a:r>
+              <a:rPr lang="en-US" dirty="0"/>
+              <a:t> “[] \in L(r)” ?) </a:t>
+            </a:r>
+            <a:r>
+              <a:rPr lang="en-US" dirty="0" err="1"/>
+              <a:t>todo</a:t>
+            </a:r>
+            <a:endParaRPr lang="en-US" dirty="0"/>
+          </a:p>
+          <a:p>
+            <a:endParaRPr lang="en-US" dirty="0"/>
+          </a:p>
+          <a:p>
+            <a:r>
+              <a:rPr lang="en-US" dirty="0"/>
+              <a:t>This means that we can replace the languages in the </a:t>
+            </a:r>
+            <a:r>
+              <a:rPr lang="en-US" dirty="0" err="1"/>
+              <a:t>bisimulation</a:t>
+            </a:r>
+            <a:r>
+              <a:rPr lang="en-US" dirty="0"/>
+              <a:t> def by REs </a:t>
+            </a:r>
+            <a:r>
+              <a:rPr lang="en-US" dirty="0">
+                <a:sym typeface="Wingdings" panose="05000000000000000000" pitchFamily="2" charset="2"/>
+              </a:rPr>
+              <a:t> &lt;---- to-do: </a:t>
+            </a:r>
+            <a:r>
+              <a:rPr lang="en-US" dirty="0" err="1">
+                <a:sym typeface="Wingdings" panose="05000000000000000000" pitchFamily="2" charset="2"/>
+              </a:rPr>
+              <a:t>Eigene</a:t>
+            </a:r>
+            <a:r>
+              <a:rPr lang="en-US" dirty="0">
+                <a:sym typeface="Wingdings" panose="05000000000000000000" pitchFamily="2" charset="2"/>
+              </a:rPr>
+              <a:t> </a:t>
+            </a:r>
+            <a:r>
+              <a:rPr lang="en-US" dirty="0" err="1">
+                <a:sym typeface="Wingdings" panose="05000000000000000000" pitchFamily="2" charset="2"/>
+              </a:rPr>
+              <a:t>Folie</a:t>
+            </a:r>
+            <a:r>
+              <a:rPr lang="en-US" dirty="0">
+                <a:sym typeface="Wingdings" panose="05000000000000000000" pitchFamily="2" charset="2"/>
+              </a:rPr>
+              <a:t> </a:t>
+            </a:r>
+            <a:r>
+              <a:rPr lang="en-US" dirty="0" err="1">
+                <a:sym typeface="Wingdings" panose="05000000000000000000" pitchFamily="2" charset="2"/>
+              </a:rPr>
+              <a:t>dafür</a:t>
+            </a:r>
+            <a:r>
+              <a:rPr lang="en-US" dirty="0">
+                <a:sym typeface="Wingdings" panose="05000000000000000000" pitchFamily="2" charset="2"/>
+              </a:rPr>
+              <a:t>?</a:t>
+            </a:r>
+            <a:endParaRPr lang="en-US" dirty="0"/>
+          </a:p>
+          <a:p>
+            <a:endParaRPr lang="en-US" dirty="0"/>
+          </a:p>
+          <a:p>
+            <a:r>
+              <a:rPr lang="en-US" dirty="0"/>
+              <a:t>… and now, we can hope to construct it. The simple approach “add all missing REs” works </a:t>
             </a:r>
           </a:p>
         </p:txBody>
@@ -2747,7 +2607,7 @@
           <a:p>
             <a:fld id="{FAA32559-8951-4C46-A356-FBB9455D7E38}" type="slidenum">
               <a:rPr lang="de-DE" smtClean="0"/>
-              <a:t>10</a:t>
+              <a:t>9</a:t>
             </a:fld>
             <a:endParaRPr lang="de-DE"/>
           </a:p>
@@ -2756,7 +2616,7 @@
     </p:spTree>
     <p:extLst>
       <p:ext uri="{BB962C8B-B14F-4D97-AF65-F5344CB8AC3E}">
-        <p14:creationId xmlns:p14="http://schemas.microsoft.com/office/powerpoint/2010/main" val="4219968473"/>
+        <p14:creationId xmlns:p14="http://schemas.microsoft.com/office/powerpoint/2010/main" val="1365994791"/>
       </p:ext>
     </p:extLst>
   </p:cSld>
@@ -2913,7 +2773,7 @@
           <a:p>
             <a:fld id="{B8511AE9-C2D5-45E7-980E-A4DD1A9265AF}" type="datetimeFigureOut">
               <a:rPr lang="en-US" noProof="0" smtClean="0"/>
-              <a:t>12/4/2017</a:t>
+              <a:t>12/9/2017</a:t>
             </a:fld>
             <a:endParaRPr lang="en-US" noProof="0"/>
           </a:p>
@@ -3111,7 +2971,7 @@
           <a:p>
             <a:fld id="{B8511AE9-C2D5-45E7-980E-A4DD1A9265AF}" type="datetimeFigureOut">
               <a:rPr lang="de-DE" smtClean="0"/>
-              <a:t>04.12.2017</a:t>
+              <a:t>09.12.2017</a:t>
             </a:fld>
             <a:endParaRPr lang="de-DE"/>
           </a:p>
@@ -3413,7 +3273,7 @@
             <a:fld id="{B8511AE9-C2D5-45E7-980E-A4DD1A9265AF}" type="datetimeFigureOut">
               <a:rPr lang="en-US" noProof="0" smtClean="0"/>
               <a:pPr/>
-              <a:t>12/4/2017</a:t>
+              <a:t>12/9/2017</a:t>
             </a:fld>
             <a:endParaRPr lang="en-US" noProof="0"/>
           </a:p>
@@ -3567,7 +3427,7 @@
           <a:p>
             <a:fld id="{B8511AE9-C2D5-45E7-980E-A4DD1A9265AF}" type="datetimeFigureOut">
               <a:rPr lang="en-US" noProof="0" smtClean="0"/>
-              <a:t>12/4/2017</a:t>
+              <a:t>12/9/2017</a:t>
             </a:fld>
             <a:endParaRPr lang="en-US" noProof="0"/>
           </a:p>
@@ -3765,7 +3625,7 @@
           <a:p>
             <a:fld id="{B8511AE9-C2D5-45E7-980E-A4DD1A9265AF}" type="datetimeFigureOut">
               <a:rPr lang="en-US" noProof="0" smtClean="0"/>
-              <a:t>12/4/2017</a:t>
+              <a:t>12/9/2017</a:t>
             </a:fld>
             <a:endParaRPr lang="en-US" noProof="0"/>
           </a:p>
@@ -4040,7 +3900,7 @@
           <a:p>
             <a:fld id="{B8511AE9-C2D5-45E7-980E-A4DD1A9265AF}" type="datetimeFigureOut">
               <a:rPr lang="en-US" noProof="0" smtClean="0"/>
-              <a:t>12/4/2017</a:t>
+              <a:t>12/9/2017</a:t>
             </a:fld>
             <a:endParaRPr lang="en-US" noProof="0"/>
           </a:p>
@@ -4362,7 +4222,7 @@
           <a:p>
             <a:fld id="{B8511AE9-C2D5-45E7-980E-A4DD1A9265AF}" type="datetimeFigureOut">
               <a:rPr lang="en-US" noProof="0" smtClean="0"/>
-              <a:t>12/4/2017</a:t>
+              <a:t>12/9/2017</a:t>
             </a:fld>
             <a:endParaRPr lang="en-US" noProof="0"/>
           </a:p>
@@ -4774,7 +4634,7 @@
           <a:p>
             <a:fld id="{B8511AE9-C2D5-45E7-980E-A4DD1A9265AF}" type="datetimeFigureOut">
               <a:rPr lang="en-US" noProof="0" smtClean="0"/>
-              <a:t>12/4/2017</a:t>
+              <a:t>12/9/2017</a:t>
             </a:fld>
             <a:endParaRPr lang="en-US" noProof="0"/>
           </a:p>
@@ -4915,7 +4775,7 @@
           <a:p>
             <a:fld id="{B8511AE9-C2D5-45E7-980E-A4DD1A9265AF}" type="datetimeFigureOut">
               <a:rPr lang="en-US" noProof="0" smtClean="0"/>
-              <a:t>12/4/2017</a:t>
+              <a:t>12/9/2017</a:t>
             </a:fld>
             <a:endParaRPr lang="en-US" noProof="0"/>
           </a:p>
@@ -5033,7 +4893,7 @@
           <a:p>
             <a:fld id="{B8511AE9-C2D5-45E7-980E-A4DD1A9265AF}" type="datetimeFigureOut">
               <a:rPr lang="en-US" noProof="0" smtClean="0"/>
-              <a:t>12/4/2017</a:t>
+              <a:t>12/9/2017</a:t>
             </a:fld>
             <a:endParaRPr lang="en-US" noProof="0"/>
           </a:p>
@@ -5344,7 +5204,7 @@
           <a:p>
             <a:fld id="{B8511AE9-C2D5-45E7-980E-A4DD1A9265AF}" type="datetimeFigureOut">
               <a:rPr lang="en-US" noProof="0" smtClean="0"/>
-              <a:t>12/4/2017</a:t>
+              <a:t>12/9/2017</a:t>
             </a:fld>
             <a:endParaRPr lang="en-US" noProof="0"/>
           </a:p>
@@ -5637,7 +5497,7 @@
           <a:p>
             <a:fld id="{B8511AE9-C2D5-45E7-980E-A4DD1A9265AF}" type="datetimeFigureOut">
               <a:rPr lang="en-US" noProof="0" smtClean="0"/>
-              <a:t>12/4/2017</a:t>
+              <a:t>12/9/2017</a:t>
             </a:fld>
             <a:endParaRPr lang="en-US" noProof="0"/>
           </a:p>
@@ -5878,7 +5738,7 @@
           <a:p>
             <a:fld id="{B8511AE9-C2D5-45E7-980E-A4DD1A9265AF}" type="datetimeFigureOut">
               <a:rPr lang="en-US" noProof="0" smtClean="0"/>
-              <a:t>12/4/2017</a:t>
+              <a:t>12/9/2017</a:t>
             </a:fld>
             <a:endParaRPr lang="en-US" noProof="0"/>
           </a:p>
@@ -7624,91 +7484,492 @@
           </a:p>
         </p:txBody>
       </p:sp>
-      <p:sp>
-        <p:nvSpPr>
-          <p:cNvPr id="3" name="Inhaltsplatzhalter 2">
-            <a:extLst>
-              <a:ext uri="{FF2B5EF4-FFF2-40B4-BE49-F238E27FC236}">
-                <a16:creationId xmlns:a16="http://schemas.microsoft.com/office/drawing/2014/main" id="{D326FAB2-8951-4369-9572-88B30C7D126A}"/>
-              </a:ext>
-            </a:extLst>
-          </p:cNvPr>
-          <p:cNvSpPr>
-            <a:spLocks noGrp="1"/>
-          </p:cNvSpPr>
-          <p:nvPr>
-            <p:ph idx="1"/>
-          </p:nvPr>
-        </p:nvSpPr>
-        <p:spPr/>
-        <p:txBody>
-          <a:bodyPr/>
-          <a:lstStyle/>
-          <a:p>
-            <a:r>
-              <a:rPr lang="en-US" dirty="0"/>
-              <a:t>“⊆” can be solved easily</a:t>
-            </a:r>
-          </a:p>
-          <a:p>
-            <a:endParaRPr lang="en-US" noProof="0" dirty="0"/>
-          </a:p>
-          <a:p>
-            <a:endParaRPr lang="en-US" dirty="0"/>
-          </a:p>
-          <a:p>
-            <a:r>
-              <a:rPr lang="en-US" noProof="0" dirty="0"/>
-              <a:t>extended regular expressions: to-do</a:t>
-            </a:r>
-          </a:p>
-          <a:p>
-            <a:endParaRPr lang="en-US" dirty="0"/>
-          </a:p>
-          <a:p>
-            <a:pPr lvl="1">
-              <a:buFont typeface="Wingdings" panose="05000000000000000000" pitchFamily="2" charset="2"/>
-              <a:buChar char="à"/>
-            </a:pPr>
-            <a:r>
-              <a:rPr lang="en-US" noProof="0" dirty="0">
-                <a:sym typeface="Wingdings" panose="05000000000000000000" pitchFamily="2" charset="2"/>
-              </a:rPr>
-              <a:t>Need a computable </a:t>
-            </a:r>
-            <a:r>
-              <a:rPr lang="en-US" noProof="0" dirty="0" err="1">
-                <a:sym typeface="Wingdings" panose="05000000000000000000" pitchFamily="2" charset="2"/>
-              </a:rPr>
-              <a:t>deriv</a:t>
-            </a:r>
-            <a:r>
-              <a:rPr lang="en-US" noProof="0" dirty="0">
-                <a:sym typeface="Wingdings" panose="05000000000000000000" pitchFamily="2" charset="2"/>
-              </a:rPr>
-              <a:t> for those</a:t>
-            </a:r>
-          </a:p>
-          <a:p>
-            <a:pPr marL="457200" lvl="1" indent="0">
-              <a:buNone/>
-            </a:pPr>
-            <a:r>
-              <a:rPr lang="en-US" dirty="0">
-                <a:sym typeface="Wingdings" panose="05000000000000000000" pitchFamily="2" charset="2"/>
-              </a:rPr>
-              <a:t>		&lt;Rules&gt;</a:t>
-            </a:r>
-            <a:endParaRPr lang="en-US" noProof="0" dirty="0"/>
-          </a:p>
-          <a:p>
-            <a:endParaRPr lang="en-US" dirty="0"/>
-          </a:p>
-          <a:p>
-            <a:endParaRPr lang="en-US" noProof="0" dirty="0"/>
-          </a:p>
-        </p:txBody>
-      </p:sp>
+      <mc:AlternateContent xmlns:mc="http://schemas.openxmlformats.org/markup-compatibility/2006">
+        <mc:Choice xmlns:a14="http://schemas.microsoft.com/office/drawing/2010/main" Requires="a14">
+          <p:sp>
+            <p:nvSpPr>
+              <p:cNvPr id="3" name="Inhaltsplatzhalter 2">
+                <a:extLst>
+                  <a:ext uri="{FF2B5EF4-FFF2-40B4-BE49-F238E27FC236}">
+                    <a16:creationId xmlns:a16="http://schemas.microsoft.com/office/drawing/2014/main" id="{D326FAB2-8951-4369-9572-88B30C7D126A}"/>
+                  </a:ext>
+                </a:extLst>
+              </p:cNvPr>
+              <p:cNvSpPr>
+                <a:spLocks noGrp="1"/>
+              </p:cNvSpPr>
+              <p:nvPr>
+                <p:ph idx="1"/>
+              </p:nvPr>
+            </p:nvSpPr>
+            <p:spPr/>
+            <p:txBody>
+              <a:bodyPr/>
+              <a:lstStyle/>
+              <a:p>
+                <a:r>
+                  <a:rPr lang="en-US" dirty="0"/>
+                  <a:t>“⊆” goals</a:t>
+                </a:r>
+              </a:p>
+              <a:p>
+                <a:pPr marL="0" indent="0">
+                  <a:buNone/>
+                </a:pPr>
+                <a:endParaRPr lang="en-US" dirty="0"/>
+              </a:p>
+              <a:p>
+                <a:r>
+                  <a:rPr lang="en-US" noProof="0" dirty="0"/>
+                  <a:t>extended regular expressions:</a:t>
+                </a:r>
+              </a:p>
+              <a:p>
+                <a:pPr marL="457200" lvl="1" indent="0">
+                  <a:buNone/>
+                </a:pPr>
+                <a14:m>
+                  <m:oMath xmlns:m="http://schemas.openxmlformats.org/officeDocument/2006/math">
+                    <m:bar>
+                      <m:barPr>
+                        <m:pos m:val="top"/>
+                        <m:ctrlPr>
+                          <a:rPr lang="en-US" i="1" noProof="0" smtClean="0">
+                            <a:latin typeface="Cambria Math" panose="02040503050406030204" pitchFamily="18" charset="0"/>
+                          </a:rPr>
+                        </m:ctrlPr>
+                      </m:barPr>
+                      <m:e>
+                        <m:r>
+                          <a:rPr lang="de-DE" b="0" i="1" noProof="0" smtClean="0">
+                            <a:latin typeface="Cambria Math" panose="02040503050406030204" pitchFamily="18" charset="0"/>
+                          </a:rPr>
+                          <m:t>𝑟</m:t>
+                        </m:r>
+                      </m:e>
+                    </m:bar>
+                    <m:r>
+                      <a:rPr lang="de-DE" b="0" i="1" noProof="0" smtClean="0">
+                        <a:latin typeface="Cambria Math" panose="02040503050406030204" pitchFamily="18" charset="0"/>
+                      </a:rPr>
+                      <m:t> </m:t>
+                    </m:r>
+                  </m:oMath>
+                </a14:m>
+                <a:r>
+                  <a:rPr lang="en-US" noProof="0" dirty="0"/>
+                  <a:t>		(complement</a:t>
+                </a:r>
+                <a:r>
+                  <a:rPr lang="en-US" dirty="0"/>
+                  <a:t>)</a:t>
+                </a:r>
+              </a:p>
+              <a:p>
+                <a:pPr marL="457200" lvl="1" indent="0">
+                  <a:buNone/>
+                </a:pPr>
+                <a14:m>
+                  <m:oMath xmlns:m="http://schemas.openxmlformats.org/officeDocument/2006/math">
+                    <m:r>
+                      <a:rPr lang="de-DE" b="0" i="1" noProof="0" smtClean="0">
+                        <a:latin typeface="Cambria Math" panose="02040503050406030204" pitchFamily="18" charset="0"/>
+                      </a:rPr>
+                      <m:t>𝑟</m:t>
+                    </m:r>
+                    <m:r>
+                      <a:rPr lang="de-DE" b="0" i="1" noProof="0" smtClean="0">
+                        <a:latin typeface="Cambria Math" panose="02040503050406030204" pitchFamily="18" charset="0"/>
+                      </a:rPr>
+                      <m:t>&amp;</m:t>
+                    </m:r>
+                    <m:r>
+                      <a:rPr lang="de-DE" b="0" i="1" noProof="0" smtClean="0">
+                        <a:latin typeface="Cambria Math" panose="02040503050406030204" pitchFamily="18" charset="0"/>
+                      </a:rPr>
+                      <m:t>𝑠</m:t>
+                    </m:r>
+                  </m:oMath>
+                </a14:m>
+                <a:r>
+                  <a:rPr lang="en-US" noProof="0" dirty="0"/>
+                  <a:t> 	(intersection)</a:t>
+                </a:r>
+                <a:endParaRPr lang="en-US" dirty="0"/>
+              </a:p>
+              <a:p>
+                <a:pPr lvl="1">
+                  <a:buFont typeface="Wingdings" panose="05000000000000000000" pitchFamily="2" charset="2"/>
+                  <a:buChar char="à"/>
+                </a:pPr>
+                <a:endParaRPr lang="en-US" noProof="0" dirty="0">
+                  <a:sym typeface="Wingdings" panose="05000000000000000000" pitchFamily="2" charset="2"/>
+                </a:endParaRPr>
+              </a:p>
+              <a:p>
+                <a:pPr lvl="1">
+                  <a:buFont typeface="Wingdings" panose="05000000000000000000" pitchFamily="2" charset="2"/>
+                  <a:buChar char="à"/>
+                </a:pPr>
+                <a:r>
+                  <a:rPr lang="en-US" noProof="0" dirty="0">
+                    <a:sym typeface="Wingdings" panose="05000000000000000000" pitchFamily="2" charset="2"/>
+                  </a:rPr>
+                  <a:t>We need a computable derivative for these</a:t>
+                </a:r>
+              </a:p>
+              <a:p>
+                <a:pPr marL="457200" lvl="1" indent="0">
+                  <a:buNone/>
+                </a:pPr>
+                <a:r>
+                  <a:rPr lang="en-US" dirty="0">
+                    <a:ea typeface="Cambria Math" panose="02040503050406030204" pitchFamily="18" charset="0"/>
+                  </a:rPr>
+                  <a:t>	</a:t>
+                </a:r>
+                <a14:m>
+                  <m:oMath xmlns:m="http://schemas.openxmlformats.org/officeDocument/2006/math">
+                    <m:sSub>
+                      <m:sSubPr>
+                        <m:ctrlPr>
+                          <a:rPr lang="en-US" i="1">
+                            <a:latin typeface="Cambria Math" panose="02040503050406030204" pitchFamily="18" charset="0"/>
+                            <a:ea typeface="Cambria Math" panose="02040503050406030204" pitchFamily="18" charset="0"/>
+                          </a:rPr>
+                        </m:ctrlPr>
+                      </m:sSubPr>
+                      <m:e>
+                        <m:r>
+                          <a:rPr lang="de-DE" i="1">
+                            <a:latin typeface="Cambria Math" panose="02040503050406030204" pitchFamily="18" charset="0"/>
+                            <a:ea typeface="Cambria Math" panose="02040503050406030204" pitchFamily="18" charset="0"/>
+                          </a:rPr>
+                          <m:t>𝑑</m:t>
+                        </m:r>
+                      </m:e>
+                      <m:sub>
+                        <m:r>
+                          <a:rPr lang="de-DE" i="1">
+                            <a:latin typeface="Cambria Math" panose="02040503050406030204" pitchFamily="18" charset="0"/>
+                            <a:ea typeface="Cambria Math" panose="02040503050406030204" pitchFamily="18" charset="0"/>
+                          </a:rPr>
+                          <m:t>𝑎</m:t>
+                        </m:r>
+                      </m:sub>
+                    </m:sSub>
+                    <m:r>
+                      <a:rPr lang="de-DE" i="1">
+                        <a:latin typeface="Cambria Math" panose="02040503050406030204" pitchFamily="18" charset="0"/>
+                        <a:ea typeface="Cambria Math" panose="02040503050406030204" pitchFamily="18" charset="0"/>
+                      </a:rPr>
+                      <m:t> </m:t>
+                    </m:r>
+                  </m:oMath>
+                </a14:m>
+                <a:r>
+                  <a:rPr lang="en-US" i="1" dirty="0">
+                    <a:latin typeface="Cambria Math" panose="02040503050406030204" pitchFamily="18" charset="0"/>
+                    <a:ea typeface="Cambria Math" panose="02040503050406030204" pitchFamily="18" charset="0"/>
+                  </a:rPr>
+                  <a:t>( </a:t>
+                </a:r>
+                <a14:m>
+                  <m:oMath xmlns:m="http://schemas.openxmlformats.org/officeDocument/2006/math">
+                    <m:bar>
+                      <m:barPr>
+                        <m:pos m:val="top"/>
+                        <m:ctrlPr>
+                          <a:rPr lang="en-US" i="1" dirty="0" smtClean="0">
+                            <a:latin typeface="Cambria Math" panose="02040503050406030204" pitchFamily="18" charset="0"/>
+                            <a:ea typeface="Cambria Math" panose="02040503050406030204" pitchFamily="18" charset="0"/>
+                          </a:rPr>
+                        </m:ctrlPr>
+                      </m:barPr>
+                      <m:e>
+                        <m:r>
+                          <a:rPr lang="de-DE" b="0" i="1" dirty="0" smtClean="0">
+                            <a:latin typeface="Cambria Math" panose="02040503050406030204" pitchFamily="18" charset="0"/>
+                            <a:ea typeface="Cambria Math" panose="02040503050406030204" pitchFamily="18" charset="0"/>
+                          </a:rPr>
+                          <m:t>𝑟</m:t>
+                        </m:r>
+                      </m:e>
+                    </m:bar>
+                    <m:r>
+                      <m:rPr>
+                        <m:nor/>
+                      </m:rPr>
+                      <a:rPr lang="de-DE" b="0" i="1" dirty="0" smtClean="0">
+                        <a:latin typeface="Cambria Math" panose="02040503050406030204" pitchFamily="18" charset="0"/>
+                        <a:ea typeface="Cambria Math" panose="02040503050406030204" pitchFamily="18" charset="0"/>
+                      </a:rPr>
+                      <m:t>)</m:t>
+                    </m:r>
+                  </m:oMath>
+                </a14:m>
+                <a:r>
+                  <a:rPr lang="en-US" i="1" dirty="0">
+                    <a:latin typeface="Cambria Math" panose="02040503050406030204" pitchFamily="18" charset="0"/>
+                    <a:ea typeface="Cambria Math" panose="02040503050406030204" pitchFamily="18" charset="0"/>
+                  </a:rPr>
+                  <a:t> = </a:t>
+                </a:r>
+                <a14:m>
+                  <m:oMath xmlns:m="http://schemas.openxmlformats.org/officeDocument/2006/math">
+                    <m:bar>
+                      <m:barPr>
+                        <m:pos m:val="top"/>
+                        <m:ctrlPr>
+                          <a:rPr lang="en-US" i="1" smtClean="0">
+                            <a:latin typeface="Cambria Math" panose="02040503050406030204" pitchFamily="18" charset="0"/>
+                            <a:ea typeface="Cambria Math" panose="02040503050406030204" pitchFamily="18" charset="0"/>
+                          </a:rPr>
+                        </m:ctrlPr>
+                      </m:barPr>
+                      <m:e>
+                        <m:sSub>
+                          <m:sSubPr>
+                            <m:ctrlPr>
+                              <a:rPr lang="en-US" i="1">
+                                <a:latin typeface="Cambria Math" panose="02040503050406030204" pitchFamily="18" charset="0"/>
+                                <a:ea typeface="Cambria Math" panose="02040503050406030204" pitchFamily="18" charset="0"/>
+                              </a:rPr>
+                            </m:ctrlPr>
+                          </m:sSubPr>
+                          <m:e>
+                            <m:r>
+                              <a:rPr lang="de-DE" i="1">
+                                <a:latin typeface="Cambria Math" panose="02040503050406030204" pitchFamily="18" charset="0"/>
+                                <a:ea typeface="Cambria Math" panose="02040503050406030204" pitchFamily="18" charset="0"/>
+                              </a:rPr>
+                              <m:t>𝑑</m:t>
+                            </m:r>
+                          </m:e>
+                          <m:sub>
+                            <m:r>
+                              <a:rPr lang="de-DE" i="1">
+                                <a:latin typeface="Cambria Math" panose="02040503050406030204" pitchFamily="18" charset="0"/>
+                                <a:ea typeface="Cambria Math" panose="02040503050406030204" pitchFamily="18" charset="0"/>
+                              </a:rPr>
+                              <m:t>𝑎</m:t>
+                            </m:r>
+                          </m:sub>
+                        </m:sSub>
+                        <m:r>
+                          <m:rPr>
+                            <m:nor/>
+                          </m:rPr>
+                          <a:rPr lang="en-US" i="1" dirty="0">
+                            <a:latin typeface="Cambria Math" panose="02040503050406030204" pitchFamily="18" charset="0"/>
+                            <a:ea typeface="Cambria Math" panose="02040503050406030204" pitchFamily="18" charset="0"/>
+                          </a:rPr>
+                          <m:t> </m:t>
+                        </m:r>
+                        <m:r>
+                          <m:rPr>
+                            <m:nor/>
+                          </m:rPr>
+                          <a:rPr lang="en-US" i="1" dirty="0">
+                            <a:latin typeface="Cambria Math" panose="02040503050406030204" pitchFamily="18" charset="0"/>
+                            <a:ea typeface="Cambria Math" panose="02040503050406030204" pitchFamily="18" charset="0"/>
+                          </a:rPr>
+                          <m:t>r</m:t>
+                        </m:r>
+                      </m:e>
+                    </m:bar>
+                  </m:oMath>
+                </a14:m>
+                <a:endParaRPr lang="en-US" i="1" dirty="0">
+                  <a:latin typeface="Cambria Math" panose="02040503050406030204" pitchFamily="18" charset="0"/>
+                  <a:ea typeface="Cambria Math" panose="02040503050406030204" pitchFamily="18" charset="0"/>
+                </a:endParaRPr>
+              </a:p>
+              <a:p>
+                <a:pPr marL="457200" lvl="1" indent="0">
+                  <a:buNone/>
+                </a:pPr>
+                <a:r>
+                  <a:rPr lang="en-US" dirty="0">
+                    <a:sym typeface="Wingdings" panose="05000000000000000000" pitchFamily="2" charset="2"/>
+                  </a:rPr>
+                  <a:t>	</a:t>
+                </a:r>
+                <a14:m>
+                  <m:oMath xmlns:m="http://schemas.openxmlformats.org/officeDocument/2006/math">
+                    <m:sSub>
+                      <m:sSubPr>
+                        <m:ctrlPr>
+                          <a:rPr lang="en-US" i="1">
+                            <a:latin typeface="Cambria Math" panose="02040503050406030204" pitchFamily="18" charset="0"/>
+                            <a:ea typeface="Cambria Math" panose="02040503050406030204" pitchFamily="18" charset="0"/>
+                          </a:rPr>
+                        </m:ctrlPr>
+                      </m:sSubPr>
+                      <m:e>
+                        <m:r>
+                          <a:rPr lang="de-DE" i="1">
+                            <a:latin typeface="Cambria Math" panose="02040503050406030204" pitchFamily="18" charset="0"/>
+                            <a:ea typeface="Cambria Math" panose="02040503050406030204" pitchFamily="18" charset="0"/>
+                          </a:rPr>
+                          <m:t>𝑑</m:t>
+                        </m:r>
+                      </m:e>
+                      <m:sub>
+                        <m:r>
+                          <a:rPr lang="de-DE" i="1">
+                            <a:latin typeface="Cambria Math" panose="02040503050406030204" pitchFamily="18" charset="0"/>
+                            <a:ea typeface="Cambria Math" panose="02040503050406030204" pitchFamily="18" charset="0"/>
+                          </a:rPr>
+                          <m:t>𝑎</m:t>
+                        </m:r>
+                      </m:sub>
+                    </m:sSub>
+                    <m:r>
+                      <a:rPr lang="de-DE" i="1">
+                        <a:latin typeface="Cambria Math" panose="02040503050406030204" pitchFamily="18" charset="0"/>
+                        <a:ea typeface="Cambria Math" panose="02040503050406030204" pitchFamily="18" charset="0"/>
+                      </a:rPr>
+                      <m:t> </m:t>
+                    </m:r>
+                  </m:oMath>
+                </a14:m>
+                <a:r>
+                  <a:rPr lang="en-US" i="1" dirty="0">
+                    <a:latin typeface="Cambria Math" panose="02040503050406030204" pitchFamily="18" charset="0"/>
+                    <a:ea typeface="Cambria Math" panose="02040503050406030204" pitchFamily="18" charset="0"/>
+                  </a:rPr>
+                  <a:t>(r &amp; s) = </a:t>
+                </a:r>
+                <a14:m>
+                  <m:oMath xmlns:m="http://schemas.openxmlformats.org/officeDocument/2006/math">
+                    <m:sSub>
+                      <m:sSubPr>
+                        <m:ctrlPr>
+                          <a:rPr lang="en-US" i="1">
+                            <a:latin typeface="Cambria Math" panose="02040503050406030204" pitchFamily="18" charset="0"/>
+                            <a:ea typeface="Cambria Math" panose="02040503050406030204" pitchFamily="18" charset="0"/>
+                          </a:rPr>
+                        </m:ctrlPr>
+                      </m:sSubPr>
+                      <m:e>
+                        <m:r>
+                          <a:rPr lang="de-DE" i="1">
+                            <a:latin typeface="Cambria Math" panose="02040503050406030204" pitchFamily="18" charset="0"/>
+                            <a:ea typeface="Cambria Math" panose="02040503050406030204" pitchFamily="18" charset="0"/>
+                          </a:rPr>
+                          <m:t>𝑑</m:t>
+                        </m:r>
+                      </m:e>
+                      <m:sub>
+                        <m:r>
+                          <a:rPr lang="de-DE" i="1">
+                            <a:latin typeface="Cambria Math" panose="02040503050406030204" pitchFamily="18" charset="0"/>
+                            <a:ea typeface="Cambria Math" panose="02040503050406030204" pitchFamily="18" charset="0"/>
+                          </a:rPr>
+                          <m:t>𝑎</m:t>
+                        </m:r>
+                      </m:sub>
+                    </m:sSub>
+                  </m:oMath>
+                </a14:m>
+                <a:r>
+                  <a:rPr lang="en-US" i="1" dirty="0">
+                    <a:latin typeface="Cambria Math" panose="02040503050406030204" pitchFamily="18" charset="0"/>
+                    <a:ea typeface="Cambria Math" panose="02040503050406030204" pitchFamily="18" charset="0"/>
+                  </a:rPr>
+                  <a:t> r &amp; </a:t>
+                </a:r>
+                <a14:m>
+                  <m:oMath xmlns:m="http://schemas.openxmlformats.org/officeDocument/2006/math">
+                    <m:sSub>
+                      <m:sSubPr>
+                        <m:ctrlPr>
+                          <a:rPr lang="en-US" i="1">
+                            <a:latin typeface="Cambria Math" panose="02040503050406030204" pitchFamily="18" charset="0"/>
+                            <a:ea typeface="Cambria Math" panose="02040503050406030204" pitchFamily="18" charset="0"/>
+                          </a:rPr>
+                        </m:ctrlPr>
+                      </m:sSubPr>
+                      <m:e>
+                        <m:r>
+                          <a:rPr lang="de-DE" i="1">
+                            <a:latin typeface="Cambria Math" panose="02040503050406030204" pitchFamily="18" charset="0"/>
+                            <a:ea typeface="Cambria Math" panose="02040503050406030204" pitchFamily="18" charset="0"/>
+                          </a:rPr>
+                          <m:t>𝑑</m:t>
+                        </m:r>
+                      </m:e>
+                      <m:sub>
+                        <m:r>
+                          <a:rPr lang="de-DE" i="1">
+                            <a:latin typeface="Cambria Math" panose="02040503050406030204" pitchFamily="18" charset="0"/>
+                            <a:ea typeface="Cambria Math" panose="02040503050406030204" pitchFamily="18" charset="0"/>
+                          </a:rPr>
+                          <m:t>𝑎</m:t>
+                        </m:r>
+                      </m:sub>
+                    </m:sSub>
+                  </m:oMath>
+                </a14:m>
+                <a:r>
+                  <a:rPr lang="en-US" i="1" dirty="0">
+                    <a:latin typeface="Cambria Math" panose="02040503050406030204" pitchFamily="18" charset="0"/>
+                    <a:ea typeface="Cambria Math" panose="02040503050406030204" pitchFamily="18" charset="0"/>
+                  </a:rPr>
+                  <a:t> s</a:t>
+                </a:r>
+                <a:endParaRPr lang="en-US" noProof="0" dirty="0"/>
+              </a:p>
+              <a:p>
+                <a:endParaRPr lang="en-US" dirty="0"/>
+              </a:p>
+              <a:p>
+                <a:endParaRPr lang="en-US" noProof="0" dirty="0"/>
+              </a:p>
+            </p:txBody>
+          </p:sp>
+        </mc:Choice>
+        <mc:Fallback>
+          <p:sp>
+            <p:nvSpPr>
+              <p:cNvPr id="3" name="Inhaltsplatzhalter 2">
+                <a:extLst>
+                  <a:ext uri="{FF2B5EF4-FFF2-40B4-BE49-F238E27FC236}">
+                    <a16:creationId xmlns:a16="http://schemas.microsoft.com/office/drawing/2014/main" id="{D326FAB2-8951-4369-9572-88B30C7D126A}"/>
+                  </a:ext>
+                </a:extLst>
+              </p:cNvPr>
+              <p:cNvSpPr>
+                <a:spLocks noGrp="1" noRot="1" noChangeAspect="1" noMove="1" noResize="1" noEditPoints="1" noAdjustHandles="1" noChangeArrowheads="1" noChangeShapeType="1" noTextEdit="1"/>
+              </p:cNvSpPr>
+              <p:nvPr>
+                <p:ph idx="1"/>
+              </p:nvPr>
+            </p:nvSpPr>
+            <p:spPr>
+              <a:blipFill>
+                <a:blip r:embed="rId3"/>
+                <a:stretch>
+                  <a:fillRect l="-1043" t="-2661"/>
+                </a:stretch>
+              </a:blipFill>
+            </p:spPr>
+            <p:txBody>
+              <a:bodyPr/>
+              <a:lstStyle/>
+              <a:p>
+                <a:r>
+                  <a:rPr lang="en-US">
+                    <a:noFill/>
+                  </a:rPr>
+                  <a:t> </a:t>
+                </a:r>
+              </a:p>
+            </p:txBody>
+          </p:sp>
+        </mc:Fallback>
+      </mc:AlternateContent>
     </p:spTree>
     <p:extLst>
       <p:ext uri="{BB962C8B-B14F-4D97-AF65-F5344CB8AC3E}">
@@ -7744,7 +8005,7 @@
           <p:cNvPr id="2" name="Titel 1">
             <a:extLst>
               <a:ext uri="{FF2B5EF4-FFF2-40B4-BE49-F238E27FC236}">
-                <a16:creationId xmlns:a16="http://schemas.microsoft.com/office/drawing/2014/main" id="{59569334-A0FE-40EA-BDDD-A2A29AE45091}"/>
+                <a16:creationId xmlns:a16="http://schemas.microsoft.com/office/drawing/2014/main" id="{94FC8E06-2951-44D1-96A9-A195A75D0D67}"/>
               </a:ext>
             </a:extLst>
           </p:cNvPr>
@@ -7752,450 +8013,41 @@
             <a:spLocks noGrp="1"/>
           </p:cNvSpPr>
           <p:nvPr>
-            <p:ph type="title"/>
-          </p:nvPr>
-        </p:nvSpPr>
-        <p:spPr>
-          <a:xfrm>
-            <a:off x="838200" y="500062"/>
-            <a:ext cx="10515600" cy="1325563"/>
-          </a:xfrm>
-        </p:spPr>
+            <p:ph type="ctrTitle"/>
+          </p:nvPr>
+        </p:nvSpPr>
+        <p:spPr/>
         <p:txBody>
           <a:bodyPr/>
           <a:lstStyle/>
           <a:p>
             <a:r>
               <a:rPr lang="en-US" dirty="0"/>
-              <a:t>Beyond equalities</a:t>
-            </a:r>
-          </a:p>
-        </p:txBody>
-      </p:sp>
-      <p:sp>
-        <p:nvSpPr>
-          <p:cNvPr id="3" name="Inhaltsplatzhalter 2">
+              <a:t>Questions</a:t>
+            </a:r>
+          </a:p>
+        </p:txBody>
+      </p:sp>
+      <p:sp>
+        <p:nvSpPr>
+          <p:cNvPr id="3" name="Untertitel 2">
             <a:extLst>
               <a:ext uri="{FF2B5EF4-FFF2-40B4-BE49-F238E27FC236}">
-                <a16:creationId xmlns:a16="http://schemas.microsoft.com/office/drawing/2014/main" id="{0B2D375E-2899-4374-BCEE-D51338A18CDB}"/>
+                <a16:creationId xmlns:a16="http://schemas.microsoft.com/office/drawing/2014/main" id="{986C7E5D-EC0D-41D6-BED5-D39769712C29}"/>
               </a:ext>
             </a:extLst>
           </p:cNvPr>
-          <p:cNvSpPr txBox="1">
-            <a:spLocks/>
-          </p:cNvSpPr>
-          <p:nvPr/>
-        </p:nvSpPr>
-        <p:spPr>
-          <a:xfrm>
-            <a:off x="838200" y="1825625"/>
-            <a:ext cx="10515600" cy="4351338"/>
-          </a:xfrm>
-          <a:prstGeom prst="rect">
-            <a:avLst/>
-          </a:prstGeom>
-        </p:spPr>
+          <p:cNvSpPr>
+            <a:spLocks noGrp="1"/>
+          </p:cNvSpPr>
+          <p:nvPr>
+            <p:ph type="subTitle" idx="1"/>
+          </p:nvPr>
+        </p:nvSpPr>
+        <p:spPr/>
         <p:txBody>
           <a:bodyPr/>
-          <a:lstStyle>
-            <a:lvl1pPr marL="228600" indent="-228600" algn="l" defTabSz="914400" rtl="0" eaLnBrk="1" latinLnBrk="0" hangingPunct="1">
-              <a:lnSpc>
-                <a:spcPct val="90000"/>
-              </a:lnSpc>
-              <a:spcBef>
-                <a:spcPts val="1000"/>
-              </a:spcBef>
-              <a:buFont typeface="Arial" panose="020B0604020202020204" pitchFamily="34" charset="0"/>
-              <a:buChar char="•"/>
-              <a:defRPr sz="2800" kern="1200">
-                <a:solidFill>
-                  <a:schemeClr val="tx1"/>
-                </a:solidFill>
-                <a:latin typeface="+mn-lt"/>
-                <a:ea typeface="+mn-ea"/>
-                <a:cs typeface="+mn-cs"/>
-              </a:defRPr>
-            </a:lvl1pPr>
-            <a:lvl2pPr marL="685800" indent="-228600" algn="l" defTabSz="914400" rtl="0" eaLnBrk="1" latinLnBrk="0" hangingPunct="1">
-              <a:lnSpc>
-                <a:spcPct val="90000"/>
-              </a:lnSpc>
-              <a:spcBef>
-                <a:spcPts val="500"/>
-              </a:spcBef>
-              <a:buFont typeface="Arial" panose="020B0604020202020204" pitchFamily="34" charset="0"/>
-              <a:buChar char="•"/>
-              <a:defRPr sz="2400" kern="1200">
-                <a:solidFill>
-                  <a:schemeClr val="tx1"/>
-                </a:solidFill>
-                <a:latin typeface="+mn-lt"/>
-                <a:ea typeface="+mn-ea"/>
-                <a:cs typeface="+mn-cs"/>
-              </a:defRPr>
-            </a:lvl2pPr>
-            <a:lvl3pPr marL="1143000" indent="-228600" algn="l" defTabSz="914400" rtl="0" eaLnBrk="1" latinLnBrk="0" hangingPunct="1">
-              <a:lnSpc>
-                <a:spcPct val="90000"/>
-              </a:lnSpc>
-              <a:spcBef>
-                <a:spcPts val="500"/>
-              </a:spcBef>
-              <a:buFont typeface="Arial" panose="020B0604020202020204" pitchFamily="34" charset="0"/>
-              <a:buChar char="•"/>
-              <a:defRPr sz="2000" kern="1200">
-                <a:solidFill>
-                  <a:schemeClr val="tx1"/>
-                </a:solidFill>
-                <a:latin typeface="+mn-lt"/>
-                <a:ea typeface="+mn-ea"/>
-                <a:cs typeface="+mn-cs"/>
-              </a:defRPr>
-            </a:lvl3pPr>
-            <a:lvl4pPr marL="1600200" indent="-228600" algn="l" defTabSz="914400" rtl="0" eaLnBrk="1" latinLnBrk="0" hangingPunct="1">
-              <a:lnSpc>
-                <a:spcPct val="90000"/>
-              </a:lnSpc>
-              <a:spcBef>
-                <a:spcPts val="500"/>
-              </a:spcBef>
-              <a:buFont typeface="Arial" panose="020B0604020202020204" pitchFamily="34" charset="0"/>
-              <a:buChar char="•"/>
-              <a:defRPr sz="1800" kern="1200">
-                <a:solidFill>
-                  <a:schemeClr val="tx1"/>
-                </a:solidFill>
-                <a:latin typeface="+mn-lt"/>
-                <a:ea typeface="+mn-ea"/>
-                <a:cs typeface="+mn-cs"/>
-              </a:defRPr>
-            </a:lvl4pPr>
-            <a:lvl5pPr marL="2057400" indent="-228600" algn="l" defTabSz="914400" rtl="0" eaLnBrk="1" latinLnBrk="0" hangingPunct="1">
-              <a:lnSpc>
-                <a:spcPct val="90000"/>
-              </a:lnSpc>
-              <a:spcBef>
-                <a:spcPts val="500"/>
-              </a:spcBef>
-              <a:buFont typeface="Arial" panose="020B0604020202020204" pitchFamily="34" charset="0"/>
-              <a:buChar char="•"/>
-              <a:defRPr sz="1800" kern="1200">
-                <a:solidFill>
-                  <a:schemeClr val="tx1"/>
-                </a:solidFill>
-                <a:latin typeface="+mn-lt"/>
-                <a:ea typeface="+mn-ea"/>
-                <a:cs typeface="+mn-cs"/>
-              </a:defRPr>
-            </a:lvl5pPr>
-            <a:lvl6pPr marL="2514600" indent="-228600" algn="l" defTabSz="914400" rtl="0" eaLnBrk="1" latinLnBrk="0" hangingPunct="1">
-              <a:lnSpc>
-                <a:spcPct val="90000"/>
-              </a:lnSpc>
-              <a:spcBef>
-                <a:spcPts val="500"/>
-              </a:spcBef>
-              <a:buFont typeface="Arial" panose="020B0604020202020204" pitchFamily="34" charset="0"/>
-              <a:buChar char="•"/>
-              <a:defRPr sz="1800" kern="1200">
-                <a:solidFill>
-                  <a:schemeClr val="tx1"/>
-                </a:solidFill>
-                <a:latin typeface="+mn-lt"/>
-                <a:ea typeface="+mn-ea"/>
-                <a:cs typeface="+mn-cs"/>
-              </a:defRPr>
-            </a:lvl6pPr>
-            <a:lvl7pPr marL="2971800" indent="-228600" algn="l" defTabSz="914400" rtl="0" eaLnBrk="1" latinLnBrk="0" hangingPunct="1">
-              <a:lnSpc>
-                <a:spcPct val="90000"/>
-              </a:lnSpc>
-              <a:spcBef>
-                <a:spcPts val="500"/>
-              </a:spcBef>
-              <a:buFont typeface="Arial" panose="020B0604020202020204" pitchFamily="34" charset="0"/>
-              <a:buChar char="•"/>
-              <a:defRPr sz="1800" kern="1200">
-                <a:solidFill>
-                  <a:schemeClr val="tx1"/>
-                </a:solidFill>
-                <a:latin typeface="+mn-lt"/>
-                <a:ea typeface="+mn-ea"/>
-                <a:cs typeface="+mn-cs"/>
-              </a:defRPr>
-            </a:lvl7pPr>
-            <a:lvl8pPr marL="3429000" indent="-228600" algn="l" defTabSz="914400" rtl="0" eaLnBrk="1" latinLnBrk="0" hangingPunct="1">
-              <a:lnSpc>
-                <a:spcPct val="90000"/>
-              </a:lnSpc>
-              <a:spcBef>
-                <a:spcPts val="500"/>
-              </a:spcBef>
-              <a:buFont typeface="Arial" panose="020B0604020202020204" pitchFamily="34" charset="0"/>
-              <a:buChar char="•"/>
-              <a:defRPr sz="1800" kern="1200">
-                <a:solidFill>
-                  <a:schemeClr val="tx1"/>
-                </a:solidFill>
-                <a:latin typeface="+mn-lt"/>
-                <a:ea typeface="+mn-ea"/>
-                <a:cs typeface="+mn-cs"/>
-              </a:defRPr>
-            </a:lvl8pPr>
-            <a:lvl9pPr marL="3886200" indent="-228600" algn="l" defTabSz="914400" rtl="0" eaLnBrk="1" latinLnBrk="0" hangingPunct="1">
-              <a:lnSpc>
-                <a:spcPct val="90000"/>
-              </a:lnSpc>
-              <a:spcBef>
-                <a:spcPts val="500"/>
-              </a:spcBef>
-              <a:buFont typeface="Arial" panose="020B0604020202020204" pitchFamily="34" charset="0"/>
-              <a:buChar char="•"/>
-              <a:defRPr sz="1800" kern="1200">
-                <a:solidFill>
-                  <a:schemeClr val="tx1"/>
-                </a:solidFill>
-                <a:latin typeface="+mn-lt"/>
-                <a:ea typeface="+mn-ea"/>
-                <a:cs typeface="+mn-cs"/>
-              </a:defRPr>
-            </a:lvl9pPr>
-          </a:lstStyle>
-          <a:p>
-            <a:endParaRPr lang="en-US" dirty="0"/>
-          </a:p>
-        </p:txBody>
-      </p:sp>
-      <p:sp>
-        <p:nvSpPr>
-          <p:cNvPr id="4" name="Inhaltsplatzhalter 2">
-            <a:extLst>
-              <a:ext uri="{FF2B5EF4-FFF2-40B4-BE49-F238E27FC236}">
-                <a16:creationId xmlns:a16="http://schemas.microsoft.com/office/drawing/2014/main" id="{A8D12E2C-7FF9-4233-8169-CE9B2952B379}"/>
-              </a:ext>
-            </a:extLst>
-          </p:cNvPr>
-          <p:cNvSpPr txBox="1">
-            <a:spLocks/>
-          </p:cNvSpPr>
-          <p:nvPr/>
-        </p:nvSpPr>
-        <p:spPr>
-          <a:xfrm>
-            <a:off x="838200" y="1963035"/>
-            <a:ext cx="10515600" cy="4351338"/>
-          </a:xfrm>
-          <a:prstGeom prst="rect">
-            <a:avLst/>
-          </a:prstGeom>
-        </p:spPr>
-        <p:txBody>
-          <a:bodyPr/>
-          <a:lstStyle>
-            <a:lvl1pPr marL="228600" indent="-228600" algn="l" defTabSz="914400" rtl="0" eaLnBrk="1" latinLnBrk="0" hangingPunct="1">
-              <a:lnSpc>
-                <a:spcPct val="90000"/>
-              </a:lnSpc>
-              <a:spcBef>
-                <a:spcPts val="1000"/>
-              </a:spcBef>
-              <a:buFont typeface="Arial" panose="020B0604020202020204" pitchFamily="34" charset="0"/>
-              <a:buChar char="•"/>
-              <a:defRPr sz="2800" kern="1200">
-                <a:solidFill>
-                  <a:schemeClr val="tx1"/>
-                </a:solidFill>
-                <a:latin typeface="+mn-lt"/>
-                <a:ea typeface="+mn-ea"/>
-                <a:cs typeface="+mn-cs"/>
-              </a:defRPr>
-            </a:lvl1pPr>
-            <a:lvl2pPr marL="685800" indent="-228600" algn="l" defTabSz="914400" rtl="0" eaLnBrk="1" latinLnBrk="0" hangingPunct="1">
-              <a:lnSpc>
-                <a:spcPct val="90000"/>
-              </a:lnSpc>
-              <a:spcBef>
-                <a:spcPts val="500"/>
-              </a:spcBef>
-              <a:buFont typeface="Arial" panose="020B0604020202020204" pitchFamily="34" charset="0"/>
-              <a:buChar char="•"/>
-              <a:defRPr sz="2400" kern="1200">
-                <a:solidFill>
-                  <a:schemeClr val="tx1"/>
-                </a:solidFill>
-                <a:latin typeface="+mn-lt"/>
-                <a:ea typeface="+mn-ea"/>
-                <a:cs typeface="+mn-cs"/>
-              </a:defRPr>
-            </a:lvl2pPr>
-            <a:lvl3pPr marL="1143000" indent="-228600" algn="l" defTabSz="914400" rtl="0" eaLnBrk="1" latinLnBrk="0" hangingPunct="1">
-              <a:lnSpc>
-                <a:spcPct val="90000"/>
-              </a:lnSpc>
-              <a:spcBef>
-                <a:spcPts val="500"/>
-              </a:spcBef>
-              <a:buFont typeface="Arial" panose="020B0604020202020204" pitchFamily="34" charset="0"/>
-              <a:buChar char="•"/>
-              <a:defRPr sz="2000" kern="1200">
-                <a:solidFill>
-                  <a:schemeClr val="tx1"/>
-                </a:solidFill>
-                <a:latin typeface="+mn-lt"/>
-                <a:ea typeface="+mn-ea"/>
-                <a:cs typeface="+mn-cs"/>
-              </a:defRPr>
-            </a:lvl3pPr>
-            <a:lvl4pPr marL="1600200" indent="-228600" algn="l" defTabSz="914400" rtl="0" eaLnBrk="1" latinLnBrk="0" hangingPunct="1">
-              <a:lnSpc>
-                <a:spcPct val="90000"/>
-              </a:lnSpc>
-              <a:spcBef>
-                <a:spcPts val="500"/>
-              </a:spcBef>
-              <a:buFont typeface="Arial" panose="020B0604020202020204" pitchFamily="34" charset="0"/>
-              <a:buChar char="•"/>
-              <a:defRPr sz="1800" kern="1200">
-                <a:solidFill>
-                  <a:schemeClr val="tx1"/>
-                </a:solidFill>
-                <a:latin typeface="+mn-lt"/>
-                <a:ea typeface="+mn-ea"/>
-                <a:cs typeface="+mn-cs"/>
-              </a:defRPr>
-            </a:lvl4pPr>
-            <a:lvl5pPr marL="2057400" indent="-228600" algn="l" defTabSz="914400" rtl="0" eaLnBrk="1" latinLnBrk="0" hangingPunct="1">
-              <a:lnSpc>
-                <a:spcPct val="90000"/>
-              </a:lnSpc>
-              <a:spcBef>
-                <a:spcPts val="500"/>
-              </a:spcBef>
-              <a:buFont typeface="Arial" panose="020B0604020202020204" pitchFamily="34" charset="0"/>
-              <a:buChar char="•"/>
-              <a:defRPr sz="1800" kern="1200">
-                <a:solidFill>
-                  <a:schemeClr val="tx1"/>
-                </a:solidFill>
-                <a:latin typeface="+mn-lt"/>
-                <a:ea typeface="+mn-ea"/>
-                <a:cs typeface="+mn-cs"/>
-              </a:defRPr>
-            </a:lvl5pPr>
-            <a:lvl6pPr marL="2514600" indent="-228600" algn="l" defTabSz="914400" rtl="0" eaLnBrk="1" latinLnBrk="0" hangingPunct="1">
-              <a:lnSpc>
-                <a:spcPct val="90000"/>
-              </a:lnSpc>
-              <a:spcBef>
-                <a:spcPts val="500"/>
-              </a:spcBef>
-              <a:buFont typeface="Arial" panose="020B0604020202020204" pitchFamily="34" charset="0"/>
-              <a:buChar char="•"/>
-              <a:defRPr sz="1800" kern="1200">
-                <a:solidFill>
-                  <a:schemeClr val="tx1"/>
-                </a:solidFill>
-                <a:latin typeface="+mn-lt"/>
-                <a:ea typeface="+mn-ea"/>
-                <a:cs typeface="+mn-cs"/>
-              </a:defRPr>
-            </a:lvl6pPr>
-            <a:lvl7pPr marL="2971800" indent="-228600" algn="l" defTabSz="914400" rtl="0" eaLnBrk="1" latinLnBrk="0" hangingPunct="1">
-              <a:lnSpc>
-                <a:spcPct val="90000"/>
-              </a:lnSpc>
-              <a:spcBef>
-                <a:spcPts val="500"/>
-              </a:spcBef>
-              <a:buFont typeface="Arial" panose="020B0604020202020204" pitchFamily="34" charset="0"/>
-              <a:buChar char="•"/>
-              <a:defRPr sz="1800" kern="1200">
-                <a:solidFill>
-                  <a:schemeClr val="tx1"/>
-                </a:solidFill>
-                <a:latin typeface="+mn-lt"/>
-                <a:ea typeface="+mn-ea"/>
-                <a:cs typeface="+mn-cs"/>
-              </a:defRPr>
-            </a:lvl7pPr>
-            <a:lvl8pPr marL="3429000" indent="-228600" algn="l" defTabSz="914400" rtl="0" eaLnBrk="1" latinLnBrk="0" hangingPunct="1">
-              <a:lnSpc>
-                <a:spcPct val="90000"/>
-              </a:lnSpc>
-              <a:spcBef>
-                <a:spcPts val="500"/>
-              </a:spcBef>
-              <a:buFont typeface="Arial" panose="020B0604020202020204" pitchFamily="34" charset="0"/>
-              <a:buChar char="•"/>
-              <a:defRPr sz="1800" kern="1200">
-                <a:solidFill>
-                  <a:schemeClr val="tx1"/>
-                </a:solidFill>
-                <a:latin typeface="+mn-lt"/>
-                <a:ea typeface="+mn-ea"/>
-                <a:cs typeface="+mn-cs"/>
-              </a:defRPr>
-            </a:lvl8pPr>
-            <a:lvl9pPr marL="3886200" indent="-228600" algn="l" defTabSz="914400" rtl="0" eaLnBrk="1" latinLnBrk="0" hangingPunct="1">
-              <a:lnSpc>
-                <a:spcPct val="90000"/>
-              </a:lnSpc>
-              <a:spcBef>
-                <a:spcPts val="500"/>
-              </a:spcBef>
-              <a:buFont typeface="Arial" panose="020B0604020202020204" pitchFamily="34" charset="0"/>
-              <a:buChar char="•"/>
-              <a:defRPr sz="1800" kern="1200">
-                <a:solidFill>
-                  <a:schemeClr val="tx1"/>
-                </a:solidFill>
-                <a:latin typeface="+mn-lt"/>
-                <a:ea typeface="+mn-ea"/>
-                <a:cs typeface="+mn-cs"/>
-              </a:defRPr>
-            </a:lvl9pPr>
-          </a:lstStyle>
-          <a:p>
-            <a:r>
-              <a:rPr lang="en-US" dirty="0"/>
-              <a:t>“⊆” can be solved easily, using </a:t>
-            </a:r>
-          </a:p>
-          <a:p>
-            <a:endParaRPr lang="en-US" dirty="0"/>
-          </a:p>
-          <a:p>
-            <a:r>
-              <a:rPr lang="en-US" dirty="0"/>
-              <a:t>  ¬”≡” should really be stated differently, even though decidable</a:t>
-            </a:r>
-          </a:p>
-          <a:p>
-            <a:pPr marL="0" indent="0">
-              <a:buNone/>
-            </a:pPr>
-            <a:r>
-              <a:rPr lang="en-US" dirty="0"/>
-              <a:t>	e.g. w </a:t>
-            </a:r>
-            <a:r>
-              <a:rPr lang="pt-BR" dirty="0"/>
-              <a:t>∈</a:t>
-            </a:r>
-            <a:r>
-              <a:rPr lang="en-US" dirty="0"/>
-              <a:t> A \ B</a:t>
-            </a:r>
-          </a:p>
-          <a:p>
-            <a:endParaRPr lang="en-US" dirty="0"/>
-          </a:p>
-          <a:p>
-            <a:r>
-              <a:rPr lang="en-US" dirty="0"/>
-              <a:t>Relation algebras</a:t>
-            </a:r>
-          </a:p>
+          <a:lstStyle/>
           <a:p>
             <a:endParaRPr lang="en-US" dirty="0"/>
           </a:p>
@@ -8204,331 +8056,7 @@
     </p:spTree>
     <p:extLst>
       <p:ext uri="{BB962C8B-B14F-4D97-AF65-F5344CB8AC3E}">
-        <p14:creationId xmlns:p14="http://schemas.microsoft.com/office/powerpoint/2010/main" val="1337841628"/>
-      </p:ext>
-    </p:extLst>
-  </p:cSld>
-  <p:clrMapOvr>
-    <a:masterClrMapping/>
-  </p:clrMapOvr>
-</p:sld>
-</file>
-
-<file path=ppt/slides/slide18.xml><?xml version="1.0" encoding="utf-8"?>
-<p:sld xmlns:a="http://schemas.openxmlformats.org/drawingml/2006/main" xmlns:r="http://schemas.openxmlformats.org/officeDocument/2006/relationships" xmlns:p="http://schemas.openxmlformats.org/presentationml/2006/main">
-  <p:cSld>
-    <p:spTree>
-      <p:nvGrpSpPr>
-        <p:cNvPr id="1" name=""/>
-        <p:cNvGrpSpPr/>
-        <p:nvPr/>
-      </p:nvGrpSpPr>
-      <p:grpSpPr>
-        <a:xfrm>
-          <a:off x="0" y="0"/>
-          <a:ext cx="0" cy="0"/>
-          <a:chOff x="0" y="0"/>
-          <a:chExt cx="0" cy="0"/>
-        </a:xfrm>
-      </p:grpSpPr>
-      <p:sp>
-        <p:nvSpPr>
-          <p:cNvPr id="2" name="Titel 1">
-            <a:extLst>
-              <a:ext uri="{FF2B5EF4-FFF2-40B4-BE49-F238E27FC236}">
-                <a16:creationId xmlns:a16="http://schemas.microsoft.com/office/drawing/2014/main" id="{96EB362D-D17C-4E3D-9CD7-7823E8C03145}"/>
-              </a:ext>
-            </a:extLst>
-          </p:cNvPr>
-          <p:cNvSpPr>
-            <a:spLocks noGrp="1"/>
-          </p:cNvSpPr>
-          <p:nvPr>
-            <p:ph type="title"/>
-          </p:nvPr>
-        </p:nvSpPr>
-        <p:spPr/>
-        <p:txBody>
-          <a:bodyPr/>
-          <a:lstStyle/>
-          <a:p>
-            <a:r>
-              <a:rPr lang="en-US" dirty="0"/>
-              <a:t>Reflection due to Boyer and Moore</a:t>
-            </a:r>
-          </a:p>
-        </p:txBody>
-      </p:sp>
-      <p:sp>
-        <p:nvSpPr>
-          <p:cNvPr id="3" name="Inhaltsplatzhalter 2">
-            <a:extLst>
-              <a:ext uri="{FF2B5EF4-FFF2-40B4-BE49-F238E27FC236}">
-                <a16:creationId xmlns:a16="http://schemas.microsoft.com/office/drawing/2014/main" id="{83293F5C-A135-4664-8889-3FB54EAB0968}"/>
-              </a:ext>
-            </a:extLst>
-          </p:cNvPr>
-          <p:cNvSpPr>
-            <a:spLocks noGrp="1"/>
-          </p:cNvSpPr>
-          <p:nvPr>
-            <p:ph idx="1"/>
-          </p:nvPr>
-        </p:nvSpPr>
-        <p:spPr/>
-        <p:txBody>
-          <a:bodyPr/>
-          <a:lstStyle/>
-          <a:p>
-            <a:r>
-              <a:rPr lang="en-US" dirty="0"/>
-              <a:t>one atom for every relation: &lt;0&gt;, &lt;1&gt;, …</a:t>
-            </a:r>
-          </a:p>
-          <a:p>
-            <a:endParaRPr lang="en-US" dirty="0"/>
-          </a:p>
-          <a:p>
-            <a:r>
-              <a:rPr lang="en-US" dirty="0"/>
-              <a:t>goal (R* ◦ S* ◦ T)* = (R ∪ S ∪ T)*</a:t>
-            </a:r>
-          </a:p>
-          <a:p>
-            <a:pPr marL="457200" lvl="1" indent="0">
-              <a:buNone/>
-            </a:pPr>
-            <a:endParaRPr lang="en-US" dirty="0"/>
-          </a:p>
-          <a:p>
-            <a:pPr marL="457200" lvl="1" indent="0">
-              <a:buNone/>
-            </a:pPr>
-            <a:r>
-              <a:rPr lang="en-US" dirty="0"/>
-              <a:t>↝ goal (&lt;0&gt;*·&lt;1&gt;*·&lt;2&gt;)* = (&lt;0&gt; + &lt;1&gt; + &lt;2&gt;)*</a:t>
-            </a:r>
-          </a:p>
-        </p:txBody>
-      </p:sp>
-    </p:spTree>
-    <p:extLst>
-      <p:ext uri="{BB962C8B-B14F-4D97-AF65-F5344CB8AC3E}">
-        <p14:creationId xmlns:p14="http://schemas.microsoft.com/office/powerpoint/2010/main" val="3595477036"/>
-      </p:ext>
-    </p:extLst>
-  </p:cSld>
-  <p:clrMapOvr>
-    <a:masterClrMapping/>
-  </p:clrMapOvr>
-</p:sld>
-</file>
-
-<file path=ppt/slides/slide19.xml><?xml version="1.0" encoding="utf-8"?>
-<p:sld xmlns:a="http://schemas.openxmlformats.org/drawingml/2006/main" xmlns:r="http://schemas.openxmlformats.org/officeDocument/2006/relationships" xmlns:p="http://schemas.openxmlformats.org/presentationml/2006/main">
-  <p:cSld>
-    <p:spTree>
-      <p:nvGrpSpPr>
-        <p:cNvPr id="1" name=""/>
-        <p:cNvGrpSpPr/>
-        <p:nvPr/>
-      </p:nvGrpSpPr>
-      <p:grpSpPr>
-        <a:xfrm>
-          <a:off x="0" y="0"/>
-          <a:ext cx="0" cy="0"/>
-          <a:chOff x="0" y="0"/>
-          <a:chExt cx="0" cy="0"/>
-        </a:xfrm>
-      </p:grpSpPr>
-      <p:sp>
-        <p:nvSpPr>
-          <p:cNvPr id="2" name="Titel 1">
-            <a:extLst>
-              <a:ext uri="{FF2B5EF4-FFF2-40B4-BE49-F238E27FC236}">
-                <a16:creationId xmlns:a16="http://schemas.microsoft.com/office/drawing/2014/main" id="{195F9775-442F-4C38-8E22-7A203E88160A}"/>
-              </a:ext>
-            </a:extLst>
-          </p:cNvPr>
-          <p:cNvSpPr>
-            <a:spLocks noGrp="1"/>
-          </p:cNvSpPr>
-          <p:nvPr>
-            <p:ph type="title"/>
-          </p:nvPr>
-        </p:nvSpPr>
-        <p:spPr/>
-        <p:txBody>
-          <a:bodyPr/>
-          <a:lstStyle/>
-          <a:p>
-            <a:r>
-              <a:rPr lang="en-US" dirty="0"/>
-              <a:t>Defining a usable proof method</a:t>
-            </a:r>
-          </a:p>
-        </p:txBody>
-      </p:sp>
-      <p:sp>
-        <p:nvSpPr>
-          <p:cNvPr id="3" name="Inhaltsplatzhalter 2">
-            <a:extLst>
-              <a:ext uri="{FF2B5EF4-FFF2-40B4-BE49-F238E27FC236}">
-                <a16:creationId xmlns:a16="http://schemas.microsoft.com/office/drawing/2014/main" id="{50AD830C-45EE-4E98-AE6B-FA75DDD327EC}"/>
-              </a:ext>
-            </a:extLst>
-          </p:cNvPr>
-          <p:cNvSpPr>
-            <a:spLocks noGrp="1"/>
-          </p:cNvSpPr>
-          <p:nvPr>
-            <p:ph idx="1"/>
-          </p:nvPr>
-        </p:nvSpPr>
-        <p:spPr/>
-        <p:txBody>
-          <a:bodyPr>
-            <a:normAutofit fontScale="92500" lnSpcReduction="20000"/>
-          </a:bodyPr>
-          <a:lstStyle/>
-          <a:p>
-            <a:r>
-              <a:rPr lang="en-US" dirty="0"/>
-              <a:t>With </a:t>
-            </a:r>
-            <a:r>
-              <a:rPr lang="en-US" i="1" dirty="0" err="1"/>
-              <a:t>Eisbach</a:t>
-            </a:r>
-            <a:r>
-              <a:rPr lang="en-US" dirty="0"/>
-              <a:t>, one can use the usual method modifiers in a “proof method definition”:</a:t>
-            </a:r>
-          </a:p>
-          <a:p>
-            <a:pPr marL="0" indent="0">
-              <a:buNone/>
-            </a:pPr>
-            <a:endParaRPr lang="en-GB" dirty="0"/>
-          </a:p>
-          <a:p>
-            <a:pPr marL="0" indent="0">
-              <a:buNone/>
-            </a:pPr>
-            <a:r>
-              <a:rPr lang="en-GB" dirty="0"/>
-              <a:t>	method </a:t>
-            </a:r>
-            <a:r>
-              <a:rPr lang="en-GB" dirty="0" err="1"/>
-              <a:t>rexp</a:t>
-            </a:r>
-            <a:r>
-              <a:rPr lang="en-GB" dirty="0"/>
-              <a:t> = (unfold </a:t>
-            </a:r>
-            <a:r>
-              <a:rPr lang="en-GB" dirty="0" err="1"/>
-              <a:t>subset_eq_to_eq</a:t>
-            </a:r>
-            <a:r>
-              <a:rPr lang="en-GB" dirty="0"/>
-              <a:t>)?, (rule soundness, </a:t>
-            </a:r>
-            <a:r>
-              <a:rPr lang="en-GB" dirty="0" err="1"/>
-              <a:t>eval</a:t>
-            </a:r>
-            <a:r>
-              <a:rPr lang="en-GB" dirty="0"/>
-              <a:t>)+</a:t>
-            </a:r>
-          </a:p>
-          <a:p>
-            <a:pPr marL="0" indent="0">
-              <a:buNone/>
-            </a:pPr>
-            <a:endParaRPr lang="en-GB" dirty="0"/>
-          </a:p>
-          <a:p>
-            <a:endParaRPr lang="en-US" dirty="0"/>
-          </a:p>
-          <a:p>
-            <a:endParaRPr lang="en-US" dirty="0"/>
-          </a:p>
-          <a:p>
-            <a:r>
-              <a:rPr lang="en-US" dirty="0"/>
-              <a:t>Example:</a:t>
-            </a:r>
-          </a:p>
-          <a:p>
-            <a:pPr marL="0" indent="0">
-              <a:buNone/>
-            </a:pPr>
-            <a:r>
-              <a:rPr lang="en-US" dirty="0"/>
-              <a:t>lemma "</a:t>
-            </a:r>
-            <a:r>
-              <a:rPr lang="en-US" dirty="0" err="1"/>
-              <a:t>lang</a:t>
-            </a:r>
-            <a:r>
-              <a:rPr lang="en-US" dirty="0"/>
-              <a:t> (Times (Star (Plus One AB)) </a:t>
-            </a:r>
-            <a:r>
-              <a:rPr lang="en-US" dirty="0" err="1"/>
-              <a:t>A_or_B</a:t>
-            </a:r>
-            <a:r>
-              <a:rPr lang="en-US" dirty="0"/>
-              <a:t>) ⊆ </a:t>
-            </a:r>
-            <a:r>
-              <a:rPr lang="en-US" dirty="0" err="1"/>
-              <a:t>lang</a:t>
-            </a:r>
-            <a:r>
-              <a:rPr lang="en-US" dirty="0"/>
-              <a:t> (Times (Star (Plus AB One)) </a:t>
-            </a:r>
-            <a:r>
-              <a:rPr lang="en-US" dirty="0" err="1"/>
-              <a:t>A_or_B</a:t>
-            </a:r>
-            <a:r>
-              <a:rPr lang="en-US" dirty="0"/>
-              <a:t>)“</a:t>
-            </a:r>
-          </a:p>
-          <a:p>
-            <a:pPr marL="0" indent="0">
-              <a:buNone/>
-            </a:pPr>
-            <a:r>
-              <a:rPr lang="en-US" dirty="0"/>
-              <a:t>	by </a:t>
-            </a:r>
-            <a:r>
-              <a:rPr lang="en-US" dirty="0" err="1"/>
-              <a:t>rexp</a:t>
-            </a:r>
-            <a:endParaRPr lang="en-US" dirty="0"/>
-          </a:p>
-          <a:p>
-            <a:pPr marL="0" indent="0">
-              <a:buNone/>
-            </a:pPr>
-            <a:endParaRPr lang="en-US" dirty="0"/>
-          </a:p>
-        </p:txBody>
-      </p:sp>
-    </p:spTree>
-    <p:extLst>
-      <p:ext uri="{BB962C8B-B14F-4D97-AF65-F5344CB8AC3E}">
-        <p14:creationId xmlns:p14="http://schemas.microsoft.com/office/powerpoint/2010/main" val="1175017656"/>
+        <p14:creationId xmlns:p14="http://schemas.microsoft.com/office/powerpoint/2010/main" val="1765085189"/>
       </p:ext>
     </p:extLst>
   </p:cSld>
@@ -8676,157 +8204,6 @@
     <p:extLst>
       <p:ext uri="{BB962C8B-B14F-4D97-AF65-F5344CB8AC3E}">
         <p14:creationId xmlns:p14="http://schemas.microsoft.com/office/powerpoint/2010/main" val="2346521388"/>
-      </p:ext>
-    </p:extLst>
-  </p:cSld>
-  <p:clrMapOvr>
-    <a:masterClrMapping/>
-  </p:clrMapOvr>
-</p:sld>
-</file>
-
-<file path=ppt/slides/slide20.xml><?xml version="1.0" encoding="utf-8"?>
-<p:sld xmlns:a="http://schemas.openxmlformats.org/drawingml/2006/main" xmlns:r="http://schemas.openxmlformats.org/officeDocument/2006/relationships" xmlns:p="http://schemas.openxmlformats.org/presentationml/2006/main">
-  <p:cSld>
-    <p:spTree>
-      <p:nvGrpSpPr>
-        <p:cNvPr id="1" name=""/>
-        <p:cNvGrpSpPr/>
-        <p:nvPr/>
-      </p:nvGrpSpPr>
-      <p:grpSpPr>
-        <a:xfrm>
-          <a:off x="0" y="0"/>
-          <a:ext cx="0" cy="0"/>
-          <a:chOff x="0" y="0"/>
-          <a:chExt cx="0" cy="0"/>
-        </a:xfrm>
-      </p:grpSpPr>
-      <p:sp>
-        <p:nvSpPr>
-          <p:cNvPr id="2" name="Titel 1">
-            <a:extLst>
-              <a:ext uri="{FF2B5EF4-FFF2-40B4-BE49-F238E27FC236}">
-                <a16:creationId xmlns:a16="http://schemas.microsoft.com/office/drawing/2014/main" id="{966C4CD0-AA0A-4AAE-96D7-87C7699D5D00}"/>
-              </a:ext>
-            </a:extLst>
-          </p:cNvPr>
-          <p:cNvSpPr>
-            <a:spLocks noGrp="1"/>
-          </p:cNvSpPr>
-          <p:nvPr>
-            <p:ph type="title"/>
-          </p:nvPr>
-        </p:nvSpPr>
-        <p:spPr/>
-        <p:txBody>
-          <a:bodyPr/>
-          <a:lstStyle/>
-          <a:p>
-            <a:r>
-              <a:rPr lang="en-US" dirty="0"/>
-              <a:t>References</a:t>
-            </a:r>
-          </a:p>
-        </p:txBody>
-      </p:sp>
-      <p:sp>
-        <p:nvSpPr>
-          <p:cNvPr id="3" name="Inhaltsplatzhalter 2">
-            <a:extLst>
-              <a:ext uri="{FF2B5EF4-FFF2-40B4-BE49-F238E27FC236}">
-                <a16:creationId xmlns:a16="http://schemas.microsoft.com/office/drawing/2014/main" id="{DDB33A90-3B67-4ADF-9126-A5C3C8B41815}"/>
-              </a:ext>
-            </a:extLst>
-          </p:cNvPr>
-          <p:cNvSpPr>
-            <a:spLocks noGrp="1"/>
-          </p:cNvSpPr>
-          <p:nvPr>
-            <p:ph idx="1"/>
-          </p:nvPr>
-        </p:nvSpPr>
-        <p:spPr/>
-        <p:txBody>
-          <a:bodyPr>
-            <a:normAutofit/>
-          </a:bodyPr>
-          <a:lstStyle/>
-          <a:p>
-            <a:r>
-              <a:rPr lang="en-GB" dirty="0"/>
-              <a:t>J. A. </a:t>
-            </a:r>
-            <a:r>
-              <a:rPr lang="en-GB" dirty="0" err="1"/>
-              <a:t>Brzozowski</a:t>
-            </a:r>
-            <a:r>
-              <a:rPr lang="en-GB" dirty="0"/>
-              <a:t>. Derivatives of regular expressions. </a:t>
-            </a:r>
-            <a:r>
-              <a:rPr lang="en-GB" i="1" dirty="0"/>
-              <a:t>J. ACM</a:t>
-            </a:r>
-            <a:r>
-              <a:rPr lang="en-GB" dirty="0"/>
-              <a:t>, 11(4):481–494, Oct. 1964.</a:t>
-            </a:r>
-          </a:p>
-          <a:p>
-            <a:r>
-              <a:rPr lang="en-GB" dirty="0"/>
-              <a:t>A. Krauss and T. </a:t>
-            </a:r>
-            <a:r>
-              <a:rPr lang="en-GB" dirty="0" err="1"/>
-              <a:t>Nipkow</a:t>
-            </a:r>
-            <a:r>
-              <a:rPr lang="en-GB" dirty="0"/>
-              <a:t>. Proof pearl: Regular expression equivalence and relation algebra. J. Automated Reasoning, 49:95–106, 2012. published online March 2011.  </a:t>
-            </a:r>
-            <a:r>
-              <a:rPr lang="en-GB" dirty="0">
-                <a:hlinkClick r:id="rId3"/>
-              </a:rPr>
-              <a:t>http://www21.in.tum.de/~nipkow/pubs/jar12.html</a:t>
-            </a:r>
-            <a:r>
-              <a:rPr lang="en-GB" dirty="0"/>
-              <a:t>.</a:t>
-            </a:r>
-          </a:p>
-          <a:p>
-            <a:r>
-              <a:rPr lang="en-GB" dirty="0"/>
-              <a:t>Robert S. Boyer and J Strother Moore. </a:t>
-            </a:r>
-            <a:r>
-              <a:rPr lang="en-GB" dirty="0" err="1"/>
-              <a:t>Metafunctions</a:t>
-            </a:r>
-            <a:r>
-              <a:rPr lang="en-GB" dirty="0"/>
-              <a:t>: proving them correct and using them efficiently as new proof procedures. In R. Boyer and J Moore, editors, </a:t>
-            </a:r>
-            <a:r>
-              <a:rPr lang="en-GB" i="1" dirty="0"/>
-              <a:t>The Correctness Problem in Computer Science</a:t>
-            </a:r>
-            <a:r>
-              <a:rPr lang="en-GB" dirty="0"/>
-              <a:t>, pages 103–184. Academic Press, 1981</a:t>
-            </a:r>
-            <a:endParaRPr lang="en-US" dirty="0"/>
-          </a:p>
-        </p:txBody>
-      </p:sp>
-    </p:spTree>
-    <p:extLst>
-      <p:ext uri="{BB962C8B-B14F-4D97-AF65-F5344CB8AC3E}">
-        <p14:creationId xmlns:p14="http://schemas.microsoft.com/office/powerpoint/2010/main" val="3839886554"/>
       </p:ext>
     </p:extLst>
   </p:cSld>

--- a/slides.pptx
+++ b/slides.pptx
@@ -5,26 +5,27 @@
     <p:sldMasterId id="2147483648" r:id="rId1"/>
   </p:sldMasterIdLst>
   <p:notesMasterIdLst>
-    <p:notesMasterId r:id="rId19"/>
+    <p:notesMasterId r:id="rId20"/>
   </p:notesMasterIdLst>
   <p:sldIdLst>
     <p:sldId id="256" r:id="rId2"/>
     <p:sldId id="258" r:id="rId3"/>
-    <p:sldId id="280" r:id="rId4"/>
-    <p:sldId id="261" r:id="rId5"/>
+    <p:sldId id="261" r:id="rId4"/>
+    <p:sldId id="280" r:id="rId5"/>
     <p:sldId id="262" r:id="rId6"/>
     <p:sldId id="263" r:id="rId7"/>
     <p:sldId id="270" r:id="rId8"/>
     <p:sldId id="271" r:id="rId9"/>
     <p:sldId id="272" r:id="rId10"/>
     <p:sldId id="273" r:id="rId11"/>
-    <p:sldId id="281" r:id="rId12"/>
-    <p:sldId id="274" r:id="rId13"/>
-    <p:sldId id="278" r:id="rId14"/>
-    <p:sldId id="264" r:id="rId15"/>
-    <p:sldId id="265" r:id="rId16"/>
-    <p:sldId id="257" r:id="rId17"/>
-    <p:sldId id="283" r:id="rId18"/>
+    <p:sldId id="278" r:id="rId12"/>
+    <p:sldId id="281" r:id="rId13"/>
+    <p:sldId id="265" r:id="rId14"/>
+    <p:sldId id="274" r:id="rId15"/>
+    <p:sldId id="264" r:id="rId16"/>
+    <p:sldId id="284" r:id="rId17"/>
+    <p:sldId id="257" r:id="rId18"/>
+    <p:sldId id="283" r:id="rId19"/>
   </p:sldIdLst>
   <p:sldSz cx="12192000" cy="6858000"/>
   <p:notesSz cx="6858000" cy="9144000"/>
@@ -670,8 +671,13 @@
           <a:p>
             <a:r>
               <a:rPr lang="en-US" dirty="0"/>
-              <a:t>left: work set right: relation</a:t>
-            </a:r>
+              <a:t>left: work set right: relation which we hope to make a </a:t>
+            </a:r>
+            <a:r>
+              <a:rPr lang="en-US" dirty="0" err="1"/>
+              <a:t>bisimulation</a:t>
+            </a:r>
+            <a:endParaRPr lang="en-US" dirty="0"/>
           </a:p>
         </p:txBody>
       </p:sp>
@@ -755,6 +761,12 @@
           <a:bodyPr/>
           <a:lstStyle/>
           <a:p>
+            <a:r>
+              <a:rPr lang="en-US" dirty="0"/>
+              <a:t>1: standard work set algorithm</a:t>
+            </a:r>
+          </a:p>
+          <a:p>
             <a:endParaRPr lang="en-US" dirty="0"/>
           </a:p>
         </p:txBody>
@@ -785,7 +797,7 @@
     </p:spTree>
     <p:extLst>
       <p:ext uri="{BB962C8B-B14F-4D97-AF65-F5344CB8AC3E}">
-        <p14:creationId xmlns:p14="http://schemas.microsoft.com/office/powerpoint/2010/main" val="1142687865"/>
+        <p14:creationId xmlns:p14="http://schemas.microsoft.com/office/powerpoint/2010/main" val="922902247"/>
       </p:ext>
     </p:extLst>
   </p:cSld>
@@ -841,11 +853,8 @@
           <a:p>
             <a:r>
               <a:rPr lang="en-US" dirty="0"/>
-              <a:t>1: standard work set algorithm</a:t>
-            </a:r>
-          </a:p>
-          <a:p>
-            <a:endParaRPr lang="en-US" dirty="0"/>
+              <a:t>It expects a while-condition, of course, that one is still missing.</a:t>
+            </a:r>
           </a:p>
         </p:txBody>
       </p:sp>
@@ -866,7 +875,7 @@
           <a:p>
             <a:fld id="{FAA32559-8951-4C46-A356-FBB9455D7E38}" type="slidenum">
               <a:rPr lang="de-DE" smtClean="0"/>
-              <a:t>13</a:t>
+              <a:t>12</a:t>
             </a:fld>
             <a:endParaRPr lang="de-DE"/>
           </a:p>
@@ -875,7 +884,7 @@
     </p:spTree>
     <p:extLst>
       <p:ext uri="{BB962C8B-B14F-4D97-AF65-F5344CB8AC3E}">
-        <p14:creationId xmlns:p14="http://schemas.microsoft.com/office/powerpoint/2010/main" val="922902247"/>
+        <p14:creationId xmlns:p14="http://schemas.microsoft.com/office/powerpoint/2010/main" val="1142687865"/>
       </p:ext>
     </p:extLst>
   </p:cSld>
@@ -931,37 +940,21 @@
           <a:p>
             <a:r>
               <a:rPr lang="en-US" dirty="0"/>
-              <a:t>so, for a position of the </a:t>
-            </a:r>
-            <a:r>
-              <a:rPr lang="en-US" dirty="0" err="1"/>
-              <a:t>subterms</a:t>
-            </a:r>
+              <a:t>These two cases are absolutely crucial to understand. If you want to, I can go back to the definition of </a:t>
+            </a:r>
+            <a:r>
+              <a:rPr lang="en-US" i="1" dirty="0" err="1"/>
+              <a:t>bisimulation</a:t>
+            </a:r>
+            <a:endParaRPr lang="en-US" i="1" dirty="0"/>
+          </a:p>
+          <a:p>
+            <a:endParaRPr lang="en-US" dirty="0"/>
+          </a:p>
+          <a:p>
             <a:r>
               <a:rPr lang="en-US" dirty="0"/>
-              <a:t> in the sequence … + … + … + … (</a:t>
-            </a:r>
-            <a:r>
-              <a:rPr lang="en-US" dirty="0" err="1"/>
-              <a:t>Wich</a:t>
-            </a:r>
-            <a:r>
-              <a:rPr lang="en-US" dirty="0"/>
-              <a:t> is a tree, but due to associativity we can transform into a list) to be uniquely determined, we can just define an arbitrary order on the topmost constructors. Then every </a:t>
-            </a:r>
-            <a:r>
-              <a:rPr lang="en-US" dirty="0" err="1"/>
-              <a:t>subterm</a:t>
-            </a:r>
-            <a:r>
-              <a:rPr lang="en-US" dirty="0"/>
-              <a:t> is already in the “correct section the a list” and then, its subparts get normed again.</a:t>
-            </a:r>
-          </a:p>
-          <a:p>
-            <a:r>
-              <a:rPr lang="en-US" dirty="0"/>
-              <a:t>Actually, the correct way is to work bottom up, but you get the idea.</a:t>
+              <a:t>Maybe define the “iterated derivate language” ^D_a1…an L = {w | a1…an @ w \in L}</a:t>
             </a:r>
           </a:p>
         </p:txBody>
@@ -983,7 +976,7 @@
           <a:p>
             <a:fld id="{FAA32559-8951-4C46-A356-FBB9455D7E38}" type="slidenum">
               <a:rPr lang="de-DE" smtClean="0"/>
-              <a:t>14</a:t>
+              <a:t>13</a:t>
             </a:fld>
             <a:endParaRPr lang="de-DE"/>
           </a:p>
@@ -992,7 +985,7 @@
     </p:spTree>
     <p:extLst>
       <p:ext uri="{BB962C8B-B14F-4D97-AF65-F5344CB8AC3E}">
-        <p14:creationId xmlns:p14="http://schemas.microsoft.com/office/powerpoint/2010/main" val="2615019396"/>
+        <p14:creationId xmlns:p14="http://schemas.microsoft.com/office/powerpoint/2010/main" val="2666065160"/>
       </p:ext>
     </p:extLst>
   </p:cSld>
@@ -1047,175 +1040,264 @@
           <a:lstStyle/>
           <a:p>
             <a:r>
-              <a:rPr lang="de-DE" dirty="0"/>
-              <a:t>…</a:t>
-            </a:r>
-            <a:r>
-              <a:rPr lang="de-DE" dirty="0" err="1"/>
-              <a:t>extended</a:t>
-            </a:r>
-            <a:r>
-              <a:rPr lang="de-DE" dirty="0"/>
-              <a:t> REs </a:t>
-            </a:r>
-            <a:r>
-              <a:rPr lang="de-DE" dirty="0" err="1"/>
-              <a:t>are</a:t>
-            </a:r>
-            <a:r>
-              <a:rPr lang="de-DE" dirty="0"/>
-              <a:t> not </a:t>
-            </a:r>
-            <a:r>
-              <a:rPr lang="de-DE" dirty="0" err="1"/>
-              <a:t>more</a:t>
-            </a:r>
-            <a:r>
-              <a:rPr lang="de-DE" dirty="0"/>
-              <a:t> expressive, but </a:t>
-            </a:r>
-            <a:r>
-              <a:rPr lang="de-DE" dirty="0" err="1"/>
-              <a:t>they</a:t>
-            </a:r>
-            <a:r>
-              <a:rPr lang="de-DE" dirty="0"/>
-              <a:t> </a:t>
-            </a:r>
-            <a:r>
-              <a:rPr lang="de-DE" dirty="0" err="1"/>
-              <a:t>can</a:t>
-            </a:r>
-            <a:r>
-              <a:rPr lang="de-DE" dirty="0"/>
-              <a:t> </a:t>
-            </a:r>
-            <a:r>
-              <a:rPr lang="de-DE" dirty="0" err="1"/>
-              <a:t>be</a:t>
-            </a:r>
-            <a:r>
-              <a:rPr lang="de-DE" dirty="0"/>
-              <a:t> </a:t>
-            </a:r>
-            <a:r>
-              <a:rPr lang="de-DE" dirty="0" err="1"/>
-              <a:t>much</a:t>
-            </a:r>
-            <a:r>
-              <a:rPr lang="de-DE" dirty="0"/>
-              <a:t> </a:t>
-            </a:r>
-            <a:r>
-              <a:rPr lang="de-DE" dirty="0" err="1"/>
-              <a:t>more</a:t>
-            </a:r>
-            <a:r>
-              <a:rPr lang="de-DE" dirty="0"/>
-              <a:t> </a:t>
-            </a:r>
-            <a:r>
-              <a:rPr lang="de-DE" dirty="0" err="1"/>
-              <a:t>succinct</a:t>
-            </a:r>
-            <a:endParaRPr lang="de-DE" dirty="0"/>
-          </a:p>
-          <a:p>
-            <a:endParaRPr lang="de-DE" dirty="0"/>
-          </a:p>
-          <a:p>
-            <a:r>
-              <a:rPr lang="de-DE" dirty="0"/>
-              <a:t>… and </a:t>
-            </a:r>
-            <a:r>
-              <a:rPr lang="de-DE" dirty="0" err="1"/>
-              <a:t>then</a:t>
-            </a:r>
-            <a:r>
-              <a:rPr lang="de-DE" dirty="0"/>
-              <a:t> </a:t>
-            </a:r>
-            <a:r>
-              <a:rPr lang="de-DE" dirty="0" err="1"/>
-              <a:t>we‘re</a:t>
-            </a:r>
-            <a:r>
-              <a:rPr lang="de-DE" dirty="0"/>
-              <a:t> </a:t>
-            </a:r>
-            <a:r>
-              <a:rPr lang="de-DE" dirty="0" err="1"/>
-              <a:t>done</a:t>
-            </a:r>
-            <a:r>
-              <a:rPr lang="de-DE" dirty="0"/>
-              <a:t> </a:t>
-            </a:r>
-            <a:r>
-              <a:rPr lang="de-DE" dirty="0" err="1"/>
-              <a:t>already</a:t>
-            </a:r>
-            <a:r>
-              <a:rPr lang="de-DE" dirty="0"/>
-              <a:t> </a:t>
-            </a:r>
-            <a:r>
-              <a:rPr lang="de-DE" dirty="0" err="1"/>
-              <a:t>for</a:t>
-            </a:r>
-            <a:r>
-              <a:rPr lang="de-DE" dirty="0"/>
-              <a:t> </a:t>
-            </a:r>
-            <a:r>
-              <a:rPr lang="de-DE" dirty="0" err="1"/>
-              <a:t>the</a:t>
-            </a:r>
-            <a:r>
-              <a:rPr lang="de-DE" dirty="0"/>
-              <a:t> </a:t>
-            </a:r>
-            <a:r>
-              <a:rPr lang="de-DE" dirty="0" err="1"/>
-              <a:t>soundness</a:t>
-            </a:r>
-            <a:r>
-              <a:rPr lang="de-DE" dirty="0"/>
-              <a:t>. </a:t>
-            </a:r>
-          </a:p>
-          <a:p>
-            <a:endParaRPr lang="de-DE" dirty="0"/>
-          </a:p>
-          <a:p>
-            <a:r>
-              <a:rPr lang="de-DE" dirty="0"/>
-              <a:t>As </a:t>
-            </a:r>
-            <a:r>
-              <a:rPr lang="de-DE" dirty="0" err="1"/>
-              <a:t>for</a:t>
-            </a:r>
-            <a:r>
-              <a:rPr lang="de-DE" dirty="0"/>
-              <a:t> </a:t>
-            </a:r>
-            <a:r>
-              <a:rPr lang="de-DE" dirty="0" err="1"/>
-              <a:t>the</a:t>
-            </a:r>
-            <a:r>
-              <a:rPr lang="de-DE" dirty="0"/>
-              <a:t> </a:t>
-            </a:r>
-            <a:r>
-              <a:rPr lang="de-DE" dirty="0" err="1"/>
-              <a:t>termination</a:t>
-            </a:r>
-            <a:r>
-              <a:rPr lang="de-DE" dirty="0"/>
-              <a:t> </a:t>
+              <a:rPr lang="pt-BR" dirty="0">
+                <a:latin typeface="Lucida Bright" panose="02040602050505020304" pitchFamily="18" charset="0"/>
+              </a:rPr>
+              <a:t>to-do: alternatively</a:t>
+            </a:r>
+          </a:p>
+          <a:p>
+            <a:r>
+              <a:rPr lang="pt-BR" dirty="0">
+                <a:latin typeface="Lucida Bright" panose="02040602050505020304" pitchFamily="18" charset="0"/>
+              </a:rPr>
+              <a:t>	L ((ε + a ⋅ b)* ⋅ (a + b)) = L ((a ⋅ b + ε)* ⋅ (a + b))</a:t>
+            </a:r>
+            <a:endParaRPr lang="en-US" dirty="0"/>
+          </a:p>
+        </p:txBody>
+      </p:sp>
+      <p:sp>
+        <p:nvSpPr>
+          <p:cNvPr id="4" name="Foliennummernplatzhalter 3"/>
+          <p:cNvSpPr>
+            <a:spLocks noGrp="1"/>
+          </p:cNvSpPr>
+          <p:nvPr>
+            <p:ph type="sldNum" sz="quarter" idx="10"/>
+          </p:nvPr>
+        </p:nvSpPr>
+        <p:spPr/>
+        <p:txBody>
+          <a:bodyPr/>
+          <a:lstStyle/>
+          <a:p>
+            <a:fld id="{FAA32559-8951-4C46-A356-FBB9455D7E38}" type="slidenum">
+              <a:rPr lang="de-DE" smtClean="0"/>
+              <a:t>14</a:t>
+            </a:fld>
+            <a:endParaRPr lang="de-DE"/>
+          </a:p>
+        </p:txBody>
+      </p:sp>
+    </p:spTree>
+    <p:extLst>
+      <p:ext uri="{BB962C8B-B14F-4D97-AF65-F5344CB8AC3E}">
+        <p14:creationId xmlns:p14="http://schemas.microsoft.com/office/powerpoint/2010/main" val="3561148988"/>
+      </p:ext>
+    </p:extLst>
+  </p:cSld>
+  <p:clrMapOvr>
+    <a:masterClrMapping/>
+  </p:clrMapOvr>
+</p:notes>
+</file>
+
+<file path=ppt/notesSlides/notesSlide15.xml><?xml version="1.0" encoding="utf-8"?>
+<p:notes xmlns:a="http://schemas.openxmlformats.org/drawingml/2006/main" xmlns:r="http://schemas.openxmlformats.org/officeDocument/2006/relationships" xmlns:p="http://schemas.openxmlformats.org/presentationml/2006/main">
+  <p:cSld>
+    <p:spTree>
+      <p:nvGrpSpPr>
+        <p:cNvPr id="1" name=""/>
+        <p:cNvGrpSpPr/>
+        <p:nvPr/>
+      </p:nvGrpSpPr>
+      <p:grpSpPr>
+        <a:xfrm>
+          <a:off x="0" y="0"/>
+          <a:ext cx="0" cy="0"/>
+          <a:chOff x="0" y="0"/>
+          <a:chExt cx="0" cy="0"/>
+        </a:xfrm>
+      </p:grpSpPr>
+      <p:sp>
+        <p:nvSpPr>
+          <p:cNvPr id="2" name="Folienbildplatzhalter 1"/>
+          <p:cNvSpPr>
+            <a:spLocks noGrp="1" noRot="1" noChangeAspect="1"/>
+          </p:cNvSpPr>
+          <p:nvPr>
+            <p:ph type="sldImg"/>
+          </p:nvPr>
+        </p:nvSpPr>
+        <p:spPr/>
+      </p:sp>
+      <p:sp>
+        <p:nvSpPr>
+          <p:cNvPr id="3" name="Notizenplatzhalter 2"/>
+          <p:cNvSpPr>
+            <a:spLocks noGrp="1"/>
+          </p:cNvSpPr>
+          <p:nvPr>
+            <p:ph type="body" idx="1"/>
+          </p:nvPr>
+        </p:nvSpPr>
+        <p:spPr/>
+        <p:txBody>
+          <a:bodyPr/>
+          <a:lstStyle/>
+          <a:p>
+            <a:r>
+              <a:rPr lang="en-US" dirty="0"/>
+              <a:t>meaning that two REs are ACI-equal </a:t>
+            </a:r>
+            <a:r>
+              <a:rPr lang="en-US" dirty="0" err="1"/>
+              <a:t>iff</a:t>
+            </a:r>
+            <a:r>
+              <a:rPr lang="en-US" dirty="0"/>
+              <a:t> they can be transformed using only these rules on the </a:t>
+            </a:r>
+            <a:r>
+              <a:rPr lang="en-US" dirty="0" err="1"/>
+              <a:t>subterms</a:t>
+            </a:r>
+            <a:endParaRPr lang="en-US" dirty="0"/>
+          </a:p>
+          <a:p>
+            <a:endParaRPr lang="en-US" dirty="0"/>
+          </a:p>
+          <a:p>
+            <a:r>
+              <a:rPr lang="en-US" dirty="0"/>
+              <a:t>We need to work bottom up, for star and concatenation, this might require a lexicographic ordering.</a:t>
+            </a:r>
+          </a:p>
+          <a:p>
+            <a:endParaRPr lang="en-US" dirty="0"/>
+          </a:p>
+          <a:p>
+            <a:r>
+              <a:rPr lang="en-US" dirty="0"/>
+              <a:t>3.3: this identifies SOME equivalent REs, but not all of them.</a:t>
+            </a:r>
+          </a:p>
+          <a:p>
+            <a:r>
+              <a:rPr lang="en-US" dirty="0"/>
+              <a:t>aa* is equivalent to a*a, but this technique cannot prove it, because there is no “+” in it to transform</a:t>
+            </a:r>
+          </a:p>
+          <a:p>
+            <a:endParaRPr lang="en-US" dirty="0"/>
+          </a:p>
+          <a:p>
+            <a:endParaRPr lang="en-US" dirty="0"/>
+          </a:p>
+        </p:txBody>
+      </p:sp>
+      <p:sp>
+        <p:nvSpPr>
+          <p:cNvPr id="4" name="Foliennummernplatzhalter 3"/>
+          <p:cNvSpPr>
+            <a:spLocks noGrp="1"/>
+          </p:cNvSpPr>
+          <p:nvPr>
+            <p:ph type="sldNum" sz="quarter" idx="10"/>
+          </p:nvPr>
+        </p:nvSpPr>
+        <p:spPr/>
+        <p:txBody>
+          <a:bodyPr/>
+          <a:lstStyle/>
+          <a:p>
+            <a:fld id="{FAA32559-8951-4C46-A356-FBB9455D7E38}" type="slidenum">
+              <a:rPr lang="de-DE" smtClean="0"/>
+              <a:t>15</a:t>
+            </a:fld>
+            <a:endParaRPr lang="de-DE"/>
+          </a:p>
+        </p:txBody>
+      </p:sp>
+    </p:spTree>
+    <p:extLst>
+      <p:ext uri="{BB962C8B-B14F-4D97-AF65-F5344CB8AC3E}">
+        <p14:creationId xmlns:p14="http://schemas.microsoft.com/office/powerpoint/2010/main" val="2615019396"/>
+      </p:ext>
+    </p:extLst>
+  </p:cSld>
+  <p:clrMapOvr>
+    <a:masterClrMapping/>
+  </p:clrMapOvr>
+</p:notes>
+</file>
+
+<file path=ppt/notesSlides/notesSlide16.xml><?xml version="1.0" encoding="utf-8"?>
+<p:notes xmlns:a="http://schemas.openxmlformats.org/drawingml/2006/main" xmlns:r="http://schemas.openxmlformats.org/officeDocument/2006/relationships" xmlns:p="http://schemas.openxmlformats.org/presentationml/2006/main">
+  <p:cSld>
+    <p:spTree>
+      <p:nvGrpSpPr>
+        <p:cNvPr id="1" name=""/>
+        <p:cNvGrpSpPr/>
+        <p:nvPr/>
+      </p:nvGrpSpPr>
+      <p:grpSpPr>
+        <a:xfrm>
+          <a:off x="0" y="0"/>
+          <a:ext cx="0" cy="0"/>
+          <a:chOff x="0" y="0"/>
+          <a:chExt cx="0" cy="0"/>
+        </a:xfrm>
+      </p:grpSpPr>
+      <p:sp>
+        <p:nvSpPr>
+          <p:cNvPr id="2" name="Folienbildplatzhalter 1"/>
+          <p:cNvSpPr>
+            <a:spLocks noGrp="1" noRot="1" noChangeAspect="1"/>
+          </p:cNvSpPr>
+          <p:nvPr>
+            <p:ph type="sldImg"/>
+          </p:nvPr>
+        </p:nvSpPr>
+        <p:spPr/>
+      </p:sp>
+      <p:sp>
+        <p:nvSpPr>
+          <p:cNvPr id="3" name="Notizenplatzhalter 2"/>
+          <p:cNvSpPr>
+            <a:spLocks noGrp="1"/>
+          </p:cNvSpPr>
+          <p:nvPr>
+            <p:ph type="body" idx="1"/>
+          </p:nvPr>
+        </p:nvSpPr>
+        <p:spPr/>
+        <p:txBody>
+          <a:bodyPr/>
+          <a:lstStyle/>
+          <a:p>
+            <a:r>
+              <a:rPr lang="en-US" dirty="0"/>
+              <a:t>In other words, there are only finitely many ACI-equivalence classes among equivalent </a:t>
+            </a:r>
+            <a:r>
+              <a:rPr lang="en-US" dirty="0" err="1"/>
+              <a:t>REs.</a:t>
+            </a:r>
+            <a:endParaRPr lang="en-US" dirty="0"/>
+          </a:p>
+          <a:p>
+            <a:endParaRPr lang="en-US" dirty="0"/>
+          </a:p>
+          <a:p>
+            <a:r>
+              <a:rPr lang="en-US" dirty="0"/>
+              <a:t>We are allowed to strengthen this filter: Remember that the goal was to apply the </a:t>
+            </a:r>
+            <a:r>
+              <a:rPr lang="en-US" dirty="0" err="1"/>
+              <a:t>bisimulation</a:t>
+            </a:r>
+            <a:r>
+              <a:rPr lang="en-US" dirty="0"/>
+              <a:t> lemma at the end. It worked on languages, and the language pair is already added I f </a:t>
+            </a:r>
+          </a:p>
+          <a:p>
+            <a:r>
+              <a:rPr lang="en-US" dirty="0"/>
+              <a:t>to-do: maybe swap formulation on the slides with the explanation?</a:t>
             </a:r>
           </a:p>
         </p:txBody>
@@ -1238,6 +1320,260 @@
             <a:fld id="{FAA32559-8951-4C46-A356-FBB9455D7E38}" type="slidenum">
               <a:rPr lang="de-DE" smtClean="0"/>
               <a:t>16</a:t>
+            </a:fld>
+            <a:endParaRPr lang="de-DE"/>
+          </a:p>
+        </p:txBody>
+      </p:sp>
+    </p:spTree>
+    <p:extLst>
+      <p:ext uri="{BB962C8B-B14F-4D97-AF65-F5344CB8AC3E}">
+        <p14:creationId xmlns:p14="http://schemas.microsoft.com/office/powerpoint/2010/main" val="176357657"/>
+      </p:ext>
+    </p:extLst>
+  </p:cSld>
+  <p:clrMapOvr>
+    <a:masterClrMapping/>
+  </p:clrMapOvr>
+</p:notes>
+</file>
+
+<file path=ppt/notesSlides/notesSlide17.xml><?xml version="1.0" encoding="utf-8"?>
+<p:notes xmlns:a="http://schemas.openxmlformats.org/drawingml/2006/main" xmlns:r="http://schemas.openxmlformats.org/officeDocument/2006/relationships" xmlns:p="http://schemas.openxmlformats.org/presentationml/2006/main">
+  <p:cSld>
+    <p:spTree>
+      <p:nvGrpSpPr>
+        <p:cNvPr id="1" name=""/>
+        <p:cNvGrpSpPr/>
+        <p:nvPr/>
+      </p:nvGrpSpPr>
+      <p:grpSpPr>
+        <a:xfrm>
+          <a:off x="0" y="0"/>
+          <a:ext cx="0" cy="0"/>
+          <a:chOff x="0" y="0"/>
+          <a:chExt cx="0" cy="0"/>
+        </a:xfrm>
+      </p:grpSpPr>
+      <p:sp>
+        <p:nvSpPr>
+          <p:cNvPr id="2" name="Folienbildplatzhalter 1"/>
+          <p:cNvSpPr>
+            <a:spLocks noGrp="1" noRot="1" noChangeAspect="1"/>
+          </p:cNvSpPr>
+          <p:nvPr>
+            <p:ph type="sldImg"/>
+          </p:nvPr>
+        </p:nvSpPr>
+        <p:spPr/>
+      </p:sp>
+      <p:sp>
+        <p:nvSpPr>
+          <p:cNvPr id="3" name="Notizenplatzhalter 2"/>
+          <p:cNvSpPr>
+            <a:spLocks noGrp="1"/>
+          </p:cNvSpPr>
+          <p:nvPr>
+            <p:ph type="body" idx="1"/>
+          </p:nvPr>
+        </p:nvSpPr>
+        <p:spPr/>
+        <p:txBody>
+          <a:bodyPr/>
+          <a:lstStyle/>
+          <a:p>
+            <a:r>
+              <a:rPr lang="de-DE" dirty="0"/>
+              <a:t>…</a:t>
+            </a:r>
+            <a:r>
+              <a:rPr lang="de-DE" dirty="0" err="1"/>
+              <a:t>extended</a:t>
+            </a:r>
+            <a:r>
+              <a:rPr lang="de-DE" dirty="0"/>
+              <a:t> REs </a:t>
+            </a:r>
+            <a:r>
+              <a:rPr lang="de-DE" dirty="0" err="1"/>
+              <a:t>are</a:t>
+            </a:r>
+            <a:r>
+              <a:rPr lang="de-DE" dirty="0"/>
+              <a:t> not </a:t>
+            </a:r>
+            <a:r>
+              <a:rPr lang="de-DE" dirty="0" err="1"/>
+              <a:t>more</a:t>
+            </a:r>
+            <a:r>
+              <a:rPr lang="de-DE" dirty="0"/>
+              <a:t> expressive, but </a:t>
+            </a:r>
+            <a:r>
+              <a:rPr lang="de-DE" dirty="0" err="1"/>
+              <a:t>they</a:t>
+            </a:r>
+            <a:r>
+              <a:rPr lang="de-DE" dirty="0"/>
+              <a:t> </a:t>
+            </a:r>
+            <a:r>
+              <a:rPr lang="de-DE" dirty="0" err="1"/>
+              <a:t>can</a:t>
+            </a:r>
+            <a:r>
+              <a:rPr lang="de-DE" dirty="0"/>
+              <a:t> </a:t>
+            </a:r>
+            <a:r>
+              <a:rPr lang="de-DE" dirty="0" err="1"/>
+              <a:t>be</a:t>
+            </a:r>
+            <a:r>
+              <a:rPr lang="de-DE" dirty="0"/>
+              <a:t> </a:t>
+            </a:r>
+            <a:r>
+              <a:rPr lang="de-DE" dirty="0" err="1"/>
+              <a:t>much</a:t>
+            </a:r>
+            <a:r>
+              <a:rPr lang="de-DE" dirty="0"/>
+              <a:t> </a:t>
+            </a:r>
+            <a:r>
+              <a:rPr lang="de-DE" dirty="0" err="1"/>
+              <a:t>more</a:t>
+            </a:r>
+            <a:r>
+              <a:rPr lang="de-DE" dirty="0"/>
+              <a:t> </a:t>
+            </a:r>
+            <a:r>
+              <a:rPr lang="de-DE" dirty="0" err="1"/>
+              <a:t>succinct</a:t>
+            </a:r>
+            <a:endParaRPr lang="de-DE" dirty="0"/>
+          </a:p>
+          <a:p>
+            <a:endParaRPr lang="de-DE" dirty="0"/>
+          </a:p>
+          <a:p>
+            <a:r>
+              <a:rPr lang="de-DE" dirty="0"/>
+              <a:t>… and </a:t>
+            </a:r>
+            <a:r>
+              <a:rPr lang="de-DE" dirty="0" err="1"/>
+              <a:t>then</a:t>
+            </a:r>
+            <a:r>
+              <a:rPr lang="de-DE" dirty="0"/>
+              <a:t> </a:t>
+            </a:r>
+            <a:r>
+              <a:rPr lang="de-DE" dirty="0" err="1"/>
+              <a:t>we‘re</a:t>
+            </a:r>
+            <a:r>
+              <a:rPr lang="de-DE" dirty="0"/>
+              <a:t> </a:t>
+            </a:r>
+            <a:r>
+              <a:rPr lang="de-DE" dirty="0" err="1"/>
+              <a:t>done</a:t>
+            </a:r>
+            <a:r>
+              <a:rPr lang="de-DE" dirty="0"/>
+              <a:t> </a:t>
+            </a:r>
+            <a:r>
+              <a:rPr lang="de-DE" dirty="0" err="1"/>
+              <a:t>already</a:t>
+            </a:r>
+            <a:r>
+              <a:rPr lang="de-DE" dirty="0"/>
+              <a:t> </a:t>
+            </a:r>
+            <a:r>
+              <a:rPr lang="de-DE" dirty="0" err="1"/>
+              <a:t>for</a:t>
+            </a:r>
+            <a:r>
+              <a:rPr lang="de-DE" dirty="0"/>
+              <a:t> </a:t>
+            </a:r>
+            <a:r>
+              <a:rPr lang="de-DE" dirty="0" err="1"/>
+              <a:t>the</a:t>
+            </a:r>
+            <a:r>
+              <a:rPr lang="de-DE" dirty="0"/>
+              <a:t> </a:t>
+            </a:r>
+            <a:r>
+              <a:rPr lang="de-DE" dirty="0" err="1"/>
+              <a:t>soundness</a:t>
+            </a:r>
+            <a:r>
+              <a:rPr lang="de-DE" dirty="0"/>
+              <a:t>. </a:t>
+            </a:r>
+          </a:p>
+          <a:p>
+            <a:endParaRPr lang="de-DE" dirty="0"/>
+          </a:p>
+          <a:p>
+            <a:r>
+              <a:rPr lang="de-DE" dirty="0"/>
+              <a:t>As </a:t>
+            </a:r>
+            <a:r>
+              <a:rPr lang="de-DE" dirty="0" err="1"/>
+              <a:t>for</a:t>
+            </a:r>
+            <a:r>
+              <a:rPr lang="de-DE" dirty="0"/>
+              <a:t> </a:t>
+            </a:r>
+            <a:r>
+              <a:rPr lang="de-DE" dirty="0" err="1"/>
+              <a:t>the</a:t>
+            </a:r>
+            <a:r>
+              <a:rPr lang="de-DE" dirty="0"/>
+              <a:t> </a:t>
+            </a:r>
+            <a:r>
+              <a:rPr lang="de-DE" dirty="0" err="1"/>
+              <a:t>termination</a:t>
+            </a:r>
+            <a:r>
+              <a:rPr lang="de-DE" dirty="0"/>
+              <a:t> </a:t>
+            </a:r>
+          </a:p>
+        </p:txBody>
+      </p:sp>
+      <p:sp>
+        <p:nvSpPr>
+          <p:cNvPr id="4" name="Foliennummernplatzhalter 3"/>
+          <p:cNvSpPr>
+            <a:spLocks noGrp="1"/>
+          </p:cNvSpPr>
+          <p:nvPr>
+            <p:ph type="sldNum" sz="quarter" idx="10"/>
+          </p:nvPr>
+        </p:nvSpPr>
+        <p:spPr/>
+        <p:txBody>
+          <a:bodyPr/>
+          <a:lstStyle/>
+          <a:p>
+            <a:fld id="{FAA32559-8951-4C46-A356-FBB9455D7E38}" type="slidenum">
+              <a:rPr lang="de-DE" smtClean="0"/>
+              <a:t>17</a:t>
             </a:fld>
             <a:endParaRPr lang="de-DE"/>
           </a:p>
@@ -1803,15 +2139,103 @@
           <a:p>
             <a:r>
               <a:rPr lang="en-US" dirty="0"/>
-              <a:t>Now the goal is to construct such a </a:t>
+              <a:t>To-do: </a:t>
             </a:r>
             <a:r>
               <a:rPr lang="en-US" dirty="0" err="1"/>
-              <a:t>ps</a:t>
+              <a:t>wirklich</a:t>
+            </a:r>
+            <a:r>
+              <a:rPr lang="en-US" dirty="0"/>
+              <a:t> relevant und </a:t>
+            </a:r>
+            <a:r>
+              <a:rPr lang="en-US" dirty="0" err="1"/>
+              <a:t>leicht</a:t>
             </a:r>
             <a:r>
               <a:rPr lang="en-US" dirty="0"/>
               <a:t> </a:t>
+            </a:r>
+            <a:r>
+              <a:rPr lang="en-US" dirty="0" err="1"/>
+              <a:t>genug</a:t>
+            </a:r>
+            <a:r>
+              <a:rPr lang="en-US" dirty="0"/>
+              <a:t> </a:t>
+            </a:r>
+            <a:r>
+              <a:rPr lang="en-US" dirty="0" err="1"/>
+              <a:t>verständlich</a:t>
+            </a:r>
+            <a:r>
+              <a:rPr lang="en-US" dirty="0"/>
+              <a:t>? </a:t>
+            </a:r>
+            <a:r>
+              <a:rPr lang="en-US" dirty="0" err="1"/>
+              <a:t>Evtl</a:t>
+            </a:r>
+            <a:r>
+              <a:rPr lang="en-US" dirty="0"/>
+              <a:t>. </a:t>
+            </a:r>
+            <a:r>
+              <a:rPr lang="en-US" dirty="0" err="1"/>
+              <a:t>besser</a:t>
+            </a:r>
+            <a:r>
+              <a:rPr lang="en-US" dirty="0"/>
+              <a:t> so </a:t>
+            </a:r>
+            <a:r>
+              <a:rPr lang="en-US" dirty="0" err="1"/>
+              <a:t>erklären</a:t>
+            </a:r>
+            <a:r>
+              <a:rPr lang="en-US" dirty="0"/>
+              <a:t> </a:t>
+            </a:r>
+            <a:r>
+              <a:rPr lang="en-US" dirty="0" err="1"/>
+              <a:t>wie</a:t>
+            </a:r>
+            <a:r>
+              <a:rPr lang="en-US" dirty="0"/>
+              <a:t> der </a:t>
+            </a:r>
+            <a:r>
+              <a:rPr lang="en-US" dirty="0" err="1"/>
+              <a:t>letzte</a:t>
+            </a:r>
+            <a:r>
+              <a:rPr lang="en-US" dirty="0"/>
+              <a:t> </a:t>
+            </a:r>
+            <a:r>
+              <a:rPr lang="en-US" dirty="0" err="1"/>
+              <a:t>Absatz</a:t>
+            </a:r>
+            <a:r>
+              <a:rPr lang="en-US" dirty="0"/>
+              <a:t> </a:t>
+            </a:r>
+            <a:r>
+              <a:rPr lang="en-US" dirty="0" err="1"/>
+              <a:t>vor</a:t>
+            </a:r>
+            <a:r>
+              <a:rPr lang="en-US" dirty="0"/>
+              <a:t> </a:t>
+            </a:r>
+            <a:r>
+              <a:rPr lang="en-US" dirty="0" err="1"/>
+              <a:t>Abschnitt</a:t>
+            </a:r>
+            <a:r>
+              <a:rPr lang="en-US" dirty="0"/>
+              <a:t> 1.1?</a:t>
             </a:r>
           </a:p>
         </p:txBody>
@@ -1842,7 +2266,7 @@
     </p:spTree>
     <p:extLst>
       <p:ext uri="{BB962C8B-B14F-4D97-AF65-F5344CB8AC3E}">
-        <p14:creationId xmlns:p14="http://schemas.microsoft.com/office/powerpoint/2010/main" val="1314377766"/>
+        <p14:creationId xmlns:p14="http://schemas.microsoft.com/office/powerpoint/2010/main" val="3558965081"/>
       </p:ext>
     </p:extLst>
   </p:cSld>
@@ -1897,105 +2321,44 @@
           <a:lstStyle/>
           <a:p>
             <a:r>
+              <a:rPr lang="en-US" dirty="0" err="1"/>
+              <a:t>ps</a:t>
+            </a:r>
+            <a:r>
               <a:rPr lang="en-US" dirty="0"/>
-              <a:t>To-do: </a:t>
+              <a:t> will </a:t>
+            </a:r>
+            <a:r>
+              <a:rPr lang="en-US"/>
+              <a:t>be relation, a </a:t>
+            </a:r>
+            <a:r>
+              <a:rPr lang="en-US" dirty="0"/>
+              <a:t>list of pairs (or set of pairs if you want)</a:t>
+            </a:r>
+          </a:p>
+          <a:p>
+            <a:endParaRPr lang="en-US" dirty="0"/>
+          </a:p>
+          <a:p>
+            <a:r>
+              <a:rPr lang="en-US" dirty="0"/>
+              <a:t>And we will only prove this direction</a:t>
+            </a:r>
+          </a:p>
+          <a:p>
+            <a:endParaRPr lang="en-US" dirty="0"/>
+          </a:p>
+          <a:p>
+            <a:r>
+              <a:rPr lang="en-US" dirty="0"/>
+              <a:t>Now the goal is to construct such a </a:t>
             </a:r>
             <a:r>
               <a:rPr lang="en-US" dirty="0" err="1"/>
-              <a:t>wirklich</a:t>
-            </a:r>
-            <a:r>
-              <a:rPr lang="en-US" dirty="0"/>
-              <a:t> relevant und </a:t>
-            </a:r>
-            <a:r>
-              <a:rPr lang="en-US" dirty="0" err="1"/>
-              <a:t>leicht</a:t>
-            </a:r>
-            <a:r>
-              <a:rPr lang="en-US" dirty="0"/>
-              <a:t> </a:t>
-            </a:r>
-            <a:r>
-              <a:rPr lang="en-US" dirty="0" err="1"/>
-              <a:t>genug</a:t>
-            </a:r>
-            <a:r>
-              <a:rPr lang="en-US" dirty="0"/>
-              <a:t> </a:t>
-            </a:r>
-            <a:r>
-              <a:rPr lang="en-US" dirty="0" err="1"/>
-              <a:t>verständlich</a:t>
-            </a:r>
-            <a:r>
-              <a:rPr lang="en-US" dirty="0"/>
-              <a:t>? </a:t>
-            </a:r>
-            <a:r>
-              <a:rPr lang="en-US" dirty="0" err="1"/>
-              <a:t>Evtl</a:t>
-            </a:r>
-            <a:r>
-              <a:rPr lang="en-US" dirty="0"/>
-              <a:t>. </a:t>
-            </a:r>
-            <a:r>
-              <a:rPr lang="en-US" dirty="0" err="1"/>
-              <a:t>besser</a:t>
-            </a:r>
-            <a:r>
-              <a:rPr lang="en-US" dirty="0"/>
-              <a:t> so </a:t>
-            </a:r>
-            <a:r>
-              <a:rPr lang="en-US" dirty="0" err="1"/>
-              <a:t>erklären</a:t>
-            </a:r>
-            <a:r>
-              <a:rPr lang="en-US" dirty="0"/>
-              <a:t> </a:t>
-            </a:r>
-            <a:r>
-              <a:rPr lang="en-US" dirty="0" err="1"/>
-              <a:t>wie</a:t>
-            </a:r>
-            <a:r>
-              <a:rPr lang="en-US" dirty="0"/>
-              <a:t> der </a:t>
-            </a:r>
-            <a:r>
-              <a:rPr lang="en-US" dirty="0" err="1"/>
-              <a:t>letzte</a:t>
-            </a:r>
-            <a:r>
-              <a:rPr lang="en-US" dirty="0"/>
-              <a:t> </a:t>
-            </a:r>
-            <a:r>
-              <a:rPr lang="en-US" dirty="0" err="1"/>
-              <a:t>Absatz</a:t>
-            </a:r>
-            <a:r>
-              <a:rPr lang="en-US" dirty="0"/>
-              <a:t> </a:t>
-            </a:r>
-            <a:r>
-              <a:rPr lang="en-US" dirty="0" err="1"/>
-              <a:t>vor</a:t>
-            </a:r>
-            <a:r>
-              <a:rPr lang="en-US" dirty="0"/>
-              <a:t> </a:t>
-            </a:r>
-            <a:r>
-              <a:rPr lang="en-US" dirty="0" err="1"/>
-              <a:t>Abschnitt</a:t>
-            </a:r>
-            <a:r>
-              <a:rPr lang="en-US" dirty="0"/>
-              <a:t> 1.1?</a:t>
-            </a:r>
+              <a:t>ps</a:t>
+            </a:r>
+            <a:endParaRPr lang="en-US" dirty="0"/>
           </a:p>
         </p:txBody>
       </p:sp>
@@ -2025,7 +2388,7 @@
     </p:spTree>
     <p:extLst>
       <p:ext uri="{BB962C8B-B14F-4D97-AF65-F5344CB8AC3E}">
-        <p14:creationId xmlns:p14="http://schemas.microsoft.com/office/powerpoint/2010/main" val="3558965081"/>
+        <p14:creationId xmlns:p14="http://schemas.microsoft.com/office/powerpoint/2010/main" val="1314377766"/>
       </p:ext>
     </p:extLst>
   </p:cSld>
@@ -2181,7 +2544,7 @@
             </a:r>
             <a:r>
               <a:rPr lang="en-US" dirty="0" err="1"/>
-              <a:t>Bisiumlation</a:t>
+              <a:t>Bisimulation</a:t>
             </a:r>
             <a:r>
               <a:rPr lang="en-US" dirty="0"/>
@@ -6295,56 +6658,64 @@
             </a:pPr>
             <a:r>
               <a:rPr lang="en-US" dirty="0"/>
-              <a:t>Assume a definition</a:t>
-            </a:r>
+              <a:t>Assume we have a function that iterates a step </a:t>
+            </a:r>
+            <a:r>
+              <a:rPr lang="en-US" dirty="0">
+                <a:latin typeface="Lucida Bright" panose="02040602050505020304" pitchFamily="18" charset="0"/>
+              </a:rPr>
+              <a:t>s</a:t>
+            </a:r>
+            <a:r>
+              <a:rPr lang="en-US" dirty="0"/>
+              <a:t> until a test </a:t>
+            </a:r>
+            <a:r>
+              <a:rPr lang="en-US" dirty="0">
+                <a:latin typeface="Lucida Bright" panose="02040602050505020304" pitchFamily="18" charset="0"/>
+              </a:rPr>
+              <a:t>t</a:t>
+            </a:r>
+            <a:r>
+              <a:rPr lang="en-US" dirty="0"/>
+              <a:t> fails:</a:t>
+            </a:r>
+            <a:endParaRPr lang="en-GB" sz="2400" dirty="0"/>
           </a:p>
           <a:p>
             <a:pPr marL="0" indent="0">
               <a:buNone/>
             </a:pPr>
-            <a:r>
-              <a:rPr lang="en-GB" dirty="0"/>
+            <a:br>
+              <a:rPr lang="en-GB" sz="2400" dirty="0"/>
+            </a:br>
+            <a:r>
+              <a:rPr lang="en-GB" sz="2400" dirty="0">
+                <a:latin typeface="Lucida Bright" panose="02040602050505020304" pitchFamily="18" charset="0"/>
+              </a:rPr>
               <a:t>fun </a:t>
             </a:r>
             <a:r>
-              <a:rPr lang="en-GB" dirty="0">
+              <a:rPr lang="en-GB" sz="2400" i="1" dirty="0">
                 <a:latin typeface="Lucida Bright" panose="02040602050505020304" pitchFamily="18" charset="0"/>
               </a:rPr>
               <a:t>while</a:t>
             </a:r>
             <a:r>
-              <a:rPr lang="en-GB" dirty="0"/>
-              <a:t> where </a:t>
-            </a:r>
-            <a:r>
-              <a:rPr lang="en-GB" dirty="0">
+              <a:rPr lang="en-GB" sz="2400" dirty="0">
                 <a:latin typeface="Lucida Bright" panose="02040602050505020304" pitchFamily="18" charset="0"/>
               </a:rPr>
-              <a:t>while </a:t>
-            </a:r>
-            <a:r>
-              <a:rPr lang="en-GB" dirty="0" err="1">
+              <a:t> where</a:t>
+            </a:r>
+            <a:r>
+              <a:rPr lang="en-GB" sz="2400" dirty="0"/>
+              <a:t> </a:t>
+            </a:r>
+            <a:r>
+              <a:rPr lang="en-GB" sz="2400" i="1" dirty="0">
                 <a:latin typeface="Lucida Bright" panose="02040602050505020304" pitchFamily="18" charset="0"/>
               </a:rPr>
-              <a:t>tst</a:t>
-            </a:r>
-            <a:r>
-              <a:rPr lang="en-GB" dirty="0">
-                <a:latin typeface="Lucida Bright" panose="02040602050505020304" pitchFamily="18" charset="0"/>
-              </a:rPr>
-              <a:t> </a:t>
-            </a:r>
-            <a:r>
-              <a:rPr lang="en-GB" dirty="0" err="1">
-                <a:latin typeface="Lucida Bright" panose="02040602050505020304" pitchFamily="18" charset="0"/>
-              </a:rPr>
-              <a:t>stp</a:t>
-            </a:r>
-            <a:r>
-              <a:rPr lang="en-GB" dirty="0">
-                <a:latin typeface="Lucida Bright" panose="02040602050505020304" pitchFamily="18" charset="0"/>
-              </a:rPr>
-              <a:t> state =</a:t>
+              <a:t>while t s state =</a:t>
             </a:r>
           </a:p>
           <a:p>
@@ -6352,67 +6723,11 @@
               <a:buNone/>
             </a:pPr>
             <a:r>
-              <a:rPr lang="en-GB" dirty="0">
+              <a:rPr lang="en-GB" i="1" dirty="0">
                 <a:latin typeface="Lucida Bright" panose="02040602050505020304" pitchFamily="18" charset="0"/>
               </a:rPr>
-              <a:t>	(if </a:t>
-            </a:r>
-            <a:r>
-              <a:rPr lang="en-GB" dirty="0" err="1">
-                <a:latin typeface="Lucida Bright" panose="02040602050505020304" pitchFamily="18" charset="0"/>
-              </a:rPr>
-              <a:t>tst</a:t>
-            </a:r>
-            <a:r>
-              <a:rPr lang="en-GB" dirty="0">
-                <a:latin typeface="Lucida Bright" panose="02040602050505020304" pitchFamily="18" charset="0"/>
-              </a:rPr>
-              <a:t> state then while </a:t>
-            </a:r>
-            <a:r>
-              <a:rPr lang="en-GB" dirty="0" err="1">
-                <a:latin typeface="Lucida Bright" panose="02040602050505020304" pitchFamily="18" charset="0"/>
-              </a:rPr>
-              <a:t>tst</a:t>
-            </a:r>
-            <a:r>
-              <a:rPr lang="en-GB" dirty="0">
-                <a:latin typeface="Lucida Bright" panose="02040602050505020304" pitchFamily="18" charset="0"/>
-              </a:rPr>
-              <a:t> </a:t>
-            </a:r>
-            <a:r>
-              <a:rPr lang="en-GB" dirty="0" err="1">
-                <a:latin typeface="Lucida Bright" panose="02040602050505020304" pitchFamily="18" charset="0"/>
-              </a:rPr>
-              <a:t>stp</a:t>
-            </a:r>
-            <a:r>
-              <a:rPr lang="en-GB" dirty="0">
-                <a:latin typeface="Lucida Bright" panose="02040602050505020304" pitchFamily="18" charset="0"/>
-              </a:rPr>
-              <a:t> (</a:t>
-            </a:r>
-            <a:r>
-              <a:rPr lang="en-GB" dirty="0" err="1">
-                <a:latin typeface="Lucida Bright" panose="02040602050505020304" pitchFamily="18" charset="0"/>
-              </a:rPr>
-              <a:t>stp</a:t>
-            </a:r>
-            <a:r>
-              <a:rPr lang="en-GB" dirty="0">
-                <a:latin typeface="Lucida Bright" panose="02040602050505020304" pitchFamily="18" charset="0"/>
-              </a:rPr>
-              <a:t> state) else state)</a:t>
-            </a:r>
-          </a:p>
-          <a:p>
-            <a:pPr marL="457200" lvl="1" indent="0">
-              <a:buNone/>
-            </a:pPr>
-            <a:endParaRPr lang="en-GB" dirty="0">
-              <a:latin typeface="Lucida Bright" panose="02040602050505020304" pitchFamily="18" charset="0"/>
-            </a:endParaRPr>
+              <a:t>	(if t s then while t s (s state) else state)</a:t>
+            </a:r>
           </a:p>
           <a:p>
             <a:pPr marL="0" indent="0">
@@ -6429,7 +6744,7 @@
               <a:t>In our case, </a:t>
             </a:r>
             <a:r>
-              <a:rPr lang="en-US" dirty="0">
+              <a:rPr lang="en-US" i="1" dirty="0">
                 <a:latin typeface="Lucida Bright" panose="02040602050505020304" pitchFamily="18" charset="0"/>
               </a:rPr>
               <a:t>state</a:t>
@@ -6448,55 +6763,108 @@
               <a:t>	</a:t>
             </a:r>
             <a:r>
-              <a:rPr lang="en-US" dirty="0">
+              <a:rPr lang="en-US" i="1" dirty="0">
                 <a:latin typeface="Lucida Bright" panose="02040602050505020304" pitchFamily="18" charset="0"/>
               </a:rPr>
-              <a:t>('a </a:t>
-            </a:r>
-            <a:r>
-              <a:rPr lang="en-US" dirty="0" err="1">
+              <a:t>(</a:t>
+            </a:r>
+            <a:r>
+              <a:rPr lang="el-GR" sz="3200" i="1" dirty="0">
+                <a:latin typeface="Times New Roman" panose="02020603050405020304" pitchFamily="18" charset="0"/>
+                <a:cs typeface="Times New Roman" panose="02020603050405020304" pitchFamily="18" charset="0"/>
+              </a:rPr>
+              <a:t>α</a:t>
+            </a:r>
+            <a:r>
+              <a:rPr lang="en-US" i="1" dirty="0">
+                <a:latin typeface="Lucida Bright" panose="02040602050505020304" pitchFamily="18" charset="0"/>
+              </a:rPr>
+              <a:t> </a:t>
+            </a:r>
+            <a:r>
+              <a:rPr lang="en-US" i="1" dirty="0" err="1">
                 <a:latin typeface="Lucida Bright" panose="02040602050505020304" pitchFamily="18" charset="0"/>
               </a:rPr>
               <a:t>rexp</a:t>
             </a:r>
             <a:r>
-              <a:rPr lang="en-US" dirty="0">
+              <a:rPr lang="en-US" i="1" dirty="0">
                 <a:latin typeface="Lucida Bright" panose="02040602050505020304" pitchFamily="18" charset="0"/>
               </a:rPr>
-              <a:t> × 'a </a:t>
-            </a:r>
-            <a:r>
-              <a:rPr lang="en-US" dirty="0" err="1">
+              <a:t> × </a:t>
+            </a:r>
+            <a:r>
+              <a:rPr lang="el-GR" sz="3200" i="1" dirty="0">
+                <a:latin typeface="Times New Roman" panose="02020603050405020304" pitchFamily="18" charset="0"/>
+                <a:cs typeface="Times New Roman" panose="02020603050405020304" pitchFamily="18" charset="0"/>
+              </a:rPr>
+              <a:t>α</a:t>
+            </a:r>
+            <a:r>
+              <a:rPr lang="en-US" i="1" dirty="0">
+                <a:latin typeface="Lucida Bright" panose="02040602050505020304" pitchFamily="18" charset="0"/>
+              </a:rPr>
+              <a:t> </a:t>
+            </a:r>
+            <a:r>
+              <a:rPr lang="en-US" i="1" dirty="0" err="1">
                 <a:latin typeface="Lucida Bright" panose="02040602050505020304" pitchFamily="18" charset="0"/>
               </a:rPr>
               <a:t>rexp</a:t>
             </a:r>
             <a:r>
-              <a:rPr lang="en-US" dirty="0">
+              <a:rPr lang="en-US" i="1" dirty="0">
                 <a:latin typeface="Lucida Bright" panose="02040602050505020304" pitchFamily="18" charset="0"/>
               </a:rPr>
-              <a:t>) list × ('a </a:t>
-            </a:r>
-            <a:r>
-              <a:rPr lang="en-US" dirty="0" err="1">
+              <a:t>) list × (</a:t>
+            </a:r>
+            <a:r>
+              <a:rPr lang="el-GR" sz="3200" i="1" dirty="0">
+                <a:latin typeface="Times New Roman" panose="02020603050405020304" pitchFamily="18" charset="0"/>
+                <a:cs typeface="Times New Roman" panose="02020603050405020304" pitchFamily="18" charset="0"/>
+              </a:rPr>
+              <a:t>α</a:t>
+            </a:r>
+            <a:r>
+              <a:rPr lang="de-DE" i="1" dirty="0">
+                <a:latin typeface="Times New Roman" panose="02020603050405020304" pitchFamily="18" charset="0"/>
+                <a:cs typeface="Times New Roman" panose="02020603050405020304" pitchFamily="18" charset="0"/>
+              </a:rPr>
+              <a:t> </a:t>
+            </a:r>
+            <a:r>
+              <a:rPr lang="en-US" i="1" dirty="0" err="1">
                 <a:latin typeface="Lucida Bright" panose="02040602050505020304" pitchFamily="18" charset="0"/>
               </a:rPr>
               <a:t>rexp</a:t>
             </a:r>
             <a:r>
-              <a:rPr lang="en-US" dirty="0">
+              <a:rPr lang="en-US" i="1" dirty="0">
                 <a:latin typeface="Lucida Bright" panose="02040602050505020304" pitchFamily="18" charset="0"/>
               </a:rPr>
-              <a:t> × 'a </a:t>
-            </a:r>
-            <a:r>
-              <a:rPr lang="en-US" dirty="0" err="1">
+              <a:t> × </a:t>
+            </a:r>
+            <a:r>
+              <a:rPr lang="el-GR" sz="3200" i="1" dirty="0">
+                <a:latin typeface="Times New Roman" panose="02020603050405020304" pitchFamily="18" charset="0"/>
+                <a:cs typeface="Times New Roman" panose="02020603050405020304" pitchFamily="18" charset="0"/>
+              </a:rPr>
+              <a:t>α</a:t>
+            </a:r>
+            <a:r>
+              <a:rPr lang="en-US" i="1" dirty="0">
+                <a:latin typeface="Lucida Bright" panose="02040602050505020304" pitchFamily="18" charset="0"/>
+              </a:rPr>
+              <a:t> </a:t>
+            </a:r>
+            <a:r>
+              <a:rPr lang="en-US" i="1" dirty="0" err="1">
                 <a:latin typeface="Lucida Bright" panose="02040602050505020304" pitchFamily="18" charset="0"/>
               </a:rPr>
               <a:t>rexp</a:t>
             </a:r>
             <a:r>
-              <a:rPr lang="en-US" dirty="0">
+              <a:rPr lang="en-US" i="1" dirty="0">
                 <a:latin typeface="Lucida Bright" panose="02040602050505020304" pitchFamily="18" charset="0"/>
               </a:rPr>
               <a:t>) list</a:t>
@@ -6539,7 +6907,7 @@
           <p:cNvPr id="2" name="Titel 1">
             <a:extLst>
               <a:ext uri="{FF2B5EF4-FFF2-40B4-BE49-F238E27FC236}">
-                <a16:creationId xmlns:a16="http://schemas.microsoft.com/office/drawing/2014/main" id="{ACA67C1E-2545-499C-967A-F415723CDE4C}"/>
+                <a16:creationId xmlns:a16="http://schemas.microsoft.com/office/drawing/2014/main" id="{6308764C-5A53-4A40-86AB-AFF027DC3399}"/>
               </a:ext>
             </a:extLst>
           </p:cNvPr>
@@ -6557,359 +6925,285 @@
           <a:p>
             <a:r>
               <a:rPr lang="en-US" dirty="0"/>
-              <a:t>Step and Test</a:t>
-            </a:r>
-          </a:p>
-        </p:txBody>
-      </p:sp>
-      <p:sp>
-        <p:nvSpPr>
-          <p:cNvPr id="3" name="Inhaltsplatzhalter 2">
-            <a:extLst>
-              <a:ext uri="{FF2B5EF4-FFF2-40B4-BE49-F238E27FC236}">
-                <a16:creationId xmlns:a16="http://schemas.microsoft.com/office/drawing/2014/main" id="{5347057A-69F6-409A-ACFA-8AB16AFEBA07}"/>
-              </a:ext>
-            </a:extLst>
-          </p:cNvPr>
-          <p:cNvSpPr>
-            <a:spLocks noGrp="1"/>
-          </p:cNvSpPr>
-          <p:nvPr>
-            <p:ph idx="1"/>
-          </p:nvPr>
-        </p:nvSpPr>
-        <p:spPr/>
-        <p:txBody>
-          <a:bodyPr>
-            <a:normAutofit fontScale="92500"/>
-          </a:bodyPr>
-          <a:lstStyle/>
-          <a:p>
-            <a:pPr marL="0" indent="0">
-              <a:buNone/>
-            </a:pPr>
-            <a:r>
-              <a:rPr lang="en-GB" dirty="0"/>
-              <a:t>fun </a:t>
-            </a:r>
-            <a:r>
-              <a:rPr lang="en-GB" dirty="0" err="1">
-                <a:latin typeface="Lucida Bright" panose="02040602050505020304" pitchFamily="18" charset="0"/>
-              </a:rPr>
-              <a:t>stp</a:t>
-            </a:r>
-            <a:r>
-              <a:rPr lang="en-GB" dirty="0"/>
-              <a:t> where </a:t>
-            </a:r>
-            <a:r>
-              <a:rPr lang="en-GB" dirty="0" err="1">
-                <a:latin typeface="Lucida Bright" panose="02040602050505020304" pitchFamily="18" charset="0"/>
-              </a:rPr>
-              <a:t>stp</a:t>
-            </a:r>
-            <a:r>
-              <a:rPr lang="en-GB" dirty="0">
-                <a:latin typeface="Lucida Bright" panose="02040602050505020304" pitchFamily="18" charset="0"/>
-              </a:rPr>
-              <a:t> as (</a:t>
-            </a:r>
-            <a:r>
-              <a:rPr lang="en-GB" dirty="0" err="1">
-                <a:latin typeface="Lucida Bright" panose="02040602050505020304" pitchFamily="18" charset="0"/>
-              </a:rPr>
-              <a:t>ws</a:t>
-            </a:r>
-            <a:r>
-              <a:rPr lang="en-GB" dirty="0">
-                <a:latin typeface="Lucida Bright" panose="02040602050505020304" pitchFamily="18" charset="0"/>
-              </a:rPr>
-              <a:t>, </a:t>
-            </a:r>
-            <a:r>
-              <a:rPr lang="en-GB" dirty="0" err="1">
-                <a:latin typeface="Lucida Bright" panose="02040602050505020304" pitchFamily="18" charset="0"/>
-              </a:rPr>
-              <a:t>ps</a:t>
-            </a:r>
-            <a:r>
-              <a:rPr lang="en-GB" dirty="0">
-                <a:latin typeface="Lucida Bright" panose="02040602050505020304" pitchFamily="18" charset="0"/>
-              </a:rPr>
-              <a:t>) =</a:t>
-            </a:r>
-          </a:p>
-          <a:p>
-            <a:pPr marL="0" indent="0">
-              <a:buNone/>
-            </a:pPr>
-            <a:r>
-              <a:rPr lang="en-GB" dirty="0">
-                <a:latin typeface="Lucida Bright" panose="02040602050505020304" pitchFamily="18" charset="0"/>
-              </a:rPr>
-              <a:t>  (let </a:t>
-            </a:r>
-            <a:r>
-              <a:rPr lang="en-GB" dirty="0" err="1">
-                <a:latin typeface="Lucida Bright" panose="02040602050505020304" pitchFamily="18" charset="0"/>
-              </a:rPr>
-              <a:t>ps'</a:t>
-            </a:r>
-            <a:r>
-              <a:rPr lang="en-GB" dirty="0">
-                <a:latin typeface="Lucida Bright" panose="02040602050505020304" pitchFamily="18" charset="0"/>
-              </a:rPr>
-              <a:t> = </a:t>
-            </a:r>
-            <a:r>
-              <a:rPr lang="en-GB" dirty="0" err="1">
-                <a:latin typeface="Lucida Bright" panose="02040602050505020304" pitchFamily="18" charset="0"/>
-              </a:rPr>
-              <a:t>hd</a:t>
-            </a:r>
-            <a:r>
-              <a:rPr lang="en-GB" dirty="0">
-                <a:latin typeface="Lucida Bright" panose="02040602050505020304" pitchFamily="18" charset="0"/>
-              </a:rPr>
-              <a:t> </a:t>
-            </a:r>
-            <a:r>
-              <a:rPr lang="en-GB" dirty="0" err="1">
-                <a:latin typeface="Lucida Bright" panose="02040602050505020304" pitchFamily="18" charset="0"/>
-              </a:rPr>
-              <a:t>ws</a:t>
-            </a:r>
-            <a:r>
-              <a:rPr lang="en-GB" dirty="0">
-                <a:latin typeface="Lucida Bright" panose="02040602050505020304" pitchFamily="18" charset="0"/>
-              </a:rPr>
-              <a:t> # </a:t>
-            </a:r>
-            <a:r>
-              <a:rPr lang="en-GB" dirty="0" err="1">
-                <a:latin typeface="Lucida Bright" panose="02040602050505020304" pitchFamily="18" charset="0"/>
-              </a:rPr>
-              <a:t>ps</a:t>
-            </a:r>
-            <a:r>
-              <a:rPr lang="en-GB" dirty="0">
-                <a:latin typeface="Lucida Bright" panose="02040602050505020304" pitchFamily="18" charset="0"/>
-              </a:rPr>
-              <a:t>;</a:t>
-            </a:r>
-          </a:p>
-          <a:p>
-            <a:pPr marL="0" indent="0">
-              <a:buNone/>
-            </a:pPr>
-            <a:r>
-              <a:rPr lang="en-GB" dirty="0">
-                <a:latin typeface="Lucida Bright" panose="02040602050505020304" pitchFamily="18" charset="0"/>
-              </a:rPr>
-              <a:t>    new = [</a:t>
-            </a:r>
-            <a:r>
-              <a:rPr lang="en-GB" dirty="0" err="1">
-                <a:latin typeface="Lucida Bright" panose="02040602050505020304" pitchFamily="18" charset="0"/>
-              </a:rPr>
-              <a:t>p←succs</a:t>
-            </a:r>
-            <a:r>
-              <a:rPr lang="en-GB" dirty="0">
-                <a:latin typeface="Lucida Bright" panose="02040602050505020304" pitchFamily="18" charset="0"/>
-              </a:rPr>
-              <a:t> as (</a:t>
-            </a:r>
-            <a:r>
-              <a:rPr lang="en-GB" dirty="0" err="1">
-                <a:latin typeface="Lucida Bright" panose="02040602050505020304" pitchFamily="18" charset="0"/>
-              </a:rPr>
-              <a:t>hd</a:t>
-            </a:r>
-            <a:r>
-              <a:rPr lang="en-GB" dirty="0">
-                <a:latin typeface="Lucida Bright" panose="02040602050505020304" pitchFamily="18" charset="0"/>
-              </a:rPr>
-              <a:t> </a:t>
-            </a:r>
-            <a:r>
-              <a:rPr lang="en-GB" dirty="0" err="1">
-                <a:latin typeface="Lucida Bright" panose="02040602050505020304" pitchFamily="18" charset="0"/>
-              </a:rPr>
-              <a:t>ws</a:t>
-            </a:r>
-            <a:r>
-              <a:rPr lang="en-GB" dirty="0">
-                <a:latin typeface="Lucida Bright" panose="02040602050505020304" pitchFamily="18" charset="0"/>
-              </a:rPr>
-              <a:t>) . p ∉ set </a:t>
-            </a:r>
-            <a:r>
-              <a:rPr lang="en-GB" dirty="0" err="1">
-                <a:latin typeface="Lucida Bright" panose="02040602050505020304" pitchFamily="18" charset="0"/>
-              </a:rPr>
-              <a:t>ps'</a:t>
-            </a:r>
-            <a:r>
-              <a:rPr lang="en-GB" dirty="0">
-                <a:latin typeface="Lucida Bright" panose="02040602050505020304" pitchFamily="18" charset="0"/>
-              </a:rPr>
-              <a:t> ∪ set </a:t>
-            </a:r>
-            <a:r>
-              <a:rPr lang="en-GB" dirty="0" err="1">
-                <a:latin typeface="Lucida Bright" panose="02040602050505020304" pitchFamily="18" charset="0"/>
-              </a:rPr>
-              <a:t>ws</a:t>
-            </a:r>
-            <a:r>
-              <a:rPr lang="en-GB" dirty="0">
-                <a:latin typeface="Lucida Bright" panose="02040602050505020304" pitchFamily="18" charset="0"/>
-              </a:rPr>
-              <a:t>]</a:t>
-            </a:r>
-          </a:p>
-          <a:p>
-            <a:pPr marL="0" indent="0">
-              <a:buNone/>
-            </a:pPr>
-            <a:r>
-              <a:rPr lang="en-GB" dirty="0">
-                <a:latin typeface="Lucida Bright" panose="02040602050505020304" pitchFamily="18" charset="0"/>
-              </a:rPr>
-              <a:t>  in (new @ </a:t>
-            </a:r>
-            <a:r>
-              <a:rPr lang="en-GB" dirty="0" err="1">
-                <a:latin typeface="Lucida Bright" panose="02040602050505020304" pitchFamily="18" charset="0"/>
-              </a:rPr>
-              <a:t>tl</a:t>
-            </a:r>
-            <a:r>
-              <a:rPr lang="en-GB" dirty="0">
-                <a:latin typeface="Lucida Bright" panose="02040602050505020304" pitchFamily="18" charset="0"/>
-              </a:rPr>
-              <a:t> </a:t>
-            </a:r>
-            <a:r>
-              <a:rPr lang="en-GB" dirty="0" err="1">
-                <a:latin typeface="Lucida Bright" panose="02040602050505020304" pitchFamily="18" charset="0"/>
-              </a:rPr>
-              <a:t>ws</a:t>
-            </a:r>
-            <a:r>
-              <a:rPr lang="en-GB" dirty="0">
-                <a:latin typeface="Lucida Bright" panose="02040602050505020304" pitchFamily="18" charset="0"/>
-              </a:rPr>
-              <a:t>, </a:t>
-            </a:r>
-            <a:r>
-              <a:rPr lang="en-GB" dirty="0" err="1">
-                <a:latin typeface="Lucida Bright" panose="02040602050505020304" pitchFamily="18" charset="0"/>
-              </a:rPr>
-              <a:t>ps'</a:t>
-            </a:r>
-            <a:r>
-              <a:rPr lang="en-GB" dirty="0">
-                <a:latin typeface="Lucida Bright" panose="02040602050505020304" pitchFamily="18" charset="0"/>
-              </a:rPr>
-              <a:t>))</a:t>
-            </a:r>
-            <a:endParaRPr lang="en-GB" dirty="0"/>
-          </a:p>
-          <a:p>
-            <a:pPr marL="0" indent="0">
-              <a:buNone/>
-            </a:pPr>
-            <a:endParaRPr lang="en-US" dirty="0"/>
-          </a:p>
-          <a:p>
-            <a:pPr marL="0" indent="0">
-              <a:buNone/>
-            </a:pPr>
-            <a:r>
-              <a:rPr lang="en-US" dirty="0"/>
-              <a:t>…where </a:t>
-            </a:r>
-            <a:r>
-              <a:rPr lang="pt-BR" dirty="0">
-                <a:latin typeface="Lucida Bright" panose="02040602050505020304" pitchFamily="18" charset="0"/>
-              </a:rPr>
-              <a:t>succs as (r, s) = map (λa. (nderiv a r, nderiv a s)) as</a:t>
-            </a:r>
-          </a:p>
-          <a:p>
-            <a:pPr marL="0" indent="0">
-              <a:buNone/>
-            </a:pPr>
-            <a:endParaRPr lang="pt-BR" dirty="0">
-              <a:latin typeface="+mj-lt"/>
-            </a:endParaRPr>
-          </a:p>
-          <a:p>
-            <a:pPr marL="0" indent="0">
-              <a:buNone/>
-            </a:pPr>
-            <a:r>
-              <a:rPr lang="en-US" dirty="0">
-                <a:latin typeface="Lucida Bright" panose="02040602050505020304" pitchFamily="18" charset="0"/>
-              </a:rPr>
-              <a:t>test (</a:t>
-            </a:r>
-            <a:r>
-              <a:rPr lang="en-US" dirty="0" err="1">
-                <a:latin typeface="Lucida Bright" panose="02040602050505020304" pitchFamily="18" charset="0"/>
-              </a:rPr>
-              <a:t>ws</a:t>
-            </a:r>
-            <a:r>
-              <a:rPr lang="en-US" dirty="0">
-                <a:latin typeface="Lucida Bright" panose="02040602050505020304" pitchFamily="18" charset="0"/>
-              </a:rPr>
-              <a:t>,_) ⟷</a:t>
-            </a:r>
-          </a:p>
-          <a:p>
-            <a:pPr marL="0" indent="0">
-              <a:buNone/>
-            </a:pPr>
-            <a:r>
-              <a:rPr lang="en-US" dirty="0">
-                <a:latin typeface="Lucida Bright" panose="02040602050505020304" pitchFamily="18" charset="0"/>
-              </a:rPr>
-              <a:t>	(case </a:t>
-            </a:r>
-            <a:r>
-              <a:rPr lang="en-US" dirty="0" err="1">
-                <a:latin typeface="Lucida Bright" panose="02040602050505020304" pitchFamily="18" charset="0"/>
-              </a:rPr>
-              <a:t>ws</a:t>
-            </a:r>
-            <a:r>
-              <a:rPr lang="en-US" dirty="0">
-                <a:latin typeface="Lucida Bright" panose="02040602050505020304" pitchFamily="18" charset="0"/>
-              </a:rPr>
-              <a:t> of [] ⇒ False | (p, q)#vs ⇒ nullable p ⟷ nullable q)</a:t>
-            </a:r>
-          </a:p>
-          <a:p>
-            <a:pPr marL="0" indent="0">
-              <a:buNone/>
-            </a:pPr>
-            <a:endParaRPr lang="en-US" dirty="0"/>
-          </a:p>
-          <a:p>
-            <a:pPr marL="0" indent="0">
-              <a:buNone/>
-            </a:pPr>
-            <a:endParaRPr lang="en-US" dirty="0"/>
-          </a:p>
-        </p:txBody>
-      </p:sp>
+              <a:t>step</a:t>
+            </a:r>
+          </a:p>
+        </p:txBody>
+      </p:sp>
+      <mc:AlternateContent xmlns:mc="http://schemas.openxmlformats.org/markup-compatibility/2006">
+        <mc:Choice xmlns:a14="http://schemas.microsoft.com/office/drawing/2010/main" Requires="a14">
+          <p:sp>
+            <p:nvSpPr>
+              <p:cNvPr id="3" name="Inhaltsplatzhalter 2">
+                <a:extLst>
+                  <a:ext uri="{FF2B5EF4-FFF2-40B4-BE49-F238E27FC236}">
+                    <a16:creationId xmlns:a16="http://schemas.microsoft.com/office/drawing/2014/main" id="{95585F86-E91B-4947-B7FD-2870701F8929}"/>
+                  </a:ext>
+                </a:extLst>
+              </p:cNvPr>
+              <p:cNvSpPr>
+                <a:spLocks noGrp="1"/>
+              </p:cNvSpPr>
+              <p:nvPr>
+                <p:ph idx="1"/>
+              </p:nvPr>
+            </p:nvSpPr>
+            <p:spPr/>
+            <p:txBody>
+              <a:bodyPr/>
+              <a:lstStyle/>
+              <a:p>
+                <a:r>
+                  <a:rPr lang="en-US" dirty="0"/>
+                  <a:t>A pair</a:t>
+                </a:r>
+                <a:r>
+                  <a:rPr lang="de-DE" i="1" dirty="0">
+                    <a:latin typeface="Cambria Math" panose="02040503050406030204" pitchFamily="18" charset="0"/>
+                    <a:ea typeface="Cambria Math" panose="02040503050406030204" pitchFamily="18" charset="0"/>
+                  </a:rPr>
+                  <a:t>(r, s) </a:t>
+                </a:r>
+                <a:r>
+                  <a:rPr lang="en-US" dirty="0"/>
+                  <a:t>from the work set is processed</a:t>
+                </a:r>
+              </a:p>
+              <a:p>
+                <a:r>
+                  <a:rPr lang="en-US" dirty="0"/>
+                  <a:t>All pairs that are missing for the </a:t>
+                </a:r>
+                <a:r>
+                  <a:rPr lang="en-US" dirty="0" err="1"/>
+                  <a:t>bisimulation</a:t>
+                </a:r>
+                <a:r>
+                  <a:rPr lang="en-US" dirty="0"/>
+                  <a:t> property</a:t>
+                </a:r>
+              </a:p>
+              <a:p>
+                <a:pPr marL="0" indent="0">
+                  <a:buNone/>
+                </a:pPr>
+                <a:r>
+                  <a:rPr lang="pt-BR" dirty="0"/>
+                  <a:t>		∀a∈set as. </a:t>
+                </a:r>
+                <a:r>
+                  <a:rPr lang="de-DE" i="1" dirty="0">
+                    <a:latin typeface="Cambria Math" panose="02040503050406030204" pitchFamily="18" charset="0"/>
+                    <a:ea typeface="Cambria Math" panose="02040503050406030204" pitchFamily="18" charset="0"/>
+                  </a:rPr>
+                  <a:t>(</a:t>
+                </a:r>
+                <a14:m>
+                  <m:oMath xmlns:m="http://schemas.openxmlformats.org/officeDocument/2006/math">
+                    <m:sSub>
+                      <m:sSubPr>
+                        <m:ctrlPr>
+                          <a:rPr lang="en-US" i="1">
+                            <a:latin typeface="Cambria Math" panose="02040503050406030204" pitchFamily="18" charset="0"/>
+                            <a:ea typeface="Cambria Math" panose="02040503050406030204" pitchFamily="18" charset="0"/>
+                          </a:rPr>
+                        </m:ctrlPr>
+                      </m:sSubPr>
+                      <m:e>
+                        <m:r>
+                          <a:rPr lang="de-DE" i="1">
+                            <a:latin typeface="Cambria Math" panose="02040503050406030204" pitchFamily="18" charset="0"/>
+                            <a:ea typeface="Cambria Math" panose="02040503050406030204" pitchFamily="18" charset="0"/>
+                          </a:rPr>
+                          <m:t>𝑑</m:t>
+                        </m:r>
+                      </m:e>
+                      <m:sub>
+                        <m:r>
+                          <a:rPr lang="de-DE" i="1">
+                            <a:latin typeface="Cambria Math" panose="02040503050406030204" pitchFamily="18" charset="0"/>
+                            <a:ea typeface="Cambria Math" panose="02040503050406030204" pitchFamily="18" charset="0"/>
+                          </a:rPr>
+                          <m:t>𝑎</m:t>
+                        </m:r>
+                      </m:sub>
+                    </m:sSub>
+                  </m:oMath>
+                </a14:m>
+                <a:r>
+                  <a:rPr lang="en-US" i="1" dirty="0">
+                    <a:latin typeface="Cambria Math" panose="02040503050406030204" pitchFamily="18" charset="0"/>
+                    <a:ea typeface="Cambria Math" panose="02040503050406030204" pitchFamily="18" charset="0"/>
+                  </a:rPr>
+                  <a:t> (r</a:t>
+                </a:r>
+                <a:r>
+                  <a:rPr lang="de-DE" i="1" dirty="0">
+                    <a:latin typeface="Cambria Math" panose="02040503050406030204" pitchFamily="18" charset="0"/>
+                    <a:ea typeface="Cambria Math" panose="02040503050406030204" pitchFamily="18" charset="0"/>
+                  </a:rPr>
+                  <a:t>)</a:t>
+                </a:r>
+                <a:r>
+                  <a:rPr lang="en-US" i="1" dirty="0">
+                    <a:latin typeface="Cambria Math" panose="02040503050406030204" pitchFamily="18" charset="0"/>
+                    <a:ea typeface="Cambria Math" panose="02040503050406030204" pitchFamily="18" charset="0"/>
+                  </a:rPr>
+                  <a:t> </a:t>
+                </a:r>
+                <a:r>
+                  <a:rPr lang="pt-BR" dirty="0"/>
+                  <a:t>, </a:t>
+                </a:r>
+                <a14:m>
+                  <m:oMath xmlns:m="http://schemas.openxmlformats.org/officeDocument/2006/math">
+                    <m:sSub>
+                      <m:sSubPr>
+                        <m:ctrlPr>
+                          <a:rPr lang="en-US" i="1">
+                            <a:latin typeface="Cambria Math" panose="02040503050406030204" pitchFamily="18" charset="0"/>
+                            <a:ea typeface="Cambria Math" panose="02040503050406030204" pitchFamily="18" charset="0"/>
+                          </a:rPr>
+                        </m:ctrlPr>
+                      </m:sSubPr>
+                      <m:e>
+                        <m:r>
+                          <a:rPr lang="de-DE" i="1">
+                            <a:latin typeface="Cambria Math" panose="02040503050406030204" pitchFamily="18" charset="0"/>
+                            <a:ea typeface="Cambria Math" panose="02040503050406030204" pitchFamily="18" charset="0"/>
+                          </a:rPr>
+                          <m:t>𝑑</m:t>
+                        </m:r>
+                      </m:e>
+                      <m:sub>
+                        <m:r>
+                          <a:rPr lang="de-DE" i="1">
+                            <a:latin typeface="Cambria Math" panose="02040503050406030204" pitchFamily="18" charset="0"/>
+                            <a:ea typeface="Cambria Math" panose="02040503050406030204" pitchFamily="18" charset="0"/>
+                          </a:rPr>
+                          <m:t>𝑎</m:t>
+                        </m:r>
+                      </m:sub>
+                    </m:sSub>
+                  </m:oMath>
+                </a14:m>
+                <a:r>
+                  <a:rPr lang="en-US" i="1" dirty="0">
+                    <a:latin typeface="Cambria Math" panose="02040503050406030204" pitchFamily="18" charset="0"/>
+                    <a:ea typeface="Cambria Math" panose="02040503050406030204" pitchFamily="18" charset="0"/>
+                  </a:rPr>
+                  <a:t> (</a:t>
+                </a:r>
+                <a:r>
+                  <a:rPr lang="de-DE" i="1" dirty="0">
+                    <a:latin typeface="Cambria Math" panose="02040503050406030204" pitchFamily="18" charset="0"/>
+                    <a:ea typeface="Cambria Math" panose="02040503050406030204" pitchFamily="18" charset="0"/>
+                  </a:rPr>
+                  <a:t>s))</a:t>
+                </a:r>
+                <a:r>
+                  <a:rPr lang="pt-BR" dirty="0"/>
+                  <a:t> ∈ R</a:t>
+                </a:r>
+                <a:r>
+                  <a:rPr lang="de-DE" i="1" dirty="0">
+                    <a:latin typeface="Cambria Math" panose="02040503050406030204" pitchFamily="18" charset="0"/>
+                    <a:ea typeface="Cambria Math" panose="02040503050406030204" pitchFamily="18" charset="0"/>
+                  </a:rPr>
+                  <a:t>)</a:t>
+                </a:r>
+                <a:endParaRPr lang="pt-BR" dirty="0"/>
+              </a:p>
+              <a:p>
+                <a:pPr marL="0" indent="0">
+                  <a:buNone/>
+                </a:pPr>
+                <a:r>
+                  <a:rPr lang="pt-BR" dirty="0"/>
+                  <a:t>	are added to the work set.</a:t>
+                </a:r>
+              </a:p>
+              <a:p>
+                <a:pPr marL="0" indent="0">
+                  <a:buNone/>
+                </a:pPr>
+                <a:endParaRPr lang="pt-BR" dirty="0"/>
+              </a:p>
+              <a:p>
+                <a:pPr marL="0" indent="0">
+                  <a:buNone/>
+                </a:pPr>
+                <a:r>
+                  <a:rPr lang="pt-BR" i="1" dirty="0">
+                    <a:latin typeface="Cambria Math" panose="02040503050406030204" pitchFamily="18" charset="0"/>
+                    <a:ea typeface="Cambria Math" panose="02040503050406030204" pitchFamily="18" charset="0"/>
+                  </a:rPr>
+                  <a:t>a</a:t>
+                </a:r>
+                <a:r>
+                  <a:rPr lang="de-DE" i="1" dirty="0">
+                    <a:latin typeface="Cambria Math" panose="02040503050406030204" pitchFamily="18" charset="0"/>
+                    <a:ea typeface="Cambria Math" panose="02040503050406030204" pitchFamily="18" charset="0"/>
+                  </a:rPr>
+                  <a:t>s </a:t>
+                </a:r>
+                <a:r>
+                  <a:rPr lang="pt-BR" dirty="0"/>
+                  <a:t>will be the set of atoms in the original expressions (this does not change during </a:t>
+                </a:r>
+                <a:r>
+                  <a:rPr lang="pt-BR"/>
+                  <a:t>execution).</a:t>
+                </a:r>
+                <a:endParaRPr lang="en-US" dirty="0"/>
+              </a:p>
+            </p:txBody>
+          </p:sp>
+        </mc:Choice>
+        <mc:Fallback>
+          <p:sp>
+            <p:nvSpPr>
+              <p:cNvPr id="3" name="Inhaltsplatzhalter 2">
+                <a:extLst>
+                  <a:ext uri="{FF2B5EF4-FFF2-40B4-BE49-F238E27FC236}">
+                    <a16:creationId xmlns:a16="http://schemas.microsoft.com/office/drawing/2014/main" id="{95585F86-E91B-4947-B7FD-2870701F8929}"/>
+                  </a:ext>
+                </a:extLst>
+              </p:cNvPr>
+              <p:cNvSpPr>
+                <a:spLocks noGrp="1" noRot="1" noChangeAspect="1" noMove="1" noResize="1" noEditPoints="1" noAdjustHandles="1" noChangeArrowheads="1" noChangeShapeType="1" noTextEdit="1"/>
+              </p:cNvSpPr>
+              <p:nvPr>
+                <p:ph idx="1"/>
+              </p:nvPr>
+            </p:nvSpPr>
+            <p:spPr>
+              <a:blipFill>
+                <a:blip r:embed="rId3"/>
+                <a:stretch>
+                  <a:fillRect l="-1217" t="-2661"/>
+                </a:stretch>
+              </a:blipFill>
+            </p:spPr>
+            <p:txBody>
+              <a:bodyPr/>
+              <a:lstStyle/>
+              <a:p>
+                <a:r>
+                  <a:rPr lang="en-US">
+                    <a:noFill/>
+                  </a:rPr>
+                  <a:t> </a:t>
+                </a:r>
+              </a:p>
+            </p:txBody>
+          </p:sp>
+        </mc:Fallback>
+      </mc:AlternateContent>
     </p:spTree>
     <p:extLst>
       <p:ext uri="{BB962C8B-B14F-4D97-AF65-F5344CB8AC3E}">
-        <p14:creationId xmlns:p14="http://schemas.microsoft.com/office/powerpoint/2010/main" val="1518317521"/>
+        <p14:creationId xmlns:p14="http://schemas.microsoft.com/office/powerpoint/2010/main" val="398589950"/>
       </p:ext>
     </p:extLst>
   </p:cSld>
@@ -6941,7 +7235,7 @@
           <p:cNvPr id="2" name="Titel 1">
             <a:extLst>
               <a:ext uri="{FF2B5EF4-FFF2-40B4-BE49-F238E27FC236}">
-                <a16:creationId xmlns:a16="http://schemas.microsoft.com/office/drawing/2014/main" id="{D5D50EB3-B325-43FD-A071-2E053FCA58D5}"/>
+                <a16:creationId xmlns:a16="http://schemas.microsoft.com/office/drawing/2014/main" id="{ACA67C1E-2545-499C-967A-F415723CDE4C}"/>
               </a:ext>
             </a:extLst>
           </p:cNvPr>
@@ -6959,85 +7253,497 @@
           <a:p>
             <a:r>
               <a:rPr lang="en-US" dirty="0"/>
-              <a:t>Example</a:t>
-            </a:r>
-          </a:p>
-        </p:txBody>
-      </p:sp>
-      <p:sp>
-        <p:nvSpPr>
-          <p:cNvPr id="3" name="Inhaltsplatzhalter 2">
-            <a:extLst>
-              <a:ext uri="{FF2B5EF4-FFF2-40B4-BE49-F238E27FC236}">
-                <a16:creationId xmlns:a16="http://schemas.microsoft.com/office/drawing/2014/main" id="{13A3184E-D790-4B2E-BAE6-6BA74D9824B9}"/>
-              </a:ext>
-            </a:extLst>
-          </p:cNvPr>
-          <p:cNvSpPr>
-            <a:spLocks noGrp="1"/>
-          </p:cNvSpPr>
-          <p:nvPr>
-            <p:ph idx="1"/>
-          </p:nvPr>
-        </p:nvSpPr>
-        <p:spPr/>
-        <p:txBody>
-          <a:bodyPr/>
-          <a:lstStyle/>
-          <a:p>
-            <a:pPr marL="0" indent="0">
-              <a:buNone/>
-            </a:pPr>
-            <a:r>
-              <a:rPr lang="en-US" dirty="0"/>
-              <a:t>&lt;on the board&gt;</a:t>
-            </a:r>
-          </a:p>
-          <a:p>
-            <a:pPr marL="0" indent="0">
-              <a:buNone/>
-            </a:pPr>
-            <a:endParaRPr lang="en-US" dirty="0"/>
-          </a:p>
-          <a:p>
-            <a:pPr marL="0" indent="0">
-              <a:buNone/>
-            </a:pPr>
-            <a:r>
-              <a:rPr lang="en-US" dirty="0"/>
-              <a:t>result</a:t>
-            </a:r>
-          </a:p>
-          <a:p>
-            <a:pPr marL="0" indent="0">
-              <a:buNone/>
-            </a:pPr>
-            <a:endParaRPr lang="en-US" dirty="0"/>
-          </a:p>
-          <a:p>
-            <a:pPr marL="0" indent="0">
-              <a:buNone/>
-            </a:pPr>
-            <a:r>
-              <a:rPr lang="en-US" dirty="0"/>
-              <a:t>	</a:t>
-            </a:r>
-            <a:r>
-              <a:rPr lang="pt-BR" dirty="0">
-                <a:latin typeface="Lucida Bright" panose="02040602050505020304" pitchFamily="18" charset="0"/>
-              </a:rPr>
-              <a:t>L ((ε + a ⋅ b)* ⋅ (a + b)) = L ((a ⋅ b + ε)* ⋅ (a + b))</a:t>
-            </a:r>
-            <a:endParaRPr lang="en-US" dirty="0">
-              <a:latin typeface="Lucida Bright" panose="02040602050505020304" pitchFamily="18" charset="0"/>
-            </a:endParaRPr>
-          </a:p>
-        </p:txBody>
-      </p:sp>
+              <a:t>step</a:t>
+            </a:r>
+          </a:p>
+        </p:txBody>
+      </p:sp>
+      <mc:AlternateContent xmlns:mc="http://schemas.openxmlformats.org/markup-compatibility/2006">
+        <mc:Choice xmlns:a14="http://schemas.microsoft.com/office/drawing/2010/main" Requires="a14">
+          <p:sp>
+            <p:nvSpPr>
+              <p:cNvPr id="3" name="Inhaltsplatzhalter 2">
+                <a:extLst>
+                  <a:ext uri="{FF2B5EF4-FFF2-40B4-BE49-F238E27FC236}">
+                    <a16:creationId xmlns:a16="http://schemas.microsoft.com/office/drawing/2014/main" id="{5347057A-69F6-409A-ACFA-8AB16AFEBA07}"/>
+                  </a:ext>
+                </a:extLst>
+              </p:cNvPr>
+              <p:cNvSpPr>
+                <a:spLocks noGrp="1"/>
+              </p:cNvSpPr>
+              <p:nvPr>
+                <p:ph idx="1"/>
+              </p:nvPr>
+            </p:nvSpPr>
+            <p:spPr/>
+            <p:txBody>
+              <a:bodyPr>
+                <a:normAutofit fontScale="92500" lnSpcReduction="20000"/>
+              </a:bodyPr>
+              <a:lstStyle/>
+              <a:p>
+                <a:pPr marL="0" indent="0">
+                  <a:buNone/>
+                </a:pPr>
+                <a:r>
+                  <a:rPr lang="en-GB" dirty="0">
+                    <a:latin typeface="Lucida Bright" panose="02040602050505020304" pitchFamily="18" charset="0"/>
+                  </a:rPr>
+                  <a:t>fun step where</a:t>
+                </a:r>
+                <a:r>
+                  <a:rPr lang="en-GB" dirty="0"/>
+                  <a:t> </a:t>
+                </a:r>
+                <a:r>
+                  <a:rPr lang="en-GB" dirty="0">
+                    <a:latin typeface="Lucida Bright" panose="02040602050505020304" pitchFamily="18" charset="0"/>
+                  </a:rPr>
+                  <a:t>step as (</a:t>
+                </a:r>
+                <a:r>
+                  <a:rPr lang="en-GB" dirty="0" err="1">
+                    <a:latin typeface="Lucida Bright" panose="02040602050505020304" pitchFamily="18" charset="0"/>
+                  </a:rPr>
+                  <a:t>ws</a:t>
+                </a:r>
+                <a:r>
+                  <a:rPr lang="en-GB" dirty="0">
+                    <a:latin typeface="Lucida Bright" panose="02040602050505020304" pitchFamily="18" charset="0"/>
+                  </a:rPr>
+                  <a:t>, </a:t>
+                </a:r>
+                <a:r>
+                  <a:rPr lang="en-GB" dirty="0" err="1">
+                    <a:latin typeface="Lucida Bright" panose="02040602050505020304" pitchFamily="18" charset="0"/>
+                  </a:rPr>
+                  <a:t>ps</a:t>
+                </a:r>
+                <a:r>
+                  <a:rPr lang="en-GB" dirty="0">
+                    <a:latin typeface="Lucida Bright" panose="02040602050505020304" pitchFamily="18" charset="0"/>
+                  </a:rPr>
+                  <a:t>) =</a:t>
+                </a:r>
+              </a:p>
+              <a:p>
+                <a:pPr marL="0" indent="0">
+                  <a:buNone/>
+                </a:pPr>
+                <a:r>
+                  <a:rPr lang="en-GB" dirty="0">
+                    <a:latin typeface="Lucida Bright" panose="02040602050505020304" pitchFamily="18" charset="0"/>
+                  </a:rPr>
+                  <a:t>  (let</a:t>
+                </a:r>
+              </a:p>
+              <a:p>
+                <a:pPr marL="0" indent="0">
+                  <a:buNone/>
+                </a:pPr>
+                <a:r>
+                  <a:rPr lang="en-GB" dirty="0">
+                    <a:latin typeface="Lucida Bright" panose="02040602050505020304" pitchFamily="18" charset="0"/>
+                  </a:rPr>
+                  <a:t>    </a:t>
+                </a:r>
+                <a:r>
+                  <a:rPr lang="en-GB" dirty="0" err="1">
+                    <a:latin typeface="Lucida Bright" panose="02040602050505020304" pitchFamily="18" charset="0"/>
+                  </a:rPr>
+                  <a:t>new_p</a:t>
+                </a:r>
+                <a:r>
+                  <a:rPr lang="en-GB" dirty="0">
+                    <a:latin typeface="Lucida Bright" panose="02040602050505020304" pitchFamily="18" charset="0"/>
+                  </a:rPr>
+                  <a:t> = </a:t>
+                </a:r>
+                <a:r>
+                  <a:rPr lang="en-GB" dirty="0" err="1">
+                    <a:latin typeface="Lucida Bright" panose="02040602050505020304" pitchFamily="18" charset="0"/>
+                  </a:rPr>
+                  <a:t>hd</a:t>
+                </a:r>
+                <a:r>
+                  <a:rPr lang="en-GB" dirty="0">
+                    <a:latin typeface="Lucida Bright" panose="02040602050505020304" pitchFamily="18" charset="0"/>
+                  </a:rPr>
+                  <a:t> </a:t>
+                </a:r>
+                <a:r>
+                  <a:rPr lang="en-GB" dirty="0" err="1">
+                    <a:latin typeface="Lucida Bright" panose="02040602050505020304" pitchFamily="18" charset="0"/>
+                  </a:rPr>
+                  <a:t>ws</a:t>
+                </a:r>
+                <a:r>
+                  <a:rPr lang="en-GB" dirty="0">
+                    <a:latin typeface="Lucida Bright" panose="02040602050505020304" pitchFamily="18" charset="0"/>
+                  </a:rPr>
+                  <a:t>;</a:t>
+                </a:r>
+              </a:p>
+              <a:p>
+                <a:pPr marL="0" indent="0">
+                  <a:buNone/>
+                </a:pPr>
+                <a:r>
+                  <a:rPr lang="en-GB" dirty="0">
+                    <a:latin typeface="Lucida Bright" panose="02040602050505020304" pitchFamily="18" charset="0"/>
+                  </a:rPr>
+                  <a:t>    </a:t>
+                </a:r>
+                <a:r>
+                  <a:rPr lang="en-GB" dirty="0" err="1">
+                    <a:latin typeface="Lucida Bright" panose="02040602050505020304" pitchFamily="18" charset="0"/>
+                  </a:rPr>
+                  <a:t>ps’</a:t>
+                </a:r>
+                <a:r>
+                  <a:rPr lang="en-GB" dirty="0">
+                    <a:latin typeface="Lucida Bright" panose="02040602050505020304" pitchFamily="18" charset="0"/>
+                  </a:rPr>
+                  <a:t> = p # </a:t>
+                </a:r>
+                <a:r>
+                  <a:rPr lang="en-GB" dirty="0" err="1">
+                    <a:latin typeface="Lucida Bright" panose="02040602050505020304" pitchFamily="18" charset="0"/>
+                  </a:rPr>
+                  <a:t>ps</a:t>
+                </a:r>
+                <a:r>
+                  <a:rPr lang="en-GB" dirty="0">
+                    <a:latin typeface="Lucida Bright" panose="02040602050505020304" pitchFamily="18" charset="0"/>
+                  </a:rPr>
+                  <a:t>;</a:t>
+                </a:r>
+              </a:p>
+              <a:p>
+                <a:pPr marL="0" indent="0">
+                  <a:buNone/>
+                </a:pPr>
+                <a:r>
+                  <a:rPr lang="en-GB" dirty="0">
+                    <a:latin typeface="Lucida Bright" panose="02040602050505020304" pitchFamily="18" charset="0"/>
+                  </a:rPr>
+                  <a:t>    new = [p ← </a:t>
+                </a:r>
+                <a:r>
+                  <a:rPr lang="en-GB" dirty="0" err="1">
+                    <a:latin typeface="Lucida Bright" panose="02040602050505020304" pitchFamily="18" charset="0"/>
+                  </a:rPr>
+                  <a:t>succs</a:t>
+                </a:r>
+                <a:r>
+                  <a:rPr lang="en-GB" dirty="0">
+                    <a:latin typeface="Lucida Bright" panose="02040602050505020304" pitchFamily="18" charset="0"/>
+                  </a:rPr>
+                  <a:t> as </a:t>
+                </a:r>
+                <a:r>
+                  <a:rPr lang="en-GB" dirty="0" err="1">
+                    <a:latin typeface="Lucida Bright" panose="02040602050505020304" pitchFamily="18" charset="0"/>
+                  </a:rPr>
+                  <a:t>new_p</a:t>
+                </a:r>
+                <a:r>
+                  <a:rPr lang="en-GB" dirty="0">
+                    <a:latin typeface="Lucida Bright" panose="02040602050505020304" pitchFamily="18" charset="0"/>
+                  </a:rPr>
+                  <a:t> . p ∉ set </a:t>
+                </a:r>
+                <a:r>
+                  <a:rPr lang="en-GB" dirty="0" err="1">
+                    <a:latin typeface="Lucida Bright" panose="02040602050505020304" pitchFamily="18" charset="0"/>
+                  </a:rPr>
+                  <a:t>ps'</a:t>
+                </a:r>
+                <a:r>
+                  <a:rPr lang="en-GB" dirty="0">
+                    <a:latin typeface="Lucida Bright" panose="02040602050505020304" pitchFamily="18" charset="0"/>
+                  </a:rPr>
+                  <a:t> ∪ set </a:t>
+                </a:r>
+                <a:r>
+                  <a:rPr lang="en-GB" dirty="0" err="1">
+                    <a:latin typeface="Lucida Bright" panose="02040602050505020304" pitchFamily="18" charset="0"/>
+                  </a:rPr>
+                  <a:t>ws</a:t>
+                </a:r>
+                <a:r>
+                  <a:rPr lang="en-GB" dirty="0">
+                    <a:latin typeface="Lucida Bright" panose="02040602050505020304" pitchFamily="18" charset="0"/>
+                  </a:rPr>
+                  <a:t>]</a:t>
+                </a:r>
+              </a:p>
+              <a:p>
+                <a:pPr marL="0" indent="0">
+                  <a:buNone/>
+                </a:pPr>
+                <a:r>
+                  <a:rPr lang="en-GB" dirty="0">
+                    <a:latin typeface="Lucida Bright" panose="02040602050505020304" pitchFamily="18" charset="0"/>
+                  </a:rPr>
+                  <a:t>  in (new @ </a:t>
+                </a:r>
+                <a:r>
+                  <a:rPr lang="en-GB" dirty="0" err="1">
+                    <a:latin typeface="Lucida Bright" panose="02040602050505020304" pitchFamily="18" charset="0"/>
+                  </a:rPr>
+                  <a:t>tl</a:t>
+                </a:r>
+                <a:r>
+                  <a:rPr lang="en-GB" dirty="0">
+                    <a:latin typeface="Lucida Bright" panose="02040602050505020304" pitchFamily="18" charset="0"/>
+                  </a:rPr>
+                  <a:t> </a:t>
+                </a:r>
+                <a:r>
+                  <a:rPr lang="en-GB" dirty="0" err="1">
+                    <a:latin typeface="Lucida Bright" panose="02040602050505020304" pitchFamily="18" charset="0"/>
+                  </a:rPr>
+                  <a:t>ws</a:t>
+                </a:r>
+                <a:r>
+                  <a:rPr lang="en-GB" dirty="0">
+                    <a:latin typeface="Lucida Bright" panose="02040602050505020304" pitchFamily="18" charset="0"/>
+                  </a:rPr>
+                  <a:t>, </a:t>
+                </a:r>
+                <a:r>
+                  <a:rPr lang="en-GB" dirty="0" err="1">
+                    <a:latin typeface="Lucida Bright" panose="02040602050505020304" pitchFamily="18" charset="0"/>
+                  </a:rPr>
+                  <a:t>ps'</a:t>
+                </a:r>
+                <a:r>
+                  <a:rPr lang="en-GB" dirty="0">
+                    <a:latin typeface="Lucida Bright" panose="02040602050505020304" pitchFamily="18" charset="0"/>
+                  </a:rPr>
+                  <a:t>))</a:t>
+                </a:r>
+                <a:endParaRPr lang="en-GB" dirty="0"/>
+              </a:p>
+              <a:p>
+                <a:pPr marL="0" indent="0">
+                  <a:buNone/>
+                </a:pPr>
+                <a:endParaRPr lang="en-US" dirty="0"/>
+              </a:p>
+              <a:p>
+                <a:pPr marL="0" indent="0">
+                  <a:buNone/>
+                </a:pPr>
+                <a:r>
+                  <a:rPr lang="en-US" dirty="0"/>
+                  <a:t>…where </a:t>
+                </a:r>
+                <a:r>
+                  <a:rPr lang="pt-BR" dirty="0">
+                    <a:latin typeface="Lucida Bright" panose="02040602050505020304" pitchFamily="18" charset="0"/>
+                  </a:rPr>
+                  <a:t>succs as (r, s) = map </a:t>
+                </a:r>
+                <a:r>
+                  <a:rPr lang="pt-BR" i="1" dirty="0">
+                    <a:latin typeface="Lucida Bright" panose="02040602050505020304" pitchFamily="18" charset="0"/>
+                  </a:rPr>
+                  <a:t>(λa. (</a:t>
+                </a:r>
+                <a14:m>
+                  <m:oMath xmlns:m="http://schemas.openxmlformats.org/officeDocument/2006/math">
+                    <m:sSub>
+                      <m:sSubPr>
+                        <m:ctrlPr>
+                          <a:rPr lang="en-US" i="1">
+                            <a:latin typeface="Cambria Math" panose="02040503050406030204" pitchFamily="18" charset="0"/>
+                            <a:ea typeface="Cambria Math" panose="02040503050406030204" pitchFamily="18" charset="0"/>
+                          </a:rPr>
+                        </m:ctrlPr>
+                      </m:sSubPr>
+                      <m:e>
+                        <m:r>
+                          <a:rPr lang="de-DE" i="1">
+                            <a:latin typeface="Cambria Math" panose="02040503050406030204" pitchFamily="18" charset="0"/>
+                            <a:ea typeface="Cambria Math" panose="02040503050406030204" pitchFamily="18" charset="0"/>
+                          </a:rPr>
+                          <m:t>𝑑</m:t>
+                        </m:r>
+                      </m:e>
+                      <m:sub>
+                        <m:r>
+                          <a:rPr lang="de-DE" i="1">
+                            <a:latin typeface="Cambria Math" panose="02040503050406030204" pitchFamily="18" charset="0"/>
+                            <a:ea typeface="Cambria Math" panose="02040503050406030204" pitchFamily="18" charset="0"/>
+                          </a:rPr>
+                          <m:t>𝑎</m:t>
+                        </m:r>
+                      </m:sub>
+                    </m:sSub>
+                    <m:r>
+                      <a:rPr lang="de-DE" i="1">
+                        <a:latin typeface="Cambria Math" panose="02040503050406030204" pitchFamily="18" charset="0"/>
+                        <a:ea typeface="Cambria Math" panose="02040503050406030204" pitchFamily="18" charset="0"/>
+                      </a:rPr>
+                      <m:t> </m:t>
+                    </m:r>
+                  </m:oMath>
+                </a14:m>
+                <a:r>
+                  <a:rPr lang="pt-BR" i="1" dirty="0">
+                    <a:latin typeface="Cambria Math" panose="02040503050406030204" pitchFamily="18" charset="0"/>
+                    <a:ea typeface="Cambria Math" panose="02040503050406030204" pitchFamily="18" charset="0"/>
+                  </a:rPr>
+                  <a:t>(r) </a:t>
+                </a:r>
+                <a:r>
+                  <a:rPr lang="pt-BR" i="1" dirty="0">
+                    <a:latin typeface="Lucida Bright" panose="02040602050505020304" pitchFamily="18" charset="0"/>
+                  </a:rPr>
+                  <a:t>, </a:t>
+                </a:r>
+                <a14:m>
+                  <m:oMath xmlns:m="http://schemas.openxmlformats.org/officeDocument/2006/math">
+                    <m:sSub>
+                      <m:sSubPr>
+                        <m:ctrlPr>
+                          <a:rPr lang="en-US" i="1">
+                            <a:latin typeface="Cambria Math" panose="02040503050406030204" pitchFamily="18" charset="0"/>
+                            <a:ea typeface="Cambria Math" panose="02040503050406030204" pitchFamily="18" charset="0"/>
+                          </a:rPr>
+                        </m:ctrlPr>
+                      </m:sSubPr>
+                      <m:e>
+                        <m:r>
+                          <a:rPr lang="de-DE" i="1">
+                            <a:latin typeface="Cambria Math" panose="02040503050406030204" pitchFamily="18" charset="0"/>
+                            <a:ea typeface="Cambria Math" panose="02040503050406030204" pitchFamily="18" charset="0"/>
+                          </a:rPr>
+                          <m:t>𝑑</m:t>
+                        </m:r>
+                      </m:e>
+                      <m:sub>
+                        <m:r>
+                          <a:rPr lang="de-DE" i="1">
+                            <a:latin typeface="Cambria Math" panose="02040503050406030204" pitchFamily="18" charset="0"/>
+                            <a:ea typeface="Cambria Math" panose="02040503050406030204" pitchFamily="18" charset="0"/>
+                          </a:rPr>
+                          <m:t>𝑎</m:t>
+                        </m:r>
+                      </m:sub>
+                    </m:sSub>
+                    <m:r>
+                      <a:rPr lang="de-DE" i="1">
+                        <a:latin typeface="Cambria Math" panose="02040503050406030204" pitchFamily="18" charset="0"/>
+                        <a:ea typeface="Cambria Math" panose="02040503050406030204" pitchFamily="18" charset="0"/>
+                      </a:rPr>
+                      <m:t> </m:t>
+                    </m:r>
+                  </m:oMath>
+                </a14:m>
+                <a:r>
+                  <a:rPr lang="pt-BR" i="1" dirty="0">
+                    <a:latin typeface="Cambria Math" panose="02040503050406030204" pitchFamily="18" charset="0"/>
+                    <a:ea typeface="Cambria Math" panose="02040503050406030204" pitchFamily="18" charset="0"/>
+                  </a:rPr>
+                  <a:t>(s) </a:t>
+                </a:r>
+                <a:r>
+                  <a:rPr lang="pt-BR" i="1" dirty="0">
+                    <a:latin typeface="Lucida Bright" panose="02040602050505020304" pitchFamily="18" charset="0"/>
+                  </a:rPr>
+                  <a:t>)) </a:t>
+                </a:r>
+                <a:r>
+                  <a:rPr lang="pt-BR" dirty="0">
+                    <a:latin typeface="Lucida Bright" panose="02040602050505020304" pitchFamily="18" charset="0"/>
+                  </a:rPr>
+                  <a:t>as</a:t>
+                </a:r>
+              </a:p>
+              <a:p>
+                <a:pPr marL="0" indent="0">
+                  <a:buNone/>
+                </a:pPr>
+                <a:endParaRPr lang="en-US" dirty="0">
+                  <a:latin typeface="Lucida Bright" panose="02040602050505020304" pitchFamily="18" charset="0"/>
+                </a:endParaRPr>
+              </a:p>
+              <a:p>
+                <a:pPr marL="0" indent="0">
+                  <a:buNone/>
+                </a:pPr>
+                <a:r>
+                  <a:rPr lang="en-US" dirty="0"/>
+                  <a:t>We will iterate this step using the </a:t>
+                </a:r>
+                <a:r>
+                  <a:rPr lang="en-GB" dirty="0">
+                    <a:latin typeface="Lucida Bright" panose="02040602050505020304" pitchFamily="18" charset="0"/>
+                  </a:rPr>
+                  <a:t>while </a:t>
+                </a:r>
+                <a:r>
+                  <a:rPr lang="en-US" dirty="0"/>
+                  <a:t>function.</a:t>
+                </a:r>
+              </a:p>
+              <a:p>
+                <a:pPr marL="0" indent="0">
+                  <a:buNone/>
+                </a:pPr>
+                <a:endParaRPr lang="en-US" dirty="0"/>
+              </a:p>
+            </p:txBody>
+          </p:sp>
+        </mc:Choice>
+        <mc:Fallback>
+          <p:sp>
+            <p:nvSpPr>
+              <p:cNvPr id="3" name="Inhaltsplatzhalter 2">
+                <a:extLst>
+                  <a:ext uri="{FF2B5EF4-FFF2-40B4-BE49-F238E27FC236}">
+                    <a16:creationId xmlns:a16="http://schemas.microsoft.com/office/drawing/2014/main" id="{5347057A-69F6-409A-ACFA-8AB16AFEBA07}"/>
+                  </a:ext>
+                </a:extLst>
+              </p:cNvPr>
+              <p:cNvSpPr>
+                <a:spLocks noGrp="1" noRot="1" noChangeAspect="1" noMove="1" noResize="1" noEditPoints="1" noAdjustHandles="1" noChangeArrowheads="1" noChangeShapeType="1" noTextEdit="1"/>
+              </p:cNvSpPr>
+              <p:nvPr>
+                <p:ph idx="1"/>
+              </p:nvPr>
+            </p:nvSpPr>
+            <p:spPr>
+              <a:blipFill>
+                <a:blip r:embed="rId3"/>
+                <a:stretch>
+                  <a:fillRect l="-1043" t="-3922"/>
+                </a:stretch>
+              </a:blipFill>
+            </p:spPr>
+            <p:txBody>
+              <a:bodyPr/>
+              <a:lstStyle/>
+              <a:p>
+                <a:r>
+                  <a:rPr lang="en-US">
+                    <a:noFill/>
+                  </a:rPr>
+                  <a:t> </a:t>
+                </a:r>
+              </a:p>
+            </p:txBody>
+          </p:sp>
+        </mc:Fallback>
+      </mc:AlternateContent>
     </p:spTree>
     <p:extLst>
       <p:ext uri="{BB962C8B-B14F-4D97-AF65-F5344CB8AC3E}">
-        <p14:creationId xmlns:p14="http://schemas.microsoft.com/office/powerpoint/2010/main" val="790305600"/>
+        <p14:creationId xmlns:p14="http://schemas.microsoft.com/office/powerpoint/2010/main" val="1518317521"/>
       </p:ext>
     </p:extLst>
   </p:cSld>
@@ -7069,7 +7775,7 @@
           <p:cNvPr id="2" name="Titel 1">
             <a:extLst>
               <a:ext uri="{FF2B5EF4-FFF2-40B4-BE49-F238E27FC236}">
-                <a16:creationId xmlns:a16="http://schemas.microsoft.com/office/drawing/2014/main" id="{6308764C-5A53-4A40-86AB-AFF027DC3399}"/>
+                <a16:creationId xmlns:a16="http://schemas.microsoft.com/office/drawing/2014/main" id="{7E545568-004C-4426-9618-E5B4001137F9}"/>
               </a:ext>
             </a:extLst>
           </p:cNvPr>
@@ -7087,7 +7793,7 @@
           <a:p>
             <a:r>
               <a:rPr lang="en-US" dirty="0"/>
-              <a:t>In each step</a:t>
+              <a:t>test</a:t>
             </a:r>
           </a:p>
         </p:txBody>
@@ -7097,7 +7803,7 @@
           <p:cNvPr id="3" name="Inhaltsplatzhalter 2">
             <a:extLst>
               <a:ext uri="{FF2B5EF4-FFF2-40B4-BE49-F238E27FC236}">
-                <a16:creationId xmlns:a16="http://schemas.microsoft.com/office/drawing/2014/main" id="{95585F86-E91B-4947-B7FD-2870701F8929}"/>
+                <a16:creationId xmlns:a16="http://schemas.microsoft.com/office/drawing/2014/main" id="{586033B4-AF90-4560-A2E5-9FB163B244C7}"/>
               </a:ext>
             </a:extLst>
           </p:cNvPr>
@@ -7113,24 +7819,41 @@
           <a:bodyPr/>
           <a:lstStyle/>
           <a:p>
-            <a:r>
-              <a:rPr lang="en-US" dirty="0"/>
-              <a:t>A pair from the work set is processed</a:t>
-            </a:r>
-          </a:p>
-          <a:p>
-            <a:r>
-              <a:rPr lang="en-US" dirty="0"/>
-              <a:t>All pairs missing for the property</a:t>
-            </a:r>
+            <a:endParaRPr lang="en-US" dirty="0"/>
           </a:p>
           <a:p>
             <a:pPr marL="0" indent="0">
               <a:buNone/>
             </a:pPr>
             <a:r>
-              <a:rPr lang="pt-BR" dirty="0"/>
-              <a:t>		∀a∈set as. (―r, nderiv a s) ∈ R)</a:t>
+              <a:rPr lang="en-US" dirty="0">
+                <a:latin typeface="Lucida Bright" panose="02040602050505020304" pitchFamily="18" charset="0"/>
+              </a:rPr>
+              <a:t>test (</a:t>
+            </a:r>
+            <a:r>
+              <a:rPr lang="en-US" dirty="0" err="1">
+                <a:latin typeface="Lucida Bright" panose="02040602050505020304" pitchFamily="18" charset="0"/>
+              </a:rPr>
+              <a:t>ws</a:t>
+            </a:r>
+            <a:r>
+              <a:rPr lang="en-US" dirty="0">
+                <a:latin typeface="Lucida Bright" panose="02040602050505020304" pitchFamily="18" charset="0"/>
+              </a:rPr>
+              <a:t>,_) ⟷ (case </a:t>
+            </a:r>
+            <a:r>
+              <a:rPr lang="en-US" dirty="0" err="1">
+                <a:latin typeface="Lucida Bright" panose="02040602050505020304" pitchFamily="18" charset="0"/>
+              </a:rPr>
+              <a:t>ws</a:t>
+            </a:r>
+            <a:r>
+              <a:rPr lang="en-US" dirty="0">
+                <a:latin typeface="Lucida Bright" panose="02040602050505020304" pitchFamily="18" charset="0"/>
+              </a:rPr>
+              <a:t> of</a:t>
             </a:r>
           </a:p>
           <a:p>
@@ -7138,32 +7861,77 @@
               <a:buNone/>
             </a:pPr>
             <a:r>
-              <a:rPr lang="pt-BR" dirty="0"/>
-              <a:t>	are added to the work set</a:t>
+              <a:rPr lang="en-US" dirty="0">
+                <a:latin typeface="Lucida Bright" panose="02040602050505020304" pitchFamily="18" charset="0"/>
+              </a:rPr>
+              <a:t>	[] ⇒ False |</a:t>
             </a:r>
           </a:p>
           <a:p>
             <a:pPr marL="0" indent="0">
               <a:buNone/>
             </a:pPr>
-            <a:endParaRPr lang="pt-BR" dirty="0"/>
+            <a:r>
+              <a:rPr lang="en-US" dirty="0">
+                <a:latin typeface="Lucida Bright" panose="02040602050505020304" pitchFamily="18" charset="0"/>
+              </a:rPr>
+              <a:t>	(p, q)#_ ⇒ nullable p ⟷ nullable q</a:t>
+            </a:r>
           </a:p>
           <a:p>
             <a:pPr marL="0" indent="0">
               <a:buNone/>
             </a:pPr>
             <a:r>
-              <a:rPr lang="pt-BR" dirty="0"/>
-              <a:t>“as” will be the set of atoms in the expressions (this does not change during execution)</a:t>
-            </a:r>
+              <a:rPr lang="en-US" dirty="0">
+                <a:latin typeface="Lucida Bright" panose="02040602050505020304" pitchFamily="18" charset="0"/>
+              </a:rPr>
+              <a:t>)</a:t>
+            </a:r>
+          </a:p>
+          <a:p>
+            <a:pPr marL="0" indent="0">
+              <a:buNone/>
+            </a:pPr>
             <a:endParaRPr lang="en-US" dirty="0"/>
+          </a:p>
+          <a:p>
+            <a:pPr marL="0" indent="0">
+              <a:buNone/>
+            </a:pPr>
+            <a:r>
+              <a:rPr lang="en-US" dirty="0"/>
+              <a:t>The loop terminates if either</a:t>
+            </a:r>
+          </a:p>
+          <a:p>
+            <a:pPr lvl="1"/>
+            <a:r>
+              <a:rPr lang="en-US" dirty="0"/>
+              <a:t>the work set is empty (</a:t>
+            </a:r>
+            <a:r>
+              <a:rPr lang="en-US" dirty="0" err="1"/>
+              <a:t>bisimulation</a:t>
+            </a:r>
+            <a:r>
+              <a:rPr lang="en-US" dirty="0"/>
+              <a:t> constructed)</a:t>
+            </a:r>
+          </a:p>
+          <a:p>
+            <a:pPr lvl="1"/>
+            <a:r>
+              <a:rPr lang="en-US" dirty="0"/>
+              <a:t>a nonequivalent pair of REs is to be processed (counterexample found)</a:t>
+            </a:r>
           </a:p>
         </p:txBody>
       </p:sp>
     </p:spTree>
     <p:extLst>
       <p:ext uri="{BB962C8B-B14F-4D97-AF65-F5344CB8AC3E}">
-        <p14:creationId xmlns:p14="http://schemas.microsoft.com/office/powerpoint/2010/main" val="398589950"/>
+        <p14:creationId xmlns:p14="http://schemas.microsoft.com/office/powerpoint/2010/main" val="1786495179"/>
       </p:ext>
     </p:extLst>
   </p:cSld>
@@ -7195,7 +7963,7 @@
           <p:cNvPr id="2" name="Titel 1">
             <a:extLst>
               <a:ext uri="{FF2B5EF4-FFF2-40B4-BE49-F238E27FC236}">
-                <a16:creationId xmlns:a16="http://schemas.microsoft.com/office/drawing/2014/main" id="{D55CD077-9E2B-43F3-83A0-334C38F85C7C}"/>
+                <a16:creationId xmlns:a16="http://schemas.microsoft.com/office/drawing/2014/main" id="{D5D50EB3-B325-43FD-A071-2E053FCA58D5}"/>
               </a:ext>
             </a:extLst>
           </p:cNvPr>
@@ -7213,7 +7981,7 @@
           <a:p>
             <a:r>
               <a:rPr lang="en-US" dirty="0"/>
-              <a:t>ACI</a:t>
+              <a:t>Example</a:t>
             </a:r>
           </a:p>
         </p:txBody>
@@ -7223,7 +7991,7 @@
           <p:cNvPr id="3" name="Inhaltsplatzhalter 2">
             <a:extLst>
               <a:ext uri="{FF2B5EF4-FFF2-40B4-BE49-F238E27FC236}">
-                <a16:creationId xmlns:a16="http://schemas.microsoft.com/office/drawing/2014/main" id="{EABB337D-AA1F-4919-A75D-7EF7AE0BF98B}"/>
+                <a16:creationId xmlns:a16="http://schemas.microsoft.com/office/drawing/2014/main" id="{13A3184E-D790-4B2E-BAE6-6BA74D9824B9}"/>
               </a:ext>
             </a:extLst>
           </p:cNvPr>
@@ -7244,75 +8012,54 @@
             </a:pPr>
             <a:r>
               <a:rPr lang="en-US" dirty="0"/>
-              <a:t>associativity, commutativity and idempotence of </a:t>
-            </a:r>
-            <a:r>
-              <a:rPr lang="en-US" i="1" dirty="0"/>
-              <a:t>+</a:t>
-            </a:r>
-          </a:p>
-          <a:p>
-            <a:r>
-              <a:rPr lang="en-US" dirty="0"/>
-              <a:t>the auxiliary function </a:t>
-            </a:r>
-            <a:r>
-              <a:rPr lang="en-US" i="1" dirty="0"/>
-              <a:t>norm</a:t>
-            </a:r>
-            <a:r>
-              <a:rPr lang="en-US" dirty="0"/>
-              <a:t> establishes a normal form</a:t>
+              <a:t>&lt;on the board&gt;</a:t>
             </a:r>
           </a:p>
           <a:p>
             <a:pPr marL="0" indent="0">
               <a:buNone/>
             </a:pPr>
+            <a:endParaRPr lang="en-US" dirty="0"/>
+          </a:p>
+          <a:p>
+            <a:pPr marL="0" indent="0">
+              <a:buNone/>
+            </a:pPr>
+            <a:r>
+              <a:rPr lang="en-US" dirty="0"/>
+              <a:t>result</a:t>
+            </a:r>
+          </a:p>
+          <a:p>
+            <a:pPr marL="0" indent="0">
+              <a:buNone/>
+            </a:pPr>
+            <a:endParaRPr lang="en-US" dirty="0"/>
+          </a:p>
+          <a:p>
+            <a:pPr marL="0" indent="0">
+              <a:buNone/>
+            </a:pPr>
             <a:r>
               <a:rPr lang="en-US" dirty="0"/>
               <a:t>	</a:t>
             </a:r>
             <a:r>
-              <a:rPr lang="en-US" dirty="0">
-                <a:sym typeface="Wingdings" panose="05000000000000000000" pitchFamily="2" charset="2"/>
+              <a:rPr lang="pt-BR" dirty="0">
+                <a:latin typeface="Lucida Bright" panose="02040602050505020304" pitchFamily="18" charset="0"/>
               </a:rPr>
-              <a:t> </a:t>
-            </a:r>
-            <a:r>
-              <a:rPr lang="en-US" dirty="0"/>
-              <a:t>ACI-equal terms are identified at that step already</a:t>
-            </a:r>
-          </a:p>
-          <a:p>
-            <a:r>
-              <a:rPr lang="en-US" dirty="0"/>
-              <a:t>to verify this, one would have to state ACI-equivalence formally.</a:t>
-            </a:r>
-          </a:p>
-          <a:p>
-            <a:endParaRPr lang="en-US" dirty="0"/>
-          </a:p>
-          <a:p>
-            <a:r>
-              <a:rPr lang="en-US" dirty="0"/>
-              <a:t>the REs in the (emergent) </a:t>
-            </a:r>
-            <a:r>
-              <a:rPr lang="en-US" dirty="0" err="1"/>
-              <a:t>bisimulation</a:t>
-            </a:r>
-            <a:r>
-              <a:rPr lang="en-US" dirty="0"/>
-              <a:t> are kept in this normal form, as an invariant</a:t>
-            </a:r>
+              <a:t>L ((ε + a)* ⋅ a) = L (a ⋅ (a + ε)*)</a:t>
+            </a:r>
+            <a:endParaRPr lang="en-US" dirty="0">
+              <a:latin typeface="Lucida Bright" panose="02040602050505020304" pitchFamily="18" charset="0"/>
+            </a:endParaRPr>
           </a:p>
         </p:txBody>
       </p:sp>
     </p:spTree>
     <p:extLst>
       <p:ext uri="{BB962C8B-B14F-4D97-AF65-F5344CB8AC3E}">
-        <p14:creationId xmlns:p14="http://schemas.microsoft.com/office/powerpoint/2010/main" val="3250996410"/>
+        <p14:creationId xmlns:p14="http://schemas.microsoft.com/office/powerpoint/2010/main" val="790305600"/>
       </p:ext>
     </p:extLst>
   </p:cSld>
@@ -7344,7 +8091,7 @@
           <p:cNvPr id="2" name="Titel 1">
             <a:extLst>
               <a:ext uri="{FF2B5EF4-FFF2-40B4-BE49-F238E27FC236}">
-                <a16:creationId xmlns:a16="http://schemas.microsoft.com/office/drawing/2014/main" id="{7E545568-004C-4426-9618-E5B4001137F9}"/>
+                <a16:creationId xmlns:a16="http://schemas.microsoft.com/office/drawing/2014/main" id="{D55CD077-9E2B-43F3-83A0-334C38F85C7C}"/>
               </a:ext>
             </a:extLst>
           </p:cNvPr>
@@ -7362,7 +8109,7 @@
           <a:p>
             <a:r>
               <a:rPr lang="en-US" dirty="0"/>
-              <a:t>Closure computation</a:t>
+              <a:t>ACI</a:t>
             </a:r>
           </a:p>
         </p:txBody>
@@ -7372,7 +8119,7 @@
           <p:cNvPr id="3" name="Inhaltsplatzhalter 2">
             <a:extLst>
               <a:ext uri="{FF2B5EF4-FFF2-40B4-BE49-F238E27FC236}">
-                <a16:creationId xmlns:a16="http://schemas.microsoft.com/office/drawing/2014/main" id="{586033B4-AF90-4560-A2E5-9FB163B244C7}"/>
+                <a16:creationId xmlns:a16="http://schemas.microsoft.com/office/drawing/2014/main" id="{EABB337D-AA1F-4919-A75D-7EF7AE0BF98B}"/>
               </a:ext>
             </a:extLst>
           </p:cNvPr>
@@ -7385,43 +8132,146 @@
         </p:nvSpPr>
         <p:spPr/>
         <p:txBody>
-          <a:bodyPr/>
+          <a:bodyPr>
+            <a:normAutofit/>
+          </a:bodyPr>
           <a:lstStyle/>
           <a:p>
+            <a:pPr marL="0" indent="0">
+              <a:buNone/>
+            </a:pPr>
+            <a:r>
+              <a:rPr lang="en-US" dirty="0"/>
+              <a:t>equality modulo </a:t>
+            </a:r>
+            <a:r>
+              <a:rPr lang="en-US" i="1" dirty="0"/>
+              <a:t>associativity</a:t>
+            </a:r>
+            <a:r>
+              <a:rPr lang="en-US" dirty="0"/>
+              <a:t>, </a:t>
+            </a:r>
+            <a:r>
+              <a:rPr lang="en-US" i="1" dirty="0"/>
+              <a:t>commutativity</a:t>
+            </a:r>
+            <a:r>
+              <a:rPr lang="en-US" dirty="0"/>
+              <a:t> and </a:t>
+            </a:r>
+            <a:r>
+              <a:rPr lang="en-US" i="1" dirty="0"/>
+              <a:t>idempotence</a:t>
+            </a:r>
+            <a:r>
+              <a:rPr lang="en-US" dirty="0"/>
+              <a:t> of </a:t>
+            </a:r>
+            <a:r>
+              <a:rPr lang="en-US" i="1" dirty="0"/>
+              <a:t>+</a:t>
+            </a:r>
             <a:endParaRPr lang="en-US" dirty="0"/>
           </a:p>
           <a:p>
             <a:endParaRPr lang="en-US" dirty="0"/>
           </a:p>
           <a:p>
-            <a:endParaRPr lang="en-US" dirty="0"/>
-          </a:p>
-          <a:p>
             <a:r>
               <a:rPr lang="en-US" dirty="0"/>
-              <a:t>terminates if either</a:t>
-            </a:r>
-          </a:p>
-          <a:p>
-            <a:pPr lvl="1"/>
+              <a:t>ACI-equality of two REs can be reduced to equality by recursively sorting </a:t>
+            </a:r>
+            <a:r>
+              <a:rPr lang="en-US" dirty="0" err="1"/>
+              <a:t>subterms</a:t>
+            </a:r>
             <a:r>
               <a:rPr lang="en-US" dirty="0"/>
-              <a:t>the work set is empty (</a:t>
-            </a:r>
-            <a:r>
-              <a:rPr lang="en-US" dirty="0" err="1"/>
-              <a:t>bisimulation</a:t>
-            </a:r>
+              <a:t> of nested + terms, and eliminating duplicates</a:t>
+            </a:r>
+          </a:p>
+          <a:p>
+            <a:pPr lvl="1">
+              <a:buFont typeface="Wingdings" panose="05000000000000000000" pitchFamily="2" charset="2"/>
+              <a:buChar char="à"/>
+            </a:pPr>
+            <a:r>
+              <a:rPr lang="en-US" dirty="0">
+                <a:sym typeface="Wingdings" panose="05000000000000000000" pitchFamily="2" charset="2"/>
+              </a:rPr>
+              <a:t>Use some arbitrary order on the constructors: </a:t>
+            </a:r>
+            <a:r>
+              <a:rPr lang="pt-BR" b="1" i="1" dirty="0">
+                <a:latin typeface="Lucida Bright" panose="02040602050505020304" pitchFamily="18" charset="0"/>
+              </a:rPr>
+              <a:t>∅</a:t>
+            </a:r>
+            <a:r>
+              <a:rPr lang="en-US" dirty="0">
+                <a:sym typeface="Wingdings" panose="05000000000000000000" pitchFamily="2" charset="2"/>
+              </a:rPr>
+              <a:t>  &lt; </a:t>
+            </a:r>
+            <a:r>
+              <a:rPr lang="el-GR" i="1" dirty="0"/>
+              <a:t>ε</a:t>
+            </a:r>
+            <a:r>
+              <a:rPr lang="de-DE" i="1" dirty="0"/>
+              <a:t> &lt; a &lt;</a:t>
+            </a:r>
+            <a:r>
+              <a:rPr lang="pt-BR" b="1" i="1" dirty="0">
+                <a:latin typeface="Lucida Bright" panose="02040602050505020304" pitchFamily="18" charset="0"/>
+              </a:rPr>
+              <a:t> </a:t>
+            </a:r>
+            <a:r>
+              <a:rPr lang="en-US" dirty="0">
+                <a:sym typeface="Wingdings" panose="05000000000000000000" pitchFamily="2" charset="2"/>
+              </a:rPr>
+              <a:t>(_)* &lt; (_</a:t>
+            </a:r>
+            <a:r>
+              <a:rPr lang="en-GB" i="1" dirty="0">
+                <a:latin typeface="Cambria Math" panose="02040503050406030204" pitchFamily="18" charset="0"/>
+                <a:ea typeface="Cambria Math" panose="02040503050406030204" pitchFamily="18" charset="0"/>
+              </a:rPr>
+              <a:t>⋅ </a:t>
+            </a:r>
+            <a:r>
+              <a:rPr lang="en-US" dirty="0">
+                <a:sym typeface="Wingdings" panose="05000000000000000000" pitchFamily="2" charset="2"/>
+              </a:rPr>
+              <a:t>_)</a:t>
+            </a:r>
+          </a:p>
+          <a:p>
+            <a:pPr lvl="1">
+              <a:buFont typeface="Wingdings" panose="05000000000000000000" pitchFamily="2" charset="2"/>
+              <a:buChar char="à"/>
+            </a:pPr>
             <a:r>
               <a:rPr lang="en-US" dirty="0"/>
-              <a:t> constructed)</a:t>
-            </a:r>
-          </a:p>
-          <a:p>
-            <a:pPr lvl="1"/>
+              <a:t>The calls also make lists out of nested +’s.</a:t>
+            </a:r>
+          </a:p>
+          <a:p>
+            <a:pPr lvl="1">
+              <a:buFont typeface="Wingdings" panose="05000000000000000000" pitchFamily="2" charset="2"/>
+              <a:buChar char="à"/>
+            </a:pPr>
             <a:r>
               <a:rPr lang="en-US" dirty="0"/>
-              <a:t>a nonequivalent pair of REs is to be processed (counterexample found)</a:t>
+              <a:t>Afterwards, check for equality.</a:t>
+            </a:r>
+          </a:p>
+          <a:p>
+            <a:r>
+              <a:rPr lang="en-US" dirty="0"/>
+              <a:t>alternative: keep the REs in this normal form, as an invariant</a:t>
             </a:r>
           </a:p>
         </p:txBody>
@@ -7429,7 +8279,7 @@
     </p:spTree>
     <p:extLst>
       <p:ext uri="{BB962C8B-B14F-4D97-AF65-F5344CB8AC3E}">
-        <p14:creationId xmlns:p14="http://schemas.microsoft.com/office/powerpoint/2010/main" val="1786495179"/>
+        <p14:creationId xmlns:p14="http://schemas.microsoft.com/office/powerpoint/2010/main" val="3250996410"/>
       </p:ext>
     </p:extLst>
   </p:cSld>
@@ -7440,6 +8290,233 @@
 </file>
 
 <file path=ppt/slides/slide16.xml><?xml version="1.0" encoding="utf-8"?>
+<p:sld xmlns:a="http://schemas.openxmlformats.org/drawingml/2006/main" xmlns:r="http://schemas.openxmlformats.org/officeDocument/2006/relationships" xmlns:p="http://schemas.openxmlformats.org/presentationml/2006/main">
+  <p:cSld>
+    <p:spTree>
+      <p:nvGrpSpPr>
+        <p:cNvPr id="1" name=""/>
+        <p:cNvGrpSpPr/>
+        <p:nvPr/>
+      </p:nvGrpSpPr>
+      <p:grpSpPr>
+        <a:xfrm>
+          <a:off x="0" y="0"/>
+          <a:ext cx="0" cy="0"/>
+          <a:chOff x="0" y="0"/>
+          <a:chExt cx="0" cy="0"/>
+        </a:xfrm>
+      </p:grpSpPr>
+      <p:sp>
+        <p:nvSpPr>
+          <p:cNvPr id="2" name="Titel 1">
+            <a:extLst>
+              <a:ext uri="{FF2B5EF4-FFF2-40B4-BE49-F238E27FC236}">
+                <a16:creationId xmlns:a16="http://schemas.microsoft.com/office/drawing/2014/main" id="{A24B41B1-888F-48DC-BD41-15D6CE619CD0}"/>
+              </a:ext>
+            </a:extLst>
+          </p:cNvPr>
+          <p:cNvSpPr>
+            <a:spLocks noGrp="1"/>
+          </p:cNvSpPr>
+          <p:nvPr>
+            <p:ph type="title"/>
+          </p:nvPr>
+        </p:nvSpPr>
+        <p:spPr/>
+        <p:txBody>
+          <a:bodyPr/>
+          <a:lstStyle/>
+          <a:p>
+            <a:r>
+              <a:rPr lang="en-US" dirty="0" err="1"/>
+              <a:t>Brzozowki’s</a:t>
+            </a:r>
+            <a:r>
+              <a:rPr lang="en-US" dirty="0"/>
+              <a:t> result about termination</a:t>
+            </a:r>
+          </a:p>
+        </p:txBody>
+      </p:sp>
+      <p:sp>
+        <p:nvSpPr>
+          <p:cNvPr id="3" name="Inhaltsplatzhalter 2">
+            <a:extLst>
+              <a:ext uri="{FF2B5EF4-FFF2-40B4-BE49-F238E27FC236}">
+                <a16:creationId xmlns:a16="http://schemas.microsoft.com/office/drawing/2014/main" id="{740A271E-5A51-4AB1-95AC-89ACD35231C5}"/>
+              </a:ext>
+            </a:extLst>
+          </p:cNvPr>
+          <p:cNvSpPr>
+            <a:spLocks noGrp="1"/>
+          </p:cNvSpPr>
+          <p:nvPr>
+            <p:ph idx="1"/>
+          </p:nvPr>
+        </p:nvSpPr>
+        <p:spPr/>
+        <p:txBody>
+          <a:bodyPr/>
+          <a:lstStyle/>
+          <a:p>
+            <a:pPr marL="0" indent="0">
+              <a:buNone/>
+            </a:pPr>
+            <a:r>
+              <a:rPr lang="en-GB" dirty="0"/>
+              <a:t>In each step, we add the following to the work set:</a:t>
+            </a:r>
+          </a:p>
+          <a:p>
+            <a:pPr marL="0" indent="0">
+              <a:buNone/>
+            </a:pPr>
+            <a:endParaRPr lang="en-GB" dirty="0"/>
+          </a:p>
+          <a:p>
+            <a:pPr marL="0" indent="0">
+              <a:buNone/>
+            </a:pPr>
+            <a:r>
+              <a:rPr lang="en-GB" dirty="0">
+                <a:latin typeface="Lucida Bright" panose="02040602050505020304" pitchFamily="18" charset="0"/>
+              </a:rPr>
+              <a:t>[p ← </a:t>
+            </a:r>
+            <a:r>
+              <a:rPr lang="en-GB" dirty="0" err="1">
+                <a:latin typeface="Lucida Bright" panose="02040602050505020304" pitchFamily="18" charset="0"/>
+              </a:rPr>
+              <a:t>succs</a:t>
+            </a:r>
+            <a:r>
+              <a:rPr lang="en-GB" dirty="0">
+                <a:latin typeface="Lucida Bright" panose="02040602050505020304" pitchFamily="18" charset="0"/>
+              </a:rPr>
+              <a:t> as (</a:t>
+            </a:r>
+            <a:r>
+              <a:rPr lang="en-GB" dirty="0" err="1">
+                <a:latin typeface="Lucida Bright" panose="02040602050505020304" pitchFamily="18" charset="0"/>
+              </a:rPr>
+              <a:t>hd</a:t>
+            </a:r>
+            <a:r>
+              <a:rPr lang="en-GB" dirty="0">
+                <a:latin typeface="Lucida Bright" panose="02040602050505020304" pitchFamily="18" charset="0"/>
+              </a:rPr>
+              <a:t> </a:t>
+            </a:r>
+            <a:r>
+              <a:rPr lang="en-GB" dirty="0" err="1">
+                <a:latin typeface="Lucida Bright" panose="02040602050505020304" pitchFamily="18" charset="0"/>
+              </a:rPr>
+              <a:t>ws</a:t>
+            </a:r>
+            <a:r>
+              <a:rPr lang="en-GB" dirty="0">
+                <a:latin typeface="Lucida Bright" panose="02040602050505020304" pitchFamily="18" charset="0"/>
+              </a:rPr>
+              <a:t>) . p ∉ set </a:t>
+            </a:r>
+            <a:r>
+              <a:rPr lang="en-GB" dirty="0" err="1">
+                <a:latin typeface="Lucida Bright" panose="02040602050505020304" pitchFamily="18" charset="0"/>
+              </a:rPr>
+              <a:t>ps'</a:t>
+            </a:r>
+            <a:r>
+              <a:rPr lang="en-GB" dirty="0">
+                <a:latin typeface="Lucida Bright" panose="02040602050505020304" pitchFamily="18" charset="0"/>
+              </a:rPr>
+              <a:t> ∪ set </a:t>
+            </a:r>
+            <a:r>
+              <a:rPr lang="en-GB" dirty="0" err="1">
+                <a:latin typeface="Lucida Bright" panose="02040602050505020304" pitchFamily="18" charset="0"/>
+              </a:rPr>
+              <a:t>ws</a:t>
+            </a:r>
+            <a:r>
+              <a:rPr lang="en-GB" dirty="0">
+                <a:latin typeface="Lucida Bright" panose="02040602050505020304" pitchFamily="18" charset="0"/>
+              </a:rPr>
+              <a:t>]</a:t>
+            </a:r>
+          </a:p>
+          <a:p>
+            <a:pPr marL="0" indent="0">
+              <a:buNone/>
+            </a:pPr>
+            <a:endParaRPr lang="en-US" dirty="0"/>
+          </a:p>
+          <a:p>
+            <a:pPr marL="0" indent="0" algn="ctr">
+              <a:buNone/>
+            </a:pPr>
+            <a:r>
+              <a:rPr lang="en-GB" i="1" dirty="0"/>
+              <a:t>If the </a:t>
+            </a:r>
+            <a:r>
+              <a:rPr lang="en-GB" i="1" dirty="0">
+                <a:latin typeface="Lucida Bright" panose="02040602050505020304" pitchFamily="18" charset="0"/>
+              </a:rPr>
+              <a:t>∉ </a:t>
+            </a:r>
+            <a:r>
+              <a:rPr lang="en-GB" i="1" dirty="0"/>
+              <a:t>filter also considers ACI-equivalent REs to be equal,</a:t>
+            </a:r>
+          </a:p>
+          <a:p>
+            <a:pPr marL="0" indent="0" algn="ctr">
+              <a:buNone/>
+            </a:pPr>
+            <a:r>
+              <a:rPr lang="en-GB" i="1" dirty="0"/>
+              <a:t>then the computation terminates.</a:t>
+            </a:r>
+          </a:p>
+          <a:p>
+            <a:pPr marL="0" indent="0" algn="ctr">
+              <a:buNone/>
+            </a:pPr>
+            <a:endParaRPr lang="en-GB" dirty="0"/>
+          </a:p>
+          <a:p>
+            <a:pPr marL="0" indent="0">
+              <a:buNone/>
+            </a:pPr>
+            <a:r>
+              <a:rPr lang="en-GB" dirty="0"/>
+              <a:t>The resulting relation will still be a </a:t>
+            </a:r>
+            <a:r>
+              <a:rPr lang="en-GB" dirty="0" err="1"/>
+              <a:t>bisimulation</a:t>
+            </a:r>
+            <a:r>
+              <a:rPr lang="en-GB" dirty="0"/>
+              <a:t>.</a:t>
+            </a:r>
+          </a:p>
+        </p:txBody>
+      </p:sp>
+    </p:spTree>
+    <p:extLst>
+      <p:ext uri="{BB962C8B-B14F-4D97-AF65-F5344CB8AC3E}">
+        <p14:creationId xmlns:p14="http://schemas.microsoft.com/office/powerpoint/2010/main" val="1811828584"/>
+      </p:ext>
+    </p:extLst>
+  </p:cSld>
+  <p:clrMapOvr>
+    <a:masterClrMapping/>
+  </p:clrMapOvr>
+</p:sld>
+</file>
+
+<file path=ppt/slides/slide17.xml><?xml version="1.0" encoding="utf-8"?>
 <p:sld xmlns:a="http://schemas.openxmlformats.org/drawingml/2006/main" xmlns:r="http://schemas.openxmlformats.org/officeDocument/2006/relationships" xmlns:p="http://schemas.openxmlformats.org/presentationml/2006/main">
   <p:cSld>
     <p:spTree>
@@ -7983,7 +9060,7 @@
 </p:sld>
 </file>
 
-<file path=ppt/slides/slide17.xml><?xml version="1.0" encoding="utf-8"?>
+<file path=ppt/slides/slide18.xml><?xml version="1.0" encoding="utf-8"?>
 <p:sld xmlns:a="http://schemas.openxmlformats.org/drawingml/2006/main" xmlns:r="http://schemas.openxmlformats.org/officeDocument/2006/relationships" xmlns:p="http://schemas.openxmlformats.org/presentationml/2006/main">
   <p:cSld>
     <p:spTree>
@@ -8151,11 +9228,11 @@
           </a:p>
           <a:p>
             <a:r>
-              <a:rPr lang="en-US" dirty="0"/>
+              <a:rPr lang="en-US" i="1" dirty="0"/>
               <a:t>a</a:t>
             </a:r>
             <a:r>
-              <a:rPr lang="en-US" noProof="0" dirty="0" err="1"/>
+              <a:rPr lang="en-US" i="1" noProof="0" dirty="0" err="1"/>
               <a:t>utomatic</a:t>
             </a:r>
             <a:r>
@@ -8165,8 +9242,12 @@
           </a:p>
           <a:p>
             <a:r>
+              <a:rPr lang="en-US" i="1" noProof="0" dirty="0"/>
+              <a:t>complete</a:t>
+            </a:r>
+            <a:r>
               <a:rPr lang="en-US" noProof="0" dirty="0"/>
-              <a:t>complete</a:t>
+              <a:t>: if r </a:t>
             </a:r>
           </a:p>
           <a:p>
@@ -8235,7 +9316,7 @@
           <p:cNvPr id="2" name="Titel 1">
             <a:extLst>
               <a:ext uri="{FF2B5EF4-FFF2-40B4-BE49-F238E27FC236}">
-                <a16:creationId xmlns:a16="http://schemas.microsoft.com/office/drawing/2014/main" id="{FF9ADB34-2AF9-4877-B402-3DDCAD702750}"/>
+                <a16:creationId xmlns:a16="http://schemas.microsoft.com/office/drawing/2014/main" id="{A929FFEB-97F9-4AAE-81C1-11B5DC6850B7}"/>
               </a:ext>
             </a:extLst>
           </p:cNvPr>
@@ -8253,7 +9334,7 @@
           <a:p>
             <a:r>
               <a:rPr lang="en-US" dirty="0"/>
-              <a:t>Correctness Statement</a:t>
+              <a:t>Shortcuts compared to the textbook method</a:t>
             </a:r>
           </a:p>
         </p:txBody>
@@ -8263,7 +9344,7 @@
           <p:cNvPr id="3" name="Inhaltsplatzhalter 2">
             <a:extLst>
               <a:ext uri="{FF2B5EF4-FFF2-40B4-BE49-F238E27FC236}">
-                <a16:creationId xmlns:a16="http://schemas.microsoft.com/office/drawing/2014/main" id="{76B9DF96-D467-4401-BFBB-446ABE98C79F}"/>
+                <a16:creationId xmlns:a16="http://schemas.microsoft.com/office/drawing/2014/main" id="{CB6452AB-3B3D-4DAE-9DC0-92C5D524D106}"/>
               </a:ext>
             </a:extLst>
           </p:cNvPr>
@@ -8278,47 +9359,45 @@
         <p:txBody>
           <a:bodyPr/>
           <a:lstStyle/>
+          <a:p>
+            <a:pPr marL="0" indent="0">
+              <a:buNone/>
+            </a:pPr>
+            <a:r>
+              <a:rPr lang="en-US" dirty="0"/>
+              <a:t>Avoid having to formalize and prove correct the automata</a:t>
+            </a:r>
+          </a:p>
+          <a:p>
+            <a:r>
+              <a:rPr lang="en-US" dirty="0"/>
+              <a:t>construction (notation!)</a:t>
+            </a:r>
+          </a:p>
+          <a:p>
+            <a:r>
+              <a:rPr lang="en-US" dirty="0"/>
+              <a:t>determinization</a:t>
+            </a:r>
+          </a:p>
+          <a:p>
+            <a:r>
+              <a:rPr lang="en-US" dirty="0"/>
+              <a:t>minimization</a:t>
+            </a:r>
+          </a:p>
           <a:p>
             <a:pPr marL="0" indent="0">
               <a:buNone/>
             </a:pPr>
             <a:endParaRPr lang="en-US" dirty="0"/>
           </a:p>
-          <a:p>
-            <a:pPr marL="0" indent="0">
-              <a:buNone/>
-            </a:pPr>
-            <a:r>
-              <a:rPr lang="en-US" dirty="0" err="1"/>
-              <a:t>is_bisimulation</a:t>
-            </a:r>
-            <a:r>
-              <a:rPr lang="en-US" dirty="0"/>
-              <a:t> as </a:t>
-            </a:r>
-            <a:r>
-              <a:rPr lang="en-US" dirty="0" err="1"/>
-              <a:t>ps</a:t>
-            </a:r>
-            <a:r>
-              <a:rPr lang="en-US" dirty="0"/>
-              <a:t> ⟹ (r, s) ∈ </a:t>
-            </a:r>
-            <a:r>
-              <a:rPr lang="en-US" dirty="0" err="1"/>
-              <a:t>ps</a:t>
-            </a:r>
-            <a:r>
-              <a:rPr lang="en-US" dirty="0"/>
-              <a:t> ⟹ L r = L s</a:t>
-            </a:r>
-          </a:p>
         </p:txBody>
       </p:sp>
     </p:spTree>
     <p:extLst>
       <p:ext uri="{BB962C8B-B14F-4D97-AF65-F5344CB8AC3E}">
-        <p14:creationId xmlns:p14="http://schemas.microsoft.com/office/powerpoint/2010/main" val="3235657987"/>
+        <p14:creationId xmlns:p14="http://schemas.microsoft.com/office/powerpoint/2010/main" val="4220785108"/>
       </p:ext>
     </p:extLst>
   </p:cSld>
@@ -8350,7 +9429,7 @@
           <p:cNvPr id="2" name="Titel 1">
             <a:extLst>
               <a:ext uri="{FF2B5EF4-FFF2-40B4-BE49-F238E27FC236}">
-                <a16:creationId xmlns:a16="http://schemas.microsoft.com/office/drawing/2014/main" id="{A929FFEB-97F9-4AAE-81C1-11B5DC6850B7}"/>
+                <a16:creationId xmlns:a16="http://schemas.microsoft.com/office/drawing/2014/main" id="{FF9ADB34-2AF9-4877-B402-3DDCAD702750}"/>
               </a:ext>
             </a:extLst>
           </p:cNvPr>
@@ -8368,7 +9447,7 @@
           <a:p>
             <a:r>
               <a:rPr lang="en-US" dirty="0"/>
-              <a:t>Shortcuts</a:t>
+              <a:t>Correctness Statement</a:t>
             </a:r>
           </a:p>
         </p:txBody>
@@ -8378,7 +9457,7 @@
           <p:cNvPr id="3" name="Inhaltsplatzhalter 2">
             <a:extLst>
               <a:ext uri="{FF2B5EF4-FFF2-40B4-BE49-F238E27FC236}">
-                <a16:creationId xmlns:a16="http://schemas.microsoft.com/office/drawing/2014/main" id="{CB6452AB-3B3D-4DAE-9DC0-92C5D524D106}"/>
+                <a16:creationId xmlns:a16="http://schemas.microsoft.com/office/drawing/2014/main" id="{76B9DF96-D467-4401-BFBB-446ABE98C79F}"/>
               </a:ext>
             </a:extLst>
           </p:cNvPr>
@@ -8393,45 +9472,74 @@
         <p:txBody>
           <a:bodyPr/>
           <a:lstStyle/>
-          <a:p>
-            <a:pPr marL="0" indent="0">
-              <a:buNone/>
-            </a:pPr>
-            <a:r>
-              <a:rPr lang="en-US" dirty="0"/>
-              <a:t>Avoid having to formalize and prove correct the automata</a:t>
-            </a:r>
-          </a:p>
-          <a:p>
-            <a:r>
-              <a:rPr lang="en-US" dirty="0"/>
-              <a:t>construction (notation!)</a:t>
-            </a:r>
-          </a:p>
-          <a:p>
-            <a:r>
-              <a:rPr lang="en-US" dirty="0"/>
-              <a:t>determinization</a:t>
-            </a:r>
-          </a:p>
-          <a:p>
-            <a:r>
-              <a:rPr lang="en-US" dirty="0"/>
-              <a:t>minimization</a:t>
-            </a:r>
-          </a:p>
           <a:p>
             <a:pPr marL="0" indent="0">
               <a:buNone/>
             </a:pPr>
             <a:endParaRPr lang="en-US" dirty="0"/>
           </a:p>
+          <a:p>
+            <a:pPr marL="0" indent="0">
+              <a:buNone/>
+            </a:pPr>
+            <a:r>
+              <a:rPr lang="en-US" i="1" dirty="0" err="1">
+                <a:latin typeface="Cambria Math" panose="02040503050406030204" pitchFamily="18" charset="0"/>
+                <a:ea typeface="Cambria Math" panose="02040503050406030204" pitchFamily="18" charset="0"/>
+              </a:rPr>
+              <a:t>is_bisimulation</a:t>
+            </a:r>
+            <a:r>
+              <a:rPr lang="en-US" i="1" dirty="0">
+                <a:latin typeface="Cambria Math" panose="02040503050406030204" pitchFamily="18" charset="0"/>
+                <a:ea typeface="Cambria Math" panose="02040503050406030204" pitchFamily="18" charset="0"/>
+              </a:rPr>
+              <a:t> as </a:t>
+            </a:r>
+            <a:r>
+              <a:rPr lang="en-US" i="1" dirty="0" err="1">
+                <a:latin typeface="Cambria Math" panose="02040503050406030204" pitchFamily="18" charset="0"/>
+                <a:ea typeface="Cambria Math" panose="02040503050406030204" pitchFamily="18" charset="0"/>
+              </a:rPr>
+              <a:t>ps</a:t>
+            </a:r>
+            <a:endParaRPr lang="en-US" i="1" dirty="0">
+              <a:latin typeface="Cambria Math" panose="02040503050406030204" pitchFamily="18" charset="0"/>
+              <a:ea typeface="Cambria Math" panose="02040503050406030204" pitchFamily="18" charset="0"/>
+            </a:endParaRPr>
+          </a:p>
+          <a:p>
+            <a:pPr marL="0" indent="0">
+              <a:buNone/>
+            </a:pPr>
+            <a:r>
+              <a:rPr lang="en-US" i="1" dirty="0">
+                <a:latin typeface="Cambria Math" panose="02040503050406030204" pitchFamily="18" charset="0"/>
+                <a:ea typeface="Cambria Math" panose="02040503050406030204" pitchFamily="18" charset="0"/>
+              </a:rPr>
+              <a:t>	⟹ (r, s) ∈ </a:t>
+            </a:r>
+            <a:r>
+              <a:rPr lang="en-US" i="1" dirty="0" err="1">
+                <a:latin typeface="Cambria Math" panose="02040503050406030204" pitchFamily="18" charset="0"/>
+                <a:ea typeface="Cambria Math" panose="02040503050406030204" pitchFamily="18" charset="0"/>
+              </a:rPr>
+              <a:t>ps</a:t>
+            </a:r>
+            <a:r>
+              <a:rPr lang="en-US" i="1" dirty="0">
+                <a:latin typeface="Cambria Math" panose="02040503050406030204" pitchFamily="18" charset="0"/>
+                <a:ea typeface="Cambria Math" panose="02040503050406030204" pitchFamily="18" charset="0"/>
+              </a:rPr>
+              <a:t> ⟹ L (r) = L (s)</a:t>
+            </a:r>
+          </a:p>
         </p:txBody>
       </p:sp>
     </p:spTree>
     <p:extLst>
       <p:ext uri="{BB962C8B-B14F-4D97-AF65-F5344CB8AC3E}">
-        <p14:creationId xmlns:p14="http://schemas.microsoft.com/office/powerpoint/2010/main" val="4220785108"/>
+        <p14:creationId xmlns:p14="http://schemas.microsoft.com/office/powerpoint/2010/main" val="3235657987"/>
       </p:ext>
     </p:extLst>
   </p:cSld>
@@ -8722,14 +9830,14 @@
           <a:p>
             <a:r>
               <a:rPr lang="en-US" dirty="0" err="1"/>
-              <a:t>Bisimulations</a:t>
+              <a:t>Bisimulation</a:t>
             </a:r>
             <a:endParaRPr lang="en-US" dirty="0"/>
           </a:p>
         </p:txBody>
       </p:sp>
-      <mc:AlternateContent xmlns:mc="http://schemas.openxmlformats.org/markup-compatibility/2006" xmlns:a14="http://schemas.microsoft.com/office/drawing/2010/main">
-        <mc:Choice Requires="a14">
+      <mc:AlternateContent xmlns:mc="http://schemas.openxmlformats.org/markup-compatibility/2006">
+        <mc:Choice xmlns:a14="http://schemas.microsoft.com/office/drawing/2010/main" Requires="a14">
           <p:sp>
             <p:nvSpPr>
               <p:cNvPr id="3" name="Inhaltsplatzhalter 2">
@@ -8758,10 +9866,13 @@
                 </a:pPr>
                 <a:r>
                   <a:rPr lang="en-US" dirty="0"/>
-                  <a:t>Definition</a:t>
+                  <a:t>Definition:</a:t>
                 </a:r>
               </a:p>
               <a:p>
+                <a:pPr marL="0" indent="0">
+                  <a:buNone/>
+                </a:pPr>
                 <a:r>
                   <a:rPr lang="en-GB" dirty="0"/>
                   <a:t>for all </a:t>
@@ -8782,69 +9893,118 @@
                   </a:rPr>
                   <a:t>B</a:t>
                 </a:r>
-                <a:endParaRPr lang="en-GB" dirty="0"/>
+                <a:r>
+                  <a:rPr lang="en-GB" dirty="0"/>
+                  <a:t>, if </a:t>
+                </a:r>
+                <a:r>
+                  <a:rPr lang="en-GB" i="1" dirty="0">
+                    <a:latin typeface="Lucida Bright" panose="02040602050505020304" pitchFamily="18" charset="0"/>
+                  </a:rPr>
+                  <a:t>A ∼ B</a:t>
+                </a:r>
+                <a:r>
+                  <a:rPr lang="en-GB" dirty="0"/>
+                  <a:t>, then</a:t>
+                </a:r>
+                <a:endParaRPr lang="en-GB" sz="2400" dirty="0"/>
+              </a:p>
+              <a:p>
+                <a:pPr marL="0" indent="0">
+                  <a:buNone/>
+                </a:pPr>
+                <a:r>
+                  <a:rPr lang="en-GB" sz="2400" i="1" dirty="0">
+                    <a:latin typeface="Lucida Bright" panose="02040602050505020304" pitchFamily="18" charset="0"/>
+                  </a:rPr>
+                  <a:t>	[] ∈ A ⟷ [] ∈ B</a:t>
+                </a:r>
+              </a:p>
+              <a:p>
+                <a:pPr marL="0" indent="0">
+                  <a:buNone/>
+                </a:pPr>
+                <a:r>
+                  <a:rPr lang="en-GB" dirty="0"/>
+                  <a:t>   and</a:t>
+                </a:r>
               </a:p>
               <a:p>
                 <a:pPr marL="457200" lvl="1" indent="0">
                   <a:buNone/>
                 </a:pPr>
                 <a:r>
+                  <a:rPr lang="pt-BR" dirty="0">
+                    <a:ea typeface="Cambria Math" panose="02040503050406030204" pitchFamily="18" charset="0"/>
+                  </a:rPr>
+                  <a:t>       </a:t>
+                </a:r>
+                <a14:m>
+                  <m:oMath xmlns:m="http://schemas.openxmlformats.org/officeDocument/2006/math">
+                    <m:sSub>
+                      <m:sSubPr>
+                        <m:ctrlPr>
+                          <a:rPr lang="pt-BR" i="1">
+                            <a:latin typeface="Cambria Math" panose="02040503050406030204" pitchFamily="18" charset="0"/>
+                            <a:ea typeface="Cambria Math" panose="02040503050406030204" pitchFamily="18" charset="0"/>
+                          </a:rPr>
+                        </m:ctrlPr>
+                      </m:sSubPr>
+                      <m:e>
+                        <m:r>
+                          <a:rPr lang="pt-BR" i="1">
+                            <a:latin typeface="Cambria Math" panose="02040503050406030204" pitchFamily="18" charset="0"/>
+                            <a:ea typeface="Cambria Math" panose="02040503050406030204" pitchFamily="18" charset="0"/>
+                          </a:rPr>
+                          <m:t>∀</m:t>
+                        </m:r>
+                        <m:r>
+                          <a:rPr lang="de-DE" b="0" i="1" smtClean="0">
+                            <a:latin typeface="Cambria Math" panose="02040503050406030204" pitchFamily="18" charset="0"/>
+                            <a:ea typeface="Cambria Math" panose="02040503050406030204" pitchFamily="18" charset="0"/>
+                          </a:rPr>
+                          <m:t>𝑥</m:t>
+                        </m:r>
+                        <m:r>
+                          <a:rPr lang="de-DE" b="0" i="1" smtClean="0">
+                            <a:latin typeface="Cambria Math" panose="02040503050406030204" pitchFamily="18" charset="0"/>
+                            <a:ea typeface="Cambria Math" panose="02040503050406030204" pitchFamily="18" charset="0"/>
+                          </a:rPr>
+                          <m:t>. </m:t>
+                        </m:r>
+                        <m:r>
+                          <a:rPr lang="de-DE" i="1">
+                            <a:latin typeface="Cambria Math" panose="02040503050406030204" pitchFamily="18" charset="0"/>
+                            <a:ea typeface="Cambria Math" panose="02040503050406030204" pitchFamily="18" charset="0"/>
+                          </a:rPr>
+                          <m:t>𝐷</m:t>
+                        </m:r>
+                      </m:e>
+                      <m:sub>
+                        <m:r>
+                          <a:rPr lang="de-DE" i="1">
+                            <a:latin typeface="Cambria Math" panose="02040503050406030204" pitchFamily="18" charset="0"/>
+                            <a:ea typeface="Cambria Math" panose="02040503050406030204" pitchFamily="18" charset="0"/>
+                          </a:rPr>
+                          <m:t>𝑥</m:t>
+                        </m:r>
+                      </m:sub>
+                    </m:sSub>
+                  </m:oMath>
+                </a14:m>
+                <a:r>
+                  <a:rPr lang="pt-BR" i="1" dirty="0">
+                    <a:latin typeface="Lucida Bright" panose="02040602050505020304" pitchFamily="18" charset="0"/>
+                    <a:ea typeface="Cambria Math" panose="02040503050406030204" pitchFamily="18" charset="0"/>
+                    <a:cs typeface="Times New Roman" panose="02020603050405020304" pitchFamily="18" charset="0"/>
+                  </a:rPr>
+                  <a:t> (A)</a:t>
+                </a:r>
+                <a:r>
                   <a:rPr lang="en-GB" i="1" dirty="0">
                     <a:latin typeface="Lucida Bright" panose="02040602050505020304" pitchFamily="18" charset="0"/>
                   </a:rPr>
-                  <a:t>A ∼ B ⟹ [] ∈ A ⟷ [] ∈ B</a:t>
-                </a:r>
-              </a:p>
-              <a:p>
-                <a:r>
-                  <a:rPr lang="en-GB" dirty="0"/>
-                  <a:t>for all </a:t>
-                </a:r>
-                <a:r>
-                  <a:rPr lang="en-GB" i="1" dirty="0">
-                    <a:latin typeface="Lucida Bright" panose="02040602050505020304" pitchFamily="18" charset="0"/>
-                    <a:ea typeface="Cambria Math" panose="02040503050406030204" pitchFamily="18" charset="0"/>
-                  </a:rPr>
-                  <a:t>A</a:t>
-                </a:r>
-                <a:r>
-                  <a:rPr lang="en-GB" dirty="0"/>
-                  <a:t> and </a:t>
-                </a:r>
-                <a:r>
-                  <a:rPr lang="en-GB" i="1" dirty="0">
-                    <a:latin typeface="Lucida Bright" panose="02040602050505020304" pitchFamily="18" charset="0"/>
-                  </a:rPr>
-                  <a:t>B</a:t>
-                </a:r>
-                <a:r>
-                  <a:rPr lang="en-GB" i="1" dirty="0">
-                    <a:latin typeface="Cambria Math" panose="02040503050406030204" pitchFamily="18" charset="0"/>
-                    <a:ea typeface="Cambria Math" panose="02040503050406030204" pitchFamily="18" charset="0"/>
-                  </a:rPr>
-                  <a:t> </a:t>
-                </a:r>
-                <a:r>
-                  <a:rPr lang="en-GB" dirty="0"/>
-                  <a:t>and </a:t>
-                </a:r>
-                <a:r>
-                  <a:rPr lang="en-GB" i="1" dirty="0">
-                    <a:latin typeface="Lucida Bright" panose="02040602050505020304" pitchFamily="18" charset="0"/>
-                  </a:rPr>
-                  <a:t>x</a:t>
-                </a:r>
-                <a:endParaRPr lang="en-GB" dirty="0"/>
-              </a:p>
-              <a:p>
-                <a:pPr marL="457200" lvl="1" indent="0">
-                  <a:buNone/>
-                </a:pPr>
-                <a:r>
-                  <a:rPr lang="en-GB" i="1" dirty="0">
-                    <a:latin typeface="Lucida Bright" panose="02040602050505020304" pitchFamily="18" charset="0"/>
-                  </a:rPr>
-                  <a:t>A ∼ B ⟹ </a:t>
+                  <a:t> ∼ </a:t>
                 </a:r>
                 <a14:m>
                   <m:oMath xmlns:m="http://schemas.openxmlformats.org/officeDocument/2006/math">
@@ -8884,52 +10044,6 @@
                     <a:ea typeface="Cambria Math" panose="02040503050406030204" pitchFamily="18" charset="0"/>
                     <a:cs typeface="Times New Roman" panose="02020603050405020304" pitchFamily="18" charset="0"/>
                   </a:rPr>
-                  <a:t> (A)</a:t>
-                </a:r>
-                <a:r>
-                  <a:rPr lang="en-GB" i="1" dirty="0">
-                    <a:latin typeface="Lucida Bright" panose="02040602050505020304" pitchFamily="18" charset="0"/>
-                  </a:rPr>
-                  <a:t> ∼ </a:t>
-                </a:r>
-                <a14:m>
-                  <m:oMath xmlns:m="http://schemas.openxmlformats.org/officeDocument/2006/math">
-                    <m:sSub>
-                      <m:sSubPr>
-                        <m:ctrlPr>
-                          <a:rPr lang="pt-BR" i="1">
-                            <a:latin typeface="Cambria Math" panose="02040503050406030204" pitchFamily="18" charset="0"/>
-                            <a:ea typeface="Cambria Math" panose="02040503050406030204" pitchFamily="18" charset="0"/>
-                          </a:rPr>
-                        </m:ctrlPr>
-                      </m:sSubPr>
-                      <m:e>
-                        <m:r>
-                          <a:rPr lang="de-DE" i="1">
-                            <a:latin typeface="Cambria Math" panose="02040503050406030204" pitchFamily="18" charset="0"/>
-                            <a:ea typeface="Cambria Math" panose="02040503050406030204" pitchFamily="18" charset="0"/>
-                          </a:rPr>
-                          <m:t>𝐷</m:t>
-                        </m:r>
-                      </m:e>
-                      <m:sub>
-                        <m:r>
-                          <a:rPr lang="de-DE" i="1">
-                            <a:latin typeface="Cambria Math" panose="02040503050406030204" pitchFamily="18" charset="0"/>
-                            <a:ea typeface="Cambria Math" panose="02040503050406030204" pitchFamily="18" charset="0"/>
-                          </a:rPr>
-                          <m:t>𝑥</m:t>
-                        </m:r>
-                      </m:sub>
-                    </m:sSub>
-                  </m:oMath>
-                </a14:m>
-                <a:r>
-                  <a:rPr lang="pt-BR" i="1" dirty="0">
-                    <a:latin typeface="Lucida Bright" panose="02040602050505020304" pitchFamily="18" charset="0"/>
-                    <a:ea typeface="Cambria Math" panose="02040503050406030204" pitchFamily="18" charset="0"/>
-                    <a:cs typeface="Times New Roman" panose="02020603050405020304" pitchFamily="18" charset="0"/>
-                  </a:rPr>
                   <a:t> (B)</a:t>
                 </a:r>
                 <a:r>
@@ -9004,7 +10118,7 @@
             </p:txBody>
           </p:sp>
         </mc:Choice>
-        <mc:Fallback xmlns="">
+        <mc:Fallback>
           <p:sp>
             <p:nvSpPr>
               <p:cNvPr id="3" name="Inhaltsplatzhalter 2">
@@ -9996,8 +11110,8 @@
           </a:p>
         </p:txBody>
       </p:sp>
-      <mc:AlternateContent xmlns:mc="http://schemas.openxmlformats.org/markup-compatibility/2006" xmlns:a14="http://schemas.microsoft.com/office/drawing/2010/main">
-        <mc:Choice Requires="a14">
+      <mc:AlternateContent xmlns:mc="http://schemas.openxmlformats.org/markup-compatibility/2006">
+        <mc:Choice xmlns:a14="http://schemas.microsoft.com/office/drawing/2010/main" Requires="a14">
           <p:sp>
             <p:nvSpPr>
               <p:cNvPr id="3" name="Inhaltsplatzhalter 2">
@@ -10035,33 +11149,27 @@
                       </m:sSubPr>
                       <m:e>
                         <m:r>
-                          <m:rPr>
-                            <m:sty m:val="p"/>
-                          </m:rPr>
-                          <a:rPr lang="de-DE" i="0">
+                          <a:rPr lang="de-DE" i="1">
                             <a:latin typeface="Cambria Math" panose="02040503050406030204" pitchFamily="18" charset="0"/>
                             <a:ea typeface="Cambria Math" panose="02040503050406030204" pitchFamily="18" charset="0"/>
                           </a:rPr>
-                          <m:t>d</m:t>
+                          <m:t>𝑑</m:t>
                         </m:r>
                       </m:e>
                       <m:sub>
                         <m:r>
-                          <m:rPr>
-                            <m:sty m:val="p"/>
-                          </m:rPr>
-                          <a:rPr lang="de-DE" i="0">
+                          <a:rPr lang="de-DE" i="1">
                             <a:latin typeface="Cambria Math" panose="02040503050406030204" pitchFamily="18" charset="0"/>
                             <a:ea typeface="Cambria Math" panose="02040503050406030204" pitchFamily="18" charset="0"/>
                           </a:rPr>
-                          <m:t>a</m:t>
+                          <m:t>𝑎</m:t>
                         </m:r>
                       </m:sub>
                     </m:sSub>
                   </m:oMath>
                 </a14:m>
                 <a:r>
-                  <a:rPr lang="en-GB" dirty="0">
+                  <a:rPr lang="en-GB" i="1" dirty="0">
                     <a:latin typeface="Cambria Math" panose="02040503050406030204" pitchFamily="18" charset="0"/>
                     <a:ea typeface="Cambria Math" panose="02040503050406030204" pitchFamily="18" charset="0"/>
                   </a:rPr>
@@ -10073,7 +11181,7 @@
                   <a:buNone/>
                 </a:pPr>
                 <a:r>
-                  <a:rPr lang="en-GB" dirty="0">
+                  <a:rPr lang="en-GB" i="1" dirty="0">
                     <a:latin typeface="Cambria Math" panose="02040503050406030204" pitchFamily="18" charset="0"/>
                     <a:ea typeface="Cambria Math" panose="02040503050406030204" pitchFamily="18" charset="0"/>
                   </a:rPr>
@@ -10138,25 +11246,11 @@
                   <a:buNone/>
                 </a:pPr>
                 <a:r>
-                  <a:rPr lang="en-GB" dirty="0">
-                    <a:latin typeface="Cambria Math" panose="02040503050406030204" pitchFamily="18" charset="0"/>
-                    <a:ea typeface="Cambria Math" panose="02040503050406030204" pitchFamily="18" charset="0"/>
-                  </a:rPr>
-                  <a:t>		in if </a:t>
-                </a:r>
-                <a:r>
                   <a:rPr lang="en-GB" i="1" dirty="0">
                     <a:latin typeface="Cambria Math" panose="02040503050406030204" pitchFamily="18" charset="0"/>
                     <a:ea typeface="Cambria Math" panose="02040503050406030204" pitchFamily="18" charset="0"/>
                   </a:rPr>
-                  <a:t>nullable r</a:t>
-                </a:r>
-                <a:r>
-                  <a:rPr lang="en-GB" dirty="0">
-                    <a:latin typeface="Cambria Math" panose="02040503050406030204" pitchFamily="18" charset="0"/>
-                    <a:ea typeface="Cambria Math" panose="02040503050406030204" pitchFamily="18" charset="0"/>
-                  </a:rPr>
-                  <a:t>  then </a:t>
+                  <a:t>		in if nullable r  then </a:t>
                 </a:r>
                 <a:r>
                   <a:rPr lang="en-GB" i="1" dirty="0" err="1">
@@ -10209,14 +11303,7 @@
                     <a:latin typeface="Cambria Math" panose="02040503050406030204" pitchFamily="18" charset="0"/>
                     <a:ea typeface="Cambria Math" panose="02040503050406030204" pitchFamily="18" charset="0"/>
                   </a:rPr>
-                  <a:t> (s) </a:t>
-                </a:r>
-                <a:r>
-                  <a:rPr lang="en-GB" dirty="0">
-                    <a:latin typeface="Cambria Math" panose="02040503050406030204" pitchFamily="18" charset="0"/>
-                    <a:ea typeface="Cambria Math" panose="02040503050406030204" pitchFamily="18" charset="0"/>
-                  </a:rPr>
-                  <a:t>else </a:t>
+                  <a:t> (s) else </a:t>
                 </a:r>
                 <a:r>
                   <a:rPr lang="en-GB" i="1" dirty="0" err="1">
@@ -10226,7 +11313,7 @@
                   <a:t>drs</a:t>
                 </a:r>
                 <a:r>
-                  <a:rPr lang="en-GB" dirty="0">
+                  <a:rPr lang="en-GB" i="1" dirty="0">
                     <a:latin typeface="Cambria Math" panose="02040503050406030204" pitchFamily="18" charset="0"/>
                     <a:ea typeface="Cambria Math" panose="02040503050406030204" pitchFamily="18" charset="0"/>
                   </a:rPr>
@@ -10256,31 +11343,25 @@
                       </m:sSubPr>
                       <m:e>
                         <m:r>
-                          <m:rPr>
-                            <m:sty m:val="p"/>
-                          </m:rPr>
-                          <a:rPr lang="de-DE" i="0">
+                          <a:rPr lang="de-DE" i="1">
                             <a:latin typeface="Cambria Math" panose="02040503050406030204" pitchFamily="18" charset="0"/>
                             <a:ea typeface="Cambria Math" panose="02040503050406030204" pitchFamily="18" charset="0"/>
                           </a:rPr>
-                          <m:t>d</m:t>
+                          <m:t>𝑑</m:t>
                         </m:r>
                       </m:e>
                       <m:sub>
                         <m:r>
-                          <m:rPr>
-                            <m:sty m:val="p"/>
-                          </m:rPr>
-                          <a:rPr lang="de-DE" i="0">
+                          <a:rPr lang="de-DE" i="1">
                             <a:latin typeface="Cambria Math" panose="02040503050406030204" pitchFamily="18" charset="0"/>
                             <a:ea typeface="Cambria Math" panose="02040503050406030204" pitchFamily="18" charset="0"/>
                           </a:rPr>
-                          <m:t>a</m:t>
+                          <m:t>𝑎</m:t>
                         </m:r>
                       </m:sub>
                     </m:sSub>
                     <m:r>
-                      <a:rPr lang="de-DE" i="0">
+                      <a:rPr lang="de-DE" i="1">
                         <a:latin typeface="Cambria Math" panose="02040503050406030204" pitchFamily="18" charset="0"/>
                         <a:ea typeface="Cambria Math" panose="02040503050406030204" pitchFamily="18" charset="0"/>
                       </a:rPr>
@@ -10289,7 +11370,7 @@
                   </m:oMath>
                 </a14:m>
                 <a:r>
-                  <a:rPr lang="pt-BR" dirty="0">
+                  <a:rPr lang="pt-BR" i="1" dirty="0">
                     <a:latin typeface="Cambria Math" panose="02040503050406030204" pitchFamily="18" charset="0"/>
                     <a:ea typeface="Cambria Math" panose="02040503050406030204" pitchFamily="18" charset="0"/>
                   </a:rPr>
@@ -10308,61 +11389,48 @@
                       </m:sSubPr>
                       <m:e>
                         <m:r>
-                          <m:rPr>
-                            <m:sty m:val="p"/>
-                          </m:rPr>
-                          <a:rPr lang="de-DE" i="0">
+                          <a:rPr lang="de-DE" i="1">
                             <a:latin typeface="Cambria Math" panose="02040503050406030204" pitchFamily="18" charset="0"/>
                             <a:ea typeface="Cambria Math" panose="02040503050406030204" pitchFamily="18" charset="0"/>
                           </a:rPr>
-                          <m:t>d</m:t>
+                          <m:t>𝑑</m:t>
                         </m:r>
                       </m:e>
                       <m:sub>
                         <m:r>
-                          <m:rPr>
-                            <m:sty m:val="p"/>
-                          </m:rPr>
-                          <a:rPr lang="de-DE" i="0">
+                          <a:rPr lang="de-DE" i="1">
                             <a:latin typeface="Cambria Math" panose="02040503050406030204" pitchFamily="18" charset="0"/>
                             <a:ea typeface="Cambria Math" panose="02040503050406030204" pitchFamily="18" charset="0"/>
                           </a:rPr>
-                          <m:t>a</m:t>
+                          <m:t>𝑎</m:t>
                         </m:r>
                       </m:sub>
                     </m:sSub>
                     <m:r>
-                      <a:rPr lang="de-DE" i="0">
+                      <a:rPr lang="de-DE" i="1">
                         <a:latin typeface="Cambria Math" panose="02040503050406030204" pitchFamily="18" charset="0"/>
                         <a:ea typeface="Cambria Math" panose="02040503050406030204" pitchFamily="18" charset="0"/>
                       </a:rPr>
                       <m:t> </m:t>
                     </m:r>
-                    <m:r>
-                      <a:rPr lang="de-DE" b="0" i="0" smtClean="0">
-                        <a:latin typeface="Cambria Math" panose="02040503050406030204" pitchFamily="18" charset="0"/>
-                        <a:ea typeface="Cambria Math" panose="02040503050406030204" pitchFamily="18" charset="0"/>
-                      </a:rPr>
-                      <m:t>(</m:t>
-                    </m:r>
                   </m:oMath>
                 </a14:m>
                 <a:r>
-                  <a:rPr lang="pt-BR" dirty="0">
+                  <a:rPr lang="pt-BR" i="1" dirty="0">
                     <a:latin typeface="Cambria Math" panose="02040503050406030204" pitchFamily="18" charset="0"/>
                     <a:ea typeface="Cambria Math" panose="02040503050406030204" pitchFamily="18" charset="0"/>
                   </a:rPr>
-                  <a:t>r) </a:t>
-                </a:r>
-                <a:r>
-                  <a:rPr lang="en-GB" dirty="0">
+                  <a:t>(r) </a:t>
+                </a:r>
+                <a:r>
+                  <a:rPr lang="en-GB" i="1" dirty="0">
                     <a:latin typeface="Cambria Math" panose="02040503050406030204" pitchFamily="18" charset="0"/>
                     <a:ea typeface="Cambria Math" panose="02040503050406030204" pitchFamily="18" charset="0"/>
                   </a:rPr>
                   <a:t>⋅</a:t>
                 </a:r>
                 <a:r>
-                  <a:rPr lang="pt-BR" dirty="0">
+                  <a:rPr lang="pt-BR" i="1" dirty="0">
                     <a:latin typeface="Cambria Math" panose="02040503050406030204" pitchFamily="18" charset="0"/>
                     <a:ea typeface="Cambria Math" panose="02040503050406030204" pitchFamily="18" charset="0"/>
                   </a:rPr>
@@ -10387,7 +11455,7 @@
                     <a:latin typeface="Cambria Math" panose="02040503050406030204" pitchFamily="18" charset="0"/>
                     <a:ea typeface="Cambria Math" panose="02040503050406030204" pitchFamily="18" charset="0"/>
                   </a:rPr>
-                  <a:t>	―</a:t>
+                  <a:t>	</a:t>
                 </a:r>
               </a:p>
               <a:p>
@@ -10548,12 +11616,12 @@
                   <a:t> </a:t>
                 </a:r>
                 <a:r>
-                  <a:rPr lang="pt-BR" i="1" dirty="0">
+                  <a:rPr lang="pt-BR" dirty="0">
                     <a:ea typeface="Cambria Math" panose="02040503050406030204" pitchFamily="18" charset="0"/>
                   </a:rPr>
                   <a:t>follows by structural induction.</a:t>
                 </a:r>
-                <a:endParaRPr lang="pt-BR" i="1" dirty="0">
+                <a:endParaRPr lang="pt-BR" dirty="0">
                   <a:latin typeface="Lucida Bright" panose="02040602050505020304" pitchFamily="18" charset="0"/>
                   <a:ea typeface="Cambria Math" panose="02040503050406030204" pitchFamily="18" charset="0"/>
                 </a:endParaRPr>
@@ -10561,7 +11629,7 @@
             </p:txBody>
           </p:sp>
         </mc:Choice>
-        <mc:Fallback xmlns="">
+        <mc:Fallback>
           <p:sp>
             <p:nvSpPr>
               <p:cNvPr id="3" name="Inhaltsplatzhalter 2">
@@ -10601,6 +11669,51 @@
           </p:sp>
         </mc:Fallback>
       </mc:AlternateContent>
+      <p:cxnSp>
+        <p:nvCxnSpPr>
+          <p:cNvPr id="5" name="Gerader Verbinder 4">
+            <a:extLst>
+              <a:ext uri="{FF2B5EF4-FFF2-40B4-BE49-F238E27FC236}">
+                <a16:creationId xmlns:a16="http://schemas.microsoft.com/office/drawing/2014/main" id="{CD99C618-0A36-476F-BCA0-8DA59180F778}"/>
+              </a:ext>
+            </a:extLst>
+          </p:cNvPr>
+          <p:cNvCxnSpPr>
+            <a:cxnSpLocks/>
+          </p:cNvCxnSpPr>
+          <p:nvPr/>
+        </p:nvCxnSpPr>
+        <p:spPr>
+          <a:xfrm>
+            <a:off x="948267" y="4921956"/>
+            <a:ext cx="7710311" cy="0"/>
+          </a:xfrm>
+          <a:prstGeom prst="line">
+            <a:avLst/>
+          </a:prstGeom>
+          <a:ln>
+            <a:solidFill>
+              <a:schemeClr val="bg2">
+                <a:lumMod val="90000"/>
+              </a:schemeClr>
+            </a:solidFill>
+          </a:ln>
+        </p:spPr>
+        <p:style>
+          <a:lnRef idx="1">
+            <a:schemeClr val="accent1"/>
+          </a:lnRef>
+          <a:fillRef idx="0">
+            <a:schemeClr val="accent1"/>
+          </a:fillRef>
+          <a:effectRef idx="0">
+            <a:schemeClr val="accent1"/>
+          </a:effectRef>
+          <a:fontRef idx="minor">
+            <a:schemeClr val="tx1"/>
+          </a:fontRef>
+        </p:style>
+      </p:cxnSp>
     </p:spTree>
     <p:extLst>
       <p:ext uri="{BB962C8B-B14F-4D97-AF65-F5344CB8AC3E}">

--- a/slides.pptx
+++ b/slides.pptx
@@ -5,7 +5,7 @@
     <p:sldMasterId id="2147483648" r:id="rId1"/>
   </p:sldMasterIdLst>
   <p:notesMasterIdLst>
-    <p:notesMasterId r:id="rId20"/>
+    <p:notesMasterId r:id="rId21"/>
   </p:notesMasterIdLst>
   <p:sldIdLst>
     <p:sldId id="256" r:id="rId2"/>
@@ -22,10 +22,11 @@
     <p:sldId id="281" r:id="rId13"/>
     <p:sldId id="265" r:id="rId14"/>
     <p:sldId id="274" r:id="rId15"/>
-    <p:sldId id="264" r:id="rId16"/>
-    <p:sldId id="284" r:id="rId17"/>
-    <p:sldId id="257" r:id="rId18"/>
-    <p:sldId id="283" r:id="rId19"/>
+    <p:sldId id="285" r:id="rId16"/>
+    <p:sldId id="264" r:id="rId17"/>
+    <p:sldId id="284" r:id="rId18"/>
+    <p:sldId id="257" r:id="rId19"/>
+    <p:sldId id="283" r:id="rId20"/>
   </p:sldIdLst>
   <p:sldSz cx="12192000" cy="6858000"/>
   <p:notesSz cx="6858000" cy="9144000"/>
@@ -767,7 +768,18 @@
             </a:r>
           </a:p>
           <a:p>
-            <a:endParaRPr lang="en-US" dirty="0"/>
+            <a:r>
+              <a:rPr lang="en-US" dirty="0"/>
+              <a:t>2: This property is one half of the </a:t>
+            </a:r>
+            <a:r>
+              <a:rPr lang="en-US" dirty="0" err="1"/>
+              <a:t>bisiumlation</a:t>
+            </a:r>
+            <a:r>
+              <a:rPr lang="en-US" dirty="0"/>
+              <a:t> property, the other half is intrinsic to the pairs and checked when these are moved over to the relation</a:t>
+            </a:r>
           </a:p>
         </p:txBody>
       </p:sp>
@@ -1139,19 +1151,53 @@
           <a:p>
             <a:r>
               <a:rPr lang="en-US" dirty="0"/>
-              <a:t>meaning that two REs are ACI-equal </a:t>
+              <a:t>To improve </a:t>
             </a:r>
             <a:r>
               <a:rPr lang="en-US" dirty="0" err="1"/>
-              <a:t>iff</a:t>
+              <a:t>readablity</a:t>
             </a:r>
             <a:r>
               <a:rPr lang="en-US" dirty="0"/>
-              <a:t> they can be transformed using only these rules on the </a:t>
+              <a:t>, I omitted the all the conversion functions to set</a:t>
+            </a:r>
+          </a:p>
+          <a:p>
+            <a:r>
+              <a:rPr lang="en-US" dirty="0"/>
+              <a:t>it holds initially (</a:t>
             </a:r>
             <a:r>
               <a:rPr lang="en-US" dirty="0" err="1"/>
-              <a:t>subterms</a:t>
+              <a:t>ps</a:t>
+            </a:r>
+            <a:r>
+              <a:rPr lang="en-US" dirty="0"/>
+              <a:t> is empty an </a:t>
+            </a:r>
+            <a:r>
+              <a:rPr lang="en-US" dirty="0" err="1"/>
+              <a:t>ws</a:t>
+            </a:r>
+            <a:r>
+              <a:rPr lang="en-US" dirty="0"/>
+              <a:t> a singleton)</a:t>
+            </a:r>
+          </a:p>
+          <a:p>
+            <a:r>
+              <a:rPr lang="en-US" dirty="0"/>
+              <a:t>if it holds, it also holds after a step</a:t>
+            </a:r>
+          </a:p>
+          <a:p>
+            <a:r>
+              <a:rPr lang="en-US" dirty="0"/>
+              <a:t>together with the negated while-condition, it implies a </a:t>
+            </a:r>
+            <a:r>
+              <a:rPr lang="en-US" dirty="0" err="1"/>
+              <a:t>bisimulation</a:t>
             </a:r>
             <a:endParaRPr lang="en-US" dirty="0"/>
           </a:p>
@@ -1161,28 +1207,14 @@
           <a:p>
             <a:r>
               <a:rPr lang="en-US" dirty="0"/>
-              <a:t>We need to work bottom up, for star and concatenation, this might require a lexicographic ordering.</a:t>
-            </a:r>
-          </a:p>
-          <a:p>
-            <a:endParaRPr lang="en-US" dirty="0"/>
-          </a:p>
-          <a:p>
-            <a:r>
-              <a:rPr lang="en-US" dirty="0"/>
-              <a:t>3.3: this identifies SOME equivalent REs, but not all of them.</a:t>
-            </a:r>
-          </a:p>
-          <a:p>
-            <a:r>
-              <a:rPr lang="en-US" dirty="0"/>
-              <a:t>aa* is equivalent to a*a, but this technique cannot prove it, because there is no “+” in it to transform</a:t>
-            </a:r>
-          </a:p>
-          <a:p>
-            <a:endParaRPr lang="en-US" dirty="0"/>
-          </a:p>
-          <a:p>
+              <a:t>what is missing to make this useful is the part where it terminates… </a:t>
+            </a:r>
+            <a:r>
+              <a:rPr lang="en-US" dirty="0">
+                <a:sym typeface="Wingdings" panose="05000000000000000000" pitchFamily="2" charset="2"/>
+              </a:rPr>
+              <a:t> next slide</a:t>
+            </a:r>
             <a:endParaRPr lang="en-US" dirty="0"/>
           </a:p>
         </p:txBody>
@@ -1213,7 +1245,7 @@
     </p:spTree>
     <p:extLst>
       <p:ext uri="{BB962C8B-B14F-4D97-AF65-F5344CB8AC3E}">
-        <p14:creationId xmlns:p14="http://schemas.microsoft.com/office/powerpoint/2010/main" val="2615019396"/>
+        <p14:creationId xmlns:p14="http://schemas.microsoft.com/office/powerpoint/2010/main" val="1582762227"/>
       </p:ext>
     </p:extLst>
   </p:cSld>
@@ -1269,11 +1301,19 @@
           <a:p>
             <a:r>
               <a:rPr lang="en-US" dirty="0"/>
-              <a:t>In other words, there are only finitely many ACI-equivalence classes among equivalent </a:t>
+              <a:t>meaning that two REs are ACI-equal </a:t>
             </a:r>
             <a:r>
               <a:rPr lang="en-US" dirty="0" err="1"/>
-              <a:t>REs.</a:t>
+              <a:t>iff</a:t>
+            </a:r>
+            <a:r>
+              <a:rPr lang="en-US" dirty="0"/>
+              <a:t> they can be transformed using only these rules on the </a:t>
+            </a:r>
+            <a:r>
+              <a:rPr lang="en-US" dirty="0" err="1"/>
+              <a:t>subterms</a:t>
             </a:r>
             <a:endParaRPr lang="en-US" dirty="0"/>
           </a:p>
@@ -1283,22 +1323,29 @@
           <a:p>
             <a:r>
               <a:rPr lang="en-US" dirty="0"/>
-              <a:t>We are allowed to strengthen this filter: Remember that the goal was to apply the </a:t>
-            </a:r>
-            <a:r>
-              <a:rPr lang="en-US" dirty="0" err="1"/>
-              <a:t>bisimulation</a:t>
-            </a:r>
+              <a:t>We need to work bottom up, for star and concatenation, this might require a lexicographic ordering.</a:t>
+            </a:r>
+          </a:p>
+          <a:p>
+            <a:endParaRPr lang="en-US" dirty="0"/>
+          </a:p>
+          <a:p>
             <a:r>
               <a:rPr lang="en-US" dirty="0"/>
-              <a:t> lemma at the end. It worked on languages, and the language pair is already added I f </a:t>
+              <a:t>3.3: this identifies SOME equivalent REs, but not all of them.</a:t>
             </a:r>
           </a:p>
           <a:p>
             <a:r>
               <a:rPr lang="en-US" dirty="0"/>
-              <a:t>to-do: maybe swap formulation on the slides with the explanation?</a:t>
-            </a:r>
+              <a:t>aa* is equivalent to a*a, but this technique cannot prove it, because there is no “+” in it to transform</a:t>
+            </a:r>
+          </a:p>
+          <a:p>
+            <a:endParaRPr lang="en-US" dirty="0"/>
+          </a:p>
+          <a:p>
+            <a:endParaRPr lang="en-US" dirty="0"/>
           </a:p>
         </p:txBody>
       </p:sp>
@@ -1328,7 +1375,7 @@
     </p:spTree>
     <p:extLst>
       <p:ext uri="{BB962C8B-B14F-4D97-AF65-F5344CB8AC3E}">
-        <p14:creationId xmlns:p14="http://schemas.microsoft.com/office/powerpoint/2010/main" val="176357657"/>
+        <p14:creationId xmlns:p14="http://schemas.microsoft.com/office/powerpoint/2010/main" val="2615019396"/>
       </p:ext>
     </p:extLst>
   </p:cSld>
@@ -1383,175 +1430,36 @@
           <a:lstStyle/>
           <a:p>
             <a:r>
-              <a:rPr lang="de-DE" dirty="0"/>
-              <a:t>…</a:t>
-            </a:r>
-            <a:r>
-              <a:rPr lang="de-DE" dirty="0" err="1"/>
-              <a:t>extended</a:t>
-            </a:r>
-            <a:r>
-              <a:rPr lang="de-DE" dirty="0"/>
-              <a:t> REs </a:t>
-            </a:r>
-            <a:r>
-              <a:rPr lang="de-DE" dirty="0" err="1"/>
-              <a:t>are</a:t>
-            </a:r>
-            <a:r>
-              <a:rPr lang="de-DE" dirty="0"/>
-              <a:t> not </a:t>
-            </a:r>
-            <a:r>
-              <a:rPr lang="de-DE" dirty="0" err="1"/>
-              <a:t>more</a:t>
-            </a:r>
-            <a:r>
-              <a:rPr lang="de-DE" dirty="0"/>
-              <a:t> expressive, but </a:t>
-            </a:r>
-            <a:r>
-              <a:rPr lang="de-DE" dirty="0" err="1"/>
-              <a:t>they</a:t>
-            </a:r>
-            <a:r>
-              <a:rPr lang="de-DE" dirty="0"/>
-              <a:t> </a:t>
-            </a:r>
-            <a:r>
-              <a:rPr lang="de-DE" dirty="0" err="1"/>
-              <a:t>can</a:t>
-            </a:r>
-            <a:r>
-              <a:rPr lang="de-DE" dirty="0"/>
-              <a:t> </a:t>
-            </a:r>
-            <a:r>
-              <a:rPr lang="de-DE" dirty="0" err="1"/>
-              <a:t>be</a:t>
-            </a:r>
-            <a:r>
-              <a:rPr lang="de-DE" dirty="0"/>
-              <a:t> </a:t>
-            </a:r>
-            <a:r>
-              <a:rPr lang="de-DE" dirty="0" err="1"/>
-              <a:t>much</a:t>
-            </a:r>
-            <a:r>
-              <a:rPr lang="de-DE" dirty="0"/>
-              <a:t> </a:t>
-            </a:r>
-            <a:r>
-              <a:rPr lang="de-DE" dirty="0" err="1"/>
-              <a:t>more</a:t>
-            </a:r>
-            <a:r>
-              <a:rPr lang="de-DE" dirty="0"/>
-              <a:t> </a:t>
-            </a:r>
-            <a:r>
-              <a:rPr lang="de-DE" dirty="0" err="1"/>
-              <a:t>succinct</a:t>
-            </a:r>
-            <a:endParaRPr lang="de-DE" dirty="0"/>
-          </a:p>
-          <a:p>
-            <a:endParaRPr lang="de-DE" dirty="0"/>
-          </a:p>
-          <a:p>
-            <a:r>
-              <a:rPr lang="de-DE" dirty="0"/>
-              <a:t>… and </a:t>
-            </a:r>
-            <a:r>
-              <a:rPr lang="de-DE" dirty="0" err="1"/>
-              <a:t>then</a:t>
-            </a:r>
-            <a:r>
-              <a:rPr lang="de-DE" dirty="0"/>
-              <a:t> </a:t>
-            </a:r>
-            <a:r>
-              <a:rPr lang="de-DE" dirty="0" err="1"/>
-              <a:t>we‘re</a:t>
-            </a:r>
-            <a:r>
-              <a:rPr lang="de-DE" dirty="0"/>
-              <a:t> </a:t>
-            </a:r>
-            <a:r>
-              <a:rPr lang="de-DE" dirty="0" err="1"/>
-              <a:t>done</a:t>
-            </a:r>
-            <a:r>
-              <a:rPr lang="de-DE" dirty="0"/>
-              <a:t> </a:t>
-            </a:r>
-            <a:r>
-              <a:rPr lang="de-DE" dirty="0" err="1"/>
-              <a:t>already</a:t>
-            </a:r>
-            <a:r>
-              <a:rPr lang="de-DE" dirty="0"/>
-              <a:t> </a:t>
-            </a:r>
-            <a:r>
-              <a:rPr lang="de-DE" dirty="0" err="1"/>
-              <a:t>for</a:t>
-            </a:r>
-            <a:r>
-              <a:rPr lang="de-DE" dirty="0"/>
-              <a:t> </a:t>
-            </a:r>
-            <a:r>
-              <a:rPr lang="de-DE" dirty="0" err="1"/>
-              <a:t>the</a:t>
-            </a:r>
-            <a:r>
-              <a:rPr lang="de-DE" dirty="0"/>
-              <a:t> </a:t>
-            </a:r>
-            <a:r>
-              <a:rPr lang="de-DE" dirty="0" err="1"/>
-              <a:t>soundness</a:t>
-            </a:r>
-            <a:r>
-              <a:rPr lang="de-DE" dirty="0"/>
-              <a:t>. </a:t>
-            </a:r>
-          </a:p>
-          <a:p>
-            <a:endParaRPr lang="de-DE" dirty="0"/>
-          </a:p>
-          <a:p>
-            <a:r>
-              <a:rPr lang="de-DE" dirty="0"/>
-              <a:t>As </a:t>
-            </a:r>
-            <a:r>
-              <a:rPr lang="de-DE" dirty="0" err="1"/>
-              <a:t>for</a:t>
-            </a:r>
-            <a:r>
-              <a:rPr lang="de-DE" dirty="0"/>
-              <a:t> </a:t>
-            </a:r>
-            <a:r>
-              <a:rPr lang="de-DE" dirty="0" err="1"/>
-              <a:t>the</a:t>
-            </a:r>
-            <a:r>
-              <a:rPr lang="de-DE" dirty="0"/>
-              <a:t> </a:t>
-            </a:r>
-            <a:r>
-              <a:rPr lang="de-DE" dirty="0" err="1"/>
-              <a:t>termination</a:t>
-            </a:r>
-            <a:r>
-              <a:rPr lang="de-DE" dirty="0"/>
-              <a:t> </a:t>
+              <a:rPr lang="en-US" dirty="0"/>
+              <a:t>In other words, there are only finitely many ACI-equivalence classes among equivalent </a:t>
+            </a:r>
+            <a:r>
+              <a:rPr lang="en-US" dirty="0" err="1"/>
+              <a:t>REs.</a:t>
+            </a:r>
+            <a:endParaRPr lang="en-US" dirty="0"/>
+          </a:p>
+          <a:p>
+            <a:endParaRPr lang="en-US" dirty="0"/>
+          </a:p>
+          <a:p>
+            <a:r>
+              <a:rPr lang="en-US" dirty="0"/>
+              <a:t>We are allowed to strengthen this filter: Remember that the goal was to apply the </a:t>
+            </a:r>
+            <a:r>
+              <a:rPr lang="en-US" dirty="0" err="1"/>
+              <a:t>bisimulation</a:t>
+            </a:r>
+            <a:r>
+              <a:rPr lang="en-US" dirty="0"/>
+              <a:t> lemma at the end. It worked on languages, and the language pair is already added I f </a:t>
+            </a:r>
+          </a:p>
+          <a:p>
+            <a:r>
+              <a:rPr lang="en-US" dirty="0"/>
+              <a:t>to-do: maybe swap formulation on the slides with the explanation?</a:t>
             </a:r>
           </a:p>
         </p:txBody>
@@ -1574,6 +1482,260 @@
             <a:fld id="{FAA32559-8951-4C46-A356-FBB9455D7E38}" type="slidenum">
               <a:rPr lang="de-DE" smtClean="0"/>
               <a:t>17</a:t>
+            </a:fld>
+            <a:endParaRPr lang="de-DE"/>
+          </a:p>
+        </p:txBody>
+      </p:sp>
+    </p:spTree>
+    <p:extLst>
+      <p:ext uri="{BB962C8B-B14F-4D97-AF65-F5344CB8AC3E}">
+        <p14:creationId xmlns:p14="http://schemas.microsoft.com/office/powerpoint/2010/main" val="176357657"/>
+      </p:ext>
+    </p:extLst>
+  </p:cSld>
+  <p:clrMapOvr>
+    <a:masterClrMapping/>
+  </p:clrMapOvr>
+</p:notes>
+</file>
+
+<file path=ppt/notesSlides/notesSlide18.xml><?xml version="1.0" encoding="utf-8"?>
+<p:notes xmlns:a="http://schemas.openxmlformats.org/drawingml/2006/main" xmlns:r="http://schemas.openxmlformats.org/officeDocument/2006/relationships" xmlns:p="http://schemas.openxmlformats.org/presentationml/2006/main">
+  <p:cSld>
+    <p:spTree>
+      <p:nvGrpSpPr>
+        <p:cNvPr id="1" name=""/>
+        <p:cNvGrpSpPr/>
+        <p:nvPr/>
+      </p:nvGrpSpPr>
+      <p:grpSpPr>
+        <a:xfrm>
+          <a:off x="0" y="0"/>
+          <a:ext cx="0" cy="0"/>
+          <a:chOff x="0" y="0"/>
+          <a:chExt cx="0" cy="0"/>
+        </a:xfrm>
+      </p:grpSpPr>
+      <p:sp>
+        <p:nvSpPr>
+          <p:cNvPr id="2" name="Folienbildplatzhalter 1"/>
+          <p:cNvSpPr>
+            <a:spLocks noGrp="1" noRot="1" noChangeAspect="1"/>
+          </p:cNvSpPr>
+          <p:nvPr>
+            <p:ph type="sldImg"/>
+          </p:nvPr>
+        </p:nvSpPr>
+        <p:spPr/>
+      </p:sp>
+      <p:sp>
+        <p:nvSpPr>
+          <p:cNvPr id="3" name="Notizenplatzhalter 2"/>
+          <p:cNvSpPr>
+            <a:spLocks noGrp="1"/>
+          </p:cNvSpPr>
+          <p:nvPr>
+            <p:ph type="body" idx="1"/>
+          </p:nvPr>
+        </p:nvSpPr>
+        <p:spPr/>
+        <p:txBody>
+          <a:bodyPr/>
+          <a:lstStyle/>
+          <a:p>
+            <a:r>
+              <a:rPr lang="de-DE" dirty="0"/>
+              <a:t>…</a:t>
+            </a:r>
+            <a:r>
+              <a:rPr lang="de-DE" dirty="0" err="1"/>
+              <a:t>extended</a:t>
+            </a:r>
+            <a:r>
+              <a:rPr lang="de-DE" dirty="0"/>
+              <a:t> REs </a:t>
+            </a:r>
+            <a:r>
+              <a:rPr lang="de-DE" dirty="0" err="1"/>
+              <a:t>are</a:t>
+            </a:r>
+            <a:r>
+              <a:rPr lang="de-DE" dirty="0"/>
+              <a:t> not </a:t>
+            </a:r>
+            <a:r>
+              <a:rPr lang="de-DE" dirty="0" err="1"/>
+              <a:t>more</a:t>
+            </a:r>
+            <a:r>
+              <a:rPr lang="de-DE" dirty="0"/>
+              <a:t> expressive, but </a:t>
+            </a:r>
+            <a:r>
+              <a:rPr lang="de-DE" dirty="0" err="1"/>
+              <a:t>they</a:t>
+            </a:r>
+            <a:r>
+              <a:rPr lang="de-DE" dirty="0"/>
+              <a:t> </a:t>
+            </a:r>
+            <a:r>
+              <a:rPr lang="de-DE" dirty="0" err="1"/>
+              <a:t>can</a:t>
+            </a:r>
+            <a:r>
+              <a:rPr lang="de-DE" dirty="0"/>
+              <a:t> </a:t>
+            </a:r>
+            <a:r>
+              <a:rPr lang="de-DE" dirty="0" err="1"/>
+              <a:t>be</a:t>
+            </a:r>
+            <a:r>
+              <a:rPr lang="de-DE" dirty="0"/>
+              <a:t> </a:t>
+            </a:r>
+            <a:r>
+              <a:rPr lang="de-DE" dirty="0" err="1"/>
+              <a:t>much</a:t>
+            </a:r>
+            <a:r>
+              <a:rPr lang="de-DE" dirty="0"/>
+              <a:t> </a:t>
+            </a:r>
+            <a:r>
+              <a:rPr lang="de-DE" dirty="0" err="1"/>
+              <a:t>more</a:t>
+            </a:r>
+            <a:r>
+              <a:rPr lang="de-DE" dirty="0"/>
+              <a:t> </a:t>
+            </a:r>
+            <a:r>
+              <a:rPr lang="de-DE" dirty="0" err="1"/>
+              <a:t>succinct</a:t>
+            </a:r>
+            <a:endParaRPr lang="de-DE" dirty="0"/>
+          </a:p>
+          <a:p>
+            <a:endParaRPr lang="de-DE" dirty="0"/>
+          </a:p>
+          <a:p>
+            <a:r>
+              <a:rPr lang="de-DE" dirty="0"/>
+              <a:t>… and </a:t>
+            </a:r>
+            <a:r>
+              <a:rPr lang="de-DE" dirty="0" err="1"/>
+              <a:t>then</a:t>
+            </a:r>
+            <a:r>
+              <a:rPr lang="de-DE" dirty="0"/>
+              <a:t> </a:t>
+            </a:r>
+            <a:r>
+              <a:rPr lang="de-DE" dirty="0" err="1"/>
+              <a:t>we‘re</a:t>
+            </a:r>
+            <a:r>
+              <a:rPr lang="de-DE" dirty="0"/>
+              <a:t> </a:t>
+            </a:r>
+            <a:r>
+              <a:rPr lang="de-DE" dirty="0" err="1"/>
+              <a:t>done</a:t>
+            </a:r>
+            <a:r>
+              <a:rPr lang="de-DE" dirty="0"/>
+              <a:t> </a:t>
+            </a:r>
+            <a:r>
+              <a:rPr lang="de-DE" dirty="0" err="1"/>
+              <a:t>already</a:t>
+            </a:r>
+            <a:r>
+              <a:rPr lang="de-DE" dirty="0"/>
+              <a:t> </a:t>
+            </a:r>
+            <a:r>
+              <a:rPr lang="de-DE" dirty="0" err="1"/>
+              <a:t>for</a:t>
+            </a:r>
+            <a:r>
+              <a:rPr lang="de-DE" dirty="0"/>
+              <a:t> </a:t>
+            </a:r>
+            <a:r>
+              <a:rPr lang="de-DE" dirty="0" err="1"/>
+              <a:t>the</a:t>
+            </a:r>
+            <a:r>
+              <a:rPr lang="de-DE" dirty="0"/>
+              <a:t> </a:t>
+            </a:r>
+            <a:r>
+              <a:rPr lang="de-DE" dirty="0" err="1"/>
+              <a:t>soundness</a:t>
+            </a:r>
+            <a:r>
+              <a:rPr lang="de-DE" dirty="0"/>
+              <a:t>. </a:t>
+            </a:r>
+          </a:p>
+          <a:p>
+            <a:endParaRPr lang="de-DE" dirty="0"/>
+          </a:p>
+          <a:p>
+            <a:r>
+              <a:rPr lang="de-DE" dirty="0"/>
+              <a:t>As </a:t>
+            </a:r>
+            <a:r>
+              <a:rPr lang="de-DE" dirty="0" err="1"/>
+              <a:t>for</a:t>
+            </a:r>
+            <a:r>
+              <a:rPr lang="de-DE" dirty="0"/>
+              <a:t> </a:t>
+            </a:r>
+            <a:r>
+              <a:rPr lang="de-DE" dirty="0" err="1"/>
+              <a:t>the</a:t>
+            </a:r>
+            <a:r>
+              <a:rPr lang="de-DE" dirty="0"/>
+              <a:t> </a:t>
+            </a:r>
+            <a:r>
+              <a:rPr lang="de-DE" dirty="0" err="1"/>
+              <a:t>termination</a:t>
+            </a:r>
+            <a:r>
+              <a:rPr lang="de-DE" dirty="0"/>
+              <a:t> </a:t>
+            </a:r>
+          </a:p>
+        </p:txBody>
+      </p:sp>
+      <p:sp>
+        <p:nvSpPr>
+          <p:cNvPr id="4" name="Foliennummernplatzhalter 3"/>
+          <p:cNvSpPr>
+            <a:spLocks noGrp="1"/>
+          </p:cNvSpPr>
+          <p:nvPr>
+            <p:ph type="sldNum" sz="quarter" idx="10"/>
+          </p:nvPr>
+        </p:nvSpPr>
+        <p:spPr/>
+        <p:txBody>
+          <a:bodyPr/>
+          <a:lstStyle/>
+          <a:p>
+            <a:fld id="{FAA32559-8951-4C46-A356-FBB9455D7E38}" type="slidenum">
+              <a:rPr lang="de-DE" smtClean="0"/>
+              <a:t>18</a:t>
             </a:fld>
             <a:endParaRPr lang="de-DE"/>
           </a:p>
@@ -1638,7 +1800,29 @@
           <a:p>
             <a:r>
               <a:rPr lang="de-DE" dirty="0" err="1"/>
-              <a:t>complete</a:t>
+              <a:t>todo</a:t>
+            </a:r>
+            <a:r>
+              <a:rPr lang="de-DE" dirty="0"/>
+              <a:t>: </a:t>
+            </a:r>
+            <a:r>
+              <a:rPr lang="de-DE" dirty="0" err="1"/>
+              <a:t>Example</a:t>
+            </a:r>
+            <a:r>
+              <a:rPr lang="de-DE"/>
+              <a:t>?</a:t>
+            </a:r>
+          </a:p>
+          <a:p>
+            <a:r>
+              <a:rPr lang="de-DE" dirty="0"/>
+              <a:t>The last </a:t>
+            </a:r>
+            <a:r>
+              <a:rPr lang="de-DE" dirty="0" err="1"/>
+              <a:t>requirement</a:t>
             </a:r>
             <a:r>
               <a:rPr lang="de-DE" dirty="0"/>
@@ -1646,7 +1830,23 @@
             </a:r>
             <a:r>
               <a:rPr lang="de-DE" dirty="0" err="1"/>
-              <a:t>means</a:t>
+              <a:t>comes</a:t>
+            </a:r>
+            <a:r>
+              <a:rPr lang="de-DE" dirty="0"/>
+              <a:t> at a </a:t>
+            </a:r>
+            <a:r>
+              <a:rPr lang="de-DE" dirty="0" err="1"/>
+              <a:t>price</a:t>
+            </a:r>
+            <a:r>
+              <a:rPr lang="de-DE" dirty="0"/>
+              <a:t>: </a:t>
+            </a:r>
+            <a:r>
+              <a:rPr lang="de-DE" dirty="0" err="1"/>
+              <a:t>the</a:t>
             </a:r>
             <a:r>
               <a:rPr lang="de-DE" dirty="0"/>
@@ -1654,7 +1854,7 @@
             </a:r>
             <a:r>
               <a:rPr lang="de-DE" dirty="0" err="1"/>
-              <a:t>that</a:t>
+              <a:t>algorithm</a:t>
             </a:r>
             <a:r>
               <a:rPr lang="de-DE" dirty="0"/>
@@ -1662,7 +1862,7 @@
             </a:r>
             <a:r>
               <a:rPr lang="de-DE" dirty="0" err="1"/>
-              <a:t>for</a:t>
+              <a:t>won‘t</a:t>
             </a:r>
             <a:r>
               <a:rPr lang="de-DE" dirty="0"/>
@@ -1670,7 +1870,25 @@
             </a:r>
             <a:r>
               <a:rPr lang="de-DE" dirty="0" err="1"/>
-              <a:t>any</a:t>
+              <a:t>have</a:t>
+            </a:r>
+            <a:r>
+              <a:rPr lang="de-DE" dirty="0"/>
+              <a:t> an optimal </a:t>
+            </a:r>
+            <a:r>
+              <a:rPr lang="de-DE" dirty="0" err="1"/>
+              <a:t>performance</a:t>
+            </a:r>
+            <a:endParaRPr lang="de-DE" dirty="0"/>
+          </a:p>
+          <a:p>
+            <a:endParaRPr lang="de-DE" dirty="0"/>
+          </a:p>
+          <a:p>
+            <a:r>
+              <a:rPr lang="de-DE" dirty="0" err="1"/>
+              <a:t>Implications</a:t>
             </a:r>
             <a:r>
               <a:rPr lang="de-DE" dirty="0"/>
@@ -1678,7 +1896,7 @@
             </a:r>
             <a:r>
               <a:rPr lang="de-DE" dirty="0" err="1"/>
-              <a:t>two</a:t>
+              <a:t>for</a:t>
             </a:r>
             <a:r>
               <a:rPr lang="de-DE" dirty="0"/>
@@ -1686,7 +1904,15 @@
             </a:r>
             <a:r>
               <a:rPr lang="de-DE" dirty="0" err="1"/>
-              <a:t>regular</a:t>
+              <a:t>the</a:t>
+            </a:r>
+            <a:r>
+              <a:rPr lang="de-DE" dirty="0"/>
+              <a:t> design: </a:t>
+            </a:r>
+            <a:r>
+              <a:rPr lang="de-DE" dirty="0" err="1"/>
+              <a:t>We</a:t>
             </a:r>
             <a:r>
               <a:rPr lang="de-DE" dirty="0"/>
@@ -1694,7 +1920,7 @@
             </a:r>
             <a:r>
               <a:rPr lang="de-DE" dirty="0" err="1"/>
-              <a:t>expressions</a:t>
+              <a:t>are</a:t>
             </a:r>
             <a:r>
               <a:rPr lang="de-DE" dirty="0"/>
@@ -1702,15 +1928,31 @@
             </a:r>
             <a:r>
               <a:rPr lang="de-DE" dirty="0" err="1"/>
-              <a:t>the</a:t>
+              <a:t>only</a:t>
             </a:r>
             <a:r>
               <a:rPr lang="de-DE" dirty="0"/>
               <a:t> </a:t>
             </a:r>
             <a:r>
-              <a:rPr lang="en-GB" noProof="0" dirty="0"/>
-              <a:t>algorithm</a:t>
+              <a:rPr lang="de-DE" dirty="0" err="1"/>
+              <a:t>interested</a:t>
+            </a:r>
+            <a:r>
+              <a:rPr lang="de-DE" dirty="0"/>
+              <a:t> in partial </a:t>
+            </a:r>
+            <a:r>
+              <a:rPr lang="de-DE" dirty="0" err="1"/>
+              <a:t>correctness</a:t>
+            </a:r>
+            <a:r>
+              <a:rPr lang="de-DE" dirty="0"/>
+              <a:t> (</a:t>
+            </a:r>
+            <a:r>
+              <a:rPr lang="de-DE" dirty="0" err="1"/>
+              <a:t>there</a:t>
             </a:r>
             <a:r>
               <a:rPr lang="de-DE" dirty="0"/>
@@ -1718,15 +1960,7 @@
             </a:r>
             <a:r>
               <a:rPr lang="de-DE" dirty="0" err="1"/>
-              <a:t>terminates</a:t>
-            </a:r>
-            <a:r>
-              <a:rPr lang="de-DE" dirty="0"/>
-              <a:t> and </a:t>
-            </a:r>
-            <a:r>
-              <a:rPr lang="de-DE" dirty="0" err="1"/>
-              <a:t>return</a:t>
+              <a:t>is</a:t>
             </a:r>
             <a:r>
               <a:rPr lang="de-DE" dirty="0"/>
@@ -1734,40 +1968,7 @@
             </a:r>
             <a:r>
               <a:rPr lang="de-DE" dirty="0" err="1"/>
-              <a:t>result</a:t>
-            </a:r>
-            <a:r>
-              <a:rPr lang="de-DE" dirty="0"/>
-              <a:t> (</a:t>
-            </a:r>
-            <a:r>
-              <a:rPr lang="de-DE" dirty="0" err="1"/>
-              <a:t>equivalent</a:t>
-            </a:r>
-            <a:r>
-              <a:rPr lang="de-DE" dirty="0"/>
-              <a:t>/not </a:t>
-            </a:r>
-            <a:r>
-              <a:rPr lang="de-DE" dirty="0" err="1"/>
-              <a:t>equivalent</a:t>
-            </a:r>
-            <a:r>
-              <a:rPr lang="de-DE" dirty="0"/>
-              <a:t>)</a:t>
-            </a:r>
-          </a:p>
-          <a:p>
-            <a:endParaRPr lang="de-DE" dirty="0"/>
-          </a:p>
-          <a:p>
-            <a:r>
-              <a:rPr lang="de-DE" dirty="0"/>
-              <a:t>The last </a:t>
-            </a:r>
-            <a:r>
-              <a:rPr lang="de-DE" dirty="0" err="1"/>
-              <a:t>requirement</a:t>
+              <a:t>termination</a:t>
             </a:r>
             <a:r>
               <a:rPr lang="de-DE" dirty="0"/>
@@ -1775,23 +1976,15 @@
             </a:r>
             <a:r>
               <a:rPr lang="de-DE" dirty="0" err="1"/>
-              <a:t>comes</a:t>
+              <a:t>proof</a:t>
             </a:r>
             <a:r>
               <a:rPr lang="de-DE" dirty="0"/>
-              <a:t> at a </a:t>
+              <a:t> due </a:t>
             </a:r>
             <a:r>
               <a:rPr lang="de-DE" dirty="0" err="1"/>
-              <a:t>price</a:t>
-            </a:r>
-            <a:r>
-              <a:rPr lang="de-DE" dirty="0"/>
-              <a:t>: </a:t>
-            </a:r>
-            <a:r>
-              <a:rPr lang="de-DE" dirty="0" err="1"/>
-              <a:t>the</a:t>
+              <a:t>to</a:t>
             </a:r>
             <a:r>
               <a:rPr lang="de-DE" dirty="0"/>
@@ -1799,7 +1992,15 @@
             </a:r>
             <a:r>
               <a:rPr lang="de-DE" dirty="0" err="1"/>
-              <a:t>algorithm</a:t>
+              <a:t>Brzozowski</a:t>
+            </a:r>
+            <a:r>
+              <a:rPr lang="de-DE" dirty="0"/>
+              <a:t>, but </a:t>
+            </a:r>
+            <a:r>
+              <a:rPr lang="de-DE" dirty="0" err="1"/>
+              <a:t>there</a:t>
             </a:r>
             <a:r>
               <a:rPr lang="de-DE" dirty="0"/>
@@ -1807,7 +2008,7 @@
             </a:r>
             <a:r>
               <a:rPr lang="de-DE" dirty="0" err="1"/>
-              <a:t>won‘t</a:t>
+              <a:t>is</a:t>
             </a:r>
             <a:r>
               <a:rPr lang="de-DE" dirty="0"/>
@@ -1815,29 +2016,7 @@
             </a:r>
             <a:r>
               <a:rPr lang="de-DE" dirty="0" err="1"/>
-              <a:t>have</a:t>
-            </a:r>
-            <a:r>
-              <a:rPr lang="de-DE" dirty="0"/>
-              <a:t> an optimal </a:t>
-            </a:r>
-            <a:r>
-              <a:rPr lang="de-DE" dirty="0" err="1"/>
-              <a:t>performance</a:t>
-            </a:r>
-            <a:endParaRPr lang="de-DE" dirty="0"/>
-          </a:p>
-          <a:p>
-            <a:endParaRPr lang="de-DE" dirty="0"/>
-          </a:p>
-          <a:p>
-            <a:r>
-              <a:rPr lang="de-DE" dirty="0"/>
-              <a:t>(Personal </a:t>
-            </a:r>
-            <a:r>
-              <a:rPr lang="de-DE" dirty="0" err="1"/>
-              <a:t>use</a:t>
+              <a:t>no</a:t>
             </a:r>
             <a:r>
               <a:rPr lang="de-DE" dirty="0"/>
@@ -1845,209 +2024,9 @@
             </a:r>
             <a:r>
               <a:rPr lang="de-DE" dirty="0" err="1"/>
-              <a:t>case</a:t>
-            </a:r>
-            <a:r>
-              <a:rPr lang="de-DE" dirty="0"/>
-              <a:t>: </a:t>
-            </a:r>
-            <a:r>
-              <a:rPr lang="de-DE" dirty="0" err="1"/>
-              <a:t>something</a:t>
-            </a:r>
-            <a:r>
-              <a:rPr lang="de-DE" dirty="0"/>
-              <a:t> like automatatutor.com)</a:t>
-            </a:r>
-          </a:p>
-          <a:p>
+              <a:t>need</a:t>
+            </a:r>
             <a:endParaRPr lang="de-DE" dirty="0"/>
-          </a:p>
-          <a:p>
-            <a:r>
-              <a:rPr lang="de-DE" dirty="0" err="1"/>
-              <a:t>Implications</a:t>
-            </a:r>
-            <a:r>
-              <a:rPr lang="de-DE" dirty="0"/>
-              <a:t> </a:t>
-            </a:r>
-            <a:r>
-              <a:rPr lang="de-DE" dirty="0" err="1"/>
-              <a:t>for</a:t>
-            </a:r>
-            <a:r>
-              <a:rPr lang="de-DE" dirty="0"/>
-              <a:t> </a:t>
-            </a:r>
-            <a:r>
-              <a:rPr lang="de-DE" dirty="0" err="1"/>
-              <a:t>the</a:t>
-            </a:r>
-            <a:r>
-              <a:rPr lang="de-DE" dirty="0"/>
-              <a:t> design: </a:t>
-            </a:r>
-            <a:r>
-              <a:rPr lang="de-DE" dirty="0" err="1"/>
-              <a:t>We</a:t>
-            </a:r>
-            <a:r>
-              <a:rPr lang="de-DE" dirty="0"/>
-              <a:t> </a:t>
-            </a:r>
-            <a:r>
-              <a:rPr lang="de-DE" dirty="0" err="1"/>
-              <a:t>are</a:t>
-            </a:r>
-            <a:r>
-              <a:rPr lang="de-DE" dirty="0"/>
-              <a:t> </a:t>
-            </a:r>
-            <a:r>
-              <a:rPr lang="de-DE" dirty="0" err="1"/>
-              <a:t>only</a:t>
-            </a:r>
-            <a:r>
-              <a:rPr lang="de-DE" dirty="0"/>
-              <a:t> </a:t>
-            </a:r>
-            <a:r>
-              <a:rPr lang="de-DE" dirty="0" err="1"/>
-              <a:t>interested</a:t>
-            </a:r>
-            <a:r>
-              <a:rPr lang="de-DE" dirty="0"/>
-              <a:t> in partial </a:t>
-            </a:r>
-            <a:r>
-              <a:rPr lang="de-DE" dirty="0" err="1"/>
-              <a:t>correctness</a:t>
-            </a:r>
-            <a:r>
-              <a:rPr lang="de-DE" dirty="0"/>
-              <a:t> (</a:t>
-            </a:r>
-            <a:r>
-              <a:rPr lang="de-DE" dirty="0" err="1"/>
-              <a:t>there</a:t>
-            </a:r>
-            <a:r>
-              <a:rPr lang="de-DE" dirty="0"/>
-              <a:t> </a:t>
-            </a:r>
-            <a:r>
-              <a:rPr lang="de-DE" dirty="0" err="1"/>
-              <a:t>is</a:t>
-            </a:r>
-            <a:r>
-              <a:rPr lang="de-DE" dirty="0"/>
-              <a:t> a </a:t>
-            </a:r>
-            <a:r>
-              <a:rPr lang="de-DE" dirty="0" err="1"/>
-              <a:t>termination</a:t>
-            </a:r>
-            <a:r>
-              <a:rPr lang="de-DE" dirty="0"/>
-              <a:t> </a:t>
-            </a:r>
-            <a:r>
-              <a:rPr lang="de-DE" dirty="0" err="1"/>
-              <a:t>proof</a:t>
-            </a:r>
-            <a:r>
-              <a:rPr lang="de-DE" dirty="0"/>
-              <a:t> due </a:t>
-            </a:r>
-            <a:r>
-              <a:rPr lang="de-DE" dirty="0" err="1"/>
-              <a:t>to</a:t>
-            </a:r>
-            <a:r>
-              <a:rPr lang="de-DE" dirty="0"/>
-              <a:t> </a:t>
-            </a:r>
-            <a:r>
-              <a:rPr lang="de-DE" dirty="0" err="1"/>
-              <a:t>Brzozowski</a:t>
-            </a:r>
-            <a:r>
-              <a:rPr lang="de-DE" dirty="0"/>
-              <a:t>, but </a:t>
-            </a:r>
-            <a:r>
-              <a:rPr lang="de-DE" dirty="0" err="1"/>
-              <a:t>there</a:t>
-            </a:r>
-            <a:r>
-              <a:rPr lang="de-DE" dirty="0"/>
-              <a:t> </a:t>
-            </a:r>
-            <a:r>
-              <a:rPr lang="de-DE" dirty="0" err="1"/>
-              <a:t>is</a:t>
-            </a:r>
-            <a:r>
-              <a:rPr lang="de-DE" dirty="0"/>
-              <a:t> </a:t>
-            </a:r>
-            <a:r>
-              <a:rPr lang="de-DE" dirty="0" err="1"/>
-              <a:t>no</a:t>
-            </a:r>
-            <a:r>
-              <a:rPr lang="de-DE" dirty="0"/>
-              <a:t> </a:t>
-            </a:r>
-            <a:r>
-              <a:rPr lang="de-DE" dirty="0" err="1"/>
-              <a:t>need</a:t>
-            </a:r>
-            <a:r>
-              <a:rPr lang="de-DE" dirty="0"/>
-              <a:t> (and </a:t>
-            </a:r>
-            <a:r>
-              <a:rPr lang="de-DE" dirty="0" err="1"/>
-              <a:t>it</a:t>
-            </a:r>
-            <a:r>
-              <a:rPr lang="de-DE" dirty="0"/>
-              <a:t> </a:t>
-            </a:r>
-            <a:r>
-              <a:rPr lang="de-DE" dirty="0" err="1"/>
-              <a:t>requires</a:t>
-            </a:r>
-            <a:r>
-              <a:rPr lang="de-DE" dirty="0"/>
-              <a:t> </a:t>
-            </a:r>
-            <a:r>
-              <a:rPr lang="de-DE" dirty="0" err="1"/>
-              <a:t>linorder</a:t>
-            </a:r>
-            <a:r>
-              <a:rPr lang="de-DE" dirty="0"/>
-              <a:t> on </a:t>
-            </a:r>
-            <a:r>
-              <a:rPr lang="de-DE" dirty="0" err="1"/>
-              <a:t>the</a:t>
-            </a:r>
-            <a:r>
-              <a:rPr lang="de-DE" dirty="0"/>
-              <a:t> </a:t>
-            </a:r>
-            <a:r>
-              <a:rPr lang="de-DE" dirty="0" err="1"/>
-              <a:t>atoms</a:t>
-            </a:r>
-            <a:r>
-              <a:rPr lang="de-DE" dirty="0"/>
-              <a:t>?))</a:t>
-            </a:r>
           </a:p>
           <a:p>
             <a:endParaRPr lang="de-DE" dirty="0"/>
@@ -2143,14 +2122,6 @@
             </a:r>
             <a:r>
               <a:rPr lang="en-US" dirty="0" err="1"/>
-              <a:t>wirklich</a:t>
-            </a:r>
-            <a:r>
-              <a:rPr lang="en-US" dirty="0"/>
-              <a:t> relevant und </a:t>
-            </a:r>
-            <a:r>
-              <a:rPr lang="en-US" dirty="0" err="1"/>
               <a:t>leicht</a:t>
             </a:r>
             <a:r>
@@ -2171,71 +2142,7 @@
             </a:r>
             <a:r>
               <a:rPr lang="en-US" dirty="0"/>
-              <a:t>? </a:t>
-            </a:r>
-            <a:r>
-              <a:rPr lang="en-US" dirty="0" err="1"/>
-              <a:t>Evtl</a:t>
-            </a:r>
-            <a:r>
-              <a:rPr lang="en-US" dirty="0"/>
-              <a:t>. </a:t>
-            </a:r>
-            <a:r>
-              <a:rPr lang="en-US" dirty="0" err="1"/>
-              <a:t>besser</a:t>
-            </a:r>
-            <a:r>
-              <a:rPr lang="en-US" dirty="0"/>
-              <a:t> so </a:t>
-            </a:r>
-            <a:r>
-              <a:rPr lang="en-US" dirty="0" err="1"/>
-              <a:t>erklären</a:t>
-            </a:r>
-            <a:r>
-              <a:rPr lang="en-US" dirty="0"/>
-              <a:t> </a:t>
-            </a:r>
-            <a:r>
-              <a:rPr lang="en-US" dirty="0" err="1"/>
-              <a:t>wie</a:t>
-            </a:r>
-            <a:r>
-              <a:rPr lang="en-US" dirty="0"/>
-              <a:t> der </a:t>
-            </a:r>
-            <a:r>
-              <a:rPr lang="en-US" dirty="0" err="1"/>
-              <a:t>letzte</a:t>
-            </a:r>
-            <a:r>
-              <a:rPr lang="en-US" dirty="0"/>
-              <a:t> </a:t>
-            </a:r>
-            <a:r>
-              <a:rPr lang="en-US" dirty="0" err="1"/>
-              <a:t>Absatz</a:t>
-            </a:r>
-            <a:r>
-              <a:rPr lang="en-US" dirty="0"/>
-              <a:t> </a:t>
-            </a:r>
-            <a:r>
-              <a:rPr lang="en-US" dirty="0" err="1"/>
-              <a:t>vor</a:t>
-            </a:r>
-            <a:r>
-              <a:rPr lang="en-US" dirty="0"/>
-              <a:t> </a:t>
-            </a:r>
-            <a:r>
-              <a:rPr lang="en-US" dirty="0" err="1"/>
-              <a:t>Abschnitt</a:t>
-            </a:r>
-            <a:r>
-              <a:rPr lang="en-US" dirty="0"/>
-              <a:t> 1.1?</a:t>
+              <a:t>?</a:t>
             </a:r>
           </a:p>
         </p:txBody>
@@ -2326,15 +2233,7 @@
             </a:r>
             <a:r>
               <a:rPr lang="en-US" dirty="0"/>
-              <a:t> will </a:t>
-            </a:r>
-            <a:r>
-              <a:rPr lang="en-US"/>
-              <a:t>be relation, a </a:t>
-            </a:r>
-            <a:r>
-              <a:rPr lang="en-US" dirty="0"/>
-              <a:t>list of pairs (or set of pairs if you want)</a:t>
+              <a:t> will be relation, a list of pairs (or set of pairs if you want)</a:t>
             </a:r>
           </a:p>
           <a:p>
@@ -6972,15 +6871,7 @@
               <a:p>
                 <a:r>
                   <a:rPr lang="en-US" dirty="0"/>
-                  <a:t>All pairs that are missing for the </a:t>
-                </a:r>
-                <a:r>
-                  <a:rPr lang="en-US" dirty="0" err="1"/>
-                  <a:t>bisimulation</a:t>
-                </a:r>
-                <a:r>
-                  <a:rPr lang="en-US" dirty="0"/>
-                  <a:t> property</a:t>
+                  <a:t>All pairs that are missing for the property</a:t>
                 </a:r>
               </a:p>
               <a:p>
@@ -6989,7 +6880,11 @@
                 </a:pPr>
                 <a:r>
                   <a:rPr lang="pt-BR" dirty="0"/>
-                  <a:t>		∀a∈set as. </a:t>
+                  <a:t>		</a:t>
+                </a:r>
+                <a:r>
+                  <a:rPr lang="pt-BR" i="1" dirty="0"/>
+                  <a:t>∀a∈ set as. </a:t>
                 </a:r>
                 <a:r>
                   <a:rPr lang="de-DE" i="1" dirty="0">
@@ -7035,7 +6930,7 @@
                     <a:latin typeface="Cambria Math" panose="02040503050406030204" pitchFamily="18" charset="0"/>
                     <a:ea typeface="Cambria Math" panose="02040503050406030204" pitchFamily="18" charset="0"/>
                   </a:rPr>
-                  <a:t> (r</a:t>
+                  <a:t>(r</a:t>
                 </a:r>
                 <a:r>
                   <a:rPr lang="de-DE" i="1" dirty="0">
@@ -7052,7 +6947,7 @@
                   <a:t> </a:t>
                 </a:r>
                 <a:r>
-                  <a:rPr lang="pt-BR" dirty="0"/>
+                  <a:rPr lang="pt-BR" i="1" dirty="0"/>
                   <a:t>, </a:t>
                 </a:r>
                 <a14:m>
@@ -7092,7 +6987,7 @@
                     <a:latin typeface="Cambria Math" panose="02040503050406030204" pitchFamily="18" charset="0"/>
                     <a:ea typeface="Cambria Math" panose="02040503050406030204" pitchFamily="18" charset="0"/>
                   </a:rPr>
-                  <a:t> (</a:t>
+                  <a:t>(</a:t>
                 </a:r>
                 <a:r>
                   <a:rPr lang="de-DE" i="1" dirty="0">
@@ -7102,7 +6997,7 @@
                   <a:t>s))</a:t>
                 </a:r>
                 <a:r>
-                  <a:rPr lang="pt-BR" dirty="0"/>
+                  <a:rPr lang="pt-BR" i="1" dirty="0"/>
                   <a:t> ∈ R</a:t>
                 </a:r>
                 <a:r>
@@ -7112,7 +7007,7 @@
                   </a:rPr>
                   <a:t>)</a:t>
                 </a:r>
-                <a:endParaRPr lang="pt-BR" dirty="0"/>
+                <a:endParaRPr lang="pt-BR" i="1" dirty="0"/>
               </a:p>
               <a:p>
                 <a:pPr marL="0" indent="0">
@@ -7149,11 +7044,7 @@
                 </a:r>
                 <a:r>
                   <a:rPr lang="pt-BR" dirty="0"/>
-                  <a:t>will be the set of atoms in the original expressions (this does not change during </a:t>
-                </a:r>
-                <a:r>
-                  <a:rPr lang="pt-BR"/>
-                  <a:t>execution).</a:t>
+                  <a:t>will be the set of atoms in the original expressions (this does not change during execution).</a:t>
                 </a:r>
                 <a:endParaRPr lang="en-US" dirty="0"/>
               </a:p>
@@ -7405,7 +7296,19 @@
                   <a:rPr lang="en-GB" dirty="0">
                     <a:latin typeface="Lucida Bright" panose="02040602050505020304" pitchFamily="18" charset="0"/>
                   </a:rPr>
-                  <a:t> = p # </a:t>
+                  <a:t> = </a:t>
+                </a:r>
+                <a:r>
+                  <a:rPr lang="en-GB" dirty="0" err="1">
+                    <a:latin typeface="Lucida Bright" panose="02040602050505020304" pitchFamily="18" charset="0"/>
+                  </a:rPr>
+                  <a:t>new_p</a:t>
+                </a:r>
+                <a:r>
+                  <a:rPr lang="en-GB" dirty="0">
+                    <a:latin typeface="Lucida Bright" panose="02040602050505020304" pitchFamily="18" charset="0"/>
+                  </a:rPr>
+                  <a:t> # </a:t>
                 </a:r>
                 <a:r>
                   <a:rPr lang="en-GB" dirty="0" err="1">
@@ -7428,7 +7331,19 @@
                   <a:rPr lang="en-GB" dirty="0">
                     <a:latin typeface="Lucida Bright" panose="02040602050505020304" pitchFamily="18" charset="0"/>
                   </a:rPr>
-                  <a:t>    new = [p ← </a:t>
+                  <a:t>    </a:t>
+                </a:r>
+                <a:r>
+                  <a:rPr lang="en-GB" dirty="0" err="1">
+                    <a:latin typeface="Lucida Bright" panose="02040602050505020304" pitchFamily="18" charset="0"/>
+                  </a:rPr>
+                  <a:t>new_ws</a:t>
+                </a:r>
+                <a:r>
+                  <a:rPr lang="en-GB" dirty="0">
+                    <a:latin typeface="Lucida Bright" panose="02040602050505020304" pitchFamily="18" charset="0"/>
+                  </a:rPr>
+                  <a:t> = [p ← </a:t>
                 </a:r>
                 <a:r>
                   <a:rPr lang="en-GB" dirty="0" err="1">
@@ -7487,7 +7402,19 @@
                   <a:rPr lang="en-GB" dirty="0">
                     <a:latin typeface="Lucida Bright" panose="02040602050505020304" pitchFamily="18" charset="0"/>
                   </a:rPr>
-                  <a:t>  in (new @ </a:t>
+                  <a:t>  in (</a:t>
+                </a:r>
+                <a:r>
+                  <a:rPr lang="en-GB" dirty="0" err="1">
+                    <a:latin typeface="Lucida Bright" panose="02040602050505020304" pitchFamily="18" charset="0"/>
+                  </a:rPr>
+                  <a:t>new_ws</a:t>
+                </a:r>
+                <a:r>
+                  <a:rPr lang="en-GB" dirty="0">
+                    <a:latin typeface="Lucida Bright" panose="02040602050505020304" pitchFamily="18" charset="0"/>
+                  </a:rPr>
+                  <a:t> @ </a:t>
                 </a:r>
                 <a:r>
                   <a:rPr lang="en-GB" dirty="0" err="1">
@@ -7545,20 +7472,14 @@
                   <a:rPr lang="pt-BR" dirty="0">
                     <a:latin typeface="Lucida Bright" panose="02040602050505020304" pitchFamily="18" charset="0"/>
                   </a:rPr>
-                  <a:t>succs as (r, s) = map </a:t>
-                </a:r>
-                <a:r>
-                  <a:rPr lang="pt-BR" i="1" dirty="0">
-                    <a:latin typeface="Lucida Bright" panose="02040602050505020304" pitchFamily="18" charset="0"/>
-                  </a:rPr>
-                  <a:t>(λa. (</a:t>
+                  <a:t>succs as (r, s) = map (λa. (</a:t>
                 </a:r>
                 <a14:m>
                   <m:oMath xmlns:m="http://schemas.openxmlformats.org/officeDocument/2006/math">
                     <m:sSub>
                       <m:sSubPr>
                         <m:ctrlPr>
-                          <a:rPr lang="en-US" i="1">
+                          <a:rPr lang="en-US">
                             <a:latin typeface="Cambria Math" panose="02040503050406030204" pitchFamily="18" charset="0"/>
                             <a:ea typeface="Cambria Math" panose="02040503050406030204" pitchFamily="18" charset="0"/>
                           </a:rPr>
@@ -7566,25 +7487,31 @@
                       </m:sSubPr>
                       <m:e>
                         <m:r>
-                          <a:rPr lang="de-DE" i="1">
+                          <m:rPr>
+                            <m:sty m:val="p"/>
+                          </m:rPr>
+                          <a:rPr lang="de-DE" i="0">
                             <a:latin typeface="Cambria Math" panose="02040503050406030204" pitchFamily="18" charset="0"/>
                             <a:ea typeface="Cambria Math" panose="02040503050406030204" pitchFamily="18" charset="0"/>
                           </a:rPr>
-                          <m:t>𝑑</m:t>
+                          <m:t>d</m:t>
                         </m:r>
                       </m:e>
                       <m:sub>
                         <m:r>
-                          <a:rPr lang="de-DE" i="1">
+                          <m:rPr>
+                            <m:sty m:val="p"/>
+                          </m:rPr>
+                          <a:rPr lang="de-DE" i="0">
                             <a:latin typeface="Cambria Math" panose="02040503050406030204" pitchFamily="18" charset="0"/>
                             <a:ea typeface="Cambria Math" panose="02040503050406030204" pitchFamily="18" charset="0"/>
                           </a:rPr>
-                          <m:t>𝑎</m:t>
+                          <m:t>a</m:t>
                         </m:r>
                       </m:sub>
                     </m:sSub>
                     <m:r>
-                      <a:rPr lang="de-DE" i="1">
+                      <a:rPr lang="de-DE" i="0">
                         <a:latin typeface="Cambria Math" panose="02040503050406030204" pitchFamily="18" charset="0"/>
                         <a:ea typeface="Cambria Math" panose="02040503050406030204" pitchFamily="18" charset="0"/>
                       </a:rPr>
@@ -7593,14 +7520,14 @@
                   </m:oMath>
                 </a14:m>
                 <a:r>
-                  <a:rPr lang="pt-BR" i="1" dirty="0">
-                    <a:latin typeface="Cambria Math" panose="02040503050406030204" pitchFamily="18" charset="0"/>
+                  <a:rPr lang="pt-BR" dirty="0">
+                    <a:latin typeface="Lucida Bright" panose="02040602050505020304" pitchFamily="18" charset="0"/>
                     <a:ea typeface="Cambria Math" panose="02040503050406030204" pitchFamily="18" charset="0"/>
                   </a:rPr>
                   <a:t>(r) </a:t>
                 </a:r>
                 <a:r>
-                  <a:rPr lang="pt-BR" i="1" dirty="0">
+                  <a:rPr lang="pt-BR" dirty="0">
                     <a:latin typeface="Lucida Bright" panose="02040602050505020304" pitchFamily="18" charset="0"/>
                   </a:rPr>
                   <a:t>, </a:t>
@@ -7610,7 +7537,7 @@
                     <m:sSub>
                       <m:sSubPr>
                         <m:ctrlPr>
-                          <a:rPr lang="en-US" i="1">
+                          <a:rPr lang="en-US">
                             <a:latin typeface="Cambria Math" panose="02040503050406030204" pitchFamily="18" charset="0"/>
                             <a:ea typeface="Cambria Math" panose="02040503050406030204" pitchFamily="18" charset="0"/>
                           </a:rPr>
@@ -7618,25 +7545,31 @@
                       </m:sSubPr>
                       <m:e>
                         <m:r>
-                          <a:rPr lang="de-DE" i="1">
+                          <m:rPr>
+                            <m:sty m:val="p"/>
+                          </m:rPr>
+                          <a:rPr lang="de-DE" i="0">
                             <a:latin typeface="Cambria Math" panose="02040503050406030204" pitchFamily="18" charset="0"/>
                             <a:ea typeface="Cambria Math" panose="02040503050406030204" pitchFamily="18" charset="0"/>
                           </a:rPr>
-                          <m:t>𝑑</m:t>
+                          <m:t>d</m:t>
                         </m:r>
                       </m:e>
                       <m:sub>
                         <m:r>
-                          <a:rPr lang="de-DE" i="1">
+                          <m:rPr>
+                            <m:sty m:val="p"/>
+                          </m:rPr>
+                          <a:rPr lang="de-DE" i="0">
                             <a:latin typeface="Cambria Math" panose="02040503050406030204" pitchFamily="18" charset="0"/>
                             <a:ea typeface="Cambria Math" panose="02040503050406030204" pitchFamily="18" charset="0"/>
                           </a:rPr>
-                          <m:t>𝑎</m:t>
+                          <m:t>a</m:t>
                         </m:r>
                       </m:sub>
                     </m:sSub>
                     <m:r>
-                      <a:rPr lang="de-DE" i="1">
+                      <a:rPr lang="de-DE" i="0">
                         <a:latin typeface="Cambria Math" panose="02040503050406030204" pitchFamily="18" charset="0"/>
                         <a:ea typeface="Cambria Math" panose="02040503050406030204" pitchFamily="18" charset="0"/>
                       </a:rPr>
@@ -7645,23 +7578,17 @@
                   </m:oMath>
                 </a14:m>
                 <a:r>
-                  <a:rPr lang="pt-BR" i="1" dirty="0">
-                    <a:latin typeface="Cambria Math" panose="02040503050406030204" pitchFamily="18" charset="0"/>
-                    <a:ea typeface="Cambria Math" panose="02040503050406030204" pitchFamily="18" charset="0"/>
-                  </a:rPr>
-                  <a:t>(s) </a:t>
-                </a:r>
-                <a:r>
-                  <a:rPr lang="pt-BR" i="1" dirty="0">
-                    <a:latin typeface="Lucida Bright" panose="02040602050505020304" pitchFamily="18" charset="0"/>
-                  </a:rPr>
-                  <a:t>)) </a:t>
-                </a:r>
-                <a:r>
                   <a:rPr lang="pt-BR" dirty="0">
                     <a:latin typeface="Lucida Bright" panose="02040602050505020304" pitchFamily="18" charset="0"/>
-                  </a:rPr>
-                  <a:t>as</a:t>
+                    <a:ea typeface="Cambria Math" panose="02040503050406030204" pitchFamily="18" charset="0"/>
+                  </a:rPr>
+                  <a:t>(s) </a:t>
+                </a:r>
+                <a:r>
+                  <a:rPr lang="pt-BR" dirty="0">
+                    <a:latin typeface="Lucida Bright" panose="02040602050505020304" pitchFamily="18" charset="0"/>
+                  </a:rPr>
+                  <a:t>)) as</a:t>
                 </a:r>
               </a:p>
               <a:p>
@@ -8091,7 +8018,7 @@
           <p:cNvPr id="2" name="Titel 1">
             <a:extLst>
               <a:ext uri="{FF2B5EF4-FFF2-40B4-BE49-F238E27FC236}">
-                <a16:creationId xmlns:a16="http://schemas.microsoft.com/office/drawing/2014/main" id="{D55CD077-9E2B-43F3-83A0-334C38F85C7C}"/>
+                <a16:creationId xmlns:a16="http://schemas.microsoft.com/office/drawing/2014/main" id="{2D7BCFF1-FE81-4AD3-8A76-EF7AB58D96BF}"/>
               </a:ext>
             </a:extLst>
           </p:cNvPr>
@@ -8109,177 +8036,395 @@
           <a:p>
             <a:r>
               <a:rPr lang="en-US" dirty="0"/>
-              <a:t>ACI</a:t>
-            </a:r>
-          </a:p>
-        </p:txBody>
-      </p:sp>
-      <p:sp>
-        <p:nvSpPr>
-          <p:cNvPr id="3" name="Inhaltsplatzhalter 2">
-            <a:extLst>
-              <a:ext uri="{FF2B5EF4-FFF2-40B4-BE49-F238E27FC236}">
-                <a16:creationId xmlns:a16="http://schemas.microsoft.com/office/drawing/2014/main" id="{EABB337D-AA1F-4919-A75D-7EF7AE0BF98B}"/>
-              </a:ext>
-            </a:extLst>
-          </p:cNvPr>
-          <p:cNvSpPr>
-            <a:spLocks noGrp="1"/>
-          </p:cNvSpPr>
-          <p:nvPr>
-            <p:ph idx="1"/>
-          </p:nvPr>
-        </p:nvSpPr>
-        <p:spPr/>
-        <p:txBody>
-          <a:bodyPr>
-            <a:normAutofit/>
-          </a:bodyPr>
-          <a:lstStyle/>
-          <a:p>
-            <a:pPr marL="0" indent="0">
-              <a:buNone/>
-            </a:pPr>
-            <a:r>
-              <a:rPr lang="en-US" dirty="0"/>
-              <a:t>equality modulo </a:t>
-            </a:r>
-            <a:r>
-              <a:rPr lang="en-US" i="1" dirty="0"/>
-              <a:t>associativity</a:t>
-            </a:r>
-            <a:r>
-              <a:rPr lang="en-US" dirty="0"/>
-              <a:t>, </a:t>
-            </a:r>
-            <a:r>
-              <a:rPr lang="en-US" i="1" dirty="0"/>
-              <a:t>commutativity</a:t>
-            </a:r>
-            <a:r>
-              <a:rPr lang="en-US" dirty="0"/>
-              <a:t> and </a:t>
-            </a:r>
-            <a:r>
-              <a:rPr lang="en-US" i="1" dirty="0"/>
-              <a:t>idempotence</a:t>
-            </a:r>
-            <a:r>
-              <a:rPr lang="en-US" dirty="0"/>
-              <a:t> of </a:t>
-            </a:r>
-            <a:r>
-              <a:rPr lang="en-US" i="1" dirty="0"/>
-              <a:t>+</a:t>
-            </a:r>
-            <a:endParaRPr lang="en-US" dirty="0"/>
-          </a:p>
-          <a:p>
-            <a:endParaRPr lang="en-US" dirty="0"/>
-          </a:p>
-          <a:p>
-            <a:r>
-              <a:rPr lang="en-US" dirty="0"/>
-              <a:t>ACI-equality of two REs can be reduced to equality by recursively sorting </a:t>
-            </a:r>
-            <a:r>
-              <a:rPr lang="en-US" dirty="0" err="1"/>
-              <a:t>subterms</a:t>
-            </a:r>
-            <a:r>
-              <a:rPr lang="en-US" dirty="0"/>
-              <a:t> of nested + terms, and eliminating duplicates</a:t>
-            </a:r>
-          </a:p>
-          <a:p>
-            <a:pPr lvl="1">
-              <a:buFont typeface="Wingdings" panose="05000000000000000000" pitchFamily="2" charset="2"/>
-              <a:buChar char="à"/>
-            </a:pPr>
-            <a:r>
-              <a:rPr lang="en-US" dirty="0">
-                <a:sym typeface="Wingdings" panose="05000000000000000000" pitchFamily="2" charset="2"/>
-              </a:rPr>
-              <a:t>Use some arbitrary order on the constructors: </a:t>
-            </a:r>
-            <a:r>
-              <a:rPr lang="pt-BR" b="1" i="1" dirty="0">
-                <a:latin typeface="Lucida Bright" panose="02040602050505020304" pitchFamily="18" charset="0"/>
-              </a:rPr>
-              <a:t>∅</a:t>
-            </a:r>
-            <a:r>
-              <a:rPr lang="en-US" dirty="0">
-                <a:sym typeface="Wingdings" panose="05000000000000000000" pitchFamily="2" charset="2"/>
-              </a:rPr>
-              <a:t>  &lt; </a:t>
-            </a:r>
-            <a:r>
-              <a:rPr lang="el-GR" i="1" dirty="0"/>
-              <a:t>ε</a:t>
-            </a:r>
-            <a:r>
-              <a:rPr lang="de-DE" i="1" dirty="0"/>
-              <a:t> &lt; a &lt;</a:t>
-            </a:r>
-            <a:r>
-              <a:rPr lang="pt-BR" b="1" i="1" dirty="0">
-                <a:latin typeface="Lucida Bright" panose="02040602050505020304" pitchFamily="18" charset="0"/>
-              </a:rPr>
-              <a:t> </a:t>
-            </a:r>
-            <a:r>
-              <a:rPr lang="en-US" dirty="0">
-                <a:sym typeface="Wingdings" panose="05000000000000000000" pitchFamily="2" charset="2"/>
-              </a:rPr>
-              <a:t>(_)* &lt; (_</a:t>
-            </a:r>
-            <a:r>
-              <a:rPr lang="en-GB" i="1" dirty="0">
-                <a:latin typeface="Cambria Math" panose="02040503050406030204" pitchFamily="18" charset="0"/>
-                <a:ea typeface="Cambria Math" panose="02040503050406030204" pitchFamily="18" charset="0"/>
-              </a:rPr>
-              <a:t>⋅ </a:t>
-            </a:r>
-            <a:r>
-              <a:rPr lang="en-US" dirty="0">
-                <a:sym typeface="Wingdings" panose="05000000000000000000" pitchFamily="2" charset="2"/>
-              </a:rPr>
-              <a:t>_)</a:t>
-            </a:r>
-          </a:p>
-          <a:p>
-            <a:pPr lvl="1">
-              <a:buFont typeface="Wingdings" panose="05000000000000000000" pitchFamily="2" charset="2"/>
-              <a:buChar char="à"/>
-            </a:pPr>
-            <a:r>
-              <a:rPr lang="en-US" dirty="0"/>
-              <a:t>The calls also make lists out of nested +’s.</a:t>
-            </a:r>
-          </a:p>
-          <a:p>
-            <a:pPr lvl="1">
-              <a:buFont typeface="Wingdings" panose="05000000000000000000" pitchFamily="2" charset="2"/>
-              <a:buChar char="à"/>
-            </a:pPr>
-            <a:r>
-              <a:rPr lang="en-US" dirty="0"/>
-              <a:t>Afterwards, check for equality.</a:t>
-            </a:r>
-          </a:p>
-          <a:p>
-            <a:r>
-              <a:rPr lang="en-US" dirty="0"/>
-              <a:t>alternative: keep the REs in this normal form, as an invariant</a:t>
-            </a:r>
-          </a:p>
-        </p:txBody>
-      </p:sp>
+              <a:t>Invariant</a:t>
+            </a:r>
+          </a:p>
+        </p:txBody>
+      </p:sp>
+      <mc:AlternateContent xmlns:mc="http://schemas.openxmlformats.org/markup-compatibility/2006">
+        <mc:Choice xmlns:a14="http://schemas.microsoft.com/office/drawing/2010/main" Requires="a14">
+          <p:sp>
+            <p:nvSpPr>
+              <p:cNvPr id="3" name="Inhaltsplatzhalter 2">
+                <a:extLst>
+                  <a:ext uri="{FF2B5EF4-FFF2-40B4-BE49-F238E27FC236}">
+                    <a16:creationId xmlns:a16="http://schemas.microsoft.com/office/drawing/2014/main" id="{826FF94A-6D23-447C-BA41-B4892FAB5BC5}"/>
+                  </a:ext>
+                </a:extLst>
+              </p:cNvPr>
+              <p:cNvSpPr>
+                <a:spLocks noGrp="1"/>
+              </p:cNvSpPr>
+              <p:nvPr>
+                <p:ph idx="1"/>
+              </p:nvPr>
+            </p:nvSpPr>
+            <p:spPr/>
+            <p:txBody>
+              <a:bodyPr/>
+              <a:lstStyle/>
+              <a:p>
+                <a:pPr marL="0" indent="0">
+                  <a:buNone/>
+                </a:pPr>
+                <a:r>
+                  <a:rPr lang="en-GB" i="1" dirty="0">
+                    <a:latin typeface="Cambria Math" panose="02040503050406030204" pitchFamily="18" charset="0"/>
+                    <a:ea typeface="Cambria Math" panose="02040503050406030204" pitchFamily="18" charset="0"/>
+                  </a:rPr>
+                  <a:t>pre-</a:t>
+                </a:r>
+                <a:r>
+                  <a:rPr lang="en-GB" i="1" dirty="0" err="1">
+                    <a:latin typeface="Cambria Math" panose="02040503050406030204" pitchFamily="18" charset="0"/>
+                    <a:ea typeface="Cambria Math" panose="02040503050406030204" pitchFamily="18" charset="0"/>
+                  </a:rPr>
+                  <a:t>bisim</a:t>
+                </a:r>
+                <a:r>
+                  <a:rPr lang="en-GB" i="1" dirty="0">
+                    <a:latin typeface="Cambria Math" panose="02040503050406030204" pitchFamily="18" charset="0"/>
+                    <a:ea typeface="Cambria Math" panose="02040503050406030204" pitchFamily="18" charset="0"/>
+                  </a:rPr>
+                  <a:t> as r s (</a:t>
+                </a:r>
+                <a:r>
+                  <a:rPr lang="en-GB" i="1" dirty="0" err="1">
+                    <a:latin typeface="Cambria Math" panose="02040503050406030204" pitchFamily="18" charset="0"/>
+                    <a:ea typeface="Cambria Math" panose="02040503050406030204" pitchFamily="18" charset="0"/>
+                  </a:rPr>
+                  <a:t>ws</a:t>
+                </a:r>
+                <a:r>
+                  <a:rPr lang="en-GB" i="1" dirty="0">
+                    <a:latin typeface="Cambria Math" panose="02040503050406030204" pitchFamily="18" charset="0"/>
+                    <a:ea typeface="Cambria Math" panose="02040503050406030204" pitchFamily="18" charset="0"/>
+                  </a:rPr>
+                  <a:t>, </a:t>
+                </a:r>
+                <a:r>
+                  <a:rPr lang="en-GB" i="1" dirty="0" err="1">
+                    <a:latin typeface="Cambria Math" panose="02040503050406030204" pitchFamily="18" charset="0"/>
+                    <a:ea typeface="Cambria Math" panose="02040503050406030204" pitchFamily="18" charset="0"/>
+                  </a:rPr>
+                  <a:t>ps</a:t>
+                </a:r>
+                <a:r>
+                  <a:rPr lang="en-GB" i="1" dirty="0">
+                    <a:latin typeface="Cambria Math" panose="02040503050406030204" pitchFamily="18" charset="0"/>
+                    <a:ea typeface="Cambria Math" panose="02040503050406030204" pitchFamily="18" charset="0"/>
+                  </a:rPr>
+                  <a:t>) </a:t>
+                </a:r>
+                <a:r>
+                  <a:rPr lang="en-US" i="1" dirty="0">
+                    <a:latin typeface="Cambria Math" panose="02040503050406030204" pitchFamily="18" charset="0"/>
+                    <a:ea typeface="Cambria Math" panose="02040503050406030204" pitchFamily="18" charset="0"/>
+                  </a:rPr>
+                  <a:t>⟷</a:t>
+                </a:r>
+              </a:p>
+              <a:p>
+                <a:pPr marL="0" indent="0">
+                  <a:buNone/>
+                </a:pPr>
+                <a:r>
+                  <a:rPr lang="en-US" i="1" dirty="0">
+                    <a:latin typeface="Cambria Math" panose="02040503050406030204" pitchFamily="18" charset="0"/>
+                    <a:ea typeface="Cambria Math" panose="02040503050406030204" pitchFamily="18" charset="0"/>
+                  </a:rPr>
+                  <a:t>	</a:t>
+                </a:r>
+                <a:r>
+                  <a:rPr lang="en-GB" i="1" dirty="0">
+                    <a:latin typeface="Cambria Math" panose="02040503050406030204" pitchFamily="18" charset="0"/>
+                    <a:ea typeface="Cambria Math" panose="02040503050406030204" pitchFamily="18" charset="0"/>
+                  </a:rPr>
+                  <a:t>(r, s) ∈ </a:t>
+                </a:r>
+                <a:r>
+                  <a:rPr lang="en-GB" i="1" dirty="0" err="1">
+                    <a:latin typeface="Cambria Math" panose="02040503050406030204" pitchFamily="18" charset="0"/>
+                    <a:ea typeface="Cambria Math" panose="02040503050406030204" pitchFamily="18" charset="0"/>
+                  </a:rPr>
+                  <a:t>ws</a:t>
+                </a:r>
+                <a:r>
+                  <a:rPr lang="en-GB" i="1" dirty="0">
+                    <a:latin typeface="Cambria Math" panose="02040503050406030204" pitchFamily="18" charset="0"/>
+                    <a:ea typeface="Cambria Math" panose="02040503050406030204" pitchFamily="18" charset="0"/>
+                  </a:rPr>
+                  <a:t> ∪ </a:t>
+                </a:r>
+                <a:r>
+                  <a:rPr lang="en-GB" i="1" dirty="0" err="1">
+                    <a:latin typeface="Cambria Math" panose="02040503050406030204" pitchFamily="18" charset="0"/>
+                    <a:ea typeface="Cambria Math" panose="02040503050406030204" pitchFamily="18" charset="0"/>
+                  </a:rPr>
+                  <a:t>ps</a:t>
+                </a:r>
+                <a:r>
+                  <a:rPr lang="en-GB" i="1" dirty="0">
+                    <a:latin typeface="Cambria Math" panose="02040503050406030204" pitchFamily="18" charset="0"/>
+                    <a:ea typeface="Cambria Math" panose="02040503050406030204" pitchFamily="18" charset="0"/>
+                  </a:rPr>
+                  <a:t> ∧</a:t>
+                </a:r>
+              </a:p>
+              <a:p>
+                <a:pPr marL="0" indent="0">
+                  <a:buNone/>
+                </a:pPr>
+                <a:r>
+                  <a:rPr lang="en-GB" i="1" dirty="0">
+                    <a:latin typeface="Cambria Math" panose="02040503050406030204" pitchFamily="18" charset="0"/>
+                    <a:ea typeface="Cambria Math" panose="02040503050406030204" pitchFamily="18" charset="0"/>
+                  </a:rPr>
+                  <a:t>	(∀(r, s) ∈ </a:t>
+                </a:r>
+                <a:r>
+                  <a:rPr lang="en-GB" i="1" dirty="0" err="1">
+                    <a:latin typeface="Cambria Math" panose="02040503050406030204" pitchFamily="18" charset="0"/>
+                    <a:ea typeface="Cambria Math" panose="02040503050406030204" pitchFamily="18" charset="0"/>
+                  </a:rPr>
+                  <a:t>ws</a:t>
+                </a:r>
+                <a:r>
+                  <a:rPr lang="en-GB" i="1" dirty="0">
+                    <a:latin typeface="Cambria Math" panose="02040503050406030204" pitchFamily="18" charset="0"/>
+                    <a:ea typeface="Cambria Math" panose="02040503050406030204" pitchFamily="18" charset="0"/>
+                  </a:rPr>
+                  <a:t> ∪ </a:t>
+                </a:r>
+                <a:r>
+                  <a:rPr lang="en-GB" i="1" dirty="0" err="1">
+                    <a:latin typeface="Cambria Math" panose="02040503050406030204" pitchFamily="18" charset="0"/>
+                    <a:ea typeface="Cambria Math" panose="02040503050406030204" pitchFamily="18" charset="0"/>
+                  </a:rPr>
+                  <a:t>ps</a:t>
+                </a:r>
+                <a:r>
+                  <a:rPr lang="en-GB" i="1" dirty="0">
+                    <a:latin typeface="Cambria Math" panose="02040503050406030204" pitchFamily="18" charset="0"/>
+                    <a:ea typeface="Cambria Math" panose="02040503050406030204" pitchFamily="18" charset="0"/>
+                  </a:rPr>
+                  <a:t> . atoms r ∪ atoms s ⊆ as) ∧</a:t>
+                </a:r>
+              </a:p>
+              <a:p>
+                <a:pPr marL="0" indent="0">
+                  <a:buNone/>
+                </a:pPr>
+                <a:r>
+                  <a:rPr lang="en-GB" i="1" dirty="0">
+                    <a:latin typeface="Cambria Math" panose="02040503050406030204" pitchFamily="18" charset="0"/>
+                    <a:ea typeface="Cambria Math" panose="02040503050406030204" pitchFamily="18" charset="0"/>
+                  </a:rPr>
+                  <a:t>	(∀(r, s)∈ ps.</a:t>
+                </a:r>
+              </a:p>
+              <a:p>
+                <a:pPr marL="0" indent="0">
+                  <a:buNone/>
+                </a:pPr>
+                <a:r>
+                  <a:rPr lang="en-GB" i="1" dirty="0">
+                    <a:latin typeface="Cambria Math" panose="02040503050406030204" pitchFamily="18" charset="0"/>
+                    <a:ea typeface="Cambria Math" panose="02040503050406030204" pitchFamily="18" charset="0"/>
+                  </a:rPr>
+                  <a:t>		(nullable r </a:t>
+                </a:r>
+                <a:r>
+                  <a:rPr lang="en-US" i="1" dirty="0">
+                    <a:latin typeface="Cambria Math" panose="02040503050406030204" pitchFamily="18" charset="0"/>
+                    <a:ea typeface="Cambria Math" panose="02040503050406030204" pitchFamily="18" charset="0"/>
+                  </a:rPr>
+                  <a:t>⟷</a:t>
+                </a:r>
+                <a:r>
+                  <a:rPr lang="en-GB" i="1" dirty="0">
+                    <a:latin typeface="Cambria Math" panose="02040503050406030204" pitchFamily="18" charset="0"/>
+                    <a:ea typeface="Cambria Math" panose="02040503050406030204" pitchFamily="18" charset="0"/>
+                  </a:rPr>
+                  <a:t> nullable s) ∧</a:t>
+                </a:r>
+              </a:p>
+              <a:p>
+                <a:pPr marL="0" indent="0">
+                  <a:buNone/>
+                </a:pPr>
+                <a:r>
+                  <a:rPr lang="en-GB" i="1" dirty="0">
+                    <a:latin typeface="Cambria Math" panose="02040503050406030204" pitchFamily="18" charset="0"/>
+                    <a:ea typeface="Cambria Math" panose="02040503050406030204" pitchFamily="18" charset="0"/>
+                  </a:rPr>
+                  <a:t>		(∀a ∈ as. (</a:t>
+                </a:r>
+                <a14:m>
+                  <m:oMath xmlns:m="http://schemas.openxmlformats.org/officeDocument/2006/math">
+                    <m:sSub>
+                      <m:sSubPr>
+                        <m:ctrlPr>
+                          <a:rPr lang="en-US" i="1">
+                            <a:latin typeface="Cambria Math" panose="02040503050406030204" pitchFamily="18" charset="0"/>
+                            <a:ea typeface="Cambria Math" panose="02040503050406030204" pitchFamily="18" charset="0"/>
+                          </a:rPr>
+                        </m:ctrlPr>
+                      </m:sSubPr>
+                      <m:e>
+                        <m:r>
+                          <a:rPr lang="de-DE" i="1" smtClean="0">
+                            <a:latin typeface="Cambria Math" panose="02040503050406030204" pitchFamily="18" charset="0"/>
+                            <a:ea typeface="Cambria Math" panose="02040503050406030204" pitchFamily="18" charset="0"/>
+                          </a:rPr>
+                          <m:t>𝑑</m:t>
+                        </m:r>
+                      </m:e>
+                      <m:sub>
+                        <m:r>
+                          <a:rPr lang="de-DE" i="1" smtClean="0">
+                            <a:latin typeface="Cambria Math" panose="02040503050406030204" pitchFamily="18" charset="0"/>
+                            <a:ea typeface="Cambria Math" panose="02040503050406030204" pitchFamily="18" charset="0"/>
+                          </a:rPr>
+                          <m:t>𝑎</m:t>
+                        </m:r>
+                      </m:sub>
+                    </m:sSub>
+                  </m:oMath>
+                </a14:m>
+                <a:r>
+                  <a:rPr lang="pt-BR" i="1" dirty="0">
+                    <a:latin typeface="Cambria Math" panose="02040503050406030204" pitchFamily="18" charset="0"/>
+                    <a:ea typeface="Cambria Math" panose="02040503050406030204" pitchFamily="18" charset="0"/>
+                  </a:rPr>
+                  <a:t>(r) , </a:t>
+                </a:r>
+                <a14:m>
+                  <m:oMath xmlns:m="http://schemas.openxmlformats.org/officeDocument/2006/math">
+                    <m:sSub>
+                      <m:sSubPr>
+                        <m:ctrlPr>
+                          <a:rPr lang="en-US" i="1">
+                            <a:latin typeface="Cambria Math" panose="02040503050406030204" pitchFamily="18" charset="0"/>
+                            <a:ea typeface="Cambria Math" panose="02040503050406030204" pitchFamily="18" charset="0"/>
+                          </a:rPr>
+                        </m:ctrlPr>
+                      </m:sSubPr>
+                      <m:e>
+                        <m:r>
+                          <a:rPr lang="de-DE" i="1" smtClean="0">
+                            <a:latin typeface="Cambria Math" panose="02040503050406030204" pitchFamily="18" charset="0"/>
+                            <a:ea typeface="Cambria Math" panose="02040503050406030204" pitchFamily="18" charset="0"/>
+                          </a:rPr>
+                          <m:t>𝑑</m:t>
+                        </m:r>
+                      </m:e>
+                      <m:sub>
+                        <m:r>
+                          <a:rPr lang="de-DE" i="1" smtClean="0">
+                            <a:latin typeface="Cambria Math" panose="02040503050406030204" pitchFamily="18" charset="0"/>
+                            <a:ea typeface="Cambria Math" panose="02040503050406030204" pitchFamily="18" charset="0"/>
+                          </a:rPr>
+                          <m:t>𝑎</m:t>
+                        </m:r>
+                      </m:sub>
+                    </m:sSub>
+                  </m:oMath>
+                </a14:m>
+                <a:r>
+                  <a:rPr lang="pt-BR" i="1" dirty="0">
+                    <a:latin typeface="Cambria Math" panose="02040503050406030204" pitchFamily="18" charset="0"/>
+                    <a:ea typeface="Cambria Math" panose="02040503050406030204" pitchFamily="18" charset="0"/>
+                  </a:rPr>
+                  <a:t>(s)</a:t>
+                </a:r>
+                <a:r>
+                  <a:rPr lang="en-GB" i="1" dirty="0">
+                    <a:latin typeface="Cambria Math" panose="02040503050406030204" pitchFamily="18" charset="0"/>
+                    <a:ea typeface="Cambria Math" panose="02040503050406030204" pitchFamily="18" charset="0"/>
+                  </a:rPr>
+                  <a:t>) ∈ </a:t>
+                </a:r>
+                <a:r>
+                  <a:rPr lang="en-GB" i="1" dirty="0" err="1">
+                    <a:latin typeface="Cambria Math" panose="02040503050406030204" pitchFamily="18" charset="0"/>
+                    <a:ea typeface="Cambria Math" panose="02040503050406030204" pitchFamily="18" charset="0"/>
+                  </a:rPr>
+                  <a:t>ps</a:t>
+                </a:r>
+                <a:r>
+                  <a:rPr lang="en-GB" i="1" dirty="0">
+                    <a:latin typeface="Cambria Math" panose="02040503050406030204" pitchFamily="18" charset="0"/>
+                    <a:ea typeface="Cambria Math" panose="02040503050406030204" pitchFamily="18" charset="0"/>
+                  </a:rPr>
+                  <a:t> ∪ </a:t>
+                </a:r>
+                <a:r>
+                  <a:rPr lang="en-GB" i="1" dirty="0" err="1">
+                    <a:latin typeface="Cambria Math" panose="02040503050406030204" pitchFamily="18" charset="0"/>
+                    <a:ea typeface="Cambria Math" panose="02040503050406030204" pitchFamily="18" charset="0"/>
+                  </a:rPr>
+                  <a:t>ws</a:t>
+                </a:r>
+                <a:r>
+                  <a:rPr lang="en-GB" i="1" dirty="0">
+                    <a:latin typeface="Cambria Math" panose="02040503050406030204" pitchFamily="18" charset="0"/>
+                    <a:ea typeface="Cambria Math" panose="02040503050406030204" pitchFamily="18" charset="0"/>
+                  </a:rPr>
+                  <a:t>))</a:t>
+                </a:r>
+                <a:endParaRPr lang="en-US" i="1" dirty="0">
+                  <a:latin typeface="Cambria Math" panose="02040503050406030204" pitchFamily="18" charset="0"/>
+                  <a:ea typeface="Cambria Math" panose="02040503050406030204" pitchFamily="18" charset="0"/>
+                </a:endParaRPr>
+              </a:p>
+            </p:txBody>
+          </p:sp>
+        </mc:Choice>
+        <mc:Fallback>
+          <p:sp>
+            <p:nvSpPr>
+              <p:cNvPr id="3" name="Inhaltsplatzhalter 2">
+                <a:extLst>
+                  <a:ext uri="{FF2B5EF4-FFF2-40B4-BE49-F238E27FC236}">
+                    <a16:creationId xmlns:a16="http://schemas.microsoft.com/office/drawing/2014/main" id="{826FF94A-6D23-447C-BA41-B4892FAB5BC5}"/>
+                  </a:ext>
+                </a:extLst>
+              </p:cNvPr>
+              <p:cNvSpPr>
+                <a:spLocks noGrp="1" noRot="1" noChangeAspect="1" noMove="1" noResize="1" noEditPoints="1" noAdjustHandles="1" noChangeArrowheads="1" noChangeShapeType="1" noTextEdit="1"/>
+              </p:cNvSpPr>
+              <p:nvPr>
+                <p:ph idx="1"/>
+              </p:nvPr>
+            </p:nvSpPr>
+            <p:spPr>
+              <a:blipFill>
+                <a:blip r:embed="rId3"/>
+                <a:stretch>
+                  <a:fillRect l="-1217" t="-2381"/>
+                </a:stretch>
+              </a:blipFill>
+            </p:spPr>
+            <p:txBody>
+              <a:bodyPr/>
+              <a:lstStyle/>
+              <a:p>
+                <a:r>
+                  <a:rPr lang="en-US">
+                    <a:noFill/>
+                  </a:rPr>
+                  <a:t> </a:t>
+                </a:r>
+              </a:p>
+            </p:txBody>
+          </p:sp>
+        </mc:Fallback>
+      </mc:AlternateContent>
     </p:spTree>
     <p:extLst>
       <p:ext uri="{BB962C8B-B14F-4D97-AF65-F5344CB8AC3E}">
-        <p14:creationId xmlns:p14="http://schemas.microsoft.com/office/powerpoint/2010/main" val="3250996410"/>
+        <p14:creationId xmlns:p14="http://schemas.microsoft.com/office/powerpoint/2010/main" val="3292126488"/>
       </p:ext>
     </p:extLst>
   </p:cSld>
@@ -8311,7 +8456,7 @@
           <p:cNvPr id="2" name="Titel 1">
             <a:extLst>
               <a:ext uri="{FF2B5EF4-FFF2-40B4-BE49-F238E27FC236}">
-                <a16:creationId xmlns:a16="http://schemas.microsoft.com/office/drawing/2014/main" id="{A24B41B1-888F-48DC-BD41-15D6CE619CD0}"/>
+                <a16:creationId xmlns:a16="http://schemas.microsoft.com/office/drawing/2014/main" id="{D55CD077-9E2B-43F3-83A0-334C38F85C7C}"/>
               </a:ext>
             </a:extLst>
           </p:cNvPr>
@@ -8328,12 +8473,8 @@
           <a:lstStyle/>
           <a:p>
             <a:r>
-              <a:rPr lang="en-US" dirty="0" err="1"/>
-              <a:t>Brzozowki’s</a:t>
-            </a:r>
-            <a:r>
               <a:rPr lang="en-US" dirty="0"/>
-              <a:t> result about termination</a:t>
+              <a:t>Choice operator: ACI</a:t>
             </a:r>
           </a:p>
         </p:txBody>
@@ -8343,7 +8484,7 @@
           <p:cNvPr id="3" name="Inhaltsplatzhalter 2">
             <a:extLst>
               <a:ext uri="{FF2B5EF4-FFF2-40B4-BE49-F238E27FC236}">
-                <a16:creationId xmlns:a16="http://schemas.microsoft.com/office/drawing/2014/main" id="{740A271E-5A51-4AB1-95AC-89ACD35231C5}"/>
+                <a16:creationId xmlns:a16="http://schemas.microsoft.com/office/drawing/2014/main" id="{EABB337D-AA1F-4919-A75D-7EF7AE0BF98B}"/>
               </a:ext>
             </a:extLst>
           </p:cNvPr>
@@ -8356,149 +8497,146 @@
         </p:nvSpPr>
         <p:spPr/>
         <p:txBody>
-          <a:bodyPr/>
+          <a:bodyPr>
+            <a:normAutofit/>
+          </a:bodyPr>
           <a:lstStyle/>
           <a:p>
             <a:pPr marL="0" indent="0">
               <a:buNone/>
             </a:pPr>
             <a:r>
-              <a:rPr lang="en-GB" dirty="0"/>
-              <a:t>In each step, we add the following to the work set:</a:t>
-            </a:r>
-          </a:p>
-          <a:p>
-            <a:pPr marL="0" indent="0">
-              <a:buNone/>
+              <a:rPr lang="en-US" dirty="0"/>
+              <a:t>equality modulo </a:t>
+            </a:r>
+            <a:r>
+              <a:rPr lang="en-US" i="1" dirty="0"/>
+              <a:t>associativity</a:t>
+            </a:r>
+            <a:r>
+              <a:rPr lang="en-US" dirty="0"/>
+              <a:t>, </a:t>
+            </a:r>
+            <a:r>
+              <a:rPr lang="en-US" i="1" dirty="0"/>
+              <a:t>commutativity</a:t>
+            </a:r>
+            <a:r>
+              <a:rPr lang="en-US" dirty="0"/>
+              <a:t> and </a:t>
+            </a:r>
+            <a:r>
+              <a:rPr lang="en-US" i="1" dirty="0"/>
+              <a:t>idempotence</a:t>
+            </a:r>
+            <a:r>
+              <a:rPr lang="en-US" dirty="0"/>
+              <a:t> of </a:t>
+            </a:r>
+            <a:r>
+              <a:rPr lang="en-US" i="1" dirty="0"/>
+              <a:t>+</a:t>
+            </a:r>
+            <a:endParaRPr lang="en-US" dirty="0"/>
+          </a:p>
+          <a:p>
+            <a:endParaRPr lang="en-US" dirty="0"/>
+          </a:p>
+          <a:p>
+            <a:r>
+              <a:rPr lang="en-US" dirty="0"/>
+              <a:t>ACI-equality of two REs can be reduced to equality by recursively sorting </a:t>
+            </a:r>
+            <a:r>
+              <a:rPr lang="en-US" dirty="0" err="1"/>
+              <a:t>subterms</a:t>
+            </a:r>
+            <a:r>
+              <a:rPr lang="en-US" dirty="0"/>
+              <a:t> of nested + terms, and eliminating duplicates</a:t>
+            </a:r>
+          </a:p>
+          <a:p>
+            <a:pPr lvl="1">
+              <a:buFont typeface="Wingdings" panose="05000000000000000000" pitchFamily="2" charset="2"/>
+              <a:buChar char="à"/>
             </a:pPr>
-            <a:endParaRPr lang="en-GB" dirty="0"/>
-          </a:p>
-          <a:p>
-            <a:pPr marL="0" indent="0">
-              <a:buNone/>
-            </a:pPr>
-            <a:r>
-              <a:rPr lang="en-GB" dirty="0">
+            <a:r>
+              <a:rPr lang="en-US" dirty="0">
+                <a:sym typeface="Wingdings" panose="05000000000000000000" pitchFamily="2" charset="2"/>
+              </a:rPr>
+              <a:t>Use some arbitrary order on the constructors: </a:t>
+            </a:r>
+            <a:r>
+              <a:rPr lang="pt-BR" b="1" i="1" dirty="0">
                 <a:latin typeface="Lucida Bright" panose="02040602050505020304" pitchFamily="18" charset="0"/>
               </a:rPr>
-              <a:t>[p ← </a:t>
-            </a:r>
-            <a:r>
-              <a:rPr lang="en-GB" dirty="0" err="1">
-                <a:latin typeface="Lucida Bright" panose="02040602050505020304" pitchFamily="18" charset="0"/>
+              <a:t>∅</a:t>
+            </a:r>
+            <a:r>
+              <a:rPr lang="en-US" dirty="0">
+                <a:sym typeface="Wingdings" panose="05000000000000000000" pitchFamily="2" charset="2"/>
               </a:rPr>
-              <a:t>succs</a:t>
-            </a:r>
-            <a:r>
-              <a:rPr lang="en-GB" dirty="0">
-                <a:latin typeface="Lucida Bright" panose="02040602050505020304" pitchFamily="18" charset="0"/>
-              </a:rPr>
-              <a:t> as (</a:t>
-            </a:r>
-            <a:r>
-              <a:rPr lang="en-GB" dirty="0" err="1">
-                <a:latin typeface="Lucida Bright" panose="02040602050505020304" pitchFamily="18" charset="0"/>
-              </a:rPr>
-              <a:t>hd</a:t>
-            </a:r>
-            <a:r>
-              <a:rPr lang="en-GB" dirty="0">
+              <a:t>  &lt; </a:t>
+            </a:r>
+            <a:r>
+              <a:rPr lang="el-GR" i="1" dirty="0"/>
+              <a:t>ε</a:t>
+            </a:r>
+            <a:r>
+              <a:rPr lang="de-DE" i="1" dirty="0"/>
+              <a:t> &lt; a &lt;</a:t>
+            </a:r>
+            <a:r>
+              <a:rPr lang="pt-BR" b="1" i="1" dirty="0">
                 <a:latin typeface="Lucida Bright" panose="02040602050505020304" pitchFamily="18" charset="0"/>
               </a:rPr>
               <a:t> </a:t>
             </a:r>
             <a:r>
-              <a:rPr lang="en-GB" dirty="0" err="1">
-                <a:latin typeface="Lucida Bright" panose="02040602050505020304" pitchFamily="18" charset="0"/>
+              <a:rPr lang="en-US" dirty="0">
+                <a:sym typeface="Wingdings" panose="05000000000000000000" pitchFamily="2" charset="2"/>
               </a:rPr>
-              <a:t>ws</a:t>
-            </a:r>
-            <a:r>
-              <a:rPr lang="en-GB" dirty="0">
-                <a:latin typeface="Lucida Bright" panose="02040602050505020304" pitchFamily="18" charset="0"/>
+              <a:t>(_)* &lt; (_</a:t>
+            </a:r>
+            <a:r>
+              <a:rPr lang="en-GB" i="1" dirty="0">
+                <a:latin typeface="Cambria Math" panose="02040503050406030204" pitchFamily="18" charset="0"/>
+                <a:ea typeface="Cambria Math" panose="02040503050406030204" pitchFamily="18" charset="0"/>
               </a:rPr>
-              <a:t>) . p ∉ set </a:t>
-            </a:r>
-            <a:r>
-              <a:rPr lang="en-GB" dirty="0" err="1">
-                <a:latin typeface="Lucida Bright" panose="02040602050505020304" pitchFamily="18" charset="0"/>
+              <a:t>⋅ </a:t>
+            </a:r>
+            <a:r>
+              <a:rPr lang="en-US" dirty="0">
+                <a:sym typeface="Wingdings" panose="05000000000000000000" pitchFamily="2" charset="2"/>
               </a:rPr>
-              <a:t>ps'</a:t>
-            </a:r>
-            <a:r>
-              <a:rPr lang="en-GB" dirty="0">
-                <a:latin typeface="Lucida Bright" panose="02040602050505020304" pitchFamily="18" charset="0"/>
-              </a:rPr>
-              <a:t> ∪ set </a:t>
-            </a:r>
-            <a:r>
-              <a:rPr lang="en-GB" dirty="0" err="1">
-                <a:latin typeface="Lucida Bright" panose="02040602050505020304" pitchFamily="18" charset="0"/>
-              </a:rPr>
-              <a:t>ws</a:t>
-            </a:r>
-            <a:r>
-              <a:rPr lang="en-GB" dirty="0">
-                <a:latin typeface="Lucida Bright" panose="02040602050505020304" pitchFamily="18" charset="0"/>
-              </a:rPr>
-              <a:t>]</a:t>
-            </a:r>
-          </a:p>
-          <a:p>
-            <a:pPr marL="0" indent="0">
-              <a:buNone/>
+              <a:t>_)</a:t>
+            </a:r>
+          </a:p>
+          <a:p>
+            <a:pPr lvl="1">
+              <a:buFont typeface="Wingdings" panose="05000000000000000000" pitchFamily="2" charset="2"/>
+              <a:buChar char="à"/>
             </a:pPr>
-            <a:endParaRPr lang="en-US" dirty="0"/>
-          </a:p>
-          <a:p>
-            <a:pPr marL="0" indent="0" algn="ctr">
-              <a:buNone/>
+            <a:r>
+              <a:rPr lang="en-US" dirty="0"/>
+              <a:t>The calls also make lists out of nested +’s.</a:t>
+            </a:r>
+          </a:p>
+          <a:p>
+            <a:pPr lvl="1">
+              <a:buFont typeface="Wingdings" panose="05000000000000000000" pitchFamily="2" charset="2"/>
+              <a:buChar char="à"/>
             </a:pPr>
             <a:r>
-              <a:rPr lang="en-GB" i="1" dirty="0"/>
-              <a:t>If the </a:t>
-            </a:r>
-            <a:r>
-              <a:rPr lang="en-GB" i="1" dirty="0">
-                <a:latin typeface="Lucida Bright" panose="02040602050505020304" pitchFamily="18" charset="0"/>
-              </a:rPr>
-              <a:t>∉ </a:t>
-            </a:r>
-            <a:r>
-              <a:rPr lang="en-GB" i="1" dirty="0"/>
-              <a:t>filter also considers ACI-equivalent REs to be equal,</a:t>
-            </a:r>
-          </a:p>
-          <a:p>
-            <a:pPr marL="0" indent="0" algn="ctr">
-              <a:buNone/>
-            </a:pPr>
-            <a:r>
-              <a:rPr lang="en-GB" i="1" dirty="0"/>
-              <a:t>then the computation terminates.</a:t>
-            </a:r>
-          </a:p>
-          <a:p>
-            <a:pPr marL="0" indent="0" algn="ctr">
-              <a:buNone/>
-            </a:pPr>
-            <a:endParaRPr lang="en-GB" dirty="0"/>
-          </a:p>
-          <a:p>
-            <a:pPr marL="0" indent="0">
-              <a:buNone/>
-            </a:pPr>
-            <a:r>
-              <a:rPr lang="en-GB" dirty="0"/>
-              <a:t>The resulting relation will still be a </a:t>
-            </a:r>
-            <a:r>
-              <a:rPr lang="en-GB" dirty="0" err="1"/>
-              <a:t>bisimulation</a:t>
-            </a:r>
-            <a:r>
-              <a:rPr lang="en-GB" dirty="0"/>
-              <a:t>.</a:t>
+              <a:rPr lang="en-US" dirty="0"/>
+              <a:t>Afterwards, check for equality.</a:t>
+            </a:r>
+          </a:p>
+          <a:p>
+            <a:r>
+              <a:rPr lang="en-US" dirty="0"/>
+              <a:t>alternative: keep the REs in this normal form, as an invariant</a:t>
             </a:r>
           </a:p>
         </p:txBody>
@@ -8506,7 +8644,7 @@
     </p:spTree>
     <p:extLst>
       <p:ext uri="{BB962C8B-B14F-4D97-AF65-F5344CB8AC3E}">
-        <p14:creationId xmlns:p14="http://schemas.microsoft.com/office/powerpoint/2010/main" val="1811828584"/>
+        <p14:creationId xmlns:p14="http://schemas.microsoft.com/office/powerpoint/2010/main" val="3250996410"/>
       </p:ext>
     </p:extLst>
   </p:cSld>
@@ -8538,6 +8676,233 @@
           <p:cNvPr id="2" name="Titel 1">
             <a:extLst>
               <a:ext uri="{FF2B5EF4-FFF2-40B4-BE49-F238E27FC236}">
+                <a16:creationId xmlns:a16="http://schemas.microsoft.com/office/drawing/2014/main" id="{A24B41B1-888F-48DC-BD41-15D6CE619CD0}"/>
+              </a:ext>
+            </a:extLst>
+          </p:cNvPr>
+          <p:cNvSpPr>
+            <a:spLocks noGrp="1"/>
+          </p:cNvSpPr>
+          <p:nvPr>
+            <p:ph type="title"/>
+          </p:nvPr>
+        </p:nvSpPr>
+        <p:spPr/>
+        <p:txBody>
+          <a:bodyPr/>
+          <a:lstStyle/>
+          <a:p>
+            <a:r>
+              <a:rPr lang="en-US" dirty="0" err="1"/>
+              <a:t>Brzozowki’s</a:t>
+            </a:r>
+            <a:r>
+              <a:rPr lang="en-US" dirty="0"/>
+              <a:t> result about termination</a:t>
+            </a:r>
+          </a:p>
+        </p:txBody>
+      </p:sp>
+      <p:sp>
+        <p:nvSpPr>
+          <p:cNvPr id="3" name="Inhaltsplatzhalter 2">
+            <a:extLst>
+              <a:ext uri="{FF2B5EF4-FFF2-40B4-BE49-F238E27FC236}">
+                <a16:creationId xmlns:a16="http://schemas.microsoft.com/office/drawing/2014/main" id="{740A271E-5A51-4AB1-95AC-89ACD35231C5}"/>
+              </a:ext>
+            </a:extLst>
+          </p:cNvPr>
+          <p:cNvSpPr>
+            <a:spLocks noGrp="1"/>
+          </p:cNvSpPr>
+          <p:nvPr>
+            <p:ph idx="1"/>
+          </p:nvPr>
+        </p:nvSpPr>
+        <p:spPr/>
+        <p:txBody>
+          <a:bodyPr/>
+          <a:lstStyle/>
+          <a:p>
+            <a:pPr marL="0" indent="0">
+              <a:buNone/>
+            </a:pPr>
+            <a:r>
+              <a:rPr lang="en-GB" dirty="0"/>
+              <a:t>In each step, we add the following to the work set:</a:t>
+            </a:r>
+          </a:p>
+          <a:p>
+            <a:pPr marL="0" indent="0">
+              <a:buNone/>
+            </a:pPr>
+            <a:endParaRPr lang="en-GB" dirty="0"/>
+          </a:p>
+          <a:p>
+            <a:pPr marL="0" indent="0">
+              <a:buNone/>
+            </a:pPr>
+            <a:r>
+              <a:rPr lang="en-GB" dirty="0">
+                <a:latin typeface="Lucida Bright" panose="02040602050505020304" pitchFamily="18" charset="0"/>
+              </a:rPr>
+              <a:t>[p ← </a:t>
+            </a:r>
+            <a:r>
+              <a:rPr lang="en-GB" dirty="0" err="1">
+                <a:latin typeface="Lucida Bright" panose="02040602050505020304" pitchFamily="18" charset="0"/>
+              </a:rPr>
+              <a:t>succs</a:t>
+            </a:r>
+            <a:r>
+              <a:rPr lang="en-GB" dirty="0">
+                <a:latin typeface="Lucida Bright" panose="02040602050505020304" pitchFamily="18" charset="0"/>
+              </a:rPr>
+              <a:t> as (</a:t>
+            </a:r>
+            <a:r>
+              <a:rPr lang="en-GB" dirty="0" err="1">
+                <a:latin typeface="Lucida Bright" panose="02040602050505020304" pitchFamily="18" charset="0"/>
+              </a:rPr>
+              <a:t>hd</a:t>
+            </a:r>
+            <a:r>
+              <a:rPr lang="en-GB" dirty="0">
+                <a:latin typeface="Lucida Bright" panose="02040602050505020304" pitchFamily="18" charset="0"/>
+              </a:rPr>
+              <a:t> </a:t>
+            </a:r>
+            <a:r>
+              <a:rPr lang="en-GB" dirty="0" err="1">
+                <a:latin typeface="Lucida Bright" panose="02040602050505020304" pitchFamily="18" charset="0"/>
+              </a:rPr>
+              <a:t>ws</a:t>
+            </a:r>
+            <a:r>
+              <a:rPr lang="en-GB" dirty="0">
+                <a:latin typeface="Lucida Bright" panose="02040602050505020304" pitchFamily="18" charset="0"/>
+              </a:rPr>
+              <a:t>) . p ∉ set </a:t>
+            </a:r>
+            <a:r>
+              <a:rPr lang="en-GB" dirty="0" err="1">
+                <a:latin typeface="Lucida Bright" panose="02040602050505020304" pitchFamily="18" charset="0"/>
+              </a:rPr>
+              <a:t>ps'</a:t>
+            </a:r>
+            <a:r>
+              <a:rPr lang="en-GB" dirty="0">
+                <a:latin typeface="Lucida Bright" panose="02040602050505020304" pitchFamily="18" charset="0"/>
+              </a:rPr>
+              <a:t> ∪ set </a:t>
+            </a:r>
+            <a:r>
+              <a:rPr lang="en-GB" dirty="0" err="1">
+                <a:latin typeface="Lucida Bright" panose="02040602050505020304" pitchFamily="18" charset="0"/>
+              </a:rPr>
+              <a:t>ws</a:t>
+            </a:r>
+            <a:r>
+              <a:rPr lang="en-GB" dirty="0">
+                <a:latin typeface="Lucida Bright" panose="02040602050505020304" pitchFamily="18" charset="0"/>
+              </a:rPr>
+              <a:t>]</a:t>
+            </a:r>
+          </a:p>
+          <a:p>
+            <a:pPr marL="0" indent="0">
+              <a:buNone/>
+            </a:pPr>
+            <a:endParaRPr lang="en-US" dirty="0"/>
+          </a:p>
+          <a:p>
+            <a:pPr marL="0" indent="0" algn="ctr">
+              <a:buNone/>
+            </a:pPr>
+            <a:r>
+              <a:rPr lang="en-GB" i="1" dirty="0"/>
+              <a:t>If the </a:t>
+            </a:r>
+            <a:r>
+              <a:rPr lang="en-GB" i="1" dirty="0">
+                <a:latin typeface="Lucida Bright" panose="02040602050505020304" pitchFamily="18" charset="0"/>
+              </a:rPr>
+              <a:t>∉ </a:t>
+            </a:r>
+            <a:r>
+              <a:rPr lang="en-GB" i="1" dirty="0"/>
+              <a:t>filter also considers ACI-equivalent REs to be equal,</a:t>
+            </a:r>
+          </a:p>
+          <a:p>
+            <a:pPr marL="0" indent="0" algn="ctr">
+              <a:buNone/>
+            </a:pPr>
+            <a:r>
+              <a:rPr lang="en-GB" i="1" dirty="0"/>
+              <a:t>then the computation terminates.</a:t>
+            </a:r>
+          </a:p>
+          <a:p>
+            <a:pPr marL="0" indent="0" algn="ctr">
+              <a:buNone/>
+            </a:pPr>
+            <a:endParaRPr lang="en-GB" dirty="0"/>
+          </a:p>
+          <a:p>
+            <a:pPr marL="0" indent="0">
+              <a:buNone/>
+            </a:pPr>
+            <a:r>
+              <a:rPr lang="en-GB" dirty="0"/>
+              <a:t>The resulting relation will still be a </a:t>
+            </a:r>
+            <a:r>
+              <a:rPr lang="en-GB" dirty="0" err="1"/>
+              <a:t>bisimulation</a:t>
+            </a:r>
+            <a:r>
+              <a:rPr lang="en-GB" dirty="0"/>
+              <a:t>.</a:t>
+            </a:r>
+          </a:p>
+        </p:txBody>
+      </p:sp>
+    </p:spTree>
+    <p:extLst>
+      <p:ext uri="{BB962C8B-B14F-4D97-AF65-F5344CB8AC3E}">
+        <p14:creationId xmlns:p14="http://schemas.microsoft.com/office/powerpoint/2010/main" val="1811828584"/>
+      </p:ext>
+    </p:extLst>
+  </p:cSld>
+  <p:clrMapOvr>
+    <a:masterClrMapping/>
+  </p:clrMapOvr>
+</p:sld>
+</file>
+
+<file path=ppt/slides/slide18.xml><?xml version="1.0" encoding="utf-8"?>
+<p:sld xmlns:a="http://schemas.openxmlformats.org/drawingml/2006/main" xmlns:r="http://schemas.openxmlformats.org/officeDocument/2006/relationships" xmlns:p="http://schemas.openxmlformats.org/presentationml/2006/main">
+  <p:cSld>
+    <p:spTree>
+      <p:nvGrpSpPr>
+        <p:cNvPr id="1" name=""/>
+        <p:cNvGrpSpPr/>
+        <p:nvPr/>
+      </p:nvGrpSpPr>
+      <p:grpSpPr>
+        <a:xfrm>
+          <a:off x="0" y="0"/>
+          <a:ext cx="0" cy="0"/>
+          <a:chOff x="0" y="0"/>
+          <a:chExt cx="0" cy="0"/>
+        </a:xfrm>
+      </p:grpSpPr>
+      <p:sp>
+        <p:nvSpPr>
+          <p:cNvPr id="2" name="Titel 1">
+            <a:extLst>
+              <a:ext uri="{FF2B5EF4-FFF2-40B4-BE49-F238E27FC236}">
                 <a16:creationId xmlns:a16="http://schemas.microsoft.com/office/drawing/2014/main" id="{C2BD6476-74CB-4A4F-8A71-ABCEDDC496FB}"/>
               </a:ext>
             </a:extLst>
@@ -8586,7 +8951,17 @@
               <a:p>
                 <a:r>
                   <a:rPr lang="en-US" dirty="0"/>
-                  <a:t>“⊆” goals</a:t>
+                  <a:t>“⊆” goals: Use the rule  A ⊆ B</a:t>
+                </a:r>
+                <a:r>
+                  <a:rPr lang="en-GB" i="1" dirty="0">
+                    <a:latin typeface="Lucida Bright" panose="02040602050505020304" pitchFamily="18" charset="0"/>
+                  </a:rPr>
+                  <a:t>⟷</a:t>
+                </a:r>
+                <a:r>
+                  <a:rPr lang="en-US" dirty="0"/>
+                  <a:t> A ∪ B = B</a:t>
                 </a:r>
               </a:p>
               <a:p>
@@ -8692,7 +9067,7 @@
                   <a:rPr lang="en-US" noProof="0" dirty="0">
                     <a:sym typeface="Wingdings" panose="05000000000000000000" pitchFamily="2" charset="2"/>
                   </a:rPr>
-                  <a:t>We need a computable derivative for these</a:t>
+                  <a:t>We need derivative rules for these</a:t>
                 </a:r>
               </a:p>
               <a:p>
@@ -8847,11 +9222,31 @@
                           <m:rPr>
                             <m:nor/>
                           </m:rPr>
+                          <a:rPr lang="de-DE" b="0" i="1" dirty="0" smtClean="0">
+                            <a:latin typeface="Cambria Math" panose="02040503050406030204" pitchFamily="18" charset="0"/>
+                            <a:ea typeface="Cambria Math" panose="02040503050406030204" pitchFamily="18" charset="0"/>
+                          </a:rPr>
+                          <m:t>(</m:t>
+                        </m:r>
+                        <m:r>
+                          <m:rPr>
+                            <m:nor/>
+                          </m:rPr>
                           <a:rPr lang="en-US" i="1" dirty="0">
                             <a:latin typeface="Cambria Math" panose="02040503050406030204" pitchFamily="18" charset="0"/>
                             <a:ea typeface="Cambria Math" panose="02040503050406030204" pitchFamily="18" charset="0"/>
                           </a:rPr>
                           <m:t>r</m:t>
+                        </m:r>
+                        <m:r>
+                          <m:rPr>
+                            <m:nor/>
+                          </m:rPr>
+                          <a:rPr lang="de-DE" b="0" i="1" dirty="0" smtClean="0">
+                            <a:latin typeface="Cambria Math" panose="02040503050406030204" pitchFamily="18" charset="0"/>
+                            <a:ea typeface="Cambria Math" panose="02040503050406030204" pitchFamily="18" charset="0"/>
+                          </a:rPr>
+                          <m:t>)</m:t>
                         </m:r>
                       </m:e>
                     </m:bar>
@@ -8955,7 +9350,7 @@
                     <a:latin typeface="Cambria Math" panose="02040503050406030204" pitchFamily="18" charset="0"/>
                     <a:ea typeface="Cambria Math" panose="02040503050406030204" pitchFamily="18" charset="0"/>
                   </a:rPr>
-                  <a:t> r &amp; </a:t>
+                  <a:t> (r) &amp; </a:t>
                 </a:r>
                 <a14:m>
                   <m:oMath xmlns:m="http://schemas.openxmlformats.org/officeDocument/2006/math">
@@ -8994,7 +9389,7 @@
                     <a:latin typeface="Cambria Math" panose="02040503050406030204" pitchFamily="18" charset="0"/>
                     <a:ea typeface="Cambria Math" panose="02040503050406030204" pitchFamily="18" charset="0"/>
                   </a:rPr>
-                  <a:t> s</a:t>
+                  <a:t> (s)</a:t>
                 </a:r>
                 <a:endParaRPr lang="en-US" noProof="0" dirty="0"/>
               </a:p>
@@ -9060,7 +9455,7 @@
 </p:sld>
 </file>
 
-<file path=ppt/slides/slide18.xml><?xml version="1.0" encoding="utf-8"?>
+<file path=ppt/slides/slide19.xml><?xml version="1.0" encoding="utf-8"?>
 <p:sld xmlns:a="http://schemas.openxmlformats.org/drawingml/2006/main" xmlns:r="http://schemas.openxmlformats.org/officeDocument/2006/relationships" xmlns:p="http://schemas.openxmlformats.org/presentationml/2006/main">
   <p:cSld>
     <p:spTree>
@@ -9247,8 +9642,17 @@
             </a:r>
             <a:r>
               <a:rPr lang="en-US" noProof="0" dirty="0"/>
-              <a:t>: if r </a:t>
-            </a:r>
+              <a:t>: if </a:t>
+            </a:r>
+            <a:r>
+              <a:rPr lang="en-US" i="1" dirty="0"/>
+              <a:t>r ≡ s</a:t>
+            </a:r>
+            <a:r>
+              <a:rPr lang="en-US" dirty="0"/>
+              <a:t>, the method should prove it</a:t>
+            </a:r>
+            <a:endParaRPr lang="en-US" i="1" noProof="0" dirty="0"/>
           </a:p>
           <a:p>
             <a:r>
@@ -9273,7 +9677,7 @@
             <a:r>
               <a:rPr lang="en-US" noProof="0" dirty="0">
                 <a:solidFill>
-                  <a:srgbClr val="FF0000"/>
+                  <a:srgbClr val="C00000"/>
                 </a:solidFill>
               </a:rPr>
               <a:t>Isabelle proof method</a:t>
@@ -9334,7 +9738,7 @@
           <a:p>
             <a:r>
               <a:rPr lang="en-US" dirty="0"/>
-              <a:t>Shortcuts compared to the textbook method</a:t>
+              <a:t>The textbook method</a:t>
             </a:r>
           </a:p>
         </p:txBody>
@@ -9357,7 +9761,9 @@
         </p:nvSpPr>
         <p:spPr/>
         <p:txBody>
-          <a:bodyPr/>
+          <a:bodyPr>
+            <a:normAutofit fontScale="92500" lnSpcReduction="10000"/>
+          </a:bodyPr>
           <a:lstStyle/>
           <a:p>
             <a:pPr marL="0" indent="0">
@@ -9365,25 +9771,41 @@
             </a:pPr>
             <a:r>
               <a:rPr lang="en-US" dirty="0"/>
-              <a:t>Avoid having to formalize and prove correct the automata</a:t>
-            </a:r>
-          </a:p>
-          <a:p>
+              <a:t>The usual proof of decidability is also the only algorithm most textbooks give:</a:t>
+            </a:r>
+          </a:p>
+          <a:p>
+            <a:pPr marL="514350" indent="-514350">
+              <a:buAutoNum type="arabicPeriod"/>
+            </a:pPr>
+            <a:endParaRPr lang="en-US" dirty="0"/>
+          </a:p>
+          <a:p>
+            <a:pPr marL="514350" indent="-514350">
+              <a:buAutoNum type="arabicPeriod"/>
+            </a:pPr>
             <a:r>
               <a:rPr lang="en-US" dirty="0"/>
-              <a:t>construction (notation!)</a:t>
-            </a:r>
-          </a:p>
-          <a:p>
+              <a:t>construct NFAs from the REs</a:t>
+            </a:r>
+          </a:p>
+          <a:p>
+            <a:pPr marL="514350" indent="-514350">
+              <a:buAutoNum type="arabicPeriod"/>
+            </a:pPr>
             <a:r>
               <a:rPr lang="en-US" dirty="0"/>
-              <a:t>determinization</a:t>
-            </a:r>
-          </a:p>
-          <a:p>
+              <a:t>convert the NFAs to DFAs</a:t>
+            </a:r>
+          </a:p>
+          <a:p>
+            <a:pPr marL="514350" indent="-514350">
+              <a:buFont typeface="Arial" panose="020B0604020202020204" pitchFamily="34" charset="0"/>
+              <a:buAutoNum type="arabicPeriod"/>
+            </a:pPr>
             <a:r>
               <a:rPr lang="en-US" dirty="0"/>
-              <a:t>minimization</a:t>
+              <a:t>minimize the DFAs</a:t>
             </a:r>
           </a:p>
           <a:p>
@@ -9391,6 +9813,27 @@
               <a:buNone/>
             </a:pPr>
             <a:endParaRPr lang="en-US" dirty="0"/>
+          </a:p>
+          <a:p>
+            <a:pPr marL="0" indent="0">
+              <a:buNone/>
+            </a:pPr>
+            <a:r>
+              <a:rPr lang="en-US" dirty="0"/>
+              <a:t>For each step, we would have to</a:t>
+            </a:r>
+          </a:p>
+          <a:p>
+            <a:r>
+              <a:rPr lang="en-US" dirty="0"/>
+              <a:t>express the algorithm</a:t>
+            </a:r>
+          </a:p>
+          <a:p>
+            <a:r>
+              <a:rPr lang="en-US" dirty="0"/>
+              <a:t>prove that the represented language does not change</a:t>
+            </a:r>
           </a:p>
         </p:txBody>
       </p:sp>

--- a/slides.pptx
+++ b/slides.pptx
@@ -9,12 +9,12 @@
   </p:notesMasterIdLst>
   <p:sldIdLst>
     <p:sldId id="256" r:id="rId2"/>
-    <p:sldId id="258" r:id="rId3"/>
-    <p:sldId id="261" r:id="rId4"/>
-    <p:sldId id="280" r:id="rId5"/>
-    <p:sldId id="262" r:id="rId6"/>
+    <p:sldId id="261" r:id="rId3"/>
+    <p:sldId id="258" r:id="rId4"/>
+    <p:sldId id="262" r:id="rId5"/>
+    <p:sldId id="270" r:id="rId6"/>
     <p:sldId id="263" r:id="rId7"/>
-    <p:sldId id="270" r:id="rId8"/>
+    <p:sldId id="280" r:id="rId8"/>
     <p:sldId id="271" r:id="rId9"/>
     <p:sldId id="272" r:id="rId10"/>
     <p:sldId id="273" r:id="rId11"/>
@@ -1799,240 +1799,33 @@
           <a:lstStyle/>
           <a:p>
             <a:r>
-              <a:rPr lang="de-DE" dirty="0" err="1"/>
-              <a:t>todo</a:t>
-            </a:r>
-            <a:r>
-              <a:rPr lang="de-DE" dirty="0"/>
-              <a:t>: </a:t>
-            </a:r>
-            <a:r>
-              <a:rPr lang="de-DE" dirty="0" err="1"/>
-              <a:t>Example</a:t>
-            </a:r>
-            <a:r>
-              <a:rPr lang="de-DE"/>
+              <a:rPr lang="en-US" dirty="0"/>
+              <a:t>To-do: </a:t>
+            </a:r>
+            <a:r>
+              <a:rPr lang="en-US" dirty="0" err="1"/>
+              <a:t>leicht</a:t>
+            </a:r>
+            <a:r>
+              <a:rPr lang="en-US" dirty="0"/>
+              <a:t> </a:t>
+            </a:r>
+            <a:r>
+              <a:rPr lang="en-US" dirty="0" err="1"/>
+              <a:t>genug</a:t>
+            </a:r>
+            <a:r>
+              <a:rPr lang="en-US" dirty="0"/>
+              <a:t> </a:t>
+            </a:r>
+            <a:r>
+              <a:rPr lang="en-US" dirty="0" err="1"/>
+              <a:t>verständlich</a:t>
+            </a:r>
+            <a:r>
+              <a:rPr lang="en-US" dirty="0"/>
               <a:t>?</a:t>
             </a:r>
-          </a:p>
-          <a:p>
-            <a:r>
-              <a:rPr lang="de-DE" dirty="0"/>
-              <a:t>The last </a:t>
-            </a:r>
-            <a:r>
-              <a:rPr lang="de-DE" dirty="0" err="1"/>
-              <a:t>requirement</a:t>
-            </a:r>
-            <a:r>
-              <a:rPr lang="de-DE" dirty="0"/>
-              <a:t> </a:t>
-            </a:r>
-            <a:r>
-              <a:rPr lang="de-DE" dirty="0" err="1"/>
-              <a:t>comes</a:t>
-            </a:r>
-            <a:r>
-              <a:rPr lang="de-DE" dirty="0"/>
-              <a:t> at a </a:t>
-            </a:r>
-            <a:r>
-              <a:rPr lang="de-DE" dirty="0" err="1"/>
-              <a:t>price</a:t>
-            </a:r>
-            <a:r>
-              <a:rPr lang="de-DE" dirty="0"/>
-              <a:t>: </a:t>
-            </a:r>
-            <a:r>
-              <a:rPr lang="de-DE" dirty="0" err="1"/>
-              <a:t>the</a:t>
-            </a:r>
-            <a:r>
-              <a:rPr lang="de-DE" dirty="0"/>
-              <a:t> </a:t>
-            </a:r>
-            <a:r>
-              <a:rPr lang="de-DE" dirty="0" err="1"/>
-              <a:t>algorithm</a:t>
-            </a:r>
-            <a:r>
-              <a:rPr lang="de-DE" dirty="0"/>
-              <a:t> </a:t>
-            </a:r>
-            <a:r>
-              <a:rPr lang="de-DE" dirty="0" err="1"/>
-              <a:t>won‘t</a:t>
-            </a:r>
-            <a:r>
-              <a:rPr lang="de-DE" dirty="0"/>
-              <a:t> </a:t>
-            </a:r>
-            <a:r>
-              <a:rPr lang="de-DE" dirty="0" err="1"/>
-              <a:t>have</a:t>
-            </a:r>
-            <a:r>
-              <a:rPr lang="de-DE" dirty="0"/>
-              <a:t> an optimal </a:t>
-            </a:r>
-            <a:r>
-              <a:rPr lang="de-DE" dirty="0" err="1"/>
-              <a:t>performance</a:t>
-            </a:r>
-            <a:endParaRPr lang="de-DE" dirty="0"/>
-          </a:p>
-          <a:p>
-            <a:endParaRPr lang="de-DE" dirty="0"/>
-          </a:p>
-          <a:p>
-            <a:r>
-              <a:rPr lang="de-DE" dirty="0" err="1"/>
-              <a:t>Implications</a:t>
-            </a:r>
-            <a:r>
-              <a:rPr lang="de-DE" dirty="0"/>
-              <a:t> </a:t>
-            </a:r>
-            <a:r>
-              <a:rPr lang="de-DE" dirty="0" err="1"/>
-              <a:t>for</a:t>
-            </a:r>
-            <a:r>
-              <a:rPr lang="de-DE" dirty="0"/>
-              <a:t> </a:t>
-            </a:r>
-            <a:r>
-              <a:rPr lang="de-DE" dirty="0" err="1"/>
-              <a:t>the</a:t>
-            </a:r>
-            <a:r>
-              <a:rPr lang="de-DE" dirty="0"/>
-              <a:t> design: </a:t>
-            </a:r>
-            <a:r>
-              <a:rPr lang="de-DE" dirty="0" err="1"/>
-              <a:t>We</a:t>
-            </a:r>
-            <a:r>
-              <a:rPr lang="de-DE" dirty="0"/>
-              <a:t> </a:t>
-            </a:r>
-            <a:r>
-              <a:rPr lang="de-DE" dirty="0" err="1"/>
-              <a:t>are</a:t>
-            </a:r>
-            <a:r>
-              <a:rPr lang="de-DE" dirty="0"/>
-              <a:t> </a:t>
-            </a:r>
-            <a:r>
-              <a:rPr lang="de-DE" dirty="0" err="1"/>
-              <a:t>only</a:t>
-            </a:r>
-            <a:r>
-              <a:rPr lang="de-DE" dirty="0"/>
-              <a:t> </a:t>
-            </a:r>
-            <a:r>
-              <a:rPr lang="de-DE" dirty="0" err="1"/>
-              <a:t>interested</a:t>
-            </a:r>
-            <a:r>
-              <a:rPr lang="de-DE" dirty="0"/>
-              <a:t> in partial </a:t>
-            </a:r>
-            <a:r>
-              <a:rPr lang="de-DE" dirty="0" err="1"/>
-              <a:t>correctness</a:t>
-            </a:r>
-            <a:r>
-              <a:rPr lang="de-DE" dirty="0"/>
-              <a:t> (</a:t>
-            </a:r>
-            <a:r>
-              <a:rPr lang="de-DE" dirty="0" err="1"/>
-              <a:t>there</a:t>
-            </a:r>
-            <a:r>
-              <a:rPr lang="de-DE" dirty="0"/>
-              <a:t> </a:t>
-            </a:r>
-            <a:r>
-              <a:rPr lang="de-DE" dirty="0" err="1"/>
-              <a:t>is</a:t>
-            </a:r>
-            <a:r>
-              <a:rPr lang="de-DE" dirty="0"/>
-              <a:t> a </a:t>
-            </a:r>
-            <a:r>
-              <a:rPr lang="de-DE" dirty="0" err="1"/>
-              <a:t>termination</a:t>
-            </a:r>
-            <a:r>
-              <a:rPr lang="de-DE" dirty="0"/>
-              <a:t> </a:t>
-            </a:r>
-            <a:r>
-              <a:rPr lang="de-DE" dirty="0" err="1"/>
-              <a:t>proof</a:t>
-            </a:r>
-            <a:r>
-              <a:rPr lang="de-DE" dirty="0"/>
-              <a:t> due </a:t>
-            </a:r>
-            <a:r>
-              <a:rPr lang="de-DE" dirty="0" err="1"/>
-              <a:t>to</a:t>
-            </a:r>
-            <a:r>
-              <a:rPr lang="de-DE" dirty="0"/>
-              <a:t> </a:t>
-            </a:r>
-            <a:r>
-              <a:rPr lang="de-DE" dirty="0" err="1"/>
-              <a:t>Brzozowski</a:t>
-            </a:r>
-            <a:r>
-              <a:rPr lang="de-DE" dirty="0"/>
-              <a:t>, but </a:t>
-            </a:r>
-            <a:r>
-              <a:rPr lang="de-DE" dirty="0" err="1"/>
-              <a:t>there</a:t>
-            </a:r>
-            <a:r>
-              <a:rPr lang="de-DE" dirty="0"/>
-              <a:t> </a:t>
-            </a:r>
-            <a:r>
-              <a:rPr lang="de-DE" dirty="0" err="1"/>
-              <a:t>is</a:t>
-            </a:r>
-            <a:r>
-              <a:rPr lang="de-DE" dirty="0"/>
-              <a:t> </a:t>
-            </a:r>
-            <a:r>
-              <a:rPr lang="de-DE" dirty="0" err="1"/>
-              <a:t>no</a:t>
-            </a:r>
-            <a:r>
-              <a:rPr lang="de-DE" dirty="0"/>
-              <a:t> </a:t>
-            </a:r>
-            <a:r>
-              <a:rPr lang="de-DE" dirty="0" err="1"/>
-              <a:t>need</a:t>
-            </a:r>
-            <a:endParaRPr lang="de-DE" dirty="0"/>
-          </a:p>
-          <a:p>
-            <a:endParaRPr lang="de-DE" dirty="0"/>
-          </a:p>
-          <a:p>
-            <a:endParaRPr lang="de-DE" dirty="0"/>
           </a:p>
         </p:txBody>
       </p:sp>
@@ -2062,7 +1855,7 @@
     </p:spTree>
     <p:extLst>
       <p:ext uri="{BB962C8B-B14F-4D97-AF65-F5344CB8AC3E}">
-        <p14:creationId xmlns:p14="http://schemas.microsoft.com/office/powerpoint/2010/main" val="3470285170"/>
+        <p14:creationId xmlns:p14="http://schemas.microsoft.com/office/powerpoint/2010/main" val="3558965081"/>
       </p:ext>
     </p:extLst>
   </p:cSld>
@@ -2117,33 +1910,240 @@
           <a:lstStyle/>
           <a:p>
             <a:r>
-              <a:rPr lang="en-US" dirty="0"/>
-              <a:t>To-do: </a:t>
-            </a:r>
-            <a:r>
-              <a:rPr lang="en-US" dirty="0" err="1"/>
-              <a:t>leicht</a:t>
-            </a:r>
-            <a:r>
-              <a:rPr lang="en-US" dirty="0"/>
+              <a:rPr lang="de-DE" dirty="0" err="1"/>
+              <a:t>todo</a:t>
+            </a:r>
+            <a:r>
+              <a:rPr lang="de-DE" dirty="0"/>
+              <a:t>: </a:t>
+            </a:r>
+            <a:r>
+              <a:rPr lang="de-DE" dirty="0" err="1"/>
+              <a:t>Example</a:t>
+            </a:r>
+            <a:r>
+              <a:rPr lang="de-DE" dirty="0"/>
+              <a:t>?</a:t>
+            </a:r>
+          </a:p>
+          <a:p>
+            <a:r>
+              <a:rPr lang="de-DE" dirty="0"/>
+              <a:t>The last </a:t>
+            </a:r>
+            <a:r>
+              <a:rPr lang="de-DE" dirty="0" err="1"/>
+              <a:t>requirement</a:t>
+            </a:r>
+            <a:r>
+              <a:rPr lang="de-DE" dirty="0"/>
               <a:t> </a:t>
             </a:r>
             <a:r>
-              <a:rPr lang="en-US" dirty="0" err="1"/>
-              <a:t>genug</a:t>
-            </a:r>
-            <a:r>
-              <a:rPr lang="en-US" dirty="0"/>
+              <a:rPr lang="de-DE" dirty="0" err="1"/>
+              <a:t>comes</a:t>
+            </a:r>
+            <a:r>
+              <a:rPr lang="de-DE" dirty="0"/>
+              <a:t> at a </a:t>
+            </a:r>
+            <a:r>
+              <a:rPr lang="de-DE" dirty="0" err="1"/>
+              <a:t>price</a:t>
+            </a:r>
+            <a:r>
+              <a:rPr lang="de-DE" dirty="0"/>
+              <a:t>: </a:t>
+            </a:r>
+            <a:r>
+              <a:rPr lang="de-DE" dirty="0" err="1"/>
+              <a:t>the</a:t>
+            </a:r>
+            <a:r>
+              <a:rPr lang="de-DE" dirty="0"/>
               <a:t> </a:t>
             </a:r>
             <a:r>
-              <a:rPr lang="en-US" dirty="0" err="1"/>
-              <a:t>verständlich</a:t>
-            </a:r>
-            <a:r>
-              <a:rPr lang="en-US" dirty="0"/>
-              <a:t>?</a:t>
-            </a:r>
+              <a:rPr lang="de-DE" dirty="0" err="1"/>
+              <a:t>algorithm</a:t>
+            </a:r>
+            <a:r>
+              <a:rPr lang="de-DE" dirty="0"/>
+              <a:t> </a:t>
+            </a:r>
+            <a:r>
+              <a:rPr lang="de-DE" dirty="0" err="1"/>
+              <a:t>won‘t</a:t>
+            </a:r>
+            <a:r>
+              <a:rPr lang="de-DE" dirty="0"/>
+              <a:t> </a:t>
+            </a:r>
+            <a:r>
+              <a:rPr lang="de-DE" dirty="0" err="1"/>
+              <a:t>have</a:t>
+            </a:r>
+            <a:r>
+              <a:rPr lang="de-DE" dirty="0"/>
+              <a:t> an optimal </a:t>
+            </a:r>
+            <a:r>
+              <a:rPr lang="de-DE" dirty="0" err="1"/>
+              <a:t>performance</a:t>
+            </a:r>
+            <a:endParaRPr lang="de-DE" dirty="0"/>
+          </a:p>
+          <a:p>
+            <a:endParaRPr lang="de-DE" dirty="0"/>
+          </a:p>
+          <a:p>
+            <a:r>
+              <a:rPr lang="de-DE" dirty="0" err="1"/>
+              <a:t>Implications</a:t>
+            </a:r>
+            <a:r>
+              <a:rPr lang="de-DE" dirty="0"/>
+              <a:t> </a:t>
+            </a:r>
+            <a:r>
+              <a:rPr lang="de-DE" dirty="0" err="1"/>
+              <a:t>for</a:t>
+            </a:r>
+            <a:r>
+              <a:rPr lang="de-DE" dirty="0"/>
+              <a:t> </a:t>
+            </a:r>
+            <a:r>
+              <a:rPr lang="de-DE" dirty="0" err="1"/>
+              <a:t>the</a:t>
+            </a:r>
+            <a:r>
+              <a:rPr lang="de-DE" dirty="0"/>
+              <a:t> design: </a:t>
+            </a:r>
+            <a:r>
+              <a:rPr lang="de-DE" dirty="0" err="1"/>
+              <a:t>We</a:t>
+            </a:r>
+            <a:r>
+              <a:rPr lang="de-DE" dirty="0"/>
+              <a:t> </a:t>
+            </a:r>
+            <a:r>
+              <a:rPr lang="de-DE" dirty="0" err="1"/>
+              <a:t>are</a:t>
+            </a:r>
+            <a:r>
+              <a:rPr lang="de-DE" dirty="0"/>
+              <a:t> </a:t>
+            </a:r>
+            <a:r>
+              <a:rPr lang="de-DE" dirty="0" err="1"/>
+              <a:t>only</a:t>
+            </a:r>
+            <a:r>
+              <a:rPr lang="de-DE" dirty="0"/>
+              <a:t> </a:t>
+            </a:r>
+            <a:r>
+              <a:rPr lang="de-DE" dirty="0" err="1"/>
+              <a:t>interested</a:t>
+            </a:r>
+            <a:r>
+              <a:rPr lang="de-DE" dirty="0"/>
+              <a:t> in partial </a:t>
+            </a:r>
+            <a:r>
+              <a:rPr lang="de-DE" dirty="0" err="1"/>
+              <a:t>correctness</a:t>
+            </a:r>
+            <a:r>
+              <a:rPr lang="de-DE" dirty="0"/>
+              <a:t> (</a:t>
+            </a:r>
+            <a:r>
+              <a:rPr lang="de-DE" dirty="0" err="1"/>
+              <a:t>there</a:t>
+            </a:r>
+            <a:r>
+              <a:rPr lang="de-DE" dirty="0"/>
+              <a:t> </a:t>
+            </a:r>
+            <a:r>
+              <a:rPr lang="de-DE" dirty="0" err="1"/>
+              <a:t>is</a:t>
+            </a:r>
+            <a:r>
+              <a:rPr lang="de-DE" dirty="0"/>
+              <a:t> a </a:t>
+            </a:r>
+            <a:r>
+              <a:rPr lang="de-DE" dirty="0" err="1"/>
+              <a:t>termination</a:t>
+            </a:r>
+            <a:r>
+              <a:rPr lang="de-DE" dirty="0"/>
+              <a:t> </a:t>
+            </a:r>
+            <a:r>
+              <a:rPr lang="de-DE" dirty="0" err="1"/>
+              <a:t>proof</a:t>
+            </a:r>
+            <a:r>
+              <a:rPr lang="de-DE" dirty="0"/>
+              <a:t> due </a:t>
+            </a:r>
+            <a:r>
+              <a:rPr lang="de-DE" dirty="0" err="1"/>
+              <a:t>to</a:t>
+            </a:r>
+            <a:r>
+              <a:rPr lang="de-DE" dirty="0"/>
+              <a:t> </a:t>
+            </a:r>
+            <a:r>
+              <a:rPr lang="de-DE" dirty="0" err="1"/>
+              <a:t>Brzozowski</a:t>
+            </a:r>
+            <a:r>
+              <a:rPr lang="de-DE" dirty="0"/>
+              <a:t>, but </a:t>
+            </a:r>
+            <a:r>
+              <a:rPr lang="de-DE" dirty="0" err="1"/>
+              <a:t>there</a:t>
+            </a:r>
+            <a:r>
+              <a:rPr lang="de-DE" dirty="0"/>
+              <a:t> </a:t>
+            </a:r>
+            <a:r>
+              <a:rPr lang="de-DE" dirty="0" err="1"/>
+              <a:t>is</a:t>
+            </a:r>
+            <a:r>
+              <a:rPr lang="de-DE" dirty="0"/>
+              <a:t> </a:t>
+            </a:r>
+            <a:r>
+              <a:rPr lang="de-DE" dirty="0" err="1"/>
+              <a:t>no</a:t>
+            </a:r>
+            <a:r>
+              <a:rPr lang="de-DE" dirty="0"/>
+              <a:t> </a:t>
+            </a:r>
+            <a:r>
+              <a:rPr lang="de-DE" dirty="0" err="1"/>
+              <a:t>need</a:t>
+            </a:r>
+            <a:endParaRPr lang="de-DE" dirty="0"/>
+          </a:p>
+          <a:p>
+            <a:endParaRPr lang="de-DE" dirty="0"/>
+          </a:p>
+          <a:p>
+            <a:endParaRPr lang="de-DE" dirty="0"/>
           </a:p>
         </p:txBody>
       </p:sp>
@@ -2173,7 +2173,7 @@
     </p:spTree>
     <p:extLst>
       <p:ext uri="{BB962C8B-B14F-4D97-AF65-F5344CB8AC3E}">
-        <p14:creationId xmlns:p14="http://schemas.microsoft.com/office/powerpoint/2010/main" val="3558965081"/>
+        <p14:creationId xmlns:p14="http://schemas.microsoft.com/office/powerpoint/2010/main" val="3470285170"/>
       </p:ext>
     </p:extLst>
   </p:cSld>
@@ -2228,12 +2228,8 @@
           <a:lstStyle/>
           <a:p>
             <a:r>
-              <a:rPr lang="en-US" dirty="0" err="1"/>
-              <a:t>ps</a:t>
-            </a:r>
-            <a:r>
               <a:rPr lang="en-US" dirty="0"/>
-              <a:t> will be relation, a list of pairs (or set of pairs if you want)</a:t>
+              <a:t>_Derivatives_</a:t>
             </a:r>
           </a:p>
           <a:p>
@@ -2242,22 +2238,8 @@
           <a:p>
             <a:r>
               <a:rPr lang="en-US" dirty="0"/>
-              <a:t>And we will only prove this direction</a:t>
-            </a:r>
-          </a:p>
-          <a:p>
-            <a:endParaRPr lang="en-US" dirty="0"/>
-          </a:p>
-          <a:p>
-            <a:r>
-              <a:rPr lang="en-US" dirty="0"/>
-              <a:t>Now the goal is to construct such a </a:t>
-            </a:r>
-            <a:r>
-              <a:rPr lang="en-US" dirty="0" err="1"/>
-              <a:t>ps</a:t>
-            </a:r>
-            <a:endParaRPr lang="en-US" dirty="0"/>
+              <a:t>if a representation is finite, we can at least hope to be able to construct it.</a:t>
+            </a:r>
           </a:p>
         </p:txBody>
       </p:sp>
@@ -2287,7 +2269,7 @@
     </p:spTree>
     <p:extLst>
       <p:ext uri="{BB962C8B-B14F-4D97-AF65-F5344CB8AC3E}">
-        <p14:creationId xmlns:p14="http://schemas.microsoft.com/office/powerpoint/2010/main" val="1314377766"/>
+        <p14:creationId xmlns:p14="http://schemas.microsoft.com/office/powerpoint/2010/main" val="4070183969"/>
       </p:ext>
     </p:extLst>
   </p:cSld>
@@ -2343,16 +2325,7 @@
           <a:p>
             <a:r>
               <a:rPr lang="en-US" dirty="0"/>
-              <a:t>_Derivatives_</a:t>
-            </a:r>
-          </a:p>
-          <a:p>
-            <a:endParaRPr lang="en-US" dirty="0"/>
-          </a:p>
-          <a:p>
-            <a:r>
-              <a:rPr lang="en-US" dirty="0"/>
-              <a:t>if a representation is finite, we can at least hope to be able to construct it.</a:t>
+              <a:t>brackets &lt;…&gt; are constructors which produce a singleton RE ?</a:t>
             </a:r>
           </a:p>
         </p:txBody>
@@ -2383,7 +2356,7 @@
     </p:spTree>
     <p:extLst>
       <p:ext uri="{BB962C8B-B14F-4D97-AF65-F5344CB8AC3E}">
-        <p14:creationId xmlns:p14="http://schemas.microsoft.com/office/powerpoint/2010/main" val="4070183969"/>
+        <p14:creationId xmlns:p14="http://schemas.microsoft.com/office/powerpoint/2010/main" val="199532804"/>
       </p:ext>
     </p:extLst>
   </p:cSld>
@@ -2542,9 +2515,36 @@
           <a:lstStyle/>
           <a:p>
             <a:r>
+              <a:rPr lang="en-US" dirty="0" err="1"/>
+              <a:t>ps</a:t>
+            </a:r>
+            <a:r>
               <a:rPr lang="en-US" dirty="0"/>
-              <a:t>brackets &lt;…&gt; are constructors which produce a singleton RE ?</a:t>
-            </a:r>
+              <a:t> will be relation, a list of pairs (or set of pairs if you want)</a:t>
+            </a:r>
+          </a:p>
+          <a:p>
+            <a:endParaRPr lang="en-US" dirty="0"/>
+          </a:p>
+          <a:p>
+            <a:r>
+              <a:rPr lang="en-US" dirty="0"/>
+              <a:t>And we will only prove this direction</a:t>
+            </a:r>
+          </a:p>
+          <a:p>
+            <a:endParaRPr lang="en-US" dirty="0"/>
+          </a:p>
+          <a:p>
+            <a:r>
+              <a:rPr lang="en-US" dirty="0"/>
+              <a:t>Now the goal is to construct such a </a:t>
+            </a:r>
+            <a:r>
+              <a:rPr lang="en-US" dirty="0" err="1"/>
+              <a:t>ps</a:t>
+            </a:r>
+            <a:endParaRPr lang="en-US" dirty="0"/>
           </a:p>
         </p:txBody>
       </p:sp>
@@ -2574,7 +2574,7 @@
     </p:spTree>
     <p:extLst>
       <p:ext uri="{BB962C8B-B14F-4D97-AF65-F5344CB8AC3E}">
-        <p14:creationId xmlns:p14="http://schemas.microsoft.com/office/powerpoint/2010/main" val="199532804"/>
+        <p14:creationId xmlns:p14="http://schemas.microsoft.com/office/powerpoint/2010/main" val="1314377766"/>
       </p:ext>
     </p:extLst>
   </p:cSld>
@@ -9560,7 +9560,7 @@
           <p:cNvPr id="2" name="Titel 1">
             <a:extLst>
               <a:ext uri="{FF2B5EF4-FFF2-40B4-BE49-F238E27FC236}">
-                <a16:creationId xmlns:a16="http://schemas.microsoft.com/office/drawing/2014/main" id="{D687039E-D857-4819-A0AF-66C289321C24}"/>
+                <a16:creationId xmlns:a16="http://schemas.microsoft.com/office/drawing/2014/main" id="{A929FFEB-97F9-4AAE-81C1-11B5DC6850B7}"/>
               </a:ext>
             </a:extLst>
           </p:cNvPr>
@@ -9577,8 +9577,8 @@
           <a:lstStyle/>
           <a:p>
             <a:r>
-              <a:rPr lang="en-US" noProof="0" dirty="0"/>
-              <a:t>Goal</a:t>
+              <a:rPr lang="en-US" dirty="0"/>
+              <a:t>The textbook method</a:t>
             </a:r>
           </a:p>
         </p:txBody>
@@ -9588,7 +9588,7 @@
           <p:cNvPr id="3" name="Inhaltsplatzhalter 2">
             <a:extLst>
               <a:ext uri="{FF2B5EF4-FFF2-40B4-BE49-F238E27FC236}">
-                <a16:creationId xmlns:a16="http://schemas.microsoft.com/office/drawing/2014/main" id="{C95D1B8B-E55A-4F95-9AE9-92A2E2BEC866}"/>
+                <a16:creationId xmlns:a16="http://schemas.microsoft.com/office/drawing/2014/main" id="{CB6452AB-3B3D-4DAE-9DC0-92C5D524D106}"/>
               </a:ext>
             </a:extLst>
           </p:cNvPr>
@@ -9599,14 +9599,11 @@
             <p:ph idx="1"/>
           </p:nvPr>
         </p:nvSpPr>
-        <p:spPr>
-          <a:xfrm>
-            <a:off x="838200" y="1864702"/>
-            <a:ext cx="10515600" cy="4351338"/>
-          </a:xfrm>
-        </p:spPr>
-        <p:txBody>
-          <a:bodyPr/>
+        <p:spPr/>
+        <p:txBody>
+          <a:bodyPr>
+            <a:normAutofit fontScale="92500" lnSpcReduction="10000"/>
+          </a:bodyPr>
           <a:lstStyle/>
           <a:p>
             <a:pPr marL="0" indent="0">
@@ -9614,73 +9611,68 @@
             </a:pPr>
             <a:r>
               <a:rPr lang="en-US" dirty="0"/>
-              <a:t>equivalence</a:t>
-            </a:r>
-            <a:r>
-              <a:rPr lang="en-US" noProof="0" dirty="0"/>
-              <a:t> checker for regular expressions which is</a:t>
-            </a:r>
-          </a:p>
-          <a:p>
-            <a:r>
-              <a:rPr lang="en-US" i="1" dirty="0"/>
-              <a:t>a</a:t>
-            </a:r>
-            <a:r>
-              <a:rPr lang="en-US" i="1" noProof="0" dirty="0" err="1"/>
-              <a:t>utomatic</a:t>
-            </a:r>
-            <a:r>
-              <a:rPr lang="en-US" noProof="0" dirty="0"/>
-              <a:t>: without user interaction</a:t>
-            </a:r>
-          </a:p>
-          <a:p>
-            <a:r>
-              <a:rPr lang="en-US" i="1" noProof="0" dirty="0"/>
-              <a:t>complete</a:t>
-            </a:r>
-            <a:r>
-              <a:rPr lang="en-US" noProof="0" dirty="0"/>
-              <a:t>: if </a:t>
-            </a:r>
-            <a:r>
-              <a:rPr lang="en-US" i="1" dirty="0"/>
-              <a:t>r ≡ s</a:t>
-            </a:r>
+              <a:t>The usual proof of decidability is also the only algorithm most textbooks give:</a:t>
+            </a:r>
+          </a:p>
+          <a:p>
+            <a:pPr marL="514350" indent="-514350">
+              <a:buAutoNum type="arabicPeriod"/>
+            </a:pPr>
+            <a:endParaRPr lang="en-US" dirty="0"/>
+          </a:p>
+          <a:p>
+            <a:pPr marL="514350" indent="-514350">
+              <a:buAutoNum type="arabicPeriod"/>
+            </a:pPr>
             <a:r>
               <a:rPr lang="en-US" dirty="0"/>
-              <a:t>, the method should prove it</a:t>
-            </a:r>
-            <a:endParaRPr lang="en-US" i="1" noProof="0" dirty="0"/>
-          </a:p>
-          <a:p>
+              <a:t>construct NFAs from the REs</a:t>
+            </a:r>
+          </a:p>
+          <a:p>
+            <a:pPr marL="514350" indent="-514350">
+              <a:buAutoNum type="arabicPeriod"/>
+            </a:pPr>
             <a:r>
               <a:rPr lang="en-US" dirty="0"/>
-              <a:t>elegant, i.e. easy to prove correct</a:t>
-            </a:r>
-          </a:p>
-          <a:p>
-            <a:endParaRPr lang="en-US" noProof="0" dirty="0"/>
-          </a:p>
-          <a:p>
-            <a:endParaRPr lang="en-US" dirty="0"/>
+              <a:t>convert the NFAs to DFAs</a:t>
+            </a:r>
+          </a:p>
+          <a:p>
+            <a:pPr marL="514350" indent="-514350">
+              <a:buFont typeface="Arial" panose="020B0604020202020204" pitchFamily="34" charset="0"/>
+              <a:buAutoNum type="arabicPeriod"/>
+            </a:pPr>
+            <a:r>
+              <a:rPr lang="en-US" dirty="0"/>
+              <a:t>minimize the DFAs</a:t>
+            </a:r>
           </a:p>
           <a:p>
             <a:pPr marL="0" indent="0">
               <a:buNone/>
             </a:pPr>
-            <a:r>
-              <a:rPr lang="en-US" noProof="0" dirty="0"/>
-              <a:t>… for an </a:t>
-            </a:r>
-            <a:r>
-              <a:rPr lang="en-US" noProof="0" dirty="0">
-                <a:solidFill>
-                  <a:srgbClr val="C00000"/>
-                </a:solidFill>
-              </a:rPr>
-              <a:t>Isabelle proof method</a:t>
+            <a:endParaRPr lang="en-US" dirty="0"/>
+          </a:p>
+          <a:p>
+            <a:pPr marL="0" indent="0">
+              <a:buNone/>
+            </a:pPr>
+            <a:r>
+              <a:rPr lang="en-US" dirty="0"/>
+              <a:t>For each step, we would have to</a:t>
+            </a:r>
+          </a:p>
+          <a:p>
+            <a:r>
+              <a:rPr lang="en-US" dirty="0"/>
+              <a:t>express the algorithm</a:t>
+            </a:r>
+          </a:p>
+          <a:p>
+            <a:r>
+              <a:rPr lang="en-US" dirty="0"/>
+              <a:t>prove that the represented language does not change</a:t>
             </a:r>
           </a:p>
         </p:txBody>
@@ -9688,7 +9680,7 @@
     </p:spTree>
     <p:extLst>
       <p:ext uri="{BB962C8B-B14F-4D97-AF65-F5344CB8AC3E}">
-        <p14:creationId xmlns:p14="http://schemas.microsoft.com/office/powerpoint/2010/main" val="2346521388"/>
+        <p14:creationId xmlns:p14="http://schemas.microsoft.com/office/powerpoint/2010/main" val="4220785108"/>
       </p:ext>
     </p:extLst>
   </p:cSld>
@@ -9720,7 +9712,7 @@
           <p:cNvPr id="2" name="Titel 1">
             <a:extLst>
               <a:ext uri="{FF2B5EF4-FFF2-40B4-BE49-F238E27FC236}">
-                <a16:creationId xmlns:a16="http://schemas.microsoft.com/office/drawing/2014/main" id="{A929FFEB-97F9-4AAE-81C1-11B5DC6850B7}"/>
+                <a16:creationId xmlns:a16="http://schemas.microsoft.com/office/drawing/2014/main" id="{D687039E-D857-4819-A0AF-66C289321C24}"/>
               </a:ext>
             </a:extLst>
           </p:cNvPr>
@@ -9737,8 +9729,8 @@
           <a:lstStyle/>
           <a:p>
             <a:r>
-              <a:rPr lang="en-US" dirty="0"/>
-              <a:t>The textbook method</a:t>
+              <a:rPr lang="en-US" noProof="0" dirty="0"/>
+              <a:t>Goal</a:t>
             </a:r>
           </a:p>
         </p:txBody>
@@ -9748,7 +9740,7 @@
           <p:cNvPr id="3" name="Inhaltsplatzhalter 2">
             <a:extLst>
               <a:ext uri="{FF2B5EF4-FFF2-40B4-BE49-F238E27FC236}">
-                <a16:creationId xmlns:a16="http://schemas.microsoft.com/office/drawing/2014/main" id="{CB6452AB-3B3D-4DAE-9DC0-92C5D524D106}"/>
+                <a16:creationId xmlns:a16="http://schemas.microsoft.com/office/drawing/2014/main" id="{C95D1B8B-E55A-4F95-9AE9-92A2E2BEC866}"/>
               </a:ext>
             </a:extLst>
           </p:cNvPr>
@@ -9759,11 +9751,14 @@
             <p:ph idx="1"/>
           </p:nvPr>
         </p:nvSpPr>
-        <p:spPr/>
-        <p:txBody>
-          <a:bodyPr>
-            <a:normAutofit fontScale="92500" lnSpcReduction="10000"/>
-          </a:bodyPr>
+        <p:spPr>
+          <a:xfrm>
+            <a:off x="838200" y="1864702"/>
+            <a:ext cx="10515600" cy="4351338"/>
+          </a:xfrm>
+        </p:spPr>
+        <p:txBody>
+          <a:bodyPr/>
           <a:lstStyle/>
           <a:p>
             <a:pPr marL="0" indent="0">
@@ -9771,68 +9766,73 @@
             </a:pPr>
             <a:r>
               <a:rPr lang="en-US" dirty="0"/>
-              <a:t>The usual proof of decidability is also the only algorithm most textbooks give:</a:t>
-            </a:r>
-          </a:p>
-          <a:p>
-            <a:pPr marL="514350" indent="-514350">
-              <a:buAutoNum type="arabicPeriod"/>
-            </a:pPr>
+              <a:t>equivalence</a:t>
+            </a:r>
+            <a:r>
+              <a:rPr lang="en-US" noProof="0" dirty="0"/>
+              <a:t> checker for regular expressions which is</a:t>
+            </a:r>
+          </a:p>
+          <a:p>
+            <a:r>
+              <a:rPr lang="en-US" i="1" dirty="0"/>
+              <a:t>a</a:t>
+            </a:r>
+            <a:r>
+              <a:rPr lang="en-US" i="1" noProof="0" dirty="0" err="1"/>
+              <a:t>utomatic</a:t>
+            </a:r>
+            <a:r>
+              <a:rPr lang="en-US" noProof="0" dirty="0"/>
+              <a:t>: without user interaction</a:t>
+            </a:r>
+          </a:p>
+          <a:p>
+            <a:r>
+              <a:rPr lang="en-US" i="1" noProof="0" dirty="0"/>
+              <a:t>complete</a:t>
+            </a:r>
+            <a:r>
+              <a:rPr lang="en-US" noProof="0" dirty="0"/>
+              <a:t>: if </a:t>
+            </a:r>
+            <a:r>
+              <a:rPr lang="en-US" i="1" dirty="0"/>
+              <a:t>r ≡ s</a:t>
+            </a:r>
+            <a:r>
+              <a:rPr lang="en-US" dirty="0"/>
+              <a:t>, the method should prove it</a:t>
+            </a:r>
+            <a:endParaRPr lang="en-US" i="1" noProof="0" dirty="0"/>
+          </a:p>
+          <a:p>
+            <a:r>
+              <a:rPr lang="en-US" dirty="0"/>
+              <a:t>elegant, i.e. easy to prove correct</a:t>
+            </a:r>
+          </a:p>
+          <a:p>
+            <a:endParaRPr lang="en-US" noProof="0" dirty="0"/>
+          </a:p>
+          <a:p>
             <a:endParaRPr lang="en-US" dirty="0"/>
-          </a:p>
-          <a:p>
-            <a:pPr marL="514350" indent="-514350">
-              <a:buAutoNum type="arabicPeriod"/>
-            </a:pPr>
-            <a:r>
-              <a:rPr lang="en-US" dirty="0"/>
-              <a:t>construct NFAs from the REs</a:t>
-            </a:r>
-          </a:p>
-          <a:p>
-            <a:pPr marL="514350" indent="-514350">
-              <a:buAutoNum type="arabicPeriod"/>
-            </a:pPr>
-            <a:r>
-              <a:rPr lang="en-US" dirty="0"/>
-              <a:t>convert the NFAs to DFAs</a:t>
-            </a:r>
-          </a:p>
-          <a:p>
-            <a:pPr marL="514350" indent="-514350">
-              <a:buFont typeface="Arial" panose="020B0604020202020204" pitchFamily="34" charset="0"/>
-              <a:buAutoNum type="arabicPeriod"/>
-            </a:pPr>
-            <a:r>
-              <a:rPr lang="en-US" dirty="0"/>
-              <a:t>minimize the DFAs</a:t>
-            </a:r>
           </a:p>
           <a:p>
             <a:pPr marL="0" indent="0">
               <a:buNone/>
             </a:pPr>
-            <a:endParaRPr lang="en-US" dirty="0"/>
-          </a:p>
-          <a:p>
-            <a:pPr marL="0" indent="0">
-              <a:buNone/>
-            </a:pPr>
-            <a:r>
-              <a:rPr lang="en-US" dirty="0"/>
-              <a:t>For each step, we would have to</a:t>
-            </a:r>
-          </a:p>
-          <a:p>
-            <a:r>
-              <a:rPr lang="en-US" dirty="0"/>
-              <a:t>express the algorithm</a:t>
-            </a:r>
-          </a:p>
-          <a:p>
-            <a:r>
-              <a:rPr lang="en-US" dirty="0"/>
-              <a:t>prove that the represented language does not change</a:t>
+            <a:r>
+              <a:rPr lang="en-US" noProof="0" dirty="0"/>
+              <a:t>… for an </a:t>
+            </a:r>
+            <a:r>
+              <a:rPr lang="en-US" noProof="0" dirty="0">
+                <a:solidFill>
+                  <a:srgbClr val="C00000"/>
+                </a:solidFill>
+              </a:rPr>
+              <a:t>Isabelle proof method</a:t>
             </a:r>
           </a:p>
         </p:txBody>
@@ -9840,7 +9840,7 @@
     </p:spTree>
     <p:extLst>
       <p:ext uri="{BB962C8B-B14F-4D97-AF65-F5344CB8AC3E}">
-        <p14:creationId xmlns:p14="http://schemas.microsoft.com/office/powerpoint/2010/main" val="4220785108"/>
+        <p14:creationId xmlns:p14="http://schemas.microsoft.com/office/powerpoint/2010/main" val="2346521388"/>
       </p:ext>
     </p:extLst>
   </p:cSld>
@@ -9851,148 +9851,6 @@
 </file>
 
 <file path=ppt/slides/slide4.xml><?xml version="1.0" encoding="utf-8"?>
-<p:sld xmlns:a="http://schemas.openxmlformats.org/drawingml/2006/main" xmlns:r="http://schemas.openxmlformats.org/officeDocument/2006/relationships" xmlns:p="http://schemas.openxmlformats.org/presentationml/2006/main">
-  <p:cSld>
-    <p:spTree>
-      <p:nvGrpSpPr>
-        <p:cNvPr id="1" name=""/>
-        <p:cNvGrpSpPr/>
-        <p:nvPr/>
-      </p:nvGrpSpPr>
-      <p:grpSpPr>
-        <a:xfrm>
-          <a:off x="0" y="0"/>
-          <a:ext cx="0" cy="0"/>
-          <a:chOff x="0" y="0"/>
-          <a:chExt cx="0" cy="0"/>
-        </a:xfrm>
-      </p:grpSpPr>
-      <p:sp>
-        <p:nvSpPr>
-          <p:cNvPr id="2" name="Titel 1">
-            <a:extLst>
-              <a:ext uri="{FF2B5EF4-FFF2-40B4-BE49-F238E27FC236}">
-                <a16:creationId xmlns:a16="http://schemas.microsoft.com/office/drawing/2014/main" id="{FF9ADB34-2AF9-4877-B402-3DDCAD702750}"/>
-              </a:ext>
-            </a:extLst>
-          </p:cNvPr>
-          <p:cNvSpPr>
-            <a:spLocks noGrp="1"/>
-          </p:cNvSpPr>
-          <p:nvPr>
-            <p:ph type="title"/>
-          </p:nvPr>
-        </p:nvSpPr>
-        <p:spPr/>
-        <p:txBody>
-          <a:bodyPr/>
-          <a:lstStyle/>
-          <a:p>
-            <a:r>
-              <a:rPr lang="en-US" dirty="0"/>
-              <a:t>Correctness Statement</a:t>
-            </a:r>
-          </a:p>
-        </p:txBody>
-      </p:sp>
-      <p:sp>
-        <p:nvSpPr>
-          <p:cNvPr id="3" name="Inhaltsplatzhalter 2">
-            <a:extLst>
-              <a:ext uri="{FF2B5EF4-FFF2-40B4-BE49-F238E27FC236}">
-                <a16:creationId xmlns:a16="http://schemas.microsoft.com/office/drawing/2014/main" id="{76B9DF96-D467-4401-BFBB-446ABE98C79F}"/>
-              </a:ext>
-            </a:extLst>
-          </p:cNvPr>
-          <p:cNvSpPr>
-            <a:spLocks noGrp="1"/>
-          </p:cNvSpPr>
-          <p:nvPr>
-            <p:ph idx="1"/>
-          </p:nvPr>
-        </p:nvSpPr>
-        <p:spPr/>
-        <p:txBody>
-          <a:bodyPr/>
-          <a:lstStyle/>
-          <a:p>
-            <a:pPr marL="0" indent="0">
-              <a:buNone/>
-            </a:pPr>
-            <a:endParaRPr lang="en-US" dirty="0"/>
-          </a:p>
-          <a:p>
-            <a:pPr marL="0" indent="0">
-              <a:buNone/>
-            </a:pPr>
-            <a:r>
-              <a:rPr lang="en-US" i="1" dirty="0" err="1">
-                <a:latin typeface="Cambria Math" panose="02040503050406030204" pitchFamily="18" charset="0"/>
-                <a:ea typeface="Cambria Math" panose="02040503050406030204" pitchFamily="18" charset="0"/>
-              </a:rPr>
-              <a:t>is_bisimulation</a:t>
-            </a:r>
-            <a:r>
-              <a:rPr lang="en-US" i="1" dirty="0">
-                <a:latin typeface="Cambria Math" panose="02040503050406030204" pitchFamily="18" charset="0"/>
-                <a:ea typeface="Cambria Math" panose="02040503050406030204" pitchFamily="18" charset="0"/>
-              </a:rPr>
-              <a:t> as </a:t>
-            </a:r>
-            <a:r>
-              <a:rPr lang="en-US" i="1" dirty="0" err="1">
-                <a:latin typeface="Cambria Math" panose="02040503050406030204" pitchFamily="18" charset="0"/>
-                <a:ea typeface="Cambria Math" panose="02040503050406030204" pitchFamily="18" charset="0"/>
-              </a:rPr>
-              <a:t>ps</a:t>
-            </a:r>
-            <a:endParaRPr lang="en-US" i="1" dirty="0">
-              <a:latin typeface="Cambria Math" panose="02040503050406030204" pitchFamily="18" charset="0"/>
-              <a:ea typeface="Cambria Math" panose="02040503050406030204" pitchFamily="18" charset="0"/>
-            </a:endParaRPr>
-          </a:p>
-          <a:p>
-            <a:pPr marL="0" indent="0">
-              <a:buNone/>
-            </a:pPr>
-            <a:r>
-              <a:rPr lang="en-US" i="1" dirty="0">
-                <a:latin typeface="Cambria Math" panose="02040503050406030204" pitchFamily="18" charset="0"/>
-                <a:ea typeface="Cambria Math" panose="02040503050406030204" pitchFamily="18" charset="0"/>
-              </a:rPr>
-              <a:t>	⟹ (r, s) ∈ </a:t>
-            </a:r>
-            <a:r>
-              <a:rPr lang="en-US" i="1" dirty="0" err="1">
-                <a:latin typeface="Cambria Math" panose="02040503050406030204" pitchFamily="18" charset="0"/>
-                <a:ea typeface="Cambria Math" panose="02040503050406030204" pitchFamily="18" charset="0"/>
-              </a:rPr>
-              <a:t>ps</a:t>
-            </a:r>
-            <a:r>
-              <a:rPr lang="en-US" i="1" dirty="0">
-                <a:latin typeface="Cambria Math" panose="02040503050406030204" pitchFamily="18" charset="0"/>
-                <a:ea typeface="Cambria Math" panose="02040503050406030204" pitchFamily="18" charset="0"/>
-              </a:rPr>
-              <a:t> ⟹ L (r) = L (s)</a:t>
-            </a:r>
-          </a:p>
-        </p:txBody>
-      </p:sp>
-    </p:spTree>
-    <p:extLst>
-      <p:ext uri="{BB962C8B-B14F-4D97-AF65-F5344CB8AC3E}">
-        <p14:creationId xmlns:p14="http://schemas.microsoft.com/office/powerpoint/2010/main" val="3235657987"/>
-      </p:ext>
-    </p:extLst>
-  </p:cSld>
-  <p:clrMapOvr>
-    <a:masterClrMapping/>
-  </p:clrMapOvr>
-</p:sld>
-</file>
-
-<file path=ppt/slides/slide5.xml><?xml version="1.0" encoding="utf-8"?>
 <p:sld xmlns:a="http://schemas.openxmlformats.org/drawingml/2006/main" xmlns:r="http://schemas.openxmlformats.org/officeDocument/2006/relationships" xmlns:p="http://schemas.openxmlformats.org/presentationml/2006/main">
   <p:cSld>
     <p:spTree>
@@ -10224,6 +10082,196 @@
     <p:extLst>
       <p:ext uri="{BB962C8B-B14F-4D97-AF65-F5344CB8AC3E}">
         <p14:creationId xmlns:p14="http://schemas.microsoft.com/office/powerpoint/2010/main" val="4159968217"/>
+      </p:ext>
+    </p:extLst>
+  </p:cSld>
+  <p:clrMapOvr>
+    <a:masterClrMapping/>
+  </p:clrMapOvr>
+</p:sld>
+</file>
+
+<file path=ppt/slides/slide5.xml><?xml version="1.0" encoding="utf-8"?>
+<p:sld xmlns:a="http://schemas.openxmlformats.org/drawingml/2006/main" xmlns:r="http://schemas.openxmlformats.org/officeDocument/2006/relationships" xmlns:p="http://schemas.openxmlformats.org/presentationml/2006/main">
+  <p:cSld>
+    <p:spTree>
+      <p:nvGrpSpPr>
+        <p:cNvPr id="1" name=""/>
+        <p:cNvGrpSpPr/>
+        <p:nvPr/>
+      </p:nvGrpSpPr>
+      <p:grpSpPr>
+        <a:xfrm>
+          <a:off x="0" y="0"/>
+          <a:ext cx="0" cy="0"/>
+          <a:chOff x="0" y="0"/>
+          <a:chExt cx="0" cy="0"/>
+        </a:xfrm>
+      </p:grpSpPr>
+      <p:sp>
+        <p:nvSpPr>
+          <p:cNvPr id="2" name="Titel 1">
+            <a:extLst>
+              <a:ext uri="{FF2B5EF4-FFF2-40B4-BE49-F238E27FC236}">
+                <a16:creationId xmlns:a16="http://schemas.microsoft.com/office/drawing/2014/main" id="{67E4C615-DCC8-406C-8116-2FE0121ECEC8}"/>
+              </a:ext>
+            </a:extLst>
+          </p:cNvPr>
+          <p:cNvSpPr>
+            <a:spLocks noGrp="1"/>
+          </p:cNvSpPr>
+          <p:nvPr>
+            <p:ph type="title"/>
+          </p:nvPr>
+        </p:nvSpPr>
+        <p:spPr/>
+        <p:txBody>
+          <a:bodyPr/>
+          <a:lstStyle/>
+          <a:p>
+            <a:r>
+              <a:rPr lang="en-US" dirty="0"/>
+              <a:t>Regular Expressions</a:t>
+            </a:r>
+          </a:p>
+        </p:txBody>
+      </p:sp>
+      <p:sp>
+        <p:nvSpPr>
+          <p:cNvPr id="3" name="Inhaltsplatzhalter 2">
+            <a:extLst>
+              <a:ext uri="{FF2B5EF4-FFF2-40B4-BE49-F238E27FC236}">
+                <a16:creationId xmlns:a16="http://schemas.microsoft.com/office/drawing/2014/main" id="{51919B38-44CA-465B-BAD0-5F60F70A25FB}"/>
+              </a:ext>
+            </a:extLst>
+          </p:cNvPr>
+          <p:cNvSpPr>
+            <a:spLocks noGrp="1"/>
+          </p:cNvSpPr>
+          <p:nvPr>
+            <p:ph idx="1"/>
+          </p:nvPr>
+        </p:nvSpPr>
+        <p:spPr/>
+        <p:txBody>
+          <a:bodyPr/>
+          <a:lstStyle/>
+          <a:p>
+            <a:pPr marL="0" indent="0">
+              <a:buNone/>
+            </a:pPr>
+            <a:r>
+              <a:rPr lang="pt-BR" i="1" dirty="0">
+                <a:latin typeface="Lucida Bright" panose="02040602050505020304" pitchFamily="18" charset="0"/>
+              </a:rPr>
+              <a:t>	L(</a:t>
+            </a:r>
+            <a:r>
+              <a:rPr lang="pt-BR" b="1" i="1" dirty="0">
+                <a:latin typeface="Lucida Bright" panose="02040602050505020304" pitchFamily="18" charset="0"/>
+              </a:rPr>
+              <a:t>∅</a:t>
+            </a:r>
+            <a:r>
+              <a:rPr lang="pt-BR" i="1" dirty="0">
+                <a:latin typeface="Lucida Bright" panose="02040602050505020304" pitchFamily="18" charset="0"/>
+              </a:rPr>
+              <a:t>) = ∅</a:t>
+            </a:r>
+          </a:p>
+          <a:p>
+            <a:pPr marL="0" indent="0">
+              <a:buNone/>
+            </a:pPr>
+            <a:r>
+              <a:rPr lang="pt-BR" i="1" dirty="0">
+                <a:latin typeface="Lucida Bright" panose="02040602050505020304" pitchFamily="18" charset="0"/>
+              </a:rPr>
+              <a:t>	L(</a:t>
+            </a:r>
+            <a:r>
+              <a:rPr lang="el-GR" i="1" dirty="0"/>
+              <a:t>ε</a:t>
+            </a:r>
+            <a:r>
+              <a:rPr lang="de-DE" i="1" dirty="0">
+                <a:latin typeface="Lucida Bright" panose="02040602050505020304" pitchFamily="18" charset="0"/>
+              </a:rPr>
+              <a:t>)</a:t>
+            </a:r>
+            <a:r>
+              <a:rPr lang="el-GR" i="1" dirty="0"/>
+              <a:t> = {[]}</a:t>
+            </a:r>
+            <a:endParaRPr lang="pt-BR" i="1" dirty="0">
+              <a:latin typeface="Lucida Bright" panose="02040602050505020304" pitchFamily="18" charset="0"/>
+            </a:endParaRPr>
+          </a:p>
+          <a:p>
+            <a:pPr marL="0" indent="0">
+              <a:buNone/>
+            </a:pPr>
+            <a:r>
+              <a:rPr lang="pt-BR" i="1" dirty="0">
+                <a:latin typeface="Lucida Bright" panose="02040602050505020304" pitchFamily="18" charset="0"/>
+              </a:rPr>
+              <a:t>	L(a) = {[a]}</a:t>
+            </a:r>
+          </a:p>
+          <a:p>
+            <a:pPr marL="0" indent="0">
+              <a:buNone/>
+            </a:pPr>
+            <a:r>
+              <a:rPr lang="pt-BR" i="1" dirty="0">
+                <a:latin typeface="Lucida Bright" panose="02040602050505020304" pitchFamily="18" charset="0"/>
+              </a:rPr>
+              <a:t>	L(r + s) = L(r) ∪ L(s)</a:t>
+            </a:r>
+          </a:p>
+          <a:p>
+            <a:pPr marL="0" indent="0">
+              <a:buNone/>
+            </a:pPr>
+            <a:r>
+              <a:rPr lang="pt-BR" i="1" dirty="0">
+                <a:latin typeface="Lucida Bright" panose="02040602050505020304" pitchFamily="18" charset="0"/>
+              </a:rPr>
+              <a:t>	L(r · s) = L(r)L(s)</a:t>
+            </a:r>
+          </a:p>
+          <a:p>
+            <a:pPr marL="0" indent="0">
+              <a:buNone/>
+            </a:pPr>
+            <a:r>
+              <a:rPr lang="pt-BR" i="1" dirty="0">
+                <a:latin typeface="Lucida Bright" panose="02040602050505020304" pitchFamily="18" charset="0"/>
+              </a:rPr>
+              <a:t>	L(r</a:t>
+            </a:r>
+            <a:r>
+              <a:rPr lang="pt-BR" b="1" i="1" dirty="0">
+                <a:latin typeface="Lucida Bright" panose="02040602050505020304" pitchFamily="18" charset="0"/>
+              </a:rPr>
+              <a:t>*</a:t>
+            </a:r>
+            <a:r>
+              <a:rPr lang="pt-BR" i="1" dirty="0">
+                <a:latin typeface="Lucida Bright" panose="02040602050505020304" pitchFamily="18" charset="0"/>
+              </a:rPr>
+              <a:t>) = (L(r))*</a:t>
+            </a:r>
+            <a:endParaRPr lang="en-US" i="1" dirty="0">
+              <a:latin typeface="Lucida Bright" panose="02040602050505020304" pitchFamily="18" charset="0"/>
+            </a:endParaRPr>
+          </a:p>
+        </p:txBody>
+      </p:sp>
+    </p:spTree>
+    <p:extLst>
+      <p:ext uri="{BB962C8B-B14F-4D97-AF65-F5344CB8AC3E}">
+        <p14:creationId xmlns:p14="http://schemas.microsoft.com/office/powerpoint/2010/main" val="3994935269"/>
       </p:ext>
     </p:extLst>
   </p:cSld>
@@ -10636,7 +10684,7 @@
           <p:cNvPr id="2" name="Titel 1">
             <a:extLst>
               <a:ext uri="{FF2B5EF4-FFF2-40B4-BE49-F238E27FC236}">
-                <a16:creationId xmlns:a16="http://schemas.microsoft.com/office/drawing/2014/main" id="{67E4C615-DCC8-406C-8116-2FE0121ECEC8}"/>
+                <a16:creationId xmlns:a16="http://schemas.microsoft.com/office/drawing/2014/main" id="{FF9ADB34-2AF9-4877-B402-3DDCAD702750}"/>
               </a:ext>
             </a:extLst>
           </p:cNvPr>
@@ -10654,7 +10702,7 @@
           <a:p>
             <a:r>
               <a:rPr lang="en-US" dirty="0"/>
-              <a:t>Regular Expressions</a:t>
+              <a:t>Correctness Statement</a:t>
             </a:r>
           </a:p>
         </p:txBody>
@@ -10664,7 +10712,7 @@
           <p:cNvPr id="3" name="Inhaltsplatzhalter 2">
             <a:extLst>
               <a:ext uri="{FF2B5EF4-FFF2-40B4-BE49-F238E27FC236}">
-                <a16:creationId xmlns:a16="http://schemas.microsoft.com/office/drawing/2014/main" id="{51919B38-44CA-465B-BAD0-5F60F70A25FB}"/>
+                <a16:creationId xmlns:a16="http://schemas.microsoft.com/office/drawing/2014/main" id="{76B9DF96-D467-4401-BFBB-446ABE98C79F}"/>
               </a:ext>
             </a:extLst>
           </p:cNvPr>
@@ -10683,51 +10731,43 @@
             <a:pPr marL="0" indent="0">
               <a:buNone/>
             </a:pPr>
-            <a:r>
-              <a:rPr lang="pt-BR" i="1" dirty="0">
-                <a:latin typeface="Lucida Bright" panose="02040602050505020304" pitchFamily="18" charset="0"/>
-              </a:rPr>
-              <a:t>	L(</a:t>
-            </a:r>
-            <a:r>
-              <a:rPr lang="pt-BR" b="1" i="1" dirty="0">
-                <a:latin typeface="Lucida Bright" panose="02040602050505020304" pitchFamily="18" charset="0"/>
-              </a:rPr>
-              <a:t>∅</a:t>
-            </a:r>
-            <a:r>
-              <a:rPr lang="pt-BR" i="1" dirty="0">
-                <a:latin typeface="Lucida Bright" panose="02040602050505020304" pitchFamily="18" charset="0"/>
-              </a:rPr>
-              <a:t>) = ∅</a:t>
-            </a:r>
+            <a:endParaRPr lang="en-US" dirty="0"/>
           </a:p>
           <a:p>
             <a:pPr marL="0" indent="0">
               <a:buNone/>
             </a:pPr>
             <a:r>
-              <a:rPr lang="pt-BR" i="1" dirty="0">
-                <a:latin typeface="Lucida Bright" panose="02040602050505020304" pitchFamily="18" charset="0"/>
+              <a:rPr lang="en-US" i="1" dirty="0">
+                <a:latin typeface="Cambria Math" panose="02040503050406030204" pitchFamily="18" charset="0"/>
+                <a:ea typeface="Cambria Math" panose="02040503050406030204" pitchFamily="18" charset="0"/>
               </a:rPr>
-              <a:t>	L(</a:t>
-            </a:r>
-            <a:r>
-              <a:rPr lang="el-GR" i="1" dirty="0"/>
-              <a:t>ε</a:t>
-            </a:r>
-            <a:r>
-              <a:rPr lang="de-DE" i="1" dirty="0">
-                <a:latin typeface="Lucida Bright" panose="02040602050505020304" pitchFamily="18" charset="0"/>
+              <a:t>	</a:t>
+            </a:r>
+            <a:r>
+              <a:rPr lang="en-US" i="1" dirty="0" err="1">
+                <a:latin typeface="Cambria Math" panose="02040503050406030204" pitchFamily="18" charset="0"/>
+                <a:ea typeface="Cambria Math" panose="02040503050406030204" pitchFamily="18" charset="0"/>
               </a:rPr>
-              <a:t>)</a:t>
-            </a:r>
-            <a:r>
-              <a:rPr lang="el-GR" i="1" dirty="0"/>
-              <a:t> = {[]}</a:t>
-            </a:r>
-            <a:endParaRPr lang="pt-BR" i="1" dirty="0">
-              <a:latin typeface="Lucida Bright" panose="02040602050505020304" pitchFamily="18" charset="0"/>
+              <a:t>is_bisimulation</a:t>
+            </a:r>
+            <a:r>
+              <a:rPr lang="en-US" i="1" dirty="0">
+                <a:latin typeface="Cambria Math" panose="02040503050406030204" pitchFamily="18" charset="0"/>
+                <a:ea typeface="Cambria Math" panose="02040503050406030204" pitchFamily="18" charset="0"/>
+              </a:rPr>
+              <a:t> as </a:t>
+            </a:r>
+            <a:r>
+              <a:rPr lang="en-US" i="1" dirty="0" err="1">
+                <a:latin typeface="Cambria Math" panose="02040503050406030204" pitchFamily="18" charset="0"/>
+                <a:ea typeface="Cambria Math" panose="02040503050406030204" pitchFamily="18" charset="0"/>
+              </a:rPr>
+              <a:t>ps</a:t>
+            </a:r>
+            <a:endParaRPr lang="en-US" i="1" dirty="0">
+              <a:latin typeface="Cambria Math" panose="02040503050406030204" pitchFamily="18" charset="0"/>
+              <a:ea typeface="Cambria Math" panose="02040503050406030204" pitchFamily="18" charset="0"/>
             </a:endParaRPr>
           </a:p>
           <a:p>
@@ -10735,66 +10775,42 @@
               <a:buNone/>
             </a:pPr>
             <a:r>
-              <a:rPr lang="pt-BR" i="1" dirty="0">
-                <a:latin typeface="Lucida Bright" panose="02040602050505020304" pitchFamily="18" charset="0"/>
+              <a:rPr lang="en-US" i="1" dirty="0">
+                <a:latin typeface="Cambria Math" panose="02040503050406030204" pitchFamily="18" charset="0"/>
+                <a:ea typeface="Cambria Math" panose="02040503050406030204" pitchFamily="18" charset="0"/>
               </a:rPr>
-              <a:t>	L(a) = {[a]}</a:t>
-            </a:r>
+              <a:t>	⟹ (r, s) ∈ </a:t>
+            </a:r>
+            <a:r>
+              <a:rPr lang="en-US" i="1" dirty="0" err="1">
+                <a:latin typeface="Cambria Math" panose="02040503050406030204" pitchFamily="18" charset="0"/>
+                <a:ea typeface="Cambria Math" panose="02040503050406030204" pitchFamily="18" charset="0"/>
+              </a:rPr>
+              <a:t>ps</a:t>
+            </a:r>
+            <a:endParaRPr lang="en-US" i="1" dirty="0">
+              <a:latin typeface="Cambria Math" panose="02040503050406030204" pitchFamily="18" charset="0"/>
+              <a:ea typeface="Cambria Math" panose="02040503050406030204" pitchFamily="18" charset="0"/>
+            </a:endParaRPr>
           </a:p>
           <a:p>
             <a:pPr marL="0" indent="0">
               <a:buNone/>
             </a:pPr>
             <a:r>
-              <a:rPr lang="pt-BR" i="1" dirty="0">
-                <a:latin typeface="Lucida Bright" panose="02040602050505020304" pitchFamily="18" charset="0"/>
+              <a:rPr lang="en-US" i="1" dirty="0">
+                <a:latin typeface="Cambria Math" panose="02040503050406030204" pitchFamily="18" charset="0"/>
+                <a:ea typeface="Cambria Math" panose="02040503050406030204" pitchFamily="18" charset="0"/>
               </a:rPr>
-              <a:t>	L(r + s) = L(r) ∪ L(s)</a:t>
-            </a:r>
-          </a:p>
-          <a:p>
-            <a:pPr marL="0" indent="0">
-              <a:buNone/>
-            </a:pPr>
-            <a:r>
-              <a:rPr lang="pt-BR" i="1" dirty="0">
-                <a:latin typeface="Lucida Bright" panose="02040602050505020304" pitchFamily="18" charset="0"/>
-              </a:rPr>
-              <a:t>	L(r · s) = L(r)L(s)</a:t>
-            </a:r>
-          </a:p>
-          <a:p>
-            <a:pPr marL="0" indent="0">
-              <a:buNone/>
-            </a:pPr>
-            <a:r>
-              <a:rPr lang="pt-BR" i="1" dirty="0">
-                <a:latin typeface="Lucida Bright" panose="02040602050505020304" pitchFamily="18" charset="0"/>
-              </a:rPr>
-              <a:t>	L(r</a:t>
-            </a:r>
-            <a:r>
-              <a:rPr lang="pt-BR" b="1" i="1" dirty="0">
-                <a:latin typeface="Lucida Bright" panose="02040602050505020304" pitchFamily="18" charset="0"/>
-              </a:rPr>
-              <a:t>*</a:t>
-            </a:r>
-            <a:r>
-              <a:rPr lang="pt-BR" i="1" dirty="0">
-                <a:latin typeface="Lucida Bright" panose="02040602050505020304" pitchFamily="18" charset="0"/>
-              </a:rPr>
-              <a:t>) = (L(r))*</a:t>
-            </a:r>
-            <a:endParaRPr lang="en-US" i="1" dirty="0">
-              <a:latin typeface="Lucida Bright" panose="02040602050505020304" pitchFamily="18" charset="0"/>
-            </a:endParaRPr>
+              <a:t>	⟹ L (r) = L (s)</a:t>
+            </a:r>
           </a:p>
         </p:txBody>
       </p:sp>
     </p:spTree>
     <p:extLst>
       <p:ext uri="{BB962C8B-B14F-4D97-AF65-F5344CB8AC3E}">
-        <p14:creationId xmlns:p14="http://schemas.microsoft.com/office/powerpoint/2010/main" val="3994935269"/>
+        <p14:creationId xmlns:p14="http://schemas.microsoft.com/office/powerpoint/2010/main" val="3235657987"/>
       </p:ext>
     </p:extLst>
   </p:cSld>

--- a/slides.pptx
+++ b/slides.pptx
@@ -1453,7 +1453,7 @@
             </a:r>
             <a:r>
               <a:rPr lang="en-US" dirty="0"/>
-              <a:t> lemma at the end. It worked on languages, and the language pair is already added I f </a:t>
+              <a:t> lemma at the end. It worked on languages, and the language pair is already added if the strengthened filter applies.</a:t>
             </a:r>
           </a:p>
           <a:p>
@@ -1713,8 +1713,61 @@
             </a:r>
             <a:r>
               <a:rPr lang="de-DE" dirty="0"/>
+              <a:t>, </a:t>
+            </a:r>
+            <a:r>
+              <a:rPr lang="de-DE" dirty="0" err="1"/>
+              <a:t>luckily</a:t>
+            </a:r>
+            <a:r>
+              <a:rPr lang="de-DE" dirty="0"/>
               <a:t> </a:t>
             </a:r>
+            <a:r>
+              <a:rPr lang="de-DE" dirty="0" err="1"/>
+              <a:t>these</a:t>
+            </a:r>
+            <a:r>
+              <a:rPr lang="de-DE" dirty="0"/>
+              <a:t> </a:t>
+            </a:r>
+            <a:r>
+              <a:rPr lang="de-DE" dirty="0" err="1"/>
+              <a:t>extensions</a:t>
+            </a:r>
+            <a:r>
+              <a:rPr lang="de-DE" dirty="0"/>
+              <a:t> </a:t>
+            </a:r>
+            <a:r>
+              <a:rPr lang="de-DE" dirty="0" err="1"/>
+              <a:t>are</a:t>
+            </a:r>
+            <a:r>
+              <a:rPr lang="de-DE" dirty="0"/>
+              <a:t> </a:t>
+            </a:r>
+            <a:r>
+              <a:rPr lang="de-DE" dirty="0" err="1"/>
+              <a:t>included</a:t>
+            </a:r>
+            <a:r>
+              <a:rPr lang="de-DE" dirty="0"/>
+              <a:t> in </a:t>
+            </a:r>
+            <a:r>
+              <a:rPr lang="de-DE" dirty="0" err="1"/>
+              <a:t>Brzozowski‘s</a:t>
+            </a:r>
+            <a:r>
+              <a:rPr lang="de-DE" dirty="0"/>
+              <a:t> </a:t>
+            </a:r>
+            <a:r>
+              <a:rPr lang="de-DE"/>
+              <a:t>result</a:t>
+            </a:r>
+            <a:endParaRPr lang="de-DE" dirty="0"/>
           </a:p>
         </p:txBody>
       </p:sp>
@@ -8946,7 +8999,9 @@
             </p:nvSpPr>
             <p:spPr/>
             <p:txBody>
-              <a:bodyPr/>
+              <a:bodyPr>
+                <a:normAutofit/>
+              </a:bodyPr>
               <a:lstStyle/>
               <a:p>
                 <a:r>
@@ -9394,6 +9449,9 @@
                 <a:endParaRPr lang="en-US" noProof="0" dirty="0"/>
               </a:p>
               <a:p>
+                <a:pPr marL="0" indent="0">
+                  <a:buNone/>
+                </a:pPr>
                 <a:endParaRPr lang="en-US" dirty="0"/>
               </a:p>
               <a:p>

--- a/slides.pptx
+++ b/slides.pptx
@@ -219,7 +219,7 @@
           <a:p>
             <a:fld id="{9768728B-C74D-450C-A579-E5E997D18F7C}" type="datetimeFigureOut">
               <a:rPr lang="de-DE" smtClean="0"/>
-              <a:t>09.12.2017</a:t>
+              <a:t>10.12.2017</a:t>
             </a:fld>
             <a:endParaRPr lang="de-DE"/>
           </a:p>
@@ -3088,7 +3088,7 @@
           <a:p>
             <a:fld id="{B8511AE9-C2D5-45E7-980E-A4DD1A9265AF}" type="datetimeFigureOut">
               <a:rPr lang="en-US" noProof="0" smtClean="0"/>
-              <a:t>12/9/2017</a:t>
+              <a:t>12/10/2017</a:t>
             </a:fld>
             <a:endParaRPr lang="en-US" noProof="0"/>
           </a:p>
@@ -3286,7 +3286,7 @@
           <a:p>
             <a:fld id="{B8511AE9-C2D5-45E7-980E-A4DD1A9265AF}" type="datetimeFigureOut">
               <a:rPr lang="de-DE" smtClean="0"/>
-              <a:t>09.12.2017</a:t>
+              <a:t>10.12.2017</a:t>
             </a:fld>
             <a:endParaRPr lang="de-DE"/>
           </a:p>
@@ -3588,7 +3588,7 @@
             <a:fld id="{B8511AE9-C2D5-45E7-980E-A4DD1A9265AF}" type="datetimeFigureOut">
               <a:rPr lang="en-US" noProof="0" smtClean="0"/>
               <a:pPr/>
-              <a:t>12/9/2017</a:t>
+              <a:t>12/10/2017</a:t>
             </a:fld>
             <a:endParaRPr lang="en-US" noProof="0"/>
           </a:p>
@@ -3742,7 +3742,7 @@
           <a:p>
             <a:fld id="{B8511AE9-C2D5-45E7-980E-A4DD1A9265AF}" type="datetimeFigureOut">
               <a:rPr lang="en-US" noProof="0" smtClean="0"/>
-              <a:t>12/9/2017</a:t>
+              <a:t>12/10/2017</a:t>
             </a:fld>
             <a:endParaRPr lang="en-US" noProof="0"/>
           </a:p>
@@ -3940,7 +3940,7 @@
           <a:p>
             <a:fld id="{B8511AE9-C2D5-45E7-980E-A4DD1A9265AF}" type="datetimeFigureOut">
               <a:rPr lang="en-US" noProof="0" smtClean="0"/>
-              <a:t>12/9/2017</a:t>
+              <a:t>12/10/2017</a:t>
             </a:fld>
             <a:endParaRPr lang="en-US" noProof="0"/>
           </a:p>
@@ -4215,7 +4215,7 @@
           <a:p>
             <a:fld id="{B8511AE9-C2D5-45E7-980E-A4DD1A9265AF}" type="datetimeFigureOut">
               <a:rPr lang="en-US" noProof="0" smtClean="0"/>
-              <a:t>12/9/2017</a:t>
+              <a:t>12/10/2017</a:t>
             </a:fld>
             <a:endParaRPr lang="en-US" noProof="0"/>
           </a:p>
@@ -4537,7 +4537,7 @@
           <a:p>
             <a:fld id="{B8511AE9-C2D5-45E7-980E-A4DD1A9265AF}" type="datetimeFigureOut">
               <a:rPr lang="en-US" noProof="0" smtClean="0"/>
-              <a:t>12/9/2017</a:t>
+              <a:t>12/10/2017</a:t>
             </a:fld>
             <a:endParaRPr lang="en-US" noProof="0"/>
           </a:p>
@@ -4949,7 +4949,7 @@
           <a:p>
             <a:fld id="{B8511AE9-C2D5-45E7-980E-A4DD1A9265AF}" type="datetimeFigureOut">
               <a:rPr lang="en-US" noProof="0" smtClean="0"/>
-              <a:t>12/9/2017</a:t>
+              <a:t>12/10/2017</a:t>
             </a:fld>
             <a:endParaRPr lang="en-US" noProof="0"/>
           </a:p>
@@ -5090,7 +5090,7 @@
           <a:p>
             <a:fld id="{B8511AE9-C2D5-45E7-980E-A4DD1A9265AF}" type="datetimeFigureOut">
               <a:rPr lang="en-US" noProof="0" smtClean="0"/>
-              <a:t>12/9/2017</a:t>
+              <a:t>12/10/2017</a:t>
             </a:fld>
             <a:endParaRPr lang="en-US" noProof="0"/>
           </a:p>
@@ -5208,7 +5208,7 @@
           <a:p>
             <a:fld id="{B8511AE9-C2D5-45E7-980E-A4DD1A9265AF}" type="datetimeFigureOut">
               <a:rPr lang="en-US" noProof="0" smtClean="0"/>
-              <a:t>12/9/2017</a:t>
+              <a:t>12/10/2017</a:t>
             </a:fld>
             <a:endParaRPr lang="en-US" noProof="0"/>
           </a:p>
@@ -5519,7 +5519,7 @@
           <a:p>
             <a:fld id="{B8511AE9-C2D5-45E7-980E-A4DD1A9265AF}" type="datetimeFigureOut">
               <a:rPr lang="en-US" noProof="0" smtClean="0"/>
-              <a:t>12/9/2017</a:t>
+              <a:t>12/10/2017</a:t>
             </a:fld>
             <a:endParaRPr lang="en-US" noProof="0"/>
           </a:p>
@@ -5812,7 +5812,7 @@
           <a:p>
             <a:fld id="{B8511AE9-C2D5-45E7-980E-A4DD1A9265AF}" type="datetimeFigureOut">
               <a:rPr lang="en-US" noProof="0" smtClean="0"/>
-              <a:t>12/9/2017</a:t>
+              <a:t>12/10/2017</a:t>
             </a:fld>
             <a:endParaRPr lang="en-US" noProof="0"/>
           </a:p>
@@ -6053,7 +6053,7 @@
           <a:p>
             <a:fld id="{B8511AE9-C2D5-45E7-980E-A4DD1A9265AF}" type="datetimeFigureOut">
               <a:rPr lang="en-US" noProof="0" smtClean="0"/>
-              <a:t>12/9/2017</a:t>
+              <a:t>12/10/2017</a:t>
             </a:fld>
             <a:endParaRPr lang="en-US" noProof="0"/>
           </a:p>
@@ -6882,8 +6882,8 @@
           </a:p>
         </p:txBody>
       </p:sp>
-      <mc:AlternateContent xmlns:mc="http://schemas.openxmlformats.org/markup-compatibility/2006">
-        <mc:Choice xmlns:a14="http://schemas.microsoft.com/office/drawing/2010/main" Requires="a14">
+      <mc:AlternateContent xmlns:mc="http://schemas.openxmlformats.org/markup-compatibility/2006" xmlns:a14="http://schemas.microsoft.com/office/drawing/2010/main">
+        <mc:Choice Requires="a14">
           <p:sp>
             <p:nvSpPr>
               <p:cNvPr id="3" name="Inhaltsplatzhalter 2">
@@ -7104,7 +7104,7 @@
             </p:txBody>
           </p:sp>
         </mc:Choice>
-        <mc:Fallback>
+        <mc:Fallback xmlns="">
           <p:sp>
             <p:nvSpPr>
               <p:cNvPr id="3" name="Inhaltsplatzhalter 2">
@@ -7202,8 +7202,8 @@
           </a:p>
         </p:txBody>
       </p:sp>
-      <mc:AlternateContent xmlns:mc="http://schemas.openxmlformats.org/markup-compatibility/2006">
-        <mc:Choice xmlns:a14="http://schemas.microsoft.com/office/drawing/2010/main" Requires="a14">
+      <mc:AlternateContent xmlns:mc="http://schemas.openxmlformats.org/markup-compatibility/2006" xmlns:a14="http://schemas.microsoft.com/office/drawing/2010/main">
+        <mc:Choice Requires="a14">
           <p:sp>
             <p:nvSpPr>
               <p:cNvPr id="3" name="Inhaltsplatzhalter 2">
@@ -7532,7 +7532,7 @@
                     <m:sSub>
                       <m:sSubPr>
                         <m:ctrlPr>
-                          <a:rPr lang="en-US">
+                          <a:rPr lang="en-US" i="1">
                             <a:latin typeface="Cambria Math" panose="02040503050406030204" pitchFamily="18" charset="0"/>
                             <a:ea typeface="Cambria Math" panose="02040503050406030204" pitchFamily="18" charset="0"/>
                           </a:rPr>
@@ -7590,7 +7590,7 @@
                     <m:sSub>
                       <m:sSubPr>
                         <m:ctrlPr>
-                          <a:rPr lang="en-US">
+                          <a:rPr lang="en-US" i="1">
                             <a:latin typeface="Cambria Math" panose="02040503050406030204" pitchFamily="18" charset="0"/>
                             <a:ea typeface="Cambria Math" panose="02040503050406030204" pitchFamily="18" charset="0"/>
                           </a:rPr>
@@ -7680,7 +7680,7 @@
             </p:txBody>
           </p:sp>
         </mc:Choice>
-        <mc:Fallback>
+        <mc:Fallback xmlns="">
           <p:sp>
             <p:nvSpPr>
               <p:cNvPr id="3" name="Inhaltsplatzhalter 2">
@@ -8094,8 +8094,8 @@
           </a:p>
         </p:txBody>
       </p:sp>
-      <mc:AlternateContent xmlns:mc="http://schemas.openxmlformats.org/markup-compatibility/2006">
-        <mc:Choice xmlns:a14="http://schemas.microsoft.com/office/drawing/2010/main" Requires="a14">
+      <mc:AlternateContent xmlns:mc="http://schemas.openxmlformats.org/markup-compatibility/2006" xmlns:a14="http://schemas.microsoft.com/office/drawing/2010/main">
+        <mc:Choice Requires="a14">
           <p:sp>
             <p:nvSpPr>
               <p:cNvPr id="3" name="Inhaltsplatzhalter 2">
@@ -8434,7 +8434,7 @@
             </p:txBody>
           </p:sp>
         </mc:Choice>
-        <mc:Fallback>
+        <mc:Fallback xmlns="">
           <p:sp>
             <p:nvSpPr>
               <p:cNvPr id="3" name="Inhaltsplatzhalter 2">
@@ -8979,8 +8979,8 @@
           </a:p>
         </p:txBody>
       </p:sp>
-      <mc:AlternateContent xmlns:mc="http://schemas.openxmlformats.org/markup-compatibility/2006">
-        <mc:Choice xmlns:a14="http://schemas.microsoft.com/office/drawing/2010/main" Requires="a14">
+      <mc:AlternateContent xmlns:mc="http://schemas.openxmlformats.org/markup-compatibility/2006" xmlns:a14="http://schemas.microsoft.com/office/drawing/2010/main">
+        <mc:Choice Requires="a14">
           <p:sp>
             <p:nvSpPr>
               <p:cNvPr id="3" name="Inhaltsplatzhalter 2">
@@ -9460,7 +9460,7 @@
             </p:txBody>
           </p:sp>
         </mc:Choice>
-        <mc:Fallback>
+        <mc:Fallback xmlns="">
           <p:sp>
             <p:nvSpPr>
               <p:cNvPr id="3" name="Inhaltsplatzhalter 2">
@@ -10385,8 +10385,8 @@
           </a:p>
         </p:txBody>
       </p:sp>
-      <mc:AlternateContent xmlns:mc="http://schemas.openxmlformats.org/markup-compatibility/2006">
-        <mc:Choice xmlns:a14="http://schemas.microsoft.com/office/drawing/2010/main" Requires="a14">
+      <mc:AlternateContent xmlns:mc="http://schemas.openxmlformats.org/markup-compatibility/2006" xmlns:a14="http://schemas.microsoft.com/office/drawing/2010/main">
+        <mc:Choice Requires="a14">
           <p:sp>
             <p:nvSpPr>
               <p:cNvPr id="3" name="Inhaltsplatzhalter 2">
@@ -10667,7 +10667,7 @@
             </p:txBody>
           </p:sp>
         </mc:Choice>
-        <mc:Fallback>
+        <mc:Fallback xmlns="">
           <p:sp>
             <p:nvSpPr>
               <p:cNvPr id="3" name="Inhaltsplatzhalter 2">
@@ -11622,13 +11622,18 @@
           <a:p>
             <a:r>
               <a:rPr lang="en-US" dirty="0"/>
-              <a:t>Times and Star</a:t>
-            </a:r>
-          </a:p>
-        </p:txBody>
-      </p:sp>
-      <mc:AlternateContent xmlns:mc="http://schemas.openxmlformats.org/markup-compatibility/2006">
-        <mc:Choice xmlns:a14="http://schemas.microsoft.com/office/drawing/2010/main" Requires="a14">
+              <a:t>Derivatives of REs </a:t>
+            </a:r>
+            <a:r>
+              <a:rPr lang="en-US"/>
+              <a:t>(cont.)</a:t>
+            </a:r>
+            <a:endParaRPr lang="en-US" dirty="0"/>
+          </a:p>
+        </p:txBody>
+      </p:sp>
+      <mc:AlternateContent xmlns:mc="http://schemas.openxmlformats.org/markup-compatibility/2006" xmlns:a14="http://schemas.microsoft.com/office/drawing/2010/main">
+        <mc:Choice Requires="a14">
           <p:sp>
             <p:nvSpPr>
               <p:cNvPr id="3" name="Inhaltsplatzhalter 2">
@@ -12146,7 +12151,7 @@
             </p:txBody>
           </p:sp>
         </mc:Choice>
-        <mc:Fallback>
+        <mc:Fallback xmlns="">
           <p:sp>
             <p:nvSpPr>
               <p:cNvPr id="3" name="Inhaltsplatzhalter 2">

--- a/slides.pptx
+++ b/slides.pptx
@@ -9,10 +9,10 @@
   </p:notesMasterIdLst>
   <p:sldIdLst>
     <p:sldId id="256" r:id="rId2"/>
-    <p:sldId id="261" r:id="rId3"/>
-    <p:sldId id="258" r:id="rId4"/>
-    <p:sldId id="262" r:id="rId5"/>
-    <p:sldId id="270" r:id="rId6"/>
+    <p:sldId id="262" r:id="rId3"/>
+    <p:sldId id="270" r:id="rId4"/>
+    <p:sldId id="261" r:id="rId5"/>
+    <p:sldId id="258" r:id="rId6"/>
     <p:sldId id="263" r:id="rId7"/>
     <p:sldId id="280" r:id="rId8"/>
     <p:sldId id="271" r:id="rId9"/>
@@ -1853,31 +1853,13 @@
           <a:p>
             <a:r>
               <a:rPr lang="en-US" dirty="0"/>
-              <a:t>To-do: </a:t>
-            </a:r>
-            <a:r>
-              <a:rPr lang="en-US" dirty="0" err="1"/>
-              <a:t>leicht</a:t>
-            </a:r>
+              <a:t>(infinite languages also have infinite derivatives)</a:t>
+            </a:r>
+          </a:p>
+          <a:p>
             <a:r>
               <a:rPr lang="en-US" dirty="0"/>
-              <a:t> </a:t>
-            </a:r>
-            <a:r>
-              <a:rPr lang="en-US" dirty="0" err="1"/>
-              <a:t>genug</a:t>
-            </a:r>
-            <a:r>
-              <a:rPr lang="en-US" dirty="0"/>
-              <a:t> </a:t>
-            </a:r>
-            <a:r>
-              <a:rPr lang="en-US" dirty="0" err="1"/>
-              <a:t>verständlich</a:t>
-            </a:r>
-            <a:r>
-              <a:rPr lang="en-US" dirty="0"/>
-              <a:t>?</a:t>
+              <a:t>if the representations of languages are finite, we can hope to get a machine to compare them.</a:t>
             </a:r>
           </a:p>
         </p:txBody>
@@ -1908,7 +1890,7 @@
     </p:spTree>
     <p:extLst>
       <p:ext uri="{BB962C8B-B14F-4D97-AF65-F5344CB8AC3E}">
-        <p14:creationId xmlns:p14="http://schemas.microsoft.com/office/powerpoint/2010/main" val="3558965081"/>
+        <p14:creationId xmlns:p14="http://schemas.microsoft.com/office/powerpoint/2010/main" val="4070183969"/>
       </p:ext>
     </p:extLst>
   </p:cSld>
@@ -1962,241 +1944,7 @@
           <a:bodyPr/>
           <a:lstStyle/>
           <a:p>
-            <a:r>
-              <a:rPr lang="de-DE" dirty="0" err="1"/>
-              <a:t>todo</a:t>
-            </a:r>
-            <a:r>
-              <a:rPr lang="de-DE" dirty="0"/>
-              <a:t>: </a:t>
-            </a:r>
-            <a:r>
-              <a:rPr lang="de-DE" dirty="0" err="1"/>
-              <a:t>Example</a:t>
-            </a:r>
-            <a:r>
-              <a:rPr lang="de-DE" dirty="0"/>
-              <a:t>?</a:t>
-            </a:r>
-          </a:p>
-          <a:p>
-            <a:r>
-              <a:rPr lang="de-DE" dirty="0"/>
-              <a:t>The last </a:t>
-            </a:r>
-            <a:r>
-              <a:rPr lang="de-DE" dirty="0" err="1"/>
-              <a:t>requirement</a:t>
-            </a:r>
-            <a:r>
-              <a:rPr lang="de-DE" dirty="0"/>
-              <a:t> </a:t>
-            </a:r>
-            <a:r>
-              <a:rPr lang="de-DE" dirty="0" err="1"/>
-              <a:t>comes</a:t>
-            </a:r>
-            <a:r>
-              <a:rPr lang="de-DE" dirty="0"/>
-              <a:t> at a </a:t>
-            </a:r>
-            <a:r>
-              <a:rPr lang="de-DE" dirty="0" err="1"/>
-              <a:t>price</a:t>
-            </a:r>
-            <a:r>
-              <a:rPr lang="de-DE" dirty="0"/>
-              <a:t>: </a:t>
-            </a:r>
-            <a:r>
-              <a:rPr lang="de-DE" dirty="0" err="1"/>
-              <a:t>the</a:t>
-            </a:r>
-            <a:r>
-              <a:rPr lang="de-DE" dirty="0"/>
-              <a:t> </a:t>
-            </a:r>
-            <a:r>
-              <a:rPr lang="de-DE" dirty="0" err="1"/>
-              <a:t>algorithm</a:t>
-            </a:r>
-            <a:r>
-              <a:rPr lang="de-DE" dirty="0"/>
-              <a:t> </a:t>
-            </a:r>
-            <a:r>
-              <a:rPr lang="de-DE" dirty="0" err="1"/>
-              <a:t>won‘t</a:t>
-            </a:r>
-            <a:r>
-              <a:rPr lang="de-DE" dirty="0"/>
-              <a:t> </a:t>
-            </a:r>
-            <a:r>
-              <a:rPr lang="de-DE" dirty="0" err="1"/>
-              <a:t>have</a:t>
-            </a:r>
-            <a:r>
-              <a:rPr lang="de-DE" dirty="0"/>
-              <a:t> an optimal </a:t>
-            </a:r>
-            <a:r>
-              <a:rPr lang="de-DE" dirty="0" err="1"/>
-              <a:t>performance</a:t>
-            </a:r>
-            <a:endParaRPr lang="de-DE" dirty="0"/>
-          </a:p>
-          <a:p>
-            <a:endParaRPr lang="de-DE" dirty="0"/>
-          </a:p>
-          <a:p>
-            <a:r>
-              <a:rPr lang="de-DE" dirty="0" err="1"/>
-              <a:t>Implications</a:t>
-            </a:r>
-            <a:r>
-              <a:rPr lang="de-DE" dirty="0"/>
-              <a:t> </a:t>
-            </a:r>
-            <a:r>
-              <a:rPr lang="de-DE" dirty="0" err="1"/>
-              <a:t>for</a:t>
-            </a:r>
-            <a:r>
-              <a:rPr lang="de-DE" dirty="0"/>
-              <a:t> </a:t>
-            </a:r>
-            <a:r>
-              <a:rPr lang="de-DE" dirty="0" err="1"/>
-              <a:t>the</a:t>
-            </a:r>
-            <a:r>
-              <a:rPr lang="de-DE" dirty="0"/>
-              <a:t> design: </a:t>
-            </a:r>
-            <a:r>
-              <a:rPr lang="de-DE" dirty="0" err="1"/>
-              <a:t>We</a:t>
-            </a:r>
-            <a:r>
-              <a:rPr lang="de-DE" dirty="0"/>
-              <a:t> </a:t>
-            </a:r>
-            <a:r>
-              <a:rPr lang="de-DE" dirty="0" err="1"/>
-              <a:t>are</a:t>
-            </a:r>
-            <a:r>
-              <a:rPr lang="de-DE" dirty="0"/>
-              <a:t> </a:t>
-            </a:r>
-            <a:r>
-              <a:rPr lang="de-DE" dirty="0" err="1"/>
-              <a:t>only</a:t>
-            </a:r>
-            <a:r>
-              <a:rPr lang="de-DE" dirty="0"/>
-              <a:t> </a:t>
-            </a:r>
-            <a:r>
-              <a:rPr lang="de-DE" dirty="0" err="1"/>
-              <a:t>interested</a:t>
-            </a:r>
-            <a:r>
-              <a:rPr lang="de-DE" dirty="0"/>
-              <a:t> in partial </a:t>
-            </a:r>
-            <a:r>
-              <a:rPr lang="de-DE" dirty="0" err="1"/>
-              <a:t>correctness</a:t>
-            </a:r>
-            <a:r>
-              <a:rPr lang="de-DE" dirty="0"/>
-              <a:t> (</a:t>
-            </a:r>
-            <a:r>
-              <a:rPr lang="de-DE" dirty="0" err="1"/>
-              <a:t>there</a:t>
-            </a:r>
-            <a:r>
-              <a:rPr lang="de-DE" dirty="0"/>
-              <a:t> </a:t>
-            </a:r>
-            <a:r>
-              <a:rPr lang="de-DE" dirty="0" err="1"/>
-              <a:t>is</a:t>
-            </a:r>
-            <a:r>
-              <a:rPr lang="de-DE" dirty="0"/>
-              <a:t> a </a:t>
-            </a:r>
-            <a:r>
-              <a:rPr lang="de-DE" dirty="0" err="1"/>
-              <a:t>termination</a:t>
-            </a:r>
-            <a:r>
-              <a:rPr lang="de-DE" dirty="0"/>
-              <a:t> </a:t>
-            </a:r>
-            <a:r>
-              <a:rPr lang="de-DE" dirty="0" err="1"/>
-              <a:t>proof</a:t>
-            </a:r>
-            <a:r>
-              <a:rPr lang="de-DE" dirty="0"/>
-              <a:t> due </a:t>
-            </a:r>
-            <a:r>
-              <a:rPr lang="de-DE" dirty="0" err="1"/>
-              <a:t>to</a:t>
-            </a:r>
-            <a:r>
-              <a:rPr lang="de-DE" dirty="0"/>
-              <a:t> </a:t>
-            </a:r>
-            <a:r>
-              <a:rPr lang="de-DE" dirty="0" err="1"/>
-              <a:t>Brzozowski</a:t>
-            </a:r>
-            <a:r>
-              <a:rPr lang="de-DE" dirty="0"/>
-              <a:t>, but </a:t>
-            </a:r>
-            <a:r>
-              <a:rPr lang="de-DE" dirty="0" err="1"/>
-              <a:t>there</a:t>
-            </a:r>
-            <a:r>
-              <a:rPr lang="de-DE" dirty="0"/>
-              <a:t> </a:t>
-            </a:r>
-            <a:r>
-              <a:rPr lang="de-DE" dirty="0" err="1"/>
-              <a:t>is</a:t>
-            </a:r>
-            <a:r>
-              <a:rPr lang="de-DE" dirty="0"/>
-              <a:t> </a:t>
-            </a:r>
-            <a:r>
-              <a:rPr lang="de-DE" dirty="0" err="1"/>
-              <a:t>no</a:t>
-            </a:r>
-            <a:r>
-              <a:rPr lang="de-DE" dirty="0"/>
-              <a:t> </a:t>
-            </a:r>
-            <a:r>
-              <a:rPr lang="de-DE" dirty="0" err="1"/>
-              <a:t>need</a:t>
-            </a:r>
-            <a:endParaRPr lang="de-DE" dirty="0"/>
-          </a:p>
-          <a:p>
-            <a:endParaRPr lang="de-DE" dirty="0"/>
-          </a:p>
-          <a:p>
-            <a:endParaRPr lang="de-DE" dirty="0"/>
+            <a:endParaRPr lang="en-US" dirty="0"/>
           </a:p>
         </p:txBody>
       </p:sp>
@@ -2226,7 +1974,7 @@
     </p:spTree>
     <p:extLst>
       <p:ext uri="{BB962C8B-B14F-4D97-AF65-F5344CB8AC3E}">
-        <p14:creationId xmlns:p14="http://schemas.microsoft.com/office/powerpoint/2010/main" val="3470285170"/>
+        <p14:creationId xmlns:p14="http://schemas.microsoft.com/office/powerpoint/2010/main" val="199532804"/>
       </p:ext>
     </p:extLst>
   </p:cSld>
@@ -2280,19 +2028,7 @@
           <a:bodyPr/>
           <a:lstStyle/>
           <a:p>
-            <a:r>
-              <a:rPr lang="en-US" dirty="0"/>
-              <a:t>_Derivatives_</a:t>
-            </a:r>
-          </a:p>
-          <a:p>
             <a:endParaRPr lang="en-US" dirty="0"/>
-          </a:p>
-          <a:p>
-            <a:r>
-              <a:rPr lang="en-US" dirty="0"/>
-              <a:t>if a representation is finite, we can at least hope to be able to construct it.</a:t>
-            </a:r>
           </a:p>
         </p:txBody>
       </p:sp>
@@ -2322,7 +2058,7 @@
     </p:spTree>
     <p:extLst>
       <p:ext uri="{BB962C8B-B14F-4D97-AF65-F5344CB8AC3E}">
-        <p14:creationId xmlns:p14="http://schemas.microsoft.com/office/powerpoint/2010/main" val="4070183969"/>
+        <p14:creationId xmlns:p14="http://schemas.microsoft.com/office/powerpoint/2010/main" val="3558965081"/>
       </p:ext>
     </p:extLst>
   </p:cSld>
@@ -2377,9 +2113,309 @@
           <a:lstStyle/>
           <a:p>
             <a:r>
-              <a:rPr lang="en-US" dirty="0"/>
-              <a:t>brackets &lt;…&gt; are constructors which produce a singleton RE ?</a:t>
-            </a:r>
+              <a:rPr lang="de-DE" dirty="0"/>
+              <a:t>1: </a:t>
+            </a:r>
+            <a:r>
+              <a:rPr lang="de-DE" dirty="0" err="1"/>
+              <a:t>which</a:t>
+            </a:r>
+            <a:r>
+              <a:rPr lang="de-DE" dirty="0"/>
+              <a:t> </a:t>
+            </a:r>
+            <a:r>
+              <a:rPr lang="de-DE" dirty="0" err="1"/>
+              <a:t>makes</a:t>
+            </a:r>
+            <a:r>
+              <a:rPr lang="de-DE" dirty="0"/>
+              <a:t> </a:t>
+            </a:r>
+            <a:r>
+              <a:rPr lang="de-DE" dirty="0" err="1"/>
+              <a:t>this</a:t>
+            </a:r>
+            <a:r>
+              <a:rPr lang="de-DE" dirty="0"/>
+              <a:t> </a:t>
+            </a:r>
+            <a:r>
+              <a:rPr lang="de-DE" dirty="0" err="1"/>
+              <a:t>usable</a:t>
+            </a:r>
+            <a:r>
+              <a:rPr lang="de-DE" dirty="0"/>
+              <a:t> </a:t>
+            </a:r>
+            <a:r>
+              <a:rPr lang="de-DE" dirty="0" err="1"/>
+              <a:t>as</a:t>
+            </a:r>
+            <a:r>
+              <a:rPr lang="de-DE" dirty="0"/>
+              <a:t> an Isabelle </a:t>
+            </a:r>
+            <a:r>
+              <a:rPr lang="de-DE" dirty="0" err="1"/>
+              <a:t>proof</a:t>
+            </a:r>
+            <a:r>
+              <a:rPr lang="de-DE" dirty="0"/>
+              <a:t> </a:t>
+            </a:r>
+            <a:r>
+              <a:rPr lang="de-DE" dirty="0" err="1"/>
+              <a:t>command</a:t>
+            </a:r>
+            <a:endParaRPr lang="de-DE" dirty="0"/>
+          </a:p>
+          <a:p>
+            <a:r>
+              <a:rPr lang="de-DE" dirty="0" err="1"/>
+              <a:t>todo</a:t>
+            </a:r>
+            <a:r>
+              <a:rPr lang="de-DE" dirty="0"/>
+              <a:t>: </a:t>
+            </a:r>
+            <a:r>
+              <a:rPr lang="de-DE" dirty="0" err="1"/>
+              <a:t>Example</a:t>
+            </a:r>
+            <a:r>
+              <a:rPr lang="de-DE" dirty="0"/>
+              <a:t>?</a:t>
+            </a:r>
+          </a:p>
+          <a:p>
+            <a:r>
+              <a:rPr lang="de-DE" dirty="0"/>
+              <a:t>3: The last </a:t>
+            </a:r>
+            <a:r>
+              <a:rPr lang="de-DE" dirty="0" err="1"/>
+              <a:t>requirement</a:t>
+            </a:r>
+            <a:r>
+              <a:rPr lang="de-DE" dirty="0"/>
+              <a:t> </a:t>
+            </a:r>
+            <a:r>
+              <a:rPr lang="de-DE" dirty="0" err="1"/>
+              <a:t>comes</a:t>
+            </a:r>
+            <a:r>
+              <a:rPr lang="de-DE" dirty="0"/>
+              <a:t> at a </a:t>
+            </a:r>
+            <a:r>
+              <a:rPr lang="de-DE" dirty="0" err="1"/>
+              <a:t>price</a:t>
+            </a:r>
+            <a:r>
+              <a:rPr lang="de-DE" dirty="0"/>
+              <a:t>: </a:t>
+            </a:r>
+            <a:r>
+              <a:rPr lang="de-DE" dirty="0" err="1"/>
+              <a:t>the</a:t>
+            </a:r>
+            <a:r>
+              <a:rPr lang="de-DE" dirty="0"/>
+              <a:t> </a:t>
+            </a:r>
+            <a:r>
+              <a:rPr lang="de-DE" dirty="0" err="1"/>
+              <a:t>algorithm</a:t>
+            </a:r>
+            <a:r>
+              <a:rPr lang="de-DE" dirty="0"/>
+              <a:t> </a:t>
+            </a:r>
+            <a:r>
+              <a:rPr lang="de-DE" dirty="0" err="1"/>
+              <a:t>won‘t</a:t>
+            </a:r>
+            <a:r>
+              <a:rPr lang="de-DE" dirty="0"/>
+              <a:t> </a:t>
+            </a:r>
+            <a:r>
+              <a:rPr lang="de-DE" dirty="0" err="1"/>
+              <a:t>have</a:t>
+            </a:r>
+            <a:r>
+              <a:rPr lang="de-DE" dirty="0"/>
+              <a:t> an optimal </a:t>
+            </a:r>
+            <a:r>
+              <a:rPr lang="de-DE" dirty="0" err="1"/>
+              <a:t>performance</a:t>
+            </a:r>
+            <a:r>
+              <a:rPr lang="de-DE" dirty="0"/>
+              <a:t> in </a:t>
+            </a:r>
+            <a:r>
+              <a:rPr lang="de-DE" dirty="0" err="1"/>
+              <a:t>terms</a:t>
+            </a:r>
+            <a:r>
+              <a:rPr lang="de-DE" dirty="0"/>
+              <a:t> </a:t>
+            </a:r>
+            <a:r>
+              <a:rPr lang="de-DE" dirty="0" err="1"/>
+              <a:t>of</a:t>
+            </a:r>
+            <a:r>
+              <a:rPr lang="de-DE" dirty="0"/>
+              <a:t> </a:t>
+            </a:r>
+            <a:r>
+              <a:rPr lang="de-DE" dirty="0" err="1"/>
+              <a:t>complexity</a:t>
+            </a:r>
+            <a:r>
+              <a:rPr lang="de-DE" dirty="0"/>
+              <a:t> </a:t>
+            </a:r>
+            <a:r>
+              <a:rPr lang="de-DE" dirty="0" err="1"/>
+              <a:t>classes</a:t>
+            </a:r>
+            <a:endParaRPr lang="de-DE" dirty="0"/>
+          </a:p>
+          <a:p>
+            <a:endParaRPr lang="de-DE" dirty="0"/>
+          </a:p>
+          <a:p>
+            <a:r>
+              <a:rPr lang="de-DE" dirty="0" err="1"/>
+              <a:t>Implications</a:t>
+            </a:r>
+            <a:r>
+              <a:rPr lang="de-DE" dirty="0"/>
+              <a:t> </a:t>
+            </a:r>
+            <a:r>
+              <a:rPr lang="de-DE" dirty="0" err="1"/>
+              <a:t>for</a:t>
+            </a:r>
+            <a:r>
+              <a:rPr lang="de-DE" dirty="0"/>
+              <a:t> </a:t>
+            </a:r>
+            <a:r>
+              <a:rPr lang="de-DE" dirty="0" err="1"/>
+              <a:t>the</a:t>
+            </a:r>
+            <a:r>
+              <a:rPr lang="de-DE" dirty="0"/>
+              <a:t> design: </a:t>
+            </a:r>
+            <a:r>
+              <a:rPr lang="de-DE" dirty="0" err="1"/>
+              <a:t>We</a:t>
+            </a:r>
+            <a:r>
+              <a:rPr lang="de-DE" dirty="0"/>
+              <a:t> </a:t>
+            </a:r>
+            <a:r>
+              <a:rPr lang="de-DE" dirty="0" err="1"/>
+              <a:t>are</a:t>
+            </a:r>
+            <a:r>
+              <a:rPr lang="de-DE" dirty="0"/>
+              <a:t> </a:t>
+            </a:r>
+            <a:r>
+              <a:rPr lang="de-DE" dirty="0" err="1"/>
+              <a:t>only</a:t>
+            </a:r>
+            <a:r>
+              <a:rPr lang="de-DE" dirty="0"/>
+              <a:t> </a:t>
+            </a:r>
+            <a:r>
+              <a:rPr lang="de-DE" dirty="0" err="1"/>
+              <a:t>interested</a:t>
+            </a:r>
+            <a:r>
+              <a:rPr lang="de-DE" dirty="0"/>
+              <a:t> in </a:t>
+            </a:r>
+            <a:r>
+              <a:rPr lang="de-DE" dirty="0" err="1"/>
+              <a:t>verfying</a:t>
+            </a:r>
+            <a:r>
+              <a:rPr lang="de-DE" dirty="0"/>
+              <a:t> partial </a:t>
+            </a:r>
+            <a:r>
+              <a:rPr lang="de-DE" dirty="0" err="1"/>
+              <a:t>correctness</a:t>
+            </a:r>
+            <a:r>
+              <a:rPr lang="de-DE" dirty="0"/>
+              <a:t>, </a:t>
+            </a:r>
+            <a:r>
+              <a:rPr lang="de-DE" dirty="0" err="1"/>
+              <a:t>for</a:t>
+            </a:r>
+            <a:r>
+              <a:rPr lang="de-DE" dirty="0"/>
+              <a:t> </a:t>
+            </a:r>
+            <a:r>
+              <a:rPr lang="de-DE" dirty="0" err="1"/>
+              <a:t>the</a:t>
+            </a:r>
+            <a:r>
+              <a:rPr lang="de-DE" dirty="0"/>
+              <a:t> </a:t>
+            </a:r>
+            <a:r>
+              <a:rPr lang="de-DE" dirty="0" err="1"/>
+              <a:t>termination</a:t>
+            </a:r>
+            <a:r>
+              <a:rPr lang="de-DE" dirty="0"/>
+              <a:t> </a:t>
+            </a:r>
+            <a:r>
+              <a:rPr lang="de-DE" dirty="0" err="1"/>
+              <a:t>we</a:t>
+            </a:r>
+            <a:r>
+              <a:rPr lang="de-DE" dirty="0"/>
+              <a:t> </a:t>
+            </a:r>
+            <a:r>
+              <a:rPr lang="de-DE" dirty="0" err="1"/>
+              <a:t>are</a:t>
+            </a:r>
+            <a:r>
+              <a:rPr lang="de-DE" dirty="0"/>
+              <a:t> happy </a:t>
+            </a:r>
+            <a:r>
+              <a:rPr lang="de-DE" dirty="0" err="1"/>
+              <a:t>with</a:t>
+            </a:r>
+            <a:r>
+              <a:rPr lang="de-DE" dirty="0"/>
+              <a:t> an informal </a:t>
+            </a:r>
+            <a:r>
+              <a:rPr lang="de-DE" dirty="0" err="1"/>
+              <a:t>proof</a:t>
+            </a:r>
+            <a:endParaRPr lang="de-DE" dirty="0"/>
           </a:p>
         </p:txBody>
       </p:sp>
@@ -2409,7 +2445,7 @@
     </p:spTree>
     <p:extLst>
       <p:ext uri="{BB962C8B-B14F-4D97-AF65-F5344CB8AC3E}">
-        <p14:creationId xmlns:p14="http://schemas.microsoft.com/office/powerpoint/2010/main" val="199532804"/>
+        <p14:creationId xmlns:p14="http://schemas.microsoft.com/office/powerpoint/2010/main" val="3470285170"/>
       </p:ext>
     </p:extLst>
   </p:cSld>
@@ -9618,318 +9654,6 @@
           <p:cNvPr id="2" name="Titel 1">
             <a:extLst>
               <a:ext uri="{FF2B5EF4-FFF2-40B4-BE49-F238E27FC236}">
-                <a16:creationId xmlns:a16="http://schemas.microsoft.com/office/drawing/2014/main" id="{A929FFEB-97F9-4AAE-81C1-11B5DC6850B7}"/>
-              </a:ext>
-            </a:extLst>
-          </p:cNvPr>
-          <p:cNvSpPr>
-            <a:spLocks noGrp="1"/>
-          </p:cNvSpPr>
-          <p:nvPr>
-            <p:ph type="title"/>
-          </p:nvPr>
-        </p:nvSpPr>
-        <p:spPr/>
-        <p:txBody>
-          <a:bodyPr/>
-          <a:lstStyle/>
-          <a:p>
-            <a:r>
-              <a:rPr lang="en-US" dirty="0"/>
-              <a:t>The textbook method</a:t>
-            </a:r>
-          </a:p>
-        </p:txBody>
-      </p:sp>
-      <p:sp>
-        <p:nvSpPr>
-          <p:cNvPr id="3" name="Inhaltsplatzhalter 2">
-            <a:extLst>
-              <a:ext uri="{FF2B5EF4-FFF2-40B4-BE49-F238E27FC236}">
-                <a16:creationId xmlns:a16="http://schemas.microsoft.com/office/drawing/2014/main" id="{CB6452AB-3B3D-4DAE-9DC0-92C5D524D106}"/>
-              </a:ext>
-            </a:extLst>
-          </p:cNvPr>
-          <p:cNvSpPr>
-            <a:spLocks noGrp="1"/>
-          </p:cNvSpPr>
-          <p:nvPr>
-            <p:ph idx="1"/>
-          </p:nvPr>
-        </p:nvSpPr>
-        <p:spPr/>
-        <p:txBody>
-          <a:bodyPr>
-            <a:normAutofit fontScale="92500" lnSpcReduction="10000"/>
-          </a:bodyPr>
-          <a:lstStyle/>
-          <a:p>
-            <a:pPr marL="0" indent="0">
-              <a:buNone/>
-            </a:pPr>
-            <a:r>
-              <a:rPr lang="en-US" dirty="0"/>
-              <a:t>The usual proof of decidability is also the only algorithm most textbooks give:</a:t>
-            </a:r>
-          </a:p>
-          <a:p>
-            <a:pPr marL="514350" indent="-514350">
-              <a:buAutoNum type="arabicPeriod"/>
-            </a:pPr>
-            <a:endParaRPr lang="en-US" dirty="0"/>
-          </a:p>
-          <a:p>
-            <a:pPr marL="514350" indent="-514350">
-              <a:buAutoNum type="arabicPeriod"/>
-            </a:pPr>
-            <a:r>
-              <a:rPr lang="en-US" dirty="0"/>
-              <a:t>construct NFAs from the REs</a:t>
-            </a:r>
-          </a:p>
-          <a:p>
-            <a:pPr marL="514350" indent="-514350">
-              <a:buAutoNum type="arabicPeriod"/>
-            </a:pPr>
-            <a:r>
-              <a:rPr lang="en-US" dirty="0"/>
-              <a:t>convert the NFAs to DFAs</a:t>
-            </a:r>
-          </a:p>
-          <a:p>
-            <a:pPr marL="514350" indent="-514350">
-              <a:buFont typeface="Arial" panose="020B0604020202020204" pitchFamily="34" charset="0"/>
-              <a:buAutoNum type="arabicPeriod"/>
-            </a:pPr>
-            <a:r>
-              <a:rPr lang="en-US" dirty="0"/>
-              <a:t>minimize the DFAs</a:t>
-            </a:r>
-          </a:p>
-          <a:p>
-            <a:pPr marL="0" indent="0">
-              <a:buNone/>
-            </a:pPr>
-            <a:endParaRPr lang="en-US" dirty="0"/>
-          </a:p>
-          <a:p>
-            <a:pPr marL="0" indent="0">
-              <a:buNone/>
-            </a:pPr>
-            <a:r>
-              <a:rPr lang="en-US" dirty="0"/>
-              <a:t>For each step, we would have to</a:t>
-            </a:r>
-          </a:p>
-          <a:p>
-            <a:r>
-              <a:rPr lang="en-US" dirty="0"/>
-              <a:t>express the algorithm</a:t>
-            </a:r>
-          </a:p>
-          <a:p>
-            <a:r>
-              <a:rPr lang="en-US" dirty="0"/>
-              <a:t>prove that the represented language does not change</a:t>
-            </a:r>
-          </a:p>
-        </p:txBody>
-      </p:sp>
-    </p:spTree>
-    <p:extLst>
-      <p:ext uri="{BB962C8B-B14F-4D97-AF65-F5344CB8AC3E}">
-        <p14:creationId xmlns:p14="http://schemas.microsoft.com/office/powerpoint/2010/main" val="4220785108"/>
-      </p:ext>
-    </p:extLst>
-  </p:cSld>
-  <p:clrMapOvr>
-    <a:masterClrMapping/>
-  </p:clrMapOvr>
-</p:sld>
-</file>
-
-<file path=ppt/slides/slide3.xml><?xml version="1.0" encoding="utf-8"?>
-<p:sld xmlns:a="http://schemas.openxmlformats.org/drawingml/2006/main" xmlns:r="http://schemas.openxmlformats.org/officeDocument/2006/relationships" xmlns:p="http://schemas.openxmlformats.org/presentationml/2006/main">
-  <p:cSld>
-    <p:spTree>
-      <p:nvGrpSpPr>
-        <p:cNvPr id="1" name=""/>
-        <p:cNvGrpSpPr/>
-        <p:nvPr/>
-      </p:nvGrpSpPr>
-      <p:grpSpPr>
-        <a:xfrm>
-          <a:off x="0" y="0"/>
-          <a:ext cx="0" cy="0"/>
-          <a:chOff x="0" y="0"/>
-          <a:chExt cx="0" cy="0"/>
-        </a:xfrm>
-      </p:grpSpPr>
-      <p:sp>
-        <p:nvSpPr>
-          <p:cNvPr id="2" name="Titel 1">
-            <a:extLst>
-              <a:ext uri="{FF2B5EF4-FFF2-40B4-BE49-F238E27FC236}">
-                <a16:creationId xmlns:a16="http://schemas.microsoft.com/office/drawing/2014/main" id="{D687039E-D857-4819-A0AF-66C289321C24}"/>
-              </a:ext>
-            </a:extLst>
-          </p:cNvPr>
-          <p:cNvSpPr>
-            <a:spLocks noGrp="1"/>
-          </p:cNvSpPr>
-          <p:nvPr>
-            <p:ph type="title"/>
-          </p:nvPr>
-        </p:nvSpPr>
-        <p:spPr/>
-        <p:txBody>
-          <a:bodyPr/>
-          <a:lstStyle/>
-          <a:p>
-            <a:r>
-              <a:rPr lang="en-US" noProof="0" dirty="0"/>
-              <a:t>Goal</a:t>
-            </a:r>
-          </a:p>
-        </p:txBody>
-      </p:sp>
-      <p:sp>
-        <p:nvSpPr>
-          <p:cNvPr id="3" name="Inhaltsplatzhalter 2">
-            <a:extLst>
-              <a:ext uri="{FF2B5EF4-FFF2-40B4-BE49-F238E27FC236}">
-                <a16:creationId xmlns:a16="http://schemas.microsoft.com/office/drawing/2014/main" id="{C95D1B8B-E55A-4F95-9AE9-92A2E2BEC866}"/>
-              </a:ext>
-            </a:extLst>
-          </p:cNvPr>
-          <p:cNvSpPr>
-            <a:spLocks noGrp="1"/>
-          </p:cNvSpPr>
-          <p:nvPr>
-            <p:ph idx="1"/>
-          </p:nvPr>
-        </p:nvSpPr>
-        <p:spPr>
-          <a:xfrm>
-            <a:off x="838200" y="1864702"/>
-            <a:ext cx="10515600" cy="4351338"/>
-          </a:xfrm>
-        </p:spPr>
-        <p:txBody>
-          <a:bodyPr/>
-          <a:lstStyle/>
-          <a:p>
-            <a:pPr marL="0" indent="0">
-              <a:buNone/>
-            </a:pPr>
-            <a:r>
-              <a:rPr lang="en-US" dirty="0"/>
-              <a:t>equivalence</a:t>
-            </a:r>
-            <a:r>
-              <a:rPr lang="en-US" noProof="0" dirty="0"/>
-              <a:t> checker for regular expressions which is</a:t>
-            </a:r>
-          </a:p>
-          <a:p>
-            <a:r>
-              <a:rPr lang="en-US" i="1" dirty="0"/>
-              <a:t>a</a:t>
-            </a:r>
-            <a:r>
-              <a:rPr lang="en-US" i="1" noProof="0" dirty="0" err="1"/>
-              <a:t>utomatic</a:t>
-            </a:r>
-            <a:r>
-              <a:rPr lang="en-US" noProof="0" dirty="0"/>
-              <a:t>: without user interaction</a:t>
-            </a:r>
-          </a:p>
-          <a:p>
-            <a:r>
-              <a:rPr lang="en-US" i="1" noProof="0" dirty="0"/>
-              <a:t>complete</a:t>
-            </a:r>
-            <a:r>
-              <a:rPr lang="en-US" noProof="0" dirty="0"/>
-              <a:t>: if </a:t>
-            </a:r>
-            <a:r>
-              <a:rPr lang="en-US" i="1" dirty="0"/>
-              <a:t>r ≡ s</a:t>
-            </a:r>
-            <a:r>
-              <a:rPr lang="en-US" dirty="0"/>
-              <a:t>, the method should prove it</a:t>
-            </a:r>
-            <a:endParaRPr lang="en-US" i="1" noProof="0" dirty="0"/>
-          </a:p>
-          <a:p>
-            <a:r>
-              <a:rPr lang="en-US" dirty="0"/>
-              <a:t>elegant, i.e. easy to prove correct</a:t>
-            </a:r>
-          </a:p>
-          <a:p>
-            <a:endParaRPr lang="en-US" noProof="0" dirty="0"/>
-          </a:p>
-          <a:p>
-            <a:endParaRPr lang="en-US" dirty="0"/>
-          </a:p>
-          <a:p>
-            <a:pPr marL="0" indent="0">
-              <a:buNone/>
-            </a:pPr>
-            <a:r>
-              <a:rPr lang="en-US" noProof="0" dirty="0"/>
-              <a:t>… for an </a:t>
-            </a:r>
-            <a:r>
-              <a:rPr lang="en-US" noProof="0" dirty="0">
-                <a:solidFill>
-                  <a:srgbClr val="C00000"/>
-                </a:solidFill>
-              </a:rPr>
-              <a:t>Isabelle proof method</a:t>
-            </a:r>
-          </a:p>
-        </p:txBody>
-      </p:sp>
-    </p:spTree>
-    <p:extLst>
-      <p:ext uri="{BB962C8B-B14F-4D97-AF65-F5344CB8AC3E}">
-        <p14:creationId xmlns:p14="http://schemas.microsoft.com/office/powerpoint/2010/main" val="2346521388"/>
-      </p:ext>
-    </p:extLst>
-  </p:cSld>
-  <p:clrMapOvr>
-    <a:masterClrMapping/>
-  </p:clrMapOvr>
-</p:sld>
-</file>
-
-<file path=ppt/slides/slide4.xml><?xml version="1.0" encoding="utf-8"?>
-<p:sld xmlns:a="http://schemas.openxmlformats.org/drawingml/2006/main" xmlns:r="http://schemas.openxmlformats.org/officeDocument/2006/relationships" xmlns:p="http://schemas.openxmlformats.org/presentationml/2006/main">
-  <p:cSld>
-    <p:spTree>
-      <p:nvGrpSpPr>
-        <p:cNvPr id="1" name=""/>
-        <p:cNvGrpSpPr/>
-        <p:nvPr/>
-      </p:nvGrpSpPr>
-      <p:grpSpPr>
-        <a:xfrm>
-          <a:off x="0" y="0"/>
-          <a:ext cx="0" cy="0"/>
-          <a:chOff x="0" y="0"/>
-          <a:chExt cx="0" cy="0"/>
-        </a:xfrm>
-      </p:grpSpPr>
-      <p:sp>
-        <p:nvSpPr>
-          <p:cNvPr id="2" name="Titel 1">
-            <a:extLst>
-              <a:ext uri="{FF2B5EF4-FFF2-40B4-BE49-F238E27FC236}">
                 <a16:creationId xmlns:a16="http://schemas.microsoft.com/office/drawing/2014/main" id="{687B1AB8-90E5-4186-AA81-A93103CBA37B}"/>
               </a:ext>
             </a:extLst>
@@ -9953,8 +9677,8 @@
           </a:p>
         </p:txBody>
       </p:sp>
-      <mc:AlternateContent xmlns:mc="http://schemas.openxmlformats.org/markup-compatibility/2006" xmlns:a14="http://schemas.microsoft.com/office/drawing/2010/main">
-        <mc:Choice Requires="a14">
+      <mc:AlternateContent xmlns:mc="http://schemas.openxmlformats.org/markup-compatibility/2006">
+        <mc:Choice xmlns:a14="http://schemas.microsoft.com/office/drawing/2010/main" Requires="a14">
           <p:sp>
             <p:nvSpPr>
               <p:cNvPr id="3" name="Inhaltsplatzhalter 2">
@@ -9990,7 +9714,7 @@
               <a:p>
                 <a:r>
                   <a:rPr lang="en-US" dirty="0"/>
-                  <a:t>Derivative-Language:</a:t>
+                  <a:t>Derivative-Language w.r.t. an atom :</a:t>
                 </a:r>
               </a:p>
               <a:p>
@@ -10089,14 +9813,14 @@
                   <a:rPr lang="en-US" dirty="0">
                     <a:sym typeface="Wingdings" panose="05000000000000000000" pitchFamily="2" charset="2"/>
                   </a:rPr>
-                  <a:t> represent them by regular expressions (REs)</a:t>
+                  <a:t> ⟶ represent them by regular expressions (REs)</a:t>
                 </a:r>
                 <a:endParaRPr lang="en-US" dirty="0"/>
               </a:p>
             </p:txBody>
           </p:sp>
         </mc:Choice>
-        <mc:Fallback xmlns="">
+        <mc:Fallback>
           <p:sp>
             <p:nvSpPr>
               <p:cNvPr id="3" name="Inhaltsplatzhalter 2">
@@ -10149,6 +9873,532 @@
 </p:sld>
 </file>
 
+<file path=ppt/slides/slide3.xml><?xml version="1.0" encoding="utf-8"?>
+<p:sld xmlns:a="http://schemas.openxmlformats.org/drawingml/2006/main" xmlns:r="http://schemas.openxmlformats.org/officeDocument/2006/relationships" xmlns:p="http://schemas.openxmlformats.org/presentationml/2006/main">
+  <p:cSld>
+    <p:spTree>
+      <p:nvGrpSpPr>
+        <p:cNvPr id="1" name=""/>
+        <p:cNvGrpSpPr/>
+        <p:nvPr/>
+      </p:nvGrpSpPr>
+      <p:grpSpPr>
+        <a:xfrm>
+          <a:off x="0" y="0"/>
+          <a:ext cx="0" cy="0"/>
+          <a:chOff x="0" y="0"/>
+          <a:chExt cx="0" cy="0"/>
+        </a:xfrm>
+      </p:grpSpPr>
+      <p:sp>
+        <p:nvSpPr>
+          <p:cNvPr id="2" name="Titel 1">
+            <a:extLst>
+              <a:ext uri="{FF2B5EF4-FFF2-40B4-BE49-F238E27FC236}">
+                <a16:creationId xmlns:a16="http://schemas.microsoft.com/office/drawing/2014/main" id="{67E4C615-DCC8-406C-8116-2FE0121ECEC8}"/>
+              </a:ext>
+            </a:extLst>
+          </p:cNvPr>
+          <p:cNvSpPr>
+            <a:spLocks noGrp="1"/>
+          </p:cNvSpPr>
+          <p:nvPr>
+            <p:ph type="title"/>
+          </p:nvPr>
+        </p:nvSpPr>
+        <p:spPr/>
+        <p:txBody>
+          <a:bodyPr/>
+          <a:lstStyle/>
+          <a:p>
+            <a:r>
+              <a:rPr lang="en-US" dirty="0"/>
+              <a:t>Regular Expressions</a:t>
+            </a:r>
+          </a:p>
+        </p:txBody>
+      </p:sp>
+      <mc:AlternateContent xmlns:mc="http://schemas.openxmlformats.org/markup-compatibility/2006">
+        <mc:Choice xmlns:a14="http://schemas.microsoft.com/office/drawing/2010/main" Requires="a14">
+          <p:sp>
+            <p:nvSpPr>
+              <p:cNvPr id="3" name="Inhaltsplatzhalter 2">
+                <a:extLst>
+                  <a:ext uri="{FF2B5EF4-FFF2-40B4-BE49-F238E27FC236}">
+                    <a16:creationId xmlns:a16="http://schemas.microsoft.com/office/drawing/2014/main" id="{51919B38-44CA-465B-BAD0-5F60F70A25FB}"/>
+                  </a:ext>
+                </a:extLst>
+              </p:cNvPr>
+              <p:cNvSpPr>
+                <a:spLocks noGrp="1"/>
+              </p:cNvSpPr>
+              <p:nvPr>
+                <p:ph idx="1"/>
+              </p:nvPr>
+            </p:nvSpPr>
+            <p:spPr/>
+            <p:txBody>
+              <a:bodyPr>
+                <a:normAutofit lnSpcReduction="10000"/>
+              </a:bodyPr>
+              <a:lstStyle/>
+              <a:p>
+                <a:pPr marL="0" indent="0">
+                  <a:buNone/>
+                </a:pPr>
+                <a:r>
+                  <a:rPr lang="pt-BR" i="1" dirty="0">
+                    <a:latin typeface="Cambria Math" panose="02040503050406030204" pitchFamily="18" charset="0"/>
+                    <a:ea typeface="Cambria Math" panose="02040503050406030204" pitchFamily="18" charset="0"/>
+                  </a:rPr>
+                  <a:t>	L(</a:t>
+                </a:r>
+                <a:r>
+                  <a:rPr lang="pt-BR" b="1" i="1" dirty="0">
+                    <a:latin typeface="Cambria Math" panose="02040503050406030204" pitchFamily="18" charset="0"/>
+                    <a:ea typeface="Cambria Math" panose="02040503050406030204" pitchFamily="18" charset="0"/>
+                  </a:rPr>
+                  <a:t>∅</a:t>
+                </a:r>
+                <a:r>
+                  <a:rPr lang="pt-BR" i="1" dirty="0">
+                    <a:latin typeface="Cambria Math" panose="02040503050406030204" pitchFamily="18" charset="0"/>
+                    <a:ea typeface="Cambria Math" panose="02040503050406030204" pitchFamily="18" charset="0"/>
+                  </a:rPr>
+                  <a:t>) = ∅</a:t>
+                </a:r>
+              </a:p>
+              <a:p>
+                <a:pPr marL="0" indent="0">
+                  <a:buNone/>
+                </a:pPr>
+                <a:r>
+                  <a:rPr lang="pt-BR" i="1" dirty="0">
+                    <a:latin typeface="Cambria Math" panose="02040503050406030204" pitchFamily="18" charset="0"/>
+                    <a:ea typeface="Cambria Math" panose="02040503050406030204" pitchFamily="18" charset="0"/>
+                  </a:rPr>
+                  <a:t>	L(</a:t>
+                </a:r>
+                <a:r>
+                  <a:rPr lang="el-GR" i="1" dirty="0">
+                    <a:latin typeface="Cambria Math" panose="02040503050406030204" pitchFamily="18" charset="0"/>
+                    <a:ea typeface="Cambria Math" panose="02040503050406030204" pitchFamily="18" charset="0"/>
+                  </a:rPr>
+                  <a:t>ε</a:t>
+                </a:r>
+                <a:r>
+                  <a:rPr lang="de-DE" i="1" dirty="0">
+                    <a:latin typeface="Cambria Math" panose="02040503050406030204" pitchFamily="18" charset="0"/>
+                    <a:ea typeface="Cambria Math" panose="02040503050406030204" pitchFamily="18" charset="0"/>
+                  </a:rPr>
+                  <a:t>)</a:t>
+                </a:r>
+                <a:r>
+                  <a:rPr lang="el-GR" i="1" dirty="0">
+                    <a:latin typeface="Cambria Math" panose="02040503050406030204" pitchFamily="18" charset="0"/>
+                    <a:ea typeface="Cambria Math" panose="02040503050406030204" pitchFamily="18" charset="0"/>
+                  </a:rPr>
+                  <a:t> = {[]}</a:t>
+                </a:r>
+                <a:endParaRPr lang="pt-BR" i="1" dirty="0">
+                  <a:latin typeface="Cambria Math" panose="02040503050406030204" pitchFamily="18" charset="0"/>
+                  <a:ea typeface="Cambria Math" panose="02040503050406030204" pitchFamily="18" charset="0"/>
+                </a:endParaRPr>
+              </a:p>
+              <a:p>
+                <a:pPr marL="0" indent="0">
+                  <a:buNone/>
+                </a:pPr>
+                <a:r>
+                  <a:rPr lang="pt-BR" i="1" dirty="0">
+                    <a:latin typeface="Cambria Math" panose="02040503050406030204" pitchFamily="18" charset="0"/>
+                    <a:ea typeface="Cambria Math" panose="02040503050406030204" pitchFamily="18" charset="0"/>
+                  </a:rPr>
+                  <a:t>	L(a) = {[a]}</a:t>
+                </a:r>
+              </a:p>
+              <a:p>
+                <a:pPr marL="0" indent="0">
+                  <a:buNone/>
+                </a:pPr>
+                <a:r>
+                  <a:rPr lang="pt-BR" i="1" dirty="0">
+                    <a:latin typeface="Cambria Math" panose="02040503050406030204" pitchFamily="18" charset="0"/>
+                    <a:ea typeface="Cambria Math" panose="02040503050406030204" pitchFamily="18" charset="0"/>
+                  </a:rPr>
+                  <a:t>	L(r + s) = L(r) ∪ L(s)</a:t>
+                </a:r>
+              </a:p>
+              <a:p>
+                <a:pPr marL="0" indent="0">
+                  <a:buNone/>
+                </a:pPr>
+                <a:r>
+                  <a:rPr lang="pt-BR" i="1" dirty="0">
+                    <a:latin typeface="Cambria Math" panose="02040503050406030204" pitchFamily="18" charset="0"/>
+                    <a:ea typeface="Cambria Math" panose="02040503050406030204" pitchFamily="18" charset="0"/>
+                  </a:rPr>
+                  <a:t>	L(r · s) = L(r)L(s)</a:t>
+                </a:r>
+              </a:p>
+              <a:p>
+                <a:pPr marL="0" indent="0">
+                  <a:buNone/>
+                </a:pPr>
+                <a:r>
+                  <a:rPr lang="pt-BR" i="1" dirty="0">
+                    <a:latin typeface="Cambria Math" panose="02040503050406030204" pitchFamily="18" charset="0"/>
+                    <a:ea typeface="Cambria Math" panose="02040503050406030204" pitchFamily="18" charset="0"/>
+                  </a:rPr>
+                  <a:t>	L(r</a:t>
+                </a:r>
+                <a:r>
+                  <a:rPr lang="pt-BR" b="1" i="1" dirty="0">
+                    <a:latin typeface="Cambria Math" panose="02040503050406030204" pitchFamily="18" charset="0"/>
+                    <a:ea typeface="Cambria Math" panose="02040503050406030204" pitchFamily="18" charset="0"/>
+                  </a:rPr>
+                  <a:t>*</a:t>
+                </a:r>
+                <a:r>
+                  <a:rPr lang="pt-BR" i="1" dirty="0">
+                    <a:latin typeface="Cambria Math" panose="02040503050406030204" pitchFamily="18" charset="0"/>
+                    <a:ea typeface="Cambria Math" panose="02040503050406030204" pitchFamily="18" charset="0"/>
+                  </a:rPr>
+                  <a:t>) = (L(r))*</a:t>
+                </a:r>
+              </a:p>
+              <a:p>
+                <a:pPr marL="0" indent="0">
+                  <a:buNone/>
+                </a:pPr>
+                <a:endParaRPr lang="pt-BR" i="1" dirty="0">
+                  <a:latin typeface="Lucida Bright" panose="02040602050505020304" pitchFamily="18" charset="0"/>
+                </a:endParaRPr>
+              </a:p>
+              <a:p>
+                <a:pPr marL="0" indent="0">
+                  <a:buNone/>
+                </a:pPr>
+                <a:r>
+                  <a:rPr lang="pt-BR" i="1" dirty="0"/>
+                  <a:t>Equivalence problem:</a:t>
+                </a:r>
+              </a:p>
+              <a:p>
+                <a:pPr marL="0" indent="0">
+                  <a:buNone/>
+                </a:pPr>
+                <a:r>
+                  <a:rPr lang="pt-BR" i="1" dirty="0"/>
+                  <a:t>		Is </a:t>
+                </a:r>
+                <a:r>
+                  <a:rPr lang="pt-BR" i="1" dirty="0">
+                    <a:latin typeface="Cambria Math" panose="02040503050406030204" pitchFamily="18" charset="0"/>
+                    <a:ea typeface="Cambria Math" panose="02040503050406030204" pitchFamily="18" charset="0"/>
+                  </a:rPr>
+                  <a:t>L(</a:t>
+                </a:r>
+                <a14:m>
+                  <m:oMath xmlns:m="http://schemas.openxmlformats.org/officeDocument/2006/math">
+                    <m:sSub>
+                      <m:sSubPr>
+                        <m:ctrlPr>
+                          <a:rPr lang="pt-BR" i="1" smtClean="0">
+                            <a:latin typeface="Cambria Math" panose="02040503050406030204" pitchFamily="18" charset="0"/>
+                            <a:ea typeface="Cambria Math" panose="02040503050406030204" pitchFamily="18" charset="0"/>
+                          </a:rPr>
+                        </m:ctrlPr>
+                      </m:sSubPr>
+                      <m:e>
+                        <m:r>
+                          <a:rPr lang="de-DE" b="0" i="1" smtClean="0">
+                            <a:latin typeface="Cambria Math" panose="02040503050406030204" pitchFamily="18" charset="0"/>
+                            <a:ea typeface="Cambria Math" panose="02040503050406030204" pitchFamily="18" charset="0"/>
+                          </a:rPr>
+                          <m:t>𝑟</m:t>
+                        </m:r>
+                      </m:e>
+                      <m:sub>
+                        <m:r>
+                          <a:rPr lang="de-DE" b="0" i="1" smtClean="0">
+                            <a:latin typeface="Cambria Math" panose="02040503050406030204" pitchFamily="18" charset="0"/>
+                            <a:ea typeface="Cambria Math" panose="02040503050406030204" pitchFamily="18" charset="0"/>
+                          </a:rPr>
+                          <m:t>1</m:t>
+                        </m:r>
+                      </m:sub>
+                    </m:sSub>
+                  </m:oMath>
+                </a14:m>
+                <a:r>
+                  <a:rPr lang="pt-BR" i="1" dirty="0">
+                    <a:latin typeface="Cambria Math" panose="02040503050406030204" pitchFamily="18" charset="0"/>
+                    <a:ea typeface="Cambria Math" panose="02040503050406030204" pitchFamily="18" charset="0"/>
+                  </a:rPr>
+                  <a:t>) = L(</a:t>
+                </a:r>
+                <a14:m>
+                  <m:oMath xmlns:m="http://schemas.openxmlformats.org/officeDocument/2006/math">
+                    <m:sSub>
+                      <m:sSubPr>
+                        <m:ctrlPr>
+                          <a:rPr lang="pt-BR" i="1" smtClean="0">
+                            <a:latin typeface="Cambria Math" panose="02040503050406030204" pitchFamily="18" charset="0"/>
+                            <a:ea typeface="Cambria Math" panose="02040503050406030204" pitchFamily="18" charset="0"/>
+                          </a:rPr>
+                        </m:ctrlPr>
+                      </m:sSubPr>
+                      <m:e>
+                        <m:r>
+                          <a:rPr lang="de-DE" b="0" i="1" smtClean="0">
+                            <a:latin typeface="Cambria Math" panose="02040503050406030204" pitchFamily="18" charset="0"/>
+                            <a:ea typeface="Cambria Math" panose="02040503050406030204" pitchFamily="18" charset="0"/>
+                          </a:rPr>
+                          <m:t>𝑟</m:t>
+                        </m:r>
+                      </m:e>
+                      <m:sub>
+                        <m:r>
+                          <a:rPr lang="de-DE" b="0" i="1" smtClean="0">
+                            <a:latin typeface="Cambria Math" panose="02040503050406030204" pitchFamily="18" charset="0"/>
+                            <a:ea typeface="Cambria Math" panose="02040503050406030204" pitchFamily="18" charset="0"/>
+                          </a:rPr>
+                          <m:t>2</m:t>
+                        </m:r>
+                      </m:sub>
+                    </m:sSub>
+                  </m:oMath>
+                </a14:m>
+                <a:r>
+                  <a:rPr lang="pt-BR" i="1" dirty="0">
+                    <a:latin typeface="Cambria Math" panose="02040503050406030204" pitchFamily="18" charset="0"/>
+                    <a:ea typeface="Cambria Math" panose="02040503050406030204" pitchFamily="18" charset="0"/>
+                  </a:rPr>
+                  <a:t>) </a:t>
+                </a:r>
+                <a:r>
+                  <a:rPr lang="pt-BR" i="1" dirty="0"/>
+                  <a:t>?</a:t>
+                </a:r>
+                <a:endParaRPr lang="pt-BR" i="1" dirty="0">
+                  <a:latin typeface="Lucida Bright" panose="02040602050505020304" pitchFamily="18" charset="0"/>
+                </a:endParaRPr>
+              </a:p>
+              <a:p>
+                <a:pPr marL="0" indent="0">
+                  <a:buNone/>
+                </a:pPr>
+                <a:endParaRPr lang="pt-BR" i="1" dirty="0"/>
+              </a:p>
+            </p:txBody>
+          </p:sp>
+        </mc:Choice>
+        <mc:Fallback>
+          <p:sp>
+            <p:nvSpPr>
+              <p:cNvPr id="3" name="Inhaltsplatzhalter 2">
+                <a:extLst>
+                  <a:ext uri="{FF2B5EF4-FFF2-40B4-BE49-F238E27FC236}">
+                    <a16:creationId xmlns:a16="http://schemas.microsoft.com/office/drawing/2014/main" id="{51919B38-44CA-465B-BAD0-5F60F70A25FB}"/>
+                  </a:ext>
+                </a:extLst>
+              </p:cNvPr>
+              <p:cNvSpPr>
+                <a:spLocks noGrp="1" noRot="1" noChangeAspect="1" noMove="1" noResize="1" noEditPoints="1" noAdjustHandles="1" noChangeArrowheads="1" noChangeShapeType="1" noTextEdit="1"/>
+              </p:cNvSpPr>
+              <p:nvPr>
+                <p:ph idx="1"/>
+              </p:nvPr>
+            </p:nvSpPr>
+            <p:spPr>
+              <a:blipFill>
+                <a:blip r:embed="rId3"/>
+                <a:stretch>
+                  <a:fillRect l="-1217" t="-3361" b="-280"/>
+                </a:stretch>
+              </a:blipFill>
+            </p:spPr>
+            <p:txBody>
+              <a:bodyPr/>
+              <a:lstStyle/>
+              <a:p>
+                <a:r>
+                  <a:rPr lang="en-US">
+                    <a:noFill/>
+                  </a:rPr>
+                  <a:t> </a:t>
+                </a:r>
+              </a:p>
+            </p:txBody>
+          </p:sp>
+        </mc:Fallback>
+      </mc:AlternateContent>
+    </p:spTree>
+    <p:extLst>
+      <p:ext uri="{BB962C8B-B14F-4D97-AF65-F5344CB8AC3E}">
+        <p14:creationId xmlns:p14="http://schemas.microsoft.com/office/powerpoint/2010/main" val="3994935269"/>
+      </p:ext>
+    </p:extLst>
+  </p:cSld>
+  <p:clrMapOvr>
+    <a:masterClrMapping/>
+  </p:clrMapOvr>
+</p:sld>
+</file>
+
+<file path=ppt/slides/slide4.xml><?xml version="1.0" encoding="utf-8"?>
+<p:sld xmlns:a="http://schemas.openxmlformats.org/drawingml/2006/main" xmlns:r="http://schemas.openxmlformats.org/officeDocument/2006/relationships" xmlns:p="http://schemas.openxmlformats.org/presentationml/2006/main">
+  <p:cSld>
+    <p:spTree>
+      <p:nvGrpSpPr>
+        <p:cNvPr id="1" name=""/>
+        <p:cNvGrpSpPr/>
+        <p:nvPr/>
+      </p:nvGrpSpPr>
+      <p:grpSpPr>
+        <a:xfrm>
+          <a:off x="0" y="0"/>
+          <a:ext cx="0" cy="0"/>
+          <a:chOff x="0" y="0"/>
+          <a:chExt cx="0" cy="0"/>
+        </a:xfrm>
+      </p:grpSpPr>
+      <p:sp>
+        <p:nvSpPr>
+          <p:cNvPr id="2" name="Titel 1">
+            <a:extLst>
+              <a:ext uri="{FF2B5EF4-FFF2-40B4-BE49-F238E27FC236}">
+                <a16:creationId xmlns:a16="http://schemas.microsoft.com/office/drawing/2014/main" id="{A929FFEB-97F9-4AAE-81C1-11B5DC6850B7}"/>
+              </a:ext>
+            </a:extLst>
+          </p:cNvPr>
+          <p:cNvSpPr>
+            <a:spLocks noGrp="1"/>
+          </p:cNvSpPr>
+          <p:nvPr>
+            <p:ph type="title"/>
+          </p:nvPr>
+        </p:nvSpPr>
+        <p:spPr/>
+        <p:txBody>
+          <a:bodyPr/>
+          <a:lstStyle/>
+          <a:p>
+            <a:r>
+              <a:rPr lang="en-US" dirty="0"/>
+              <a:t>The textbook method</a:t>
+            </a:r>
+          </a:p>
+        </p:txBody>
+      </p:sp>
+      <p:sp>
+        <p:nvSpPr>
+          <p:cNvPr id="3" name="Inhaltsplatzhalter 2">
+            <a:extLst>
+              <a:ext uri="{FF2B5EF4-FFF2-40B4-BE49-F238E27FC236}">
+                <a16:creationId xmlns:a16="http://schemas.microsoft.com/office/drawing/2014/main" id="{CB6452AB-3B3D-4DAE-9DC0-92C5D524D106}"/>
+              </a:ext>
+            </a:extLst>
+          </p:cNvPr>
+          <p:cNvSpPr>
+            <a:spLocks noGrp="1"/>
+          </p:cNvSpPr>
+          <p:nvPr>
+            <p:ph idx="1"/>
+          </p:nvPr>
+        </p:nvSpPr>
+        <p:spPr/>
+        <p:txBody>
+          <a:bodyPr>
+            <a:normAutofit lnSpcReduction="10000"/>
+          </a:bodyPr>
+          <a:lstStyle/>
+          <a:p>
+            <a:pPr marL="0" indent="0">
+              <a:buNone/>
+            </a:pPr>
+            <a:r>
+              <a:rPr lang="en-US" dirty="0"/>
+              <a:t>A naive algorithm to decide RE equivalence:</a:t>
+            </a:r>
+          </a:p>
+          <a:p>
+            <a:pPr marL="514350" indent="-514350">
+              <a:buAutoNum type="arabicPeriod"/>
+            </a:pPr>
+            <a:endParaRPr lang="en-US" dirty="0"/>
+          </a:p>
+          <a:p>
+            <a:pPr marL="514350" indent="-514350">
+              <a:buAutoNum type="arabicPeriod"/>
+            </a:pPr>
+            <a:r>
+              <a:rPr lang="en-US" dirty="0"/>
+              <a:t>construct NFAs from the REs</a:t>
+            </a:r>
+          </a:p>
+          <a:p>
+            <a:pPr marL="514350" indent="-514350">
+              <a:buAutoNum type="arabicPeriod"/>
+            </a:pPr>
+            <a:r>
+              <a:rPr lang="en-US" dirty="0"/>
+              <a:t>convert the NFAs to DFAs</a:t>
+            </a:r>
+          </a:p>
+          <a:p>
+            <a:pPr marL="514350" indent="-514350">
+              <a:buFont typeface="Arial" panose="020B0604020202020204" pitchFamily="34" charset="0"/>
+              <a:buAutoNum type="arabicPeriod"/>
+            </a:pPr>
+            <a:r>
+              <a:rPr lang="en-US" dirty="0"/>
+              <a:t>minimize the DFAs</a:t>
+            </a:r>
+          </a:p>
+          <a:p>
+            <a:pPr marL="0" indent="0">
+              <a:buNone/>
+            </a:pPr>
+            <a:endParaRPr lang="en-US" dirty="0"/>
+          </a:p>
+          <a:p>
+            <a:pPr marL="0" indent="0">
+              <a:buNone/>
+            </a:pPr>
+            <a:r>
+              <a:rPr lang="en-US" dirty="0"/>
+              <a:t>For each of these steps, we would have to</a:t>
+            </a:r>
+          </a:p>
+          <a:p>
+            <a:r>
+              <a:rPr lang="en-US" dirty="0"/>
+              <a:t>express an algorithm</a:t>
+            </a:r>
+          </a:p>
+          <a:p>
+            <a:r>
+              <a:rPr lang="en-US" dirty="0"/>
+              <a:t>prove that this algorithm preserves the represented language</a:t>
+            </a:r>
+          </a:p>
+        </p:txBody>
+      </p:sp>
+    </p:spTree>
+    <p:extLst>
+      <p:ext uri="{BB962C8B-B14F-4D97-AF65-F5344CB8AC3E}">
+        <p14:creationId xmlns:p14="http://schemas.microsoft.com/office/powerpoint/2010/main" val="4220785108"/>
+      </p:ext>
+    </p:extLst>
+  </p:cSld>
+  <p:clrMapOvr>
+    <a:masterClrMapping/>
+  </p:clrMapOvr>
+</p:sld>
+</file>
+
 <file path=ppt/slides/slide5.xml><?xml version="1.0" encoding="utf-8"?>
 <p:sld xmlns:a="http://schemas.openxmlformats.org/drawingml/2006/main" xmlns:r="http://schemas.openxmlformats.org/officeDocument/2006/relationships" xmlns:p="http://schemas.openxmlformats.org/presentationml/2006/main">
   <p:cSld>
@@ -10171,7 +10421,7 @@
           <p:cNvPr id="2" name="Titel 1">
             <a:extLst>
               <a:ext uri="{FF2B5EF4-FFF2-40B4-BE49-F238E27FC236}">
-                <a16:creationId xmlns:a16="http://schemas.microsoft.com/office/drawing/2014/main" id="{67E4C615-DCC8-406C-8116-2FE0121ECEC8}"/>
+                <a16:creationId xmlns:a16="http://schemas.microsoft.com/office/drawing/2014/main" id="{D687039E-D857-4819-A0AF-66C289321C24}"/>
               </a:ext>
             </a:extLst>
           </p:cNvPr>
@@ -10188,148 +10438,231 @@
           <a:lstStyle/>
           <a:p>
             <a:r>
-              <a:rPr lang="en-US" dirty="0"/>
-              <a:t>Regular Expressions</a:t>
-            </a:r>
-          </a:p>
-        </p:txBody>
-      </p:sp>
-      <p:sp>
-        <p:nvSpPr>
-          <p:cNvPr id="3" name="Inhaltsplatzhalter 2">
-            <a:extLst>
-              <a:ext uri="{FF2B5EF4-FFF2-40B4-BE49-F238E27FC236}">
-                <a16:creationId xmlns:a16="http://schemas.microsoft.com/office/drawing/2014/main" id="{51919B38-44CA-465B-BAD0-5F60F70A25FB}"/>
-              </a:ext>
-            </a:extLst>
-          </p:cNvPr>
-          <p:cNvSpPr>
-            <a:spLocks noGrp="1"/>
-          </p:cNvSpPr>
-          <p:nvPr>
-            <p:ph idx="1"/>
-          </p:nvPr>
-        </p:nvSpPr>
-        <p:spPr/>
-        <p:txBody>
-          <a:bodyPr/>
-          <a:lstStyle/>
-          <a:p>
-            <a:pPr marL="0" indent="0">
-              <a:buNone/>
-            </a:pPr>
-            <a:r>
-              <a:rPr lang="pt-BR" i="1" dirty="0">
-                <a:latin typeface="Lucida Bright" panose="02040602050505020304" pitchFamily="18" charset="0"/>
-              </a:rPr>
-              <a:t>	L(</a:t>
-            </a:r>
-            <a:r>
-              <a:rPr lang="pt-BR" b="1" i="1" dirty="0">
-                <a:latin typeface="Lucida Bright" panose="02040602050505020304" pitchFamily="18" charset="0"/>
-              </a:rPr>
-              <a:t>∅</a:t>
-            </a:r>
-            <a:r>
-              <a:rPr lang="pt-BR" i="1" dirty="0">
-                <a:latin typeface="Lucida Bright" panose="02040602050505020304" pitchFamily="18" charset="0"/>
-              </a:rPr>
-              <a:t>) = ∅</a:t>
-            </a:r>
-          </a:p>
-          <a:p>
-            <a:pPr marL="0" indent="0">
-              <a:buNone/>
-            </a:pPr>
-            <a:r>
-              <a:rPr lang="pt-BR" i="1" dirty="0">
-                <a:latin typeface="Lucida Bright" panose="02040602050505020304" pitchFamily="18" charset="0"/>
-              </a:rPr>
-              <a:t>	L(</a:t>
-            </a:r>
-            <a:r>
-              <a:rPr lang="el-GR" i="1" dirty="0"/>
-              <a:t>ε</a:t>
-            </a:r>
-            <a:r>
-              <a:rPr lang="de-DE" i="1" dirty="0">
-                <a:latin typeface="Lucida Bright" panose="02040602050505020304" pitchFamily="18" charset="0"/>
-              </a:rPr>
-              <a:t>)</a:t>
-            </a:r>
-            <a:r>
-              <a:rPr lang="el-GR" i="1" dirty="0"/>
-              <a:t> = {[]}</a:t>
-            </a:r>
-            <a:endParaRPr lang="pt-BR" i="1" dirty="0">
-              <a:latin typeface="Lucida Bright" panose="02040602050505020304" pitchFamily="18" charset="0"/>
-            </a:endParaRPr>
-          </a:p>
-          <a:p>
-            <a:pPr marL="0" indent="0">
-              <a:buNone/>
-            </a:pPr>
-            <a:r>
-              <a:rPr lang="pt-BR" i="1" dirty="0">
-                <a:latin typeface="Lucida Bright" panose="02040602050505020304" pitchFamily="18" charset="0"/>
-              </a:rPr>
-              <a:t>	L(a) = {[a]}</a:t>
-            </a:r>
-          </a:p>
-          <a:p>
-            <a:pPr marL="0" indent="0">
-              <a:buNone/>
-            </a:pPr>
-            <a:r>
-              <a:rPr lang="pt-BR" i="1" dirty="0">
-                <a:latin typeface="Lucida Bright" panose="02040602050505020304" pitchFamily="18" charset="0"/>
-              </a:rPr>
-              <a:t>	L(r + s) = L(r) ∪ L(s)</a:t>
-            </a:r>
-          </a:p>
-          <a:p>
-            <a:pPr marL="0" indent="0">
-              <a:buNone/>
-            </a:pPr>
-            <a:r>
-              <a:rPr lang="pt-BR" i="1" dirty="0">
-                <a:latin typeface="Lucida Bright" panose="02040602050505020304" pitchFamily="18" charset="0"/>
-              </a:rPr>
-              <a:t>	L(r · s) = L(r)L(s)</a:t>
-            </a:r>
-          </a:p>
-          <a:p>
-            <a:pPr marL="0" indent="0">
-              <a:buNone/>
-            </a:pPr>
-            <a:r>
-              <a:rPr lang="pt-BR" i="1" dirty="0">
-                <a:latin typeface="Lucida Bright" panose="02040602050505020304" pitchFamily="18" charset="0"/>
-              </a:rPr>
-              <a:t>	L(r</a:t>
-            </a:r>
-            <a:r>
-              <a:rPr lang="pt-BR" b="1" i="1" dirty="0">
-                <a:latin typeface="Lucida Bright" panose="02040602050505020304" pitchFamily="18" charset="0"/>
-              </a:rPr>
-              <a:t>*</a:t>
-            </a:r>
-            <a:r>
-              <a:rPr lang="pt-BR" i="1" dirty="0">
-                <a:latin typeface="Lucida Bright" panose="02040602050505020304" pitchFamily="18" charset="0"/>
-              </a:rPr>
-              <a:t>) = (L(r))*</a:t>
-            </a:r>
-            <a:endParaRPr lang="en-US" i="1" dirty="0">
-              <a:latin typeface="Lucida Bright" panose="02040602050505020304" pitchFamily="18" charset="0"/>
-            </a:endParaRPr>
-          </a:p>
-        </p:txBody>
-      </p:sp>
+              <a:rPr lang="en-US" noProof="0" dirty="0"/>
+              <a:t>Goal</a:t>
+            </a:r>
+          </a:p>
+        </p:txBody>
+      </p:sp>
+      <mc:AlternateContent xmlns:mc="http://schemas.openxmlformats.org/markup-compatibility/2006">
+        <mc:Choice xmlns:a14="http://schemas.microsoft.com/office/drawing/2010/main" Requires="a14">
+          <p:sp>
+            <p:nvSpPr>
+              <p:cNvPr id="3" name="Inhaltsplatzhalter 2">
+                <a:extLst>
+                  <a:ext uri="{FF2B5EF4-FFF2-40B4-BE49-F238E27FC236}">
+                    <a16:creationId xmlns:a16="http://schemas.microsoft.com/office/drawing/2014/main" id="{C95D1B8B-E55A-4F95-9AE9-92A2E2BEC866}"/>
+                  </a:ext>
+                </a:extLst>
+              </p:cNvPr>
+              <p:cNvSpPr>
+                <a:spLocks noGrp="1"/>
+              </p:cNvSpPr>
+              <p:nvPr>
+                <p:ph idx="1"/>
+              </p:nvPr>
+            </p:nvSpPr>
+            <p:spPr>
+              <a:xfrm>
+                <a:off x="838200" y="1864702"/>
+                <a:ext cx="10515600" cy="4351338"/>
+              </a:xfrm>
+            </p:spPr>
+            <p:txBody>
+              <a:bodyPr/>
+              <a:lstStyle/>
+              <a:p>
+                <a:pPr marL="0" indent="0">
+                  <a:buNone/>
+                </a:pPr>
+                <a:r>
+                  <a:rPr lang="en-US" dirty="0"/>
+                  <a:t>equivalence</a:t>
+                </a:r>
+                <a:r>
+                  <a:rPr lang="en-US" noProof="0" dirty="0"/>
+                  <a:t> checker for regular expressions which is</a:t>
+                </a:r>
+              </a:p>
+              <a:p>
+                <a:r>
+                  <a:rPr lang="en-US" i="1" dirty="0"/>
+                  <a:t>a</a:t>
+                </a:r>
+                <a:r>
+                  <a:rPr lang="en-US" i="1" noProof="0" dirty="0" err="1"/>
+                  <a:t>utomatic</a:t>
+                </a:r>
+                <a:r>
+                  <a:rPr lang="en-US" noProof="0" dirty="0"/>
+                  <a:t>: without user interaction</a:t>
+                </a:r>
+              </a:p>
+              <a:p>
+                <a:r>
+                  <a:rPr lang="en-US" i="1" noProof="0" dirty="0"/>
+                  <a:t>complete</a:t>
+                </a:r>
+                <a:r>
+                  <a:rPr lang="en-US" noProof="0" dirty="0"/>
+                  <a:t>: if </a:t>
+                </a:r>
+                <a:r>
+                  <a:rPr lang="pt-BR" i="1" dirty="0">
+                    <a:latin typeface="Cambria Math" panose="02040503050406030204" pitchFamily="18" charset="0"/>
+                    <a:ea typeface="Cambria Math" panose="02040503050406030204" pitchFamily="18" charset="0"/>
+                  </a:rPr>
+                  <a:t>L(</a:t>
+                </a:r>
+                <a14:m>
+                  <m:oMath xmlns:m="http://schemas.openxmlformats.org/officeDocument/2006/math">
+                    <m:sSub>
+                      <m:sSubPr>
+                        <m:ctrlPr>
+                          <a:rPr lang="pt-BR" i="1">
+                            <a:latin typeface="Cambria Math" panose="02040503050406030204" pitchFamily="18" charset="0"/>
+                            <a:ea typeface="Cambria Math" panose="02040503050406030204" pitchFamily="18" charset="0"/>
+                          </a:rPr>
+                        </m:ctrlPr>
+                      </m:sSubPr>
+                      <m:e>
+                        <m:r>
+                          <a:rPr lang="de-DE" i="1">
+                            <a:latin typeface="Cambria Math" panose="02040503050406030204" pitchFamily="18" charset="0"/>
+                            <a:ea typeface="Cambria Math" panose="02040503050406030204" pitchFamily="18" charset="0"/>
+                          </a:rPr>
+                          <m:t>𝑟</m:t>
+                        </m:r>
+                      </m:e>
+                      <m:sub>
+                        <m:r>
+                          <a:rPr lang="de-DE" i="1">
+                            <a:latin typeface="Cambria Math" panose="02040503050406030204" pitchFamily="18" charset="0"/>
+                            <a:ea typeface="Cambria Math" panose="02040503050406030204" pitchFamily="18" charset="0"/>
+                          </a:rPr>
+                          <m:t>1</m:t>
+                        </m:r>
+                      </m:sub>
+                    </m:sSub>
+                  </m:oMath>
+                </a14:m>
+                <a:r>
+                  <a:rPr lang="pt-BR" i="1" dirty="0">
+                    <a:latin typeface="Cambria Math" panose="02040503050406030204" pitchFamily="18" charset="0"/>
+                    <a:ea typeface="Cambria Math" panose="02040503050406030204" pitchFamily="18" charset="0"/>
+                  </a:rPr>
+                  <a:t>) = L(</a:t>
+                </a:r>
+                <a14:m>
+                  <m:oMath xmlns:m="http://schemas.openxmlformats.org/officeDocument/2006/math">
+                    <m:sSub>
+                      <m:sSubPr>
+                        <m:ctrlPr>
+                          <a:rPr lang="pt-BR" i="1">
+                            <a:latin typeface="Cambria Math" panose="02040503050406030204" pitchFamily="18" charset="0"/>
+                            <a:ea typeface="Cambria Math" panose="02040503050406030204" pitchFamily="18" charset="0"/>
+                          </a:rPr>
+                        </m:ctrlPr>
+                      </m:sSubPr>
+                      <m:e>
+                        <m:r>
+                          <a:rPr lang="de-DE" i="1">
+                            <a:latin typeface="Cambria Math" panose="02040503050406030204" pitchFamily="18" charset="0"/>
+                            <a:ea typeface="Cambria Math" panose="02040503050406030204" pitchFamily="18" charset="0"/>
+                          </a:rPr>
+                          <m:t>𝑟</m:t>
+                        </m:r>
+                      </m:e>
+                      <m:sub>
+                        <m:r>
+                          <a:rPr lang="de-DE" i="1">
+                            <a:latin typeface="Cambria Math" panose="02040503050406030204" pitchFamily="18" charset="0"/>
+                            <a:ea typeface="Cambria Math" panose="02040503050406030204" pitchFamily="18" charset="0"/>
+                          </a:rPr>
+                          <m:t>2</m:t>
+                        </m:r>
+                      </m:sub>
+                    </m:sSub>
+                  </m:oMath>
+                </a14:m>
+                <a:r>
+                  <a:rPr lang="pt-BR" i="1" dirty="0">
+                    <a:latin typeface="Cambria Math" panose="02040503050406030204" pitchFamily="18" charset="0"/>
+                    <a:ea typeface="Cambria Math" panose="02040503050406030204" pitchFamily="18" charset="0"/>
+                  </a:rPr>
+                  <a:t>)</a:t>
+                </a:r>
+                <a:r>
+                  <a:rPr lang="en-US" dirty="0"/>
+                  <a:t>, the method </a:t>
+                </a:r>
+                <a:r>
+                  <a:rPr lang="en-US" i="1" dirty="0"/>
+                  <a:t>should</a:t>
+                </a:r>
+                <a:r>
+                  <a:rPr lang="en-US" dirty="0"/>
+                  <a:t> prove it</a:t>
+                </a:r>
+                <a:endParaRPr lang="en-US" i="1" noProof="0" dirty="0"/>
+              </a:p>
+              <a:p>
+                <a:r>
+                  <a:rPr lang="en-US" dirty="0"/>
+                  <a:t>elegant, i.e. easy to prove correct</a:t>
+                </a:r>
+              </a:p>
+            </p:txBody>
+          </p:sp>
+        </mc:Choice>
+        <mc:Fallback>
+          <p:sp>
+            <p:nvSpPr>
+              <p:cNvPr id="3" name="Inhaltsplatzhalter 2">
+                <a:extLst>
+                  <a:ext uri="{FF2B5EF4-FFF2-40B4-BE49-F238E27FC236}">
+                    <a16:creationId xmlns:a16="http://schemas.microsoft.com/office/drawing/2014/main" id="{C95D1B8B-E55A-4F95-9AE9-92A2E2BEC866}"/>
+                  </a:ext>
+                </a:extLst>
+              </p:cNvPr>
+              <p:cNvSpPr>
+                <a:spLocks noGrp="1" noRot="1" noChangeAspect="1" noMove="1" noResize="1" noEditPoints="1" noAdjustHandles="1" noChangeArrowheads="1" noChangeShapeType="1" noTextEdit="1"/>
+              </p:cNvSpPr>
+              <p:nvPr>
+                <p:ph idx="1"/>
+              </p:nvPr>
+            </p:nvSpPr>
+            <p:spPr>
+              <a:xfrm>
+                <a:off x="838200" y="1864702"/>
+                <a:ext cx="10515600" cy="4351338"/>
+              </a:xfrm>
+              <a:blipFill>
+                <a:blip r:embed="rId3"/>
+                <a:stretch>
+                  <a:fillRect l="-1217" t="-2381"/>
+                </a:stretch>
+              </a:blipFill>
+            </p:spPr>
+            <p:txBody>
+              <a:bodyPr/>
+              <a:lstStyle/>
+              <a:p>
+                <a:r>
+                  <a:rPr lang="en-US">
+                    <a:noFill/>
+                  </a:rPr>
+                  <a:t> </a:t>
+                </a:r>
+              </a:p>
+            </p:txBody>
+          </p:sp>
+        </mc:Fallback>
+      </mc:AlternateContent>
     </p:spTree>
     <p:extLst>
       <p:ext uri="{BB962C8B-B14F-4D97-AF65-F5344CB8AC3E}">
-        <p14:creationId xmlns:p14="http://schemas.microsoft.com/office/powerpoint/2010/main" val="3994935269"/>
+        <p14:creationId xmlns:p14="http://schemas.microsoft.com/office/powerpoint/2010/main" val="2346521388"/>
       </p:ext>
     </p:extLst>
   </p:cSld>
@@ -10385,8 +10718,8 @@
           </a:p>
         </p:txBody>
       </p:sp>
-      <mc:AlternateContent xmlns:mc="http://schemas.openxmlformats.org/markup-compatibility/2006" xmlns:a14="http://schemas.microsoft.com/office/drawing/2010/main">
-        <mc:Choice Requires="a14">
+      <mc:AlternateContent xmlns:mc="http://schemas.openxmlformats.org/markup-compatibility/2006">
+        <mc:Choice xmlns:a14="http://schemas.microsoft.com/office/drawing/2010/main" Requires="a14">
           <p:sp>
             <p:nvSpPr>
               <p:cNvPr id="3" name="Inhaltsplatzhalter 2">
@@ -10547,7 +10880,7 @@
                     <a:ea typeface="Cambria Math" panose="02040503050406030204" pitchFamily="18" charset="0"/>
                     <a:cs typeface="Times New Roman" panose="02020603050405020304" pitchFamily="18" charset="0"/>
                   </a:rPr>
-                  <a:t> (A)</a:t>
+                  <a:t>(A)</a:t>
                 </a:r>
                 <a:r>
                   <a:rPr lang="en-GB" i="1" dirty="0">
@@ -10593,7 +10926,7 @@
                     <a:ea typeface="Cambria Math" panose="02040503050406030204" pitchFamily="18" charset="0"/>
                     <a:cs typeface="Times New Roman" panose="02020603050405020304" pitchFamily="18" charset="0"/>
                   </a:rPr>
-                  <a:t> (B)</a:t>
+                  <a:t>(B)</a:t>
                 </a:r>
                 <a:r>
                   <a:rPr lang="en-GB" dirty="0"/>
@@ -10667,7 +11000,7 @@
             </p:txBody>
           </p:sp>
         </mc:Choice>
-        <mc:Fallback xmlns="">
+        <mc:Fallback>
           <p:sp>
             <p:nvSpPr>
               <p:cNvPr id="3" name="Inhaltsplatzhalter 2">
@@ -11622,13 +11955,8 @@
           <a:p>
             <a:r>
               <a:rPr lang="en-US" dirty="0"/>
-              <a:t>Derivatives of REs </a:t>
-            </a:r>
-            <a:r>
-              <a:rPr lang="en-US"/>
-              <a:t>(cont.)</a:t>
-            </a:r>
-            <a:endParaRPr lang="en-US" dirty="0"/>
+              <a:t>Derivatives of REs (cont.)</a:t>
+            </a:r>
           </a:p>
         </p:txBody>
       </p:sp>

--- a/slides.pptx
+++ b/slides.pptx
@@ -2518,7 +2518,21 @@
           <a:p>
             <a:r>
               <a:rPr lang="en-US" dirty="0"/>
-              <a:t>We use “~”</a:t>
+              <a:t>Now assume we have a RE expression that describes the derivative language of another RE.</a:t>
+            </a:r>
+          </a:p>
+          <a:p>
+            <a:r>
+              <a:rPr lang="en-US" dirty="0"/>
+              <a:t>We can then make this </a:t>
+            </a:r>
+            <a:r>
+              <a:rPr lang="en-US" dirty="0" err="1"/>
+              <a:t>bisimulation</a:t>
+            </a:r>
+            <a:r>
+              <a:rPr lang="en-US" dirty="0"/>
+              <a:t> property computable by instantiating the languages here with L (…)</a:t>
             </a:r>
           </a:p>
         </p:txBody>
@@ -2618,11 +2632,31 @@
           <a:p>
             <a:r>
               <a:rPr lang="en-US" dirty="0"/>
+              <a:t>as is needed for an optimization: it suffices to consider the atoms that actually do occur in the </a:t>
+            </a:r>
+            <a:r>
+              <a:rPr lang="en-US" dirty="0" err="1"/>
+              <a:t>REs.</a:t>
+            </a:r>
+            <a:r>
+              <a:rPr lang="en-US" dirty="0"/>
+              <a:t> The lemma is not affected</a:t>
+            </a:r>
+          </a:p>
+          <a:p>
+            <a:endParaRPr lang="en-US" dirty="0"/>
+          </a:p>
+          <a:p>
+            <a:r>
+              <a:rPr lang="en-US" dirty="0"/>
+              <a:t>This is a simple consequence of the lemma from the slide, it will make our correctness statement</a:t>
+            </a:r>
+          </a:p>
+          <a:p>
+            <a:r>
+              <a:rPr lang="en-US" dirty="0"/>
               <a:t>And we will only prove this direction</a:t>
             </a:r>
-          </a:p>
-          <a:p>
-            <a:endParaRPr lang="en-US" dirty="0"/>
           </a:p>
           <a:p>
             <a:r>
@@ -10739,7 +10773,7 @@
             <p:spPr/>
             <p:txBody>
               <a:bodyPr>
-                <a:normAutofit/>
+                <a:normAutofit lnSpcReduction="10000"/>
               </a:bodyPr>
               <a:lstStyle/>
               <a:p>
@@ -10946,6 +10980,15 @@
                 </a:pPr>
                 <a:r>
                   <a:rPr lang="en-US" dirty="0"/>
+                  <a:t>Lemma:</a:t>
+                </a:r>
+              </a:p>
+              <a:p>
+                <a:pPr marL="0" indent="0">
+                  <a:buNone/>
+                </a:pPr>
+                <a:r>
+                  <a:rPr lang="en-US" dirty="0"/>
                   <a:t>If “</a:t>
                 </a:r>
                 <a:r>
@@ -11021,7 +11064,7 @@
               <a:blipFill>
                 <a:blip r:embed="rId3"/>
                 <a:stretch>
-                  <a:fillRect l="-1217" t="-2241"/>
+                  <a:fillRect l="-1217" t="-3081"/>
                 </a:stretch>
               </a:blipFill>
             </p:spPr>
@@ -11092,8 +11135,12 @@
           <a:lstStyle/>
           <a:p>
             <a:r>
+              <a:rPr lang="en-US" dirty="0" err="1"/>
+              <a:t>Bisimulations</a:t>
+            </a:r>
+            <a:r>
               <a:rPr lang="en-US" dirty="0"/>
-              <a:t>Correctness Statement</a:t>
+              <a:t> (cont.)</a:t>
             </a:r>
           </a:p>
         </p:txBody>
@@ -11116,8 +11163,19 @@
         </p:nvSpPr>
         <p:spPr/>
         <p:txBody>
-          <a:bodyPr/>
+          <a:bodyPr>
+            <a:normAutofit fontScale="85000" lnSpcReduction="20000"/>
+          </a:bodyPr>
           <a:lstStyle/>
+          <a:p>
+            <a:pPr marL="0" indent="0">
+              <a:buNone/>
+            </a:pPr>
+            <a:r>
+              <a:rPr lang="en-US" dirty="0"/>
+              <a:t>We transpose the definition and lemma to the world of REs:</a:t>
+            </a:r>
+          </a:p>
           <a:p>
             <a:pPr marL="0" indent="0">
               <a:buNone/>
@@ -11129,12 +11187,112 @@
               <a:buNone/>
             </a:pPr>
             <a:r>
-              <a:rPr lang="en-US" i="1" dirty="0">
-                <a:latin typeface="Cambria Math" panose="02040503050406030204" pitchFamily="18" charset="0"/>
-                <a:ea typeface="Cambria Math" panose="02040503050406030204" pitchFamily="18" charset="0"/>
+              <a:rPr lang="en-GB" dirty="0"/>
+              <a:t>is-</a:t>
+            </a:r>
+            <a:r>
+              <a:rPr lang="en-GB" dirty="0" err="1"/>
+              <a:t>bisimulation</a:t>
+            </a:r>
+            <a:r>
+              <a:rPr lang="en-GB" dirty="0"/>
+              <a:t> as </a:t>
+            </a:r>
+            <a:r>
+              <a:rPr lang="en-GB" dirty="0" err="1"/>
+              <a:t>ps</a:t>
+            </a:r>
+            <a:r>
+              <a:rPr lang="en-GB" dirty="0"/>
+              <a:t> </a:t>
+            </a:r>
+            <a:r>
+              <a:rPr lang="en-US" dirty="0">
+                <a:latin typeface="Lucida Bright" panose="02040602050505020304" pitchFamily="18" charset="0"/>
               </a:rPr>
-              <a:t>	</a:t>
-            </a:r>
+              <a:t>⟷</a:t>
+            </a:r>
+          </a:p>
+          <a:p>
+            <a:pPr marL="0" indent="0">
+              <a:buNone/>
+            </a:pPr>
+            <a:r>
+              <a:rPr lang="en-GB" dirty="0"/>
+              <a:t>	(∀(r, s)∈ ps.</a:t>
+            </a:r>
+          </a:p>
+          <a:p>
+            <a:pPr marL="0" indent="0">
+              <a:buNone/>
+            </a:pPr>
+            <a:r>
+              <a:rPr lang="en-GB" dirty="0"/>
+              <a:t>		(final r </a:t>
+            </a:r>
+            <a:r>
+              <a:rPr lang="en-US" dirty="0">
+                <a:latin typeface="Lucida Bright" panose="02040602050505020304" pitchFamily="18" charset="0"/>
+              </a:rPr>
+              <a:t>⟷</a:t>
+            </a:r>
+            <a:r>
+              <a:rPr lang="en-GB" dirty="0"/>
+              <a:t> final s) ∧</a:t>
+            </a:r>
+          </a:p>
+          <a:p>
+            <a:pPr marL="0" indent="0">
+              <a:buNone/>
+            </a:pPr>
+            <a:r>
+              <a:rPr lang="en-GB" dirty="0"/>
+              <a:t>		(∀a ∈ as. (D a (r), D a (s)) ∈ </a:t>
+            </a:r>
+            <a:r>
+              <a:rPr lang="en-GB" dirty="0" err="1"/>
+              <a:t>ps</a:t>
+            </a:r>
+            <a:r>
+              <a:rPr lang="en-GB" dirty="0"/>
+              <a:t>) ∧</a:t>
+            </a:r>
+          </a:p>
+          <a:p>
+            <a:pPr marL="0" indent="0">
+              <a:buNone/>
+            </a:pPr>
+            <a:r>
+              <a:rPr lang="en-GB" dirty="0"/>
+              <a:t>		atoms r ∪ atoms s ⊆ as</a:t>
+            </a:r>
+            <a:endParaRPr lang="en-US" dirty="0"/>
+          </a:p>
+          <a:p>
+            <a:pPr marL="0" indent="0">
+              <a:buNone/>
+            </a:pPr>
+            <a:r>
+              <a:rPr lang="en-US" dirty="0"/>
+              <a:t>	)</a:t>
+            </a:r>
+          </a:p>
+          <a:p>
+            <a:pPr marL="0" indent="0">
+              <a:buNone/>
+            </a:pPr>
+            <a:endParaRPr lang="en-US" dirty="0"/>
+          </a:p>
+          <a:p>
+            <a:pPr marL="0" indent="0">
+              <a:buNone/>
+            </a:pPr>
+            <a:endParaRPr lang="en-US" dirty="0"/>
+          </a:p>
+          <a:p>
+            <a:pPr marL="0" indent="0">
+              <a:buNone/>
+            </a:pPr>
             <a:r>
               <a:rPr lang="en-US" i="1" dirty="0" err="1">
                 <a:latin typeface="Cambria Math" panose="02040503050406030204" pitchFamily="18" charset="0"/>
@@ -11156,21 +11314,12 @@
               </a:rPr>
               <a:t>ps</a:t>
             </a:r>
-            <a:endParaRPr lang="en-US" i="1" dirty="0">
-              <a:latin typeface="Cambria Math" panose="02040503050406030204" pitchFamily="18" charset="0"/>
-              <a:ea typeface="Cambria Math" panose="02040503050406030204" pitchFamily="18" charset="0"/>
-            </a:endParaRPr>
-          </a:p>
-          <a:p>
-            <a:pPr marL="0" indent="0">
-              <a:buNone/>
-            </a:pPr>
             <a:r>
               <a:rPr lang="en-US" i="1" dirty="0">
                 <a:latin typeface="Cambria Math" panose="02040503050406030204" pitchFamily="18" charset="0"/>
                 <a:ea typeface="Cambria Math" panose="02040503050406030204" pitchFamily="18" charset="0"/>
               </a:rPr>
-              <a:t>	⟹ (r, s) ∈ </a:t>
+              <a:t> ⟹ (r, s) ∈ </a:t>
             </a:r>
             <a:r>
               <a:rPr lang="en-US" i="1" dirty="0" err="1">
@@ -11179,21 +11328,12 @@
               </a:rPr>
               <a:t>ps</a:t>
             </a:r>
-            <a:endParaRPr lang="en-US" i="1" dirty="0">
-              <a:latin typeface="Cambria Math" panose="02040503050406030204" pitchFamily="18" charset="0"/>
-              <a:ea typeface="Cambria Math" panose="02040503050406030204" pitchFamily="18" charset="0"/>
-            </a:endParaRPr>
-          </a:p>
-          <a:p>
-            <a:pPr marL="0" indent="0">
-              <a:buNone/>
-            </a:pPr>
             <a:r>
               <a:rPr lang="en-US" i="1" dirty="0">
                 <a:latin typeface="Cambria Math" panose="02040503050406030204" pitchFamily="18" charset="0"/>
                 <a:ea typeface="Cambria Math" panose="02040503050406030204" pitchFamily="18" charset="0"/>
               </a:rPr>
-              <a:t>	⟹ L (r) = L (s)</a:t>
+              <a:t> ⟹ L (r) = L (s)</a:t>
             </a:r>
           </a:p>
         </p:txBody>

--- a/slides.pptx
+++ b/slides.pptx
@@ -14,17 +14,17 @@
     <p:sldId id="261" r:id="rId5"/>
     <p:sldId id="258" r:id="rId6"/>
     <p:sldId id="263" r:id="rId7"/>
-    <p:sldId id="280" r:id="rId8"/>
-    <p:sldId id="271" r:id="rId9"/>
-    <p:sldId id="272" r:id="rId10"/>
+    <p:sldId id="271" r:id="rId8"/>
+    <p:sldId id="272" r:id="rId9"/>
+    <p:sldId id="280" r:id="rId10"/>
     <p:sldId id="273" r:id="rId11"/>
     <p:sldId id="278" r:id="rId12"/>
     <p:sldId id="281" r:id="rId13"/>
     <p:sldId id="265" r:id="rId14"/>
     <p:sldId id="274" r:id="rId15"/>
     <p:sldId id="285" r:id="rId16"/>
-    <p:sldId id="264" r:id="rId17"/>
-    <p:sldId id="284" r:id="rId18"/>
+    <p:sldId id="284" r:id="rId17"/>
+    <p:sldId id="264" r:id="rId18"/>
     <p:sldId id="257" r:id="rId19"/>
     <p:sldId id="283" r:id="rId20"/>
   </p:sldIdLst>
@@ -1301,51 +1301,54 @@
           <a:p>
             <a:r>
               <a:rPr lang="en-US" dirty="0"/>
-              <a:t>meaning that two REs are ACI-equal </a:t>
+              <a:t>So the choice operator might be a problem</a:t>
+            </a:r>
+          </a:p>
+          <a:p>
+            <a:endParaRPr lang="en-US" dirty="0"/>
+          </a:p>
+          <a:p>
+            <a:r>
+              <a:rPr lang="en-US" dirty="0"/>
+              <a:t>That means that we modify the algorithm to only add RE-pairs to the work set if no ACI-equivalent pair is in it already.</a:t>
+            </a:r>
+          </a:p>
+          <a:p>
+            <a:endParaRPr lang="en-US" dirty="0"/>
+          </a:p>
+          <a:p>
+            <a:r>
+              <a:rPr lang="en-US" dirty="0"/>
+              <a:t>In other words, there are only finitely many ACI-equivalence classes among equivalent </a:t>
             </a:r>
             <a:r>
               <a:rPr lang="en-US" dirty="0" err="1"/>
-              <a:t>iff</a:t>
-            </a:r>
+              <a:t>REs.</a:t>
+            </a:r>
+            <a:endParaRPr lang="en-US" dirty="0"/>
+          </a:p>
+          <a:p>
+            <a:endParaRPr lang="en-US" dirty="0"/>
+          </a:p>
+          <a:p>
             <a:r>
               <a:rPr lang="en-US" dirty="0"/>
-              <a:t> they can be transformed using only these rules on the </a:t>
+              <a:t>We are allowed to strengthen this filter: Remember that the goal was to apply the </a:t>
             </a:r>
             <a:r>
               <a:rPr lang="en-US" dirty="0" err="1"/>
-              <a:t>subterms</a:t>
-            </a:r>
-            <a:endParaRPr lang="en-US" dirty="0"/>
-          </a:p>
-          <a:p>
-            <a:endParaRPr lang="en-US" dirty="0"/>
-          </a:p>
-          <a:p>
+              <a:t>bisimulation</a:t>
+            </a:r>
             <a:r>
               <a:rPr lang="en-US" dirty="0"/>
-              <a:t>We need to work bottom up, for star and concatenation, this might require a lexicographic ordering.</a:t>
-            </a:r>
-          </a:p>
-          <a:p>
-            <a:endParaRPr lang="en-US" dirty="0"/>
+              <a:t> lemma at the end. It worked on languages, and the language pair is already added if the strengthened filter applies.</a:t>
+            </a:r>
           </a:p>
           <a:p>
             <a:r>
               <a:rPr lang="en-US" dirty="0"/>
-              <a:t>3.3: this identifies SOME equivalent REs, but not all of them.</a:t>
-            </a:r>
-          </a:p>
-          <a:p>
-            <a:r>
-              <a:rPr lang="en-US" dirty="0"/>
-              <a:t>aa* is equivalent to a*a, but this technique cannot prove it, because there is no “+” in it to transform</a:t>
-            </a:r>
-          </a:p>
-          <a:p>
-            <a:endParaRPr lang="en-US" dirty="0"/>
-          </a:p>
-          <a:p>
-            <a:endParaRPr lang="en-US" dirty="0"/>
+              <a:t>to-do: maybe swap formulation on the slides with the explanation?</a:t>
+            </a:r>
           </a:p>
         </p:txBody>
       </p:sp>
@@ -1375,7 +1378,7 @@
     </p:spTree>
     <p:extLst>
       <p:ext uri="{BB962C8B-B14F-4D97-AF65-F5344CB8AC3E}">
-        <p14:creationId xmlns:p14="http://schemas.microsoft.com/office/powerpoint/2010/main" val="2615019396"/>
+        <p14:creationId xmlns:p14="http://schemas.microsoft.com/office/powerpoint/2010/main" val="176357657"/>
       </p:ext>
     </p:extLst>
   </p:cSld>
@@ -1431,11 +1434,19 @@
           <a:p>
             <a:r>
               <a:rPr lang="en-US" dirty="0"/>
-              <a:t>In other words, there are only finitely many ACI-equivalence classes among equivalent </a:t>
+              <a:t>meaning that two REs are ACI-equal </a:t>
             </a:r>
             <a:r>
               <a:rPr lang="en-US" dirty="0" err="1"/>
-              <a:t>REs.</a:t>
+              <a:t>iff</a:t>
+            </a:r>
+            <a:r>
+              <a:rPr lang="en-US" dirty="0"/>
+              <a:t> they can be transformed using only these rules on the </a:t>
+            </a:r>
+            <a:r>
+              <a:rPr lang="en-US" dirty="0" err="1"/>
+              <a:t>subterms</a:t>
             </a:r>
             <a:endParaRPr lang="en-US" dirty="0"/>
           </a:p>
@@ -1445,22 +1456,29 @@
           <a:p>
             <a:r>
               <a:rPr lang="en-US" dirty="0"/>
-              <a:t>We are allowed to strengthen this filter: Remember that the goal was to apply the </a:t>
-            </a:r>
-            <a:r>
-              <a:rPr lang="en-US" dirty="0" err="1"/>
-              <a:t>bisimulation</a:t>
-            </a:r>
+              <a:t>We need to work bottom up, for star and concatenation, this might require a lexicographic ordering.</a:t>
+            </a:r>
+          </a:p>
+          <a:p>
+            <a:endParaRPr lang="en-US" dirty="0"/>
+          </a:p>
+          <a:p>
             <a:r>
               <a:rPr lang="en-US" dirty="0"/>
-              <a:t> lemma at the end. It worked on languages, and the language pair is already added if the strengthened filter applies.</a:t>
+              <a:t>3.3: this identifies SOME equivalent REs, but not all of them.</a:t>
             </a:r>
           </a:p>
           <a:p>
             <a:r>
               <a:rPr lang="en-US" dirty="0"/>
-              <a:t>to-do: maybe swap formulation on the slides with the explanation?</a:t>
-            </a:r>
+              <a:t>aa* is equivalent to a*a, but this technique cannot prove it, because there is no “+” in it to transform</a:t>
+            </a:r>
+          </a:p>
+          <a:p>
+            <a:endParaRPr lang="en-US" dirty="0"/>
+          </a:p>
+          <a:p>
+            <a:endParaRPr lang="en-US" dirty="0"/>
           </a:p>
         </p:txBody>
       </p:sp>
@@ -1490,7 +1508,7 @@
     </p:spTree>
     <p:extLst>
       <p:ext uri="{BB962C8B-B14F-4D97-AF65-F5344CB8AC3E}">
-        <p14:creationId xmlns:p14="http://schemas.microsoft.com/office/powerpoint/2010/main" val="176357657"/>
+        <p14:creationId xmlns:p14="http://schemas.microsoft.com/office/powerpoint/2010/main" val="2615019396"/>
       </p:ext>
     </p:extLst>
   </p:cSld>
@@ -2518,6 +2536,12 @@
           <a:p>
             <a:r>
               <a:rPr lang="en-US" dirty="0"/>
+              <a:t>(</a:t>
+            </a:r>
+          </a:p>
+          <a:p>
+            <a:r>
+              <a:rPr lang="en-US" dirty="0"/>
               <a:t>Now assume we have a RE expression that describes the derivative language of another RE.</a:t>
             </a:r>
           </a:p>
@@ -2533,6 +2557,12 @@
             <a:r>
               <a:rPr lang="en-US" dirty="0"/>
               <a:t> property computable by instantiating the languages here with L (…)</a:t>
+            </a:r>
+          </a:p>
+          <a:p>
+            <a:r>
+              <a:rPr lang="en-US" dirty="0"/>
+              <a:t>)</a:t>
             </a:r>
           </a:p>
         </p:txBody>
@@ -2618,56 +2648,17 @@
           <a:lstStyle/>
           <a:p>
             <a:r>
+              <a:rPr lang="en-US" dirty="0"/>
+              <a:t>“</a:t>
+            </a:r>
+            <a:r>
               <a:rPr lang="en-US" dirty="0" err="1"/>
-              <a:t>ps</a:t>
+              <a:t>rexp</a:t>
             </a:r>
             <a:r>
               <a:rPr lang="en-US" dirty="0"/>
-              <a:t> will be relation, a list of pairs (or set of pairs if you want)</a:t>
-            </a:r>
-          </a:p>
-          <a:p>
-            <a:endParaRPr lang="en-US" dirty="0"/>
-          </a:p>
-          <a:p>
-            <a:r>
-              <a:rPr lang="en-US" dirty="0"/>
-              <a:t>as is needed for an optimization: it suffices to consider the atoms that actually do occur in the </a:t>
-            </a:r>
-            <a:r>
-              <a:rPr lang="en-US" dirty="0" err="1"/>
-              <a:t>REs.</a:t>
-            </a:r>
-            <a:r>
-              <a:rPr lang="en-US" dirty="0"/>
-              <a:t> The lemma is not affected</a:t>
-            </a:r>
-          </a:p>
-          <a:p>
-            <a:endParaRPr lang="en-US" dirty="0"/>
-          </a:p>
-          <a:p>
-            <a:r>
-              <a:rPr lang="en-US" dirty="0"/>
-              <a:t>This is a simple consequence of the lemma from the slide, it will make our correctness statement</a:t>
-            </a:r>
-          </a:p>
-          <a:p>
-            <a:r>
-              <a:rPr lang="en-US" dirty="0"/>
-              <a:t>And we will only prove this direction</a:t>
-            </a:r>
-          </a:p>
-          <a:p>
-            <a:r>
-              <a:rPr lang="en-US" dirty="0"/>
-              <a:t>Now the goal is to construct such a </a:t>
-            </a:r>
-            <a:r>
-              <a:rPr lang="en-US" dirty="0" err="1"/>
-              <a:t>ps</a:t>
-            </a:r>
-            <a:endParaRPr lang="en-US" dirty="0"/>
+              <a:t>” is the type constructor of regular expressions</a:t>
+            </a:r>
           </a:p>
         </p:txBody>
       </p:sp>
@@ -2697,7 +2688,7 @@
     </p:spTree>
     <p:extLst>
       <p:ext uri="{BB962C8B-B14F-4D97-AF65-F5344CB8AC3E}">
-        <p14:creationId xmlns:p14="http://schemas.microsoft.com/office/powerpoint/2010/main" val="1314377766"/>
+        <p14:creationId xmlns:p14="http://schemas.microsoft.com/office/powerpoint/2010/main" val="3897313182"/>
       </p:ext>
     </p:extLst>
   </p:cSld>
@@ -2752,16 +2743,81 @@
           <a:lstStyle/>
           <a:p>
             <a:r>
+              <a:rPr lang="en-US"/>
+              <a:t>“[] </a:t>
+            </a:r>
+            <a:r>
               <a:rPr lang="en-US" dirty="0"/>
-              <a:t>“</a:t>
+              <a:t>\in L(r)” is computable by a simple recursion</a:t>
+            </a:r>
+          </a:p>
+          <a:p>
+            <a:endParaRPr lang="en-US" dirty="0"/>
+          </a:p>
+          <a:p>
+            <a:r>
+              <a:rPr lang="en-US" dirty="0"/>
+              <a:t>This means that we can replace the languages in the </a:t>
             </a:r>
             <a:r>
               <a:rPr lang="en-US" dirty="0" err="1"/>
-              <a:t>rexp</a:t>
+              <a:t>bisimulation</a:t>
             </a:r>
             <a:r>
               <a:rPr lang="en-US" dirty="0"/>
-              <a:t>” is the type constructor of regular expressions</a:t>
+              <a:t> def by REs </a:t>
+            </a:r>
+            <a:r>
+              <a:rPr lang="en-US" dirty="0">
+                <a:sym typeface="Wingdings" panose="05000000000000000000" pitchFamily="2" charset="2"/>
+              </a:rPr>
+              <a:t> &lt;---- to-do: </a:t>
+            </a:r>
+            <a:r>
+              <a:rPr lang="en-US" dirty="0" err="1">
+                <a:sym typeface="Wingdings" panose="05000000000000000000" pitchFamily="2" charset="2"/>
+              </a:rPr>
+              <a:t>Eigene</a:t>
+            </a:r>
+            <a:r>
+              <a:rPr lang="en-US" dirty="0">
+                <a:sym typeface="Wingdings" panose="05000000000000000000" pitchFamily="2" charset="2"/>
+              </a:rPr>
+              <a:t> </a:t>
+            </a:r>
+            <a:r>
+              <a:rPr lang="en-US" dirty="0" err="1">
+                <a:sym typeface="Wingdings" panose="05000000000000000000" pitchFamily="2" charset="2"/>
+              </a:rPr>
+              <a:t>Folie</a:t>
+            </a:r>
+            <a:r>
+              <a:rPr lang="en-US" dirty="0">
+                <a:sym typeface="Wingdings" panose="05000000000000000000" pitchFamily="2" charset="2"/>
+              </a:rPr>
+              <a:t> </a:t>
+            </a:r>
+            <a:r>
+              <a:rPr lang="en-US" dirty="0" err="1">
+                <a:sym typeface="Wingdings" panose="05000000000000000000" pitchFamily="2" charset="2"/>
+              </a:rPr>
+              <a:t>dafür</a:t>
+            </a:r>
+            <a:r>
+              <a:rPr lang="en-US" dirty="0">
+                <a:sym typeface="Wingdings" panose="05000000000000000000" pitchFamily="2" charset="2"/>
+              </a:rPr>
+              <a:t>?</a:t>
+            </a:r>
+            <a:endParaRPr lang="en-US" dirty="0"/>
+          </a:p>
+          <a:p>
+            <a:endParaRPr lang="en-US" dirty="0"/>
+          </a:p>
+          <a:p>
+            <a:r>
+              <a:rPr lang="en-US" dirty="0"/>
+              <a:t>… and now, we can hope to construct it. The simple approach “add all missing REs” works </a:t>
             </a:r>
           </a:p>
         </p:txBody>
@@ -2792,7 +2848,7 @@
     </p:spTree>
     <p:extLst>
       <p:ext uri="{BB962C8B-B14F-4D97-AF65-F5344CB8AC3E}">
-        <p14:creationId xmlns:p14="http://schemas.microsoft.com/office/powerpoint/2010/main" val="3897313182"/>
+        <p14:creationId xmlns:p14="http://schemas.microsoft.com/office/powerpoint/2010/main" val="1365994791"/>
       </p:ext>
     </p:extLst>
   </p:cSld>
@@ -2847,131 +2903,56 @@
           <a:lstStyle/>
           <a:p>
             <a:r>
+              <a:rPr lang="en-US" dirty="0" err="1"/>
+              <a:t>ps</a:t>
+            </a:r>
+            <a:r>
               <a:rPr lang="en-US" dirty="0"/>
-              <a:t>nullable </a:t>
+              <a:t> will be relation, a list of pairs (or set of pairs if you want)</a:t>
+            </a:r>
+          </a:p>
+          <a:p>
+            <a:endParaRPr lang="en-US" dirty="0"/>
+          </a:p>
+          <a:p>
+            <a:r>
+              <a:rPr lang="en-US" dirty="0"/>
+              <a:t>as is needed for an optimization: it suffices to consider the atoms that actually do occur in the </a:t>
             </a:r>
             <a:r>
               <a:rPr lang="en-US" dirty="0" err="1"/>
-              <a:t>erklären</a:t>
+              <a:t>REs.</a:t>
             </a:r>
             <a:r>
               <a:rPr lang="en-US" dirty="0"/>
-              <a:t> (</a:t>
+              <a:t> The lemma is not affected</a:t>
+            </a:r>
+          </a:p>
+          <a:p>
+            <a:endParaRPr lang="en-US" dirty="0"/>
+          </a:p>
+          <a:p>
+            <a:r>
+              <a:rPr lang="en-US" dirty="0"/>
+              <a:t>This is a simple consequence of the lemma from the slide, it will make our correctness statement</a:t>
+            </a:r>
+          </a:p>
+          <a:p>
+            <a:r>
+              <a:rPr lang="en-US" dirty="0"/>
+              <a:t>And we will only prove this direction</a:t>
+            </a:r>
+          </a:p>
+          <a:p>
+            <a:r>
+              <a:rPr lang="en-US" dirty="0"/>
+              <a:t>Now the goal is to construct such a </a:t>
             </a:r>
             <a:r>
               <a:rPr lang="en-US" dirty="0" err="1"/>
-              <a:t>oder</a:t>
-            </a:r>
-            <a:r>
-              <a:rPr lang="en-US" dirty="0"/>
-              <a:t> </a:t>
-            </a:r>
-            <a:r>
-              <a:rPr lang="en-US" dirty="0" err="1"/>
-              <a:t>evtl</a:t>
-            </a:r>
-            <a:r>
-              <a:rPr lang="en-US" dirty="0"/>
-              <a:t>. </a:t>
-            </a:r>
-            <a:r>
-              <a:rPr lang="en-US" dirty="0" err="1"/>
-              <a:t>vorher</a:t>
-            </a:r>
-            <a:r>
-              <a:rPr lang="en-US" dirty="0"/>
-              <a:t> </a:t>
-            </a:r>
-            <a:r>
-              <a:rPr lang="en-US" dirty="0" err="1"/>
-              <a:t>ersetzen</a:t>
-            </a:r>
-            <a:r>
-              <a:rPr lang="en-US" dirty="0"/>
-              <a:t> </a:t>
-            </a:r>
-            <a:r>
-              <a:rPr lang="en-US" dirty="0" err="1"/>
-              <a:t>durch</a:t>
-            </a:r>
-            <a:r>
-              <a:rPr lang="en-US" dirty="0"/>
-              <a:t> “[] \in L(r)” ?) </a:t>
-            </a:r>
-            <a:r>
-              <a:rPr lang="en-US" dirty="0" err="1"/>
-              <a:t>todo</a:t>
+              <a:t>ps</a:t>
             </a:r>
             <a:endParaRPr lang="en-US" dirty="0"/>
-          </a:p>
-          <a:p>
-            <a:endParaRPr lang="en-US" dirty="0"/>
-          </a:p>
-          <a:p>
-            <a:r>
-              <a:rPr lang="en-US" dirty="0"/>
-              <a:t>This means that we can replace the languages in the </a:t>
-            </a:r>
-            <a:r>
-              <a:rPr lang="en-US" dirty="0" err="1"/>
-              <a:t>bisimulation</a:t>
-            </a:r>
-            <a:r>
-              <a:rPr lang="en-US" dirty="0"/>
-              <a:t> def by REs </a:t>
-            </a:r>
-            <a:r>
-              <a:rPr lang="en-US" dirty="0">
-                <a:sym typeface="Wingdings" panose="05000000000000000000" pitchFamily="2" charset="2"/>
-              </a:rPr>
-              <a:t> &lt;---- to-do: </a:t>
-            </a:r>
-            <a:r>
-              <a:rPr lang="en-US" dirty="0" err="1">
-                <a:sym typeface="Wingdings" panose="05000000000000000000" pitchFamily="2" charset="2"/>
-              </a:rPr>
-              <a:t>Eigene</a:t>
-            </a:r>
-            <a:r>
-              <a:rPr lang="en-US" dirty="0">
-                <a:sym typeface="Wingdings" panose="05000000000000000000" pitchFamily="2" charset="2"/>
-              </a:rPr>
-              <a:t> </a:t>
-            </a:r>
-            <a:r>
-              <a:rPr lang="en-US" dirty="0" err="1">
-                <a:sym typeface="Wingdings" panose="05000000000000000000" pitchFamily="2" charset="2"/>
-              </a:rPr>
-              <a:t>Folie</a:t>
-            </a:r>
-            <a:r>
-              <a:rPr lang="en-US" dirty="0">
-                <a:sym typeface="Wingdings" panose="05000000000000000000" pitchFamily="2" charset="2"/>
-              </a:rPr>
-              <a:t> </a:t>
-            </a:r>
-            <a:r>
-              <a:rPr lang="en-US" dirty="0" err="1">
-                <a:sym typeface="Wingdings" panose="05000000000000000000" pitchFamily="2" charset="2"/>
-              </a:rPr>
-              <a:t>dafür</a:t>
-            </a:r>
-            <a:r>
-              <a:rPr lang="en-US" dirty="0">
-                <a:sym typeface="Wingdings" panose="05000000000000000000" pitchFamily="2" charset="2"/>
-              </a:rPr>
-              <a:t>?</a:t>
-            </a:r>
-            <a:endParaRPr lang="en-US" dirty="0"/>
-          </a:p>
-          <a:p>
-            <a:endParaRPr lang="en-US" dirty="0"/>
-          </a:p>
-          <a:p>
-            <a:r>
-              <a:rPr lang="en-US" dirty="0"/>
-              <a:t>… and now, we can hope to construct it. The simple approach “add all missing REs” works </a:t>
-            </a:r>
           </a:p>
         </p:txBody>
       </p:sp>
@@ -3001,7 +2982,7 @@
     </p:spTree>
     <p:extLst>
       <p:ext uri="{BB962C8B-B14F-4D97-AF65-F5344CB8AC3E}">
-        <p14:creationId xmlns:p14="http://schemas.microsoft.com/office/powerpoint/2010/main" val="1365994791"/>
+        <p14:creationId xmlns:p14="http://schemas.microsoft.com/office/powerpoint/2010/main" val="1314377766"/>
       </p:ext>
     </p:extLst>
   </p:cSld>
@@ -7866,7 +7847,9 @@
         </p:nvSpPr>
         <p:spPr/>
         <p:txBody>
-          <a:bodyPr/>
+          <a:bodyPr>
+            <a:normAutofit lnSpcReduction="10000"/>
+          </a:bodyPr>
           <a:lstStyle/>
           <a:p>
             <a:endParaRPr lang="en-US" dirty="0"/>
@@ -7925,8 +7908,32 @@
               <a:rPr lang="en-US" dirty="0">
                 <a:latin typeface="Lucida Bright" panose="02040602050505020304" pitchFamily="18" charset="0"/>
               </a:rPr>
-              <a:t>	(p, q)#_ ⇒ nullable p ⟷ nullable q</a:t>
-            </a:r>
+              <a:t>	(r, s)#_ ⇒ </a:t>
+            </a:r>
+            <a:r>
+              <a:rPr lang="en-GB" i="1" dirty="0">
+                <a:latin typeface="Lucida Bright" panose="02040602050505020304" pitchFamily="18" charset="0"/>
+                <a:ea typeface="Cambria Math" panose="02040503050406030204" pitchFamily="18" charset="0"/>
+              </a:rPr>
+              <a:t>[] ∈ L(r) </a:t>
+            </a:r>
+            <a:r>
+              <a:rPr lang="en-US" i="1" dirty="0">
+                <a:latin typeface="Lucida Bright" panose="02040602050505020304" pitchFamily="18" charset="0"/>
+                <a:ea typeface="Cambria Math" panose="02040503050406030204" pitchFamily="18" charset="0"/>
+              </a:rPr>
+              <a:t>⟷</a:t>
+            </a:r>
+            <a:r>
+              <a:rPr lang="en-GB" i="1" dirty="0">
+                <a:latin typeface="Lucida Bright" panose="02040602050505020304" pitchFamily="18" charset="0"/>
+                <a:ea typeface="Cambria Math" panose="02040503050406030204" pitchFamily="18" charset="0"/>
+              </a:rPr>
+              <a:t> [] ∈ L(s)</a:t>
+            </a:r>
+            <a:endParaRPr lang="en-US" dirty="0">
+              <a:latin typeface="Lucida Bright" panose="02040602050505020304" pitchFamily="18" charset="0"/>
+            </a:endParaRPr>
           </a:p>
           <a:p>
             <a:pPr marL="0" indent="0">
@@ -7973,7 +7980,15 @@
             <a:pPr lvl="1"/>
             <a:r>
               <a:rPr lang="en-US" dirty="0"/>
-              <a:t>a nonequivalent pair of REs is to be processed (counterexample found)</a:t>
+              <a:t>a </a:t>
+            </a:r>
+            <a:r>
+              <a:rPr lang="en-US" i="1" dirty="0"/>
+              <a:t>definitely</a:t>
+            </a:r>
+            <a:r>
+              <a:rPr lang="en-US" dirty="0"/>
+              <a:t> nonequivalent pair of REs is to be processed (counterexample found)</a:t>
             </a:r>
           </a:p>
         </p:txBody>
@@ -8060,10 +8075,7 @@
             <a:pPr marL="0" indent="0">
               <a:buNone/>
             </a:pPr>
-            <a:r>
-              <a:rPr lang="en-US" dirty="0"/>
-              <a:t>&lt;on the board&gt;</a:t>
-            </a:r>
+            <a:endParaRPr lang="en-US" dirty="0"/>
           </a:p>
           <a:p>
             <a:pPr marL="0" indent="0">
@@ -8075,25 +8087,31 @@
             <a:pPr marL="0" indent="0">
               <a:buNone/>
             </a:pPr>
-            <a:r>
-              <a:rPr lang="en-US" dirty="0"/>
-              <a:t>result</a:t>
-            </a:r>
-          </a:p>
-          <a:p>
-            <a:pPr marL="0" indent="0">
+            <a:endParaRPr lang="en-US" dirty="0"/>
+          </a:p>
+          <a:p>
+            <a:pPr marL="0" indent="0" algn="ctr">
               <a:buNone/>
             </a:pPr>
-            <a:endParaRPr lang="en-US" dirty="0"/>
-          </a:p>
-          <a:p>
-            <a:pPr marL="0" indent="0">
+            <a:r>
+              <a:rPr lang="pt-BR" dirty="0">
+                <a:latin typeface="Lucida Bright" panose="02040602050505020304" pitchFamily="18" charset="0"/>
+              </a:rPr>
+              <a:t>L ((a ⋅ b)* ⋅ a) = L (a ⋅ (b ⋅ a)*)</a:t>
+            </a:r>
+          </a:p>
+          <a:p>
+            <a:pPr marL="0" indent="0" algn="ctr">
               <a:buNone/>
             </a:pPr>
-            <a:r>
-              <a:rPr lang="en-US" dirty="0"/>
-              <a:t>	</a:t>
-            </a:r>
+            <a:endParaRPr lang="pt-BR" dirty="0">
+              <a:latin typeface="Lucida Bright" panose="02040602050505020304" pitchFamily="18" charset="0"/>
+            </a:endParaRPr>
+          </a:p>
+          <a:p>
+            <a:pPr marL="0" indent="0" algn="ctr">
+              <a:buNone/>
+            </a:pPr>
             <a:r>
               <a:rPr lang="pt-BR" dirty="0">
                 <a:latin typeface="Lucida Bright" panose="02040602050505020304" pitchFamily="18" charset="0"/>
@@ -8164,8 +8182,8 @@
           </a:p>
         </p:txBody>
       </p:sp>
-      <mc:AlternateContent xmlns:mc="http://schemas.openxmlformats.org/markup-compatibility/2006" xmlns:a14="http://schemas.microsoft.com/office/drawing/2010/main">
-        <mc:Choice Requires="a14">
+      <mc:AlternateContent xmlns:mc="http://schemas.openxmlformats.org/markup-compatibility/2006">
+        <mc:Choice xmlns:a14="http://schemas.microsoft.com/office/drawing/2010/main" Requires="a14">
           <p:sp>
             <p:nvSpPr>
               <p:cNvPr id="3" name="Inhaltsplatzhalter 2">
@@ -8355,7 +8373,7 @@
                     <a:latin typeface="Cambria Math" panose="02040503050406030204" pitchFamily="18" charset="0"/>
                     <a:ea typeface="Cambria Math" panose="02040503050406030204" pitchFamily="18" charset="0"/>
                   </a:rPr>
-                  <a:t>		(nullable r </a:t>
+                  <a:t>		([] ∈ L(r) </a:t>
                 </a:r>
                 <a:r>
                   <a:rPr lang="en-US" i="1" dirty="0">
@@ -8369,7 +8387,7 @@
                     <a:latin typeface="Cambria Math" panose="02040503050406030204" pitchFamily="18" charset="0"/>
                     <a:ea typeface="Cambria Math" panose="02040503050406030204" pitchFamily="18" charset="0"/>
                   </a:rPr>
-                  <a:t> nullable s) ∧</a:t>
+                  <a:t> [] ∈ L(s)) ∧</a:t>
                 </a:r>
               </a:p>
               <a:p>
@@ -8504,7 +8522,7 @@
             </p:txBody>
           </p:sp>
         </mc:Choice>
-        <mc:Fallback xmlns="">
+        <mc:Fallback>
           <p:sp>
             <p:nvSpPr>
               <p:cNvPr id="3" name="Inhaltsplatzhalter 2">
@@ -8579,7 +8597,7 @@
           <p:cNvPr id="2" name="Titel 1">
             <a:extLst>
               <a:ext uri="{FF2B5EF4-FFF2-40B4-BE49-F238E27FC236}">
-                <a16:creationId xmlns:a16="http://schemas.microsoft.com/office/drawing/2014/main" id="{D55CD077-9E2B-43F3-83A0-334C38F85C7C}"/>
+                <a16:creationId xmlns:a16="http://schemas.microsoft.com/office/drawing/2014/main" id="{A24B41B1-888F-48DC-BD41-15D6CE619CD0}"/>
               </a:ext>
             </a:extLst>
           </p:cNvPr>
@@ -8596,8 +8614,12 @@
           <a:lstStyle/>
           <a:p>
             <a:r>
+              <a:rPr lang="en-US" dirty="0" err="1"/>
+              <a:t>Brzozowki’s</a:t>
+            </a:r>
+            <a:r>
               <a:rPr lang="en-US" dirty="0"/>
-              <a:t>Choice operator: ACI</a:t>
+              <a:t> result about termination</a:t>
             </a:r>
           </a:p>
         </p:txBody>
@@ -8607,7 +8629,7 @@
           <p:cNvPr id="3" name="Inhaltsplatzhalter 2">
             <a:extLst>
               <a:ext uri="{FF2B5EF4-FFF2-40B4-BE49-F238E27FC236}">
-                <a16:creationId xmlns:a16="http://schemas.microsoft.com/office/drawing/2014/main" id="{EABB337D-AA1F-4919-A75D-7EF7AE0BF98B}"/>
+                <a16:creationId xmlns:a16="http://schemas.microsoft.com/office/drawing/2014/main" id="{740A271E-5A51-4AB1-95AC-89ACD35231C5}"/>
               </a:ext>
             </a:extLst>
           </p:cNvPr>
@@ -8621,7 +8643,7 @@
         <p:spPr/>
         <p:txBody>
           <a:bodyPr>
-            <a:normAutofit/>
+            <a:normAutofit fontScale="85000" lnSpcReduction="20000"/>
           </a:bodyPr>
           <a:lstStyle/>
           <a:p>
@@ -8629,6 +8651,15 @@
               <a:buNone/>
             </a:pPr>
             <a:r>
+              <a:rPr lang="en-GB" b="1" dirty="0"/>
+              <a:t>ACI-equivalence</a:t>
+            </a:r>
+          </a:p>
+          <a:p>
+            <a:pPr marL="0" indent="0" algn="ctr">
+              <a:buNone/>
+            </a:pPr>
+            <a:r>
               <a:rPr lang="en-US" dirty="0"/>
               <a:t>equality modulo </a:t>
             </a:r>
@@ -8660,106 +8691,179 @@
               <a:rPr lang="en-US" i="1" dirty="0"/>
               <a:t>+</a:t>
             </a:r>
-            <a:endParaRPr lang="en-US" dirty="0"/>
-          </a:p>
-          <a:p>
-            <a:endParaRPr lang="en-US" dirty="0"/>
-          </a:p>
-          <a:p>
-            <a:r>
-              <a:rPr lang="en-US" dirty="0"/>
-              <a:t>ACI-equality of two REs can be reduced to equality by recursively sorting </a:t>
-            </a:r>
-            <a:r>
-              <a:rPr lang="en-US" dirty="0" err="1"/>
-              <a:t>subterms</a:t>
-            </a:r>
-            <a:r>
-              <a:rPr lang="en-US" dirty="0"/>
-              <a:t> of nested + terms, and eliminating duplicates</a:t>
-            </a:r>
-          </a:p>
-          <a:p>
-            <a:pPr lvl="1">
-              <a:buFont typeface="Wingdings" panose="05000000000000000000" pitchFamily="2" charset="2"/>
-              <a:buChar char="à"/>
+            <a:endParaRPr lang="en-GB" dirty="0"/>
+          </a:p>
+          <a:p>
+            <a:pPr marL="0" indent="0">
+              <a:buNone/>
             </a:pPr>
-            <a:r>
-              <a:rPr lang="en-US" dirty="0">
-                <a:sym typeface="Wingdings" panose="05000000000000000000" pitchFamily="2" charset="2"/>
-              </a:rPr>
-              <a:t>Use some arbitrary order on the constructors: </a:t>
-            </a:r>
-            <a:r>
-              <a:rPr lang="pt-BR" b="1" i="1" dirty="0">
+            <a:endParaRPr lang="en-GB" dirty="0"/>
+          </a:p>
+          <a:p>
+            <a:pPr marL="0" indent="0">
+              <a:buNone/>
+            </a:pPr>
+            <a:r>
+              <a:rPr lang="en-GB" dirty="0"/>
+              <a:t>In each step, we add the following to the work set:</a:t>
+            </a:r>
+          </a:p>
+          <a:p>
+            <a:pPr marL="0" indent="0">
+              <a:buNone/>
+            </a:pPr>
+            <a:endParaRPr lang="en-GB" dirty="0"/>
+          </a:p>
+          <a:p>
+            <a:pPr marL="0" indent="0">
+              <a:buNone/>
+            </a:pPr>
+            <a:r>
+              <a:rPr lang="en-GB" dirty="0">
                 <a:latin typeface="Lucida Bright" panose="02040602050505020304" pitchFamily="18" charset="0"/>
               </a:rPr>
-              <a:t>∅</a:t>
-            </a:r>
-            <a:r>
-              <a:rPr lang="en-US" dirty="0">
-                <a:sym typeface="Wingdings" panose="05000000000000000000" pitchFamily="2" charset="2"/>
+              <a:t>{(</a:t>
+            </a:r>
+            <a:r>
+              <a:rPr lang="en-GB" dirty="0" err="1">
+                <a:latin typeface="Lucida Bright" panose="02040602050505020304" pitchFamily="18" charset="0"/>
               </a:rPr>
-              <a:t>  &lt; </a:t>
-            </a:r>
-            <a:r>
-              <a:rPr lang="el-GR" i="1" dirty="0"/>
-              <a:t>ε</a:t>
-            </a:r>
-            <a:r>
-              <a:rPr lang="de-DE" i="1" dirty="0"/>
-              <a:t> &lt; a &lt;</a:t>
-            </a:r>
-            <a:r>
-              <a:rPr lang="pt-BR" b="1" i="1" dirty="0">
+              <a:t>r,s</a:t>
+            </a:r>
+            <a:r>
+              <a:rPr lang="en-GB" dirty="0">
+                <a:latin typeface="Lucida Bright" panose="02040602050505020304" pitchFamily="18" charset="0"/>
+              </a:rPr>
+              <a:t>) ← </a:t>
+            </a:r>
+            <a:r>
+              <a:rPr lang="en-GB" dirty="0" err="1">
+                <a:latin typeface="Lucida Bright" panose="02040602050505020304" pitchFamily="18" charset="0"/>
+              </a:rPr>
+              <a:t>succs</a:t>
+            </a:r>
+            <a:r>
+              <a:rPr lang="en-GB" dirty="0">
+                <a:latin typeface="Lucida Bright" panose="02040602050505020304" pitchFamily="18" charset="0"/>
+              </a:rPr>
+              <a:t> as (</a:t>
+            </a:r>
+            <a:r>
+              <a:rPr lang="en-GB" dirty="0" err="1">
+                <a:latin typeface="Lucida Bright" panose="02040602050505020304" pitchFamily="18" charset="0"/>
+              </a:rPr>
+              <a:t>hd</a:t>
+            </a:r>
+            <a:r>
+              <a:rPr lang="en-GB" dirty="0">
                 <a:latin typeface="Lucida Bright" panose="02040602050505020304" pitchFamily="18" charset="0"/>
               </a:rPr>
               <a:t> </a:t>
             </a:r>
             <a:r>
-              <a:rPr lang="en-US" dirty="0">
-                <a:sym typeface="Wingdings" panose="05000000000000000000" pitchFamily="2" charset="2"/>
+              <a:rPr lang="en-GB" dirty="0" err="1">
+                <a:latin typeface="Lucida Bright" panose="02040602050505020304" pitchFamily="18" charset="0"/>
               </a:rPr>
-              <a:t>(_)* &lt; (_</a:t>
+              <a:t>ws</a:t>
+            </a:r>
+            <a:r>
+              <a:rPr lang="en-GB" dirty="0">
+                <a:latin typeface="Lucida Bright" panose="02040602050505020304" pitchFamily="18" charset="0"/>
+              </a:rPr>
+              <a:t>) . (</a:t>
+            </a:r>
+            <a:r>
+              <a:rPr lang="en-GB" dirty="0" err="1">
+                <a:latin typeface="Lucida Bright" panose="02040602050505020304" pitchFamily="18" charset="0"/>
+              </a:rPr>
+              <a:t>r,s</a:t>
+            </a:r>
+            <a:r>
+              <a:rPr lang="en-GB" dirty="0">
+                <a:latin typeface="Lucida Bright" panose="02040602050505020304" pitchFamily="18" charset="0"/>
+              </a:rPr>
+              <a:t>) ∉ set </a:t>
+            </a:r>
+            <a:r>
+              <a:rPr lang="en-GB" dirty="0" err="1">
+                <a:latin typeface="Lucida Bright" panose="02040602050505020304" pitchFamily="18" charset="0"/>
+              </a:rPr>
+              <a:t>ps'</a:t>
+            </a:r>
+            <a:r>
+              <a:rPr lang="en-GB" dirty="0">
+                <a:latin typeface="Lucida Bright" panose="02040602050505020304" pitchFamily="18" charset="0"/>
+              </a:rPr>
+              <a:t> ∪ set </a:t>
+            </a:r>
+            <a:r>
+              <a:rPr lang="en-GB" dirty="0" err="1">
+                <a:latin typeface="Lucida Bright" panose="02040602050505020304" pitchFamily="18" charset="0"/>
+              </a:rPr>
+              <a:t>ws</a:t>
+            </a:r>
+            <a:r>
+              <a:rPr lang="en-GB" dirty="0">
+                <a:latin typeface="Lucida Bright" panose="02040602050505020304" pitchFamily="18" charset="0"/>
+              </a:rPr>
+              <a:t>}</a:t>
+            </a:r>
+          </a:p>
+          <a:p>
+            <a:pPr marL="0" indent="0">
+              <a:buNone/>
+            </a:pPr>
+            <a:endParaRPr lang="en-US" dirty="0"/>
+          </a:p>
+          <a:p>
+            <a:pPr marL="0" indent="0" algn="ctr">
+              <a:buNone/>
+            </a:pPr>
+            <a:r>
+              <a:rPr lang="en-GB" i="1" dirty="0"/>
+              <a:t>If the </a:t>
             </a:r>
             <a:r>
               <a:rPr lang="en-GB" i="1" dirty="0">
-                <a:latin typeface="Cambria Math" panose="02040503050406030204" pitchFamily="18" charset="0"/>
-                <a:ea typeface="Cambria Math" panose="02040503050406030204" pitchFamily="18" charset="0"/>
+                <a:latin typeface="Lucida Bright" panose="02040602050505020304" pitchFamily="18" charset="0"/>
               </a:rPr>
-              <a:t>⋅ </a:t>
-            </a:r>
-            <a:r>
-              <a:rPr lang="en-US" dirty="0">
-                <a:sym typeface="Wingdings" panose="05000000000000000000" pitchFamily="2" charset="2"/>
-              </a:rPr>
-              <a:t>_)</a:t>
-            </a:r>
-          </a:p>
-          <a:p>
-            <a:pPr lvl="1">
-              <a:buFont typeface="Wingdings" panose="05000000000000000000" pitchFamily="2" charset="2"/>
-              <a:buChar char="à"/>
+              <a:t>∉-</a:t>
+            </a:r>
+            <a:r>
+              <a:rPr lang="en-GB" i="1" dirty="0"/>
+              <a:t>filter also considers ACI-equivalent REs to be equal,</a:t>
+            </a:r>
+          </a:p>
+          <a:p>
+            <a:pPr marL="0" indent="0" algn="ctr">
+              <a:buNone/>
             </a:pPr>
             <a:r>
-              <a:rPr lang="en-US" dirty="0"/>
-              <a:t>The calls also make lists out of nested +’s.</a:t>
-            </a:r>
-          </a:p>
-          <a:p>
-            <a:pPr lvl="1">
-              <a:buFont typeface="Wingdings" panose="05000000000000000000" pitchFamily="2" charset="2"/>
-              <a:buChar char="à"/>
+              <a:rPr lang="en-GB" i="1" dirty="0"/>
+              <a:t>then the computation terminates.</a:t>
+            </a:r>
+          </a:p>
+          <a:p>
+            <a:pPr marL="0" indent="0" algn="ctr">
+              <a:buNone/>
             </a:pPr>
-            <a:r>
-              <a:rPr lang="en-US" dirty="0"/>
-              <a:t>Afterwards, check for equality.</a:t>
-            </a:r>
-          </a:p>
-          <a:p>
-            <a:r>
-              <a:rPr lang="en-US" dirty="0"/>
-              <a:t>alternative: keep the REs in this normal form, as an invariant</a:t>
+            <a:endParaRPr lang="en-GB" dirty="0"/>
+          </a:p>
+          <a:p>
+            <a:pPr marL="0" indent="0">
+              <a:buNone/>
+            </a:pPr>
+            <a:r>
+              <a:rPr lang="en-GB" dirty="0"/>
+              <a:t>The resulting relation will still be a </a:t>
+            </a:r>
+            <a:r>
+              <a:rPr lang="en-GB" dirty="0" err="1"/>
+              <a:t>bisimulation</a:t>
+            </a:r>
+            <a:r>
+              <a:rPr lang="en-GB" dirty="0"/>
+              <a:t>.</a:t>
             </a:r>
           </a:p>
         </p:txBody>
@@ -8767,7 +8871,7 @@
     </p:spTree>
     <p:extLst>
       <p:ext uri="{BB962C8B-B14F-4D97-AF65-F5344CB8AC3E}">
-        <p14:creationId xmlns:p14="http://schemas.microsoft.com/office/powerpoint/2010/main" val="3250996410"/>
+        <p14:creationId xmlns:p14="http://schemas.microsoft.com/office/powerpoint/2010/main" val="1811828584"/>
       </p:ext>
     </p:extLst>
   </p:cSld>
@@ -8799,7 +8903,7 @@
           <p:cNvPr id="2" name="Titel 1">
             <a:extLst>
               <a:ext uri="{FF2B5EF4-FFF2-40B4-BE49-F238E27FC236}">
-                <a16:creationId xmlns:a16="http://schemas.microsoft.com/office/drawing/2014/main" id="{A24B41B1-888F-48DC-BD41-15D6CE619CD0}"/>
+                <a16:creationId xmlns:a16="http://schemas.microsoft.com/office/drawing/2014/main" id="{D55CD077-9E2B-43F3-83A0-334C38F85C7C}"/>
               </a:ext>
             </a:extLst>
           </p:cNvPr>
@@ -8816,13 +8920,14 @@
           <a:lstStyle/>
           <a:p>
             <a:r>
-              <a:rPr lang="en-US" dirty="0" err="1"/>
-              <a:t>Brzozowki’s</a:t>
-            </a:r>
-            <a:r>
               <a:rPr lang="en-US" dirty="0"/>
-              <a:t> result about termination</a:t>
-            </a:r>
+              <a:t>Decidability of ACI-equivalence (</a:t>
+            </a:r>
+            <a:r>
+              <a:rPr lang="en-US"/>
+              <a:t>not verified)</a:t>
+            </a:r>
+            <a:endParaRPr lang="en-US" dirty="0"/>
           </a:p>
         </p:txBody>
       </p:sp>
@@ -8831,7 +8936,7 @@
           <p:cNvPr id="3" name="Inhaltsplatzhalter 2">
             <a:extLst>
               <a:ext uri="{FF2B5EF4-FFF2-40B4-BE49-F238E27FC236}">
-                <a16:creationId xmlns:a16="http://schemas.microsoft.com/office/drawing/2014/main" id="{740A271E-5A51-4AB1-95AC-89ACD35231C5}"/>
+                <a16:creationId xmlns:a16="http://schemas.microsoft.com/office/drawing/2014/main" id="{EABB337D-AA1F-4919-A75D-7EF7AE0BF98B}"/>
               </a:ext>
             </a:extLst>
           </p:cNvPr>
@@ -8844,149 +8949,146 @@
         </p:nvSpPr>
         <p:spPr/>
         <p:txBody>
-          <a:bodyPr/>
+          <a:bodyPr>
+            <a:normAutofit/>
+          </a:bodyPr>
           <a:lstStyle/>
           <a:p>
             <a:pPr marL="0" indent="0">
               <a:buNone/>
             </a:pPr>
             <a:r>
-              <a:rPr lang="en-GB" dirty="0"/>
-              <a:t>In each step, we add the following to the work set:</a:t>
-            </a:r>
-          </a:p>
-          <a:p>
-            <a:pPr marL="0" indent="0">
-              <a:buNone/>
+              <a:rPr lang="en-US" dirty="0"/>
+              <a:t>equality modulo </a:t>
+            </a:r>
+            <a:r>
+              <a:rPr lang="en-US" i="1" dirty="0"/>
+              <a:t>associativity</a:t>
+            </a:r>
+            <a:r>
+              <a:rPr lang="en-US" dirty="0"/>
+              <a:t>, </a:t>
+            </a:r>
+            <a:r>
+              <a:rPr lang="en-US" i="1" dirty="0"/>
+              <a:t>commutativity</a:t>
+            </a:r>
+            <a:r>
+              <a:rPr lang="en-US" dirty="0"/>
+              <a:t> and </a:t>
+            </a:r>
+            <a:r>
+              <a:rPr lang="en-US" i="1" dirty="0"/>
+              <a:t>idempotence</a:t>
+            </a:r>
+            <a:r>
+              <a:rPr lang="en-US" dirty="0"/>
+              <a:t> of </a:t>
+            </a:r>
+            <a:r>
+              <a:rPr lang="en-US" i="1" dirty="0"/>
+              <a:t>+</a:t>
+            </a:r>
+            <a:endParaRPr lang="en-US" dirty="0"/>
+          </a:p>
+          <a:p>
+            <a:endParaRPr lang="en-US" dirty="0"/>
+          </a:p>
+          <a:p>
+            <a:r>
+              <a:rPr lang="en-US" dirty="0"/>
+              <a:t>ACI-equality of two REs can be reduced to equality by recursively sorting </a:t>
+            </a:r>
+            <a:r>
+              <a:rPr lang="en-US" dirty="0" err="1"/>
+              <a:t>subterms</a:t>
+            </a:r>
+            <a:r>
+              <a:rPr lang="en-US" dirty="0"/>
+              <a:t> of nested + terms, and eliminating duplicates</a:t>
+            </a:r>
+          </a:p>
+          <a:p>
+            <a:pPr lvl="1">
+              <a:buFont typeface="Wingdings" panose="05000000000000000000" pitchFamily="2" charset="2"/>
+              <a:buChar char="à"/>
             </a:pPr>
-            <a:endParaRPr lang="en-GB" dirty="0"/>
-          </a:p>
-          <a:p>
-            <a:pPr marL="0" indent="0">
-              <a:buNone/>
-            </a:pPr>
-            <a:r>
-              <a:rPr lang="en-GB" dirty="0">
+            <a:r>
+              <a:rPr lang="en-US" dirty="0">
+                <a:sym typeface="Wingdings" panose="05000000000000000000" pitchFamily="2" charset="2"/>
+              </a:rPr>
+              <a:t>Use some arbitrary order on the constructors: </a:t>
+            </a:r>
+            <a:r>
+              <a:rPr lang="pt-BR" b="1" i="1" dirty="0">
                 <a:latin typeface="Lucida Bright" panose="02040602050505020304" pitchFamily="18" charset="0"/>
               </a:rPr>
-              <a:t>[p ← </a:t>
-            </a:r>
-            <a:r>
-              <a:rPr lang="en-GB" dirty="0" err="1">
-                <a:latin typeface="Lucida Bright" panose="02040602050505020304" pitchFamily="18" charset="0"/>
+              <a:t>∅</a:t>
+            </a:r>
+            <a:r>
+              <a:rPr lang="en-US" dirty="0">
+                <a:sym typeface="Wingdings" panose="05000000000000000000" pitchFamily="2" charset="2"/>
               </a:rPr>
-              <a:t>succs</a:t>
-            </a:r>
-            <a:r>
-              <a:rPr lang="en-GB" dirty="0">
-                <a:latin typeface="Lucida Bright" panose="02040602050505020304" pitchFamily="18" charset="0"/>
-              </a:rPr>
-              <a:t> as (</a:t>
-            </a:r>
-            <a:r>
-              <a:rPr lang="en-GB" dirty="0" err="1">
-                <a:latin typeface="Lucida Bright" panose="02040602050505020304" pitchFamily="18" charset="0"/>
-              </a:rPr>
-              <a:t>hd</a:t>
-            </a:r>
-            <a:r>
-              <a:rPr lang="en-GB" dirty="0">
+              <a:t>  &lt; </a:t>
+            </a:r>
+            <a:r>
+              <a:rPr lang="el-GR" i="1" dirty="0"/>
+              <a:t>ε</a:t>
+            </a:r>
+            <a:r>
+              <a:rPr lang="de-DE" i="1" dirty="0"/>
+              <a:t> &lt; a &lt;</a:t>
+            </a:r>
+            <a:r>
+              <a:rPr lang="pt-BR" b="1" i="1" dirty="0">
                 <a:latin typeface="Lucida Bright" panose="02040602050505020304" pitchFamily="18" charset="0"/>
               </a:rPr>
               <a:t> </a:t>
             </a:r>
             <a:r>
-              <a:rPr lang="en-GB" dirty="0" err="1">
-                <a:latin typeface="Lucida Bright" panose="02040602050505020304" pitchFamily="18" charset="0"/>
+              <a:rPr lang="en-US" dirty="0">
+                <a:sym typeface="Wingdings" panose="05000000000000000000" pitchFamily="2" charset="2"/>
               </a:rPr>
-              <a:t>ws</a:t>
-            </a:r>
-            <a:r>
-              <a:rPr lang="en-GB" dirty="0">
-                <a:latin typeface="Lucida Bright" panose="02040602050505020304" pitchFamily="18" charset="0"/>
+              <a:t>(_)* &lt; (_</a:t>
+            </a:r>
+            <a:r>
+              <a:rPr lang="en-GB" i="1" dirty="0">
+                <a:latin typeface="Cambria Math" panose="02040503050406030204" pitchFamily="18" charset="0"/>
+                <a:ea typeface="Cambria Math" panose="02040503050406030204" pitchFamily="18" charset="0"/>
               </a:rPr>
-              <a:t>) . p ∉ set </a:t>
-            </a:r>
-            <a:r>
-              <a:rPr lang="en-GB" dirty="0" err="1">
-                <a:latin typeface="Lucida Bright" panose="02040602050505020304" pitchFamily="18" charset="0"/>
+              <a:t>⋅ </a:t>
+            </a:r>
+            <a:r>
+              <a:rPr lang="en-US" dirty="0">
+                <a:sym typeface="Wingdings" panose="05000000000000000000" pitchFamily="2" charset="2"/>
               </a:rPr>
-              <a:t>ps'</a:t>
-            </a:r>
-            <a:r>
-              <a:rPr lang="en-GB" dirty="0">
-                <a:latin typeface="Lucida Bright" panose="02040602050505020304" pitchFamily="18" charset="0"/>
-              </a:rPr>
-              <a:t> ∪ set </a:t>
-            </a:r>
-            <a:r>
-              <a:rPr lang="en-GB" dirty="0" err="1">
-                <a:latin typeface="Lucida Bright" panose="02040602050505020304" pitchFamily="18" charset="0"/>
-              </a:rPr>
-              <a:t>ws</a:t>
-            </a:r>
-            <a:r>
-              <a:rPr lang="en-GB" dirty="0">
-                <a:latin typeface="Lucida Bright" panose="02040602050505020304" pitchFamily="18" charset="0"/>
-              </a:rPr>
-              <a:t>]</a:t>
-            </a:r>
-          </a:p>
-          <a:p>
-            <a:pPr marL="0" indent="0">
-              <a:buNone/>
+              <a:t>_)</a:t>
+            </a:r>
+          </a:p>
+          <a:p>
+            <a:pPr lvl="1">
+              <a:buFont typeface="Wingdings" panose="05000000000000000000" pitchFamily="2" charset="2"/>
+              <a:buChar char="à"/>
             </a:pPr>
-            <a:endParaRPr lang="en-US" dirty="0"/>
-          </a:p>
-          <a:p>
-            <a:pPr marL="0" indent="0" algn="ctr">
-              <a:buNone/>
+            <a:r>
+              <a:rPr lang="en-US" dirty="0"/>
+              <a:t>The calls also make lists out of nested +’s.</a:t>
+            </a:r>
+          </a:p>
+          <a:p>
+            <a:pPr lvl="1">
+              <a:buFont typeface="Wingdings" panose="05000000000000000000" pitchFamily="2" charset="2"/>
+              <a:buChar char="à"/>
             </a:pPr>
             <a:r>
-              <a:rPr lang="en-GB" i="1" dirty="0"/>
-              <a:t>If the </a:t>
-            </a:r>
-            <a:r>
-              <a:rPr lang="en-GB" i="1" dirty="0">
-                <a:latin typeface="Lucida Bright" panose="02040602050505020304" pitchFamily="18" charset="0"/>
-              </a:rPr>
-              <a:t>∉ </a:t>
-            </a:r>
-            <a:r>
-              <a:rPr lang="en-GB" i="1" dirty="0"/>
-              <a:t>filter also considers ACI-equivalent REs to be equal,</a:t>
-            </a:r>
-          </a:p>
-          <a:p>
-            <a:pPr marL="0" indent="0" algn="ctr">
-              <a:buNone/>
-            </a:pPr>
-            <a:r>
-              <a:rPr lang="en-GB" i="1" dirty="0"/>
-              <a:t>then the computation terminates.</a:t>
-            </a:r>
-          </a:p>
-          <a:p>
-            <a:pPr marL="0" indent="0" algn="ctr">
-              <a:buNone/>
-            </a:pPr>
-            <a:endParaRPr lang="en-GB" dirty="0"/>
-          </a:p>
-          <a:p>
-            <a:pPr marL="0" indent="0">
-              <a:buNone/>
-            </a:pPr>
-            <a:r>
-              <a:rPr lang="en-GB" dirty="0"/>
-              <a:t>The resulting relation will still be a </a:t>
-            </a:r>
-            <a:r>
-              <a:rPr lang="en-GB" dirty="0" err="1"/>
-              <a:t>bisimulation</a:t>
-            </a:r>
-            <a:r>
-              <a:rPr lang="en-GB" dirty="0"/>
-              <a:t>.</a:t>
+              <a:rPr lang="en-US" dirty="0"/>
+              <a:t>Afterwards, check for equality.</a:t>
+            </a:r>
+          </a:p>
+          <a:p>
+            <a:r>
+              <a:rPr lang="en-US" dirty="0"/>
+              <a:t>alternative: keep the REs in this normal form, as an invariant</a:t>
             </a:r>
           </a:p>
         </p:txBody>
@@ -8994,7 +9096,7 @@
     </p:spTree>
     <p:extLst>
       <p:ext uri="{BB962C8B-B14F-4D97-AF65-F5344CB8AC3E}">
-        <p14:creationId xmlns:p14="http://schemas.microsoft.com/office/powerpoint/2010/main" val="1811828584"/>
+        <p14:creationId xmlns:p14="http://schemas.microsoft.com/office/powerpoint/2010/main" val="3250996410"/>
       </p:ext>
     </p:extLst>
   </p:cSld>
@@ -11118,261 +11220,6 @@
           <p:cNvPr id="2" name="Titel 1">
             <a:extLst>
               <a:ext uri="{FF2B5EF4-FFF2-40B4-BE49-F238E27FC236}">
-                <a16:creationId xmlns:a16="http://schemas.microsoft.com/office/drawing/2014/main" id="{FF9ADB34-2AF9-4877-B402-3DDCAD702750}"/>
-              </a:ext>
-            </a:extLst>
-          </p:cNvPr>
-          <p:cNvSpPr>
-            <a:spLocks noGrp="1"/>
-          </p:cNvSpPr>
-          <p:nvPr>
-            <p:ph type="title"/>
-          </p:nvPr>
-        </p:nvSpPr>
-        <p:spPr/>
-        <p:txBody>
-          <a:bodyPr/>
-          <a:lstStyle/>
-          <a:p>
-            <a:r>
-              <a:rPr lang="en-US" dirty="0" err="1"/>
-              <a:t>Bisimulations</a:t>
-            </a:r>
-            <a:r>
-              <a:rPr lang="en-US" dirty="0"/>
-              <a:t> (cont.)</a:t>
-            </a:r>
-          </a:p>
-        </p:txBody>
-      </p:sp>
-      <p:sp>
-        <p:nvSpPr>
-          <p:cNvPr id="3" name="Inhaltsplatzhalter 2">
-            <a:extLst>
-              <a:ext uri="{FF2B5EF4-FFF2-40B4-BE49-F238E27FC236}">
-                <a16:creationId xmlns:a16="http://schemas.microsoft.com/office/drawing/2014/main" id="{76B9DF96-D467-4401-BFBB-446ABE98C79F}"/>
-              </a:ext>
-            </a:extLst>
-          </p:cNvPr>
-          <p:cNvSpPr>
-            <a:spLocks noGrp="1"/>
-          </p:cNvSpPr>
-          <p:nvPr>
-            <p:ph idx="1"/>
-          </p:nvPr>
-        </p:nvSpPr>
-        <p:spPr/>
-        <p:txBody>
-          <a:bodyPr>
-            <a:normAutofit fontScale="85000" lnSpcReduction="20000"/>
-          </a:bodyPr>
-          <a:lstStyle/>
-          <a:p>
-            <a:pPr marL="0" indent="0">
-              <a:buNone/>
-            </a:pPr>
-            <a:r>
-              <a:rPr lang="en-US" dirty="0"/>
-              <a:t>We transpose the definition and lemma to the world of REs:</a:t>
-            </a:r>
-          </a:p>
-          <a:p>
-            <a:pPr marL="0" indent="0">
-              <a:buNone/>
-            </a:pPr>
-            <a:endParaRPr lang="en-US" dirty="0"/>
-          </a:p>
-          <a:p>
-            <a:pPr marL="0" indent="0">
-              <a:buNone/>
-            </a:pPr>
-            <a:r>
-              <a:rPr lang="en-GB" dirty="0"/>
-              <a:t>is-</a:t>
-            </a:r>
-            <a:r>
-              <a:rPr lang="en-GB" dirty="0" err="1"/>
-              <a:t>bisimulation</a:t>
-            </a:r>
-            <a:r>
-              <a:rPr lang="en-GB" dirty="0"/>
-              <a:t> as </a:t>
-            </a:r>
-            <a:r>
-              <a:rPr lang="en-GB" dirty="0" err="1"/>
-              <a:t>ps</a:t>
-            </a:r>
-            <a:r>
-              <a:rPr lang="en-GB" dirty="0"/>
-              <a:t> </a:t>
-            </a:r>
-            <a:r>
-              <a:rPr lang="en-US" dirty="0">
-                <a:latin typeface="Lucida Bright" panose="02040602050505020304" pitchFamily="18" charset="0"/>
-              </a:rPr>
-              <a:t>⟷</a:t>
-            </a:r>
-          </a:p>
-          <a:p>
-            <a:pPr marL="0" indent="0">
-              <a:buNone/>
-            </a:pPr>
-            <a:r>
-              <a:rPr lang="en-GB" dirty="0"/>
-              <a:t>	(∀(r, s)∈ ps.</a:t>
-            </a:r>
-          </a:p>
-          <a:p>
-            <a:pPr marL="0" indent="0">
-              <a:buNone/>
-            </a:pPr>
-            <a:r>
-              <a:rPr lang="en-GB" dirty="0"/>
-              <a:t>		(final r </a:t>
-            </a:r>
-            <a:r>
-              <a:rPr lang="en-US" dirty="0">
-                <a:latin typeface="Lucida Bright" panose="02040602050505020304" pitchFamily="18" charset="0"/>
-              </a:rPr>
-              <a:t>⟷</a:t>
-            </a:r>
-            <a:r>
-              <a:rPr lang="en-GB" dirty="0"/>
-              <a:t> final s) ∧</a:t>
-            </a:r>
-          </a:p>
-          <a:p>
-            <a:pPr marL="0" indent="0">
-              <a:buNone/>
-            </a:pPr>
-            <a:r>
-              <a:rPr lang="en-GB" dirty="0"/>
-              <a:t>		(∀a ∈ as. (D a (r), D a (s)) ∈ </a:t>
-            </a:r>
-            <a:r>
-              <a:rPr lang="en-GB" dirty="0" err="1"/>
-              <a:t>ps</a:t>
-            </a:r>
-            <a:r>
-              <a:rPr lang="en-GB" dirty="0"/>
-              <a:t>) ∧</a:t>
-            </a:r>
-          </a:p>
-          <a:p>
-            <a:pPr marL="0" indent="0">
-              <a:buNone/>
-            </a:pPr>
-            <a:r>
-              <a:rPr lang="en-GB" dirty="0"/>
-              <a:t>		atoms r ∪ atoms s ⊆ as</a:t>
-            </a:r>
-            <a:endParaRPr lang="en-US" dirty="0"/>
-          </a:p>
-          <a:p>
-            <a:pPr marL="0" indent="0">
-              <a:buNone/>
-            </a:pPr>
-            <a:r>
-              <a:rPr lang="en-US" dirty="0"/>
-              <a:t>	)</a:t>
-            </a:r>
-          </a:p>
-          <a:p>
-            <a:pPr marL="0" indent="0">
-              <a:buNone/>
-            </a:pPr>
-            <a:endParaRPr lang="en-US" dirty="0"/>
-          </a:p>
-          <a:p>
-            <a:pPr marL="0" indent="0">
-              <a:buNone/>
-            </a:pPr>
-            <a:endParaRPr lang="en-US" dirty="0"/>
-          </a:p>
-          <a:p>
-            <a:pPr marL="0" indent="0">
-              <a:buNone/>
-            </a:pPr>
-            <a:r>
-              <a:rPr lang="en-US" i="1" dirty="0" err="1">
-                <a:latin typeface="Cambria Math" panose="02040503050406030204" pitchFamily="18" charset="0"/>
-                <a:ea typeface="Cambria Math" panose="02040503050406030204" pitchFamily="18" charset="0"/>
-              </a:rPr>
-              <a:t>is_bisimulation</a:t>
-            </a:r>
-            <a:r>
-              <a:rPr lang="en-US" i="1" dirty="0">
-                <a:latin typeface="Cambria Math" panose="02040503050406030204" pitchFamily="18" charset="0"/>
-                <a:ea typeface="Cambria Math" panose="02040503050406030204" pitchFamily="18" charset="0"/>
-              </a:rPr>
-              <a:t> as </a:t>
-            </a:r>
-            <a:r>
-              <a:rPr lang="en-US" i="1" dirty="0" err="1">
-                <a:latin typeface="Cambria Math" panose="02040503050406030204" pitchFamily="18" charset="0"/>
-                <a:ea typeface="Cambria Math" panose="02040503050406030204" pitchFamily="18" charset="0"/>
-              </a:rPr>
-              <a:t>ps</a:t>
-            </a:r>
-            <a:r>
-              <a:rPr lang="en-US" i="1" dirty="0">
-                <a:latin typeface="Cambria Math" panose="02040503050406030204" pitchFamily="18" charset="0"/>
-                <a:ea typeface="Cambria Math" panose="02040503050406030204" pitchFamily="18" charset="0"/>
-              </a:rPr>
-              <a:t> ⟹ (r, s) ∈ </a:t>
-            </a:r>
-            <a:r>
-              <a:rPr lang="en-US" i="1" dirty="0" err="1">
-                <a:latin typeface="Cambria Math" panose="02040503050406030204" pitchFamily="18" charset="0"/>
-                <a:ea typeface="Cambria Math" panose="02040503050406030204" pitchFamily="18" charset="0"/>
-              </a:rPr>
-              <a:t>ps</a:t>
-            </a:r>
-            <a:r>
-              <a:rPr lang="en-US" i="1" dirty="0">
-                <a:latin typeface="Cambria Math" panose="02040503050406030204" pitchFamily="18" charset="0"/>
-                <a:ea typeface="Cambria Math" panose="02040503050406030204" pitchFamily="18" charset="0"/>
-              </a:rPr>
-              <a:t> ⟹ L (r) = L (s)</a:t>
-            </a:r>
-          </a:p>
-        </p:txBody>
-      </p:sp>
-    </p:spTree>
-    <p:extLst>
-      <p:ext uri="{BB962C8B-B14F-4D97-AF65-F5344CB8AC3E}">
-        <p14:creationId xmlns:p14="http://schemas.microsoft.com/office/powerpoint/2010/main" val="3235657987"/>
-      </p:ext>
-    </p:extLst>
-  </p:cSld>
-  <p:clrMapOvr>
-    <a:masterClrMapping/>
-  </p:clrMapOvr>
-</p:sld>
-</file>
-
-<file path=ppt/slides/slide8.xml><?xml version="1.0" encoding="utf-8"?>
-<p:sld xmlns:a="http://schemas.openxmlformats.org/drawingml/2006/main" xmlns:r="http://schemas.openxmlformats.org/officeDocument/2006/relationships" xmlns:p="http://schemas.openxmlformats.org/presentationml/2006/main">
-  <p:cSld>
-    <p:spTree>
-      <p:nvGrpSpPr>
-        <p:cNvPr id="1" name=""/>
-        <p:cNvGrpSpPr/>
-        <p:nvPr/>
-      </p:nvGrpSpPr>
-      <p:grpSpPr>
-        <a:xfrm>
-          <a:off x="0" y="0"/>
-          <a:ext cx="0" cy="0"/>
-          <a:chOff x="0" y="0"/>
-          <a:chExt cx="0" cy="0"/>
-        </a:xfrm>
-      </p:grpSpPr>
-      <p:sp>
-        <p:nvSpPr>
-          <p:cNvPr id="2" name="Titel 1">
-            <a:extLst>
-              <a:ext uri="{FF2B5EF4-FFF2-40B4-BE49-F238E27FC236}">
                 <a16:creationId xmlns:a16="http://schemas.microsoft.com/office/drawing/2014/main" id="{81C16FAE-4AF6-4523-9A5B-2DA28A67C4C4}"/>
               </a:ext>
             </a:extLst>
@@ -12055,7 +11902,7 @@
 </p:sld>
 </file>
 
-<file path=ppt/slides/slide9.xml><?xml version="1.0" encoding="utf-8"?>
+<file path=ppt/slides/slide8.xml><?xml version="1.0" encoding="utf-8"?>
 <p:sld xmlns:a="http://schemas.openxmlformats.org/drawingml/2006/main" xmlns:r="http://schemas.openxmlformats.org/officeDocument/2006/relationships" xmlns:p="http://schemas.openxmlformats.org/presentationml/2006/main">
   <p:cSld>
     <p:spTree>
@@ -12100,8 +11947,8 @@
           </a:p>
         </p:txBody>
       </p:sp>
-      <mc:AlternateContent xmlns:mc="http://schemas.openxmlformats.org/markup-compatibility/2006" xmlns:a14="http://schemas.microsoft.com/office/drawing/2010/main">
-        <mc:Choice Requires="a14">
+      <mc:AlternateContent xmlns:mc="http://schemas.openxmlformats.org/markup-compatibility/2006">
+        <mc:Choice xmlns:a14="http://schemas.microsoft.com/office/drawing/2010/main" Requires="a14">
           <p:sp>
             <p:nvSpPr>
               <p:cNvPr id="3" name="Inhaltsplatzhalter 2">
@@ -12240,7 +12087,7 @@
                     <a:latin typeface="Cambria Math" panose="02040503050406030204" pitchFamily="18" charset="0"/>
                     <a:ea typeface="Cambria Math" panose="02040503050406030204" pitchFamily="18" charset="0"/>
                   </a:rPr>
-                  <a:t>		in if nullable r  then </a:t>
+                  <a:t>		in if [] ∈ L(r) then </a:t>
                 </a:r>
                 <a:r>
                   <a:rPr lang="en-GB" i="1" dirty="0" err="1">
@@ -12619,7 +12466,7 @@
             </p:txBody>
           </p:sp>
         </mc:Choice>
-        <mc:Fallback xmlns="">
+        <mc:Fallback>
           <p:sp>
             <p:nvSpPr>
               <p:cNvPr id="3" name="Inhaltsplatzhalter 2">
@@ -12708,6 +12555,461 @@
     <p:extLst>
       <p:ext uri="{BB962C8B-B14F-4D97-AF65-F5344CB8AC3E}">
         <p14:creationId xmlns:p14="http://schemas.microsoft.com/office/powerpoint/2010/main" val="2901290462"/>
+      </p:ext>
+    </p:extLst>
+  </p:cSld>
+  <p:clrMapOvr>
+    <a:masterClrMapping/>
+  </p:clrMapOvr>
+</p:sld>
+</file>
+
+<file path=ppt/slides/slide9.xml><?xml version="1.0" encoding="utf-8"?>
+<p:sld xmlns:a="http://schemas.openxmlformats.org/drawingml/2006/main" xmlns:r="http://schemas.openxmlformats.org/officeDocument/2006/relationships" xmlns:p="http://schemas.openxmlformats.org/presentationml/2006/main">
+  <p:cSld>
+    <p:spTree>
+      <p:nvGrpSpPr>
+        <p:cNvPr id="1" name=""/>
+        <p:cNvGrpSpPr/>
+        <p:nvPr/>
+      </p:nvGrpSpPr>
+      <p:grpSpPr>
+        <a:xfrm>
+          <a:off x="0" y="0"/>
+          <a:ext cx="0" cy="0"/>
+          <a:chOff x="0" y="0"/>
+          <a:chExt cx="0" cy="0"/>
+        </a:xfrm>
+      </p:grpSpPr>
+      <p:sp>
+        <p:nvSpPr>
+          <p:cNvPr id="2" name="Titel 1">
+            <a:extLst>
+              <a:ext uri="{FF2B5EF4-FFF2-40B4-BE49-F238E27FC236}">
+                <a16:creationId xmlns:a16="http://schemas.microsoft.com/office/drawing/2014/main" id="{FF9ADB34-2AF9-4877-B402-3DDCAD702750}"/>
+              </a:ext>
+            </a:extLst>
+          </p:cNvPr>
+          <p:cNvSpPr>
+            <a:spLocks noGrp="1"/>
+          </p:cNvSpPr>
+          <p:nvPr>
+            <p:ph type="title"/>
+          </p:nvPr>
+        </p:nvSpPr>
+        <p:spPr/>
+        <p:txBody>
+          <a:bodyPr/>
+          <a:lstStyle/>
+          <a:p>
+            <a:r>
+              <a:rPr lang="en-US" dirty="0" err="1"/>
+              <a:t>Bisimulations</a:t>
+            </a:r>
+            <a:r>
+              <a:rPr lang="en-US" dirty="0"/>
+              <a:t> (cont.)</a:t>
+            </a:r>
+          </a:p>
+        </p:txBody>
+      </p:sp>
+      <mc:AlternateContent xmlns:mc="http://schemas.openxmlformats.org/markup-compatibility/2006">
+        <mc:Choice xmlns:a14="http://schemas.microsoft.com/office/drawing/2010/main" Requires="a14">
+          <p:sp>
+            <p:nvSpPr>
+              <p:cNvPr id="3" name="Inhaltsplatzhalter 2">
+                <a:extLst>
+                  <a:ext uri="{FF2B5EF4-FFF2-40B4-BE49-F238E27FC236}">
+                    <a16:creationId xmlns:a16="http://schemas.microsoft.com/office/drawing/2014/main" id="{76B9DF96-D467-4401-BFBB-446ABE98C79F}"/>
+                  </a:ext>
+                </a:extLst>
+              </p:cNvPr>
+              <p:cNvSpPr>
+                <a:spLocks noGrp="1"/>
+              </p:cNvSpPr>
+              <p:nvPr>
+                <p:ph idx="1"/>
+              </p:nvPr>
+            </p:nvSpPr>
+            <p:spPr/>
+            <p:txBody>
+              <a:bodyPr>
+                <a:normAutofit fontScale="85000" lnSpcReduction="20000"/>
+              </a:bodyPr>
+              <a:lstStyle/>
+              <a:p>
+                <a:pPr marL="0" indent="0">
+                  <a:buNone/>
+                </a:pPr>
+                <a:r>
+                  <a:rPr lang="en-US" dirty="0"/>
+                  <a:t>We transpose the definition and lemma to the world of REs:</a:t>
+                </a:r>
+              </a:p>
+              <a:p>
+                <a:pPr marL="0" indent="0">
+                  <a:buNone/>
+                </a:pPr>
+                <a:endParaRPr lang="en-US" dirty="0"/>
+              </a:p>
+              <a:p>
+                <a:pPr marL="0" indent="0">
+                  <a:buNone/>
+                </a:pPr>
+                <a:r>
+                  <a:rPr lang="en-GB" i="1" dirty="0">
+                    <a:latin typeface="Cambria Math" panose="02040503050406030204" pitchFamily="18" charset="0"/>
+                    <a:ea typeface="Cambria Math" panose="02040503050406030204" pitchFamily="18" charset="0"/>
+                  </a:rPr>
+                  <a:t>is-</a:t>
+                </a:r>
+                <a:r>
+                  <a:rPr lang="en-GB" i="1" dirty="0" err="1">
+                    <a:latin typeface="Cambria Math" panose="02040503050406030204" pitchFamily="18" charset="0"/>
+                    <a:ea typeface="Cambria Math" panose="02040503050406030204" pitchFamily="18" charset="0"/>
+                  </a:rPr>
+                  <a:t>bisimulation</a:t>
+                </a:r>
+                <a:r>
+                  <a:rPr lang="en-GB" i="1" dirty="0">
+                    <a:latin typeface="Cambria Math" panose="02040503050406030204" pitchFamily="18" charset="0"/>
+                    <a:ea typeface="Cambria Math" panose="02040503050406030204" pitchFamily="18" charset="0"/>
+                  </a:rPr>
+                  <a:t> as </a:t>
+                </a:r>
+                <a:r>
+                  <a:rPr lang="en-GB" i="1" dirty="0" err="1">
+                    <a:latin typeface="Cambria Math" panose="02040503050406030204" pitchFamily="18" charset="0"/>
+                    <a:ea typeface="Cambria Math" panose="02040503050406030204" pitchFamily="18" charset="0"/>
+                  </a:rPr>
+                  <a:t>ps</a:t>
+                </a:r>
+                <a:r>
+                  <a:rPr lang="en-GB" i="1" dirty="0">
+                    <a:latin typeface="Cambria Math" panose="02040503050406030204" pitchFamily="18" charset="0"/>
+                    <a:ea typeface="Cambria Math" panose="02040503050406030204" pitchFamily="18" charset="0"/>
+                  </a:rPr>
+                  <a:t> </a:t>
+                </a:r>
+                <a:r>
+                  <a:rPr lang="en-US" i="1" dirty="0">
+                    <a:latin typeface="Cambria Math" panose="02040503050406030204" pitchFamily="18" charset="0"/>
+                    <a:ea typeface="Cambria Math" panose="02040503050406030204" pitchFamily="18" charset="0"/>
+                  </a:rPr>
+                  <a:t>⟷</a:t>
+                </a:r>
+              </a:p>
+              <a:p>
+                <a:pPr marL="0" indent="0">
+                  <a:buNone/>
+                </a:pPr>
+                <a:r>
+                  <a:rPr lang="en-GB" i="1" dirty="0">
+                    <a:latin typeface="Cambria Math" panose="02040503050406030204" pitchFamily="18" charset="0"/>
+                    <a:ea typeface="Cambria Math" panose="02040503050406030204" pitchFamily="18" charset="0"/>
+                  </a:rPr>
+                  <a:t>	(∀(r, s)∈ ps.</a:t>
+                </a:r>
+              </a:p>
+              <a:p>
+                <a:pPr marL="0" indent="0">
+                  <a:buNone/>
+                </a:pPr>
+                <a:r>
+                  <a:rPr lang="en-GB" i="1" dirty="0">
+                    <a:latin typeface="Cambria Math" panose="02040503050406030204" pitchFamily="18" charset="0"/>
+                    <a:ea typeface="Cambria Math" panose="02040503050406030204" pitchFamily="18" charset="0"/>
+                  </a:rPr>
+                  <a:t>		([] ∈ L(r) </a:t>
+                </a:r>
+                <a:r>
+                  <a:rPr lang="en-US" i="1" dirty="0">
+                    <a:latin typeface="Cambria Math" panose="02040503050406030204" pitchFamily="18" charset="0"/>
+                    <a:ea typeface="Cambria Math" panose="02040503050406030204" pitchFamily="18" charset="0"/>
+                  </a:rPr>
+                  <a:t>⟷</a:t>
+                </a:r>
+                <a:r>
+                  <a:rPr lang="en-GB" i="1" dirty="0">
+                    <a:latin typeface="Cambria Math" panose="02040503050406030204" pitchFamily="18" charset="0"/>
+                    <a:ea typeface="Cambria Math" panose="02040503050406030204" pitchFamily="18" charset="0"/>
+                  </a:rPr>
+                  <a:t> [] ∈ L(s)) ∧</a:t>
+                </a:r>
+              </a:p>
+              <a:p>
+                <a:pPr marL="0" indent="0">
+                  <a:buNone/>
+                </a:pPr>
+                <a:r>
+                  <a:rPr lang="en-GB" i="1" dirty="0">
+                    <a:latin typeface="Cambria Math" panose="02040503050406030204" pitchFamily="18" charset="0"/>
+                    <a:ea typeface="Cambria Math" panose="02040503050406030204" pitchFamily="18" charset="0"/>
+                  </a:rPr>
+                  <a:t>		(∀a ∈ as. (</a:t>
+                </a:r>
+                <a14:m>
+                  <m:oMath xmlns:m="http://schemas.openxmlformats.org/officeDocument/2006/math">
+                    <m:sSub>
+                      <m:sSubPr>
+                        <m:ctrlPr>
+                          <a:rPr lang="en-US" i="1">
+                            <a:latin typeface="Cambria Math" panose="02040503050406030204" pitchFamily="18" charset="0"/>
+                            <a:ea typeface="Cambria Math" panose="02040503050406030204" pitchFamily="18" charset="0"/>
+                          </a:rPr>
+                        </m:ctrlPr>
+                      </m:sSubPr>
+                      <m:e>
+                        <m:r>
+                          <a:rPr lang="de-DE" i="1" smtClean="0">
+                            <a:latin typeface="Cambria Math" panose="02040503050406030204" pitchFamily="18" charset="0"/>
+                            <a:ea typeface="Cambria Math" panose="02040503050406030204" pitchFamily="18" charset="0"/>
+                          </a:rPr>
+                          <m:t>𝑑</m:t>
+                        </m:r>
+                      </m:e>
+                      <m:sub>
+                        <m:r>
+                          <a:rPr lang="de-DE" i="1" smtClean="0">
+                            <a:latin typeface="Cambria Math" panose="02040503050406030204" pitchFamily="18" charset="0"/>
+                            <a:ea typeface="Cambria Math" panose="02040503050406030204" pitchFamily="18" charset="0"/>
+                          </a:rPr>
+                          <m:t>𝑎</m:t>
+                        </m:r>
+                      </m:sub>
+                    </m:sSub>
+                  </m:oMath>
+                </a14:m>
+                <a:r>
+                  <a:rPr lang="en-US" i="1" dirty="0">
+                    <a:latin typeface="Cambria Math" panose="02040503050406030204" pitchFamily="18" charset="0"/>
+                    <a:ea typeface="Cambria Math" panose="02040503050406030204" pitchFamily="18" charset="0"/>
+                  </a:rPr>
+                  <a:t> (</a:t>
+                </a:r>
+                <a:r>
+                  <a:rPr lang="de-DE" i="1" dirty="0">
+                    <a:latin typeface="Cambria Math" panose="02040503050406030204" pitchFamily="18" charset="0"/>
+                    <a:ea typeface="Cambria Math" panose="02040503050406030204" pitchFamily="18" charset="0"/>
+                  </a:rPr>
+                  <a:t>r)</a:t>
+                </a:r>
+                <a:r>
+                  <a:rPr lang="en-US" i="1" dirty="0">
+                    <a:latin typeface="Cambria Math" panose="02040503050406030204" pitchFamily="18" charset="0"/>
+                    <a:ea typeface="Cambria Math" panose="02040503050406030204" pitchFamily="18" charset="0"/>
+                  </a:rPr>
+                  <a:t> </a:t>
+                </a:r>
+                <a:r>
+                  <a:rPr lang="en-GB" i="1" dirty="0">
+                    <a:latin typeface="Cambria Math" panose="02040503050406030204" pitchFamily="18" charset="0"/>
+                    <a:ea typeface="Cambria Math" panose="02040503050406030204" pitchFamily="18" charset="0"/>
+                  </a:rPr>
+                  <a:t>, </a:t>
+                </a:r>
+                <a14:m>
+                  <m:oMath xmlns:m="http://schemas.openxmlformats.org/officeDocument/2006/math">
+                    <m:sSub>
+                      <m:sSubPr>
+                        <m:ctrlPr>
+                          <a:rPr lang="en-US" i="1">
+                            <a:latin typeface="Cambria Math" panose="02040503050406030204" pitchFamily="18" charset="0"/>
+                            <a:ea typeface="Cambria Math" panose="02040503050406030204" pitchFamily="18" charset="0"/>
+                          </a:rPr>
+                        </m:ctrlPr>
+                      </m:sSubPr>
+                      <m:e>
+                        <m:r>
+                          <a:rPr lang="de-DE" i="1" smtClean="0">
+                            <a:latin typeface="Cambria Math" panose="02040503050406030204" pitchFamily="18" charset="0"/>
+                            <a:ea typeface="Cambria Math" panose="02040503050406030204" pitchFamily="18" charset="0"/>
+                          </a:rPr>
+                          <m:t>𝑑</m:t>
+                        </m:r>
+                      </m:e>
+                      <m:sub>
+                        <m:r>
+                          <a:rPr lang="de-DE" i="1" smtClean="0">
+                            <a:latin typeface="Cambria Math" panose="02040503050406030204" pitchFamily="18" charset="0"/>
+                            <a:ea typeface="Cambria Math" panose="02040503050406030204" pitchFamily="18" charset="0"/>
+                          </a:rPr>
+                          <m:t>𝑎</m:t>
+                        </m:r>
+                      </m:sub>
+                    </m:sSub>
+                  </m:oMath>
+                </a14:m>
+                <a:r>
+                  <a:rPr lang="en-US" i="1" dirty="0">
+                    <a:latin typeface="Cambria Math" panose="02040503050406030204" pitchFamily="18" charset="0"/>
+                    <a:ea typeface="Cambria Math" panose="02040503050406030204" pitchFamily="18" charset="0"/>
+                  </a:rPr>
+                  <a:t> (</a:t>
+                </a:r>
+                <a:r>
+                  <a:rPr lang="de-DE" i="1" dirty="0">
+                    <a:latin typeface="Cambria Math" panose="02040503050406030204" pitchFamily="18" charset="0"/>
+                    <a:ea typeface="Cambria Math" panose="02040503050406030204" pitchFamily="18" charset="0"/>
+                  </a:rPr>
+                  <a:t>s)</a:t>
+                </a:r>
+                <a:r>
+                  <a:rPr lang="en-GB" i="1" dirty="0">
+                    <a:latin typeface="Cambria Math" panose="02040503050406030204" pitchFamily="18" charset="0"/>
+                    <a:ea typeface="Cambria Math" panose="02040503050406030204" pitchFamily="18" charset="0"/>
+                  </a:rPr>
+                  <a:t>) ∈ </a:t>
+                </a:r>
+                <a:r>
+                  <a:rPr lang="en-GB" i="1" dirty="0" err="1">
+                    <a:latin typeface="Cambria Math" panose="02040503050406030204" pitchFamily="18" charset="0"/>
+                    <a:ea typeface="Cambria Math" panose="02040503050406030204" pitchFamily="18" charset="0"/>
+                  </a:rPr>
+                  <a:t>ps</a:t>
+                </a:r>
+                <a:r>
+                  <a:rPr lang="en-GB" i="1" dirty="0">
+                    <a:latin typeface="Cambria Math" panose="02040503050406030204" pitchFamily="18" charset="0"/>
+                    <a:ea typeface="Cambria Math" panose="02040503050406030204" pitchFamily="18" charset="0"/>
+                  </a:rPr>
+                  <a:t>) ∧</a:t>
+                </a:r>
+              </a:p>
+              <a:p>
+                <a:pPr marL="0" indent="0">
+                  <a:buNone/>
+                </a:pPr>
+                <a:r>
+                  <a:rPr lang="en-GB" i="1" dirty="0">
+                    <a:latin typeface="Cambria Math" panose="02040503050406030204" pitchFamily="18" charset="0"/>
+                    <a:ea typeface="Cambria Math" panose="02040503050406030204" pitchFamily="18" charset="0"/>
+                  </a:rPr>
+                  <a:t>		atoms r ∪ atoms s ⊆ as</a:t>
+                </a:r>
+                <a:endParaRPr lang="en-US" i="1" dirty="0">
+                  <a:latin typeface="Cambria Math" panose="02040503050406030204" pitchFamily="18" charset="0"/>
+                  <a:ea typeface="Cambria Math" panose="02040503050406030204" pitchFamily="18" charset="0"/>
+                </a:endParaRPr>
+              </a:p>
+              <a:p>
+                <a:pPr marL="0" indent="0">
+                  <a:buNone/>
+                </a:pPr>
+                <a:r>
+                  <a:rPr lang="en-US" i="1" dirty="0">
+                    <a:latin typeface="Cambria Math" panose="02040503050406030204" pitchFamily="18" charset="0"/>
+                    <a:ea typeface="Cambria Math" panose="02040503050406030204" pitchFamily="18" charset="0"/>
+                  </a:rPr>
+                  <a:t>	)</a:t>
+                </a:r>
+              </a:p>
+              <a:p>
+                <a:pPr marL="0" indent="0">
+                  <a:buNone/>
+                </a:pPr>
+                <a:endParaRPr lang="en-US" dirty="0"/>
+              </a:p>
+              <a:p>
+                <a:pPr marL="0" indent="0">
+                  <a:buNone/>
+                </a:pPr>
+                <a:endParaRPr lang="en-US" dirty="0"/>
+              </a:p>
+              <a:p>
+                <a:pPr marL="0" indent="0">
+                  <a:buNone/>
+                </a:pPr>
+                <a:r>
+                  <a:rPr lang="en-US" i="1" dirty="0" err="1">
+                    <a:latin typeface="Cambria Math" panose="02040503050406030204" pitchFamily="18" charset="0"/>
+                    <a:ea typeface="Cambria Math" panose="02040503050406030204" pitchFamily="18" charset="0"/>
+                  </a:rPr>
+                  <a:t>is_bisimulation</a:t>
+                </a:r>
+                <a:r>
+                  <a:rPr lang="en-US" i="1" dirty="0">
+                    <a:latin typeface="Cambria Math" panose="02040503050406030204" pitchFamily="18" charset="0"/>
+                    <a:ea typeface="Cambria Math" panose="02040503050406030204" pitchFamily="18" charset="0"/>
+                  </a:rPr>
+                  <a:t> as </a:t>
+                </a:r>
+                <a:r>
+                  <a:rPr lang="en-US" i="1" dirty="0" err="1">
+                    <a:latin typeface="Cambria Math" panose="02040503050406030204" pitchFamily="18" charset="0"/>
+                    <a:ea typeface="Cambria Math" panose="02040503050406030204" pitchFamily="18" charset="0"/>
+                  </a:rPr>
+                  <a:t>ps</a:t>
+                </a:r>
+                <a:r>
+                  <a:rPr lang="en-US" i="1" dirty="0">
+                    <a:latin typeface="Cambria Math" panose="02040503050406030204" pitchFamily="18" charset="0"/>
+                    <a:ea typeface="Cambria Math" panose="02040503050406030204" pitchFamily="18" charset="0"/>
+                  </a:rPr>
+                  <a:t> ⟹ (r, s) ∈ </a:t>
+                </a:r>
+                <a:r>
+                  <a:rPr lang="en-US" i="1" dirty="0" err="1">
+                    <a:latin typeface="Cambria Math" panose="02040503050406030204" pitchFamily="18" charset="0"/>
+                    <a:ea typeface="Cambria Math" panose="02040503050406030204" pitchFamily="18" charset="0"/>
+                  </a:rPr>
+                  <a:t>ps</a:t>
+                </a:r>
+                <a:r>
+                  <a:rPr lang="en-US" i="1" dirty="0">
+                    <a:latin typeface="Cambria Math" panose="02040503050406030204" pitchFamily="18" charset="0"/>
+                    <a:ea typeface="Cambria Math" panose="02040503050406030204" pitchFamily="18" charset="0"/>
+                  </a:rPr>
+                  <a:t> ⟹ L (r) = L (s)</a:t>
+                </a:r>
+              </a:p>
+            </p:txBody>
+          </p:sp>
+        </mc:Choice>
+        <mc:Fallback>
+          <p:sp>
+            <p:nvSpPr>
+              <p:cNvPr id="3" name="Inhaltsplatzhalter 2">
+                <a:extLst>
+                  <a:ext uri="{FF2B5EF4-FFF2-40B4-BE49-F238E27FC236}">
+                    <a16:creationId xmlns:a16="http://schemas.microsoft.com/office/drawing/2014/main" id="{76B9DF96-D467-4401-BFBB-446ABE98C79F}"/>
+                  </a:ext>
+                </a:extLst>
+              </p:cNvPr>
+              <p:cNvSpPr>
+                <a:spLocks noGrp="1" noRot="1" noChangeAspect="1" noMove="1" noResize="1" noEditPoints="1" noAdjustHandles="1" noChangeArrowheads="1" noChangeShapeType="1" noTextEdit="1"/>
+              </p:cNvSpPr>
+              <p:nvPr>
+                <p:ph idx="1"/>
+              </p:nvPr>
+            </p:nvSpPr>
+            <p:spPr>
+              <a:blipFill>
+                <a:blip r:embed="rId3"/>
+                <a:stretch>
+                  <a:fillRect l="-928" t="-3221"/>
+                </a:stretch>
+              </a:blipFill>
+            </p:spPr>
+            <p:txBody>
+              <a:bodyPr/>
+              <a:lstStyle/>
+              <a:p>
+                <a:r>
+                  <a:rPr lang="en-US">
+                    <a:noFill/>
+                  </a:rPr>
+                  <a:t> </a:t>
+                </a:r>
+              </a:p>
+            </p:txBody>
+          </p:sp>
+        </mc:Fallback>
+      </mc:AlternateContent>
+    </p:spTree>
+    <p:extLst>
+      <p:ext uri="{BB962C8B-B14F-4D97-AF65-F5344CB8AC3E}">
+        <p14:creationId xmlns:p14="http://schemas.microsoft.com/office/powerpoint/2010/main" val="3235657987"/>
       </p:ext>
     </p:extLst>
   </p:cSld>

--- a/slides.pptx
+++ b/slides.pptx
@@ -1207,14 +1207,77 @@
           <a:p>
             <a:r>
               <a:rPr lang="en-US" dirty="0"/>
-              <a:t>what is missing to make this useful is the part where it terminates… </a:t>
-            </a:r>
+              <a:t>what is missing to make this useful is the part where it terminates…</a:t>
+            </a:r>
+          </a:p>
+          <a:p>
+            <a:r>
+              <a:rPr lang="en-US" dirty="0"/>
+              <a:t>As we can see, +-terms may appear even if they were not present …</a:t>
+            </a:r>
+          </a:p>
+          <a:p>
+            <a:r>
+              <a:rPr lang="en-US" dirty="0"/>
+              <a:t>Also, some terms get larger during the derivation</a:t>
+            </a:r>
+          </a:p>
+          <a:p>
+            <a:r>
+              <a:rPr lang="en-US" dirty="0"/>
+              <a:t>What happens if a derivation creates larger and larger terms and accumulates them with a plus?</a:t>
+            </a:r>
+          </a:p>
+          <a:p>
+            <a:pPr marL="171450" indent="-171450">
+              <a:buFont typeface="Wingdings" panose="05000000000000000000" pitchFamily="2" charset="2"/>
+              <a:buChar char="à"/>
+            </a:pPr>
             <a:r>
               <a:rPr lang="en-US" dirty="0">
                 <a:sym typeface="Wingdings" panose="05000000000000000000" pitchFamily="2" charset="2"/>
               </a:rPr>
-              <a:t> next slide</a:t>
-            </a:r>
+              <a:t>Need to tweak the plus.</a:t>
+            </a:r>
+          </a:p>
+          <a:p>
+            <a:pPr marL="0" indent="0">
+              <a:buFont typeface="Wingdings" panose="05000000000000000000" pitchFamily="2" charset="2"/>
+              <a:buNone/>
+            </a:pPr>
+            <a:r>
+              <a:rPr lang="en-US" dirty="0">
+                <a:sym typeface="Wingdings" panose="05000000000000000000" pitchFamily="2" charset="2"/>
+              </a:rPr>
+              <a:t>In the 60s, </a:t>
+            </a:r>
+            <a:r>
+              <a:rPr lang="en-US" dirty="0" err="1">
+                <a:sym typeface="Wingdings" panose="05000000000000000000" pitchFamily="2" charset="2"/>
+              </a:rPr>
+              <a:t>Janusz</a:t>
+            </a:r>
+            <a:r>
+              <a:rPr lang="en-US" dirty="0">
+                <a:sym typeface="Wingdings" panose="05000000000000000000" pitchFamily="2" charset="2"/>
+              </a:rPr>
+              <a:t> </a:t>
+            </a:r>
+            <a:r>
+              <a:rPr lang="en-US" dirty="0" err="1">
+                <a:sym typeface="Wingdings" panose="05000000000000000000" pitchFamily="2" charset="2"/>
+              </a:rPr>
+              <a:t>Brzozowski</a:t>
+            </a:r>
+            <a:r>
+              <a:rPr lang="en-US" dirty="0">
+                <a:sym typeface="Wingdings" panose="05000000000000000000" pitchFamily="2" charset="2"/>
+              </a:rPr>
+              <a:t> showed that this is already enough</a:t>
+            </a:r>
+            <a:endParaRPr lang="en-US" dirty="0"/>
+          </a:p>
+          <a:p>
             <a:endParaRPr lang="en-US" dirty="0"/>
           </a:p>
         </p:txBody>
@@ -1301,7 +1364,16 @@
           <a:p>
             <a:r>
               <a:rPr lang="en-US" dirty="0"/>
-              <a:t>So the choice operator might be a problem</a:t>
+              <a:t>With soundness we are done, termination might be a problem</a:t>
+            </a:r>
+          </a:p>
+          <a:p>
+            <a:endParaRPr lang="en-US" dirty="0"/>
+          </a:p>
+          <a:p>
+            <a:r>
+              <a:rPr lang="en-US" dirty="0"/>
+              <a:t>So the choice operator “+” might be a problem</a:t>
             </a:r>
           </a:p>
           <a:p>
@@ -8045,9 +8117,10 @@
           <a:lstStyle/>
           <a:p>
             <a:r>
-              <a:rPr lang="en-US" dirty="0"/>
-              <a:t>Example</a:t>
-            </a:r>
+              <a:rPr lang="en-US"/>
+              <a:t>Example goal</a:t>
+            </a:r>
+            <a:endParaRPr lang="en-US" dirty="0"/>
           </a:p>
         </p:txBody>
       </p:sp>
@@ -8321,35 +8394,7 @@
                     <a:latin typeface="Cambria Math" panose="02040503050406030204" pitchFamily="18" charset="0"/>
                     <a:ea typeface="Cambria Math" panose="02040503050406030204" pitchFamily="18" charset="0"/>
                   </a:rPr>
-                  <a:t>	(∀(r, s) ∈ </a:t>
-                </a:r>
-                <a:r>
-                  <a:rPr lang="en-GB" i="1" dirty="0" err="1">
-                    <a:latin typeface="Cambria Math" panose="02040503050406030204" pitchFamily="18" charset="0"/>
-                    <a:ea typeface="Cambria Math" panose="02040503050406030204" pitchFamily="18" charset="0"/>
-                  </a:rPr>
-                  <a:t>ws</a:t>
-                </a:r>
-                <a:r>
-                  <a:rPr lang="en-GB" i="1" dirty="0">
-                    <a:latin typeface="Cambria Math" panose="02040503050406030204" pitchFamily="18" charset="0"/>
-                    <a:ea typeface="Cambria Math" panose="02040503050406030204" pitchFamily="18" charset="0"/>
-                  </a:rPr>
-                  <a:t> ∪ </a:t>
-                </a:r>
-                <a:r>
-                  <a:rPr lang="en-GB" i="1" dirty="0" err="1">
-                    <a:latin typeface="Cambria Math" panose="02040503050406030204" pitchFamily="18" charset="0"/>
-                    <a:ea typeface="Cambria Math" panose="02040503050406030204" pitchFamily="18" charset="0"/>
-                  </a:rPr>
-                  <a:t>ps</a:t>
-                </a:r>
-                <a:r>
-                  <a:rPr lang="en-GB" i="1" dirty="0">
-                    <a:latin typeface="Cambria Math" panose="02040503050406030204" pitchFamily="18" charset="0"/>
-                    <a:ea typeface="Cambria Math" panose="02040503050406030204" pitchFamily="18" charset="0"/>
-                  </a:rPr>
-                  <a:t> . atoms r ∪ atoms s ⊆ as) ∧</a:t>
+                  <a:t>	(∀(p, q)∈ ps.</a:t>
                 </a:r>
               </a:p>
               <a:p>
@@ -8361,33 +8406,21 @@
                     <a:latin typeface="Cambria Math" panose="02040503050406030204" pitchFamily="18" charset="0"/>
                     <a:ea typeface="Cambria Math" panose="02040503050406030204" pitchFamily="18" charset="0"/>
                   </a:rPr>
-                  <a:t>	(∀(r, s)∈ ps.</a:t>
-                </a:r>
-              </a:p>
-              <a:p>
-                <a:pPr marL="0" indent="0">
-                  <a:buNone/>
-                </a:pPr>
+                  <a:t>		([] ∈ L(p) </a:t>
+                </a:r>
+                <a:r>
+                  <a:rPr lang="en-US" i="1" dirty="0">
+                    <a:latin typeface="Cambria Math" panose="02040503050406030204" pitchFamily="18" charset="0"/>
+                    <a:ea typeface="Cambria Math" panose="02040503050406030204" pitchFamily="18" charset="0"/>
+                  </a:rPr>
+                  <a:t>⟷</a:t>
+                </a:r>
                 <a:r>
                   <a:rPr lang="en-GB" i="1" dirty="0">
                     <a:latin typeface="Cambria Math" panose="02040503050406030204" pitchFamily="18" charset="0"/>
                     <a:ea typeface="Cambria Math" panose="02040503050406030204" pitchFamily="18" charset="0"/>
                   </a:rPr>
-                  <a:t>		([] ∈ L(r) </a:t>
-                </a:r>
-                <a:r>
-                  <a:rPr lang="en-US" i="1" dirty="0">
-                    <a:latin typeface="Cambria Math" panose="02040503050406030204" pitchFamily="18" charset="0"/>
-                    <a:ea typeface="Cambria Math" panose="02040503050406030204" pitchFamily="18" charset="0"/>
-                  </a:rPr>
-                  <a:t>⟷</a:t>
-                </a:r>
-                <a:r>
-                  <a:rPr lang="en-GB" i="1" dirty="0">
-                    <a:latin typeface="Cambria Math" panose="02040503050406030204" pitchFamily="18" charset="0"/>
-                    <a:ea typeface="Cambria Math" panose="02040503050406030204" pitchFamily="18" charset="0"/>
-                  </a:rPr>
-                  <a:t> [] ∈ L(s)) ∧</a:t>
+                  <a:t> [] ∈ L(q)) ∧</a:t>
                 </a:r>
               </a:p>
               <a:p>
@@ -8438,7 +8471,7 @@
                     <a:latin typeface="Cambria Math" panose="02040503050406030204" pitchFamily="18" charset="0"/>
                     <a:ea typeface="Cambria Math" panose="02040503050406030204" pitchFamily="18" charset="0"/>
                   </a:rPr>
-                  <a:t>(r) , </a:t>
+                  <a:t>(p) , </a:t>
                 </a:r>
                 <a14:m>
                   <m:oMath xmlns:m="http://schemas.openxmlformats.org/officeDocument/2006/math">
@@ -8477,7 +8510,7 @@
                     <a:latin typeface="Cambria Math" panose="02040503050406030204" pitchFamily="18" charset="0"/>
                     <a:ea typeface="Cambria Math" panose="02040503050406030204" pitchFamily="18" charset="0"/>
                   </a:rPr>
-                  <a:t>(s)</a:t>
+                  <a:t>(q)</a:t>
                 </a:r>
                 <a:r>
                   <a:rPr lang="en-GB" i="1" dirty="0">
@@ -8512,7 +8545,47 @@
                     <a:latin typeface="Cambria Math" panose="02040503050406030204" pitchFamily="18" charset="0"/>
                     <a:ea typeface="Cambria Math" panose="02040503050406030204" pitchFamily="18" charset="0"/>
                   </a:rPr>
-                  <a:t>))</a:t>
+                  <a:t>)) ∧</a:t>
+                </a:r>
+              </a:p>
+              <a:p>
+                <a:pPr marL="0" indent="0">
+                  <a:buNone/>
+                </a:pPr>
+                <a:r>
+                  <a:rPr lang="en-GB" i="1" dirty="0">
+                    <a:latin typeface="Cambria Math" panose="02040503050406030204" pitchFamily="18" charset="0"/>
+                    <a:ea typeface="Cambria Math" panose="02040503050406030204" pitchFamily="18" charset="0"/>
+                  </a:rPr>
+                  <a:t>	(∀(p, q) ∈ </a:t>
+                </a:r>
+                <a:r>
+                  <a:rPr lang="en-GB" i="1" dirty="0" err="1">
+                    <a:latin typeface="Cambria Math" panose="02040503050406030204" pitchFamily="18" charset="0"/>
+                    <a:ea typeface="Cambria Math" panose="02040503050406030204" pitchFamily="18" charset="0"/>
+                  </a:rPr>
+                  <a:t>ws</a:t>
+                </a:r>
+                <a:r>
+                  <a:rPr lang="en-GB" i="1" dirty="0">
+                    <a:latin typeface="Cambria Math" panose="02040503050406030204" pitchFamily="18" charset="0"/>
+                    <a:ea typeface="Cambria Math" panose="02040503050406030204" pitchFamily="18" charset="0"/>
+                  </a:rPr>
+                  <a:t> ∪ </a:t>
+                </a:r>
+                <a:r>
+                  <a:rPr lang="en-GB" i="1" dirty="0" err="1">
+                    <a:latin typeface="Cambria Math" panose="02040503050406030204" pitchFamily="18" charset="0"/>
+                    <a:ea typeface="Cambria Math" panose="02040503050406030204" pitchFamily="18" charset="0"/>
+                  </a:rPr>
+                  <a:t>ps</a:t>
+                </a:r>
+                <a:r>
+                  <a:rPr lang="en-GB" i="1" dirty="0">
+                    <a:latin typeface="Cambria Math" panose="02040503050406030204" pitchFamily="18" charset="0"/>
+                    <a:ea typeface="Cambria Math" panose="02040503050406030204" pitchFamily="18" charset="0"/>
+                  </a:rPr>
+                  <a:t> . atoms p ∪ atoms q ⊆ as)</a:t>
                 </a:r>
                 <a:endParaRPr lang="en-US" i="1" dirty="0">
                   <a:latin typeface="Cambria Math" panose="02040503050406030204" pitchFamily="18" charset="0"/>
@@ -9813,8 +9886,8 @@
           </a:p>
         </p:txBody>
       </p:sp>
-      <mc:AlternateContent xmlns:mc="http://schemas.openxmlformats.org/markup-compatibility/2006">
-        <mc:Choice xmlns:a14="http://schemas.microsoft.com/office/drawing/2010/main" Requires="a14">
+      <mc:AlternateContent xmlns:mc="http://schemas.openxmlformats.org/markup-compatibility/2006" xmlns:a14="http://schemas.microsoft.com/office/drawing/2010/main">
+        <mc:Choice Requires="a14">
           <p:sp>
             <p:nvSpPr>
               <p:cNvPr id="3" name="Inhaltsplatzhalter 2">
@@ -9956,7 +10029,7 @@
             </p:txBody>
           </p:sp>
         </mc:Choice>
-        <mc:Fallback>
+        <mc:Fallback xmlns="">
           <p:sp>
             <p:nvSpPr>
               <p:cNvPr id="3" name="Inhaltsplatzhalter 2">
@@ -10054,8 +10127,8 @@
           </a:p>
         </p:txBody>
       </p:sp>
-      <mc:AlternateContent xmlns:mc="http://schemas.openxmlformats.org/markup-compatibility/2006">
-        <mc:Choice xmlns:a14="http://schemas.microsoft.com/office/drawing/2010/main" Requires="a14">
+      <mc:AlternateContent xmlns:mc="http://schemas.openxmlformats.org/markup-compatibility/2006" xmlns:a14="http://schemas.microsoft.com/office/drawing/2010/main">
+        <mc:Choice Requires="a14">
           <p:sp>
             <p:nvSpPr>
               <p:cNvPr id="3" name="Inhaltsplatzhalter 2">
@@ -10330,7 +10403,7 @@
             </p:txBody>
           </p:sp>
         </mc:Choice>
-        <mc:Fallback>
+        <mc:Fallback xmlns="">
           <p:sp>
             <p:nvSpPr>
               <p:cNvPr id="3" name="Inhaltsplatzhalter 2">
@@ -10580,8 +10653,8 @@
           </a:p>
         </p:txBody>
       </p:sp>
-      <mc:AlternateContent xmlns:mc="http://schemas.openxmlformats.org/markup-compatibility/2006">
-        <mc:Choice xmlns:a14="http://schemas.microsoft.com/office/drawing/2010/main" Requires="a14">
+      <mc:AlternateContent xmlns:mc="http://schemas.openxmlformats.org/markup-compatibility/2006" xmlns:a14="http://schemas.microsoft.com/office/drawing/2010/main">
+        <mc:Choice Requires="a14">
           <p:sp>
             <p:nvSpPr>
               <p:cNvPr id="3" name="Inhaltsplatzhalter 2">
@@ -10751,7 +10824,7 @@
             </p:txBody>
           </p:sp>
         </mc:Choice>
-        <mc:Fallback>
+        <mc:Fallback xmlns="">
           <p:sp>
             <p:nvSpPr>
               <p:cNvPr id="3" name="Inhaltsplatzhalter 2">
@@ -10854,8 +10927,8 @@
           </a:p>
         </p:txBody>
       </p:sp>
-      <mc:AlternateContent xmlns:mc="http://schemas.openxmlformats.org/markup-compatibility/2006">
-        <mc:Choice xmlns:a14="http://schemas.microsoft.com/office/drawing/2010/main" Requires="a14">
+      <mc:AlternateContent xmlns:mc="http://schemas.openxmlformats.org/markup-compatibility/2006" xmlns:a14="http://schemas.microsoft.com/office/drawing/2010/main">
+        <mc:Choice Requires="a14">
           <p:sp>
             <p:nvSpPr>
               <p:cNvPr id="3" name="Inhaltsplatzhalter 2">
@@ -11145,7 +11218,7 @@
             </p:txBody>
           </p:sp>
         </mc:Choice>
-        <mc:Fallback>
+        <mc:Fallback xmlns="">
           <p:sp>
             <p:nvSpPr>
               <p:cNvPr id="3" name="Inhaltsplatzhalter 2">
@@ -11947,8 +12020,8 @@
           </a:p>
         </p:txBody>
       </p:sp>
-      <mc:AlternateContent xmlns:mc="http://schemas.openxmlformats.org/markup-compatibility/2006">
-        <mc:Choice xmlns:a14="http://schemas.microsoft.com/office/drawing/2010/main" Requires="a14">
+      <mc:AlternateContent xmlns:mc="http://schemas.openxmlformats.org/markup-compatibility/2006" xmlns:a14="http://schemas.microsoft.com/office/drawing/2010/main">
+        <mc:Choice Requires="a14">
           <p:sp>
             <p:nvSpPr>
               <p:cNvPr id="3" name="Inhaltsplatzhalter 2">
@@ -12466,7 +12539,7 @@
             </p:txBody>
           </p:sp>
         </mc:Choice>
-        <mc:Fallback>
+        <mc:Fallback xmlns="">
           <p:sp>
             <p:nvSpPr>
               <p:cNvPr id="3" name="Inhaltsplatzhalter 2">
@@ -12613,8 +12686,8 @@
           </a:p>
         </p:txBody>
       </p:sp>
-      <mc:AlternateContent xmlns:mc="http://schemas.openxmlformats.org/markup-compatibility/2006">
-        <mc:Choice xmlns:a14="http://schemas.microsoft.com/office/drawing/2010/main" Requires="a14">
+      <mc:AlternateContent xmlns:mc="http://schemas.openxmlformats.org/markup-compatibility/2006" xmlns:a14="http://schemas.microsoft.com/office/drawing/2010/main">
+        <mc:Choice Requires="a14">
           <p:sp>
             <p:nvSpPr>
               <p:cNvPr id="3" name="Inhaltsplatzhalter 2">
@@ -12966,7 +13039,7 @@
             </p:txBody>
           </p:sp>
         </mc:Choice>
-        <mc:Fallback>
+        <mc:Fallback xmlns="">
           <p:sp>
             <p:nvSpPr>
               <p:cNvPr id="3" name="Inhaltsplatzhalter 2">

--- a/slides.pptx
+++ b/slides.pptx
@@ -5,7 +5,7 @@
     <p:sldMasterId id="2147483648" r:id="rId1"/>
   </p:sldMasterIdLst>
   <p:notesMasterIdLst>
-    <p:notesMasterId r:id="rId21"/>
+    <p:notesMasterId r:id="rId22"/>
   </p:notesMasterIdLst>
   <p:sldIdLst>
     <p:sldId id="256" r:id="rId2"/>
@@ -21,12 +21,13 @@
     <p:sldId id="278" r:id="rId12"/>
     <p:sldId id="281" r:id="rId13"/>
     <p:sldId id="265" r:id="rId14"/>
-    <p:sldId id="274" r:id="rId15"/>
-    <p:sldId id="285" r:id="rId16"/>
-    <p:sldId id="284" r:id="rId17"/>
-    <p:sldId id="264" r:id="rId18"/>
-    <p:sldId id="257" r:id="rId19"/>
-    <p:sldId id="283" r:id="rId20"/>
+    <p:sldId id="285" r:id="rId15"/>
+    <p:sldId id="286" r:id="rId16"/>
+    <p:sldId id="274" r:id="rId17"/>
+    <p:sldId id="284" r:id="rId18"/>
+    <p:sldId id="264" r:id="rId19"/>
+    <p:sldId id="257" r:id="rId20"/>
+    <p:sldId id="283" r:id="rId21"/>
   </p:sldIdLst>
   <p:sldSz cx="12192000" cy="6858000"/>
   <p:notesSz cx="6858000" cy="9144000"/>
@@ -1052,19 +1053,134 @@
           <a:lstStyle/>
           <a:p>
             <a:r>
-              <a:rPr lang="pt-BR" dirty="0">
-                <a:latin typeface="Lucida Bright" panose="02040602050505020304" pitchFamily="18" charset="0"/>
+              <a:rPr lang="en-US" dirty="0"/>
+              <a:t>To improve </a:t>
+            </a:r>
+            <a:r>
+              <a:rPr lang="en-US" dirty="0" err="1"/>
+              <a:t>readablity</a:t>
+            </a:r>
+            <a:r>
+              <a:rPr lang="en-US" dirty="0"/>
+              <a:t>, I omitted the all the conversion functions to set</a:t>
+            </a:r>
+          </a:p>
+          <a:p>
+            <a:r>
+              <a:rPr lang="en-US" dirty="0"/>
+              <a:t>it holds initially (</a:t>
+            </a:r>
+            <a:r>
+              <a:rPr lang="en-US" dirty="0" err="1"/>
+              <a:t>ps</a:t>
+            </a:r>
+            <a:r>
+              <a:rPr lang="en-US" dirty="0"/>
+              <a:t> is empty an </a:t>
+            </a:r>
+            <a:r>
+              <a:rPr lang="en-US" dirty="0" err="1"/>
+              <a:t>ws</a:t>
+            </a:r>
+            <a:r>
+              <a:rPr lang="en-US" dirty="0"/>
+              <a:t> a singleton)</a:t>
+            </a:r>
+          </a:p>
+          <a:p>
+            <a:r>
+              <a:rPr lang="en-US" dirty="0"/>
+              <a:t>if it holds, it also holds after a step</a:t>
+            </a:r>
+          </a:p>
+          <a:p>
+            <a:r>
+              <a:rPr lang="en-US" dirty="0"/>
+              <a:t>together with the negated while-condition, it implies a </a:t>
+            </a:r>
+            <a:r>
+              <a:rPr lang="en-US" dirty="0" err="1"/>
+              <a:t>bisimulation</a:t>
+            </a:r>
+            <a:endParaRPr lang="en-US" dirty="0"/>
+          </a:p>
+          <a:p>
+            <a:endParaRPr lang="en-US" dirty="0"/>
+          </a:p>
+          <a:p>
+            <a:r>
+              <a:rPr lang="en-US" dirty="0"/>
+              <a:t>what is missing to make this useful is the part where it terminates…</a:t>
+            </a:r>
+          </a:p>
+          <a:p>
+            <a:r>
+              <a:rPr lang="en-US" dirty="0"/>
+              <a:t>As we can see, +-terms may appear even if they were not present …</a:t>
+            </a:r>
+          </a:p>
+          <a:p>
+            <a:r>
+              <a:rPr lang="en-US" dirty="0"/>
+              <a:t>Also, some terms get larger during the derivation</a:t>
+            </a:r>
+          </a:p>
+          <a:p>
+            <a:r>
+              <a:rPr lang="en-US" dirty="0"/>
+              <a:t>What happens if a derivation creates larger and larger terms and accumulates them with a plus?</a:t>
+            </a:r>
+          </a:p>
+          <a:p>
+            <a:pPr marL="171450" indent="-171450">
+              <a:buFont typeface="Wingdings" panose="05000000000000000000" pitchFamily="2" charset="2"/>
+              <a:buChar char="à"/>
+            </a:pPr>
+            <a:r>
+              <a:rPr lang="en-US" dirty="0">
+                <a:sym typeface="Wingdings" panose="05000000000000000000" pitchFamily="2" charset="2"/>
               </a:rPr>
-              <a:t>to-do: alternatively</a:t>
-            </a:r>
-          </a:p>
-          <a:p>
-            <a:r>
-              <a:rPr lang="pt-BR" dirty="0">
-                <a:latin typeface="Lucida Bright" panose="02040602050505020304" pitchFamily="18" charset="0"/>
+              <a:t>Need to tweak the plus.</a:t>
+            </a:r>
+          </a:p>
+          <a:p>
+            <a:pPr marL="0" indent="0">
+              <a:buFont typeface="Wingdings" panose="05000000000000000000" pitchFamily="2" charset="2"/>
+              <a:buNone/>
+            </a:pPr>
+            <a:r>
+              <a:rPr lang="en-US" dirty="0">
+                <a:sym typeface="Wingdings" panose="05000000000000000000" pitchFamily="2" charset="2"/>
               </a:rPr>
-              <a:t>	L ((ε + a ⋅ b)* ⋅ (a + b)) = L ((a ⋅ b + ε)* ⋅ (a + b))</a:t>
-            </a:r>
+              <a:t>In the 60s, </a:t>
+            </a:r>
+            <a:r>
+              <a:rPr lang="en-US" dirty="0" err="1">
+                <a:sym typeface="Wingdings" panose="05000000000000000000" pitchFamily="2" charset="2"/>
+              </a:rPr>
+              <a:t>Janusz</a:t>
+            </a:r>
+            <a:r>
+              <a:rPr lang="en-US" dirty="0">
+                <a:sym typeface="Wingdings" panose="05000000000000000000" pitchFamily="2" charset="2"/>
+              </a:rPr>
+              <a:t> </a:t>
+            </a:r>
+            <a:r>
+              <a:rPr lang="en-US" dirty="0" err="1">
+                <a:sym typeface="Wingdings" panose="05000000000000000000" pitchFamily="2" charset="2"/>
+              </a:rPr>
+              <a:t>Brzozowski</a:t>
+            </a:r>
+            <a:r>
+              <a:rPr lang="en-US" dirty="0">
+                <a:sym typeface="Wingdings" panose="05000000000000000000" pitchFamily="2" charset="2"/>
+              </a:rPr>
+              <a:t> showed that this is already enough</a:t>
+            </a:r>
+            <a:endParaRPr lang="en-US" dirty="0"/>
+          </a:p>
+          <a:p>
             <a:endParaRPr lang="en-US" dirty="0"/>
           </a:p>
         </p:txBody>
@@ -1095,7 +1211,7 @@
     </p:spTree>
     <p:extLst>
       <p:ext uri="{BB962C8B-B14F-4D97-AF65-F5344CB8AC3E}">
-        <p14:creationId xmlns:p14="http://schemas.microsoft.com/office/powerpoint/2010/main" val="3561148988"/>
+        <p14:creationId xmlns:p14="http://schemas.microsoft.com/office/powerpoint/2010/main" val="1582762227"/>
       </p:ext>
     </p:extLst>
   </p:cSld>
@@ -1151,134 +1267,32 @@
           <a:p>
             <a:r>
               <a:rPr lang="en-US" dirty="0"/>
-              <a:t>To improve </a:t>
-            </a:r>
-            <a:r>
-              <a:rPr lang="en-US" dirty="0" err="1"/>
-              <a:t>readablity</a:t>
-            </a:r>
+              <a:t>so, can we do simplifications like these during the derivations WITHOUT sacrificing soundness ?</a:t>
+            </a:r>
+          </a:p>
+          <a:p>
+            <a:endParaRPr lang="en-US" dirty="0"/>
+          </a:p>
+          <a:p>
+            <a:endParaRPr lang="en-US" dirty="0"/>
+          </a:p>
+          <a:p>
             <a:r>
               <a:rPr lang="en-US" dirty="0"/>
-              <a:t>, I omitted the all the conversion functions to set</a:t>
-            </a:r>
+              <a:t>because this was the only fact we used in the soundness proof</a:t>
+            </a:r>
+          </a:p>
+          <a:p>
+            <a:endParaRPr lang="en-US" dirty="0"/>
+          </a:p>
+          <a:p>
+            <a:endParaRPr lang="en-US" dirty="0"/>
           </a:p>
           <a:p>
             <a:r>
               <a:rPr lang="en-US" dirty="0"/>
-              <a:t>it holds initially (</a:t>
-            </a:r>
-            <a:r>
-              <a:rPr lang="en-US" dirty="0" err="1"/>
-              <a:t>ps</a:t>
-            </a:r>
-            <a:r>
-              <a:rPr lang="en-US" dirty="0"/>
-              <a:t> is empty an </a:t>
-            </a:r>
-            <a:r>
-              <a:rPr lang="en-US" dirty="0" err="1"/>
-              <a:t>ws</a:t>
-            </a:r>
-            <a:r>
-              <a:rPr lang="en-US" dirty="0"/>
-              <a:t> a singleton)</a:t>
-            </a:r>
-          </a:p>
-          <a:p>
-            <a:r>
-              <a:rPr lang="en-US" dirty="0"/>
-              <a:t>if it holds, it also holds after a step</a:t>
-            </a:r>
-          </a:p>
-          <a:p>
-            <a:r>
-              <a:rPr lang="en-US" dirty="0"/>
-              <a:t>together with the negated while-condition, it implies a </a:t>
-            </a:r>
-            <a:r>
-              <a:rPr lang="en-US" dirty="0" err="1"/>
-              <a:t>bisimulation</a:t>
-            </a:r>
-            <a:endParaRPr lang="en-US" dirty="0"/>
-          </a:p>
-          <a:p>
-            <a:endParaRPr lang="en-US" dirty="0"/>
-          </a:p>
-          <a:p>
-            <a:r>
-              <a:rPr lang="en-US" dirty="0"/>
-              <a:t>what is missing to make this useful is the part where it terminates…</a:t>
-            </a:r>
-          </a:p>
-          <a:p>
-            <a:r>
-              <a:rPr lang="en-US" dirty="0"/>
-              <a:t>As we can see, +-terms may appear even if they were not present …</a:t>
-            </a:r>
-          </a:p>
-          <a:p>
-            <a:r>
-              <a:rPr lang="en-US" dirty="0"/>
-              <a:t>Also, some terms get larger during the derivation</a:t>
-            </a:r>
-          </a:p>
-          <a:p>
-            <a:r>
-              <a:rPr lang="en-US" dirty="0"/>
-              <a:t>What happens if a derivation creates larger and larger terms and accumulates them with a plus?</a:t>
-            </a:r>
-          </a:p>
-          <a:p>
-            <a:pPr marL="171450" indent="-171450">
-              <a:buFont typeface="Wingdings" panose="05000000000000000000" pitchFamily="2" charset="2"/>
-              <a:buChar char="à"/>
-            </a:pPr>
-            <a:r>
-              <a:rPr lang="en-US" dirty="0">
-                <a:sym typeface="Wingdings" panose="05000000000000000000" pitchFamily="2" charset="2"/>
-              </a:rPr>
-              <a:t>Need to tweak the plus.</a:t>
-            </a:r>
-          </a:p>
-          <a:p>
-            <a:pPr marL="0" indent="0">
-              <a:buFont typeface="Wingdings" panose="05000000000000000000" pitchFamily="2" charset="2"/>
-              <a:buNone/>
-            </a:pPr>
-            <a:r>
-              <a:rPr lang="en-US" dirty="0">
-                <a:sym typeface="Wingdings" panose="05000000000000000000" pitchFamily="2" charset="2"/>
-              </a:rPr>
-              <a:t>In the 60s, </a:t>
-            </a:r>
-            <a:r>
-              <a:rPr lang="en-US" dirty="0" err="1">
-                <a:sym typeface="Wingdings" panose="05000000000000000000" pitchFamily="2" charset="2"/>
-              </a:rPr>
-              <a:t>Janusz</a:t>
-            </a:r>
-            <a:r>
-              <a:rPr lang="en-US" dirty="0">
-                <a:sym typeface="Wingdings" panose="05000000000000000000" pitchFamily="2" charset="2"/>
-              </a:rPr>
-              <a:t> </a:t>
-            </a:r>
-            <a:r>
-              <a:rPr lang="en-US" dirty="0" err="1">
-                <a:sym typeface="Wingdings" panose="05000000000000000000" pitchFamily="2" charset="2"/>
-              </a:rPr>
-              <a:t>Brzozowski</a:t>
-            </a:r>
-            <a:r>
-              <a:rPr lang="en-US" dirty="0">
-                <a:sym typeface="Wingdings" panose="05000000000000000000" pitchFamily="2" charset="2"/>
-              </a:rPr>
-              <a:t> showed that this is already enough</a:t>
-            </a:r>
-            <a:endParaRPr lang="en-US" dirty="0"/>
-          </a:p>
-          <a:p>
-            <a:endParaRPr lang="en-US" dirty="0"/>
+              <a:t>I will later give a sufficient condition for termination, but this is already enough for a small example</a:t>
+            </a:r>
           </a:p>
         </p:txBody>
       </p:sp>
@@ -1308,7 +1322,7 @@
     </p:spTree>
     <p:extLst>
       <p:ext uri="{BB962C8B-B14F-4D97-AF65-F5344CB8AC3E}">
-        <p14:creationId xmlns:p14="http://schemas.microsoft.com/office/powerpoint/2010/main" val="1582762227"/>
+        <p14:creationId xmlns:p14="http://schemas.microsoft.com/office/powerpoint/2010/main" val="2281726999"/>
       </p:ext>
     </p:extLst>
   </p:cSld>
@@ -1363,64 +1377,20 @@
           <a:lstStyle/>
           <a:p>
             <a:r>
-              <a:rPr lang="en-US" dirty="0"/>
-              <a:t>With soundness we are done, termination might be a problem</a:t>
-            </a:r>
-          </a:p>
-          <a:p>
+              <a:rPr lang="pt-BR" dirty="0">
+                <a:latin typeface="Lucida Bright" panose="02040602050505020304" pitchFamily="18" charset="0"/>
+              </a:rPr>
+              <a:t>to-do: alternatively</a:t>
+            </a:r>
+          </a:p>
+          <a:p>
+            <a:r>
+              <a:rPr lang="pt-BR" dirty="0">
+                <a:latin typeface="Lucida Bright" panose="02040602050505020304" pitchFamily="18" charset="0"/>
+              </a:rPr>
+              <a:t>	L ((ε + a ⋅ b)* ⋅ (a + b)) = L ((a ⋅ b + ε)* ⋅ (a + b))</a:t>
+            </a:r>
             <a:endParaRPr lang="en-US" dirty="0"/>
-          </a:p>
-          <a:p>
-            <a:r>
-              <a:rPr lang="en-US" dirty="0"/>
-              <a:t>So the choice operator “+” might be a problem</a:t>
-            </a:r>
-          </a:p>
-          <a:p>
-            <a:endParaRPr lang="en-US" dirty="0"/>
-          </a:p>
-          <a:p>
-            <a:r>
-              <a:rPr lang="en-US" dirty="0"/>
-              <a:t>That means that we modify the algorithm to only add RE-pairs to the work set if no ACI-equivalent pair is in it already.</a:t>
-            </a:r>
-          </a:p>
-          <a:p>
-            <a:endParaRPr lang="en-US" dirty="0"/>
-          </a:p>
-          <a:p>
-            <a:r>
-              <a:rPr lang="en-US" dirty="0"/>
-              <a:t>In other words, there are only finitely many ACI-equivalence classes among equivalent </a:t>
-            </a:r>
-            <a:r>
-              <a:rPr lang="en-US" dirty="0" err="1"/>
-              <a:t>REs.</a:t>
-            </a:r>
-            <a:endParaRPr lang="en-US" dirty="0"/>
-          </a:p>
-          <a:p>
-            <a:endParaRPr lang="en-US" dirty="0"/>
-          </a:p>
-          <a:p>
-            <a:r>
-              <a:rPr lang="en-US" dirty="0"/>
-              <a:t>We are allowed to strengthen this filter: Remember that the goal was to apply the </a:t>
-            </a:r>
-            <a:r>
-              <a:rPr lang="en-US" dirty="0" err="1"/>
-              <a:t>bisimulation</a:t>
-            </a:r>
-            <a:r>
-              <a:rPr lang="en-US" dirty="0"/>
-              <a:t> lemma at the end. It worked on languages, and the language pair is already added if the strengthened filter applies.</a:t>
-            </a:r>
-          </a:p>
-          <a:p>
-            <a:r>
-              <a:rPr lang="en-US" dirty="0"/>
-              <a:t>to-do: maybe swap formulation on the slides with the explanation?</a:t>
-            </a:r>
           </a:p>
         </p:txBody>
       </p:sp>
@@ -1450,7 +1420,7 @@
     </p:spTree>
     <p:extLst>
       <p:ext uri="{BB962C8B-B14F-4D97-AF65-F5344CB8AC3E}">
-        <p14:creationId xmlns:p14="http://schemas.microsoft.com/office/powerpoint/2010/main" val="176357657"/>
+        <p14:creationId xmlns:p14="http://schemas.microsoft.com/office/powerpoint/2010/main" val="3561148988"/>
       </p:ext>
     </p:extLst>
   </p:cSld>
@@ -1506,51 +1476,63 @@
           <a:p>
             <a:r>
               <a:rPr lang="en-US" dirty="0"/>
-              <a:t>meaning that two REs are ACI-equal </a:t>
+              <a:t>With soundness we are done, termination might be a problem</a:t>
+            </a:r>
+          </a:p>
+          <a:p>
+            <a:endParaRPr lang="en-US" dirty="0"/>
+          </a:p>
+          <a:p>
+            <a:r>
+              <a:rPr lang="en-US" dirty="0"/>
+              <a:t>So the choice operator “+” might be a problem</a:t>
+            </a:r>
+          </a:p>
+          <a:p>
+            <a:endParaRPr lang="en-US" dirty="0"/>
+          </a:p>
+          <a:p>
+            <a:r>
+              <a:rPr lang="en-US" dirty="0"/>
+              <a:t>That means that we modify the algorithm to only add RE-pairs to the work set if no ACI-equivalent pair is in it already.</a:t>
+            </a:r>
+          </a:p>
+          <a:p>
+            <a:endParaRPr lang="en-US" dirty="0"/>
+          </a:p>
+          <a:p>
+            <a:r>
+              <a:rPr lang="en-US" dirty="0"/>
+              <a:t>In other words, there are only finitely many ACI-equivalence classes among equivalent </a:t>
             </a:r>
             <a:r>
               <a:rPr lang="en-US" dirty="0" err="1"/>
-              <a:t>iff</a:t>
-            </a:r>
+              <a:t>REs.</a:t>
+            </a:r>
+            <a:endParaRPr lang="en-US" dirty="0"/>
+          </a:p>
+          <a:p>
+            <a:endParaRPr lang="en-US" dirty="0"/>
+          </a:p>
+          <a:p>
             <a:r>
               <a:rPr lang="en-US" dirty="0"/>
-              <a:t> they can be transformed using only these rules on the </a:t>
+              <a:t>We are allowed to strengthen this filter: Remember that the goal was to apply the </a:t>
             </a:r>
             <a:r>
               <a:rPr lang="en-US" dirty="0" err="1"/>
-              <a:t>subterms</a:t>
-            </a:r>
-            <a:endParaRPr lang="en-US" dirty="0"/>
-          </a:p>
-          <a:p>
-            <a:endParaRPr lang="en-US" dirty="0"/>
-          </a:p>
-          <a:p>
+              <a:t>bisimulation</a:t>
+            </a:r>
             <a:r>
               <a:rPr lang="en-US" dirty="0"/>
-              <a:t>We need to work bottom up, for star and concatenation, this might require a lexicographic ordering.</a:t>
-            </a:r>
-          </a:p>
-          <a:p>
-            <a:endParaRPr lang="en-US" dirty="0"/>
+              <a:t> lemma at the end. It worked on languages, and the language pair is already added if the strengthened filter applies.</a:t>
+            </a:r>
           </a:p>
           <a:p>
             <a:r>
               <a:rPr lang="en-US" dirty="0"/>
-              <a:t>3.3: this identifies SOME equivalent REs, but not all of them.</a:t>
-            </a:r>
-          </a:p>
-          <a:p>
-            <a:r>
-              <a:rPr lang="en-US" dirty="0"/>
-              <a:t>aa* is equivalent to a*a, but this technique cannot prove it, because there is no “+” in it to transform</a:t>
-            </a:r>
-          </a:p>
-          <a:p>
-            <a:endParaRPr lang="en-US" dirty="0"/>
-          </a:p>
-          <a:p>
-            <a:endParaRPr lang="en-US" dirty="0"/>
+              <a:t>to-do: maybe swap formulation on the slides with the explanation?</a:t>
+            </a:r>
           </a:p>
         </p:txBody>
       </p:sp>
@@ -1580,7 +1562,7 @@
     </p:spTree>
     <p:extLst>
       <p:ext uri="{BB962C8B-B14F-4D97-AF65-F5344CB8AC3E}">
-        <p14:creationId xmlns:p14="http://schemas.microsoft.com/office/powerpoint/2010/main" val="2615019396"/>
+        <p14:creationId xmlns:p14="http://schemas.microsoft.com/office/powerpoint/2010/main" val="176357657"/>
       </p:ext>
     </p:extLst>
   </p:cSld>
@@ -1635,229 +1617,52 @@
           <a:lstStyle/>
           <a:p>
             <a:r>
-              <a:rPr lang="de-DE" dirty="0"/>
-              <a:t>…</a:t>
-            </a:r>
-            <a:r>
-              <a:rPr lang="de-DE" dirty="0" err="1"/>
-              <a:t>extended</a:t>
-            </a:r>
-            <a:r>
-              <a:rPr lang="de-DE" dirty="0"/>
-              <a:t> REs </a:t>
-            </a:r>
-            <a:r>
-              <a:rPr lang="de-DE" dirty="0" err="1"/>
-              <a:t>are</a:t>
-            </a:r>
-            <a:r>
-              <a:rPr lang="de-DE" dirty="0"/>
-              <a:t> not </a:t>
-            </a:r>
-            <a:r>
-              <a:rPr lang="de-DE" dirty="0" err="1"/>
-              <a:t>more</a:t>
-            </a:r>
-            <a:r>
-              <a:rPr lang="de-DE" dirty="0"/>
-              <a:t> expressive, but </a:t>
-            </a:r>
-            <a:r>
-              <a:rPr lang="de-DE" dirty="0" err="1"/>
-              <a:t>they</a:t>
-            </a:r>
-            <a:r>
-              <a:rPr lang="de-DE" dirty="0"/>
-              <a:t> </a:t>
-            </a:r>
-            <a:r>
-              <a:rPr lang="de-DE" dirty="0" err="1"/>
-              <a:t>can</a:t>
-            </a:r>
-            <a:r>
-              <a:rPr lang="de-DE" dirty="0"/>
-              <a:t> </a:t>
-            </a:r>
-            <a:r>
-              <a:rPr lang="de-DE" dirty="0" err="1"/>
-              <a:t>be</a:t>
-            </a:r>
-            <a:r>
-              <a:rPr lang="de-DE" dirty="0"/>
-              <a:t> </a:t>
-            </a:r>
-            <a:r>
-              <a:rPr lang="de-DE" dirty="0" err="1"/>
-              <a:t>much</a:t>
-            </a:r>
-            <a:r>
-              <a:rPr lang="de-DE" dirty="0"/>
-              <a:t> </a:t>
-            </a:r>
-            <a:r>
-              <a:rPr lang="de-DE" dirty="0" err="1"/>
-              <a:t>more</a:t>
-            </a:r>
-            <a:r>
-              <a:rPr lang="de-DE" dirty="0"/>
-              <a:t> </a:t>
-            </a:r>
-            <a:r>
-              <a:rPr lang="de-DE" dirty="0" err="1"/>
-              <a:t>succinct</a:t>
-            </a:r>
-            <a:endParaRPr lang="de-DE" dirty="0"/>
-          </a:p>
-          <a:p>
-            <a:endParaRPr lang="de-DE" dirty="0"/>
-          </a:p>
-          <a:p>
-            <a:r>
-              <a:rPr lang="de-DE" dirty="0"/>
-              <a:t>… and </a:t>
-            </a:r>
-            <a:r>
-              <a:rPr lang="de-DE" dirty="0" err="1"/>
-              <a:t>then</a:t>
-            </a:r>
-            <a:r>
-              <a:rPr lang="de-DE" dirty="0"/>
-              <a:t> </a:t>
-            </a:r>
-            <a:r>
-              <a:rPr lang="de-DE" dirty="0" err="1"/>
-              <a:t>we‘re</a:t>
-            </a:r>
-            <a:r>
-              <a:rPr lang="de-DE" dirty="0"/>
-              <a:t> </a:t>
-            </a:r>
-            <a:r>
-              <a:rPr lang="de-DE" dirty="0" err="1"/>
-              <a:t>done</a:t>
-            </a:r>
-            <a:r>
-              <a:rPr lang="de-DE" dirty="0"/>
-              <a:t> </a:t>
-            </a:r>
-            <a:r>
-              <a:rPr lang="de-DE" dirty="0" err="1"/>
-              <a:t>already</a:t>
-            </a:r>
-            <a:r>
-              <a:rPr lang="de-DE" dirty="0"/>
-              <a:t> </a:t>
-            </a:r>
-            <a:r>
-              <a:rPr lang="de-DE" dirty="0" err="1"/>
-              <a:t>for</a:t>
-            </a:r>
-            <a:r>
-              <a:rPr lang="de-DE" dirty="0"/>
-              <a:t> </a:t>
-            </a:r>
-            <a:r>
-              <a:rPr lang="de-DE" dirty="0" err="1"/>
-              <a:t>the</a:t>
-            </a:r>
-            <a:r>
-              <a:rPr lang="de-DE" dirty="0"/>
-              <a:t> </a:t>
-            </a:r>
-            <a:r>
-              <a:rPr lang="de-DE" dirty="0" err="1"/>
-              <a:t>soundness</a:t>
-            </a:r>
-            <a:r>
-              <a:rPr lang="de-DE" dirty="0"/>
-              <a:t>. </a:t>
-            </a:r>
-          </a:p>
-          <a:p>
-            <a:endParaRPr lang="de-DE" dirty="0"/>
-          </a:p>
-          <a:p>
-            <a:r>
-              <a:rPr lang="de-DE" dirty="0"/>
-              <a:t>As </a:t>
-            </a:r>
-            <a:r>
-              <a:rPr lang="de-DE" dirty="0" err="1"/>
-              <a:t>for</a:t>
-            </a:r>
-            <a:r>
-              <a:rPr lang="de-DE" dirty="0"/>
-              <a:t> </a:t>
-            </a:r>
-            <a:r>
-              <a:rPr lang="de-DE" dirty="0" err="1"/>
-              <a:t>the</a:t>
-            </a:r>
-            <a:r>
-              <a:rPr lang="de-DE" dirty="0"/>
-              <a:t> </a:t>
-            </a:r>
-            <a:r>
-              <a:rPr lang="de-DE" dirty="0" err="1"/>
-              <a:t>termination</a:t>
-            </a:r>
-            <a:r>
-              <a:rPr lang="de-DE" dirty="0"/>
-              <a:t>, </a:t>
-            </a:r>
-            <a:r>
-              <a:rPr lang="de-DE" dirty="0" err="1"/>
-              <a:t>luckily</a:t>
-            </a:r>
-            <a:r>
-              <a:rPr lang="de-DE" dirty="0"/>
-              <a:t> </a:t>
-            </a:r>
-            <a:r>
-              <a:rPr lang="de-DE" dirty="0" err="1"/>
-              <a:t>these</a:t>
-            </a:r>
-            <a:r>
-              <a:rPr lang="de-DE" dirty="0"/>
-              <a:t> </a:t>
-            </a:r>
-            <a:r>
-              <a:rPr lang="de-DE" dirty="0" err="1"/>
-              <a:t>extensions</a:t>
-            </a:r>
-            <a:r>
-              <a:rPr lang="de-DE" dirty="0"/>
-              <a:t> </a:t>
-            </a:r>
-            <a:r>
-              <a:rPr lang="de-DE" dirty="0" err="1"/>
-              <a:t>are</a:t>
-            </a:r>
-            <a:r>
-              <a:rPr lang="de-DE" dirty="0"/>
-              <a:t> </a:t>
-            </a:r>
-            <a:r>
-              <a:rPr lang="de-DE" dirty="0" err="1"/>
-              <a:t>included</a:t>
-            </a:r>
-            <a:r>
-              <a:rPr lang="de-DE" dirty="0"/>
-              <a:t> in </a:t>
-            </a:r>
-            <a:r>
-              <a:rPr lang="de-DE" dirty="0" err="1"/>
-              <a:t>Brzozowski‘s</a:t>
-            </a:r>
-            <a:r>
-              <a:rPr lang="de-DE" dirty="0"/>
-              <a:t> </a:t>
-            </a:r>
-            <a:r>
-              <a:rPr lang="de-DE"/>
-              <a:t>result</a:t>
-            </a:r>
-            <a:endParaRPr lang="de-DE" dirty="0"/>
+              <a:rPr lang="en-US" dirty="0"/>
+              <a:t>meaning that two REs are ACI-equal </a:t>
+            </a:r>
+            <a:r>
+              <a:rPr lang="en-US" dirty="0" err="1"/>
+              <a:t>iff</a:t>
+            </a:r>
+            <a:r>
+              <a:rPr lang="en-US" dirty="0"/>
+              <a:t> they can be transformed using only these rules on the </a:t>
+            </a:r>
+            <a:r>
+              <a:rPr lang="en-US" dirty="0" err="1"/>
+              <a:t>subterms</a:t>
+            </a:r>
+            <a:endParaRPr lang="en-US" dirty="0"/>
+          </a:p>
+          <a:p>
+            <a:endParaRPr lang="en-US" dirty="0"/>
+          </a:p>
+          <a:p>
+            <a:r>
+              <a:rPr lang="en-US" dirty="0"/>
+              <a:t>We need to work bottom up, for star and concatenation, this might require a lexicographic ordering.</a:t>
+            </a:r>
+          </a:p>
+          <a:p>
+            <a:endParaRPr lang="en-US" dirty="0"/>
+          </a:p>
+          <a:p>
+            <a:r>
+              <a:rPr lang="en-US" dirty="0"/>
+              <a:t>3.3: this identifies SOME equivalent REs, but not all of them.</a:t>
+            </a:r>
+          </a:p>
+          <a:p>
+            <a:r>
+              <a:rPr lang="en-US" dirty="0"/>
+              <a:t>aa* is equivalent to a*a, but this technique cannot prove it, because there is no “+” in it to transform</a:t>
+            </a:r>
+          </a:p>
+          <a:p>
+            <a:endParaRPr lang="en-US" dirty="0"/>
+          </a:p>
+          <a:p>
+            <a:endParaRPr lang="en-US" dirty="0"/>
           </a:p>
         </p:txBody>
       </p:sp>
@@ -1879,6 +1684,313 @@
             <a:fld id="{FAA32559-8951-4C46-A356-FBB9455D7E38}" type="slidenum">
               <a:rPr lang="de-DE" smtClean="0"/>
               <a:t>18</a:t>
+            </a:fld>
+            <a:endParaRPr lang="de-DE"/>
+          </a:p>
+        </p:txBody>
+      </p:sp>
+    </p:spTree>
+    <p:extLst>
+      <p:ext uri="{BB962C8B-B14F-4D97-AF65-F5344CB8AC3E}">
+        <p14:creationId xmlns:p14="http://schemas.microsoft.com/office/powerpoint/2010/main" val="2615019396"/>
+      </p:ext>
+    </p:extLst>
+  </p:cSld>
+  <p:clrMapOvr>
+    <a:masterClrMapping/>
+  </p:clrMapOvr>
+</p:notes>
+</file>
+
+<file path=ppt/notesSlides/notesSlide19.xml><?xml version="1.0" encoding="utf-8"?>
+<p:notes xmlns:a="http://schemas.openxmlformats.org/drawingml/2006/main" xmlns:r="http://schemas.openxmlformats.org/officeDocument/2006/relationships" xmlns:p="http://schemas.openxmlformats.org/presentationml/2006/main">
+  <p:cSld>
+    <p:spTree>
+      <p:nvGrpSpPr>
+        <p:cNvPr id="1" name=""/>
+        <p:cNvGrpSpPr/>
+        <p:nvPr/>
+      </p:nvGrpSpPr>
+      <p:grpSpPr>
+        <a:xfrm>
+          <a:off x="0" y="0"/>
+          <a:ext cx="0" cy="0"/>
+          <a:chOff x="0" y="0"/>
+          <a:chExt cx="0" cy="0"/>
+        </a:xfrm>
+      </p:grpSpPr>
+      <p:sp>
+        <p:nvSpPr>
+          <p:cNvPr id="2" name="Folienbildplatzhalter 1"/>
+          <p:cNvSpPr>
+            <a:spLocks noGrp="1" noRot="1" noChangeAspect="1"/>
+          </p:cNvSpPr>
+          <p:nvPr>
+            <p:ph type="sldImg"/>
+          </p:nvPr>
+        </p:nvSpPr>
+        <p:spPr/>
+      </p:sp>
+      <p:sp>
+        <p:nvSpPr>
+          <p:cNvPr id="3" name="Notizenplatzhalter 2"/>
+          <p:cNvSpPr>
+            <a:spLocks noGrp="1"/>
+          </p:cNvSpPr>
+          <p:nvPr>
+            <p:ph type="body" idx="1"/>
+          </p:nvPr>
+        </p:nvSpPr>
+        <p:spPr/>
+        <p:txBody>
+          <a:bodyPr/>
+          <a:lstStyle/>
+          <a:p>
+            <a:r>
+              <a:rPr lang="de-DE" dirty="0"/>
+              <a:t>…</a:t>
+            </a:r>
+            <a:r>
+              <a:rPr lang="de-DE" dirty="0" err="1"/>
+              <a:t>extended</a:t>
+            </a:r>
+            <a:r>
+              <a:rPr lang="de-DE" dirty="0"/>
+              <a:t> REs </a:t>
+            </a:r>
+            <a:r>
+              <a:rPr lang="de-DE" dirty="0" err="1"/>
+              <a:t>are</a:t>
+            </a:r>
+            <a:r>
+              <a:rPr lang="de-DE" dirty="0"/>
+              <a:t> not </a:t>
+            </a:r>
+            <a:r>
+              <a:rPr lang="de-DE" dirty="0" err="1"/>
+              <a:t>more</a:t>
+            </a:r>
+            <a:r>
+              <a:rPr lang="de-DE" dirty="0"/>
+              <a:t> expressive, but </a:t>
+            </a:r>
+            <a:r>
+              <a:rPr lang="de-DE" dirty="0" err="1"/>
+              <a:t>they</a:t>
+            </a:r>
+            <a:r>
+              <a:rPr lang="de-DE" dirty="0"/>
+              <a:t> </a:t>
+            </a:r>
+            <a:r>
+              <a:rPr lang="de-DE" dirty="0" err="1"/>
+              <a:t>can</a:t>
+            </a:r>
+            <a:r>
+              <a:rPr lang="de-DE" dirty="0"/>
+              <a:t> </a:t>
+            </a:r>
+            <a:r>
+              <a:rPr lang="de-DE" dirty="0" err="1"/>
+              <a:t>be</a:t>
+            </a:r>
+            <a:r>
+              <a:rPr lang="de-DE" dirty="0"/>
+              <a:t> </a:t>
+            </a:r>
+            <a:r>
+              <a:rPr lang="de-DE" dirty="0" err="1"/>
+              <a:t>much</a:t>
+            </a:r>
+            <a:r>
+              <a:rPr lang="de-DE" dirty="0"/>
+              <a:t> </a:t>
+            </a:r>
+            <a:r>
+              <a:rPr lang="de-DE" dirty="0" err="1"/>
+              <a:t>more</a:t>
+            </a:r>
+            <a:r>
+              <a:rPr lang="de-DE" dirty="0"/>
+              <a:t> </a:t>
+            </a:r>
+            <a:r>
+              <a:rPr lang="de-DE" dirty="0" err="1"/>
+              <a:t>succinct</a:t>
+            </a:r>
+            <a:endParaRPr lang="de-DE" dirty="0"/>
+          </a:p>
+          <a:p>
+            <a:endParaRPr lang="de-DE" dirty="0"/>
+          </a:p>
+          <a:p>
+            <a:r>
+              <a:rPr lang="de-DE" dirty="0"/>
+              <a:t>… and </a:t>
+            </a:r>
+            <a:r>
+              <a:rPr lang="de-DE" dirty="0" err="1"/>
+              <a:t>then</a:t>
+            </a:r>
+            <a:r>
+              <a:rPr lang="de-DE" dirty="0"/>
+              <a:t> </a:t>
+            </a:r>
+            <a:r>
+              <a:rPr lang="de-DE" dirty="0" err="1"/>
+              <a:t>we‘re</a:t>
+            </a:r>
+            <a:r>
+              <a:rPr lang="de-DE" dirty="0"/>
+              <a:t> </a:t>
+            </a:r>
+            <a:r>
+              <a:rPr lang="de-DE" dirty="0" err="1"/>
+              <a:t>done</a:t>
+            </a:r>
+            <a:r>
+              <a:rPr lang="de-DE" dirty="0"/>
+              <a:t> </a:t>
+            </a:r>
+            <a:r>
+              <a:rPr lang="de-DE" dirty="0" err="1"/>
+              <a:t>already</a:t>
+            </a:r>
+            <a:r>
+              <a:rPr lang="de-DE" dirty="0"/>
+              <a:t> </a:t>
+            </a:r>
+            <a:r>
+              <a:rPr lang="de-DE" dirty="0" err="1"/>
+              <a:t>for</a:t>
+            </a:r>
+            <a:r>
+              <a:rPr lang="de-DE" dirty="0"/>
+              <a:t> </a:t>
+            </a:r>
+            <a:r>
+              <a:rPr lang="de-DE" dirty="0" err="1"/>
+              <a:t>the</a:t>
+            </a:r>
+            <a:r>
+              <a:rPr lang="de-DE" dirty="0"/>
+              <a:t> </a:t>
+            </a:r>
+            <a:r>
+              <a:rPr lang="de-DE" dirty="0" err="1"/>
+              <a:t>soundness</a:t>
+            </a:r>
+            <a:r>
+              <a:rPr lang="de-DE" dirty="0"/>
+              <a:t>. </a:t>
+            </a:r>
+          </a:p>
+          <a:p>
+            <a:endParaRPr lang="de-DE" dirty="0"/>
+          </a:p>
+          <a:p>
+            <a:r>
+              <a:rPr lang="de-DE" dirty="0"/>
+              <a:t>As </a:t>
+            </a:r>
+            <a:r>
+              <a:rPr lang="de-DE" dirty="0" err="1"/>
+              <a:t>for</a:t>
+            </a:r>
+            <a:r>
+              <a:rPr lang="de-DE" dirty="0"/>
+              <a:t> </a:t>
+            </a:r>
+            <a:r>
+              <a:rPr lang="de-DE" dirty="0" err="1"/>
+              <a:t>the</a:t>
+            </a:r>
+            <a:r>
+              <a:rPr lang="de-DE" dirty="0"/>
+              <a:t> </a:t>
+            </a:r>
+            <a:r>
+              <a:rPr lang="de-DE" dirty="0" err="1"/>
+              <a:t>termination</a:t>
+            </a:r>
+            <a:r>
+              <a:rPr lang="de-DE" dirty="0"/>
+              <a:t>, </a:t>
+            </a:r>
+            <a:r>
+              <a:rPr lang="de-DE" dirty="0" err="1"/>
+              <a:t>luckily</a:t>
+            </a:r>
+            <a:r>
+              <a:rPr lang="de-DE" dirty="0"/>
+              <a:t> </a:t>
+            </a:r>
+            <a:r>
+              <a:rPr lang="de-DE" dirty="0" err="1"/>
+              <a:t>these</a:t>
+            </a:r>
+            <a:r>
+              <a:rPr lang="de-DE" dirty="0"/>
+              <a:t> </a:t>
+            </a:r>
+            <a:r>
+              <a:rPr lang="de-DE" dirty="0" err="1"/>
+              <a:t>extensions</a:t>
+            </a:r>
+            <a:r>
+              <a:rPr lang="de-DE" dirty="0"/>
+              <a:t> </a:t>
+            </a:r>
+            <a:r>
+              <a:rPr lang="de-DE" dirty="0" err="1"/>
+              <a:t>are</a:t>
+            </a:r>
+            <a:r>
+              <a:rPr lang="de-DE" dirty="0"/>
+              <a:t> </a:t>
+            </a:r>
+            <a:r>
+              <a:rPr lang="de-DE" dirty="0" err="1"/>
+              <a:t>included</a:t>
+            </a:r>
+            <a:r>
+              <a:rPr lang="de-DE" dirty="0"/>
+              <a:t> in </a:t>
+            </a:r>
+            <a:r>
+              <a:rPr lang="de-DE" dirty="0" err="1"/>
+              <a:t>Brzozowski‘s</a:t>
+            </a:r>
+            <a:r>
+              <a:rPr lang="de-DE" dirty="0"/>
+              <a:t> </a:t>
+            </a:r>
+            <a:r>
+              <a:rPr lang="de-DE"/>
+              <a:t>result</a:t>
+            </a:r>
+            <a:endParaRPr lang="de-DE" dirty="0"/>
+          </a:p>
+        </p:txBody>
+      </p:sp>
+      <p:sp>
+        <p:nvSpPr>
+          <p:cNvPr id="4" name="Foliennummernplatzhalter 3"/>
+          <p:cNvSpPr>
+            <a:spLocks noGrp="1"/>
+          </p:cNvSpPr>
+          <p:nvPr>
+            <p:ph type="sldNum" sz="quarter" idx="10"/>
+          </p:nvPr>
+        </p:nvSpPr>
+        <p:spPr/>
+        <p:txBody>
+          <a:bodyPr/>
+          <a:lstStyle/>
+          <a:p>
+            <a:fld id="{FAA32559-8951-4C46-A356-FBB9455D7E38}" type="slidenum">
+              <a:rPr lang="de-DE" smtClean="0"/>
+              <a:t>19</a:t>
             </a:fld>
             <a:endParaRPr lang="de-DE"/>
           </a:p>
@@ -8100,138 +8212,6 @@
           <p:cNvPr id="2" name="Titel 1">
             <a:extLst>
               <a:ext uri="{FF2B5EF4-FFF2-40B4-BE49-F238E27FC236}">
-                <a16:creationId xmlns:a16="http://schemas.microsoft.com/office/drawing/2014/main" id="{D5D50EB3-B325-43FD-A071-2E053FCA58D5}"/>
-              </a:ext>
-            </a:extLst>
-          </p:cNvPr>
-          <p:cNvSpPr>
-            <a:spLocks noGrp="1"/>
-          </p:cNvSpPr>
-          <p:nvPr>
-            <p:ph type="title"/>
-          </p:nvPr>
-        </p:nvSpPr>
-        <p:spPr/>
-        <p:txBody>
-          <a:bodyPr/>
-          <a:lstStyle/>
-          <a:p>
-            <a:r>
-              <a:rPr lang="en-US"/>
-              <a:t>Example goal</a:t>
-            </a:r>
-            <a:endParaRPr lang="en-US" dirty="0"/>
-          </a:p>
-        </p:txBody>
-      </p:sp>
-      <p:sp>
-        <p:nvSpPr>
-          <p:cNvPr id="3" name="Inhaltsplatzhalter 2">
-            <a:extLst>
-              <a:ext uri="{FF2B5EF4-FFF2-40B4-BE49-F238E27FC236}">
-                <a16:creationId xmlns:a16="http://schemas.microsoft.com/office/drawing/2014/main" id="{13A3184E-D790-4B2E-BAE6-6BA74D9824B9}"/>
-              </a:ext>
-            </a:extLst>
-          </p:cNvPr>
-          <p:cNvSpPr>
-            <a:spLocks noGrp="1"/>
-          </p:cNvSpPr>
-          <p:nvPr>
-            <p:ph idx="1"/>
-          </p:nvPr>
-        </p:nvSpPr>
-        <p:spPr/>
-        <p:txBody>
-          <a:bodyPr/>
-          <a:lstStyle/>
-          <a:p>
-            <a:pPr marL="0" indent="0">
-              <a:buNone/>
-            </a:pPr>
-            <a:endParaRPr lang="en-US" dirty="0"/>
-          </a:p>
-          <a:p>
-            <a:pPr marL="0" indent="0">
-              <a:buNone/>
-            </a:pPr>
-            <a:endParaRPr lang="en-US" dirty="0"/>
-          </a:p>
-          <a:p>
-            <a:pPr marL="0" indent="0">
-              <a:buNone/>
-            </a:pPr>
-            <a:endParaRPr lang="en-US" dirty="0"/>
-          </a:p>
-          <a:p>
-            <a:pPr marL="0" indent="0" algn="ctr">
-              <a:buNone/>
-            </a:pPr>
-            <a:r>
-              <a:rPr lang="pt-BR" dirty="0">
-                <a:latin typeface="Lucida Bright" panose="02040602050505020304" pitchFamily="18" charset="0"/>
-              </a:rPr>
-              <a:t>L ((a ⋅ b)* ⋅ a) = L (a ⋅ (b ⋅ a)*)</a:t>
-            </a:r>
-          </a:p>
-          <a:p>
-            <a:pPr marL="0" indent="0" algn="ctr">
-              <a:buNone/>
-            </a:pPr>
-            <a:endParaRPr lang="pt-BR" dirty="0">
-              <a:latin typeface="Lucida Bright" panose="02040602050505020304" pitchFamily="18" charset="0"/>
-            </a:endParaRPr>
-          </a:p>
-          <a:p>
-            <a:pPr marL="0" indent="0" algn="ctr">
-              <a:buNone/>
-            </a:pPr>
-            <a:r>
-              <a:rPr lang="pt-BR" dirty="0">
-                <a:latin typeface="Lucida Bright" panose="02040602050505020304" pitchFamily="18" charset="0"/>
-              </a:rPr>
-              <a:t>L ((ε + a)* ⋅ a) = L (a ⋅ (a + ε)*)</a:t>
-            </a:r>
-            <a:endParaRPr lang="en-US" dirty="0">
-              <a:latin typeface="Lucida Bright" panose="02040602050505020304" pitchFamily="18" charset="0"/>
-            </a:endParaRPr>
-          </a:p>
-        </p:txBody>
-      </p:sp>
-    </p:spTree>
-    <p:extLst>
-      <p:ext uri="{BB962C8B-B14F-4D97-AF65-F5344CB8AC3E}">
-        <p14:creationId xmlns:p14="http://schemas.microsoft.com/office/powerpoint/2010/main" val="790305600"/>
-      </p:ext>
-    </p:extLst>
-  </p:cSld>
-  <p:clrMapOvr>
-    <a:masterClrMapping/>
-  </p:clrMapOvr>
-</p:sld>
-</file>
-
-<file path=ppt/slides/slide15.xml><?xml version="1.0" encoding="utf-8"?>
-<p:sld xmlns:a="http://schemas.openxmlformats.org/drawingml/2006/main" xmlns:r="http://schemas.openxmlformats.org/officeDocument/2006/relationships" xmlns:p="http://schemas.openxmlformats.org/presentationml/2006/main">
-  <p:cSld>
-    <p:spTree>
-      <p:nvGrpSpPr>
-        <p:cNvPr id="1" name=""/>
-        <p:cNvGrpSpPr/>
-        <p:nvPr/>
-      </p:nvGrpSpPr>
-      <p:grpSpPr>
-        <a:xfrm>
-          <a:off x="0" y="0"/>
-          <a:ext cx="0" cy="0"/>
-          <a:chOff x="0" y="0"/>
-          <a:chExt cx="0" cy="0"/>
-        </a:xfrm>
-      </p:grpSpPr>
-      <p:sp>
-        <p:nvSpPr>
-          <p:cNvPr id="2" name="Titel 1">
-            <a:extLst>
-              <a:ext uri="{FF2B5EF4-FFF2-40B4-BE49-F238E27FC236}">
                 <a16:creationId xmlns:a16="http://schemas.microsoft.com/office/drawing/2014/main" id="{2D7BCFF1-FE81-4AD3-8A76-EF7AB58D96BF}"/>
               </a:ext>
             </a:extLst>
@@ -8648,6 +8628,506 @@
 </p:sld>
 </file>
 
+<file path=ppt/slides/slide15.xml><?xml version="1.0" encoding="utf-8"?>
+<p:sld xmlns:a="http://schemas.openxmlformats.org/drawingml/2006/main" xmlns:r="http://schemas.openxmlformats.org/officeDocument/2006/relationships" xmlns:p="http://schemas.openxmlformats.org/presentationml/2006/main">
+  <p:cSld>
+    <p:spTree>
+      <p:nvGrpSpPr>
+        <p:cNvPr id="1" name=""/>
+        <p:cNvGrpSpPr/>
+        <p:nvPr/>
+      </p:nvGrpSpPr>
+      <p:grpSpPr>
+        <a:xfrm>
+          <a:off x="0" y="0"/>
+          <a:ext cx="0" cy="0"/>
+          <a:chOff x="0" y="0"/>
+          <a:chExt cx="0" cy="0"/>
+        </a:xfrm>
+      </p:grpSpPr>
+      <p:sp>
+        <p:nvSpPr>
+          <p:cNvPr id="2" name="Titel 1">
+            <a:extLst>
+              <a:ext uri="{FF2B5EF4-FFF2-40B4-BE49-F238E27FC236}">
+                <a16:creationId xmlns:a16="http://schemas.microsoft.com/office/drawing/2014/main" id="{5F5B88EA-B255-4460-BDCB-765AF3AE3CDC}"/>
+              </a:ext>
+            </a:extLst>
+          </p:cNvPr>
+          <p:cNvSpPr>
+            <a:spLocks noGrp="1"/>
+          </p:cNvSpPr>
+          <p:nvPr>
+            <p:ph type="title"/>
+          </p:nvPr>
+        </p:nvSpPr>
+        <p:spPr/>
+        <p:txBody>
+          <a:bodyPr/>
+          <a:lstStyle/>
+          <a:p>
+            <a:r>
+              <a:rPr lang="en-US" dirty="0"/>
+              <a:t>Towards termination</a:t>
+            </a:r>
+          </a:p>
+        </p:txBody>
+      </p:sp>
+      <mc:AlternateContent xmlns:mc="http://schemas.openxmlformats.org/markup-compatibility/2006">
+        <mc:Choice xmlns:a14="http://schemas.microsoft.com/office/drawing/2010/main" Requires="a14">
+          <p:sp>
+            <p:nvSpPr>
+              <p:cNvPr id="3" name="Inhaltsplatzhalter 2">
+                <a:extLst>
+                  <a:ext uri="{FF2B5EF4-FFF2-40B4-BE49-F238E27FC236}">
+                    <a16:creationId xmlns:a16="http://schemas.microsoft.com/office/drawing/2014/main" id="{005A25BA-0BB6-45EA-9967-FA45BA7FD648}"/>
+                  </a:ext>
+                </a:extLst>
+              </p:cNvPr>
+              <p:cNvSpPr>
+                <a:spLocks noGrp="1"/>
+              </p:cNvSpPr>
+              <p:nvPr>
+                <p:ph idx="1"/>
+              </p:nvPr>
+            </p:nvSpPr>
+            <p:spPr/>
+            <p:txBody>
+              <a:bodyPr>
+                <a:normAutofit lnSpcReduction="10000"/>
+              </a:bodyPr>
+              <a:lstStyle/>
+              <a:p>
+                <a:pPr marL="0" indent="0">
+                  <a:buNone/>
+                </a:pPr>
+                <a:r>
+                  <a:rPr lang="en-US" dirty="0"/>
+                  <a:t>We now have soundness, but the execution often accumulates large REs of the form</a:t>
+                </a:r>
+              </a:p>
+              <a:p>
+                <a:pPr marL="0" indent="0">
+                  <a:buNone/>
+                </a:pPr>
+                <a:r>
+                  <a:rPr lang="en-US" dirty="0"/>
+                  <a:t>       ∅</a:t>
+                </a:r>
+                <a:r>
+                  <a:rPr lang="en-GB" i="1" dirty="0">
+                    <a:latin typeface="Cambria Math" panose="02040503050406030204" pitchFamily="18" charset="0"/>
+                    <a:ea typeface="Cambria Math" panose="02040503050406030204" pitchFamily="18" charset="0"/>
+                  </a:rPr>
+                  <a:t>⋅ (…)  </a:t>
+                </a:r>
+                <a:r>
+                  <a:rPr lang="en-US" dirty="0"/>
+                  <a:t>+ ∅</a:t>
+                </a:r>
+                <a:r>
+                  <a:rPr lang="en-GB" i="1" dirty="0">
+                    <a:latin typeface="Cambria Math" panose="02040503050406030204" pitchFamily="18" charset="0"/>
+                    <a:ea typeface="Cambria Math" panose="02040503050406030204" pitchFamily="18" charset="0"/>
+                  </a:rPr>
+                  <a:t>⋅ (…)  </a:t>
+                </a:r>
+                <a:r>
+                  <a:rPr lang="en-US" dirty="0"/>
+                  <a:t>+ ∅</a:t>
+                </a:r>
+                <a:r>
+                  <a:rPr lang="en-GB" i="1" dirty="0">
+                    <a:latin typeface="Cambria Math" panose="02040503050406030204" pitchFamily="18" charset="0"/>
+                    <a:ea typeface="Cambria Math" panose="02040503050406030204" pitchFamily="18" charset="0"/>
+                  </a:rPr>
+                  <a:t>⋅ (…)</a:t>
+                </a:r>
+                <a:r>
+                  <a:rPr lang="en-US" dirty="0"/>
+                  <a:t> + …        or</a:t>
+                </a:r>
+              </a:p>
+              <a:p>
+                <a:pPr marL="0" indent="0">
+                  <a:buNone/>
+                </a:pPr>
+                <a:r>
+                  <a:rPr lang="de-DE" i="1" dirty="0">
+                    <a:latin typeface="Cambria Math" panose="02040503050406030204" pitchFamily="18" charset="0"/>
+                    <a:ea typeface="Cambria Math" panose="02040503050406030204" pitchFamily="18" charset="0"/>
+                  </a:rPr>
+                  <a:t>       </a:t>
+                </a:r>
+                <a:r>
+                  <a:rPr lang="el-GR" i="1" dirty="0">
+                    <a:latin typeface="Cambria Math" panose="02040503050406030204" pitchFamily="18" charset="0"/>
+                    <a:ea typeface="Cambria Math" panose="02040503050406030204" pitchFamily="18" charset="0"/>
+                  </a:rPr>
+                  <a:t>ε</a:t>
+                </a:r>
+                <a:r>
+                  <a:rPr lang="en-GB" i="1" dirty="0">
+                    <a:latin typeface="Cambria Math" panose="02040503050406030204" pitchFamily="18" charset="0"/>
+                    <a:ea typeface="Cambria Math" panose="02040503050406030204" pitchFamily="18" charset="0"/>
+                  </a:rPr>
+                  <a:t> ⋅ </a:t>
+                </a:r>
+                <a:r>
+                  <a:rPr lang="el-GR" i="1" dirty="0">
+                    <a:latin typeface="Cambria Math" panose="02040503050406030204" pitchFamily="18" charset="0"/>
+                    <a:ea typeface="Cambria Math" panose="02040503050406030204" pitchFamily="18" charset="0"/>
+                  </a:rPr>
+                  <a:t>ε</a:t>
+                </a:r>
+                <a:r>
+                  <a:rPr lang="en-GB" i="1" dirty="0">
+                    <a:latin typeface="Cambria Math" panose="02040503050406030204" pitchFamily="18" charset="0"/>
+                    <a:ea typeface="Cambria Math" panose="02040503050406030204" pitchFamily="18" charset="0"/>
+                  </a:rPr>
+                  <a:t> ⋅ </a:t>
+                </a:r>
+                <a:r>
+                  <a:rPr lang="el-GR" i="1" dirty="0">
+                    <a:latin typeface="Cambria Math" panose="02040503050406030204" pitchFamily="18" charset="0"/>
+                    <a:ea typeface="Cambria Math" panose="02040503050406030204" pitchFamily="18" charset="0"/>
+                  </a:rPr>
+                  <a:t>ε</a:t>
+                </a:r>
+                <a:r>
+                  <a:rPr lang="en-GB" i="1" dirty="0">
+                    <a:latin typeface="Cambria Math" panose="02040503050406030204" pitchFamily="18" charset="0"/>
+                    <a:ea typeface="Cambria Math" panose="02040503050406030204" pitchFamily="18" charset="0"/>
+                  </a:rPr>
+                  <a:t> ⋅ </a:t>
+                </a:r>
+                <a:r>
+                  <a:rPr lang="el-GR" i="1" dirty="0">
+                    <a:latin typeface="Cambria Math" panose="02040503050406030204" pitchFamily="18" charset="0"/>
+                    <a:ea typeface="Cambria Math" panose="02040503050406030204" pitchFamily="18" charset="0"/>
+                  </a:rPr>
+                  <a:t>ε</a:t>
+                </a:r>
+                <a:r>
+                  <a:rPr lang="en-GB" i="1" dirty="0">
+                    <a:latin typeface="Cambria Math" panose="02040503050406030204" pitchFamily="18" charset="0"/>
+                    <a:ea typeface="Cambria Math" panose="02040503050406030204" pitchFamily="18" charset="0"/>
+                  </a:rPr>
+                  <a:t> ⋅  (…)</a:t>
+                </a:r>
+                <a:endParaRPr lang="en-US" dirty="0"/>
+              </a:p>
+              <a:p>
+                <a:pPr marL="0" indent="0">
+                  <a:buNone/>
+                </a:pPr>
+                <a:endParaRPr lang="en-US" dirty="0"/>
+              </a:p>
+              <a:p>
+                <a:pPr marL="0" indent="0">
+                  <a:buNone/>
+                </a:pPr>
+                <a:r>
+                  <a:rPr lang="en-US" dirty="0"/>
+                  <a:t>Using simplifications like</a:t>
+                </a:r>
+              </a:p>
+              <a:p>
+                <a:pPr marL="0" indent="0">
+                  <a:buNone/>
+                </a:pPr>
+                <a:r>
+                  <a:rPr lang="en-US"/>
+                  <a:t>       </a:t>
+                </a:r>
+                <a:r>
+                  <a:rPr lang="en-US">
+                    <a:latin typeface="Cambria Math" panose="02040503050406030204" pitchFamily="18" charset="0"/>
+                    <a:ea typeface="Cambria Math" panose="02040503050406030204" pitchFamily="18" charset="0"/>
+                  </a:rPr>
+                  <a:t>∅ </a:t>
+                </a:r>
+                <a:r>
+                  <a:rPr lang="en-GB">
+                    <a:latin typeface="Cambria Math" panose="02040503050406030204" pitchFamily="18" charset="0"/>
+                    <a:ea typeface="Cambria Math" panose="02040503050406030204" pitchFamily="18" charset="0"/>
+                  </a:rPr>
+                  <a:t>⋅ </a:t>
+                </a:r>
+                <a:r>
+                  <a:rPr lang="en-GB" dirty="0">
+                    <a:latin typeface="Cambria Math" panose="02040503050406030204" pitchFamily="18" charset="0"/>
+                    <a:ea typeface="Cambria Math" panose="02040503050406030204" pitchFamily="18" charset="0"/>
+                  </a:rPr>
+                  <a:t>(…)</a:t>
+                </a:r>
+                <a:r>
+                  <a:rPr lang="en-US" dirty="0">
+                    <a:latin typeface="Cambria Math" panose="02040503050406030204" pitchFamily="18" charset="0"/>
+                    <a:ea typeface="Cambria Math" panose="02040503050406030204" pitchFamily="18" charset="0"/>
+                  </a:rPr>
+                  <a:t> ≡ ∅              ∅ </a:t>
+                </a:r>
+                <a:r>
+                  <a:rPr lang="en-GB" dirty="0">
+                    <a:latin typeface="Cambria Math" panose="02040503050406030204" pitchFamily="18" charset="0"/>
+                    <a:ea typeface="Cambria Math" panose="02040503050406030204" pitchFamily="18" charset="0"/>
+                  </a:rPr>
+                  <a:t>+ r </a:t>
+                </a:r>
+                <a:r>
+                  <a:rPr lang="en-US" dirty="0">
+                    <a:latin typeface="Cambria Math" panose="02040503050406030204" pitchFamily="18" charset="0"/>
+                    <a:ea typeface="Cambria Math" panose="02040503050406030204" pitchFamily="18" charset="0"/>
+                  </a:rPr>
+                  <a:t>≡ r           </a:t>
+                </a:r>
+                <a:r>
+                  <a:rPr lang="el-GR" dirty="0">
+                    <a:latin typeface="Cambria Math" panose="02040503050406030204" pitchFamily="18" charset="0"/>
+                    <a:ea typeface="Cambria Math" panose="02040503050406030204" pitchFamily="18" charset="0"/>
+                  </a:rPr>
+                  <a:t>ε</a:t>
+                </a:r>
+                <a:r>
+                  <a:rPr lang="en-GB" dirty="0">
+                    <a:latin typeface="Cambria Math" panose="02040503050406030204" pitchFamily="18" charset="0"/>
+                    <a:ea typeface="Cambria Math" panose="02040503050406030204" pitchFamily="18" charset="0"/>
+                  </a:rPr>
+                  <a:t> ⋅ r </a:t>
+                </a:r>
+                <a:r>
+                  <a:rPr lang="en-US" dirty="0">
+                    <a:latin typeface="Cambria Math" panose="02040503050406030204" pitchFamily="18" charset="0"/>
+                    <a:ea typeface="Cambria Math" panose="02040503050406030204" pitchFamily="18" charset="0"/>
+                  </a:rPr>
+                  <a:t>≡ r</a:t>
+                </a:r>
+              </a:p>
+              <a:p>
+                <a:pPr marL="0" indent="0">
+                  <a:buNone/>
+                </a:pPr>
+                <a:r>
+                  <a:rPr lang="en-US" dirty="0"/>
+                  <a:t>or their symmetric variants is no problem as long as</a:t>
+                </a:r>
+              </a:p>
+              <a:p>
+                <a:pPr marL="0" indent="0">
+                  <a:buNone/>
+                </a:pPr>
+                <a14:m>
+                  <m:oMath xmlns:m="http://schemas.openxmlformats.org/officeDocument/2006/math">
+                    <m:r>
+                      <a:rPr lang="de-DE" b="0" i="1" smtClean="0">
+                        <a:latin typeface="Cambria Math" panose="02040503050406030204" pitchFamily="18" charset="0"/>
+                        <a:ea typeface="Cambria Math" panose="02040503050406030204" pitchFamily="18" charset="0"/>
+                      </a:rPr>
+                      <m:t>        </m:t>
+                    </m:r>
+                    <m:sSub>
+                      <m:sSubPr>
+                        <m:ctrlPr>
+                          <a:rPr lang="pt-BR" i="1">
+                            <a:latin typeface="Cambria Math" panose="02040503050406030204" pitchFamily="18" charset="0"/>
+                            <a:ea typeface="Cambria Math" panose="02040503050406030204" pitchFamily="18" charset="0"/>
+                          </a:rPr>
+                        </m:ctrlPr>
+                      </m:sSubPr>
+                      <m:e>
+                        <m:r>
+                          <a:rPr lang="de-DE" i="1">
+                            <a:latin typeface="Cambria Math" panose="02040503050406030204" pitchFamily="18" charset="0"/>
+                            <a:ea typeface="Cambria Math" panose="02040503050406030204" pitchFamily="18" charset="0"/>
+                          </a:rPr>
+                          <m:t>𝐿</m:t>
+                        </m:r>
+                        <m:r>
+                          <a:rPr lang="de-DE" i="1">
+                            <a:latin typeface="Cambria Math" panose="02040503050406030204" pitchFamily="18" charset="0"/>
+                            <a:ea typeface="Cambria Math" panose="02040503050406030204" pitchFamily="18" charset="0"/>
+                          </a:rPr>
+                          <m:t>(</m:t>
+                        </m:r>
+                        <m:r>
+                          <a:rPr lang="de-DE" i="1">
+                            <a:latin typeface="Cambria Math" panose="02040503050406030204" pitchFamily="18" charset="0"/>
+                            <a:ea typeface="Cambria Math" panose="02040503050406030204" pitchFamily="18" charset="0"/>
+                          </a:rPr>
+                          <m:t>𝑑</m:t>
+                        </m:r>
+                      </m:e>
+                      <m:sub>
+                        <m:r>
+                          <a:rPr lang="de-DE" i="1">
+                            <a:latin typeface="Cambria Math" panose="02040503050406030204" pitchFamily="18" charset="0"/>
+                            <a:ea typeface="Cambria Math" panose="02040503050406030204" pitchFamily="18" charset="0"/>
+                          </a:rPr>
+                          <m:t>𝑎</m:t>
+                        </m:r>
+                      </m:sub>
+                    </m:sSub>
+                    <m:r>
+                      <a:rPr lang="de-DE" i="1">
+                        <a:latin typeface="Cambria Math" panose="02040503050406030204" pitchFamily="18" charset="0"/>
+                        <a:ea typeface="Cambria Math" panose="02040503050406030204" pitchFamily="18" charset="0"/>
+                      </a:rPr>
+                      <m:t>(</m:t>
+                    </m:r>
+                    <m:r>
+                      <a:rPr lang="de-DE" i="1">
+                        <a:latin typeface="Cambria Math" panose="02040503050406030204" pitchFamily="18" charset="0"/>
+                        <a:ea typeface="Cambria Math" panose="02040503050406030204" pitchFamily="18" charset="0"/>
+                      </a:rPr>
+                      <m:t>𝑟</m:t>
+                    </m:r>
+                    <m:r>
+                      <a:rPr lang="de-DE" i="1">
+                        <a:latin typeface="Cambria Math" panose="02040503050406030204" pitchFamily="18" charset="0"/>
+                        <a:ea typeface="Cambria Math" panose="02040503050406030204" pitchFamily="18" charset="0"/>
+                      </a:rPr>
+                      <m:t>))</m:t>
+                    </m:r>
+                  </m:oMath>
+                </a14:m>
+                <a:r>
+                  <a:rPr lang="pt-BR" i="1" dirty="0">
+                    <a:latin typeface="Lucida Bright" panose="02040602050505020304" pitchFamily="18" charset="0"/>
+                    <a:ea typeface="Cambria Math" panose="02040503050406030204" pitchFamily="18" charset="0"/>
+                  </a:rPr>
+                  <a:t> = </a:t>
+                </a:r>
+                <a14:m>
+                  <m:oMath xmlns:m="http://schemas.openxmlformats.org/officeDocument/2006/math">
+                    <m:sSub>
+                      <m:sSubPr>
+                        <m:ctrlPr>
+                          <a:rPr lang="pt-BR" i="1">
+                            <a:latin typeface="Cambria Math" panose="02040503050406030204" pitchFamily="18" charset="0"/>
+                            <a:ea typeface="Cambria Math" panose="02040503050406030204" pitchFamily="18" charset="0"/>
+                          </a:rPr>
+                        </m:ctrlPr>
+                      </m:sSubPr>
+                      <m:e>
+                        <m:r>
+                          <a:rPr lang="de-DE" i="1">
+                            <a:latin typeface="Cambria Math" panose="02040503050406030204" pitchFamily="18" charset="0"/>
+                            <a:ea typeface="Cambria Math" panose="02040503050406030204" pitchFamily="18" charset="0"/>
+                          </a:rPr>
+                          <m:t>𝐷</m:t>
+                        </m:r>
+                      </m:e>
+                      <m:sub>
+                        <m:r>
+                          <a:rPr lang="de-DE" i="1">
+                            <a:latin typeface="Cambria Math" panose="02040503050406030204" pitchFamily="18" charset="0"/>
+                            <a:ea typeface="Cambria Math" panose="02040503050406030204" pitchFamily="18" charset="0"/>
+                          </a:rPr>
+                          <m:t>𝑎</m:t>
+                        </m:r>
+                      </m:sub>
+                    </m:sSub>
+                    <m:r>
+                      <a:rPr lang="de-DE" i="1">
+                        <a:latin typeface="Cambria Math" panose="02040503050406030204" pitchFamily="18" charset="0"/>
+                        <a:ea typeface="Cambria Math" panose="02040503050406030204" pitchFamily="18" charset="0"/>
+                      </a:rPr>
+                      <m:t>(</m:t>
+                    </m:r>
+                    <m:r>
+                      <a:rPr lang="de-DE" i="1">
+                        <a:latin typeface="Cambria Math" panose="02040503050406030204" pitchFamily="18" charset="0"/>
+                        <a:ea typeface="Cambria Math" panose="02040503050406030204" pitchFamily="18" charset="0"/>
+                      </a:rPr>
+                      <m:t>𝐿</m:t>
+                    </m:r>
+                    <m:d>
+                      <m:dPr>
+                        <m:ctrlPr>
+                          <a:rPr lang="de-DE" i="1">
+                            <a:latin typeface="Cambria Math" panose="02040503050406030204" pitchFamily="18" charset="0"/>
+                            <a:ea typeface="Cambria Math" panose="02040503050406030204" pitchFamily="18" charset="0"/>
+                          </a:rPr>
+                        </m:ctrlPr>
+                      </m:dPr>
+                      <m:e>
+                        <m:r>
+                          <a:rPr lang="de-DE" i="1">
+                            <a:latin typeface="Cambria Math" panose="02040503050406030204" pitchFamily="18" charset="0"/>
+                            <a:ea typeface="Cambria Math" panose="02040503050406030204" pitchFamily="18" charset="0"/>
+                          </a:rPr>
+                          <m:t>𝑟</m:t>
+                        </m:r>
+                      </m:e>
+                    </m:d>
+                    <m:r>
+                      <a:rPr lang="de-DE" i="1">
+                        <a:latin typeface="Cambria Math" panose="02040503050406030204" pitchFamily="18" charset="0"/>
+                        <a:ea typeface="Cambria Math" panose="02040503050406030204" pitchFamily="18" charset="0"/>
+                      </a:rPr>
+                      <m:t>)</m:t>
+                    </m:r>
+                  </m:oMath>
+                </a14:m>
+                <a:endParaRPr lang="en-US" dirty="0"/>
+              </a:p>
+            </p:txBody>
+          </p:sp>
+        </mc:Choice>
+        <mc:Fallback>
+          <p:sp>
+            <p:nvSpPr>
+              <p:cNvPr id="3" name="Inhaltsplatzhalter 2">
+                <a:extLst>
+                  <a:ext uri="{FF2B5EF4-FFF2-40B4-BE49-F238E27FC236}">
+                    <a16:creationId xmlns:a16="http://schemas.microsoft.com/office/drawing/2014/main" id="{005A25BA-0BB6-45EA-9967-FA45BA7FD648}"/>
+                  </a:ext>
+                </a:extLst>
+              </p:cNvPr>
+              <p:cNvSpPr>
+                <a:spLocks noGrp="1" noRot="1" noChangeAspect="1" noMove="1" noResize="1" noEditPoints="1" noAdjustHandles="1" noChangeArrowheads="1" noChangeShapeType="1" noTextEdit="1"/>
+              </p:cNvSpPr>
+              <p:nvPr>
+                <p:ph idx="1"/>
+              </p:nvPr>
+            </p:nvSpPr>
+            <p:spPr>
+              <a:blipFill>
+                <a:blip r:embed="rId3"/>
+                <a:stretch>
+                  <a:fillRect l="-1217" t="-3081"/>
+                </a:stretch>
+              </a:blipFill>
+            </p:spPr>
+            <p:txBody>
+              <a:bodyPr/>
+              <a:lstStyle/>
+              <a:p>
+                <a:r>
+                  <a:rPr lang="en-US">
+                    <a:noFill/>
+                  </a:rPr>
+                  <a:t> </a:t>
+                </a:r>
+              </a:p>
+            </p:txBody>
+          </p:sp>
+        </mc:Fallback>
+      </mc:AlternateContent>
+    </p:spTree>
+    <p:extLst>
+      <p:ext uri="{BB962C8B-B14F-4D97-AF65-F5344CB8AC3E}">
+        <p14:creationId xmlns:p14="http://schemas.microsoft.com/office/powerpoint/2010/main" val="1388756267"/>
+      </p:ext>
+    </p:extLst>
+  </p:cSld>
+  <p:clrMapOvr>
+    <a:masterClrMapping/>
+  </p:clrMapOvr>
+</p:sld>
+</file>
+
 <file path=ppt/slides/slide16.xml><?xml version="1.0" encoding="utf-8"?>
 <p:sld xmlns:a="http://schemas.openxmlformats.org/drawingml/2006/main" xmlns:r="http://schemas.openxmlformats.org/officeDocument/2006/relationships" xmlns:p="http://schemas.openxmlformats.org/presentationml/2006/main">
   <p:cSld>
@@ -8670,7 +9150,7 @@
           <p:cNvPr id="2" name="Titel 1">
             <a:extLst>
               <a:ext uri="{FF2B5EF4-FFF2-40B4-BE49-F238E27FC236}">
-                <a16:creationId xmlns:a16="http://schemas.microsoft.com/office/drawing/2014/main" id="{A24B41B1-888F-48DC-BD41-15D6CE619CD0}"/>
+                <a16:creationId xmlns:a16="http://schemas.microsoft.com/office/drawing/2014/main" id="{D5D50EB3-B325-43FD-A071-2E053FCA58D5}"/>
               </a:ext>
             </a:extLst>
           </p:cNvPr>
@@ -8687,12 +9167,8 @@
           <a:lstStyle/>
           <a:p>
             <a:r>
-              <a:rPr lang="en-US" dirty="0" err="1"/>
-              <a:t>Brzozowki’s</a:t>
-            </a:r>
-            <a:r>
               <a:rPr lang="en-US" dirty="0"/>
-              <a:t> result about termination</a:t>
+              <a:t>Example goal</a:t>
             </a:r>
           </a:p>
         </p:txBody>
@@ -8702,7 +9178,7 @@
           <p:cNvPr id="3" name="Inhaltsplatzhalter 2">
             <a:extLst>
               <a:ext uri="{FF2B5EF4-FFF2-40B4-BE49-F238E27FC236}">
-                <a16:creationId xmlns:a16="http://schemas.microsoft.com/office/drawing/2014/main" id="{740A271E-5A51-4AB1-95AC-89ACD35231C5}"/>
+                <a16:creationId xmlns:a16="http://schemas.microsoft.com/office/drawing/2014/main" id="{13A3184E-D790-4B2E-BAE6-6BA74D9824B9}"/>
               </a:ext>
             </a:extLst>
           </p:cNvPr>
@@ -8715,173 +9191,8 @@
         </p:nvSpPr>
         <p:spPr/>
         <p:txBody>
-          <a:bodyPr>
-            <a:normAutofit fontScale="85000" lnSpcReduction="20000"/>
-          </a:bodyPr>
+          <a:bodyPr/>
           <a:lstStyle/>
-          <a:p>
-            <a:pPr marL="0" indent="0">
-              <a:buNone/>
-            </a:pPr>
-            <a:r>
-              <a:rPr lang="en-GB" b="1" dirty="0"/>
-              <a:t>ACI-equivalence</a:t>
-            </a:r>
-          </a:p>
-          <a:p>
-            <a:pPr marL="0" indent="0" algn="ctr">
-              <a:buNone/>
-            </a:pPr>
-            <a:r>
-              <a:rPr lang="en-US" dirty="0"/>
-              <a:t>equality modulo </a:t>
-            </a:r>
-            <a:r>
-              <a:rPr lang="en-US" i="1" dirty="0"/>
-              <a:t>associativity</a:t>
-            </a:r>
-            <a:r>
-              <a:rPr lang="en-US" dirty="0"/>
-              <a:t>, </a:t>
-            </a:r>
-            <a:r>
-              <a:rPr lang="en-US" i="1" dirty="0"/>
-              <a:t>commutativity</a:t>
-            </a:r>
-            <a:r>
-              <a:rPr lang="en-US" dirty="0"/>
-              <a:t> and </a:t>
-            </a:r>
-            <a:r>
-              <a:rPr lang="en-US" i="1" dirty="0"/>
-              <a:t>idempotence</a:t>
-            </a:r>
-            <a:r>
-              <a:rPr lang="en-US" dirty="0"/>
-              <a:t> of </a:t>
-            </a:r>
-            <a:r>
-              <a:rPr lang="en-US" i="1" dirty="0"/>
-              <a:t>+</a:t>
-            </a:r>
-            <a:endParaRPr lang="en-GB" dirty="0"/>
-          </a:p>
-          <a:p>
-            <a:pPr marL="0" indent="0">
-              <a:buNone/>
-            </a:pPr>
-            <a:endParaRPr lang="en-GB" dirty="0"/>
-          </a:p>
-          <a:p>
-            <a:pPr marL="0" indent="0">
-              <a:buNone/>
-            </a:pPr>
-            <a:r>
-              <a:rPr lang="en-GB" dirty="0"/>
-              <a:t>In each step, we add the following to the work set:</a:t>
-            </a:r>
-          </a:p>
-          <a:p>
-            <a:pPr marL="0" indent="0">
-              <a:buNone/>
-            </a:pPr>
-            <a:endParaRPr lang="en-GB" dirty="0"/>
-          </a:p>
-          <a:p>
-            <a:pPr marL="0" indent="0">
-              <a:buNone/>
-            </a:pPr>
-            <a:r>
-              <a:rPr lang="en-GB" dirty="0">
-                <a:latin typeface="Lucida Bright" panose="02040602050505020304" pitchFamily="18" charset="0"/>
-              </a:rPr>
-              <a:t>{(</a:t>
-            </a:r>
-            <a:r>
-              <a:rPr lang="en-GB" dirty="0" err="1">
-                <a:latin typeface="Lucida Bright" panose="02040602050505020304" pitchFamily="18" charset="0"/>
-              </a:rPr>
-              <a:t>r,s</a:t>
-            </a:r>
-            <a:r>
-              <a:rPr lang="en-GB" dirty="0">
-                <a:latin typeface="Lucida Bright" panose="02040602050505020304" pitchFamily="18" charset="0"/>
-              </a:rPr>
-              <a:t>) ← </a:t>
-            </a:r>
-            <a:r>
-              <a:rPr lang="en-GB" dirty="0" err="1">
-                <a:latin typeface="Lucida Bright" panose="02040602050505020304" pitchFamily="18" charset="0"/>
-              </a:rPr>
-              <a:t>succs</a:t>
-            </a:r>
-            <a:r>
-              <a:rPr lang="en-GB" dirty="0">
-                <a:latin typeface="Lucida Bright" panose="02040602050505020304" pitchFamily="18" charset="0"/>
-              </a:rPr>
-              <a:t> as (</a:t>
-            </a:r>
-            <a:r>
-              <a:rPr lang="en-GB" dirty="0" err="1">
-                <a:latin typeface="Lucida Bright" panose="02040602050505020304" pitchFamily="18" charset="0"/>
-              </a:rPr>
-              <a:t>hd</a:t>
-            </a:r>
-            <a:r>
-              <a:rPr lang="en-GB" dirty="0">
-                <a:latin typeface="Lucida Bright" panose="02040602050505020304" pitchFamily="18" charset="0"/>
-              </a:rPr>
-              <a:t> </a:t>
-            </a:r>
-            <a:r>
-              <a:rPr lang="en-GB" dirty="0" err="1">
-                <a:latin typeface="Lucida Bright" panose="02040602050505020304" pitchFamily="18" charset="0"/>
-              </a:rPr>
-              <a:t>ws</a:t>
-            </a:r>
-            <a:r>
-              <a:rPr lang="en-GB" dirty="0">
-                <a:latin typeface="Lucida Bright" panose="02040602050505020304" pitchFamily="18" charset="0"/>
-              </a:rPr>
-              <a:t>) . (</a:t>
-            </a:r>
-            <a:r>
-              <a:rPr lang="en-GB" dirty="0" err="1">
-                <a:latin typeface="Lucida Bright" panose="02040602050505020304" pitchFamily="18" charset="0"/>
-              </a:rPr>
-              <a:t>r,s</a:t>
-            </a:r>
-            <a:r>
-              <a:rPr lang="en-GB" dirty="0">
-                <a:latin typeface="Lucida Bright" panose="02040602050505020304" pitchFamily="18" charset="0"/>
-              </a:rPr>
-              <a:t>) ∉ set </a:t>
-            </a:r>
-            <a:r>
-              <a:rPr lang="en-GB" dirty="0" err="1">
-                <a:latin typeface="Lucida Bright" panose="02040602050505020304" pitchFamily="18" charset="0"/>
-              </a:rPr>
-              <a:t>ps'</a:t>
-            </a:r>
-            <a:r>
-              <a:rPr lang="en-GB" dirty="0">
-                <a:latin typeface="Lucida Bright" panose="02040602050505020304" pitchFamily="18" charset="0"/>
-              </a:rPr>
-              <a:t> ∪ set </a:t>
-            </a:r>
-            <a:r>
-              <a:rPr lang="en-GB" dirty="0" err="1">
-                <a:latin typeface="Lucida Bright" panose="02040602050505020304" pitchFamily="18" charset="0"/>
-              </a:rPr>
-              <a:t>ws</a:t>
-            </a:r>
-            <a:r>
-              <a:rPr lang="en-GB" dirty="0">
-                <a:latin typeface="Lucida Bright" panose="02040602050505020304" pitchFamily="18" charset="0"/>
-              </a:rPr>
-              <a:t>}</a:t>
-            </a:r>
-          </a:p>
           <a:p>
             <a:pPr marL="0" indent="0">
               <a:buNone/>
@@ -8889,62 +9200,56 @@
             <a:endParaRPr lang="en-US" dirty="0"/>
           </a:p>
           <a:p>
+            <a:pPr marL="0" indent="0">
+              <a:buNone/>
+            </a:pPr>
+            <a:endParaRPr lang="en-US" dirty="0"/>
+          </a:p>
+          <a:p>
+            <a:pPr marL="0" indent="0">
+              <a:buNone/>
+            </a:pPr>
+            <a:endParaRPr lang="en-US" dirty="0"/>
+          </a:p>
+          <a:p>
             <a:pPr marL="0" indent="0" algn="ctr">
               <a:buNone/>
             </a:pPr>
             <a:r>
-              <a:rPr lang="en-GB" i="1" dirty="0"/>
-              <a:t>If the </a:t>
-            </a:r>
-            <a:r>
-              <a:rPr lang="en-GB" i="1" dirty="0">
+              <a:rPr lang="pt-BR" dirty="0">
                 <a:latin typeface="Lucida Bright" panose="02040602050505020304" pitchFamily="18" charset="0"/>
               </a:rPr>
-              <a:t>∉-</a:t>
-            </a:r>
-            <a:r>
-              <a:rPr lang="en-GB" i="1" dirty="0"/>
-              <a:t>filter also considers ACI-equivalent REs to be equal,</a:t>
+              <a:t>L ((a ⋅ b)* ⋅ a) = L (a ⋅ (b ⋅ a)*)</a:t>
             </a:r>
           </a:p>
           <a:p>
             <a:pPr marL="0" indent="0" algn="ctr">
               <a:buNone/>
             </a:pPr>
-            <a:r>
-              <a:rPr lang="en-GB" i="1" dirty="0"/>
-              <a:t>then the computation terminates.</a:t>
-            </a:r>
+            <a:endParaRPr lang="pt-BR" dirty="0">
+              <a:latin typeface="Lucida Bright" panose="02040602050505020304" pitchFamily="18" charset="0"/>
+            </a:endParaRPr>
           </a:p>
           <a:p>
             <a:pPr marL="0" indent="0" algn="ctr">
               <a:buNone/>
             </a:pPr>
-            <a:endParaRPr lang="en-GB" dirty="0"/>
-          </a:p>
-          <a:p>
-            <a:pPr marL="0" indent="0">
-              <a:buNone/>
-            </a:pPr>
-            <a:r>
-              <a:rPr lang="en-GB" dirty="0"/>
-              <a:t>The resulting relation will still be a </a:t>
-            </a:r>
-            <a:r>
-              <a:rPr lang="en-GB" dirty="0" err="1"/>
-              <a:t>bisimulation</a:t>
-            </a:r>
-            <a:r>
-              <a:rPr lang="en-GB" dirty="0"/>
-              <a:t>.</a:t>
-            </a:r>
+            <a:r>
+              <a:rPr lang="pt-BR" dirty="0">
+                <a:latin typeface="Lucida Bright" panose="02040602050505020304" pitchFamily="18" charset="0"/>
+              </a:rPr>
+              <a:t>L ((ε + a)* ⋅ a) = L (a ⋅ (a + ε)*)</a:t>
+            </a:r>
+            <a:endParaRPr lang="en-US" dirty="0">
+              <a:latin typeface="Lucida Bright" panose="02040602050505020304" pitchFamily="18" charset="0"/>
+            </a:endParaRPr>
           </a:p>
         </p:txBody>
       </p:sp>
     </p:spTree>
     <p:extLst>
       <p:ext uri="{BB962C8B-B14F-4D97-AF65-F5344CB8AC3E}">
-        <p14:creationId xmlns:p14="http://schemas.microsoft.com/office/powerpoint/2010/main" val="1811828584"/>
+        <p14:creationId xmlns:p14="http://schemas.microsoft.com/office/powerpoint/2010/main" val="790305600"/>
       </p:ext>
     </p:extLst>
   </p:cSld>
@@ -8976,6 +9281,312 @@
           <p:cNvPr id="2" name="Titel 1">
             <a:extLst>
               <a:ext uri="{FF2B5EF4-FFF2-40B4-BE49-F238E27FC236}">
+                <a16:creationId xmlns:a16="http://schemas.microsoft.com/office/drawing/2014/main" id="{A24B41B1-888F-48DC-BD41-15D6CE619CD0}"/>
+              </a:ext>
+            </a:extLst>
+          </p:cNvPr>
+          <p:cNvSpPr>
+            <a:spLocks noGrp="1"/>
+          </p:cNvSpPr>
+          <p:nvPr>
+            <p:ph type="title"/>
+          </p:nvPr>
+        </p:nvSpPr>
+        <p:spPr/>
+        <p:txBody>
+          <a:bodyPr/>
+          <a:lstStyle/>
+          <a:p>
+            <a:r>
+              <a:rPr lang="en-US" dirty="0" err="1"/>
+              <a:t>Brzozowki’s</a:t>
+            </a:r>
+            <a:r>
+              <a:rPr lang="en-US" dirty="0"/>
+              <a:t> result about termination</a:t>
+            </a:r>
+          </a:p>
+        </p:txBody>
+      </p:sp>
+      <p:sp>
+        <p:nvSpPr>
+          <p:cNvPr id="3" name="Inhaltsplatzhalter 2">
+            <a:extLst>
+              <a:ext uri="{FF2B5EF4-FFF2-40B4-BE49-F238E27FC236}">
+                <a16:creationId xmlns:a16="http://schemas.microsoft.com/office/drawing/2014/main" id="{740A271E-5A51-4AB1-95AC-89ACD35231C5}"/>
+              </a:ext>
+            </a:extLst>
+          </p:cNvPr>
+          <p:cNvSpPr>
+            <a:spLocks noGrp="1"/>
+          </p:cNvSpPr>
+          <p:nvPr>
+            <p:ph idx="1"/>
+          </p:nvPr>
+        </p:nvSpPr>
+        <p:spPr/>
+        <p:txBody>
+          <a:bodyPr>
+            <a:normAutofit fontScale="85000" lnSpcReduction="20000"/>
+          </a:bodyPr>
+          <a:lstStyle/>
+          <a:p>
+            <a:pPr marL="0" indent="0">
+              <a:buNone/>
+            </a:pPr>
+            <a:r>
+              <a:rPr lang="en-GB" b="1" dirty="0"/>
+              <a:t>ACI-equivalence</a:t>
+            </a:r>
+          </a:p>
+          <a:p>
+            <a:pPr marL="0" indent="0" algn="ctr">
+              <a:buNone/>
+            </a:pPr>
+            <a:r>
+              <a:rPr lang="en-US" dirty="0"/>
+              <a:t>equality modulo </a:t>
+            </a:r>
+            <a:r>
+              <a:rPr lang="en-US" i="1" dirty="0"/>
+              <a:t>associativity</a:t>
+            </a:r>
+            <a:r>
+              <a:rPr lang="en-US" dirty="0"/>
+              <a:t>, </a:t>
+            </a:r>
+            <a:r>
+              <a:rPr lang="en-US" i="1" dirty="0"/>
+              <a:t>commutativity</a:t>
+            </a:r>
+            <a:r>
+              <a:rPr lang="en-US" dirty="0"/>
+              <a:t> and </a:t>
+            </a:r>
+            <a:r>
+              <a:rPr lang="en-US" i="1" dirty="0"/>
+              <a:t>idempotence</a:t>
+            </a:r>
+            <a:r>
+              <a:rPr lang="en-US" dirty="0"/>
+              <a:t> of </a:t>
+            </a:r>
+            <a:r>
+              <a:rPr lang="en-US" i="1" dirty="0"/>
+              <a:t>+</a:t>
+            </a:r>
+            <a:endParaRPr lang="en-GB" dirty="0"/>
+          </a:p>
+          <a:p>
+            <a:pPr marL="0" indent="0">
+              <a:buNone/>
+            </a:pPr>
+            <a:endParaRPr lang="en-GB" dirty="0"/>
+          </a:p>
+          <a:p>
+            <a:pPr marL="0" indent="0">
+              <a:buNone/>
+            </a:pPr>
+            <a:r>
+              <a:rPr lang="en-GB" dirty="0"/>
+              <a:t>In each step, we add the following to the work set:</a:t>
+            </a:r>
+          </a:p>
+          <a:p>
+            <a:pPr marL="0" indent="0">
+              <a:buNone/>
+            </a:pPr>
+            <a:endParaRPr lang="en-GB" dirty="0"/>
+          </a:p>
+          <a:p>
+            <a:pPr marL="0" indent="0">
+              <a:buNone/>
+            </a:pPr>
+            <a:r>
+              <a:rPr lang="en-GB" dirty="0">
+                <a:latin typeface="Lucida Bright" panose="02040602050505020304" pitchFamily="18" charset="0"/>
+              </a:rPr>
+              <a:t>{(</a:t>
+            </a:r>
+            <a:r>
+              <a:rPr lang="en-GB" dirty="0" err="1">
+                <a:latin typeface="Lucida Bright" panose="02040602050505020304" pitchFamily="18" charset="0"/>
+              </a:rPr>
+              <a:t>r,s</a:t>
+            </a:r>
+            <a:r>
+              <a:rPr lang="en-GB" dirty="0">
+                <a:latin typeface="Lucida Bright" panose="02040602050505020304" pitchFamily="18" charset="0"/>
+              </a:rPr>
+              <a:t>) ← </a:t>
+            </a:r>
+            <a:r>
+              <a:rPr lang="en-GB" dirty="0" err="1">
+                <a:latin typeface="Lucida Bright" panose="02040602050505020304" pitchFamily="18" charset="0"/>
+              </a:rPr>
+              <a:t>succs</a:t>
+            </a:r>
+            <a:r>
+              <a:rPr lang="en-GB" dirty="0">
+                <a:latin typeface="Lucida Bright" panose="02040602050505020304" pitchFamily="18" charset="0"/>
+              </a:rPr>
+              <a:t> as (</a:t>
+            </a:r>
+            <a:r>
+              <a:rPr lang="en-GB" dirty="0" err="1">
+                <a:latin typeface="Lucida Bright" panose="02040602050505020304" pitchFamily="18" charset="0"/>
+              </a:rPr>
+              <a:t>hd</a:t>
+            </a:r>
+            <a:r>
+              <a:rPr lang="en-GB" dirty="0">
+                <a:latin typeface="Lucida Bright" panose="02040602050505020304" pitchFamily="18" charset="0"/>
+              </a:rPr>
+              <a:t> </a:t>
+            </a:r>
+            <a:r>
+              <a:rPr lang="en-GB" dirty="0" err="1">
+                <a:latin typeface="Lucida Bright" panose="02040602050505020304" pitchFamily="18" charset="0"/>
+              </a:rPr>
+              <a:t>ws</a:t>
+            </a:r>
+            <a:r>
+              <a:rPr lang="en-GB" dirty="0">
+                <a:latin typeface="Lucida Bright" panose="02040602050505020304" pitchFamily="18" charset="0"/>
+              </a:rPr>
+              <a:t>) . (</a:t>
+            </a:r>
+            <a:r>
+              <a:rPr lang="en-GB" dirty="0" err="1">
+                <a:latin typeface="Lucida Bright" panose="02040602050505020304" pitchFamily="18" charset="0"/>
+              </a:rPr>
+              <a:t>r,s</a:t>
+            </a:r>
+            <a:r>
+              <a:rPr lang="en-GB" dirty="0">
+                <a:latin typeface="Lucida Bright" panose="02040602050505020304" pitchFamily="18" charset="0"/>
+              </a:rPr>
+              <a:t>) ∉ set </a:t>
+            </a:r>
+            <a:r>
+              <a:rPr lang="en-GB" dirty="0" err="1">
+                <a:latin typeface="Lucida Bright" panose="02040602050505020304" pitchFamily="18" charset="0"/>
+              </a:rPr>
+              <a:t>ps'</a:t>
+            </a:r>
+            <a:r>
+              <a:rPr lang="en-GB" dirty="0">
+                <a:latin typeface="Lucida Bright" panose="02040602050505020304" pitchFamily="18" charset="0"/>
+              </a:rPr>
+              <a:t> ∪ set </a:t>
+            </a:r>
+            <a:r>
+              <a:rPr lang="en-GB" dirty="0" err="1">
+                <a:latin typeface="Lucida Bright" panose="02040602050505020304" pitchFamily="18" charset="0"/>
+              </a:rPr>
+              <a:t>ws</a:t>
+            </a:r>
+            <a:r>
+              <a:rPr lang="en-GB" dirty="0">
+                <a:latin typeface="Lucida Bright" panose="02040602050505020304" pitchFamily="18" charset="0"/>
+              </a:rPr>
+              <a:t>}</a:t>
+            </a:r>
+          </a:p>
+          <a:p>
+            <a:pPr marL="0" indent="0">
+              <a:buNone/>
+            </a:pPr>
+            <a:endParaRPr lang="en-US" dirty="0"/>
+          </a:p>
+          <a:p>
+            <a:pPr marL="0" indent="0" algn="ctr">
+              <a:buNone/>
+            </a:pPr>
+            <a:r>
+              <a:rPr lang="en-GB" i="1" dirty="0"/>
+              <a:t>If the </a:t>
+            </a:r>
+            <a:r>
+              <a:rPr lang="en-GB" i="1" dirty="0">
+                <a:latin typeface="Lucida Bright" panose="02040602050505020304" pitchFamily="18" charset="0"/>
+              </a:rPr>
+              <a:t>∉-</a:t>
+            </a:r>
+            <a:r>
+              <a:rPr lang="en-GB" i="1" dirty="0"/>
+              <a:t>filter also considers ACI-equivalent REs to be equal,</a:t>
+            </a:r>
+          </a:p>
+          <a:p>
+            <a:pPr marL="0" indent="0" algn="ctr">
+              <a:buNone/>
+            </a:pPr>
+            <a:r>
+              <a:rPr lang="en-GB" i="1" dirty="0"/>
+              <a:t>then the computation terminates.</a:t>
+            </a:r>
+          </a:p>
+          <a:p>
+            <a:pPr marL="0" indent="0" algn="ctr">
+              <a:buNone/>
+            </a:pPr>
+            <a:endParaRPr lang="en-GB" dirty="0"/>
+          </a:p>
+          <a:p>
+            <a:pPr marL="0" indent="0">
+              <a:buNone/>
+            </a:pPr>
+            <a:r>
+              <a:rPr lang="en-GB" dirty="0"/>
+              <a:t>The resulting relation will still be a </a:t>
+            </a:r>
+            <a:r>
+              <a:rPr lang="en-GB" dirty="0" err="1"/>
+              <a:t>bisimulation</a:t>
+            </a:r>
+            <a:r>
+              <a:rPr lang="en-GB" dirty="0"/>
+              <a:t>.</a:t>
+            </a:r>
+          </a:p>
+        </p:txBody>
+      </p:sp>
+    </p:spTree>
+    <p:extLst>
+      <p:ext uri="{BB962C8B-B14F-4D97-AF65-F5344CB8AC3E}">
+        <p14:creationId xmlns:p14="http://schemas.microsoft.com/office/powerpoint/2010/main" val="1811828584"/>
+      </p:ext>
+    </p:extLst>
+  </p:cSld>
+  <p:clrMapOvr>
+    <a:masterClrMapping/>
+  </p:clrMapOvr>
+</p:sld>
+</file>
+
+<file path=ppt/slides/slide18.xml><?xml version="1.0" encoding="utf-8"?>
+<p:sld xmlns:a="http://schemas.openxmlformats.org/drawingml/2006/main" xmlns:r="http://schemas.openxmlformats.org/officeDocument/2006/relationships" xmlns:p="http://schemas.openxmlformats.org/presentationml/2006/main">
+  <p:cSld>
+    <p:spTree>
+      <p:nvGrpSpPr>
+        <p:cNvPr id="1" name=""/>
+        <p:cNvGrpSpPr/>
+        <p:nvPr/>
+      </p:nvGrpSpPr>
+      <p:grpSpPr>
+        <a:xfrm>
+          <a:off x="0" y="0"/>
+          <a:ext cx="0" cy="0"/>
+          <a:chOff x="0" y="0"/>
+          <a:chExt cx="0" cy="0"/>
+        </a:xfrm>
+      </p:grpSpPr>
+      <p:sp>
+        <p:nvSpPr>
+          <p:cNvPr id="2" name="Titel 1">
+            <a:extLst>
+              <a:ext uri="{FF2B5EF4-FFF2-40B4-BE49-F238E27FC236}">
                 <a16:creationId xmlns:a16="http://schemas.microsoft.com/office/drawing/2014/main" id="{D55CD077-9E2B-43F3-83A0-334C38F85C7C}"/>
               </a:ext>
             </a:extLst>
@@ -9179,7 +9790,7 @@
 </p:sld>
 </file>
 
-<file path=ppt/slides/slide18.xml><?xml version="1.0" encoding="utf-8"?>
+<file path=ppt/slides/slide19.xml><?xml version="1.0" encoding="utf-8"?>
 <p:sld xmlns:a="http://schemas.openxmlformats.org/drawingml/2006/main" xmlns:r="http://schemas.openxmlformats.org/officeDocument/2006/relationships" xmlns:p="http://schemas.openxmlformats.org/presentationml/2006/main">
   <p:cSld>
     <p:spTree>
@@ -9758,89 +10369,6 @@
 </p:sld>
 </file>
 
-<file path=ppt/slides/slide19.xml><?xml version="1.0" encoding="utf-8"?>
-<p:sld xmlns:a="http://schemas.openxmlformats.org/drawingml/2006/main" xmlns:r="http://schemas.openxmlformats.org/officeDocument/2006/relationships" xmlns:p="http://schemas.openxmlformats.org/presentationml/2006/main">
-  <p:cSld>
-    <p:spTree>
-      <p:nvGrpSpPr>
-        <p:cNvPr id="1" name=""/>
-        <p:cNvGrpSpPr/>
-        <p:nvPr/>
-      </p:nvGrpSpPr>
-      <p:grpSpPr>
-        <a:xfrm>
-          <a:off x="0" y="0"/>
-          <a:ext cx="0" cy="0"/>
-          <a:chOff x="0" y="0"/>
-          <a:chExt cx="0" cy="0"/>
-        </a:xfrm>
-      </p:grpSpPr>
-      <p:sp>
-        <p:nvSpPr>
-          <p:cNvPr id="2" name="Titel 1">
-            <a:extLst>
-              <a:ext uri="{FF2B5EF4-FFF2-40B4-BE49-F238E27FC236}">
-                <a16:creationId xmlns:a16="http://schemas.microsoft.com/office/drawing/2014/main" id="{94FC8E06-2951-44D1-96A9-A195A75D0D67}"/>
-              </a:ext>
-            </a:extLst>
-          </p:cNvPr>
-          <p:cNvSpPr>
-            <a:spLocks noGrp="1"/>
-          </p:cNvSpPr>
-          <p:nvPr>
-            <p:ph type="ctrTitle"/>
-          </p:nvPr>
-        </p:nvSpPr>
-        <p:spPr/>
-        <p:txBody>
-          <a:bodyPr/>
-          <a:lstStyle/>
-          <a:p>
-            <a:r>
-              <a:rPr lang="en-US" dirty="0"/>
-              <a:t>Questions</a:t>
-            </a:r>
-          </a:p>
-        </p:txBody>
-      </p:sp>
-      <p:sp>
-        <p:nvSpPr>
-          <p:cNvPr id="3" name="Untertitel 2">
-            <a:extLst>
-              <a:ext uri="{FF2B5EF4-FFF2-40B4-BE49-F238E27FC236}">
-                <a16:creationId xmlns:a16="http://schemas.microsoft.com/office/drawing/2014/main" id="{986C7E5D-EC0D-41D6-BED5-D39769712C29}"/>
-              </a:ext>
-            </a:extLst>
-          </p:cNvPr>
-          <p:cNvSpPr>
-            <a:spLocks noGrp="1"/>
-          </p:cNvSpPr>
-          <p:nvPr>
-            <p:ph type="subTitle" idx="1"/>
-          </p:nvPr>
-        </p:nvSpPr>
-        <p:spPr/>
-        <p:txBody>
-          <a:bodyPr/>
-          <a:lstStyle/>
-          <a:p>
-            <a:endParaRPr lang="en-US" dirty="0"/>
-          </a:p>
-        </p:txBody>
-      </p:sp>
-    </p:spTree>
-    <p:extLst>
-      <p:ext uri="{BB962C8B-B14F-4D97-AF65-F5344CB8AC3E}">
-        <p14:creationId xmlns:p14="http://schemas.microsoft.com/office/powerpoint/2010/main" val="1765085189"/>
-      </p:ext>
-    </p:extLst>
-  </p:cSld>
-  <p:clrMapOvr>
-    <a:masterClrMapping/>
-  </p:clrMapOvr>
-</p:sld>
-</file>
-
 <file path=ppt/slides/slide2.xml><?xml version="1.0" encoding="utf-8"?>
 <p:sld xmlns:a="http://schemas.openxmlformats.org/drawingml/2006/main" xmlns:r="http://schemas.openxmlformats.org/officeDocument/2006/relationships" xmlns:p="http://schemas.openxmlformats.org/presentationml/2006/main">
   <p:cSld>
@@ -10073,6 +10601,89 @@
     <p:extLst>
       <p:ext uri="{BB962C8B-B14F-4D97-AF65-F5344CB8AC3E}">
         <p14:creationId xmlns:p14="http://schemas.microsoft.com/office/powerpoint/2010/main" val="4159968217"/>
+      </p:ext>
+    </p:extLst>
+  </p:cSld>
+  <p:clrMapOvr>
+    <a:masterClrMapping/>
+  </p:clrMapOvr>
+</p:sld>
+</file>
+
+<file path=ppt/slides/slide20.xml><?xml version="1.0" encoding="utf-8"?>
+<p:sld xmlns:a="http://schemas.openxmlformats.org/drawingml/2006/main" xmlns:r="http://schemas.openxmlformats.org/officeDocument/2006/relationships" xmlns:p="http://schemas.openxmlformats.org/presentationml/2006/main">
+  <p:cSld>
+    <p:spTree>
+      <p:nvGrpSpPr>
+        <p:cNvPr id="1" name=""/>
+        <p:cNvGrpSpPr/>
+        <p:nvPr/>
+      </p:nvGrpSpPr>
+      <p:grpSpPr>
+        <a:xfrm>
+          <a:off x="0" y="0"/>
+          <a:ext cx="0" cy="0"/>
+          <a:chOff x="0" y="0"/>
+          <a:chExt cx="0" cy="0"/>
+        </a:xfrm>
+      </p:grpSpPr>
+      <p:sp>
+        <p:nvSpPr>
+          <p:cNvPr id="2" name="Titel 1">
+            <a:extLst>
+              <a:ext uri="{FF2B5EF4-FFF2-40B4-BE49-F238E27FC236}">
+                <a16:creationId xmlns:a16="http://schemas.microsoft.com/office/drawing/2014/main" id="{94FC8E06-2951-44D1-96A9-A195A75D0D67}"/>
+              </a:ext>
+            </a:extLst>
+          </p:cNvPr>
+          <p:cNvSpPr>
+            <a:spLocks noGrp="1"/>
+          </p:cNvSpPr>
+          <p:nvPr>
+            <p:ph type="ctrTitle"/>
+          </p:nvPr>
+        </p:nvSpPr>
+        <p:spPr/>
+        <p:txBody>
+          <a:bodyPr/>
+          <a:lstStyle/>
+          <a:p>
+            <a:r>
+              <a:rPr lang="en-US" dirty="0"/>
+              <a:t>Questions</a:t>
+            </a:r>
+          </a:p>
+        </p:txBody>
+      </p:sp>
+      <p:sp>
+        <p:nvSpPr>
+          <p:cNvPr id="3" name="Untertitel 2">
+            <a:extLst>
+              <a:ext uri="{FF2B5EF4-FFF2-40B4-BE49-F238E27FC236}">
+                <a16:creationId xmlns:a16="http://schemas.microsoft.com/office/drawing/2014/main" id="{986C7E5D-EC0D-41D6-BED5-D39769712C29}"/>
+              </a:ext>
+            </a:extLst>
+          </p:cNvPr>
+          <p:cNvSpPr>
+            <a:spLocks noGrp="1"/>
+          </p:cNvSpPr>
+          <p:nvPr>
+            <p:ph type="subTitle" idx="1"/>
+          </p:nvPr>
+        </p:nvSpPr>
+        <p:spPr/>
+        <p:txBody>
+          <a:bodyPr/>
+          <a:lstStyle/>
+          <a:p>
+            <a:endParaRPr lang="en-US" dirty="0"/>
+          </a:p>
+        </p:txBody>
+      </p:sp>
+    </p:spTree>
+    <p:extLst>
+      <p:ext uri="{BB962C8B-B14F-4D97-AF65-F5344CB8AC3E}">
+        <p14:creationId xmlns:p14="http://schemas.microsoft.com/office/powerpoint/2010/main" val="1765085189"/>
       </p:ext>
     </p:extLst>
   </p:cSld>
@@ -10927,8 +11538,8 @@
           </a:p>
         </p:txBody>
       </p:sp>
-      <mc:AlternateContent xmlns:mc="http://schemas.openxmlformats.org/markup-compatibility/2006" xmlns:a14="http://schemas.microsoft.com/office/drawing/2010/main">
-        <mc:Choice Requires="a14">
+      <mc:AlternateContent xmlns:mc="http://schemas.openxmlformats.org/markup-compatibility/2006">
+        <mc:Choice xmlns:a14="http://schemas.microsoft.com/office/drawing/2010/main" Requires="a14">
           <p:sp>
             <p:nvSpPr>
               <p:cNvPr id="3" name="Inhaltsplatzhalter 2">
@@ -10957,7 +11568,25 @@
                 </a:pPr>
                 <a:r>
                   <a:rPr lang="en-US" dirty="0"/>
-                  <a:t>Definition:</a:t>
+                  <a:t>A relation “</a:t>
+                </a:r>
+                <a:r>
+                  <a:rPr lang="en-GB" i="1" dirty="0">
+                    <a:latin typeface="Lucida Bright" panose="02040602050505020304" pitchFamily="18" charset="0"/>
+                  </a:rPr>
+                  <a:t>∼ “ </a:t>
+                </a:r>
+                <a:r>
+                  <a:rPr lang="en-US" dirty="0"/>
+                  <a:t>with the following properties is called </a:t>
+                </a:r>
+                <a:r>
+                  <a:rPr lang="en-US" dirty="0" err="1"/>
+                  <a:t>bisimulation</a:t>
+                </a:r>
+                <a:r>
+                  <a:rPr lang="en-US" dirty="0"/>
+                  <a:t>:</a:t>
                 </a:r>
               </a:p>
               <a:p>
@@ -11218,7 +11847,7 @@
             </p:txBody>
           </p:sp>
         </mc:Choice>
-        <mc:Fallback xmlns="">
+        <mc:Fallback>
           <p:sp>
             <p:nvSpPr>
               <p:cNvPr id="3" name="Inhaltsplatzhalter 2">
@@ -11239,7 +11868,7 @@
               <a:blipFill>
                 <a:blip r:embed="rId3"/>
                 <a:stretch>
-                  <a:fillRect l="-1217" t="-3081"/>
+                  <a:fillRect l="-1217" t="-3501"/>
                 </a:stretch>
               </a:blipFill>
             </p:spPr>
@@ -12020,8 +12649,8 @@
           </a:p>
         </p:txBody>
       </p:sp>
-      <mc:AlternateContent xmlns:mc="http://schemas.openxmlformats.org/markup-compatibility/2006" xmlns:a14="http://schemas.microsoft.com/office/drawing/2010/main">
-        <mc:Choice Requires="a14">
+      <mc:AlternateContent xmlns:mc="http://schemas.openxmlformats.org/markup-compatibility/2006">
+        <mc:Choice xmlns:a14="http://schemas.microsoft.com/office/drawing/2010/main" Requires="a14">
           <p:sp>
             <p:nvSpPr>
               <p:cNvPr id="3" name="Inhaltsplatzhalter 2">
@@ -12160,7 +12789,7 @@
                     <a:latin typeface="Cambria Math" panose="02040503050406030204" pitchFamily="18" charset="0"/>
                     <a:ea typeface="Cambria Math" panose="02040503050406030204" pitchFamily="18" charset="0"/>
                   </a:rPr>
-                  <a:t>		in if [] ∈ L(r) then </a:t>
+                  <a:t>		in if [ ] ∈ L(r) then </a:t>
                 </a:r>
                 <a:r>
                   <a:rPr lang="en-GB" i="1" dirty="0" err="1">
@@ -12539,7 +13168,7 @@
             </p:txBody>
           </p:sp>
         </mc:Choice>
-        <mc:Fallback xmlns="">
+        <mc:Fallback>
           <p:sp>
             <p:nvSpPr>
               <p:cNvPr id="3" name="Inhaltsplatzhalter 2">
@@ -12686,8 +13315,8 @@
           </a:p>
         </p:txBody>
       </p:sp>
-      <mc:AlternateContent xmlns:mc="http://schemas.openxmlformats.org/markup-compatibility/2006" xmlns:a14="http://schemas.microsoft.com/office/drawing/2010/main">
-        <mc:Choice Requires="a14">
+      <mc:AlternateContent xmlns:mc="http://schemas.openxmlformats.org/markup-compatibility/2006">
+        <mc:Choice xmlns:a14="http://schemas.microsoft.com/office/drawing/2010/main" Requires="a14">
           <p:sp>
             <p:nvSpPr>
               <p:cNvPr id="3" name="Inhaltsplatzhalter 2">
@@ -12762,7 +13391,7 @@
                     <a:latin typeface="Cambria Math" panose="02040503050406030204" pitchFamily="18" charset="0"/>
                     <a:ea typeface="Cambria Math" panose="02040503050406030204" pitchFamily="18" charset="0"/>
                   </a:rPr>
-                  <a:t> </a:t>
+                  <a:t>  </a:t>
                 </a:r>
                 <a:r>
                   <a:rPr lang="en-US" i="1" dirty="0">
@@ -12781,7 +13410,7 @@
                     <a:latin typeface="Cambria Math" panose="02040503050406030204" pitchFamily="18" charset="0"/>
                     <a:ea typeface="Cambria Math" panose="02040503050406030204" pitchFamily="18" charset="0"/>
                   </a:rPr>
-                  <a:t>	(∀(r, s)∈ ps.</a:t>
+                  <a:t>       (∀(r, s)∈ ps.</a:t>
                 </a:r>
               </a:p>
               <a:p>
@@ -12793,7 +13422,7 @@
                     <a:latin typeface="Cambria Math" panose="02040503050406030204" pitchFamily="18" charset="0"/>
                     <a:ea typeface="Cambria Math" panose="02040503050406030204" pitchFamily="18" charset="0"/>
                   </a:rPr>
-                  <a:t>		([] ∈ L(r) </a:t>
+                  <a:t>              ([] ∈ L(r) </a:t>
                 </a:r>
                 <a:r>
                   <a:rPr lang="en-US" i="1" dirty="0">
@@ -12819,7 +13448,7 @@
                     <a:latin typeface="Cambria Math" panose="02040503050406030204" pitchFamily="18" charset="0"/>
                     <a:ea typeface="Cambria Math" panose="02040503050406030204" pitchFamily="18" charset="0"/>
                   </a:rPr>
-                  <a:t>		(∀a ∈ as. (</a:t>
+                  <a:t>              (∀a ∈ as. (</a:t>
                 </a:r>
                 <a14:m>
                   <m:oMath xmlns:m="http://schemas.openxmlformats.org/officeDocument/2006/math">
@@ -12958,7 +13587,7 @@
                     <a:latin typeface="Cambria Math" panose="02040503050406030204" pitchFamily="18" charset="0"/>
                     <a:ea typeface="Cambria Math" panose="02040503050406030204" pitchFamily="18" charset="0"/>
                   </a:rPr>
-                  <a:t>		atoms r ∪ atoms s ⊆ as</a:t>
+                  <a:t>              atoms r ∪ atoms s ⊆ as</a:t>
                 </a:r>
                 <a:endParaRPr lang="en-US" i="1" dirty="0">
                   <a:latin typeface="Cambria Math" panose="02040503050406030204" pitchFamily="18" charset="0"/>
@@ -12974,7 +13603,7 @@
                     <a:latin typeface="Cambria Math" panose="02040503050406030204" pitchFamily="18" charset="0"/>
                     <a:ea typeface="Cambria Math" panose="02040503050406030204" pitchFamily="18" charset="0"/>
                   </a:rPr>
-                  <a:t>	)</a:t>
+                  <a:t>       )</a:t>
                 </a:r>
               </a:p>
               <a:p>
@@ -13039,7 +13668,7 @@
             </p:txBody>
           </p:sp>
         </mc:Choice>
-        <mc:Fallback xmlns="">
+        <mc:Fallback>
           <p:sp>
             <p:nvSpPr>
               <p:cNvPr id="3" name="Inhaltsplatzhalter 2">

--- a/slides.pptx
+++ b/slides.pptx
@@ -1274,16 +1274,35 @@
             <a:endParaRPr lang="en-US" dirty="0"/>
           </a:p>
           <a:p>
-            <a:endParaRPr lang="en-US" dirty="0"/>
-          </a:p>
-          <a:p>
+            <a:pPr marL="0" marR="0" lvl="0" indent="0" algn="l" defTabSz="914400" rtl="0" eaLnBrk="1" fontAlgn="auto" latinLnBrk="0" hangingPunct="1">
+              <a:lnSpc>
+                <a:spcPct val="100000"/>
+              </a:lnSpc>
+              <a:spcBef>
+                <a:spcPts val="0"/>
+              </a:spcBef>
+              <a:spcAft>
+                <a:spcPts val="0"/>
+              </a:spcAft>
+              <a:buClrTx/>
+              <a:buSzTx/>
+              <a:buFontTx/>
+              <a:buNone/>
+              <a:tabLst/>
+              <a:defRPr/>
+            </a:pPr>
             <a:r>
               <a:rPr lang="en-US" dirty="0"/>
-              <a:t>because this was the only fact we used in the soundness proof</a:t>
-            </a:r>
-          </a:p>
-          <a:p>
-            <a:endParaRPr lang="en-US" dirty="0"/>
+              <a:t>Remember that the goal was to apply the </a:t>
+            </a:r>
+            <a:r>
+              <a:rPr lang="en-US" dirty="0" err="1"/>
+              <a:t>bisimulation</a:t>
+            </a:r>
+            <a:r>
+              <a:rPr lang="en-US" dirty="0"/>
+              <a:t> lemma at the end. It worked on languages, weather we add a RE or its simplified variant makes no difference.</a:t>
+            </a:r>
           </a:p>
           <a:p>
             <a:endParaRPr lang="en-US" dirty="0"/>
@@ -1380,8 +1399,59 @@
               <a:rPr lang="pt-BR" dirty="0">
                 <a:latin typeface="Lucida Bright" panose="02040602050505020304" pitchFamily="18" charset="0"/>
               </a:rPr>
-              <a:t>to-do: alternatively</a:t>
-            </a:r>
+              <a:t>This our _goal_. But later, it will be just one of many equivalences that we show.</a:t>
+            </a:r>
+          </a:p>
+          <a:p>
+            <a:endParaRPr lang="pt-BR" dirty="0">
+              <a:latin typeface="Lucida Bright" panose="02040602050505020304" pitchFamily="18" charset="0"/>
+            </a:endParaRPr>
+          </a:p>
+          <a:p>
+            <a:r>
+              <a:rPr lang="pt-BR" dirty="0">
+                <a:latin typeface="Lucida Bright" panose="02040602050505020304" pitchFamily="18" charset="0"/>
+              </a:rPr>
+              <a:t>alternatively</a:t>
+            </a:r>
+          </a:p>
+          <a:p>
+            <a:endParaRPr lang="pt-BR" dirty="0">
+              <a:latin typeface="Lucida Bright" panose="02040602050505020304" pitchFamily="18" charset="0"/>
+            </a:endParaRPr>
+          </a:p>
+          <a:p>
+            <a:pPr marL="0" marR="0" lvl="0" indent="0" algn="l" defTabSz="914400" rtl="0" eaLnBrk="1" fontAlgn="auto" latinLnBrk="0" hangingPunct="1">
+              <a:lnSpc>
+                <a:spcPct val="100000"/>
+              </a:lnSpc>
+              <a:spcBef>
+                <a:spcPts val="0"/>
+              </a:spcBef>
+              <a:spcAft>
+                <a:spcPts val="0"/>
+              </a:spcAft>
+              <a:buClrTx/>
+              <a:buSzTx/>
+              <a:buFontTx/>
+              <a:buNone/>
+              <a:tabLst/>
+              <a:defRPr/>
+            </a:pPr>
+            <a:r>
+              <a:rPr lang="pt-BR" dirty="0">
+                <a:latin typeface="Lucida Bright" panose="02040602050505020304" pitchFamily="18" charset="0"/>
+              </a:rPr>
+              <a:t>	L ((ε + a)* ⋅ a) = L (a ⋅ (a + ε)*)</a:t>
+            </a:r>
+            <a:endParaRPr lang="en-US" dirty="0">
+              <a:latin typeface="Lucida Bright" panose="02040602050505020304" pitchFamily="18" charset="0"/>
+            </a:endParaRPr>
+          </a:p>
+          <a:p>
+            <a:endParaRPr lang="pt-BR" dirty="0">
+              <a:latin typeface="Lucida Bright" panose="02040602050505020304" pitchFamily="18" charset="0"/>
+            </a:endParaRPr>
           </a:p>
           <a:p>
             <a:r>
@@ -1517,21 +1587,7 @@
           <a:p>
             <a:r>
               <a:rPr lang="en-US" dirty="0"/>
-              <a:t>We are allowed to strengthen this filter: Remember that the goal was to apply the </a:t>
-            </a:r>
-            <a:r>
-              <a:rPr lang="en-US" dirty="0" err="1"/>
-              <a:t>bisimulation</a:t>
-            </a:r>
-            <a:r>
-              <a:rPr lang="en-US" dirty="0"/>
-              <a:t> lemma at the end. It worked on languages, and the language pair is already added if the strengthened filter applies.</a:t>
-            </a:r>
-          </a:p>
-          <a:p>
-            <a:r>
-              <a:rPr lang="en-US" dirty="0"/>
-              <a:t>to-do: maybe swap formulation on the slides with the explanation?</a:t>
+              <a:t>As we already discussed for the simplifications, this does not impede soundness</a:t>
             </a:r>
           </a:p>
         </p:txBody>
@@ -2927,12 +2983,8 @@
           <a:lstStyle/>
           <a:p>
             <a:r>
-              <a:rPr lang="en-US"/>
-              <a:t>“[] </a:t>
-            </a:r>
-            <a:r>
               <a:rPr lang="en-US" dirty="0"/>
-              <a:t>\in L(r)” is computable by a simple recursion</a:t>
+              <a:t>“[] \in L(r)” is computable by a simple recursion</a:t>
             </a:r>
           </a:p>
           <a:p>
@@ -2949,51 +3001,12 @@
             </a:r>
             <a:r>
               <a:rPr lang="en-US" dirty="0"/>
-              <a:t> def by REs </a:t>
-            </a:r>
-            <a:r>
-              <a:rPr lang="en-US" dirty="0">
-                <a:sym typeface="Wingdings" panose="05000000000000000000" pitchFamily="2" charset="2"/>
-              </a:rPr>
-              <a:t> &lt;---- to-do: </a:t>
-            </a:r>
-            <a:r>
-              <a:rPr lang="en-US" dirty="0" err="1">
-                <a:sym typeface="Wingdings" panose="05000000000000000000" pitchFamily="2" charset="2"/>
-              </a:rPr>
-              <a:t>Eigene</a:t>
-            </a:r>
-            <a:r>
-              <a:rPr lang="en-US" dirty="0">
-                <a:sym typeface="Wingdings" panose="05000000000000000000" pitchFamily="2" charset="2"/>
-              </a:rPr>
-              <a:t> </a:t>
-            </a:r>
-            <a:r>
-              <a:rPr lang="en-US" dirty="0" err="1">
-                <a:sym typeface="Wingdings" panose="05000000000000000000" pitchFamily="2" charset="2"/>
-              </a:rPr>
-              <a:t>Folie</a:t>
-            </a:r>
-            <a:r>
-              <a:rPr lang="en-US" dirty="0">
-                <a:sym typeface="Wingdings" panose="05000000000000000000" pitchFamily="2" charset="2"/>
-              </a:rPr>
-              <a:t> </a:t>
-            </a:r>
-            <a:r>
-              <a:rPr lang="en-US" dirty="0" err="1">
-                <a:sym typeface="Wingdings" panose="05000000000000000000" pitchFamily="2" charset="2"/>
-              </a:rPr>
-              <a:t>dafür</a:t>
-            </a:r>
-            <a:r>
-              <a:rPr lang="en-US" dirty="0">
-                <a:sym typeface="Wingdings" panose="05000000000000000000" pitchFamily="2" charset="2"/>
-              </a:rPr>
-              <a:t>?</a:t>
-            </a:r>
-            <a:endParaRPr lang="en-US" dirty="0"/>
+              <a:t> def </a:t>
+            </a:r>
+            <a:r>
+              <a:rPr lang="en-US"/>
+              <a:t>by REs</a:t>
+            </a:r>
           </a:p>
           <a:p>
             <a:endParaRPr lang="en-US" dirty="0"/>
@@ -8813,7 +8826,7 @@
                     <a:latin typeface="Cambria Math" panose="02040503050406030204" pitchFamily="18" charset="0"/>
                     <a:ea typeface="Cambria Math" panose="02040503050406030204" pitchFamily="18" charset="0"/>
                   </a:rPr>
-                  <a:t> ⋅  (…)</a:t>
+                  <a:t> ⋅ (…)</a:t>
                 </a:r>
                 <a:endParaRPr lang="en-US" dirty="0"/>
               </a:p>
@@ -8837,29 +8850,22 @@
                   <a:buNone/>
                 </a:pPr>
                 <a:r>
-                  <a:rPr lang="en-US"/>
+                  <a:rPr lang="en-US" dirty="0"/>
                   <a:t>       </a:t>
                 </a:r>
                 <a:r>
-                  <a:rPr lang="en-US">
+                  <a:rPr lang="en-US" dirty="0">
                     <a:latin typeface="Cambria Math" panose="02040503050406030204" pitchFamily="18" charset="0"/>
                     <a:ea typeface="Cambria Math" panose="02040503050406030204" pitchFamily="18" charset="0"/>
                   </a:rPr>
                   <a:t>∅ </a:t>
                 </a:r>
                 <a:r>
-                  <a:rPr lang="en-GB">
-                    <a:latin typeface="Cambria Math" panose="02040503050406030204" pitchFamily="18" charset="0"/>
-                    <a:ea typeface="Cambria Math" panose="02040503050406030204" pitchFamily="18" charset="0"/>
-                  </a:rPr>
-                  <a:t>⋅ </a:t>
-                </a:r>
-                <a:r>
                   <a:rPr lang="en-GB" dirty="0">
                     <a:latin typeface="Cambria Math" panose="02040503050406030204" pitchFamily="18" charset="0"/>
                     <a:ea typeface="Cambria Math" panose="02040503050406030204" pitchFamily="18" charset="0"/>
                   </a:rPr>
-                  <a:t>(…)</a:t>
+                  <a:t>⋅ (…)</a:t>
                 </a:r>
                 <a:r>
                   <a:rPr lang="en-US" dirty="0">
@@ -9230,20 +9236,6 @@
               <a:latin typeface="Lucida Bright" panose="02040602050505020304" pitchFamily="18" charset="0"/>
             </a:endParaRPr>
           </a:p>
-          <a:p>
-            <a:pPr marL="0" indent="0" algn="ctr">
-              <a:buNone/>
-            </a:pPr>
-            <a:r>
-              <a:rPr lang="pt-BR" dirty="0">
-                <a:latin typeface="Lucida Bright" panose="02040602050505020304" pitchFamily="18" charset="0"/>
-              </a:rPr>
-              <a:t>L ((ε + a)* ⋅ a) = L (a ⋅ (a + ε)*)</a:t>
-            </a:r>
-            <a:endParaRPr lang="en-US" dirty="0">
-              <a:latin typeface="Lucida Bright" panose="02040602050505020304" pitchFamily="18" charset="0"/>
-            </a:endParaRPr>
-          </a:p>
         </p:txBody>
       </p:sp>
     </p:spTree>
@@ -9327,7 +9319,7 @@
         <p:spPr/>
         <p:txBody>
           <a:bodyPr>
-            <a:normAutofit fontScale="85000" lnSpcReduction="20000"/>
+            <a:normAutofit lnSpcReduction="10000"/>
           </a:bodyPr>
           <a:lstStyle/>
           <a:p>
@@ -9526,29 +9518,7 @@
               <a:rPr lang="en-GB" i="1" dirty="0"/>
               <a:t>then the computation terminates.</a:t>
             </a:r>
-          </a:p>
-          <a:p>
-            <a:pPr marL="0" indent="0" algn="ctr">
-              <a:buNone/>
-            </a:pPr>
             <a:endParaRPr lang="en-GB" dirty="0"/>
-          </a:p>
-          <a:p>
-            <a:pPr marL="0" indent="0">
-              <a:buNone/>
-            </a:pPr>
-            <a:r>
-              <a:rPr lang="en-GB" dirty="0"/>
-              <a:t>The resulting relation will still be a </a:t>
-            </a:r>
-            <a:r>
-              <a:rPr lang="en-GB" dirty="0" err="1"/>
-              <a:t>bisimulation</a:t>
-            </a:r>
-            <a:r>
-              <a:rPr lang="en-GB" dirty="0"/>
-              <a:t>.</a:t>
-            </a:r>
           </a:p>
         </p:txBody>
       </p:sp>

--- a/slides.pptx
+++ b/slides.pptx
@@ -220,7 +220,7 @@
           <a:p>
             <a:fld id="{9768728B-C74D-450C-A579-E5E997D18F7C}" type="datetimeFigureOut">
               <a:rPr lang="de-DE" smtClean="0"/>
-              <a:t>10.12.2017</a:t>
+              <a:t>11.12.2017</a:t>
             </a:fld>
             <a:endParaRPr lang="de-DE"/>
           </a:p>
@@ -1114,73 +1114,6 @@
             </a:r>
           </a:p>
           <a:p>
-            <a:r>
-              <a:rPr lang="en-US" dirty="0"/>
-              <a:t>As we can see, +-terms may appear even if they were not present …</a:t>
-            </a:r>
-          </a:p>
-          <a:p>
-            <a:r>
-              <a:rPr lang="en-US" dirty="0"/>
-              <a:t>Also, some terms get larger during the derivation</a:t>
-            </a:r>
-          </a:p>
-          <a:p>
-            <a:r>
-              <a:rPr lang="en-US" dirty="0"/>
-              <a:t>What happens if a derivation creates larger and larger terms and accumulates them with a plus?</a:t>
-            </a:r>
-          </a:p>
-          <a:p>
-            <a:pPr marL="171450" indent="-171450">
-              <a:buFont typeface="Wingdings" panose="05000000000000000000" pitchFamily="2" charset="2"/>
-              <a:buChar char="à"/>
-            </a:pPr>
-            <a:r>
-              <a:rPr lang="en-US" dirty="0">
-                <a:sym typeface="Wingdings" panose="05000000000000000000" pitchFamily="2" charset="2"/>
-              </a:rPr>
-              <a:t>Need to tweak the plus.</a:t>
-            </a:r>
-          </a:p>
-          <a:p>
-            <a:pPr marL="0" indent="0">
-              <a:buFont typeface="Wingdings" panose="05000000000000000000" pitchFamily="2" charset="2"/>
-              <a:buNone/>
-            </a:pPr>
-            <a:r>
-              <a:rPr lang="en-US" dirty="0">
-                <a:sym typeface="Wingdings" panose="05000000000000000000" pitchFamily="2" charset="2"/>
-              </a:rPr>
-              <a:t>In the 60s, </a:t>
-            </a:r>
-            <a:r>
-              <a:rPr lang="en-US" dirty="0" err="1">
-                <a:sym typeface="Wingdings" panose="05000000000000000000" pitchFamily="2" charset="2"/>
-              </a:rPr>
-              <a:t>Janusz</a:t>
-            </a:r>
-            <a:r>
-              <a:rPr lang="en-US" dirty="0">
-                <a:sym typeface="Wingdings" panose="05000000000000000000" pitchFamily="2" charset="2"/>
-              </a:rPr>
-              <a:t> </a:t>
-            </a:r>
-            <a:r>
-              <a:rPr lang="en-US" dirty="0" err="1">
-                <a:sym typeface="Wingdings" panose="05000000000000000000" pitchFamily="2" charset="2"/>
-              </a:rPr>
-              <a:t>Brzozowski</a:t>
-            </a:r>
-            <a:r>
-              <a:rPr lang="en-US" dirty="0">
-                <a:sym typeface="Wingdings" panose="05000000000000000000" pitchFamily="2" charset="2"/>
-              </a:rPr>
-              <a:t> showed that this is already enough</a:t>
-            </a:r>
-            <a:endParaRPr lang="en-US" dirty="0"/>
-          </a:p>
-          <a:p>
             <a:endParaRPr lang="en-US" dirty="0"/>
           </a:p>
         </p:txBody>
@@ -1267,6 +1200,15 @@
           <a:p>
             <a:r>
               <a:rPr lang="en-US" dirty="0"/>
+              <a:t>and sometimes this does not terminate</a:t>
+            </a:r>
+          </a:p>
+          <a:p>
+            <a:endParaRPr lang="en-US" dirty="0"/>
+          </a:p>
+          <a:p>
+            <a:r>
+              <a:rPr lang="en-US" dirty="0"/>
               <a:t>so, can we do simplifications like these during the derivations WITHOUT sacrificing soundness ?</a:t>
             </a:r>
           </a:p>
@@ -1310,7 +1252,7 @@
           <a:p>
             <a:r>
               <a:rPr lang="en-US" dirty="0"/>
-              <a:t>I will later give a sufficient condition for termination, but this is already enough for a small example</a:t>
+              <a:t>I will later give a sufficient condition for termination, but this is already enough for a small example.</a:t>
             </a:r>
           </a:p>
         </p:txBody>
@@ -1403,6 +1345,78 @@
             </a:r>
           </a:p>
           <a:p>
+            <a:endParaRPr lang="en-US" dirty="0"/>
+          </a:p>
+          <a:p>
+            <a:r>
+              <a:rPr lang="en-US" dirty="0"/>
+              <a:t>As we can see, +-terms may appear even if they were not present …</a:t>
+            </a:r>
+          </a:p>
+          <a:p>
+            <a:r>
+              <a:rPr lang="en-US" dirty="0"/>
+              <a:t>Also, some terms get larger during the derivation</a:t>
+            </a:r>
+          </a:p>
+          <a:p>
+            <a:r>
+              <a:rPr lang="en-US" dirty="0"/>
+              <a:t>What happens if a derivation creates larger and larger terms and accumulates them with a plus?</a:t>
+            </a:r>
+          </a:p>
+          <a:p>
+            <a:pPr marL="171450" indent="-171450">
+              <a:buFont typeface="Wingdings" panose="05000000000000000000" pitchFamily="2" charset="2"/>
+              <a:buChar char="à"/>
+            </a:pPr>
+            <a:r>
+              <a:rPr lang="en-US" dirty="0">
+                <a:sym typeface="Wingdings" panose="05000000000000000000" pitchFamily="2" charset="2"/>
+              </a:rPr>
+              <a:t>Need to tweak the plus.</a:t>
+            </a:r>
+          </a:p>
+          <a:p>
+            <a:pPr marL="0" indent="0">
+              <a:buFont typeface="Wingdings" panose="05000000000000000000" pitchFamily="2" charset="2"/>
+              <a:buNone/>
+            </a:pPr>
+            <a:r>
+              <a:rPr lang="en-US" dirty="0">
+                <a:sym typeface="Wingdings" panose="05000000000000000000" pitchFamily="2" charset="2"/>
+              </a:rPr>
+              <a:t>In the 60s, </a:t>
+            </a:r>
+            <a:r>
+              <a:rPr lang="en-US" dirty="0" err="1">
+                <a:sym typeface="Wingdings" panose="05000000000000000000" pitchFamily="2" charset="2"/>
+              </a:rPr>
+              <a:t>Janusz</a:t>
+            </a:r>
+            <a:r>
+              <a:rPr lang="en-US" dirty="0">
+                <a:sym typeface="Wingdings" panose="05000000000000000000" pitchFamily="2" charset="2"/>
+              </a:rPr>
+              <a:t> </a:t>
+            </a:r>
+            <a:r>
+              <a:rPr lang="en-US" dirty="0" err="1">
+                <a:sym typeface="Wingdings" panose="05000000000000000000" pitchFamily="2" charset="2"/>
+              </a:rPr>
+              <a:t>Brzozowski</a:t>
+            </a:r>
+            <a:r>
+              <a:rPr lang="en-US" dirty="0">
+                <a:sym typeface="Wingdings" panose="05000000000000000000" pitchFamily="2" charset="2"/>
+              </a:rPr>
+              <a:t> showed that this is already enough</a:t>
+            </a:r>
+            <a:endParaRPr lang="pt-BR" dirty="0">
+              <a:latin typeface="Lucida Bright" panose="02040602050505020304" pitchFamily="18" charset="0"/>
+            </a:endParaRPr>
+          </a:p>
+          <a:p>
             <a:endParaRPr lang="pt-BR" dirty="0">
               <a:latin typeface="Lucida Bright" panose="02040602050505020304" pitchFamily="18" charset="0"/>
             </a:endParaRPr>
@@ -1587,7 +1601,13 @@
           <a:p>
             <a:r>
               <a:rPr lang="en-US" dirty="0"/>
-              <a:t>As we already discussed for the simplifications, this does not impede soundness</a:t>
+              <a:t>As we already discussed for the simplifications, this does not impede soundness.</a:t>
+            </a:r>
+          </a:p>
+          <a:p>
+            <a:r>
+              <a:rPr lang="en-US" dirty="0"/>
+              <a:t>So we have termination, and termination is the same as completeness here.</a:t>
             </a:r>
           </a:p>
         </p:txBody>
@@ -3336,7 +3356,7 @@
           <a:p>
             <a:fld id="{B8511AE9-C2D5-45E7-980E-A4DD1A9265AF}" type="datetimeFigureOut">
               <a:rPr lang="en-US" noProof="0" smtClean="0"/>
-              <a:t>12/10/2017</a:t>
+              <a:t>12/11/2017</a:t>
             </a:fld>
             <a:endParaRPr lang="en-US" noProof="0"/>
           </a:p>
@@ -3534,7 +3554,7 @@
           <a:p>
             <a:fld id="{B8511AE9-C2D5-45E7-980E-A4DD1A9265AF}" type="datetimeFigureOut">
               <a:rPr lang="de-DE" smtClean="0"/>
-              <a:t>10.12.2017</a:t>
+              <a:t>11.12.2017</a:t>
             </a:fld>
             <a:endParaRPr lang="de-DE"/>
           </a:p>
@@ -3836,7 +3856,7 @@
             <a:fld id="{B8511AE9-C2D5-45E7-980E-A4DD1A9265AF}" type="datetimeFigureOut">
               <a:rPr lang="en-US" noProof="0" smtClean="0"/>
               <a:pPr/>
-              <a:t>12/10/2017</a:t>
+              <a:t>12/11/2017</a:t>
             </a:fld>
             <a:endParaRPr lang="en-US" noProof="0"/>
           </a:p>
@@ -3990,7 +4010,7 @@
           <a:p>
             <a:fld id="{B8511AE9-C2D5-45E7-980E-A4DD1A9265AF}" type="datetimeFigureOut">
               <a:rPr lang="en-US" noProof="0" smtClean="0"/>
-              <a:t>12/10/2017</a:t>
+              <a:t>12/11/2017</a:t>
             </a:fld>
             <a:endParaRPr lang="en-US" noProof="0"/>
           </a:p>
@@ -4188,7 +4208,7 @@
           <a:p>
             <a:fld id="{B8511AE9-C2D5-45E7-980E-A4DD1A9265AF}" type="datetimeFigureOut">
               <a:rPr lang="en-US" noProof="0" smtClean="0"/>
-              <a:t>12/10/2017</a:t>
+              <a:t>12/11/2017</a:t>
             </a:fld>
             <a:endParaRPr lang="en-US" noProof="0"/>
           </a:p>
@@ -4463,7 +4483,7 @@
           <a:p>
             <a:fld id="{B8511AE9-C2D5-45E7-980E-A4DD1A9265AF}" type="datetimeFigureOut">
               <a:rPr lang="en-US" noProof="0" smtClean="0"/>
-              <a:t>12/10/2017</a:t>
+              <a:t>12/11/2017</a:t>
             </a:fld>
             <a:endParaRPr lang="en-US" noProof="0"/>
           </a:p>
@@ -4785,7 +4805,7 @@
           <a:p>
             <a:fld id="{B8511AE9-C2D5-45E7-980E-A4DD1A9265AF}" type="datetimeFigureOut">
               <a:rPr lang="en-US" noProof="0" smtClean="0"/>
-              <a:t>12/10/2017</a:t>
+              <a:t>12/11/2017</a:t>
             </a:fld>
             <a:endParaRPr lang="en-US" noProof="0"/>
           </a:p>
@@ -5197,7 +5217,7 @@
           <a:p>
             <a:fld id="{B8511AE9-C2D5-45E7-980E-A4DD1A9265AF}" type="datetimeFigureOut">
               <a:rPr lang="en-US" noProof="0" smtClean="0"/>
-              <a:t>12/10/2017</a:t>
+              <a:t>12/11/2017</a:t>
             </a:fld>
             <a:endParaRPr lang="en-US" noProof="0"/>
           </a:p>
@@ -5338,7 +5358,7 @@
           <a:p>
             <a:fld id="{B8511AE9-C2D5-45E7-980E-A4DD1A9265AF}" type="datetimeFigureOut">
               <a:rPr lang="en-US" noProof="0" smtClean="0"/>
-              <a:t>12/10/2017</a:t>
+              <a:t>12/11/2017</a:t>
             </a:fld>
             <a:endParaRPr lang="en-US" noProof="0"/>
           </a:p>
@@ -5456,7 +5476,7 @@
           <a:p>
             <a:fld id="{B8511AE9-C2D5-45E7-980E-A4DD1A9265AF}" type="datetimeFigureOut">
               <a:rPr lang="en-US" noProof="0" smtClean="0"/>
-              <a:t>12/10/2017</a:t>
+              <a:t>12/11/2017</a:t>
             </a:fld>
             <a:endParaRPr lang="en-US" noProof="0"/>
           </a:p>
@@ -5767,7 +5787,7 @@
           <a:p>
             <a:fld id="{B8511AE9-C2D5-45E7-980E-A4DD1A9265AF}" type="datetimeFigureOut">
               <a:rPr lang="en-US" noProof="0" smtClean="0"/>
-              <a:t>12/10/2017</a:t>
+              <a:t>12/11/2017</a:t>
             </a:fld>
             <a:endParaRPr lang="en-US" noProof="0"/>
           </a:p>
@@ -6060,7 +6080,7 @@
           <a:p>
             <a:fld id="{B8511AE9-C2D5-45E7-980E-A4DD1A9265AF}" type="datetimeFigureOut">
               <a:rPr lang="en-US" noProof="0" smtClean="0"/>
-              <a:t>12/10/2017</a:t>
+              <a:t>12/11/2017</a:t>
             </a:fld>
             <a:endParaRPr lang="en-US" noProof="0"/>
           </a:p>
@@ -6301,7 +6321,7 @@
           <a:p>
             <a:fld id="{B8511AE9-C2D5-45E7-980E-A4DD1A9265AF}" type="datetimeFigureOut">
               <a:rPr lang="en-US" noProof="0" smtClean="0"/>
-              <a:t>12/10/2017</a:t>
+              <a:t>12/11/2017</a:t>
             </a:fld>
             <a:endParaRPr lang="en-US" noProof="0"/>
           </a:p>
@@ -8578,7 +8598,7 @@
                     <a:latin typeface="Cambria Math" panose="02040503050406030204" pitchFamily="18" charset="0"/>
                     <a:ea typeface="Cambria Math" panose="02040503050406030204" pitchFamily="18" charset="0"/>
                   </a:rPr>
-                  <a:t> . atoms p ∪ atoms q ⊆ as)</a:t>
+                  <a:t> . atoms p ∪ atoms q ⊆ set as)</a:t>
                 </a:r>
                 <a:endParaRPr lang="en-US" i="1" dirty="0">
                   <a:latin typeface="Cambria Math" panose="02040503050406030204" pitchFamily="18" charset="0"/>
@@ -8686,8 +8706,8 @@
           </a:p>
         </p:txBody>
       </p:sp>
-      <mc:AlternateContent xmlns:mc="http://schemas.openxmlformats.org/markup-compatibility/2006">
-        <mc:Choice xmlns:a14="http://schemas.microsoft.com/office/drawing/2010/main" Requires="a14">
+      <mc:AlternateContent xmlns:mc="http://schemas.openxmlformats.org/markup-compatibility/2006" xmlns:a14="http://schemas.microsoft.com/office/drawing/2010/main">
+        <mc:Choice Requires="a14">
           <p:sp>
             <p:nvSpPr>
               <p:cNvPr id="3" name="Inhaltsplatzhalter 2">
@@ -9081,7 +9101,7 @@
             </p:txBody>
           </p:sp>
         </mc:Choice>
-        <mc:Fallback>
+        <mc:Fallback xmlns="">
           <p:sp>
             <p:nvSpPr>
               <p:cNvPr id="3" name="Inhaltsplatzhalter 2">
@@ -11508,8 +11528,8 @@
           </a:p>
         </p:txBody>
       </p:sp>
-      <mc:AlternateContent xmlns:mc="http://schemas.openxmlformats.org/markup-compatibility/2006">
-        <mc:Choice xmlns:a14="http://schemas.microsoft.com/office/drawing/2010/main" Requires="a14">
+      <mc:AlternateContent xmlns:mc="http://schemas.openxmlformats.org/markup-compatibility/2006" xmlns:a14="http://schemas.microsoft.com/office/drawing/2010/main">
+        <mc:Choice Requires="a14">
           <p:sp>
             <p:nvSpPr>
               <p:cNvPr id="3" name="Inhaltsplatzhalter 2">
@@ -11817,7 +11837,7 @@
             </p:txBody>
           </p:sp>
         </mc:Choice>
-        <mc:Fallback>
+        <mc:Fallback xmlns="">
           <p:sp>
             <p:nvSpPr>
               <p:cNvPr id="3" name="Inhaltsplatzhalter 2">
@@ -12619,8 +12639,8 @@
           </a:p>
         </p:txBody>
       </p:sp>
-      <mc:AlternateContent xmlns:mc="http://schemas.openxmlformats.org/markup-compatibility/2006">
-        <mc:Choice xmlns:a14="http://schemas.microsoft.com/office/drawing/2010/main" Requires="a14">
+      <mc:AlternateContent xmlns:mc="http://schemas.openxmlformats.org/markup-compatibility/2006" xmlns:a14="http://schemas.microsoft.com/office/drawing/2010/main">
+        <mc:Choice Requires="a14">
           <p:sp>
             <p:nvSpPr>
               <p:cNvPr id="3" name="Inhaltsplatzhalter 2">
@@ -13138,7 +13158,7 @@
             </p:txBody>
           </p:sp>
         </mc:Choice>
-        <mc:Fallback>
+        <mc:Fallback xmlns="">
           <p:sp>
             <p:nvSpPr>
               <p:cNvPr id="3" name="Inhaltsplatzhalter 2">
@@ -13380,7 +13400,21 @@
                     <a:latin typeface="Cambria Math" panose="02040503050406030204" pitchFamily="18" charset="0"/>
                     <a:ea typeface="Cambria Math" panose="02040503050406030204" pitchFamily="18" charset="0"/>
                   </a:rPr>
-                  <a:t>       (∀(r, s)∈ ps.</a:t>
+                  <a:t>       (∀(r, </a:t>
+                </a:r>
+                <a:r>
+                  <a:rPr lang="en-GB" i="1">
+                    <a:latin typeface="Cambria Math" panose="02040503050406030204" pitchFamily="18" charset="0"/>
+                    <a:ea typeface="Cambria Math" panose="02040503050406030204" pitchFamily="18" charset="0"/>
+                  </a:rPr>
+                  <a:t>s) ∈ ps</a:t>
+                </a:r>
+                <a:r>
+                  <a:rPr lang="en-GB" i="1" dirty="0">
+                    <a:latin typeface="Cambria Math" panose="02040503050406030204" pitchFamily="18" charset="0"/>
+                    <a:ea typeface="Cambria Math" panose="02040503050406030204" pitchFamily="18" charset="0"/>
+                  </a:rPr>
+                  <a:t>.</a:t>
                 </a:r>
               </a:p>
               <a:p>
@@ -13418,7 +13452,7 @@
                     <a:latin typeface="Cambria Math" panose="02040503050406030204" pitchFamily="18" charset="0"/>
                     <a:ea typeface="Cambria Math" panose="02040503050406030204" pitchFamily="18" charset="0"/>
                   </a:rPr>
-                  <a:t>              (∀a ∈ as. (</a:t>
+                  <a:t>              (∀a ∈ set as. (</a:t>
                 </a:r>
                 <a14:m>
                   <m:oMath xmlns:m="http://schemas.openxmlformats.org/officeDocument/2006/math">
@@ -13557,7 +13591,7 @@
                     <a:latin typeface="Cambria Math" panose="02040503050406030204" pitchFamily="18" charset="0"/>
                     <a:ea typeface="Cambria Math" panose="02040503050406030204" pitchFamily="18" charset="0"/>
                   </a:rPr>
-                  <a:t>              atoms r ∪ atoms s ⊆ as</a:t>
+                  <a:t>              atoms r ∪ atoms s ⊆ set as</a:t>
                 </a:r>
                 <a:endParaRPr lang="en-US" i="1" dirty="0">
                   <a:latin typeface="Cambria Math" panose="02040503050406030204" pitchFamily="18" charset="0"/>
